--- a/projektsql/Czy język wniosku ma wpływ na jego obsługę.pptx
+++ b/projektsql/Czy język wniosku ma wpływ na jego obsługę.pptx
@@ -7,10 +7,10 @@
   <p:sldIdLst>
     <p:sldId id="256" r:id="rId2"/>
     <p:sldId id="266" r:id="rId3"/>
-    <p:sldId id="270" r:id="rId4"/>
-    <p:sldId id="267" r:id="rId5"/>
-    <p:sldId id="273" r:id="rId6"/>
-    <p:sldId id="268" r:id="rId7"/>
+    <p:sldId id="268" r:id="rId4"/>
+    <p:sldId id="270" r:id="rId5"/>
+    <p:sldId id="267" r:id="rId6"/>
+    <p:sldId id="273" r:id="rId7"/>
     <p:sldId id="269" r:id="rId8"/>
     <p:sldId id="260" r:id="rId9"/>
     <p:sldId id="263" r:id="rId10"/>
@@ -120,6 +120,11 @@
       </a:defRPr>
     </a:lvl9pPr>
   </p:defaultTextStyle>
+  <p:extLst>
+    <p:ext uri="{EFAFB233-063F-42B5-8137-9DF3F51BA10A}">
+      <p15:sldGuideLst xmlns:p15="http://schemas.microsoft.com/office/powerpoint/2012/main"/>
+    </p:ext>
+  </p:extLst>
 </p:presentation>
 </file>
 
@@ -13534,6 +13539,344 @@
           <a:chExt cx="0" cy="0"/>
         </a:xfrm>
       </p:grpSpPr>
+      <p:pic>
+        <p:nvPicPr>
+          <p:cNvPr id="3" name="slide4">
+            <a:extLst>
+              <a:ext uri="{FF2B5EF4-FFF2-40B4-BE49-F238E27FC236}">
+                <a16:creationId xmlns:a16="http://schemas.microsoft.com/office/drawing/2014/main" id="{69CBD875-E81A-4BB9-8585-DE34389A940B}"/>
+              </a:ext>
+            </a:extLst>
+          </p:cNvPr>
+          <p:cNvPicPr>
+            <a:picLocks noChangeAspect="1"/>
+          </p:cNvPicPr>
+          <p:nvPr/>
+        </p:nvPicPr>
+        <p:blipFill>
+          <a:blip r:embed="rId2">
+            <a:extLst>
+              <a:ext uri="{28A0092B-C50C-407E-A947-70E740481C1C}">
+                <a14:useLocalDpi xmlns:a14="http://schemas.microsoft.com/office/drawing/2010/main" val="0"/>
+              </a:ext>
+            </a:extLst>
+          </a:blip>
+          <a:stretch>
+            <a:fillRect/>
+          </a:stretch>
+        </p:blipFill>
+        <p:spPr>
+          <a:xfrm>
+            <a:off x="2210182" y="643467"/>
+            <a:ext cx="2562435" cy="2543217"/>
+          </a:xfrm>
+          <a:prstGeom prst="rect">
+            <a:avLst/>
+          </a:prstGeom>
+        </p:spPr>
+      </p:pic>
+      <p:cxnSp>
+        <p:nvCxnSpPr>
+          <p:cNvPr id="10" name="Straight Connector 9">
+            <a:extLst>
+              <a:ext uri="{FF2B5EF4-FFF2-40B4-BE49-F238E27FC236}">
+                <a16:creationId xmlns:a16="http://schemas.microsoft.com/office/drawing/2014/main" id="{91B6081D-D3E8-4209-B85B-EB1C655A6272}"/>
+              </a:ext>
+              <a:ext uri="{C183D7F6-B498-43B3-948B-1728B52AA6E4}">
+                <adec:decorative xmlns:adec="http://schemas.microsoft.com/office/drawing/2017/decorative" val="1"/>
+              </a:ext>
+            </a:extLst>
+          </p:cNvPr>
+          <p:cNvCxnSpPr>
+            <a:cxnSpLocks noGrp="1" noRot="1" noChangeAspect="1" noMove="1" noResize="1" noEditPoints="1" noAdjustHandles="1" noChangeArrowheads="1" noChangeShapeType="1"/>
+          </p:cNvCxnSpPr>
+          <p:nvPr>
+            <p:extLst>
+              <p:ext uri="{386F3935-93C4-4BCD-93E2-E3B085C9AB24}">
+                <p16:designElem xmlns:p16="http://schemas.microsoft.com/office/powerpoint/2015/main" val="1"/>
+              </p:ext>
+            </p:extLst>
+          </p:nvPr>
+        </p:nvCxnSpPr>
+        <p:spPr>
+          <a:xfrm>
+            <a:off x="6091214" y="1111170"/>
+            <a:ext cx="11040" cy="4645103"/>
+          </a:xfrm>
+          <a:prstGeom prst="line">
+            <a:avLst/>
+          </a:prstGeom>
+          <a:ln w="19050">
+            <a:solidFill>
+              <a:srgbClr val="7F7F7F"/>
+            </a:solidFill>
+          </a:ln>
+        </p:spPr>
+        <p:style>
+          <a:lnRef idx="1">
+            <a:schemeClr val="accent1"/>
+          </a:lnRef>
+          <a:fillRef idx="0">
+            <a:schemeClr val="accent1"/>
+          </a:fillRef>
+          <a:effectRef idx="0">
+            <a:schemeClr val="accent1"/>
+          </a:effectRef>
+          <a:fontRef idx="minor">
+            <a:schemeClr val="tx1"/>
+          </a:fontRef>
+        </p:style>
+      </p:cxnSp>
+      <p:pic>
+        <p:nvPicPr>
+          <p:cNvPr id="4" name="slide5">
+            <a:extLst>
+              <a:ext uri="{FF2B5EF4-FFF2-40B4-BE49-F238E27FC236}">
+                <a16:creationId xmlns:a16="http://schemas.microsoft.com/office/drawing/2014/main" id="{B3624E7A-DAFC-4F71-B12D-D6336B95062E}"/>
+              </a:ext>
+            </a:extLst>
+          </p:cNvPr>
+          <p:cNvPicPr>
+            <a:picLocks noChangeAspect="1"/>
+          </p:cNvPicPr>
+          <p:nvPr/>
+        </p:nvPicPr>
+        <p:blipFill>
+          <a:blip r:embed="rId3">
+            <a:extLst>
+              <a:ext uri="{28A0092B-C50C-407E-A947-70E740481C1C}">
+                <a14:useLocalDpi xmlns:a14="http://schemas.microsoft.com/office/drawing/2010/main" val="0"/>
+              </a:ext>
+            </a:extLst>
+          </a:blip>
+          <a:stretch>
+            <a:fillRect/>
+          </a:stretch>
+        </p:blipFill>
+        <p:spPr>
+          <a:xfrm>
+            <a:off x="7413813" y="643467"/>
+            <a:ext cx="2581946" cy="2543217"/>
+          </a:xfrm>
+          <a:prstGeom prst="rect">
+            <a:avLst/>
+          </a:prstGeom>
+        </p:spPr>
+      </p:pic>
+      <p:cxnSp>
+        <p:nvCxnSpPr>
+          <p:cNvPr id="12" name="Straight Connector 11">
+            <a:extLst>
+              <a:ext uri="{FF2B5EF4-FFF2-40B4-BE49-F238E27FC236}">
+                <a16:creationId xmlns:a16="http://schemas.microsoft.com/office/drawing/2014/main" id="{28CA55E4-1295-45C8-BA05-5A9E705B749A}"/>
+              </a:ext>
+              <a:ext uri="{C183D7F6-B498-43B3-948B-1728B52AA6E4}">
+                <adec:decorative xmlns:adec="http://schemas.microsoft.com/office/drawing/2017/decorative" val="1"/>
+              </a:ext>
+            </a:extLst>
+          </p:cNvPr>
+          <p:cNvCxnSpPr>
+            <a:cxnSpLocks noGrp="1" noRot="1" noChangeAspect="1" noMove="1" noResize="1" noEditPoints="1" noAdjustHandles="1" noChangeArrowheads="1" noChangeShapeType="1"/>
+          </p:cNvCxnSpPr>
+          <p:nvPr>
+            <p:extLst>
+              <p:ext uri="{386F3935-93C4-4BCD-93E2-E3B085C9AB24}">
+                <p16:designElem xmlns:p16="http://schemas.microsoft.com/office/powerpoint/2015/main" val="1"/>
+              </p:ext>
+            </p:extLst>
+          </p:nvPr>
+        </p:nvCxnSpPr>
+        <p:spPr>
+          <a:xfrm>
+            <a:off x="1403027" y="3428998"/>
+            <a:ext cx="4188904" cy="1"/>
+          </a:xfrm>
+          <a:prstGeom prst="line">
+            <a:avLst/>
+          </a:prstGeom>
+          <a:ln w="19050">
+            <a:solidFill>
+              <a:srgbClr val="7F7F7F"/>
+            </a:solidFill>
+          </a:ln>
+        </p:spPr>
+        <p:style>
+          <a:lnRef idx="1">
+            <a:schemeClr val="accent1"/>
+          </a:lnRef>
+          <a:fillRef idx="0">
+            <a:schemeClr val="accent1"/>
+          </a:fillRef>
+          <a:effectRef idx="0">
+            <a:schemeClr val="accent1"/>
+          </a:effectRef>
+          <a:fontRef idx="minor">
+            <a:schemeClr val="tx1"/>
+          </a:fontRef>
+        </p:style>
+      </p:cxnSp>
+      <p:cxnSp>
+        <p:nvCxnSpPr>
+          <p:cNvPr id="14" name="Straight Connector 13">
+            <a:extLst>
+              <a:ext uri="{FF2B5EF4-FFF2-40B4-BE49-F238E27FC236}">
+                <a16:creationId xmlns:a16="http://schemas.microsoft.com/office/drawing/2014/main" id="{08C5794E-A9A1-4A23-AF68-C79A7822334C}"/>
+              </a:ext>
+              <a:ext uri="{C183D7F6-B498-43B3-948B-1728B52AA6E4}">
+                <adec:decorative xmlns:adec="http://schemas.microsoft.com/office/drawing/2017/decorative" val="1"/>
+              </a:ext>
+            </a:extLst>
+          </p:cNvPr>
+          <p:cNvCxnSpPr>
+            <a:cxnSpLocks noGrp="1" noRot="1" noChangeAspect="1" noMove="1" noResize="1" noEditPoints="1" noAdjustHandles="1" noChangeArrowheads="1" noChangeShapeType="1"/>
+          </p:cNvCxnSpPr>
+          <p:nvPr>
+            <p:extLst>
+              <p:ext uri="{386F3935-93C4-4BCD-93E2-E3B085C9AB24}">
+                <p16:designElem xmlns:p16="http://schemas.microsoft.com/office/powerpoint/2015/main" val="1"/>
+              </p:ext>
+            </p:extLst>
+          </p:nvPr>
+        </p:nvCxnSpPr>
+        <p:spPr>
+          <a:xfrm>
+            <a:off x="6610334" y="3428998"/>
+            <a:ext cx="4188904" cy="1"/>
+          </a:xfrm>
+          <a:prstGeom prst="line">
+            <a:avLst/>
+          </a:prstGeom>
+          <a:ln w="19050">
+            <a:solidFill>
+              <a:srgbClr val="7F7F7F"/>
+            </a:solidFill>
+          </a:ln>
+        </p:spPr>
+        <p:style>
+          <a:lnRef idx="1">
+            <a:schemeClr val="accent1"/>
+          </a:lnRef>
+          <a:fillRef idx="0">
+            <a:schemeClr val="accent1"/>
+          </a:fillRef>
+          <a:effectRef idx="0">
+            <a:schemeClr val="accent1"/>
+          </a:effectRef>
+          <a:fontRef idx="minor">
+            <a:schemeClr val="tx1"/>
+          </a:fontRef>
+        </p:style>
+      </p:cxnSp>
+      <p:pic>
+        <p:nvPicPr>
+          <p:cNvPr id="2" name="slide3">
+            <a:extLst>
+              <a:ext uri="{FF2B5EF4-FFF2-40B4-BE49-F238E27FC236}">
+                <a16:creationId xmlns:a16="http://schemas.microsoft.com/office/drawing/2014/main" id="{66226FF5-3052-4B87-B290-DF5322CE9FA9}"/>
+              </a:ext>
+            </a:extLst>
+          </p:cNvPr>
+          <p:cNvPicPr>
+            <a:picLocks noChangeAspect="1"/>
+          </p:cNvPicPr>
+          <p:nvPr/>
+        </p:nvPicPr>
+        <p:blipFill>
+          <a:blip r:embed="rId4">
+            <a:extLst>
+              <a:ext uri="{28A0092B-C50C-407E-A947-70E740481C1C}">
+                <a14:useLocalDpi xmlns:a14="http://schemas.microsoft.com/office/drawing/2010/main" val="0"/>
+              </a:ext>
+            </a:extLst>
+          </a:blip>
+          <a:stretch>
+            <a:fillRect/>
+          </a:stretch>
+        </p:blipFill>
+        <p:spPr>
+          <a:xfrm>
+            <a:off x="2269386" y="3671316"/>
+            <a:ext cx="2444027" cy="2545862"/>
+          </a:xfrm>
+          <a:prstGeom prst="rect">
+            <a:avLst/>
+          </a:prstGeom>
+        </p:spPr>
+      </p:pic>
+      <p:pic>
+        <p:nvPicPr>
+          <p:cNvPr id="5" name="slide6">
+            <a:extLst>
+              <a:ext uri="{FF2B5EF4-FFF2-40B4-BE49-F238E27FC236}">
+                <a16:creationId xmlns:a16="http://schemas.microsoft.com/office/drawing/2014/main" id="{68F416CC-D521-4273-BF3E-FA6181F163CC}"/>
+              </a:ext>
+            </a:extLst>
+          </p:cNvPr>
+          <p:cNvPicPr>
+            <a:picLocks noChangeAspect="1"/>
+          </p:cNvPicPr>
+          <p:nvPr/>
+        </p:nvPicPr>
+        <p:blipFill>
+          <a:blip r:embed="rId5">
+            <a:extLst>
+              <a:ext uri="{28A0092B-C50C-407E-A947-70E740481C1C}">
+                <a14:useLocalDpi xmlns:a14="http://schemas.microsoft.com/office/drawing/2010/main" val="0"/>
+              </a:ext>
+            </a:extLst>
+          </a:blip>
+          <a:stretch>
+            <a:fillRect/>
+          </a:stretch>
+        </p:blipFill>
+        <p:spPr>
+          <a:xfrm>
+            <a:off x="8069611" y="3671316"/>
+            <a:ext cx="1270350" cy="2553469"/>
+          </a:xfrm>
+          <a:prstGeom prst="rect">
+            <a:avLst/>
+          </a:prstGeom>
+        </p:spPr>
+      </p:pic>
+    </p:spTree>
+    <p:extLst>
+      <p:ext uri="{BB962C8B-B14F-4D97-AF65-F5344CB8AC3E}">
+        <p14:creationId xmlns:p14="http://schemas.microsoft.com/office/powerpoint/2010/main" val="1609116936"/>
+      </p:ext>
+    </p:extLst>
+  </p:cSld>
+  <p:clrMapOvr>
+    <a:masterClrMapping/>
+  </p:clrMapOvr>
+</p:sld>
+</file>
+
+<file path=ppt/slides/slide4.xml><?xml version="1.0" encoding="utf-8"?>
+<p:sld xmlns:a="http://schemas.openxmlformats.org/drawingml/2006/main" xmlns:r="http://schemas.openxmlformats.org/officeDocument/2006/relationships" xmlns:p="http://schemas.openxmlformats.org/presentationml/2006/main">
+  <p:cSld>
+    <p:bg>
+      <p:bgPr>
+        <a:solidFill>
+          <a:schemeClr val="bg1"/>
+        </a:solidFill>
+        <a:effectLst/>
+      </p:bgPr>
+    </p:bg>
+    <p:spTree>
+      <p:nvGrpSpPr>
+        <p:cNvPr id="1" name=""/>
+        <p:cNvGrpSpPr/>
+        <p:nvPr/>
+      </p:nvGrpSpPr>
+      <p:grpSpPr>
+        <a:xfrm>
+          <a:off x="0" y="0"/>
+          <a:ext cx="0" cy="0"/>
+          <a:chOff x="0" y="0"/>
+          <a:chExt cx="0" cy="0"/>
+        </a:xfrm>
+      </p:grpSpPr>
       <p:sp>
         <p:nvSpPr>
           <p:cNvPr id="7" name="Rectangle 6">
@@ -14361,7 +14704,7 @@
 </p:sld>
 </file>
 
-<file path=ppt/slides/slide4.xml><?xml version="1.0" encoding="utf-8"?>
+<file path=ppt/slides/slide5.xml><?xml version="1.0" encoding="utf-8"?>
 <p:sld xmlns:a="http://schemas.openxmlformats.org/drawingml/2006/main" xmlns:r="http://schemas.openxmlformats.org/officeDocument/2006/relationships" xmlns:p="http://schemas.openxmlformats.org/presentationml/2006/main">
   <p:cSld>
     <p:spTree>
@@ -14463,7 +14806,7 @@
 </p:sld>
 </file>
 
-<file path=ppt/slides/slide5.xml><?xml version="1.0" encoding="utf-8"?>
+<file path=ppt/slides/slide6.xml><?xml version="1.0" encoding="utf-8"?>
 <p:sld xmlns:a="http://schemas.openxmlformats.org/drawingml/2006/main" xmlns:r="http://schemas.openxmlformats.org/officeDocument/2006/relationships" xmlns:p="http://schemas.openxmlformats.org/presentationml/2006/main">
   <p:cSld>
     <p:bg>
@@ -14915,344 +15258,6 @@
 </p:sld>
 </file>
 
-<file path=ppt/slides/slide6.xml><?xml version="1.0" encoding="utf-8"?>
-<p:sld xmlns:a="http://schemas.openxmlformats.org/drawingml/2006/main" xmlns:r="http://schemas.openxmlformats.org/officeDocument/2006/relationships" xmlns:p="http://schemas.openxmlformats.org/presentationml/2006/main">
-  <p:cSld>
-    <p:bg>
-      <p:bgPr>
-        <a:solidFill>
-          <a:schemeClr val="bg1"/>
-        </a:solidFill>
-        <a:effectLst/>
-      </p:bgPr>
-    </p:bg>
-    <p:spTree>
-      <p:nvGrpSpPr>
-        <p:cNvPr id="1" name=""/>
-        <p:cNvGrpSpPr/>
-        <p:nvPr/>
-      </p:nvGrpSpPr>
-      <p:grpSpPr>
-        <a:xfrm>
-          <a:off x="0" y="0"/>
-          <a:ext cx="0" cy="0"/>
-          <a:chOff x="0" y="0"/>
-          <a:chExt cx="0" cy="0"/>
-        </a:xfrm>
-      </p:grpSpPr>
-      <p:pic>
-        <p:nvPicPr>
-          <p:cNvPr id="3" name="slide4">
-            <a:extLst>
-              <a:ext uri="{FF2B5EF4-FFF2-40B4-BE49-F238E27FC236}">
-                <a16:creationId xmlns:a16="http://schemas.microsoft.com/office/drawing/2014/main" id="{69CBD875-E81A-4BB9-8585-DE34389A940B}"/>
-              </a:ext>
-            </a:extLst>
-          </p:cNvPr>
-          <p:cNvPicPr>
-            <a:picLocks noChangeAspect="1"/>
-          </p:cNvPicPr>
-          <p:nvPr/>
-        </p:nvPicPr>
-        <p:blipFill>
-          <a:blip r:embed="rId2">
-            <a:extLst>
-              <a:ext uri="{28A0092B-C50C-407E-A947-70E740481C1C}">
-                <a14:useLocalDpi xmlns:a14="http://schemas.microsoft.com/office/drawing/2010/main" val="0"/>
-              </a:ext>
-            </a:extLst>
-          </a:blip>
-          <a:stretch>
-            <a:fillRect/>
-          </a:stretch>
-        </p:blipFill>
-        <p:spPr>
-          <a:xfrm>
-            <a:off x="2210182" y="643467"/>
-            <a:ext cx="2562435" cy="2543217"/>
-          </a:xfrm>
-          <a:prstGeom prst="rect">
-            <a:avLst/>
-          </a:prstGeom>
-        </p:spPr>
-      </p:pic>
-      <p:cxnSp>
-        <p:nvCxnSpPr>
-          <p:cNvPr id="10" name="Straight Connector 9">
-            <a:extLst>
-              <a:ext uri="{FF2B5EF4-FFF2-40B4-BE49-F238E27FC236}">
-                <a16:creationId xmlns:a16="http://schemas.microsoft.com/office/drawing/2014/main" id="{91B6081D-D3E8-4209-B85B-EB1C655A6272}"/>
-              </a:ext>
-              <a:ext uri="{C183D7F6-B498-43B3-948B-1728B52AA6E4}">
-                <adec:decorative xmlns:adec="http://schemas.microsoft.com/office/drawing/2017/decorative" val="1"/>
-              </a:ext>
-            </a:extLst>
-          </p:cNvPr>
-          <p:cNvCxnSpPr>
-            <a:cxnSpLocks noGrp="1" noRot="1" noChangeAspect="1" noMove="1" noResize="1" noEditPoints="1" noAdjustHandles="1" noChangeArrowheads="1" noChangeShapeType="1"/>
-          </p:cNvCxnSpPr>
-          <p:nvPr>
-            <p:extLst>
-              <p:ext uri="{386F3935-93C4-4BCD-93E2-E3B085C9AB24}">
-                <p16:designElem xmlns:p16="http://schemas.microsoft.com/office/powerpoint/2015/main" val="1"/>
-              </p:ext>
-            </p:extLst>
-          </p:nvPr>
-        </p:nvCxnSpPr>
-        <p:spPr>
-          <a:xfrm>
-            <a:off x="6091214" y="1111170"/>
-            <a:ext cx="11040" cy="4645103"/>
-          </a:xfrm>
-          <a:prstGeom prst="line">
-            <a:avLst/>
-          </a:prstGeom>
-          <a:ln w="19050">
-            <a:solidFill>
-              <a:srgbClr val="7F7F7F"/>
-            </a:solidFill>
-          </a:ln>
-        </p:spPr>
-        <p:style>
-          <a:lnRef idx="1">
-            <a:schemeClr val="accent1"/>
-          </a:lnRef>
-          <a:fillRef idx="0">
-            <a:schemeClr val="accent1"/>
-          </a:fillRef>
-          <a:effectRef idx="0">
-            <a:schemeClr val="accent1"/>
-          </a:effectRef>
-          <a:fontRef idx="minor">
-            <a:schemeClr val="tx1"/>
-          </a:fontRef>
-        </p:style>
-      </p:cxnSp>
-      <p:pic>
-        <p:nvPicPr>
-          <p:cNvPr id="4" name="slide5">
-            <a:extLst>
-              <a:ext uri="{FF2B5EF4-FFF2-40B4-BE49-F238E27FC236}">
-                <a16:creationId xmlns:a16="http://schemas.microsoft.com/office/drawing/2014/main" id="{B3624E7A-DAFC-4F71-B12D-D6336B95062E}"/>
-              </a:ext>
-            </a:extLst>
-          </p:cNvPr>
-          <p:cNvPicPr>
-            <a:picLocks noChangeAspect="1"/>
-          </p:cNvPicPr>
-          <p:nvPr/>
-        </p:nvPicPr>
-        <p:blipFill>
-          <a:blip r:embed="rId3">
-            <a:extLst>
-              <a:ext uri="{28A0092B-C50C-407E-A947-70E740481C1C}">
-                <a14:useLocalDpi xmlns:a14="http://schemas.microsoft.com/office/drawing/2010/main" val="0"/>
-              </a:ext>
-            </a:extLst>
-          </a:blip>
-          <a:stretch>
-            <a:fillRect/>
-          </a:stretch>
-        </p:blipFill>
-        <p:spPr>
-          <a:xfrm>
-            <a:off x="7413813" y="643467"/>
-            <a:ext cx="2581946" cy="2543217"/>
-          </a:xfrm>
-          <a:prstGeom prst="rect">
-            <a:avLst/>
-          </a:prstGeom>
-        </p:spPr>
-      </p:pic>
-      <p:cxnSp>
-        <p:nvCxnSpPr>
-          <p:cNvPr id="12" name="Straight Connector 11">
-            <a:extLst>
-              <a:ext uri="{FF2B5EF4-FFF2-40B4-BE49-F238E27FC236}">
-                <a16:creationId xmlns:a16="http://schemas.microsoft.com/office/drawing/2014/main" id="{28CA55E4-1295-45C8-BA05-5A9E705B749A}"/>
-              </a:ext>
-              <a:ext uri="{C183D7F6-B498-43B3-948B-1728B52AA6E4}">
-                <adec:decorative xmlns:adec="http://schemas.microsoft.com/office/drawing/2017/decorative" val="1"/>
-              </a:ext>
-            </a:extLst>
-          </p:cNvPr>
-          <p:cNvCxnSpPr>
-            <a:cxnSpLocks noGrp="1" noRot="1" noChangeAspect="1" noMove="1" noResize="1" noEditPoints="1" noAdjustHandles="1" noChangeArrowheads="1" noChangeShapeType="1"/>
-          </p:cNvCxnSpPr>
-          <p:nvPr>
-            <p:extLst>
-              <p:ext uri="{386F3935-93C4-4BCD-93E2-E3B085C9AB24}">
-                <p16:designElem xmlns:p16="http://schemas.microsoft.com/office/powerpoint/2015/main" val="1"/>
-              </p:ext>
-            </p:extLst>
-          </p:nvPr>
-        </p:nvCxnSpPr>
-        <p:spPr>
-          <a:xfrm>
-            <a:off x="1403027" y="3428998"/>
-            <a:ext cx="4188904" cy="1"/>
-          </a:xfrm>
-          <a:prstGeom prst="line">
-            <a:avLst/>
-          </a:prstGeom>
-          <a:ln w="19050">
-            <a:solidFill>
-              <a:srgbClr val="7F7F7F"/>
-            </a:solidFill>
-          </a:ln>
-        </p:spPr>
-        <p:style>
-          <a:lnRef idx="1">
-            <a:schemeClr val="accent1"/>
-          </a:lnRef>
-          <a:fillRef idx="0">
-            <a:schemeClr val="accent1"/>
-          </a:fillRef>
-          <a:effectRef idx="0">
-            <a:schemeClr val="accent1"/>
-          </a:effectRef>
-          <a:fontRef idx="minor">
-            <a:schemeClr val="tx1"/>
-          </a:fontRef>
-        </p:style>
-      </p:cxnSp>
-      <p:cxnSp>
-        <p:nvCxnSpPr>
-          <p:cNvPr id="14" name="Straight Connector 13">
-            <a:extLst>
-              <a:ext uri="{FF2B5EF4-FFF2-40B4-BE49-F238E27FC236}">
-                <a16:creationId xmlns:a16="http://schemas.microsoft.com/office/drawing/2014/main" id="{08C5794E-A9A1-4A23-AF68-C79A7822334C}"/>
-              </a:ext>
-              <a:ext uri="{C183D7F6-B498-43B3-948B-1728B52AA6E4}">
-                <adec:decorative xmlns:adec="http://schemas.microsoft.com/office/drawing/2017/decorative" val="1"/>
-              </a:ext>
-            </a:extLst>
-          </p:cNvPr>
-          <p:cNvCxnSpPr>
-            <a:cxnSpLocks noGrp="1" noRot="1" noChangeAspect="1" noMove="1" noResize="1" noEditPoints="1" noAdjustHandles="1" noChangeArrowheads="1" noChangeShapeType="1"/>
-          </p:cNvCxnSpPr>
-          <p:nvPr>
-            <p:extLst>
-              <p:ext uri="{386F3935-93C4-4BCD-93E2-E3B085C9AB24}">
-                <p16:designElem xmlns:p16="http://schemas.microsoft.com/office/powerpoint/2015/main" val="1"/>
-              </p:ext>
-            </p:extLst>
-          </p:nvPr>
-        </p:nvCxnSpPr>
-        <p:spPr>
-          <a:xfrm>
-            <a:off x="6610334" y="3428998"/>
-            <a:ext cx="4188904" cy="1"/>
-          </a:xfrm>
-          <a:prstGeom prst="line">
-            <a:avLst/>
-          </a:prstGeom>
-          <a:ln w="19050">
-            <a:solidFill>
-              <a:srgbClr val="7F7F7F"/>
-            </a:solidFill>
-          </a:ln>
-        </p:spPr>
-        <p:style>
-          <a:lnRef idx="1">
-            <a:schemeClr val="accent1"/>
-          </a:lnRef>
-          <a:fillRef idx="0">
-            <a:schemeClr val="accent1"/>
-          </a:fillRef>
-          <a:effectRef idx="0">
-            <a:schemeClr val="accent1"/>
-          </a:effectRef>
-          <a:fontRef idx="minor">
-            <a:schemeClr val="tx1"/>
-          </a:fontRef>
-        </p:style>
-      </p:cxnSp>
-      <p:pic>
-        <p:nvPicPr>
-          <p:cNvPr id="2" name="slide3">
-            <a:extLst>
-              <a:ext uri="{FF2B5EF4-FFF2-40B4-BE49-F238E27FC236}">
-                <a16:creationId xmlns:a16="http://schemas.microsoft.com/office/drawing/2014/main" id="{66226FF5-3052-4B87-B290-DF5322CE9FA9}"/>
-              </a:ext>
-            </a:extLst>
-          </p:cNvPr>
-          <p:cNvPicPr>
-            <a:picLocks noChangeAspect="1"/>
-          </p:cNvPicPr>
-          <p:nvPr/>
-        </p:nvPicPr>
-        <p:blipFill>
-          <a:blip r:embed="rId4">
-            <a:extLst>
-              <a:ext uri="{28A0092B-C50C-407E-A947-70E740481C1C}">
-                <a14:useLocalDpi xmlns:a14="http://schemas.microsoft.com/office/drawing/2010/main" val="0"/>
-              </a:ext>
-            </a:extLst>
-          </a:blip>
-          <a:stretch>
-            <a:fillRect/>
-          </a:stretch>
-        </p:blipFill>
-        <p:spPr>
-          <a:xfrm>
-            <a:off x="2269386" y="3671316"/>
-            <a:ext cx="2444027" cy="2545862"/>
-          </a:xfrm>
-          <a:prstGeom prst="rect">
-            <a:avLst/>
-          </a:prstGeom>
-        </p:spPr>
-      </p:pic>
-      <p:pic>
-        <p:nvPicPr>
-          <p:cNvPr id="5" name="slide6">
-            <a:extLst>
-              <a:ext uri="{FF2B5EF4-FFF2-40B4-BE49-F238E27FC236}">
-                <a16:creationId xmlns:a16="http://schemas.microsoft.com/office/drawing/2014/main" id="{68F416CC-D521-4273-BF3E-FA6181F163CC}"/>
-              </a:ext>
-            </a:extLst>
-          </p:cNvPr>
-          <p:cNvPicPr>
-            <a:picLocks noChangeAspect="1"/>
-          </p:cNvPicPr>
-          <p:nvPr/>
-        </p:nvPicPr>
-        <p:blipFill>
-          <a:blip r:embed="rId5">
-            <a:extLst>
-              <a:ext uri="{28A0092B-C50C-407E-A947-70E740481C1C}">
-                <a14:useLocalDpi xmlns:a14="http://schemas.microsoft.com/office/drawing/2010/main" val="0"/>
-              </a:ext>
-            </a:extLst>
-          </a:blip>
-          <a:stretch>
-            <a:fillRect/>
-          </a:stretch>
-        </p:blipFill>
-        <p:spPr>
-          <a:xfrm>
-            <a:off x="8069611" y="3671316"/>
-            <a:ext cx="1270350" cy="2553469"/>
-          </a:xfrm>
-          <a:prstGeom prst="rect">
-            <a:avLst/>
-          </a:prstGeom>
-        </p:spPr>
-      </p:pic>
-    </p:spTree>
-    <p:extLst>
-      <p:ext uri="{BB962C8B-B14F-4D97-AF65-F5344CB8AC3E}">
-        <p14:creationId xmlns:p14="http://schemas.microsoft.com/office/powerpoint/2010/main" val="1609116936"/>
-      </p:ext>
-    </p:extLst>
-  </p:cSld>
-  <p:clrMapOvr>
-    <a:masterClrMapping/>
-  </p:clrMapOvr>
-</p:sld>
-</file>
-
 <file path=ppt/slides/slide7.xml><?xml version="1.0" encoding="utf-8"?>
 <p:sld xmlns:a="http://schemas.openxmlformats.org/drawingml/2006/main" xmlns:r="http://schemas.openxmlformats.org/officeDocument/2006/relationships" xmlns:p="http://schemas.openxmlformats.org/presentationml/2006/main">
   <p:cSld>

--- a/projektsql/Czy język wniosku ma wpływ na jego obsługę.pptx
+++ b/projektsql/Czy język wniosku ma wpływ na jego obsługę.pptx
@@ -122,7 +122,7 @@
   </p:defaultTextStyle>
   <p:extLst>
     <p:ext uri="{EFAFB233-063F-42B5-8137-9DF3F51BA10A}">
-      <p15:sldGuideLst xmlns:p15="http://schemas.microsoft.com/office/powerpoint/2012/main"/>
+      <p15:sldGuideLst xmlns:p15="http://schemas.microsoft.com/office/powerpoint/2012/main" xmlns=""/>
     </p:ext>
   </p:extLst>
 </p:presentation>
@@ -850,7 +850,7 @@
           <a:p>
             <a:fld id="{C140C11A-0795-429A-9A91-0F738F0426E6}" type="datetimeFigureOut">
               <a:rPr lang="pl-PL" smtClean="0"/>
-              <a:t>14.04.2019</a:t>
+              <a:t>2019-04-14</a:t>
             </a:fld>
             <a:endParaRPr lang="pl-PL"/>
           </a:p>
@@ -1101,7 +1101,7 @@
           <a:p>
             <a:fld id="{C140C11A-0795-429A-9A91-0F738F0426E6}" type="datetimeFigureOut">
               <a:rPr lang="pl-PL" smtClean="0"/>
-              <a:t>14.04.2019</a:t>
+              <a:t>2019-04-14</a:t>
             </a:fld>
             <a:endParaRPr lang="pl-PL"/>
           </a:p>
@@ -1415,7 +1415,7 @@
           <a:p>
             <a:fld id="{C140C11A-0795-429A-9A91-0F738F0426E6}" type="datetimeFigureOut">
               <a:rPr lang="pl-PL" smtClean="0"/>
-              <a:t>14.04.2019</a:t>
+              <a:t>2019-04-14</a:t>
             </a:fld>
             <a:endParaRPr lang="pl-PL"/>
           </a:p>
@@ -1756,7 +1756,7 @@
           <a:p>
             <a:fld id="{C140C11A-0795-429A-9A91-0F738F0426E6}" type="datetimeFigureOut">
               <a:rPr lang="pl-PL" smtClean="0"/>
-              <a:t>14.04.2019</a:t>
+              <a:t>2019-04-14</a:t>
             </a:fld>
             <a:endParaRPr lang="pl-PL"/>
           </a:p>
@@ -2070,7 +2070,7 @@
           <a:p>
             <a:fld id="{C140C11A-0795-429A-9A91-0F738F0426E6}" type="datetimeFigureOut">
               <a:rPr lang="pl-PL" smtClean="0"/>
-              <a:t>14.04.2019</a:t>
+              <a:t>2019-04-14</a:t>
             </a:fld>
             <a:endParaRPr lang="pl-PL"/>
           </a:p>
@@ -2463,7 +2463,7 @@
           <a:p>
             <a:fld id="{C140C11A-0795-429A-9A91-0F738F0426E6}" type="datetimeFigureOut">
               <a:rPr lang="pl-PL" smtClean="0"/>
-              <a:t>14.04.2019</a:t>
+              <a:t>2019-04-14</a:t>
             </a:fld>
             <a:endParaRPr lang="pl-PL"/>
           </a:p>
@@ -2633,7 +2633,7 @@
           <a:p>
             <a:fld id="{C140C11A-0795-429A-9A91-0F738F0426E6}" type="datetimeFigureOut">
               <a:rPr lang="pl-PL" smtClean="0"/>
-              <a:t>14.04.2019</a:t>
+              <a:t>2019-04-14</a:t>
             </a:fld>
             <a:endParaRPr lang="pl-PL"/>
           </a:p>
@@ -2813,7 +2813,7 @@
           <a:p>
             <a:fld id="{C140C11A-0795-429A-9A91-0F738F0426E6}" type="datetimeFigureOut">
               <a:rPr lang="pl-PL" smtClean="0"/>
-              <a:t>14.04.2019</a:t>
+              <a:t>2019-04-14</a:t>
             </a:fld>
             <a:endParaRPr lang="pl-PL"/>
           </a:p>
@@ -2989,7 +2989,7 @@
           <a:p>
             <a:fld id="{C140C11A-0795-429A-9A91-0F738F0426E6}" type="datetimeFigureOut">
               <a:rPr lang="pl-PL" smtClean="0"/>
-              <a:t>14.04.2019</a:t>
+              <a:t>2019-04-14</a:t>
             </a:fld>
             <a:endParaRPr lang="pl-PL"/>
           </a:p>
@@ -3236,7 +3236,7 @@
           <a:p>
             <a:fld id="{C140C11A-0795-429A-9A91-0F738F0426E6}" type="datetimeFigureOut">
               <a:rPr lang="pl-PL" smtClean="0"/>
-              <a:t>14.04.2019</a:t>
+              <a:t>2019-04-14</a:t>
             </a:fld>
             <a:endParaRPr lang="pl-PL"/>
           </a:p>
@@ -3468,7 +3468,7 @@
           <a:p>
             <a:fld id="{C140C11A-0795-429A-9A91-0F738F0426E6}" type="datetimeFigureOut">
               <a:rPr lang="pl-PL" smtClean="0"/>
-              <a:t>14.04.2019</a:t>
+              <a:t>2019-04-14</a:t>
             </a:fld>
             <a:endParaRPr lang="pl-PL"/>
           </a:p>
@@ -3842,7 +3842,7 @@
           <a:p>
             <a:fld id="{C140C11A-0795-429A-9A91-0F738F0426E6}" type="datetimeFigureOut">
               <a:rPr lang="pl-PL" smtClean="0"/>
-              <a:t>14.04.2019</a:t>
+              <a:t>2019-04-14</a:t>
             </a:fld>
             <a:endParaRPr lang="pl-PL"/>
           </a:p>
@@ -3965,7 +3965,7 @@
           <a:p>
             <a:fld id="{C140C11A-0795-429A-9A91-0F738F0426E6}" type="datetimeFigureOut">
               <a:rPr lang="pl-PL" smtClean="0"/>
-              <a:t>14.04.2019</a:t>
+              <a:t>2019-04-14</a:t>
             </a:fld>
             <a:endParaRPr lang="pl-PL"/>
           </a:p>
@@ -4060,7 +4060,7 @@
           <a:p>
             <a:fld id="{C140C11A-0795-429A-9A91-0F738F0426E6}" type="datetimeFigureOut">
               <a:rPr lang="pl-PL" smtClean="0"/>
-              <a:t>14.04.2019</a:t>
+              <a:t>2019-04-14</a:t>
             </a:fld>
             <a:endParaRPr lang="pl-PL"/>
           </a:p>
@@ -4315,7 +4315,7 @@
           <a:p>
             <a:fld id="{C140C11A-0795-429A-9A91-0F738F0426E6}" type="datetimeFigureOut">
               <a:rPr lang="pl-PL" smtClean="0"/>
-              <a:t>14.04.2019</a:t>
+              <a:t>2019-04-14</a:t>
             </a:fld>
             <a:endParaRPr lang="pl-PL"/>
           </a:p>
@@ -4578,7 +4578,7 @@
           <a:p>
             <a:fld id="{C140C11A-0795-429A-9A91-0F738F0426E6}" type="datetimeFigureOut">
               <a:rPr lang="pl-PL" smtClean="0"/>
-              <a:t>14.04.2019</a:t>
+              <a:t>2019-04-14</a:t>
             </a:fld>
             <a:endParaRPr lang="pl-PL"/>
           </a:p>
@@ -5321,7 +5321,7 @@
           <a:p>
             <a:fld id="{C140C11A-0795-429A-9A91-0F738F0426E6}" type="datetimeFigureOut">
               <a:rPr lang="pl-PL" smtClean="0"/>
-              <a:t>14.04.2019</a:t>
+              <a:t>2019-04-14</a:t>
             </a:fld>
             <a:endParaRPr lang="pl-PL"/>
           </a:p>
@@ -5850,7 +5850,7 @@
           <p:cNvPr id="2" name="Tytuł 1">
             <a:extLst>
               <a:ext uri="{FF2B5EF4-FFF2-40B4-BE49-F238E27FC236}">
-                <a16:creationId xmlns:a16="http://schemas.microsoft.com/office/drawing/2014/main" id="{02BD85F1-E73D-408F-B2BF-84E131211C9A}"/>
+                <a16:creationId xmlns:a16="http://schemas.microsoft.com/office/drawing/2014/main" xmlns="" id="{02BD85F1-E73D-408F-B2BF-84E131211C9A}"/>
               </a:ext>
             </a:extLst>
           </p:cNvPr>
@@ -5882,7 +5882,7 @@
           <p:cNvPr id="3" name="Podtytuł 2">
             <a:extLst>
               <a:ext uri="{FF2B5EF4-FFF2-40B4-BE49-F238E27FC236}">
-                <a16:creationId xmlns:a16="http://schemas.microsoft.com/office/drawing/2014/main" id="{1277B88F-6923-469D-AE80-D22E52C41220}"/>
+                <a16:creationId xmlns:a16="http://schemas.microsoft.com/office/drawing/2014/main" xmlns="" id="{1277B88F-6923-469D-AE80-D22E52C41220}"/>
               </a:ext>
             </a:extLst>
           </p:cNvPr>
@@ -5967,10 +5967,10 @@
           <p:cNvPr id="7" name="Rectangle 6">
             <a:extLst>
               <a:ext uri="{FF2B5EF4-FFF2-40B4-BE49-F238E27FC236}">
-                <a16:creationId xmlns:a16="http://schemas.microsoft.com/office/drawing/2014/main" id="{03E8462A-FEBA-4848-81CC-3F8DA3E477BE}"/>
+                <a16:creationId xmlns:a16="http://schemas.microsoft.com/office/drawing/2014/main" xmlns="" id="{03E8462A-FEBA-4848-81CC-3F8DA3E477BE}"/>
               </a:ext>
               <a:ext uri="{C183D7F6-B498-43B3-948B-1728B52AA6E4}">
-                <adec:decorative xmlns:adec="http://schemas.microsoft.com/office/drawing/2017/decorative" val="1"/>
+                <adec:decorative xmlns:adec="http://schemas.microsoft.com/office/drawing/2017/decorative" xmlns="" val="1"/>
               </a:ext>
             </a:extLst>
           </p:cNvPr>
@@ -5980,7 +5980,7 @@
           <p:nvPr>
             <p:extLst>
               <p:ext uri="{386F3935-93C4-4BCD-93E2-E3B085C9AB24}">
-                <p16:designElem xmlns:p16="http://schemas.microsoft.com/office/powerpoint/2015/main" val="1"/>
+                <p16:designElem xmlns:p16="http://schemas.microsoft.com/office/powerpoint/2015/main" xmlns="" val="1"/>
               </p:ext>
             </p:extLst>
           </p:nvPr>
@@ -6030,10 +6030,10 @@
           <p:cNvPr id="9" name="Group 8">
             <a:extLst>
               <a:ext uri="{FF2B5EF4-FFF2-40B4-BE49-F238E27FC236}">
-                <a16:creationId xmlns:a16="http://schemas.microsoft.com/office/drawing/2014/main" id="{2109F83F-40FE-4DB3-84CC-09FB3340D06D}"/>
+                <a16:creationId xmlns:a16="http://schemas.microsoft.com/office/drawing/2014/main" xmlns="" id="{2109F83F-40FE-4DB3-84CC-09FB3340D06D}"/>
               </a:ext>
               <a:ext uri="{C183D7F6-B498-43B3-948B-1728B52AA6E4}">
-                <adec:decorative xmlns:adec="http://schemas.microsoft.com/office/drawing/2017/decorative" val="1"/>
+                <adec:decorative xmlns:adec="http://schemas.microsoft.com/office/drawing/2017/decorative" xmlns="" val="1"/>
               </a:ext>
             </a:extLst>
           </p:cNvPr>
@@ -6043,7 +6043,7 @@
           <p:nvPr>
             <p:extLst>
               <p:ext uri="{386F3935-93C4-4BCD-93E2-E3B085C9AB24}">
-                <p16:designElem xmlns:p16="http://schemas.microsoft.com/office/powerpoint/2015/main" val="1"/>
+                <p16:designElem xmlns:p16="http://schemas.microsoft.com/office/powerpoint/2015/main" xmlns="" val="1"/>
               </p:ext>
             </p:extLst>
           </p:nvPr>
@@ -6061,10 +6061,10 @@
             <p:cNvPr id="10" name="Straight Connector 9">
               <a:extLst>
                 <a:ext uri="{FF2B5EF4-FFF2-40B4-BE49-F238E27FC236}">
-                  <a16:creationId xmlns:a16="http://schemas.microsoft.com/office/drawing/2014/main" id="{1DE492D7-C3C3-48FF-80C8-37021EA0262F}"/>
+                  <a16:creationId xmlns:a16="http://schemas.microsoft.com/office/drawing/2014/main" xmlns="" id="{1DE492D7-C3C3-48FF-80C8-37021EA0262F}"/>
                 </a:ext>
                 <a:ext uri="{C183D7F6-B498-43B3-948B-1728B52AA6E4}">
-                  <adec:decorative xmlns:adec="http://schemas.microsoft.com/office/drawing/2017/decorative" val="1"/>
+                  <adec:decorative xmlns:adec="http://schemas.microsoft.com/office/drawing/2017/decorative" xmlns="" val="1"/>
                 </a:ext>
               </a:extLst>
             </p:cNvPr>
@@ -6072,7 +6072,7 @@
             <p:nvPr>
               <p:extLst>
                 <p:ext uri="{386F3935-93C4-4BCD-93E2-E3B085C9AB24}">
-                  <p16:designElem xmlns:p16="http://schemas.microsoft.com/office/powerpoint/2015/main" val="1"/>
+                  <p16:designElem xmlns:p16="http://schemas.microsoft.com/office/powerpoint/2015/main" xmlns="" val="1"/>
                 </p:ext>
               </p:extLst>
             </p:nvPr>
@@ -6113,10 +6113,10 @@
             <p:cNvPr id="11" name="Rectangle 23">
               <a:extLst>
                 <a:ext uri="{FF2B5EF4-FFF2-40B4-BE49-F238E27FC236}">
-                  <a16:creationId xmlns:a16="http://schemas.microsoft.com/office/drawing/2014/main" id="{0B30FF97-2E9A-490A-AED2-90BA2E0EC17F}"/>
+                  <a16:creationId xmlns:a16="http://schemas.microsoft.com/office/drawing/2014/main" xmlns="" id="{0B30FF97-2E9A-490A-AED2-90BA2E0EC17F}"/>
                 </a:ext>
                 <a:ext uri="{C183D7F6-B498-43B3-948B-1728B52AA6E4}">
-                  <adec:decorative xmlns:adec="http://schemas.microsoft.com/office/drawing/2017/decorative" val="1"/>
+                  <adec:decorative xmlns:adec="http://schemas.microsoft.com/office/drawing/2017/decorative" xmlns="" val="1"/>
                 </a:ext>
               </a:extLst>
             </p:cNvPr>
@@ -6124,7 +6124,7 @@
             <p:nvPr>
               <p:extLst>
                 <p:ext uri="{386F3935-93C4-4BCD-93E2-E3B085C9AB24}">
-                  <p16:designElem xmlns:p16="http://schemas.microsoft.com/office/powerpoint/2015/main" val="1"/>
+                  <p16:designElem xmlns:p16="http://schemas.microsoft.com/office/powerpoint/2015/main" xmlns="" val="1"/>
                 </p:ext>
               </p:extLst>
             </p:nvPr>
@@ -6191,10 +6191,10 @@
             <p:cNvPr id="12" name="Rectangle 25">
               <a:extLst>
                 <a:ext uri="{FF2B5EF4-FFF2-40B4-BE49-F238E27FC236}">
-                  <a16:creationId xmlns:a16="http://schemas.microsoft.com/office/drawing/2014/main" id="{B6D53C7D-A312-47B6-A66A-230A19CFACA6}"/>
+                  <a16:creationId xmlns:a16="http://schemas.microsoft.com/office/drawing/2014/main" xmlns="" id="{B6D53C7D-A312-47B6-A66A-230A19CFACA6}"/>
                 </a:ext>
                 <a:ext uri="{C183D7F6-B498-43B3-948B-1728B52AA6E4}">
-                  <adec:decorative xmlns:adec="http://schemas.microsoft.com/office/drawing/2017/decorative" val="1"/>
+                  <adec:decorative xmlns:adec="http://schemas.microsoft.com/office/drawing/2017/decorative" xmlns="" val="1"/>
                 </a:ext>
               </a:extLst>
             </p:cNvPr>
@@ -6202,7 +6202,7 @@
             <p:nvPr>
               <p:extLst>
                 <p:ext uri="{386F3935-93C4-4BCD-93E2-E3B085C9AB24}">
-                  <p16:designElem xmlns:p16="http://schemas.microsoft.com/office/powerpoint/2015/main" val="1"/>
+                  <p16:designElem xmlns:p16="http://schemas.microsoft.com/office/powerpoint/2015/main" xmlns="" val="1"/>
                 </p:ext>
               </p:extLst>
             </p:nvPr>
@@ -6269,10 +6269,10 @@
             <p:cNvPr id="13" name="Isosceles Triangle 12">
               <a:extLst>
                 <a:ext uri="{FF2B5EF4-FFF2-40B4-BE49-F238E27FC236}">
-                  <a16:creationId xmlns:a16="http://schemas.microsoft.com/office/drawing/2014/main" id="{9329D58C-0D2E-4A2B-AD6A-9CEE506784A8}"/>
+                  <a16:creationId xmlns:a16="http://schemas.microsoft.com/office/drawing/2014/main" xmlns="" id="{9329D58C-0D2E-4A2B-AD6A-9CEE506784A8}"/>
                 </a:ext>
                 <a:ext uri="{C183D7F6-B498-43B3-948B-1728B52AA6E4}">
-                  <adec:decorative xmlns:adec="http://schemas.microsoft.com/office/drawing/2017/decorative" val="1"/>
+                  <adec:decorative xmlns:adec="http://schemas.microsoft.com/office/drawing/2017/decorative" xmlns="" val="1"/>
                 </a:ext>
               </a:extLst>
             </p:cNvPr>
@@ -6280,7 +6280,7 @@
             <p:nvPr>
               <p:extLst>
                 <p:ext uri="{386F3935-93C4-4BCD-93E2-E3B085C9AB24}">
-                  <p16:designElem xmlns:p16="http://schemas.microsoft.com/office/powerpoint/2015/main" val="1"/>
+                  <p16:designElem xmlns:p16="http://schemas.microsoft.com/office/powerpoint/2015/main" xmlns="" val="1"/>
                 </p:ext>
               </p:extLst>
             </p:nvPr>
@@ -6325,10 +6325,10 @@
             <p:cNvPr id="14" name="Rectangle 27">
               <a:extLst>
                 <a:ext uri="{FF2B5EF4-FFF2-40B4-BE49-F238E27FC236}">
-                  <a16:creationId xmlns:a16="http://schemas.microsoft.com/office/drawing/2014/main" id="{9D446EDE-C690-4461-8BF2-7634808FC8B4}"/>
+                  <a16:creationId xmlns:a16="http://schemas.microsoft.com/office/drawing/2014/main" xmlns="" id="{9D446EDE-C690-4461-8BF2-7634808FC8B4}"/>
                 </a:ext>
                 <a:ext uri="{C183D7F6-B498-43B3-948B-1728B52AA6E4}">
-                  <adec:decorative xmlns:adec="http://schemas.microsoft.com/office/drawing/2017/decorative" val="1"/>
+                  <adec:decorative xmlns:adec="http://schemas.microsoft.com/office/drawing/2017/decorative" xmlns="" val="1"/>
                 </a:ext>
               </a:extLst>
             </p:cNvPr>
@@ -6336,7 +6336,7 @@
             <p:nvPr>
               <p:extLst>
                 <p:ext uri="{386F3935-93C4-4BCD-93E2-E3B085C9AB24}">
-                  <p16:designElem xmlns:p16="http://schemas.microsoft.com/office/powerpoint/2015/main" val="1"/>
+                  <p16:designElem xmlns:p16="http://schemas.microsoft.com/office/powerpoint/2015/main" xmlns="" val="1"/>
                 </p:ext>
               </p:extLst>
             </p:nvPr>
@@ -6404,10 +6404,10 @@
             <p:cNvPr id="15" name="Rectangle 28">
               <a:extLst>
                 <a:ext uri="{FF2B5EF4-FFF2-40B4-BE49-F238E27FC236}">
-                  <a16:creationId xmlns:a16="http://schemas.microsoft.com/office/drawing/2014/main" id="{323F3D34-6531-4AD7-A8C6-195A090281A1}"/>
+                  <a16:creationId xmlns:a16="http://schemas.microsoft.com/office/drawing/2014/main" xmlns="" id="{323F3D34-6531-4AD7-A8C6-195A090281A1}"/>
                 </a:ext>
                 <a:ext uri="{C183D7F6-B498-43B3-948B-1728B52AA6E4}">
-                  <adec:decorative xmlns:adec="http://schemas.microsoft.com/office/drawing/2017/decorative" val="1"/>
+                  <adec:decorative xmlns:adec="http://schemas.microsoft.com/office/drawing/2017/decorative" xmlns="" val="1"/>
                 </a:ext>
               </a:extLst>
             </p:cNvPr>
@@ -6415,7 +6415,7 @@
             <p:nvPr>
               <p:extLst>
                 <p:ext uri="{386F3935-93C4-4BCD-93E2-E3B085C9AB24}">
-                  <p16:designElem xmlns:p16="http://schemas.microsoft.com/office/powerpoint/2015/main" val="1"/>
+                  <p16:designElem xmlns:p16="http://schemas.microsoft.com/office/powerpoint/2015/main" xmlns="" val="1"/>
                 </p:ext>
               </p:extLst>
             </p:nvPr>
@@ -6484,10 +6484,10 @@
             <p:cNvPr id="16" name="Rectangle 29">
               <a:extLst>
                 <a:ext uri="{FF2B5EF4-FFF2-40B4-BE49-F238E27FC236}">
-                  <a16:creationId xmlns:a16="http://schemas.microsoft.com/office/drawing/2014/main" id="{B9B0AE3F-2350-435F-A9B0-C310BF876385}"/>
+                  <a16:creationId xmlns:a16="http://schemas.microsoft.com/office/drawing/2014/main" xmlns="" id="{B9B0AE3F-2350-435F-A9B0-C310BF876385}"/>
                 </a:ext>
                 <a:ext uri="{C183D7F6-B498-43B3-948B-1728B52AA6E4}">
-                  <adec:decorative xmlns:adec="http://schemas.microsoft.com/office/drawing/2017/decorative" val="1"/>
+                  <adec:decorative xmlns:adec="http://schemas.microsoft.com/office/drawing/2017/decorative" xmlns="" val="1"/>
                 </a:ext>
               </a:extLst>
             </p:cNvPr>
@@ -6495,7 +6495,7 @@
             <p:nvPr>
               <p:extLst>
                 <p:ext uri="{386F3935-93C4-4BCD-93E2-E3B085C9AB24}">
-                  <p16:designElem xmlns:p16="http://schemas.microsoft.com/office/powerpoint/2015/main" val="1"/>
+                  <p16:designElem xmlns:p16="http://schemas.microsoft.com/office/powerpoint/2015/main" xmlns="" val="1"/>
                 </p:ext>
               </p:extLst>
             </p:nvPr>
@@ -6562,10 +6562,10 @@
             <p:cNvPr id="17" name="Isosceles Triangle 16">
               <a:extLst>
                 <a:ext uri="{FF2B5EF4-FFF2-40B4-BE49-F238E27FC236}">
-                  <a16:creationId xmlns:a16="http://schemas.microsoft.com/office/drawing/2014/main" id="{4EFA655C-9E50-4C14-A89E-AD7B648E4E2B}"/>
+                  <a16:creationId xmlns:a16="http://schemas.microsoft.com/office/drawing/2014/main" xmlns="" id="{4EFA655C-9E50-4C14-A89E-AD7B648E4E2B}"/>
                 </a:ext>
                 <a:ext uri="{C183D7F6-B498-43B3-948B-1728B52AA6E4}">
-                  <adec:decorative xmlns:adec="http://schemas.microsoft.com/office/drawing/2017/decorative" val="1"/>
+                  <adec:decorative xmlns:adec="http://schemas.microsoft.com/office/drawing/2017/decorative" xmlns="" val="1"/>
                 </a:ext>
               </a:extLst>
             </p:cNvPr>
@@ -6573,7 +6573,7 @@
             <p:nvPr>
               <p:extLst>
                 <p:ext uri="{386F3935-93C4-4BCD-93E2-E3B085C9AB24}">
-                  <p16:designElem xmlns:p16="http://schemas.microsoft.com/office/powerpoint/2015/main" val="1"/>
+                  <p16:designElem xmlns:p16="http://schemas.microsoft.com/office/powerpoint/2015/main" xmlns="" val="1"/>
                 </p:ext>
               </p:extLst>
             </p:nvPr>
@@ -6618,10 +6618,10 @@
             <p:cNvPr id="18" name="Isosceles Triangle 17">
               <a:extLst>
                 <a:ext uri="{FF2B5EF4-FFF2-40B4-BE49-F238E27FC236}">
-                  <a16:creationId xmlns:a16="http://schemas.microsoft.com/office/drawing/2014/main" id="{3E843863-7D25-4C01-9A17-E817CB6D998A}"/>
+                  <a16:creationId xmlns:a16="http://schemas.microsoft.com/office/drawing/2014/main" xmlns="" id="{3E843863-7D25-4C01-9A17-E817CB6D998A}"/>
                 </a:ext>
                 <a:ext uri="{C183D7F6-B498-43B3-948B-1728B52AA6E4}">
-                  <adec:decorative xmlns:adec="http://schemas.microsoft.com/office/drawing/2017/decorative" val="1"/>
+                  <adec:decorative xmlns:adec="http://schemas.microsoft.com/office/drawing/2017/decorative" xmlns="" val="1"/>
                 </a:ext>
               </a:extLst>
             </p:cNvPr>
@@ -6629,7 +6629,7 @@
             <p:nvPr>
               <p:extLst>
                 <p:ext uri="{386F3935-93C4-4BCD-93E2-E3B085C9AB24}">
-                  <p16:designElem xmlns:p16="http://schemas.microsoft.com/office/powerpoint/2015/main" val="1"/>
+                  <p16:designElem xmlns:p16="http://schemas.microsoft.com/office/powerpoint/2015/main" xmlns="" val="1"/>
                 </p:ext>
               </p:extLst>
             </p:nvPr>
@@ -6675,10 +6675,10 @@
           <p:cNvPr id="20" name="Rectangle 19">
             <a:extLst>
               <a:ext uri="{FF2B5EF4-FFF2-40B4-BE49-F238E27FC236}">
-                <a16:creationId xmlns:a16="http://schemas.microsoft.com/office/drawing/2014/main" id="{7941F9B1-B01B-4A84-89D9-B169AEB4E456}"/>
+                <a16:creationId xmlns:a16="http://schemas.microsoft.com/office/drawing/2014/main" xmlns="" id="{7941F9B1-B01B-4A84-89D9-B169AEB4E456}"/>
               </a:ext>
               <a:ext uri="{C183D7F6-B498-43B3-948B-1728B52AA6E4}">
-                <adec:decorative xmlns:adec="http://schemas.microsoft.com/office/drawing/2017/decorative" val="1"/>
+                <adec:decorative xmlns:adec="http://schemas.microsoft.com/office/drawing/2017/decorative" xmlns="" val="1"/>
               </a:ext>
             </a:extLst>
           </p:cNvPr>
@@ -6688,7 +6688,7 @@
           <p:nvPr>
             <p:extLst>
               <p:ext uri="{386F3935-93C4-4BCD-93E2-E3B085C9AB24}">
-                <p16:designElem xmlns:p16="http://schemas.microsoft.com/office/powerpoint/2015/main" val="1"/>
+                <p16:designElem xmlns:p16="http://schemas.microsoft.com/office/powerpoint/2015/main" xmlns="" val="1"/>
               </p:ext>
             </p:extLst>
           </p:nvPr>
@@ -6745,7 +6745,7 @@
           <p:cNvPr id="2" name="slide4">
             <a:extLst>
               <a:ext uri="{FF2B5EF4-FFF2-40B4-BE49-F238E27FC236}">
-                <a16:creationId xmlns:a16="http://schemas.microsoft.com/office/drawing/2014/main" id="{C00F9D33-E99F-43DE-8833-1A83AB298B88}"/>
+                <a16:creationId xmlns:a16="http://schemas.microsoft.com/office/drawing/2014/main" xmlns="" id="{C00F9D33-E99F-43DE-8833-1A83AB298B88}"/>
               </a:ext>
             </a:extLst>
           </p:cNvPr>
@@ -6768,8 +6768,8 @@
         </p:blipFill>
         <p:spPr>
           <a:xfrm>
-            <a:off x="2206781" y="1131994"/>
-            <a:ext cx="7780314" cy="4590386"/>
+            <a:off x="1587113" y="718273"/>
+            <a:ext cx="9174550" cy="5412986"/>
           </a:xfrm>
           <a:prstGeom prst="rect">
             <a:avLst/>
@@ -6819,10 +6819,10 @@
           <p:cNvPr id="7" name="Rectangle 6">
             <a:extLst>
               <a:ext uri="{FF2B5EF4-FFF2-40B4-BE49-F238E27FC236}">
-                <a16:creationId xmlns:a16="http://schemas.microsoft.com/office/drawing/2014/main" id="{03E8462A-FEBA-4848-81CC-3F8DA3E477BE}"/>
+                <a16:creationId xmlns:a16="http://schemas.microsoft.com/office/drawing/2014/main" xmlns="" id="{03E8462A-FEBA-4848-81CC-3F8DA3E477BE}"/>
               </a:ext>
               <a:ext uri="{C183D7F6-B498-43B3-948B-1728B52AA6E4}">
-                <adec:decorative xmlns:adec="http://schemas.microsoft.com/office/drawing/2017/decorative" val="1"/>
+                <adec:decorative xmlns:adec="http://schemas.microsoft.com/office/drawing/2017/decorative" xmlns="" val="1"/>
               </a:ext>
             </a:extLst>
           </p:cNvPr>
@@ -6832,7 +6832,7 @@
           <p:nvPr>
             <p:extLst>
               <p:ext uri="{386F3935-93C4-4BCD-93E2-E3B085C9AB24}">
-                <p16:designElem xmlns:p16="http://schemas.microsoft.com/office/powerpoint/2015/main" val="1"/>
+                <p16:designElem xmlns:p16="http://schemas.microsoft.com/office/powerpoint/2015/main" xmlns="" val="1"/>
               </p:ext>
             </p:extLst>
           </p:nvPr>
@@ -6882,10 +6882,10 @@
           <p:cNvPr id="9" name="Group 8">
             <a:extLst>
               <a:ext uri="{FF2B5EF4-FFF2-40B4-BE49-F238E27FC236}">
-                <a16:creationId xmlns:a16="http://schemas.microsoft.com/office/drawing/2014/main" id="{2109F83F-40FE-4DB3-84CC-09FB3340D06D}"/>
+                <a16:creationId xmlns:a16="http://schemas.microsoft.com/office/drawing/2014/main" xmlns="" id="{2109F83F-40FE-4DB3-84CC-09FB3340D06D}"/>
               </a:ext>
               <a:ext uri="{C183D7F6-B498-43B3-948B-1728B52AA6E4}">
-                <adec:decorative xmlns:adec="http://schemas.microsoft.com/office/drawing/2017/decorative" val="1"/>
+                <adec:decorative xmlns:adec="http://schemas.microsoft.com/office/drawing/2017/decorative" xmlns="" val="1"/>
               </a:ext>
             </a:extLst>
           </p:cNvPr>
@@ -6895,7 +6895,7 @@
           <p:nvPr>
             <p:extLst>
               <p:ext uri="{386F3935-93C4-4BCD-93E2-E3B085C9AB24}">
-                <p16:designElem xmlns:p16="http://schemas.microsoft.com/office/powerpoint/2015/main" val="1"/>
+                <p16:designElem xmlns:p16="http://schemas.microsoft.com/office/powerpoint/2015/main" xmlns="" val="1"/>
               </p:ext>
             </p:extLst>
           </p:nvPr>
@@ -6913,10 +6913,10 @@
             <p:cNvPr id="10" name="Straight Connector 9">
               <a:extLst>
                 <a:ext uri="{FF2B5EF4-FFF2-40B4-BE49-F238E27FC236}">
-                  <a16:creationId xmlns:a16="http://schemas.microsoft.com/office/drawing/2014/main" id="{1DE492D7-C3C3-48FF-80C8-37021EA0262F}"/>
+                  <a16:creationId xmlns:a16="http://schemas.microsoft.com/office/drawing/2014/main" xmlns="" id="{1DE492D7-C3C3-48FF-80C8-37021EA0262F}"/>
                 </a:ext>
                 <a:ext uri="{C183D7F6-B498-43B3-948B-1728B52AA6E4}">
-                  <adec:decorative xmlns:adec="http://schemas.microsoft.com/office/drawing/2017/decorative" val="1"/>
+                  <adec:decorative xmlns:adec="http://schemas.microsoft.com/office/drawing/2017/decorative" xmlns="" val="1"/>
                 </a:ext>
               </a:extLst>
             </p:cNvPr>
@@ -6924,7 +6924,7 @@
             <p:nvPr>
               <p:extLst>
                 <p:ext uri="{386F3935-93C4-4BCD-93E2-E3B085C9AB24}">
-                  <p16:designElem xmlns:p16="http://schemas.microsoft.com/office/powerpoint/2015/main" val="1"/>
+                  <p16:designElem xmlns:p16="http://schemas.microsoft.com/office/powerpoint/2015/main" xmlns="" val="1"/>
                 </p:ext>
               </p:extLst>
             </p:nvPr>
@@ -6965,10 +6965,10 @@
             <p:cNvPr id="11" name="Rectangle 23">
               <a:extLst>
                 <a:ext uri="{FF2B5EF4-FFF2-40B4-BE49-F238E27FC236}">
-                  <a16:creationId xmlns:a16="http://schemas.microsoft.com/office/drawing/2014/main" id="{0B30FF97-2E9A-490A-AED2-90BA2E0EC17F}"/>
+                  <a16:creationId xmlns:a16="http://schemas.microsoft.com/office/drawing/2014/main" xmlns="" id="{0B30FF97-2E9A-490A-AED2-90BA2E0EC17F}"/>
                 </a:ext>
                 <a:ext uri="{C183D7F6-B498-43B3-948B-1728B52AA6E4}">
-                  <adec:decorative xmlns:adec="http://schemas.microsoft.com/office/drawing/2017/decorative" val="1"/>
+                  <adec:decorative xmlns:adec="http://schemas.microsoft.com/office/drawing/2017/decorative" xmlns="" val="1"/>
                 </a:ext>
               </a:extLst>
             </p:cNvPr>
@@ -6976,7 +6976,7 @@
             <p:nvPr>
               <p:extLst>
                 <p:ext uri="{386F3935-93C4-4BCD-93E2-E3B085C9AB24}">
-                  <p16:designElem xmlns:p16="http://schemas.microsoft.com/office/powerpoint/2015/main" val="1"/>
+                  <p16:designElem xmlns:p16="http://schemas.microsoft.com/office/powerpoint/2015/main" xmlns="" val="1"/>
                 </p:ext>
               </p:extLst>
             </p:nvPr>
@@ -7043,10 +7043,10 @@
             <p:cNvPr id="12" name="Rectangle 25">
               <a:extLst>
                 <a:ext uri="{FF2B5EF4-FFF2-40B4-BE49-F238E27FC236}">
-                  <a16:creationId xmlns:a16="http://schemas.microsoft.com/office/drawing/2014/main" id="{B6D53C7D-A312-47B6-A66A-230A19CFACA6}"/>
+                  <a16:creationId xmlns:a16="http://schemas.microsoft.com/office/drawing/2014/main" xmlns="" id="{B6D53C7D-A312-47B6-A66A-230A19CFACA6}"/>
                 </a:ext>
                 <a:ext uri="{C183D7F6-B498-43B3-948B-1728B52AA6E4}">
-                  <adec:decorative xmlns:adec="http://schemas.microsoft.com/office/drawing/2017/decorative" val="1"/>
+                  <adec:decorative xmlns:adec="http://schemas.microsoft.com/office/drawing/2017/decorative" xmlns="" val="1"/>
                 </a:ext>
               </a:extLst>
             </p:cNvPr>
@@ -7054,7 +7054,7 @@
             <p:nvPr>
               <p:extLst>
                 <p:ext uri="{386F3935-93C4-4BCD-93E2-E3B085C9AB24}">
-                  <p16:designElem xmlns:p16="http://schemas.microsoft.com/office/powerpoint/2015/main" val="1"/>
+                  <p16:designElem xmlns:p16="http://schemas.microsoft.com/office/powerpoint/2015/main" xmlns="" val="1"/>
                 </p:ext>
               </p:extLst>
             </p:nvPr>
@@ -7121,10 +7121,10 @@
             <p:cNvPr id="13" name="Isosceles Triangle 12">
               <a:extLst>
                 <a:ext uri="{FF2B5EF4-FFF2-40B4-BE49-F238E27FC236}">
-                  <a16:creationId xmlns:a16="http://schemas.microsoft.com/office/drawing/2014/main" id="{9329D58C-0D2E-4A2B-AD6A-9CEE506784A8}"/>
+                  <a16:creationId xmlns:a16="http://schemas.microsoft.com/office/drawing/2014/main" xmlns="" id="{9329D58C-0D2E-4A2B-AD6A-9CEE506784A8}"/>
                 </a:ext>
                 <a:ext uri="{C183D7F6-B498-43B3-948B-1728B52AA6E4}">
-                  <adec:decorative xmlns:adec="http://schemas.microsoft.com/office/drawing/2017/decorative" val="1"/>
+                  <adec:decorative xmlns:adec="http://schemas.microsoft.com/office/drawing/2017/decorative" xmlns="" val="1"/>
                 </a:ext>
               </a:extLst>
             </p:cNvPr>
@@ -7132,7 +7132,7 @@
             <p:nvPr>
               <p:extLst>
                 <p:ext uri="{386F3935-93C4-4BCD-93E2-E3B085C9AB24}">
-                  <p16:designElem xmlns:p16="http://schemas.microsoft.com/office/powerpoint/2015/main" val="1"/>
+                  <p16:designElem xmlns:p16="http://schemas.microsoft.com/office/powerpoint/2015/main" xmlns="" val="1"/>
                 </p:ext>
               </p:extLst>
             </p:nvPr>
@@ -7177,10 +7177,10 @@
             <p:cNvPr id="14" name="Rectangle 27">
               <a:extLst>
                 <a:ext uri="{FF2B5EF4-FFF2-40B4-BE49-F238E27FC236}">
-                  <a16:creationId xmlns:a16="http://schemas.microsoft.com/office/drawing/2014/main" id="{9D446EDE-C690-4461-8BF2-7634808FC8B4}"/>
+                  <a16:creationId xmlns:a16="http://schemas.microsoft.com/office/drawing/2014/main" xmlns="" id="{9D446EDE-C690-4461-8BF2-7634808FC8B4}"/>
                 </a:ext>
                 <a:ext uri="{C183D7F6-B498-43B3-948B-1728B52AA6E4}">
-                  <adec:decorative xmlns:adec="http://schemas.microsoft.com/office/drawing/2017/decorative" val="1"/>
+                  <adec:decorative xmlns:adec="http://schemas.microsoft.com/office/drawing/2017/decorative" xmlns="" val="1"/>
                 </a:ext>
               </a:extLst>
             </p:cNvPr>
@@ -7188,7 +7188,7 @@
             <p:nvPr>
               <p:extLst>
                 <p:ext uri="{386F3935-93C4-4BCD-93E2-E3B085C9AB24}">
-                  <p16:designElem xmlns:p16="http://schemas.microsoft.com/office/powerpoint/2015/main" val="1"/>
+                  <p16:designElem xmlns:p16="http://schemas.microsoft.com/office/powerpoint/2015/main" xmlns="" val="1"/>
                 </p:ext>
               </p:extLst>
             </p:nvPr>
@@ -7256,10 +7256,10 @@
             <p:cNvPr id="15" name="Rectangle 28">
               <a:extLst>
                 <a:ext uri="{FF2B5EF4-FFF2-40B4-BE49-F238E27FC236}">
-                  <a16:creationId xmlns:a16="http://schemas.microsoft.com/office/drawing/2014/main" id="{323F3D34-6531-4AD7-A8C6-195A090281A1}"/>
+                  <a16:creationId xmlns:a16="http://schemas.microsoft.com/office/drawing/2014/main" xmlns="" id="{323F3D34-6531-4AD7-A8C6-195A090281A1}"/>
                 </a:ext>
                 <a:ext uri="{C183D7F6-B498-43B3-948B-1728B52AA6E4}">
-                  <adec:decorative xmlns:adec="http://schemas.microsoft.com/office/drawing/2017/decorative" val="1"/>
+                  <adec:decorative xmlns:adec="http://schemas.microsoft.com/office/drawing/2017/decorative" xmlns="" val="1"/>
                 </a:ext>
               </a:extLst>
             </p:cNvPr>
@@ -7267,7 +7267,7 @@
             <p:nvPr>
               <p:extLst>
                 <p:ext uri="{386F3935-93C4-4BCD-93E2-E3B085C9AB24}">
-                  <p16:designElem xmlns:p16="http://schemas.microsoft.com/office/powerpoint/2015/main" val="1"/>
+                  <p16:designElem xmlns:p16="http://schemas.microsoft.com/office/powerpoint/2015/main" xmlns="" val="1"/>
                 </p:ext>
               </p:extLst>
             </p:nvPr>
@@ -7336,10 +7336,10 @@
             <p:cNvPr id="16" name="Rectangle 29">
               <a:extLst>
                 <a:ext uri="{FF2B5EF4-FFF2-40B4-BE49-F238E27FC236}">
-                  <a16:creationId xmlns:a16="http://schemas.microsoft.com/office/drawing/2014/main" id="{B9B0AE3F-2350-435F-A9B0-C310BF876385}"/>
+                  <a16:creationId xmlns:a16="http://schemas.microsoft.com/office/drawing/2014/main" xmlns="" id="{B9B0AE3F-2350-435F-A9B0-C310BF876385}"/>
                 </a:ext>
                 <a:ext uri="{C183D7F6-B498-43B3-948B-1728B52AA6E4}">
-                  <adec:decorative xmlns:adec="http://schemas.microsoft.com/office/drawing/2017/decorative" val="1"/>
+                  <adec:decorative xmlns:adec="http://schemas.microsoft.com/office/drawing/2017/decorative" xmlns="" val="1"/>
                 </a:ext>
               </a:extLst>
             </p:cNvPr>
@@ -7347,7 +7347,7 @@
             <p:nvPr>
               <p:extLst>
                 <p:ext uri="{386F3935-93C4-4BCD-93E2-E3B085C9AB24}">
-                  <p16:designElem xmlns:p16="http://schemas.microsoft.com/office/powerpoint/2015/main" val="1"/>
+                  <p16:designElem xmlns:p16="http://schemas.microsoft.com/office/powerpoint/2015/main" xmlns="" val="1"/>
                 </p:ext>
               </p:extLst>
             </p:nvPr>
@@ -7414,10 +7414,10 @@
             <p:cNvPr id="17" name="Isosceles Triangle 16">
               <a:extLst>
                 <a:ext uri="{FF2B5EF4-FFF2-40B4-BE49-F238E27FC236}">
-                  <a16:creationId xmlns:a16="http://schemas.microsoft.com/office/drawing/2014/main" id="{4EFA655C-9E50-4C14-A89E-AD7B648E4E2B}"/>
+                  <a16:creationId xmlns:a16="http://schemas.microsoft.com/office/drawing/2014/main" xmlns="" id="{4EFA655C-9E50-4C14-A89E-AD7B648E4E2B}"/>
                 </a:ext>
                 <a:ext uri="{C183D7F6-B498-43B3-948B-1728B52AA6E4}">
-                  <adec:decorative xmlns:adec="http://schemas.microsoft.com/office/drawing/2017/decorative" val="1"/>
+                  <adec:decorative xmlns:adec="http://schemas.microsoft.com/office/drawing/2017/decorative" xmlns="" val="1"/>
                 </a:ext>
               </a:extLst>
             </p:cNvPr>
@@ -7425,7 +7425,7 @@
             <p:nvPr>
               <p:extLst>
                 <p:ext uri="{386F3935-93C4-4BCD-93E2-E3B085C9AB24}">
-                  <p16:designElem xmlns:p16="http://schemas.microsoft.com/office/powerpoint/2015/main" val="1"/>
+                  <p16:designElem xmlns:p16="http://schemas.microsoft.com/office/powerpoint/2015/main" xmlns="" val="1"/>
                 </p:ext>
               </p:extLst>
             </p:nvPr>
@@ -7470,10 +7470,10 @@
             <p:cNvPr id="18" name="Isosceles Triangle 17">
               <a:extLst>
                 <a:ext uri="{FF2B5EF4-FFF2-40B4-BE49-F238E27FC236}">
-                  <a16:creationId xmlns:a16="http://schemas.microsoft.com/office/drawing/2014/main" id="{3E843863-7D25-4C01-9A17-E817CB6D998A}"/>
+                  <a16:creationId xmlns:a16="http://schemas.microsoft.com/office/drawing/2014/main" xmlns="" id="{3E843863-7D25-4C01-9A17-E817CB6D998A}"/>
                 </a:ext>
                 <a:ext uri="{C183D7F6-B498-43B3-948B-1728B52AA6E4}">
-                  <adec:decorative xmlns:adec="http://schemas.microsoft.com/office/drawing/2017/decorative" val="1"/>
+                  <adec:decorative xmlns:adec="http://schemas.microsoft.com/office/drawing/2017/decorative" xmlns="" val="1"/>
                 </a:ext>
               </a:extLst>
             </p:cNvPr>
@@ -7481,7 +7481,7 @@
             <p:nvPr>
               <p:extLst>
                 <p:ext uri="{386F3935-93C4-4BCD-93E2-E3B085C9AB24}">
-                  <p16:designElem xmlns:p16="http://schemas.microsoft.com/office/powerpoint/2015/main" val="1"/>
+                  <p16:designElem xmlns:p16="http://schemas.microsoft.com/office/powerpoint/2015/main" xmlns="" val="1"/>
                 </p:ext>
               </p:extLst>
             </p:nvPr>
@@ -7527,10 +7527,10 @@
           <p:cNvPr id="20" name="Rectangle 19">
             <a:extLst>
               <a:ext uri="{FF2B5EF4-FFF2-40B4-BE49-F238E27FC236}">
-                <a16:creationId xmlns:a16="http://schemas.microsoft.com/office/drawing/2014/main" id="{7941F9B1-B01B-4A84-89D9-B169AEB4E456}"/>
+                <a16:creationId xmlns:a16="http://schemas.microsoft.com/office/drawing/2014/main" xmlns="" id="{7941F9B1-B01B-4A84-89D9-B169AEB4E456}"/>
               </a:ext>
               <a:ext uri="{C183D7F6-B498-43B3-948B-1728B52AA6E4}">
-                <adec:decorative xmlns:adec="http://schemas.microsoft.com/office/drawing/2017/decorative" val="1"/>
+                <adec:decorative xmlns:adec="http://schemas.microsoft.com/office/drawing/2017/decorative" xmlns="" val="1"/>
               </a:ext>
             </a:extLst>
           </p:cNvPr>
@@ -7540,7 +7540,7 @@
           <p:nvPr>
             <p:extLst>
               <p:ext uri="{386F3935-93C4-4BCD-93E2-E3B085C9AB24}">
-                <p16:designElem xmlns:p16="http://schemas.microsoft.com/office/powerpoint/2015/main" val="1"/>
+                <p16:designElem xmlns:p16="http://schemas.microsoft.com/office/powerpoint/2015/main" xmlns="" val="1"/>
               </p:ext>
             </p:extLst>
           </p:nvPr>
@@ -7597,7 +7597,7 @@
           <p:cNvPr id="2" name="slide5">
             <a:extLst>
               <a:ext uri="{FF2B5EF4-FFF2-40B4-BE49-F238E27FC236}">
-                <a16:creationId xmlns:a16="http://schemas.microsoft.com/office/drawing/2014/main" id="{E9850104-D2AB-41C4-BC3C-FD479CE880EB}"/>
+                <a16:creationId xmlns:a16="http://schemas.microsoft.com/office/drawing/2014/main" xmlns="" id="{E9850104-D2AB-41C4-BC3C-FD479CE880EB}"/>
               </a:ext>
             </a:extLst>
           </p:cNvPr>
@@ -7620,8 +7620,8 @@
         </p:blipFill>
         <p:spPr>
           <a:xfrm>
-            <a:off x="2206781" y="1131994"/>
-            <a:ext cx="7780314" cy="4590386"/>
+            <a:off x="1516882" y="807948"/>
+            <a:ext cx="9155187" cy="5401561"/>
           </a:xfrm>
           <a:prstGeom prst="rect">
             <a:avLst/>
@@ -7671,10 +7671,10 @@
           <p:cNvPr id="7" name="Rectangle 6">
             <a:extLst>
               <a:ext uri="{FF2B5EF4-FFF2-40B4-BE49-F238E27FC236}">
-                <a16:creationId xmlns:a16="http://schemas.microsoft.com/office/drawing/2014/main" id="{03E8462A-FEBA-4848-81CC-3F8DA3E477BE}"/>
+                <a16:creationId xmlns:a16="http://schemas.microsoft.com/office/drawing/2014/main" xmlns="" id="{03E8462A-FEBA-4848-81CC-3F8DA3E477BE}"/>
               </a:ext>
               <a:ext uri="{C183D7F6-B498-43B3-948B-1728B52AA6E4}">
-                <adec:decorative xmlns:adec="http://schemas.microsoft.com/office/drawing/2017/decorative" val="1"/>
+                <adec:decorative xmlns:adec="http://schemas.microsoft.com/office/drawing/2017/decorative" xmlns="" val="1"/>
               </a:ext>
             </a:extLst>
           </p:cNvPr>
@@ -7684,7 +7684,7 @@
           <p:nvPr>
             <p:extLst>
               <p:ext uri="{386F3935-93C4-4BCD-93E2-E3B085C9AB24}">
-                <p16:designElem xmlns:p16="http://schemas.microsoft.com/office/powerpoint/2015/main" val="1"/>
+                <p16:designElem xmlns:p16="http://schemas.microsoft.com/office/powerpoint/2015/main" xmlns="" val="1"/>
               </p:ext>
             </p:extLst>
           </p:nvPr>
@@ -7734,10 +7734,10 @@
           <p:cNvPr id="9" name="Group 8">
             <a:extLst>
               <a:ext uri="{FF2B5EF4-FFF2-40B4-BE49-F238E27FC236}">
-                <a16:creationId xmlns:a16="http://schemas.microsoft.com/office/drawing/2014/main" id="{2109F83F-40FE-4DB3-84CC-09FB3340D06D}"/>
+                <a16:creationId xmlns:a16="http://schemas.microsoft.com/office/drawing/2014/main" xmlns="" id="{2109F83F-40FE-4DB3-84CC-09FB3340D06D}"/>
               </a:ext>
               <a:ext uri="{C183D7F6-B498-43B3-948B-1728B52AA6E4}">
-                <adec:decorative xmlns:adec="http://schemas.microsoft.com/office/drawing/2017/decorative" val="1"/>
+                <adec:decorative xmlns:adec="http://schemas.microsoft.com/office/drawing/2017/decorative" xmlns="" val="1"/>
               </a:ext>
             </a:extLst>
           </p:cNvPr>
@@ -7747,7 +7747,7 @@
           <p:nvPr>
             <p:extLst>
               <p:ext uri="{386F3935-93C4-4BCD-93E2-E3B085C9AB24}">
-                <p16:designElem xmlns:p16="http://schemas.microsoft.com/office/powerpoint/2015/main" val="1"/>
+                <p16:designElem xmlns:p16="http://schemas.microsoft.com/office/powerpoint/2015/main" xmlns="" val="1"/>
               </p:ext>
             </p:extLst>
           </p:nvPr>
@@ -7765,10 +7765,10 @@
             <p:cNvPr id="10" name="Straight Connector 9">
               <a:extLst>
                 <a:ext uri="{FF2B5EF4-FFF2-40B4-BE49-F238E27FC236}">
-                  <a16:creationId xmlns:a16="http://schemas.microsoft.com/office/drawing/2014/main" id="{1DE492D7-C3C3-48FF-80C8-37021EA0262F}"/>
+                  <a16:creationId xmlns:a16="http://schemas.microsoft.com/office/drawing/2014/main" xmlns="" id="{1DE492D7-C3C3-48FF-80C8-37021EA0262F}"/>
                 </a:ext>
                 <a:ext uri="{C183D7F6-B498-43B3-948B-1728B52AA6E4}">
-                  <adec:decorative xmlns:adec="http://schemas.microsoft.com/office/drawing/2017/decorative" val="1"/>
+                  <adec:decorative xmlns:adec="http://schemas.microsoft.com/office/drawing/2017/decorative" xmlns="" val="1"/>
                 </a:ext>
               </a:extLst>
             </p:cNvPr>
@@ -7776,7 +7776,7 @@
             <p:nvPr>
               <p:extLst>
                 <p:ext uri="{386F3935-93C4-4BCD-93E2-E3B085C9AB24}">
-                  <p16:designElem xmlns:p16="http://schemas.microsoft.com/office/powerpoint/2015/main" val="1"/>
+                  <p16:designElem xmlns:p16="http://schemas.microsoft.com/office/powerpoint/2015/main" xmlns="" val="1"/>
                 </p:ext>
               </p:extLst>
             </p:nvPr>
@@ -7817,10 +7817,10 @@
             <p:cNvPr id="11" name="Rectangle 23">
               <a:extLst>
                 <a:ext uri="{FF2B5EF4-FFF2-40B4-BE49-F238E27FC236}">
-                  <a16:creationId xmlns:a16="http://schemas.microsoft.com/office/drawing/2014/main" id="{0B30FF97-2E9A-490A-AED2-90BA2E0EC17F}"/>
+                  <a16:creationId xmlns:a16="http://schemas.microsoft.com/office/drawing/2014/main" xmlns="" id="{0B30FF97-2E9A-490A-AED2-90BA2E0EC17F}"/>
                 </a:ext>
                 <a:ext uri="{C183D7F6-B498-43B3-948B-1728B52AA6E4}">
-                  <adec:decorative xmlns:adec="http://schemas.microsoft.com/office/drawing/2017/decorative" val="1"/>
+                  <adec:decorative xmlns:adec="http://schemas.microsoft.com/office/drawing/2017/decorative" xmlns="" val="1"/>
                 </a:ext>
               </a:extLst>
             </p:cNvPr>
@@ -7828,7 +7828,7 @@
             <p:nvPr>
               <p:extLst>
                 <p:ext uri="{386F3935-93C4-4BCD-93E2-E3B085C9AB24}">
-                  <p16:designElem xmlns:p16="http://schemas.microsoft.com/office/powerpoint/2015/main" val="1"/>
+                  <p16:designElem xmlns:p16="http://schemas.microsoft.com/office/powerpoint/2015/main" xmlns="" val="1"/>
                 </p:ext>
               </p:extLst>
             </p:nvPr>
@@ -7895,10 +7895,10 @@
             <p:cNvPr id="12" name="Rectangle 25">
               <a:extLst>
                 <a:ext uri="{FF2B5EF4-FFF2-40B4-BE49-F238E27FC236}">
-                  <a16:creationId xmlns:a16="http://schemas.microsoft.com/office/drawing/2014/main" id="{B6D53C7D-A312-47B6-A66A-230A19CFACA6}"/>
+                  <a16:creationId xmlns:a16="http://schemas.microsoft.com/office/drawing/2014/main" xmlns="" id="{B6D53C7D-A312-47B6-A66A-230A19CFACA6}"/>
                 </a:ext>
                 <a:ext uri="{C183D7F6-B498-43B3-948B-1728B52AA6E4}">
-                  <adec:decorative xmlns:adec="http://schemas.microsoft.com/office/drawing/2017/decorative" val="1"/>
+                  <adec:decorative xmlns:adec="http://schemas.microsoft.com/office/drawing/2017/decorative" xmlns="" val="1"/>
                 </a:ext>
               </a:extLst>
             </p:cNvPr>
@@ -7906,7 +7906,7 @@
             <p:nvPr>
               <p:extLst>
                 <p:ext uri="{386F3935-93C4-4BCD-93E2-E3B085C9AB24}">
-                  <p16:designElem xmlns:p16="http://schemas.microsoft.com/office/powerpoint/2015/main" val="1"/>
+                  <p16:designElem xmlns:p16="http://schemas.microsoft.com/office/powerpoint/2015/main" xmlns="" val="1"/>
                 </p:ext>
               </p:extLst>
             </p:nvPr>
@@ -7973,10 +7973,10 @@
             <p:cNvPr id="13" name="Isosceles Triangle 12">
               <a:extLst>
                 <a:ext uri="{FF2B5EF4-FFF2-40B4-BE49-F238E27FC236}">
-                  <a16:creationId xmlns:a16="http://schemas.microsoft.com/office/drawing/2014/main" id="{9329D58C-0D2E-4A2B-AD6A-9CEE506784A8}"/>
+                  <a16:creationId xmlns:a16="http://schemas.microsoft.com/office/drawing/2014/main" xmlns="" id="{9329D58C-0D2E-4A2B-AD6A-9CEE506784A8}"/>
                 </a:ext>
                 <a:ext uri="{C183D7F6-B498-43B3-948B-1728B52AA6E4}">
-                  <adec:decorative xmlns:adec="http://schemas.microsoft.com/office/drawing/2017/decorative" val="1"/>
+                  <adec:decorative xmlns:adec="http://schemas.microsoft.com/office/drawing/2017/decorative" xmlns="" val="1"/>
                 </a:ext>
               </a:extLst>
             </p:cNvPr>
@@ -7984,7 +7984,7 @@
             <p:nvPr>
               <p:extLst>
                 <p:ext uri="{386F3935-93C4-4BCD-93E2-E3B085C9AB24}">
-                  <p16:designElem xmlns:p16="http://schemas.microsoft.com/office/powerpoint/2015/main" val="1"/>
+                  <p16:designElem xmlns:p16="http://schemas.microsoft.com/office/powerpoint/2015/main" xmlns="" val="1"/>
                 </p:ext>
               </p:extLst>
             </p:nvPr>
@@ -8029,10 +8029,10 @@
             <p:cNvPr id="14" name="Rectangle 27">
               <a:extLst>
                 <a:ext uri="{FF2B5EF4-FFF2-40B4-BE49-F238E27FC236}">
-                  <a16:creationId xmlns:a16="http://schemas.microsoft.com/office/drawing/2014/main" id="{9D446EDE-C690-4461-8BF2-7634808FC8B4}"/>
+                  <a16:creationId xmlns:a16="http://schemas.microsoft.com/office/drawing/2014/main" xmlns="" id="{9D446EDE-C690-4461-8BF2-7634808FC8B4}"/>
                 </a:ext>
                 <a:ext uri="{C183D7F6-B498-43B3-948B-1728B52AA6E4}">
-                  <adec:decorative xmlns:adec="http://schemas.microsoft.com/office/drawing/2017/decorative" val="1"/>
+                  <adec:decorative xmlns:adec="http://schemas.microsoft.com/office/drawing/2017/decorative" xmlns="" val="1"/>
                 </a:ext>
               </a:extLst>
             </p:cNvPr>
@@ -8040,7 +8040,7 @@
             <p:nvPr>
               <p:extLst>
                 <p:ext uri="{386F3935-93C4-4BCD-93E2-E3B085C9AB24}">
-                  <p16:designElem xmlns:p16="http://schemas.microsoft.com/office/powerpoint/2015/main" val="1"/>
+                  <p16:designElem xmlns:p16="http://schemas.microsoft.com/office/powerpoint/2015/main" xmlns="" val="1"/>
                 </p:ext>
               </p:extLst>
             </p:nvPr>
@@ -8108,10 +8108,10 @@
             <p:cNvPr id="15" name="Rectangle 28">
               <a:extLst>
                 <a:ext uri="{FF2B5EF4-FFF2-40B4-BE49-F238E27FC236}">
-                  <a16:creationId xmlns:a16="http://schemas.microsoft.com/office/drawing/2014/main" id="{323F3D34-6531-4AD7-A8C6-195A090281A1}"/>
+                  <a16:creationId xmlns:a16="http://schemas.microsoft.com/office/drawing/2014/main" xmlns="" id="{323F3D34-6531-4AD7-A8C6-195A090281A1}"/>
                 </a:ext>
                 <a:ext uri="{C183D7F6-B498-43B3-948B-1728B52AA6E4}">
-                  <adec:decorative xmlns:adec="http://schemas.microsoft.com/office/drawing/2017/decorative" val="1"/>
+                  <adec:decorative xmlns:adec="http://schemas.microsoft.com/office/drawing/2017/decorative" xmlns="" val="1"/>
                 </a:ext>
               </a:extLst>
             </p:cNvPr>
@@ -8119,7 +8119,7 @@
             <p:nvPr>
               <p:extLst>
                 <p:ext uri="{386F3935-93C4-4BCD-93E2-E3B085C9AB24}">
-                  <p16:designElem xmlns:p16="http://schemas.microsoft.com/office/powerpoint/2015/main" val="1"/>
+                  <p16:designElem xmlns:p16="http://schemas.microsoft.com/office/powerpoint/2015/main" xmlns="" val="1"/>
                 </p:ext>
               </p:extLst>
             </p:nvPr>
@@ -8188,10 +8188,10 @@
             <p:cNvPr id="16" name="Rectangle 29">
               <a:extLst>
                 <a:ext uri="{FF2B5EF4-FFF2-40B4-BE49-F238E27FC236}">
-                  <a16:creationId xmlns:a16="http://schemas.microsoft.com/office/drawing/2014/main" id="{B9B0AE3F-2350-435F-A9B0-C310BF876385}"/>
+                  <a16:creationId xmlns:a16="http://schemas.microsoft.com/office/drawing/2014/main" xmlns="" id="{B9B0AE3F-2350-435F-A9B0-C310BF876385}"/>
                 </a:ext>
                 <a:ext uri="{C183D7F6-B498-43B3-948B-1728B52AA6E4}">
-                  <adec:decorative xmlns:adec="http://schemas.microsoft.com/office/drawing/2017/decorative" val="1"/>
+                  <adec:decorative xmlns:adec="http://schemas.microsoft.com/office/drawing/2017/decorative" xmlns="" val="1"/>
                 </a:ext>
               </a:extLst>
             </p:cNvPr>
@@ -8199,7 +8199,7 @@
             <p:nvPr>
               <p:extLst>
                 <p:ext uri="{386F3935-93C4-4BCD-93E2-E3B085C9AB24}">
-                  <p16:designElem xmlns:p16="http://schemas.microsoft.com/office/powerpoint/2015/main" val="1"/>
+                  <p16:designElem xmlns:p16="http://schemas.microsoft.com/office/powerpoint/2015/main" xmlns="" val="1"/>
                 </p:ext>
               </p:extLst>
             </p:nvPr>
@@ -8266,10 +8266,10 @@
             <p:cNvPr id="17" name="Isosceles Triangle 16">
               <a:extLst>
                 <a:ext uri="{FF2B5EF4-FFF2-40B4-BE49-F238E27FC236}">
-                  <a16:creationId xmlns:a16="http://schemas.microsoft.com/office/drawing/2014/main" id="{4EFA655C-9E50-4C14-A89E-AD7B648E4E2B}"/>
+                  <a16:creationId xmlns:a16="http://schemas.microsoft.com/office/drawing/2014/main" xmlns="" id="{4EFA655C-9E50-4C14-A89E-AD7B648E4E2B}"/>
                 </a:ext>
                 <a:ext uri="{C183D7F6-B498-43B3-948B-1728B52AA6E4}">
-                  <adec:decorative xmlns:adec="http://schemas.microsoft.com/office/drawing/2017/decorative" val="1"/>
+                  <adec:decorative xmlns:adec="http://schemas.microsoft.com/office/drawing/2017/decorative" xmlns="" val="1"/>
                 </a:ext>
               </a:extLst>
             </p:cNvPr>
@@ -8277,7 +8277,7 @@
             <p:nvPr>
               <p:extLst>
                 <p:ext uri="{386F3935-93C4-4BCD-93E2-E3B085C9AB24}">
-                  <p16:designElem xmlns:p16="http://schemas.microsoft.com/office/powerpoint/2015/main" val="1"/>
+                  <p16:designElem xmlns:p16="http://schemas.microsoft.com/office/powerpoint/2015/main" xmlns="" val="1"/>
                 </p:ext>
               </p:extLst>
             </p:nvPr>
@@ -8322,10 +8322,10 @@
             <p:cNvPr id="18" name="Isosceles Triangle 17">
               <a:extLst>
                 <a:ext uri="{FF2B5EF4-FFF2-40B4-BE49-F238E27FC236}">
-                  <a16:creationId xmlns:a16="http://schemas.microsoft.com/office/drawing/2014/main" id="{3E843863-7D25-4C01-9A17-E817CB6D998A}"/>
+                  <a16:creationId xmlns:a16="http://schemas.microsoft.com/office/drawing/2014/main" xmlns="" id="{3E843863-7D25-4C01-9A17-E817CB6D998A}"/>
                 </a:ext>
                 <a:ext uri="{C183D7F6-B498-43B3-948B-1728B52AA6E4}">
-                  <adec:decorative xmlns:adec="http://schemas.microsoft.com/office/drawing/2017/decorative" val="1"/>
+                  <adec:decorative xmlns:adec="http://schemas.microsoft.com/office/drawing/2017/decorative" xmlns="" val="1"/>
                 </a:ext>
               </a:extLst>
             </p:cNvPr>
@@ -8333,7 +8333,7 @@
             <p:nvPr>
               <p:extLst>
                 <p:ext uri="{386F3935-93C4-4BCD-93E2-E3B085C9AB24}">
-                  <p16:designElem xmlns:p16="http://schemas.microsoft.com/office/powerpoint/2015/main" val="1"/>
+                  <p16:designElem xmlns:p16="http://schemas.microsoft.com/office/powerpoint/2015/main" xmlns="" val="1"/>
                 </p:ext>
               </p:extLst>
             </p:nvPr>
@@ -8379,10 +8379,10 @@
           <p:cNvPr id="20" name="Rectangle 19">
             <a:extLst>
               <a:ext uri="{FF2B5EF4-FFF2-40B4-BE49-F238E27FC236}">
-                <a16:creationId xmlns:a16="http://schemas.microsoft.com/office/drawing/2014/main" id="{7941F9B1-B01B-4A84-89D9-B169AEB4E456}"/>
+                <a16:creationId xmlns:a16="http://schemas.microsoft.com/office/drawing/2014/main" xmlns="" id="{7941F9B1-B01B-4A84-89D9-B169AEB4E456}"/>
               </a:ext>
               <a:ext uri="{C183D7F6-B498-43B3-948B-1728B52AA6E4}">
-                <adec:decorative xmlns:adec="http://schemas.microsoft.com/office/drawing/2017/decorative" val="1"/>
+                <adec:decorative xmlns:adec="http://schemas.microsoft.com/office/drawing/2017/decorative" xmlns="" val="1"/>
               </a:ext>
             </a:extLst>
           </p:cNvPr>
@@ -8392,7 +8392,7 @@
           <p:nvPr>
             <p:extLst>
               <p:ext uri="{386F3935-93C4-4BCD-93E2-E3B085C9AB24}">
-                <p16:designElem xmlns:p16="http://schemas.microsoft.com/office/powerpoint/2015/main" val="1"/>
+                <p16:designElem xmlns:p16="http://schemas.microsoft.com/office/powerpoint/2015/main" xmlns="" val="1"/>
               </p:ext>
             </p:extLst>
           </p:nvPr>
@@ -8449,7 +8449,7 @@
           <p:cNvPr id="2" name="slide5">
             <a:extLst>
               <a:ext uri="{FF2B5EF4-FFF2-40B4-BE49-F238E27FC236}">
-                <a16:creationId xmlns:a16="http://schemas.microsoft.com/office/drawing/2014/main" id="{94182144-0C60-4F43-BA64-AB22E6FA1BE4}"/>
+                <a16:creationId xmlns:a16="http://schemas.microsoft.com/office/drawing/2014/main" xmlns="" id="{94182144-0C60-4F43-BA64-AB22E6FA1BE4}"/>
               </a:ext>
             </a:extLst>
           </p:cNvPr>
@@ -8472,8 +8472,8 @@
         </p:blipFill>
         <p:spPr>
           <a:xfrm>
-            <a:off x="1979999" y="1131994"/>
-            <a:ext cx="8233878" cy="4590386"/>
+            <a:off x="1363526" y="640621"/>
+            <a:ext cx="9731738" cy="5425444"/>
           </a:xfrm>
           <a:prstGeom prst="rect">
             <a:avLst/>
@@ -8523,10 +8523,10 @@
           <p:cNvPr id="7" name="Rectangle 6">
             <a:extLst>
               <a:ext uri="{FF2B5EF4-FFF2-40B4-BE49-F238E27FC236}">
-                <a16:creationId xmlns:a16="http://schemas.microsoft.com/office/drawing/2014/main" id="{03E8462A-FEBA-4848-81CC-3F8DA3E477BE}"/>
+                <a16:creationId xmlns:a16="http://schemas.microsoft.com/office/drawing/2014/main" xmlns="" id="{03E8462A-FEBA-4848-81CC-3F8DA3E477BE}"/>
               </a:ext>
               <a:ext uri="{C183D7F6-B498-43B3-948B-1728B52AA6E4}">
-                <adec:decorative xmlns:adec="http://schemas.microsoft.com/office/drawing/2017/decorative" val="1"/>
+                <adec:decorative xmlns:adec="http://schemas.microsoft.com/office/drawing/2017/decorative" xmlns="" val="1"/>
               </a:ext>
             </a:extLst>
           </p:cNvPr>
@@ -8536,7 +8536,7 @@
           <p:nvPr>
             <p:extLst>
               <p:ext uri="{386F3935-93C4-4BCD-93E2-E3B085C9AB24}">
-                <p16:designElem xmlns:p16="http://schemas.microsoft.com/office/powerpoint/2015/main" val="1"/>
+                <p16:designElem xmlns:p16="http://schemas.microsoft.com/office/powerpoint/2015/main" xmlns="" val="1"/>
               </p:ext>
             </p:extLst>
           </p:nvPr>
@@ -8586,10 +8586,10 @@
           <p:cNvPr id="9" name="Group 8">
             <a:extLst>
               <a:ext uri="{FF2B5EF4-FFF2-40B4-BE49-F238E27FC236}">
-                <a16:creationId xmlns:a16="http://schemas.microsoft.com/office/drawing/2014/main" id="{2109F83F-40FE-4DB3-84CC-09FB3340D06D}"/>
+                <a16:creationId xmlns:a16="http://schemas.microsoft.com/office/drawing/2014/main" xmlns="" id="{2109F83F-40FE-4DB3-84CC-09FB3340D06D}"/>
               </a:ext>
               <a:ext uri="{C183D7F6-B498-43B3-948B-1728B52AA6E4}">
-                <adec:decorative xmlns:adec="http://schemas.microsoft.com/office/drawing/2017/decorative" val="1"/>
+                <adec:decorative xmlns:adec="http://schemas.microsoft.com/office/drawing/2017/decorative" xmlns="" val="1"/>
               </a:ext>
             </a:extLst>
           </p:cNvPr>
@@ -8599,7 +8599,7 @@
           <p:nvPr>
             <p:extLst>
               <p:ext uri="{386F3935-93C4-4BCD-93E2-E3B085C9AB24}">
-                <p16:designElem xmlns:p16="http://schemas.microsoft.com/office/powerpoint/2015/main" val="1"/>
+                <p16:designElem xmlns:p16="http://schemas.microsoft.com/office/powerpoint/2015/main" xmlns="" val="1"/>
               </p:ext>
             </p:extLst>
           </p:nvPr>
@@ -8617,10 +8617,10 @@
             <p:cNvPr id="10" name="Straight Connector 9">
               <a:extLst>
                 <a:ext uri="{FF2B5EF4-FFF2-40B4-BE49-F238E27FC236}">
-                  <a16:creationId xmlns:a16="http://schemas.microsoft.com/office/drawing/2014/main" id="{1DE492D7-C3C3-48FF-80C8-37021EA0262F}"/>
+                  <a16:creationId xmlns:a16="http://schemas.microsoft.com/office/drawing/2014/main" xmlns="" id="{1DE492D7-C3C3-48FF-80C8-37021EA0262F}"/>
                 </a:ext>
                 <a:ext uri="{C183D7F6-B498-43B3-948B-1728B52AA6E4}">
-                  <adec:decorative xmlns:adec="http://schemas.microsoft.com/office/drawing/2017/decorative" val="1"/>
+                  <adec:decorative xmlns:adec="http://schemas.microsoft.com/office/drawing/2017/decorative" xmlns="" val="1"/>
                 </a:ext>
               </a:extLst>
             </p:cNvPr>
@@ -8628,7 +8628,7 @@
             <p:nvPr>
               <p:extLst>
                 <p:ext uri="{386F3935-93C4-4BCD-93E2-E3B085C9AB24}">
-                  <p16:designElem xmlns:p16="http://schemas.microsoft.com/office/powerpoint/2015/main" val="1"/>
+                  <p16:designElem xmlns:p16="http://schemas.microsoft.com/office/powerpoint/2015/main" xmlns="" val="1"/>
                 </p:ext>
               </p:extLst>
             </p:nvPr>
@@ -8669,10 +8669,10 @@
             <p:cNvPr id="11" name="Rectangle 23">
               <a:extLst>
                 <a:ext uri="{FF2B5EF4-FFF2-40B4-BE49-F238E27FC236}">
-                  <a16:creationId xmlns:a16="http://schemas.microsoft.com/office/drawing/2014/main" id="{0B30FF97-2E9A-490A-AED2-90BA2E0EC17F}"/>
+                  <a16:creationId xmlns:a16="http://schemas.microsoft.com/office/drawing/2014/main" xmlns="" id="{0B30FF97-2E9A-490A-AED2-90BA2E0EC17F}"/>
                 </a:ext>
                 <a:ext uri="{C183D7F6-B498-43B3-948B-1728B52AA6E4}">
-                  <adec:decorative xmlns:adec="http://schemas.microsoft.com/office/drawing/2017/decorative" val="1"/>
+                  <adec:decorative xmlns:adec="http://schemas.microsoft.com/office/drawing/2017/decorative" xmlns="" val="1"/>
                 </a:ext>
               </a:extLst>
             </p:cNvPr>
@@ -8680,7 +8680,7 @@
             <p:nvPr>
               <p:extLst>
                 <p:ext uri="{386F3935-93C4-4BCD-93E2-E3B085C9AB24}">
-                  <p16:designElem xmlns:p16="http://schemas.microsoft.com/office/powerpoint/2015/main" val="1"/>
+                  <p16:designElem xmlns:p16="http://schemas.microsoft.com/office/powerpoint/2015/main" xmlns="" val="1"/>
                 </p:ext>
               </p:extLst>
             </p:nvPr>
@@ -8747,10 +8747,10 @@
             <p:cNvPr id="12" name="Rectangle 25">
               <a:extLst>
                 <a:ext uri="{FF2B5EF4-FFF2-40B4-BE49-F238E27FC236}">
-                  <a16:creationId xmlns:a16="http://schemas.microsoft.com/office/drawing/2014/main" id="{B6D53C7D-A312-47B6-A66A-230A19CFACA6}"/>
+                  <a16:creationId xmlns:a16="http://schemas.microsoft.com/office/drawing/2014/main" xmlns="" id="{B6D53C7D-A312-47B6-A66A-230A19CFACA6}"/>
                 </a:ext>
                 <a:ext uri="{C183D7F6-B498-43B3-948B-1728B52AA6E4}">
-                  <adec:decorative xmlns:adec="http://schemas.microsoft.com/office/drawing/2017/decorative" val="1"/>
+                  <adec:decorative xmlns:adec="http://schemas.microsoft.com/office/drawing/2017/decorative" xmlns="" val="1"/>
                 </a:ext>
               </a:extLst>
             </p:cNvPr>
@@ -8758,7 +8758,7 @@
             <p:nvPr>
               <p:extLst>
                 <p:ext uri="{386F3935-93C4-4BCD-93E2-E3B085C9AB24}">
-                  <p16:designElem xmlns:p16="http://schemas.microsoft.com/office/powerpoint/2015/main" val="1"/>
+                  <p16:designElem xmlns:p16="http://schemas.microsoft.com/office/powerpoint/2015/main" xmlns="" val="1"/>
                 </p:ext>
               </p:extLst>
             </p:nvPr>
@@ -8825,10 +8825,10 @@
             <p:cNvPr id="13" name="Isosceles Triangle 12">
               <a:extLst>
                 <a:ext uri="{FF2B5EF4-FFF2-40B4-BE49-F238E27FC236}">
-                  <a16:creationId xmlns:a16="http://schemas.microsoft.com/office/drawing/2014/main" id="{9329D58C-0D2E-4A2B-AD6A-9CEE506784A8}"/>
+                  <a16:creationId xmlns:a16="http://schemas.microsoft.com/office/drawing/2014/main" xmlns="" id="{9329D58C-0D2E-4A2B-AD6A-9CEE506784A8}"/>
                 </a:ext>
                 <a:ext uri="{C183D7F6-B498-43B3-948B-1728B52AA6E4}">
-                  <adec:decorative xmlns:adec="http://schemas.microsoft.com/office/drawing/2017/decorative" val="1"/>
+                  <adec:decorative xmlns:adec="http://schemas.microsoft.com/office/drawing/2017/decorative" xmlns="" val="1"/>
                 </a:ext>
               </a:extLst>
             </p:cNvPr>
@@ -8836,7 +8836,7 @@
             <p:nvPr>
               <p:extLst>
                 <p:ext uri="{386F3935-93C4-4BCD-93E2-E3B085C9AB24}">
-                  <p16:designElem xmlns:p16="http://schemas.microsoft.com/office/powerpoint/2015/main" val="1"/>
+                  <p16:designElem xmlns:p16="http://schemas.microsoft.com/office/powerpoint/2015/main" xmlns="" val="1"/>
                 </p:ext>
               </p:extLst>
             </p:nvPr>
@@ -8881,10 +8881,10 @@
             <p:cNvPr id="14" name="Rectangle 27">
               <a:extLst>
                 <a:ext uri="{FF2B5EF4-FFF2-40B4-BE49-F238E27FC236}">
-                  <a16:creationId xmlns:a16="http://schemas.microsoft.com/office/drawing/2014/main" id="{9D446EDE-C690-4461-8BF2-7634808FC8B4}"/>
+                  <a16:creationId xmlns:a16="http://schemas.microsoft.com/office/drawing/2014/main" xmlns="" id="{9D446EDE-C690-4461-8BF2-7634808FC8B4}"/>
                 </a:ext>
                 <a:ext uri="{C183D7F6-B498-43B3-948B-1728B52AA6E4}">
-                  <adec:decorative xmlns:adec="http://schemas.microsoft.com/office/drawing/2017/decorative" val="1"/>
+                  <adec:decorative xmlns:adec="http://schemas.microsoft.com/office/drawing/2017/decorative" xmlns="" val="1"/>
                 </a:ext>
               </a:extLst>
             </p:cNvPr>
@@ -8892,7 +8892,7 @@
             <p:nvPr>
               <p:extLst>
                 <p:ext uri="{386F3935-93C4-4BCD-93E2-E3B085C9AB24}">
-                  <p16:designElem xmlns:p16="http://schemas.microsoft.com/office/powerpoint/2015/main" val="1"/>
+                  <p16:designElem xmlns:p16="http://schemas.microsoft.com/office/powerpoint/2015/main" xmlns="" val="1"/>
                 </p:ext>
               </p:extLst>
             </p:nvPr>
@@ -8960,10 +8960,10 @@
             <p:cNvPr id="15" name="Rectangle 28">
               <a:extLst>
                 <a:ext uri="{FF2B5EF4-FFF2-40B4-BE49-F238E27FC236}">
-                  <a16:creationId xmlns:a16="http://schemas.microsoft.com/office/drawing/2014/main" id="{323F3D34-6531-4AD7-A8C6-195A090281A1}"/>
+                  <a16:creationId xmlns:a16="http://schemas.microsoft.com/office/drawing/2014/main" xmlns="" id="{323F3D34-6531-4AD7-A8C6-195A090281A1}"/>
                 </a:ext>
                 <a:ext uri="{C183D7F6-B498-43B3-948B-1728B52AA6E4}">
-                  <adec:decorative xmlns:adec="http://schemas.microsoft.com/office/drawing/2017/decorative" val="1"/>
+                  <adec:decorative xmlns:adec="http://schemas.microsoft.com/office/drawing/2017/decorative" xmlns="" val="1"/>
                 </a:ext>
               </a:extLst>
             </p:cNvPr>
@@ -8971,7 +8971,7 @@
             <p:nvPr>
               <p:extLst>
                 <p:ext uri="{386F3935-93C4-4BCD-93E2-E3B085C9AB24}">
-                  <p16:designElem xmlns:p16="http://schemas.microsoft.com/office/powerpoint/2015/main" val="1"/>
+                  <p16:designElem xmlns:p16="http://schemas.microsoft.com/office/powerpoint/2015/main" xmlns="" val="1"/>
                 </p:ext>
               </p:extLst>
             </p:nvPr>
@@ -9040,10 +9040,10 @@
             <p:cNvPr id="16" name="Rectangle 29">
               <a:extLst>
                 <a:ext uri="{FF2B5EF4-FFF2-40B4-BE49-F238E27FC236}">
-                  <a16:creationId xmlns:a16="http://schemas.microsoft.com/office/drawing/2014/main" id="{B9B0AE3F-2350-435F-A9B0-C310BF876385}"/>
+                  <a16:creationId xmlns:a16="http://schemas.microsoft.com/office/drawing/2014/main" xmlns="" id="{B9B0AE3F-2350-435F-A9B0-C310BF876385}"/>
                 </a:ext>
                 <a:ext uri="{C183D7F6-B498-43B3-948B-1728B52AA6E4}">
-                  <adec:decorative xmlns:adec="http://schemas.microsoft.com/office/drawing/2017/decorative" val="1"/>
+                  <adec:decorative xmlns:adec="http://schemas.microsoft.com/office/drawing/2017/decorative" xmlns="" val="1"/>
                 </a:ext>
               </a:extLst>
             </p:cNvPr>
@@ -9051,7 +9051,7 @@
             <p:nvPr>
               <p:extLst>
                 <p:ext uri="{386F3935-93C4-4BCD-93E2-E3B085C9AB24}">
-                  <p16:designElem xmlns:p16="http://schemas.microsoft.com/office/powerpoint/2015/main" val="1"/>
+                  <p16:designElem xmlns:p16="http://schemas.microsoft.com/office/powerpoint/2015/main" xmlns="" val="1"/>
                 </p:ext>
               </p:extLst>
             </p:nvPr>
@@ -9118,10 +9118,10 @@
             <p:cNvPr id="17" name="Isosceles Triangle 16">
               <a:extLst>
                 <a:ext uri="{FF2B5EF4-FFF2-40B4-BE49-F238E27FC236}">
-                  <a16:creationId xmlns:a16="http://schemas.microsoft.com/office/drawing/2014/main" id="{4EFA655C-9E50-4C14-A89E-AD7B648E4E2B}"/>
+                  <a16:creationId xmlns:a16="http://schemas.microsoft.com/office/drawing/2014/main" xmlns="" id="{4EFA655C-9E50-4C14-A89E-AD7B648E4E2B}"/>
                 </a:ext>
                 <a:ext uri="{C183D7F6-B498-43B3-948B-1728B52AA6E4}">
-                  <adec:decorative xmlns:adec="http://schemas.microsoft.com/office/drawing/2017/decorative" val="1"/>
+                  <adec:decorative xmlns:adec="http://schemas.microsoft.com/office/drawing/2017/decorative" xmlns="" val="1"/>
                 </a:ext>
               </a:extLst>
             </p:cNvPr>
@@ -9129,7 +9129,7 @@
             <p:nvPr>
               <p:extLst>
                 <p:ext uri="{386F3935-93C4-4BCD-93E2-E3B085C9AB24}">
-                  <p16:designElem xmlns:p16="http://schemas.microsoft.com/office/powerpoint/2015/main" val="1"/>
+                  <p16:designElem xmlns:p16="http://schemas.microsoft.com/office/powerpoint/2015/main" xmlns="" val="1"/>
                 </p:ext>
               </p:extLst>
             </p:nvPr>
@@ -9174,10 +9174,10 @@
             <p:cNvPr id="18" name="Isosceles Triangle 17">
               <a:extLst>
                 <a:ext uri="{FF2B5EF4-FFF2-40B4-BE49-F238E27FC236}">
-                  <a16:creationId xmlns:a16="http://schemas.microsoft.com/office/drawing/2014/main" id="{3E843863-7D25-4C01-9A17-E817CB6D998A}"/>
+                  <a16:creationId xmlns:a16="http://schemas.microsoft.com/office/drawing/2014/main" xmlns="" id="{3E843863-7D25-4C01-9A17-E817CB6D998A}"/>
                 </a:ext>
                 <a:ext uri="{C183D7F6-B498-43B3-948B-1728B52AA6E4}">
-                  <adec:decorative xmlns:adec="http://schemas.microsoft.com/office/drawing/2017/decorative" val="1"/>
+                  <adec:decorative xmlns:adec="http://schemas.microsoft.com/office/drawing/2017/decorative" xmlns="" val="1"/>
                 </a:ext>
               </a:extLst>
             </p:cNvPr>
@@ -9185,7 +9185,7 @@
             <p:nvPr>
               <p:extLst>
                 <p:ext uri="{386F3935-93C4-4BCD-93E2-E3B085C9AB24}">
-                  <p16:designElem xmlns:p16="http://schemas.microsoft.com/office/powerpoint/2015/main" val="1"/>
+                  <p16:designElem xmlns:p16="http://schemas.microsoft.com/office/powerpoint/2015/main" xmlns="" val="1"/>
                 </p:ext>
               </p:extLst>
             </p:nvPr>
@@ -9231,10 +9231,10 @@
           <p:cNvPr id="20" name="Rectangle 19">
             <a:extLst>
               <a:ext uri="{FF2B5EF4-FFF2-40B4-BE49-F238E27FC236}">
-                <a16:creationId xmlns:a16="http://schemas.microsoft.com/office/drawing/2014/main" id="{7941F9B1-B01B-4A84-89D9-B169AEB4E456}"/>
+                <a16:creationId xmlns:a16="http://schemas.microsoft.com/office/drawing/2014/main" xmlns="" id="{7941F9B1-B01B-4A84-89D9-B169AEB4E456}"/>
               </a:ext>
               <a:ext uri="{C183D7F6-B498-43B3-948B-1728B52AA6E4}">
-                <adec:decorative xmlns:adec="http://schemas.microsoft.com/office/drawing/2017/decorative" val="1"/>
+                <adec:decorative xmlns:adec="http://schemas.microsoft.com/office/drawing/2017/decorative" xmlns="" val="1"/>
               </a:ext>
             </a:extLst>
           </p:cNvPr>
@@ -9244,7 +9244,7 @@
           <p:nvPr>
             <p:extLst>
               <p:ext uri="{386F3935-93C4-4BCD-93E2-E3B085C9AB24}">
-                <p16:designElem xmlns:p16="http://schemas.microsoft.com/office/powerpoint/2015/main" val="1"/>
+                <p16:designElem xmlns:p16="http://schemas.microsoft.com/office/powerpoint/2015/main" xmlns="" val="1"/>
               </p:ext>
             </p:extLst>
           </p:nvPr>
@@ -9301,7 +9301,7 @@
           <p:cNvPr id="2" name="slide5">
             <a:extLst>
               <a:ext uri="{FF2B5EF4-FFF2-40B4-BE49-F238E27FC236}">
-                <a16:creationId xmlns:a16="http://schemas.microsoft.com/office/drawing/2014/main" id="{CB09CC84-714C-413C-8D43-B84CF370BCBF}"/>
+                <a16:creationId xmlns:a16="http://schemas.microsoft.com/office/drawing/2014/main" xmlns="" id="{CB09CC84-714C-413C-8D43-B84CF370BCBF}"/>
               </a:ext>
             </a:extLst>
           </p:cNvPr>
@@ -9324,8 +9324,8 @@
         </p:blipFill>
         <p:spPr>
           <a:xfrm>
-            <a:off x="1979999" y="1131994"/>
-            <a:ext cx="8233878" cy="4590386"/>
+            <a:off x="1338943" y="667929"/>
+            <a:ext cx="9707336" cy="5411839"/>
           </a:xfrm>
           <a:prstGeom prst="rect">
             <a:avLst/>
@@ -9375,10 +9375,10 @@
           <p:cNvPr id="8" name="Rectangle 7">
             <a:extLst>
               <a:ext uri="{FF2B5EF4-FFF2-40B4-BE49-F238E27FC236}">
-                <a16:creationId xmlns:a16="http://schemas.microsoft.com/office/drawing/2014/main" id="{03E8462A-FEBA-4848-81CC-3F8DA3E477BE}"/>
+                <a16:creationId xmlns:a16="http://schemas.microsoft.com/office/drawing/2014/main" xmlns="" id="{03E8462A-FEBA-4848-81CC-3F8DA3E477BE}"/>
               </a:ext>
               <a:ext uri="{C183D7F6-B498-43B3-948B-1728B52AA6E4}">
-                <adec:decorative xmlns:adec="http://schemas.microsoft.com/office/drawing/2017/decorative" val="1"/>
+                <adec:decorative xmlns:adec="http://schemas.microsoft.com/office/drawing/2017/decorative" xmlns="" val="1"/>
               </a:ext>
             </a:extLst>
           </p:cNvPr>
@@ -9388,7 +9388,7 @@
           <p:nvPr>
             <p:extLst>
               <p:ext uri="{386F3935-93C4-4BCD-93E2-E3B085C9AB24}">
-                <p16:designElem xmlns:p16="http://schemas.microsoft.com/office/powerpoint/2015/main" val="1"/>
+                <p16:designElem xmlns:p16="http://schemas.microsoft.com/office/powerpoint/2015/main" xmlns="" val="1"/>
               </p:ext>
             </p:extLst>
           </p:nvPr>
@@ -9438,10 +9438,10 @@
           <p:cNvPr id="10" name="Group 9">
             <a:extLst>
               <a:ext uri="{FF2B5EF4-FFF2-40B4-BE49-F238E27FC236}">
-                <a16:creationId xmlns:a16="http://schemas.microsoft.com/office/drawing/2014/main" id="{2109F83F-40FE-4DB3-84CC-09FB3340D06D}"/>
+                <a16:creationId xmlns:a16="http://schemas.microsoft.com/office/drawing/2014/main" xmlns="" id="{2109F83F-40FE-4DB3-84CC-09FB3340D06D}"/>
               </a:ext>
               <a:ext uri="{C183D7F6-B498-43B3-948B-1728B52AA6E4}">
-                <adec:decorative xmlns:adec="http://schemas.microsoft.com/office/drawing/2017/decorative" val="1"/>
+                <adec:decorative xmlns:adec="http://schemas.microsoft.com/office/drawing/2017/decorative" xmlns="" val="1"/>
               </a:ext>
             </a:extLst>
           </p:cNvPr>
@@ -9451,7 +9451,7 @@
           <p:nvPr>
             <p:extLst>
               <p:ext uri="{386F3935-93C4-4BCD-93E2-E3B085C9AB24}">
-                <p16:designElem xmlns:p16="http://schemas.microsoft.com/office/powerpoint/2015/main" val="1"/>
+                <p16:designElem xmlns:p16="http://schemas.microsoft.com/office/powerpoint/2015/main" xmlns="" val="1"/>
               </p:ext>
             </p:extLst>
           </p:nvPr>
@@ -9469,10 +9469,10 @@
             <p:cNvPr id="11" name="Straight Connector 10">
               <a:extLst>
                 <a:ext uri="{FF2B5EF4-FFF2-40B4-BE49-F238E27FC236}">
-                  <a16:creationId xmlns:a16="http://schemas.microsoft.com/office/drawing/2014/main" id="{1DE492D7-C3C3-48FF-80C8-37021EA0262F}"/>
+                  <a16:creationId xmlns:a16="http://schemas.microsoft.com/office/drawing/2014/main" xmlns="" id="{1DE492D7-C3C3-48FF-80C8-37021EA0262F}"/>
                 </a:ext>
                 <a:ext uri="{C183D7F6-B498-43B3-948B-1728B52AA6E4}">
-                  <adec:decorative xmlns:adec="http://schemas.microsoft.com/office/drawing/2017/decorative" val="1"/>
+                  <adec:decorative xmlns:adec="http://schemas.microsoft.com/office/drawing/2017/decorative" xmlns="" val="1"/>
                 </a:ext>
               </a:extLst>
             </p:cNvPr>
@@ -9480,7 +9480,7 @@
             <p:nvPr>
               <p:extLst>
                 <p:ext uri="{386F3935-93C4-4BCD-93E2-E3B085C9AB24}">
-                  <p16:designElem xmlns:p16="http://schemas.microsoft.com/office/powerpoint/2015/main" val="1"/>
+                  <p16:designElem xmlns:p16="http://schemas.microsoft.com/office/powerpoint/2015/main" xmlns="" val="1"/>
                 </p:ext>
               </p:extLst>
             </p:nvPr>
@@ -9521,10 +9521,10 @@
             <p:cNvPr id="12" name="Rectangle 23">
               <a:extLst>
                 <a:ext uri="{FF2B5EF4-FFF2-40B4-BE49-F238E27FC236}">
-                  <a16:creationId xmlns:a16="http://schemas.microsoft.com/office/drawing/2014/main" id="{0B30FF97-2E9A-490A-AED2-90BA2E0EC17F}"/>
+                  <a16:creationId xmlns:a16="http://schemas.microsoft.com/office/drawing/2014/main" xmlns="" id="{0B30FF97-2E9A-490A-AED2-90BA2E0EC17F}"/>
                 </a:ext>
                 <a:ext uri="{C183D7F6-B498-43B3-948B-1728B52AA6E4}">
-                  <adec:decorative xmlns:adec="http://schemas.microsoft.com/office/drawing/2017/decorative" val="1"/>
+                  <adec:decorative xmlns:adec="http://schemas.microsoft.com/office/drawing/2017/decorative" xmlns="" val="1"/>
                 </a:ext>
               </a:extLst>
             </p:cNvPr>
@@ -9532,7 +9532,7 @@
             <p:nvPr>
               <p:extLst>
                 <p:ext uri="{386F3935-93C4-4BCD-93E2-E3B085C9AB24}">
-                  <p16:designElem xmlns:p16="http://schemas.microsoft.com/office/powerpoint/2015/main" val="1"/>
+                  <p16:designElem xmlns:p16="http://schemas.microsoft.com/office/powerpoint/2015/main" xmlns="" val="1"/>
                 </p:ext>
               </p:extLst>
             </p:nvPr>
@@ -9599,10 +9599,10 @@
             <p:cNvPr id="13" name="Rectangle 25">
               <a:extLst>
                 <a:ext uri="{FF2B5EF4-FFF2-40B4-BE49-F238E27FC236}">
-                  <a16:creationId xmlns:a16="http://schemas.microsoft.com/office/drawing/2014/main" id="{B6D53C7D-A312-47B6-A66A-230A19CFACA6}"/>
+                  <a16:creationId xmlns:a16="http://schemas.microsoft.com/office/drawing/2014/main" xmlns="" id="{B6D53C7D-A312-47B6-A66A-230A19CFACA6}"/>
                 </a:ext>
                 <a:ext uri="{C183D7F6-B498-43B3-948B-1728B52AA6E4}">
-                  <adec:decorative xmlns:adec="http://schemas.microsoft.com/office/drawing/2017/decorative" val="1"/>
+                  <adec:decorative xmlns:adec="http://schemas.microsoft.com/office/drawing/2017/decorative" xmlns="" val="1"/>
                 </a:ext>
               </a:extLst>
             </p:cNvPr>
@@ -9610,7 +9610,7 @@
             <p:nvPr>
               <p:extLst>
                 <p:ext uri="{386F3935-93C4-4BCD-93E2-E3B085C9AB24}">
-                  <p16:designElem xmlns:p16="http://schemas.microsoft.com/office/powerpoint/2015/main" val="1"/>
+                  <p16:designElem xmlns:p16="http://schemas.microsoft.com/office/powerpoint/2015/main" xmlns="" val="1"/>
                 </p:ext>
               </p:extLst>
             </p:nvPr>
@@ -9677,10 +9677,10 @@
             <p:cNvPr id="14" name="Isosceles Triangle 13">
               <a:extLst>
                 <a:ext uri="{FF2B5EF4-FFF2-40B4-BE49-F238E27FC236}">
-                  <a16:creationId xmlns:a16="http://schemas.microsoft.com/office/drawing/2014/main" id="{9329D58C-0D2E-4A2B-AD6A-9CEE506784A8}"/>
+                  <a16:creationId xmlns:a16="http://schemas.microsoft.com/office/drawing/2014/main" xmlns="" id="{9329D58C-0D2E-4A2B-AD6A-9CEE506784A8}"/>
                 </a:ext>
                 <a:ext uri="{C183D7F6-B498-43B3-948B-1728B52AA6E4}">
-                  <adec:decorative xmlns:adec="http://schemas.microsoft.com/office/drawing/2017/decorative" val="1"/>
+                  <adec:decorative xmlns:adec="http://schemas.microsoft.com/office/drawing/2017/decorative" xmlns="" val="1"/>
                 </a:ext>
               </a:extLst>
             </p:cNvPr>
@@ -9688,7 +9688,7 @@
             <p:nvPr>
               <p:extLst>
                 <p:ext uri="{386F3935-93C4-4BCD-93E2-E3B085C9AB24}">
-                  <p16:designElem xmlns:p16="http://schemas.microsoft.com/office/powerpoint/2015/main" val="1"/>
+                  <p16:designElem xmlns:p16="http://schemas.microsoft.com/office/powerpoint/2015/main" xmlns="" val="1"/>
                 </p:ext>
               </p:extLst>
             </p:nvPr>
@@ -9733,10 +9733,10 @@
             <p:cNvPr id="15" name="Rectangle 27">
               <a:extLst>
                 <a:ext uri="{FF2B5EF4-FFF2-40B4-BE49-F238E27FC236}">
-                  <a16:creationId xmlns:a16="http://schemas.microsoft.com/office/drawing/2014/main" id="{9D446EDE-C690-4461-8BF2-7634808FC8B4}"/>
+                  <a16:creationId xmlns:a16="http://schemas.microsoft.com/office/drawing/2014/main" xmlns="" id="{9D446EDE-C690-4461-8BF2-7634808FC8B4}"/>
                 </a:ext>
                 <a:ext uri="{C183D7F6-B498-43B3-948B-1728B52AA6E4}">
-                  <adec:decorative xmlns:adec="http://schemas.microsoft.com/office/drawing/2017/decorative" val="1"/>
+                  <adec:decorative xmlns:adec="http://schemas.microsoft.com/office/drawing/2017/decorative" xmlns="" val="1"/>
                 </a:ext>
               </a:extLst>
             </p:cNvPr>
@@ -9744,7 +9744,7 @@
             <p:nvPr>
               <p:extLst>
                 <p:ext uri="{386F3935-93C4-4BCD-93E2-E3B085C9AB24}">
-                  <p16:designElem xmlns:p16="http://schemas.microsoft.com/office/powerpoint/2015/main" val="1"/>
+                  <p16:designElem xmlns:p16="http://schemas.microsoft.com/office/powerpoint/2015/main" xmlns="" val="1"/>
                 </p:ext>
               </p:extLst>
             </p:nvPr>
@@ -9812,10 +9812,10 @@
             <p:cNvPr id="16" name="Rectangle 28">
               <a:extLst>
                 <a:ext uri="{FF2B5EF4-FFF2-40B4-BE49-F238E27FC236}">
-                  <a16:creationId xmlns:a16="http://schemas.microsoft.com/office/drawing/2014/main" id="{323F3D34-6531-4AD7-A8C6-195A090281A1}"/>
+                  <a16:creationId xmlns:a16="http://schemas.microsoft.com/office/drawing/2014/main" xmlns="" id="{323F3D34-6531-4AD7-A8C6-195A090281A1}"/>
                 </a:ext>
                 <a:ext uri="{C183D7F6-B498-43B3-948B-1728B52AA6E4}">
-                  <adec:decorative xmlns:adec="http://schemas.microsoft.com/office/drawing/2017/decorative" val="1"/>
+                  <adec:decorative xmlns:adec="http://schemas.microsoft.com/office/drawing/2017/decorative" xmlns="" val="1"/>
                 </a:ext>
               </a:extLst>
             </p:cNvPr>
@@ -9823,7 +9823,7 @@
             <p:nvPr>
               <p:extLst>
                 <p:ext uri="{386F3935-93C4-4BCD-93E2-E3B085C9AB24}">
-                  <p16:designElem xmlns:p16="http://schemas.microsoft.com/office/powerpoint/2015/main" val="1"/>
+                  <p16:designElem xmlns:p16="http://schemas.microsoft.com/office/powerpoint/2015/main" xmlns="" val="1"/>
                 </p:ext>
               </p:extLst>
             </p:nvPr>
@@ -9892,10 +9892,10 @@
             <p:cNvPr id="17" name="Rectangle 29">
               <a:extLst>
                 <a:ext uri="{FF2B5EF4-FFF2-40B4-BE49-F238E27FC236}">
-                  <a16:creationId xmlns:a16="http://schemas.microsoft.com/office/drawing/2014/main" id="{B9B0AE3F-2350-435F-A9B0-C310BF876385}"/>
+                  <a16:creationId xmlns:a16="http://schemas.microsoft.com/office/drawing/2014/main" xmlns="" id="{B9B0AE3F-2350-435F-A9B0-C310BF876385}"/>
                 </a:ext>
                 <a:ext uri="{C183D7F6-B498-43B3-948B-1728B52AA6E4}">
-                  <adec:decorative xmlns:adec="http://schemas.microsoft.com/office/drawing/2017/decorative" val="1"/>
+                  <adec:decorative xmlns:adec="http://schemas.microsoft.com/office/drawing/2017/decorative" xmlns="" val="1"/>
                 </a:ext>
               </a:extLst>
             </p:cNvPr>
@@ -9903,7 +9903,7 @@
             <p:nvPr>
               <p:extLst>
                 <p:ext uri="{386F3935-93C4-4BCD-93E2-E3B085C9AB24}">
-                  <p16:designElem xmlns:p16="http://schemas.microsoft.com/office/powerpoint/2015/main" val="1"/>
+                  <p16:designElem xmlns:p16="http://schemas.microsoft.com/office/powerpoint/2015/main" xmlns="" val="1"/>
                 </p:ext>
               </p:extLst>
             </p:nvPr>
@@ -9970,10 +9970,10 @@
             <p:cNvPr id="18" name="Isosceles Triangle 17">
               <a:extLst>
                 <a:ext uri="{FF2B5EF4-FFF2-40B4-BE49-F238E27FC236}">
-                  <a16:creationId xmlns:a16="http://schemas.microsoft.com/office/drawing/2014/main" id="{4EFA655C-9E50-4C14-A89E-AD7B648E4E2B}"/>
+                  <a16:creationId xmlns:a16="http://schemas.microsoft.com/office/drawing/2014/main" xmlns="" id="{4EFA655C-9E50-4C14-A89E-AD7B648E4E2B}"/>
                 </a:ext>
                 <a:ext uri="{C183D7F6-B498-43B3-948B-1728B52AA6E4}">
-                  <adec:decorative xmlns:adec="http://schemas.microsoft.com/office/drawing/2017/decorative" val="1"/>
+                  <adec:decorative xmlns:adec="http://schemas.microsoft.com/office/drawing/2017/decorative" xmlns="" val="1"/>
                 </a:ext>
               </a:extLst>
             </p:cNvPr>
@@ -9981,7 +9981,7 @@
             <p:nvPr>
               <p:extLst>
                 <p:ext uri="{386F3935-93C4-4BCD-93E2-E3B085C9AB24}">
-                  <p16:designElem xmlns:p16="http://schemas.microsoft.com/office/powerpoint/2015/main" val="1"/>
+                  <p16:designElem xmlns:p16="http://schemas.microsoft.com/office/powerpoint/2015/main" xmlns="" val="1"/>
                 </p:ext>
               </p:extLst>
             </p:nvPr>
@@ -10026,10 +10026,10 @@
             <p:cNvPr id="19" name="Isosceles Triangle 18">
               <a:extLst>
                 <a:ext uri="{FF2B5EF4-FFF2-40B4-BE49-F238E27FC236}">
-                  <a16:creationId xmlns:a16="http://schemas.microsoft.com/office/drawing/2014/main" id="{3E843863-7D25-4C01-9A17-E817CB6D998A}"/>
+                  <a16:creationId xmlns:a16="http://schemas.microsoft.com/office/drawing/2014/main" xmlns="" id="{3E843863-7D25-4C01-9A17-E817CB6D998A}"/>
                 </a:ext>
                 <a:ext uri="{C183D7F6-B498-43B3-948B-1728B52AA6E4}">
-                  <adec:decorative xmlns:adec="http://schemas.microsoft.com/office/drawing/2017/decorative" val="1"/>
+                  <adec:decorative xmlns:adec="http://schemas.microsoft.com/office/drawing/2017/decorative" xmlns="" val="1"/>
                 </a:ext>
               </a:extLst>
             </p:cNvPr>
@@ -10037,7 +10037,7 @@
             <p:nvPr>
               <p:extLst>
                 <p:ext uri="{386F3935-93C4-4BCD-93E2-E3B085C9AB24}">
-                  <p16:designElem xmlns:p16="http://schemas.microsoft.com/office/powerpoint/2015/main" val="1"/>
+                  <p16:designElem xmlns:p16="http://schemas.microsoft.com/office/powerpoint/2015/main" xmlns="" val="1"/>
                 </p:ext>
               </p:extLst>
             </p:nvPr>
@@ -10083,10 +10083,10 @@
           <p:cNvPr id="21" name="Rectangle 20">
             <a:extLst>
               <a:ext uri="{FF2B5EF4-FFF2-40B4-BE49-F238E27FC236}">
-                <a16:creationId xmlns:a16="http://schemas.microsoft.com/office/drawing/2014/main" id="{7941F9B1-B01B-4A84-89D9-B169AEB4E456}"/>
+                <a16:creationId xmlns:a16="http://schemas.microsoft.com/office/drawing/2014/main" xmlns="" id="{7941F9B1-B01B-4A84-89D9-B169AEB4E456}"/>
               </a:ext>
               <a:ext uri="{C183D7F6-B498-43B3-948B-1728B52AA6E4}">
-                <adec:decorative xmlns:adec="http://schemas.microsoft.com/office/drawing/2017/decorative" val="1"/>
+                <adec:decorative xmlns:adec="http://schemas.microsoft.com/office/drawing/2017/decorative" xmlns="" val="1"/>
               </a:ext>
             </a:extLst>
           </p:cNvPr>
@@ -10096,7 +10096,7 @@
           <p:nvPr>
             <p:extLst>
               <p:ext uri="{386F3935-93C4-4BCD-93E2-E3B085C9AB24}">
-                <p16:designElem xmlns:p16="http://schemas.microsoft.com/office/powerpoint/2015/main" val="1"/>
+                <p16:designElem xmlns:p16="http://schemas.microsoft.com/office/powerpoint/2015/main" xmlns="" val="1"/>
               </p:ext>
             </p:extLst>
           </p:nvPr>
@@ -10153,7 +10153,7 @@
           <p:cNvPr id="3" name="Obraz 2">
             <a:extLst>
               <a:ext uri="{FF2B5EF4-FFF2-40B4-BE49-F238E27FC236}">
-                <a16:creationId xmlns:a16="http://schemas.microsoft.com/office/drawing/2014/main" id="{41E3278D-7ACF-4078-BB00-54A366119131}"/>
+                <a16:creationId xmlns:a16="http://schemas.microsoft.com/office/drawing/2014/main" xmlns="" id="{41E3278D-7ACF-4078-BB00-54A366119131}"/>
               </a:ext>
             </a:extLst>
           </p:cNvPr>
@@ -10227,10 +10227,10 @@
           <p:cNvPr id="8" name="Rectangle 7">
             <a:extLst>
               <a:ext uri="{FF2B5EF4-FFF2-40B4-BE49-F238E27FC236}">
-                <a16:creationId xmlns:a16="http://schemas.microsoft.com/office/drawing/2014/main" id="{03E8462A-FEBA-4848-81CC-3F8DA3E477BE}"/>
+                <a16:creationId xmlns:a16="http://schemas.microsoft.com/office/drawing/2014/main" xmlns="" id="{03E8462A-FEBA-4848-81CC-3F8DA3E477BE}"/>
               </a:ext>
               <a:ext uri="{C183D7F6-B498-43B3-948B-1728B52AA6E4}">
-                <adec:decorative xmlns:adec="http://schemas.microsoft.com/office/drawing/2017/decorative" val="1"/>
+                <adec:decorative xmlns:adec="http://schemas.microsoft.com/office/drawing/2017/decorative" xmlns="" val="1"/>
               </a:ext>
             </a:extLst>
           </p:cNvPr>
@@ -10240,7 +10240,7 @@
           <p:nvPr>
             <p:extLst>
               <p:ext uri="{386F3935-93C4-4BCD-93E2-E3B085C9AB24}">
-                <p16:designElem xmlns:p16="http://schemas.microsoft.com/office/powerpoint/2015/main" val="1"/>
+                <p16:designElem xmlns:p16="http://schemas.microsoft.com/office/powerpoint/2015/main" xmlns="" val="1"/>
               </p:ext>
             </p:extLst>
           </p:nvPr>
@@ -10290,10 +10290,10 @@
           <p:cNvPr id="10" name="Group 9">
             <a:extLst>
               <a:ext uri="{FF2B5EF4-FFF2-40B4-BE49-F238E27FC236}">
-                <a16:creationId xmlns:a16="http://schemas.microsoft.com/office/drawing/2014/main" id="{2109F83F-40FE-4DB3-84CC-09FB3340D06D}"/>
+                <a16:creationId xmlns:a16="http://schemas.microsoft.com/office/drawing/2014/main" xmlns="" id="{2109F83F-40FE-4DB3-84CC-09FB3340D06D}"/>
               </a:ext>
               <a:ext uri="{C183D7F6-B498-43B3-948B-1728B52AA6E4}">
-                <adec:decorative xmlns:adec="http://schemas.microsoft.com/office/drawing/2017/decorative" val="1"/>
+                <adec:decorative xmlns:adec="http://schemas.microsoft.com/office/drawing/2017/decorative" xmlns="" val="1"/>
               </a:ext>
             </a:extLst>
           </p:cNvPr>
@@ -10303,7 +10303,7 @@
           <p:nvPr>
             <p:extLst>
               <p:ext uri="{386F3935-93C4-4BCD-93E2-E3B085C9AB24}">
-                <p16:designElem xmlns:p16="http://schemas.microsoft.com/office/powerpoint/2015/main" val="1"/>
+                <p16:designElem xmlns:p16="http://schemas.microsoft.com/office/powerpoint/2015/main" xmlns="" val="1"/>
               </p:ext>
             </p:extLst>
           </p:nvPr>
@@ -10321,10 +10321,10 @@
             <p:cNvPr id="11" name="Straight Connector 10">
               <a:extLst>
                 <a:ext uri="{FF2B5EF4-FFF2-40B4-BE49-F238E27FC236}">
-                  <a16:creationId xmlns:a16="http://schemas.microsoft.com/office/drawing/2014/main" id="{1DE492D7-C3C3-48FF-80C8-37021EA0262F}"/>
+                  <a16:creationId xmlns:a16="http://schemas.microsoft.com/office/drawing/2014/main" xmlns="" id="{1DE492D7-C3C3-48FF-80C8-37021EA0262F}"/>
                 </a:ext>
                 <a:ext uri="{C183D7F6-B498-43B3-948B-1728B52AA6E4}">
-                  <adec:decorative xmlns:adec="http://schemas.microsoft.com/office/drawing/2017/decorative" val="1"/>
+                  <adec:decorative xmlns:adec="http://schemas.microsoft.com/office/drawing/2017/decorative" xmlns="" val="1"/>
                 </a:ext>
               </a:extLst>
             </p:cNvPr>
@@ -10332,7 +10332,7 @@
             <p:nvPr>
               <p:extLst>
                 <p:ext uri="{386F3935-93C4-4BCD-93E2-E3B085C9AB24}">
-                  <p16:designElem xmlns:p16="http://schemas.microsoft.com/office/powerpoint/2015/main" val="1"/>
+                  <p16:designElem xmlns:p16="http://schemas.microsoft.com/office/powerpoint/2015/main" xmlns="" val="1"/>
                 </p:ext>
               </p:extLst>
             </p:nvPr>
@@ -10373,10 +10373,10 @@
             <p:cNvPr id="12" name="Rectangle 23">
               <a:extLst>
                 <a:ext uri="{FF2B5EF4-FFF2-40B4-BE49-F238E27FC236}">
-                  <a16:creationId xmlns:a16="http://schemas.microsoft.com/office/drawing/2014/main" id="{0B30FF97-2E9A-490A-AED2-90BA2E0EC17F}"/>
+                  <a16:creationId xmlns:a16="http://schemas.microsoft.com/office/drawing/2014/main" xmlns="" id="{0B30FF97-2E9A-490A-AED2-90BA2E0EC17F}"/>
                 </a:ext>
                 <a:ext uri="{C183D7F6-B498-43B3-948B-1728B52AA6E4}">
-                  <adec:decorative xmlns:adec="http://schemas.microsoft.com/office/drawing/2017/decorative" val="1"/>
+                  <adec:decorative xmlns:adec="http://schemas.microsoft.com/office/drawing/2017/decorative" xmlns="" val="1"/>
                 </a:ext>
               </a:extLst>
             </p:cNvPr>
@@ -10384,7 +10384,7 @@
             <p:nvPr>
               <p:extLst>
                 <p:ext uri="{386F3935-93C4-4BCD-93E2-E3B085C9AB24}">
-                  <p16:designElem xmlns:p16="http://schemas.microsoft.com/office/powerpoint/2015/main" val="1"/>
+                  <p16:designElem xmlns:p16="http://schemas.microsoft.com/office/powerpoint/2015/main" xmlns="" val="1"/>
                 </p:ext>
               </p:extLst>
             </p:nvPr>
@@ -10451,10 +10451,10 @@
             <p:cNvPr id="13" name="Rectangle 25">
               <a:extLst>
                 <a:ext uri="{FF2B5EF4-FFF2-40B4-BE49-F238E27FC236}">
-                  <a16:creationId xmlns:a16="http://schemas.microsoft.com/office/drawing/2014/main" id="{B6D53C7D-A312-47B6-A66A-230A19CFACA6}"/>
+                  <a16:creationId xmlns:a16="http://schemas.microsoft.com/office/drawing/2014/main" xmlns="" id="{B6D53C7D-A312-47B6-A66A-230A19CFACA6}"/>
                 </a:ext>
                 <a:ext uri="{C183D7F6-B498-43B3-948B-1728B52AA6E4}">
-                  <adec:decorative xmlns:adec="http://schemas.microsoft.com/office/drawing/2017/decorative" val="1"/>
+                  <adec:decorative xmlns:adec="http://schemas.microsoft.com/office/drawing/2017/decorative" xmlns="" val="1"/>
                 </a:ext>
               </a:extLst>
             </p:cNvPr>
@@ -10462,7 +10462,7 @@
             <p:nvPr>
               <p:extLst>
                 <p:ext uri="{386F3935-93C4-4BCD-93E2-E3B085C9AB24}">
-                  <p16:designElem xmlns:p16="http://schemas.microsoft.com/office/powerpoint/2015/main" val="1"/>
+                  <p16:designElem xmlns:p16="http://schemas.microsoft.com/office/powerpoint/2015/main" xmlns="" val="1"/>
                 </p:ext>
               </p:extLst>
             </p:nvPr>
@@ -10529,10 +10529,10 @@
             <p:cNvPr id="14" name="Isosceles Triangle 13">
               <a:extLst>
                 <a:ext uri="{FF2B5EF4-FFF2-40B4-BE49-F238E27FC236}">
-                  <a16:creationId xmlns:a16="http://schemas.microsoft.com/office/drawing/2014/main" id="{9329D58C-0D2E-4A2B-AD6A-9CEE506784A8}"/>
+                  <a16:creationId xmlns:a16="http://schemas.microsoft.com/office/drawing/2014/main" xmlns="" id="{9329D58C-0D2E-4A2B-AD6A-9CEE506784A8}"/>
                 </a:ext>
                 <a:ext uri="{C183D7F6-B498-43B3-948B-1728B52AA6E4}">
-                  <adec:decorative xmlns:adec="http://schemas.microsoft.com/office/drawing/2017/decorative" val="1"/>
+                  <adec:decorative xmlns:adec="http://schemas.microsoft.com/office/drawing/2017/decorative" xmlns="" val="1"/>
                 </a:ext>
               </a:extLst>
             </p:cNvPr>
@@ -10540,7 +10540,7 @@
             <p:nvPr>
               <p:extLst>
                 <p:ext uri="{386F3935-93C4-4BCD-93E2-E3B085C9AB24}">
-                  <p16:designElem xmlns:p16="http://schemas.microsoft.com/office/powerpoint/2015/main" val="1"/>
+                  <p16:designElem xmlns:p16="http://schemas.microsoft.com/office/powerpoint/2015/main" xmlns="" val="1"/>
                 </p:ext>
               </p:extLst>
             </p:nvPr>
@@ -10585,10 +10585,10 @@
             <p:cNvPr id="15" name="Rectangle 27">
               <a:extLst>
                 <a:ext uri="{FF2B5EF4-FFF2-40B4-BE49-F238E27FC236}">
-                  <a16:creationId xmlns:a16="http://schemas.microsoft.com/office/drawing/2014/main" id="{9D446EDE-C690-4461-8BF2-7634808FC8B4}"/>
+                  <a16:creationId xmlns:a16="http://schemas.microsoft.com/office/drawing/2014/main" xmlns="" id="{9D446EDE-C690-4461-8BF2-7634808FC8B4}"/>
                 </a:ext>
                 <a:ext uri="{C183D7F6-B498-43B3-948B-1728B52AA6E4}">
-                  <adec:decorative xmlns:adec="http://schemas.microsoft.com/office/drawing/2017/decorative" val="1"/>
+                  <adec:decorative xmlns:adec="http://schemas.microsoft.com/office/drawing/2017/decorative" xmlns="" val="1"/>
                 </a:ext>
               </a:extLst>
             </p:cNvPr>
@@ -10596,7 +10596,7 @@
             <p:nvPr>
               <p:extLst>
                 <p:ext uri="{386F3935-93C4-4BCD-93E2-E3B085C9AB24}">
-                  <p16:designElem xmlns:p16="http://schemas.microsoft.com/office/powerpoint/2015/main" val="1"/>
+                  <p16:designElem xmlns:p16="http://schemas.microsoft.com/office/powerpoint/2015/main" xmlns="" val="1"/>
                 </p:ext>
               </p:extLst>
             </p:nvPr>
@@ -10664,10 +10664,10 @@
             <p:cNvPr id="16" name="Rectangle 28">
               <a:extLst>
                 <a:ext uri="{FF2B5EF4-FFF2-40B4-BE49-F238E27FC236}">
-                  <a16:creationId xmlns:a16="http://schemas.microsoft.com/office/drawing/2014/main" id="{323F3D34-6531-4AD7-A8C6-195A090281A1}"/>
+                  <a16:creationId xmlns:a16="http://schemas.microsoft.com/office/drawing/2014/main" xmlns="" id="{323F3D34-6531-4AD7-A8C6-195A090281A1}"/>
                 </a:ext>
                 <a:ext uri="{C183D7F6-B498-43B3-948B-1728B52AA6E4}">
-                  <adec:decorative xmlns:adec="http://schemas.microsoft.com/office/drawing/2017/decorative" val="1"/>
+                  <adec:decorative xmlns:adec="http://schemas.microsoft.com/office/drawing/2017/decorative" xmlns="" val="1"/>
                 </a:ext>
               </a:extLst>
             </p:cNvPr>
@@ -10675,7 +10675,7 @@
             <p:nvPr>
               <p:extLst>
                 <p:ext uri="{386F3935-93C4-4BCD-93E2-E3B085C9AB24}">
-                  <p16:designElem xmlns:p16="http://schemas.microsoft.com/office/powerpoint/2015/main" val="1"/>
+                  <p16:designElem xmlns:p16="http://schemas.microsoft.com/office/powerpoint/2015/main" xmlns="" val="1"/>
                 </p:ext>
               </p:extLst>
             </p:nvPr>
@@ -10744,10 +10744,10 @@
             <p:cNvPr id="17" name="Rectangle 29">
               <a:extLst>
                 <a:ext uri="{FF2B5EF4-FFF2-40B4-BE49-F238E27FC236}">
-                  <a16:creationId xmlns:a16="http://schemas.microsoft.com/office/drawing/2014/main" id="{B9B0AE3F-2350-435F-A9B0-C310BF876385}"/>
+                  <a16:creationId xmlns:a16="http://schemas.microsoft.com/office/drawing/2014/main" xmlns="" id="{B9B0AE3F-2350-435F-A9B0-C310BF876385}"/>
                 </a:ext>
                 <a:ext uri="{C183D7F6-B498-43B3-948B-1728B52AA6E4}">
-                  <adec:decorative xmlns:adec="http://schemas.microsoft.com/office/drawing/2017/decorative" val="1"/>
+                  <adec:decorative xmlns:adec="http://schemas.microsoft.com/office/drawing/2017/decorative" xmlns="" val="1"/>
                 </a:ext>
               </a:extLst>
             </p:cNvPr>
@@ -10755,7 +10755,7 @@
             <p:nvPr>
               <p:extLst>
                 <p:ext uri="{386F3935-93C4-4BCD-93E2-E3B085C9AB24}">
-                  <p16:designElem xmlns:p16="http://schemas.microsoft.com/office/powerpoint/2015/main" val="1"/>
+                  <p16:designElem xmlns:p16="http://schemas.microsoft.com/office/powerpoint/2015/main" xmlns="" val="1"/>
                 </p:ext>
               </p:extLst>
             </p:nvPr>
@@ -10822,10 +10822,10 @@
             <p:cNvPr id="18" name="Isosceles Triangle 17">
               <a:extLst>
                 <a:ext uri="{FF2B5EF4-FFF2-40B4-BE49-F238E27FC236}">
-                  <a16:creationId xmlns:a16="http://schemas.microsoft.com/office/drawing/2014/main" id="{4EFA655C-9E50-4C14-A89E-AD7B648E4E2B}"/>
+                  <a16:creationId xmlns:a16="http://schemas.microsoft.com/office/drawing/2014/main" xmlns="" id="{4EFA655C-9E50-4C14-A89E-AD7B648E4E2B}"/>
                 </a:ext>
                 <a:ext uri="{C183D7F6-B498-43B3-948B-1728B52AA6E4}">
-                  <adec:decorative xmlns:adec="http://schemas.microsoft.com/office/drawing/2017/decorative" val="1"/>
+                  <adec:decorative xmlns:adec="http://schemas.microsoft.com/office/drawing/2017/decorative" xmlns="" val="1"/>
                 </a:ext>
               </a:extLst>
             </p:cNvPr>
@@ -10833,7 +10833,7 @@
             <p:nvPr>
               <p:extLst>
                 <p:ext uri="{386F3935-93C4-4BCD-93E2-E3B085C9AB24}">
-                  <p16:designElem xmlns:p16="http://schemas.microsoft.com/office/powerpoint/2015/main" val="1"/>
+                  <p16:designElem xmlns:p16="http://schemas.microsoft.com/office/powerpoint/2015/main" xmlns="" val="1"/>
                 </p:ext>
               </p:extLst>
             </p:nvPr>
@@ -10878,10 +10878,10 @@
             <p:cNvPr id="19" name="Isosceles Triangle 18">
               <a:extLst>
                 <a:ext uri="{FF2B5EF4-FFF2-40B4-BE49-F238E27FC236}">
-                  <a16:creationId xmlns:a16="http://schemas.microsoft.com/office/drawing/2014/main" id="{3E843863-7D25-4C01-9A17-E817CB6D998A}"/>
+                  <a16:creationId xmlns:a16="http://schemas.microsoft.com/office/drawing/2014/main" xmlns="" id="{3E843863-7D25-4C01-9A17-E817CB6D998A}"/>
                 </a:ext>
                 <a:ext uri="{C183D7F6-B498-43B3-948B-1728B52AA6E4}">
-                  <adec:decorative xmlns:adec="http://schemas.microsoft.com/office/drawing/2017/decorative" val="1"/>
+                  <adec:decorative xmlns:adec="http://schemas.microsoft.com/office/drawing/2017/decorative" xmlns="" val="1"/>
                 </a:ext>
               </a:extLst>
             </p:cNvPr>
@@ -10889,7 +10889,7 @@
             <p:nvPr>
               <p:extLst>
                 <p:ext uri="{386F3935-93C4-4BCD-93E2-E3B085C9AB24}">
-                  <p16:designElem xmlns:p16="http://schemas.microsoft.com/office/powerpoint/2015/main" val="1"/>
+                  <p16:designElem xmlns:p16="http://schemas.microsoft.com/office/powerpoint/2015/main" xmlns="" val="1"/>
                 </p:ext>
               </p:extLst>
             </p:nvPr>
@@ -10935,10 +10935,10 @@
           <p:cNvPr id="21" name="Rectangle 20">
             <a:extLst>
               <a:ext uri="{FF2B5EF4-FFF2-40B4-BE49-F238E27FC236}">
-                <a16:creationId xmlns:a16="http://schemas.microsoft.com/office/drawing/2014/main" id="{7941F9B1-B01B-4A84-89D9-B169AEB4E456}"/>
+                <a16:creationId xmlns:a16="http://schemas.microsoft.com/office/drawing/2014/main" xmlns="" id="{7941F9B1-B01B-4A84-89D9-B169AEB4E456}"/>
               </a:ext>
               <a:ext uri="{C183D7F6-B498-43B3-948B-1728B52AA6E4}">
-                <adec:decorative xmlns:adec="http://schemas.microsoft.com/office/drawing/2017/decorative" val="1"/>
+                <adec:decorative xmlns:adec="http://schemas.microsoft.com/office/drawing/2017/decorative" xmlns="" val="1"/>
               </a:ext>
             </a:extLst>
           </p:cNvPr>
@@ -10948,7 +10948,7 @@
           <p:nvPr>
             <p:extLst>
               <p:ext uri="{386F3935-93C4-4BCD-93E2-E3B085C9AB24}">
-                <p16:designElem xmlns:p16="http://schemas.microsoft.com/office/powerpoint/2015/main" val="1"/>
+                <p16:designElem xmlns:p16="http://schemas.microsoft.com/office/powerpoint/2015/main" xmlns="" val="1"/>
               </p:ext>
             </p:extLst>
           </p:nvPr>
@@ -11005,7 +11005,7 @@
           <p:cNvPr id="3" name="Obraz 2">
             <a:extLst>
               <a:ext uri="{FF2B5EF4-FFF2-40B4-BE49-F238E27FC236}">
-                <a16:creationId xmlns:a16="http://schemas.microsoft.com/office/drawing/2014/main" id="{4BC8A3DE-2630-45CF-B8BE-E247F3BDAC93}"/>
+                <a16:creationId xmlns:a16="http://schemas.microsoft.com/office/drawing/2014/main" xmlns="" id="{4BC8A3DE-2630-45CF-B8BE-E247F3BDAC93}"/>
               </a:ext>
             </a:extLst>
           </p:cNvPr>
@@ -11079,10 +11079,10 @@
           <p:cNvPr id="8" name="Rectangle 7">
             <a:extLst>
               <a:ext uri="{FF2B5EF4-FFF2-40B4-BE49-F238E27FC236}">
-                <a16:creationId xmlns:a16="http://schemas.microsoft.com/office/drawing/2014/main" id="{03E8462A-FEBA-4848-81CC-3F8DA3E477BE}"/>
+                <a16:creationId xmlns:a16="http://schemas.microsoft.com/office/drawing/2014/main" xmlns="" id="{03E8462A-FEBA-4848-81CC-3F8DA3E477BE}"/>
               </a:ext>
               <a:ext uri="{C183D7F6-B498-43B3-948B-1728B52AA6E4}">
-                <adec:decorative xmlns:adec="http://schemas.microsoft.com/office/drawing/2017/decorative" val="1"/>
+                <adec:decorative xmlns:adec="http://schemas.microsoft.com/office/drawing/2017/decorative" xmlns="" val="1"/>
               </a:ext>
             </a:extLst>
           </p:cNvPr>
@@ -11092,7 +11092,7 @@
           <p:nvPr>
             <p:extLst>
               <p:ext uri="{386F3935-93C4-4BCD-93E2-E3B085C9AB24}">
-                <p16:designElem xmlns:p16="http://schemas.microsoft.com/office/powerpoint/2015/main" val="1"/>
+                <p16:designElem xmlns:p16="http://schemas.microsoft.com/office/powerpoint/2015/main" xmlns="" val="1"/>
               </p:ext>
             </p:extLst>
           </p:nvPr>
@@ -11142,10 +11142,10 @@
           <p:cNvPr id="10" name="Group 9">
             <a:extLst>
               <a:ext uri="{FF2B5EF4-FFF2-40B4-BE49-F238E27FC236}">
-                <a16:creationId xmlns:a16="http://schemas.microsoft.com/office/drawing/2014/main" id="{2109F83F-40FE-4DB3-84CC-09FB3340D06D}"/>
+                <a16:creationId xmlns:a16="http://schemas.microsoft.com/office/drawing/2014/main" xmlns="" id="{2109F83F-40FE-4DB3-84CC-09FB3340D06D}"/>
               </a:ext>
               <a:ext uri="{C183D7F6-B498-43B3-948B-1728B52AA6E4}">
-                <adec:decorative xmlns:adec="http://schemas.microsoft.com/office/drawing/2017/decorative" val="1"/>
+                <adec:decorative xmlns:adec="http://schemas.microsoft.com/office/drawing/2017/decorative" xmlns="" val="1"/>
               </a:ext>
             </a:extLst>
           </p:cNvPr>
@@ -11155,7 +11155,7 @@
           <p:nvPr>
             <p:extLst>
               <p:ext uri="{386F3935-93C4-4BCD-93E2-E3B085C9AB24}">
-                <p16:designElem xmlns:p16="http://schemas.microsoft.com/office/powerpoint/2015/main" val="1"/>
+                <p16:designElem xmlns:p16="http://schemas.microsoft.com/office/powerpoint/2015/main" xmlns="" val="1"/>
               </p:ext>
             </p:extLst>
           </p:nvPr>
@@ -11173,10 +11173,10 @@
             <p:cNvPr id="11" name="Straight Connector 10">
               <a:extLst>
                 <a:ext uri="{FF2B5EF4-FFF2-40B4-BE49-F238E27FC236}">
-                  <a16:creationId xmlns:a16="http://schemas.microsoft.com/office/drawing/2014/main" id="{1DE492D7-C3C3-48FF-80C8-37021EA0262F}"/>
+                  <a16:creationId xmlns:a16="http://schemas.microsoft.com/office/drawing/2014/main" xmlns="" id="{1DE492D7-C3C3-48FF-80C8-37021EA0262F}"/>
                 </a:ext>
                 <a:ext uri="{C183D7F6-B498-43B3-948B-1728B52AA6E4}">
-                  <adec:decorative xmlns:adec="http://schemas.microsoft.com/office/drawing/2017/decorative" val="1"/>
+                  <adec:decorative xmlns:adec="http://schemas.microsoft.com/office/drawing/2017/decorative" xmlns="" val="1"/>
                 </a:ext>
               </a:extLst>
             </p:cNvPr>
@@ -11184,7 +11184,7 @@
             <p:nvPr>
               <p:extLst>
                 <p:ext uri="{386F3935-93C4-4BCD-93E2-E3B085C9AB24}">
-                  <p16:designElem xmlns:p16="http://schemas.microsoft.com/office/powerpoint/2015/main" val="1"/>
+                  <p16:designElem xmlns:p16="http://schemas.microsoft.com/office/powerpoint/2015/main" xmlns="" val="1"/>
                 </p:ext>
               </p:extLst>
             </p:nvPr>
@@ -11225,10 +11225,10 @@
             <p:cNvPr id="12" name="Rectangle 23">
               <a:extLst>
                 <a:ext uri="{FF2B5EF4-FFF2-40B4-BE49-F238E27FC236}">
-                  <a16:creationId xmlns:a16="http://schemas.microsoft.com/office/drawing/2014/main" id="{0B30FF97-2E9A-490A-AED2-90BA2E0EC17F}"/>
+                  <a16:creationId xmlns:a16="http://schemas.microsoft.com/office/drawing/2014/main" xmlns="" id="{0B30FF97-2E9A-490A-AED2-90BA2E0EC17F}"/>
                 </a:ext>
                 <a:ext uri="{C183D7F6-B498-43B3-948B-1728B52AA6E4}">
-                  <adec:decorative xmlns:adec="http://schemas.microsoft.com/office/drawing/2017/decorative" val="1"/>
+                  <adec:decorative xmlns:adec="http://schemas.microsoft.com/office/drawing/2017/decorative" xmlns="" val="1"/>
                 </a:ext>
               </a:extLst>
             </p:cNvPr>
@@ -11236,7 +11236,7 @@
             <p:nvPr>
               <p:extLst>
                 <p:ext uri="{386F3935-93C4-4BCD-93E2-E3B085C9AB24}">
-                  <p16:designElem xmlns:p16="http://schemas.microsoft.com/office/powerpoint/2015/main" val="1"/>
+                  <p16:designElem xmlns:p16="http://schemas.microsoft.com/office/powerpoint/2015/main" xmlns="" val="1"/>
                 </p:ext>
               </p:extLst>
             </p:nvPr>
@@ -11303,10 +11303,10 @@
             <p:cNvPr id="13" name="Rectangle 25">
               <a:extLst>
                 <a:ext uri="{FF2B5EF4-FFF2-40B4-BE49-F238E27FC236}">
-                  <a16:creationId xmlns:a16="http://schemas.microsoft.com/office/drawing/2014/main" id="{B6D53C7D-A312-47B6-A66A-230A19CFACA6}"/>
+                  <a16:creationId xmlns:a16="http://schemas.microsoft.com/office/drawing/2014/main" xmlns="" id="{B6D53C7D-A312-47B6-A66A-230A19CFACA6}"/>
                 </a:ext>
                 <a:ext uri="{C183D7F6-B498-43B3-948B-1728B52AA6E4}">
-                  <adec:decorative xmlns:adec="http://schemas.microsoft.com/office/drawing/2017/decorative" val="1"/>
+                  <adec:decorative xmlns:adec="http://schemas.microsoft.com/office/drawing/2017/decorative" xmlns="" val="1"/>
                 </a:ext>
               </a:extLst>
             </p:cNvPr>
@@ -11314,7 +11314,7 @@
             <p:nvPr>
               <p:extLst>
                 <p:ext uri="{386F3935-93C4-4BCD-93E2-E3B085C9AB24}">
-                  <p16:designElem xmlns:p16="http://schemas.microsoft.com/office/powerpoint/2015/main" val="1"/>
+                  <p16:designElem xmlns:p16="http://schemas.microsoft.com/office/powerpoint/2015/main" xmlns="" val="1"/>
                 </p:ext>
               </p:extLst>
             </p:nvPr>
@@ -11381,10 +11381,10 @@
             <p:cNvPr id="14" name="Isosceles Triangle 13">
               <a:extLst>
                 <a:ext uri="{FF2B5EF4-FFF2-40B4-BE49-F238E27FC236}">
-                  <a16:creationId xmlns:a16="http://schemas.microsoft.com/office/drawing/2014/main" id="{9329D58C-0D2E-4A2B-AD6A-9CEE506784A8}"/>
+                  <a16:creationId xmlns:a16="http://schemas.microsoft.com/office/drawing/2014/main" xmlns="" id="{9329D58C-0D2E-4A2B-AD6A-9CEE506784A8}"/>
                 </a:ext>
                 <a:ext uri="{C183D7F6-B498-43B3-948B-1728B52AA6E4}">
-                  <adec:decorative xmlns:adec="http://schemas.microsoft.com/office/drawing/2017/decorative" val="1"/>
+                  <adec:decorative xmlns:adec="http://schemas.microsoft.com/office/drawing/2017/decorative" xmlns="" val="1"/>
                 </a:ext>
               </a:extLst>
             </p:cNvPr>
@@ -11392,7 +11392,7 @@
             <p:nvPr>
               <p:extLst>
                 <p:ext uri="{386F3935-93C4-4BCD-93E2-E3B085C9AB24}">
-                  <p16:designElem xmlns:p16="http://schemas.microsoft.com/office/powerpoint/2015/main" val="1"/>
+                  <p16:designElem xmlns:p16="http://schemas.microsoft.com/office/powerpoint/2015/main" xmlns="" val="1"/>
                 </p:ext>
               </p:extLst>
             </p:nvPr>
@@ -11437,10 +11437,10 @@
             <p:cNvPr id="15" name="Rectangle 27">
               <a:extLst>
                 <a:ext uri="{FF2B5EF4-FFF2-40B4-BE49-F238E27FC236}">
-                  <a16:creationId xmlns:a16="http://schemas.microsoft.com/office/drawing/2014/main" id="{9D446EDE-C690-4461-8BF2-7634808FC8B4}"/>
+                  <a16:creationId xmlns:a16="http://schemas.microsoft.com/office/drawing/2014/main" xmlns="" id="{9D446EDE-C690-4461-8BF2-7634808FC8B4}"/>
                 </a:ext>
                 <a:ext uri="{C183D7F6-B498-43B3-948B-1728B52AA6E4}">
-                  <adec:decorative xmlns:adec="http://schemas.microsoft.com/office/drawing/2017/decorative" val="1"/>
+                  <adec:decorative xmlns:adec="http://schemas.microsoft.com/office/drawing/2017/decorative" xmlns="" val="1"/>
                 </a:ext>
               </a:extLst>
             </p:cNvPr>
@@ -11448,7 +11448,7 @@
             <p:nvPr>
               <p:extLst>
                 <p:ext uri="{386F3935-93C4-4BCD-93E2-E3B085C9AB24}">
-                  <p16:designElem xmlns:p16="http://schemas.microsoft.com/office/powerpoint/2015/main" val="1"/>
+                  <p16:designElem xmlns:p16="http://schemas.microsoft.com/office/powerpoint/2015/main" xmlns="" val="1"/>
                 </p:ext>
               </p:extLst>
             </p:nvPr>
@@ -11516,10 +11516,10 @@
             <p:cNvPr id="16" name="Rectangle 28">
               <a:extLst>
                 <a:ext uri="{FF2B5EF4-FFF2-40B4-BE49-F238E27FC236}">
-                  <a16:creationId xmlns:a16="http://schemas.microsoft.com/office/drawing/2014/main" id="{323F3D34-6531-4AD7-A8C6-195A090281A1}"/>
+                  <a16:creationId xmlns:a16="http://schemas.microsoft.com/office/drawing/2014/main" xmlns="" id="{323F3D34-6531-4AD7-A8C6-195A090281A1}"/>
                 </a:ext>
                 <a:ext uri="{C183D7F6-B498-43B3-948B-1728B52AA6E4}">
-                  <adec:decorative xmlns:adec="http://schemas.microsoft.com/office/drawing/2017/decorative" val="1"/>
+                  <adec:decorative xmlns:adec="http://schemas.microsoft.com/office/drawing/2017/decorative" xmlns="" val="1"/>
                 </a:ext>
               </a:extLst>
             </p:cNvPr>
@@ -11527,7 +11527,7 @@
             <p:nvPr>
               <p:extLst>
                 <p:ext uri="{386F3935-93C4-4BCD-93E2-E3B085C9AB24}">
-                  <p16:designElem xmlns:p16="http://schemas.microsoft.com/office/powerpoint/2015/main" val="1"/>
+                  <p16:designElem xmlns:p16="http://schemas.microsoft.com/office/powerpoint/2015/main" xmlns="" val="1"/>
                 </p:ext>
               </p:extLst>
             </p:nvPr>
@@ -11596,10 +11596,10 @@
             <p:cNvPr id="17" name="Rectangle 29">
               <a:extLst>
                 <a:ext uri="{FF2B5EF4-FFF2-40B4-BE49-F238E27FC236}">
-                  <a16:creationId xmlns:a16="http://schemas.microsoft.com/office/drawing/2014/main" id="{B9B0AE3F-2350-435F-A9B0-C310BF876385}"/>
+                  <a16:creationId xmlns:a16="http://schemas.microsoft.com/office/drawing/2014/main" xmlns="" id="{B9B0AE3F-2350-435F-A9B0-C310BF876385}"/>
                 </a:ext>
                 <a:ext uri="{C183D7F6-B498-43B3-948B-1728B52AA6E4}">
-                  <adec:decorative xmlns:adec="http://schemas.microsoft.com/office/drawing/2017/decorative" val="1"/>
+                  <adec:decorative xmlns:adec="http://schemas.microsoft.com/office/drawing/2017/decorative" xmlns="" val="1"/>
                 </a:ext>
               </a:extLst>
             </p:cNvPr>
@@ -11607,7 +11607,7 @@
             <p:nvPr>
               <p:extLst>
                 <p:ext uri="{386F3935-93C4-4BCD-93E2-E3B085C9AB24}">
-                  <p16:designElem xmlns:p16="http://schemas.microsoft.com/office/powerpoint/2015/main" val="1"/>
+                  <p16:designElem xmlns:p16="http://schemas.microsoft.com/office/powerpoint/2015/main" xmlns="" val="1"/>
                 </p:ext>
               </p:extLst>
             </p:nvPr>
@@ -11674,10 +11674,10 @@
             <p:cNvPr id="18" name="Isosceles Triangle 17">
               <a:extLst>
                 <a:ext uri="{FF2B5EF4-FFF2-40B4-BE49-F238E27FC236}">
-                  <a16:creationId xmlns:a16="http://schemas.microsoft.com/office/drawing/2014/main" id="{4EFA655C-9E50-4C14-A89E-AD7B648E4E2B}"/>
+                  <a16:creationId xmlns:a16="http://schemas.microsoft.com/office/drawing/2014/main" xmlns="" id="{4EFA655C-9E50-4C14-A89E-AD7B648E4E2B}"/>
                 </a:ext>
                 <a:ext uri="{C183D7F6-B498-43B3-948B-1728B52AA6E4}">
-                  <adec:decorative xmlns:adec="http://schemas.microsoft.com/office/drawing/2017/decorative" val="1"/>
+                  <adec:decorative xmlns:adec="http://schemas.microsoft.com/office/drawing/2017/decorative" xmlns="" val="1"/>
                 </a:ext>
               </a:extLst>
             </p:cNvPr>
@@ -11685,7 +11685,7 @@
             <p:nvPr>
               <p:extLst>
                 <p:ext uri="{386F3935-93C4-4BCD-93E2-E3B085C9AB24}">
-                  <p16:designElem xmlns:p16="http://schemas.microsoft.com/office/powerpoint/2015/main" val="1"/>
+                  <p16:designElem xmlns:p16="http://schemas.microsoft.com/office/powerpoint/2015/main" xmlns="" val="1"/>
                 </p:ext>
               </p:extLst>
             </p:nvPr>
@@ -11730,10 +11730,10 @@
             <p:cNvPr id="19" name="Isosceles Triangle 18">
               <a:extLst>
                 <a:ext uri="{FF2B5EF4-FFF2-40B4-BE49-F238E27FC236}">
-                  <a16:creationId xmlns:a16="http://schemas.microsoft.com/office/drawing/2014/main" id="{3E843863-7D25-4C01-9A17-E817CB6D998A}"/>
+                  <a16:creationId xmlns:a16="http://schemas.microsoft.com/office/drawing/2014/main" xmlns="" id="{3E843863-7D25-4C01-9A17-E817CB6D998A}"/>
                 </a:ext>
                 <a:ext uri="{C183D7F6-B498-43B3-948B-1728B52AA6E4}">
-                  <adec:decorative xmlns:adec="http://schemas.microsoft.com/office/drawing/2017/decorative" val="1"/>
+                  <adec:decorative xmlns:adec="http://schemas.microsoft.com/office/drawing/2017/decorative" xmlns="" val="1"/>
                 </a:ext>
               </a:extLst>
             </p:cNvPr>
@@ -11741,7 +11741,7 @@
             <p:nvPr>
               <p:extLst>
                 <p:ext uri="{386F3935-93C4-4BCD-93E2-E3B085C9AB24}">
-                  <p16:designElem xmlns:p16="http://schemas.microsoft.com/office/powerpoint/2015/main" val="1"/>
+                  <p16:designElem xmlns:p16="http://schemas.microsoft.com/office/powerpoint/2015/main" xmlns="" val="1"/>
                 </p:ext>
               </p:extLst>
             </p:nvPr>
@@ -11787,10 +11787,10 @@
           <p:cNvPr id="21" name="Rectangle 20">
             <a:extLst>
               <a:ext uri="{FF2B5EF4-FFF2-40B4-BE49-F238E27FC236}">
-                <a16:creationId xmlns:a16="http://schemas.microsoft.com/office/drawing/2014/main" id="{7941F9B1-B01B-4A84-89D9-B169AEB4E456}"/>
+                <a16:creationId xmlns:a16="http://schemas.microsoft.com/office/drawing/2014/main" xmlns="" id="{7941F9B1-B01B-4A84-89D9-B169AEB4E456}"/>
               </a:ext>
               <a:ext uri="{C183D7F6-B498-43B3-948B-1728B52AA6E4}">
-                <adec:decorative xmlns:adec="http://schemas.microsoft.com/office/drawing/2017/decorative" val="1"/>
+                <adec:decorative xmlns:adec="http://schemas.microsoft.com/office/drawing/2017/decorative" xmlns="" val="1"/>
               </a:ext>
             </a:extLst>
           </p:cNvPr>
@@ -11800,7 +11800,7 @@
           <p:nvPr>
             <p:extLst>
               <p:ext uri="{386F3935-93C4-4BCD-93E2-E3B085C9AB24}">
-                <p16:designElem xmlns:p16="http://schemas.microsoft.com/office/powerpoint/2015/main" val="1"/>
+                <p16:designElem xmlns:p16="http://schemas.microsoft.com/office/powerpoint/2015/main" xmlns="" val="1"/>
               </p:ext>
             </p:extLst>
           </p:nvPr>
@@ -11857,7 +11857,7 @@
           <p:cNvPr id="3" name="Obraz 2">
             <a:extLst>
               <a:ext uri="{FF2B5EF4-FFF2-40B4-BE49-F238E27FC236}">
-                <a16:creationId xmlns:a16="http://schemas.microsoft.com/office/drawing/2014/main" id="{920661B1-0D90-4098-84B9-DA7A3B28F4AA}"/>
+                <a16:creationId xmlns:a16="http://schemas.microsoft.com/office/drawing/2014/main" xmlns="" id="{920661B1-0D90-4098-84B9-DA7A3B28F4AA}"/>
               </a:ext>
             </a:extLst>
           </p:cNvPr>
@@ -11931,10 +11931,10 @@
           <p:cNvPr id="8" name="Group 7">
             <a:extLst>
               <a:ext uri="{FF2B5EF4-FFF2-40B4-BE49-F238E27FC236}">
-                <a16:creationId xmlns:a16="http://schemas.microsoft.com/office/drawing/2014/main" id="{28460BD8-AE3F-4AC9-9D0B-717052AA5D3A}"/>
+                <a16:creationId xmlns:a16="http://schemas.microsoft.com/office/drawing/2014/main" xmlns="" id="{28460BD8-AE3F-4AC9-9D0B-717052AA5D3A}"/>
               </a:ext>
               <a:ext uri="{C183D7F6-B498-43B3-948B-1728B52AA6E4}">
-                <adec:decorative xmlns:adec="http://schemas.microsoft.com/office/drawing/2017/decorative" val="1"/>
+                <adec:decorative xmlns:adec="http://schemas.microsoft.com/office/drawing/2017/decorative" xmlns="" val="1"/>
               </a:ext>
             </a:extLst>
           </p:cNvPr>
@@ -11944,7 +11944,7 @@
           <p:nvPr>
             <p:extLst>
               <p:ext uri="{386F3935-93C4-4BCD-93E2-E3B085C9AB24}">
-                <p16:designElem xmlns:p16="http://schemas.microsoft.com/office/powerpoint/2015/main" val="1"/>
+                <p16:designElem xmlns:p16="http://schemas.microsoft.com/office/powerpoint/2015/main" xmlns="" val="1"/>
               </p:ext>
             </p:extLst>
           </p:nvPr>
@@ -11962,10 +11962,10 @@
             <p:cNvPr id="9" name="Straight Connector 8">
               <a:extLst>
                 <a:ext uri="{FF2B5EF4-FFF2-40B4-BE49-F238E27FC236}">
-                  <a16:creationId xmlns:a16="http://schemas.microsoft.com/office/drawing/2014/main" id="{54420CFE-F482-466E-9E1E-C78513C0B85D}"/>
+                  <a16:creationId xmlns:a16="http://schemas.microsoft.com/office/drawing/2014/main" xmlns="" id="{54420CFE-F482-466E-9E1E-C78513C0B85D}"/>
                 </a:ext>
                 <a:ext uri="{C183D7F6-B498-43B3-948B-1728B52AA6E4}">
-                  <adec:decorative xmlns:adec="http://schemas.microsoft.com/office/drawing/2017/decorative" val="1"/>
+                  <adec:decorative xmlns:adec="http://schemas.microsoft.com/office/drawing/2017/decorative" xmlns="" val="1"/>
                 </a:ext>
               </a:extLst>
             </p:cNvPr>
@@ -11973,7 +11973,7 @@
             <p:nvPr>
               <p:extLst>
                 <p:ext uri="{386F3935-93C4-4BCD-93E2-E3B085C9AB24}">
-                  <p16:designElem xmlns:p16="http://schemas.microsoft.com/office/powerpoint/2015/main" val="1"/>
+                  <p16:designElem xmlns:p16="http://schemas.microsoft.com/office/powerpoint/2015/main" xmlns="" val="1"/>
                 </p:ext>
               </p:extLst>
             </p:nvPr>
@@ -12014,10 +12014,10 @@
             <p:cNvPr id="10" name="Straight Connector 9">
               <a:extLst>
                 <a:ext uri="{FF2B5EF4-FFF2-40B4-BE49-F238E27FC236}">
-                  <a16:creationId xmlns:a16="http://schemas.microsoft.com/office/drawing/2014/main" id="{5331032B-BD21-4BDA-920C-12E358052567}"/>
+                  <a16:creationId xmlns:a16="http://schemas.microsoft.com/office/drawing/2014/main" xmlns="" id="{5331032B-BD21-4BDA-920C-12E358052567}"/>
                 </a:ext>
                 <a:ext uri="{C183D7F6-B498-43B3-948B-1728B52AA6E4}">
-                  <adec:decorative xmlns:adec="http://schemas.microsoft.com/office/drawing/2017/decorative" val="1"/>
+                  <adec:decorative xmlns:adec="http://schemas.microsoft.com/office/drawing/2017/decorative" xmlns="" val="1"/>
                 </a:ext>
               </a:extLst>
             </p:cNvPr>
@@ -12025,7 +12025,7 @@
             <p:nvPr>
               <p:extLst>
                 <p:ext uri="{386F3935-93C4-4BCD-93E2-E3B085C9AB24}">
-                  <p16:designElem xmlns:p16="http://schemas.microsoft.com/office/powerpoint/2015/main" val="1"/>
+                  <p16:designElem xmlns:p16="http://schemas.microsoft.com/office/powerpoint/2015/main" xmlns="" val="1"/>
                 </p:ext>
               </p:extLst>
             </p:nvPr>
@@ -12066,10 +12066,10 @@
             <p:cNvPr id="11" name="Rectangle 23">
               <a:extLst>
                 <a:ext uri="{FF2B5EF4-FFF2-40B4-BE49-F238E27FC236}">
-                  <a16:creationId xmlns:a16="http://schemas.microsoft.com/office/drawing/2014/main" id="{E7514DA3-59E7-409E-8A3B-AD097F6E5644}"/>
+                  <a16:creationId xmlns:a16="http://schemas.microsoft.com/office/drawing/2014/main" xmlns="" id="{E7514DA3-59E7-409E-8A3B-AD097F6E5644}"/>
                 </a:ext>
                 <a:ext uri="{C183D7F6-B498-43B3-948B-1728B52AA6E4}">
-                  <adec:decorative xmlns:adec="http://schemas.microsoft.com/office/drawing/2017/decorative" val="1"/>
+                  <adec:decorative xmlns:adec="http://schemas.microsoft.com/office/drawing/2017/decorative" xmlns="" val="1"/>
                 </a:ext>
               </a:extLst>
             </p:cNvPr>
@@ -12077,7 +12077,7 @@
             <p:nvPr>
               <p:extLst>
                 <p:ext uri="{386F3935-93C4-4BCD-93E2-E3B085C9AB24}">
-                  <p16:designElem xmlns:p16="http://schemas.microsoft.com/office/powerpoint/2015/main" val="1"/>
+                  <p16:designElem xmlns:p16="http://schemas.microsoft.com/office/powerpoint/2015/main" xmlns="" val="1"/>
                 </p:ext>
               </p:extLst>
             </p:nvPr>
@@ -12144,10 +12144,10 @@
             <p:cNvPr id="12" name="Rectangle 25">
               <a:extLst>
                 <a:ext uri="{FF2B5EF4-FFF2-40B4-BE49-F238E27FC236}">
-                  <a16:creationId xmlns:a16="http://schemas.microsoft.com/office/drawing/2014/main" id="{57B9A2A6-3BE4-4599-9364-F71C5BFD61F8}"/>
+                  <a16:creationId xmlns:a16="http://schemas.microsoft.com/office/drawing/2014/main" xmlns="" id="{57B9A2A6-3BE4-4599-9364-F71C5BFD61F8}"/>
                 </a:ext>
                 <a:ext uri="{C183D7F6-B498-43B3-948B-1728B52AA6E4}">
-                  <adec:decorative xmlns:adec="http://schemas.microsoft.com/office/drawing/2017/decorative" val="1"/>
+                  <adec:decorative xmlns:adec="http://schemas.microsoft.com/office/drawing/2017/decorative" xmlns="" val="1"/>
                 </a:ext>
               </a:extLst>
             </p:cNvPr>
@@ -12155,7 +12155,7 @@
             <p:nvPr>
               <p:extLst>
                 <p:ext uri="{386F3935-93C4-4BCD-93E2-E3B085C9AB24}">
-                  <p16:designElem xmlns:p16="http://schemas.microsoft.com/office/powerpoint/2015/main" val="1"/>
+                  <p16:designElem xmlns:p16="http://schemas.microsoft.com/office/powerpoint/2015/main" xmlns="" val="1"/>
                 </p:ext>
               </p:extLst>
             </p:nvPr>
@@ -12222,10 +12222,10 @@
             <p:cNvPr id="13" name="Isosceles Triangle 12">
               <a:extLst>
                 <a:ext uri="{FF2B5EF4-FFF2-40B4-BE49-F238E27FC236}">
-                  <a16:creationId xmlns:a16="http://schemas.microsoft.com/office/drawing/2014/main" id="{4FD744C6-4ED8-4BC9-BF68-6BDF701C5DB4}"/>
+                  <a16:creationId xmlns:a16="http://schemas.microsoft.com/office/drawing/2014/main" xmlns="" id="{4FD744C6-4ED8-4BC9-BF68-6BDF701C5DB4}"/>
                 </a:ext>
                 <a:ext uri="{C183D7F6-B498-43B3-948B-1728B52AA6E4}">
-                  <adec:decorative xmlns:adec="http://schemas.microsoft.com/office/drawing/2017/decorative" val="1"/>
+                  <adec:decorative xmlns:adec="http://schemas.microsoft.com/office/drawing/2017/decorative" xmlns="" val="1"/>
                 </a:ext>
               </a:extLst>
             </p:cNvPr>
@@ -12233,7 +12233,7 @@
             <p:nvPr>
               <p:extLst>
                 <p:ext uri="{386F3935-93C4-4BCD-93E2-E3B085C9AB24}">
-                  <p16:designElem xmlns:p16="http://schemas.microsoft.com/office/powerpoint/2015/main" val="1"/>
+                  <p16:designElem xmlns:p16="http://schemas.microsoft.com/office/powerpoint/2015/main" xmlns="" val="1"/>
                 </p:ext>
               </p:extLst>
             </p:nvPr>
@@ -12278,10 +12278,10 @@
             <p:cNvPr id="14" name="Rectangle 27">
               <a:extLst>
                 <a:ext uri="{FF2B5EF4-FFF2-40B4-BE49-F238E27FC236}">
-                  <a16:creationId xmlns:a16="http://schemas.microsoft.com/office/drawing/2014/main" id="{092C5BAD-C911-4F8F-A1C5-470268BE668B}"/>
+                  <a16:creationId xmlns:a16="http://schemas.microsoft.com/office/drawing/2014/main" xmlns="" id="{092C5BAD-C911-4F8F-A1C5-470268BE668B}"/>
                 </a:ext>
                 <a:ext uri="{C183D7F6-B498-43B3-948B-1728B52AA6E4}">
-                  <adec:decorative xmlns:adec="http://schemas.microsoft.com/office/drawing/2017/decorative" val="1"/>
+                  <adec:decorative xmlns:adec="http://schemas.microsoft.com/office/drawing/2017/decorative" xmlns="" val="1"/>
                 </a:ext>
               </a:extLst>
             </p:cNvPr>
@@ -12289,7 +12289,7 @@
             <p:nvPr>
               <p:extLst>
                 <p:ext uri="{386F3935-93C4-4BCD-93E2-E3B085C9AB24}">
-                  <p16:designElem xmlns:p16="http://schemas.microsoft.com/office/powerpoint/2015/main" val="1"/>
+                  <p16:designElem xmlns:p16="http://schemas.microsoft.com/office/powerpoint/2015/main" xmlns="" val="1"/>
                 </p:ext>
               </p:extLst>
             </p:nvPr>
@@ -12357,10 +12357,10 @@
             <p:cNvPr id="15" name="Rectangle 28">
               <a:extLst>
                 <a:ext uri="{FF2B5EF4-FFF2-40B4-BE49-F238E27FC236}">
-                  <a16:creationId xmlns:a16="http://schemas.microsoft.com/office/drawing/2014/main" id="{B133D0C8-4EC4-424F-8E70-0482D5B1B653}"/>
+                  <a16:creationId xmlns:a16="http://schemas.microsoft.com/office/drawing/2014/main" xmlns="" id="{B133D0C8-4EC4-424F-8E70-0482D5B1B653}"/>
                 </a:ext>
                 <a:ext uri="{C183D7F6-B498-43B3-948B-1728B52AA6E4}">
-                  <adec:decorative xmlns:adec="http://schemas.microsoft.com/office/drawing/2017/decorative" val="1"/>
+                  <adec:decorative xmlns:adec="http://schemas.microsoft.com/office/drawing/2017/decorative" xmlns="" val="1"/>
                 </a:ext>
               </a:extLst>
             </p:cNvPr>
@@ -12368,7 +12368,7 @@
             <p:nvPr>
               <p:extLst>
                 <p:ext uri="{386F3935-93C4-4BCD-93E2-E3B085C9AB24}">
-                  <p16:designElem xmlns:p16="http://schemas.microsoft.com/office/powerpoint/2015/main" val="1"/>
+                  <p16:designElem xmlns:p16="http://schemas.microsoft.com/office/powerpoint/2015/main" xmlns="" val="1"/>
                 </p:ext>
               </p:extLst>
             </p:nvPr>
@@ -12437,10 +12437,10 @@
             <p:cNvPr id="16" name="Rectangle 29">
               <a:extLst>
                 <a:ext uri="{FF2B5EF4-FFF2-40B4-BE49-F238E27FC236}">
-                  <a16:creationId xmlns:a16="http://schemas.microsoft.com/office/drawing/2014/main" id="{7B1532A0-F4B3-4DE8-B18F-740CAAD25AC4}"/>
+                  <a16:creationId xmlns:a16="http://schemas.microsoft.com/office/drawing/2014/main" xmlns="" id="{7B1532A0-F4B3-4DE8-B18F-740CAAD25AC4}"/>
                 </a:ext>
                 <a:ext uri="{C183D7F6-B498-43B3-948B-1728B52AA6E4}">
-                  <adec:decorative xmlns:adec="http://schemas.microsoft.com/office/drawing/2017/decorative" val="1"/>
+                  <adec:decorative xmlns:adec="http://schemas.microsoft.com/office/drawing/2017/decorative" xmlns="" val="1"/>
                 </a:ext>
               </a:extLst>
             </p:cNvPr>
@@ -12448,7 +12448,7 @@
             <p:nvPr>
               <p:extLst>
                 <p:ext uri="{386F3935-93C4-4BCD-93E2-E3B085C9AB24}">
-                  <p16:designElem xmlns:p16="http://schemas.microsoft.com/office/powerpoint/2015/main" val="1"/>
+                  <p16:designElem xmlns:p16="http://schemas.microsoft.com/office/powerpoint/2015/main" xmlns="" val="1"/>
                 </p:ext>
               </p:extLst>
             </p:nvPr>
@@ -12515,10 +12515,10 @@
             <p:cNvPr id="17" name="Isosceles Triangle 16">
               <a:extLst>
                 <a:ext uri="{FF2B5EF4-FFF2-40B4-BE49-F238E27FC236}">
-                  <a16:creationId xmlns:a16="http://schemas.microsoft.com/office/drawing/2014/main" id="{8EFDD162-BBBA-4062-8BBF-53DBA1091374}"/>
+                  <a16:creationId xmlns:a16="http://schemas.microsoft.com/office/drawing/2014/main" xmlns="" id="{8EFDD162-BBBA-4062-8BBF-53DBA1091374}"/>
                 </a:ext>
                 <a:ext uri="{C183D7F6-B498-43B3-948B-1728B52AA6E4}">
-                  <adec:decorative xmlns:adec="http://schemas.microsoft.com/office/drawing/2017/decorative" val="1"/>
+                  <adec:decorative xmlns:adec="http://schemas.microsoft.com/office/drawing/2017/decorative" xmlns="" val="1"/>
                 </a:ext>
               </a:extLst>
             </p:cNvPr>
@@ -12526,7 +12526,7 @@
             <p:nvPr>
               <p:extLst>
                 <p:ext uri="{386F3935-93C4-4BCD-93E2-E3B085C9AB24}">
-                  <p16:designElem xmlns:p16="http://schemas.microsoft.com/office/powerpoint/2015/main" val="1"/>
+                  <p16:designElem xmlns:p16="http://schemas.microsoft.com/office/powerpoint/2015/main" xmlns="" val="1"/>
                 </p:ext>
               </p:extLst>
             </p:nvPr>
@@ -12571,10 +12571,10 @@
             <p:cNvPr id="18" name="Isosceles Triangle 17">
               <a:extLst>
                 <a:ext uri="{FF2B5EF4-FFF2-40B4-BE49-F238E27FC236}">
-                  <a16:creationId xmlns:a16="http://schemas.microsoft.com/office/drawing/2014/main" id="{DCFC9E65-3E19-4483-B952-25D29683CA56}"/>
+                  <a16:creationId xmlns:a16="http://schemas.microsoft.com/office/drawing/2014/main" xmlns="" id="{DCFC9E65-3E19-4483-B952-25D29683CA56}"/>
                 </a:ext>
                 <a:ext uri="{C183D7F6-B498-43B3-948B-1728B52AA6E4}">
-                  <adec:decorative xmlns:adec="http://schemas.microsoft.com/office/drawing/2017/decorative" val="1"/>
+                  <adec:decorative xmlns:adec="http://schemas.microsoft.com/office/drawing/2017/decorative" xmlns="" val="1"/>
                 </a:ext>
               </a:extLst>
             </p:cNvPr>
@@ -12582,7 +12582,7 @@
             <p:nvPr>
               <p:extLst>
                 <p:ext uri="{386F3935-93C4-4BCD-93E2-E3B085C9AB24}">
-                  <p16:designElem xmlns:p16="http://schemas.microsoft.com/office/powerpoint/2015/main" val="1"/>
+                  <p16:designElem xmlns:p16="http://schemas.microsoft.com/office/powerpoint/2015/main" xmlns="" val="1"/>
                 </p:ext>
               </p:extLst>
             </p:nvPr>
@@ -12628,10 +12628,10 @@
           <p:cNvPr id="20" name="Rectangle 19">
             <a:extLst>
               <a:ext uri="{FF2B5EF4-FFF2-40B4-BE49-F238E27FC236}">
-                <a16:creationId xmlns:a16="http://schemas.microsoft.com/office/drawing/2014/main" id="{2783C067-F8BF-4755-B516-8A0CD74CF60C}"/>
+                <a16:creationId xmlns:a16="http://schemas.microsoft.com/office/drawing/2014/main" xmlns="" id="{2783C067-F8BF-4755-B516-8A0CD74CF60C}"/>
               </a:ext>
               <a:ext uri="{C183D7F6-B498-43B3-948B-1728B52AA6E4}">
-                <adec:decorative xmlns:adec="http://schemas.microsoft.com/office/drawing/2017/decorative" val="1"/>
+                <adec:decorative xmlns:adec="http://schemas.microsoft.com/office/drawing/2017/decorative" xmlns="" val="1"/>
               </a:ext>
             </a:extLst>
           </p:cNvPr>
@@ -12641,7 +12641,7 @@
           <p:nvPr>
             <p:extLst>
               <p:ext uri="{386F3935-93C4-4BCD-93E2-E3B085C9AB24}">
-                <p16:designElem xmlns:p16="http://schemas.microsoft.com/office/powerpoint/2015/main" val="1"/>
+                <p16:designElem xmlns:p16="http://schemas.microsoft.com/office/powerpoint/2015/main" xmlns="" val="1"/>
               </p:ext>
             </p:extLst>
           </p:nvPr>
@@ -12688,10 +12688,10 @@
           <p:cNvPr id="22" name="Isosceles Triangle 21">
             <a:extLst>
               <a:ext uri="{FF2B5EF4-FFF2-40B4-BE49-F238E27FC236}">
-                <a16:creationId xmlns:a16="http://schemas.microsoft.com/office/drawing/2014/main" id="{2ED796EC-E7FF-46DB-B912-FB08BF12AA6E}"/>
+                <a16:creationId xmlns:a16="http://schemas.microsoft.com/office/drawing/2014/main" xmlns="" id="{2ED796EC-E7FF-46DB-B912-FB08BF12AA6E}"/>
               </a:ext>
               <a:ext uri="{C183D7F6-B498-43B3-948B-1728B52AA6E4}">
-                <adec:decorative xmlns:adec="http://schemas.microsoft.com/office/drawing/2017/decorative" val="1"/>
+                <adec:decorative xmlns:adec="http://schemas.microsoft.com/office/drawing/2017/decorative" xmlns="" val="1"/>
               </a:ext>
             </a:extLst>
           </p:cNvPr>
@@ -12701,7 +12701,7 @@
           <p:nvPr>
             <p:extLst>
               <p:ext uri="{386F3935-93C4-4BCD-93E2-E3B085C9AB24}">
-                <p16:designElem xmlns:p16="http://schemas.microsoft.com/office/powerpoint/2015/main" val="1"/>
+                <p16:designElem xmlns:p16="http://schemas.microsoft.com/office/powerpoint/2015/main" xmlns="" val="1"/>
               </p:ext>
             </p:extLst>
           </p:nvPr>
@@ -12744,10 +12744,10 @@
           <p:cNvPr id="24" name="Isosceles Triangle 23">
             <a:extLst>
               <a:ext uri="{FF2B5EF4-FFF2-40B4-BE49-F238E27FC236}">
-                <a16:creationId xmlns:a16="http://schemas.microsoft.com/office/drawing/2014/main" id="{549A2DAB-B431-487D-95AD-BB0FECB49E57}"/>
+                <a16:creationId xmlns:a16="http://schemas.microsoft.com/office/drawing/2014/main" xmlns="" id="{549A2DAB-B431-487D-95AD-BB0FECB49E57}"/>
               </a:ext>
               <a:ext uri="{C183D7F6-B498-43B3-948B-1728B52AA6E4}">
-                <adec:decorative xmlns:adec="http://schemas.microsoft.com/office/drawing/2017/decorative" val="1"/>
+                <adec:decorative xmlns:adec="http://schemas.microsoft.com/office/drawing/2017/decorative" xmlns="" val="1"/>
               </a:ext>
             </a:extLst>
           </p:cNvPr>
@@ -12757,7 +12757,7 @@
           <p:nvPr>
             <p:extLst>
               <p:ext uri="{386F3935-93C4-4BCD-93E2-E3B085C9AB24}">
-                <p16:designElem xmlns:p16="http://schemas.microsoft.com/office/powerpoint/2015/main" val="1"/>
+                <p16:designElem xmlns:p16="http://schemas.microsoft.com/office/powerpoint/2015/main" xmlns="" val="1"/>
               </p:ext>
             </p:extLst>
           </p:nvPr>
@@ -12802,10 +12802,10 @@
           <p:cNvPr id="26" name="Rectangle 27">
             <a:extLst>
               <a:ext uri="{FF2B5EF4-FFF2-40B4-BE49-F238E27FC236}">
-                <a16:creationId xmlns:a16="http://schemas.microsoft.com/office/drawing/2014/main" id="{0819F787-32B4-46A8-BC57-C6571BCEE243}"/>
+                <a16:creationId xmlns:a16="http://schemas.microsoft.com/office/drawing/2014/main" xmlns="" id="{0819F787-32B4-46A8-BC57-C6571BCEE243}"/>
               </a:ext>
               <a:ext uri="{C183D7F6-B498-43B3-948B-1728B52AA6E4}">
-                <adec:decorative xmlns:adec="http://schemas.microsoft.com/office/drawing/2017/decorative" val="1"/>
+                <adec:decorative xmlns:adec="http://schemas.microsoft.com/office/drawing/2017/decorative" xmlns="" val="1"/>
               </a:ext>
             </a:extLst>
           </p:cNvPr>
@@ -12815,7 +12815,7 @@
           <p:nvPr>
             <p:extLst>
               <p:ext uri="{386F3935-93C4-4BCD-93E2-E3B085C9AB24}">
-                <p16:designElem xmlns:p16="http://schemas.microsoft.com/office/powerpoint/2015/main" val="1"/>
+                <p16:designElem xmlns:p16="http://schemas.microsoft.com/office/powerpoint/2015/main" xmlns="" val="1"/>
               </p:ext>
             </p:extLst>
           </p:nvPr>
@@ -12880,10 +12880,10 @@
           <p:cNvPr id="28" name="Straight Connector 27">
             <a:extLst>
               <a:ext uri="{FF2B5EF4-FFF2-40B4-BE49-F238E27FC236}">
-                <a16:creationId xmlns:a16="http://schemas.microsoft.com/office/drawing/2014/main" id="{C5ECDEE1-7093-418F-9CF5-24EEB115C1C1}"/>
+                <a16:creationId xmlns:a16="http://schemas.microsoft.com/office/drawing/2014/main" xmlns="" id="{C5ECDEE1-7093-418F-9CF5-24EEB115C1C1}"/>
               </a:ext>
               <a:ext uri="{C183D7F6-B498-43B3-948B-1728B52AA6E4}">
-                <adec:decorative xmlns:adec="http://schemas.microsoft.com/office/drawing/2017/decorative" val="1"/>
+                <adec:decorative xmlns:adec="http://schemas.microsoft.com/office/drawing/2017/decorative" xmlns="" val="1"/>
               </a:ext>
             </a:extLst>
           </p:cNvPr>
@@ -12893,7 +12893,7 @@
           <p:nvPr>
             <p:extLst>
               <p:ext uri="{386F3935-93C4-4BCD-93E2-E3B085C9AB24}">
-                <p16:designElem xmlns:p16="http://schemas.microsoft.com/office/powerpoint/2015/main" val="1"/>
+                <p16:designElem xmlns:p16="http://schemas.microsoft.com/office/powerpoint/2015/main" xmlns="" val="1"/>
               </p:ext>
             </p:extLst>
           </p:nvPr>
@@ -12933,10 +12933,10 @@
           <p:cNvPr id="30" name="Straight Connector 29">
             <a:extLst>
               <a:ext uri="{FF2B5EF4-FFF2-40B4-BE49-F238E27FC236}">
-                <a16:creationId xmlns:a16="http://schemas.microsoft.com/office/drawing/2014/main" id="{045062AF-EB11-4651-BC4A-4DA21768DE8E}"/>
+                <a16:creationId xmlns:a16="http://schemas.microsoft.com/office/drawing/2014/main" xmlns="" id="{045062AF-EB11-4651-BC4A-4DA21768DE8E}"/>
               </a:ext>
               <a:ext uri="{C183D7F6-B498-43B3-948B-1728B52AA6E4}">
-                <adec:decorative xmlns:adec="http://schemas.microsoft.com/office/drawing/2017/decorative" val="1"/>
+                <adec:decorative xmlns:adec="http://schemas.microsoft.com/office/drawing/2017/decorative" xmlns="" val="1"/>
               </a:ext>
             </a:extLst>
           </p:cNvPr>
@@ -12946,7 +12946,7 @@
           <p:nvPr>
             <p:extLst>
               <p:ext uri="{386F3935-93C4-4BCD-93E2-E3B085C9AB24}">
-                <p16:designElem xmlns:p16="http://schemas.microsoft.com/office/powerpoint/2015/main" val="1"/>
+                <p16:designElem xmlns:p16="http://schemas.microsoft.com/office/powerpoint/2015/main" xmlns="" val="1"/>
               </p:ext>
             </p:extLst>
           </p:nvPr>
@@ -12985,7 +12985,7 @@
           <p:cNvPr id="3" name="Tytuł 1">
             <a:extLst>
               <a:ext uri="{FF2B5EF4-FFF2-40B4-BE49-F238E27FC236}">
-                <a16:creationId xmlns:a16="http://schemas.microsoft.com/office/drawing/2014/main" id="{5E35C810-131E-41A2-8782-357CEDF6392D}"/>
+                <a16:creationId xmlns:a16="http://schemas.microsoft.com/office/drawing/2014/main" xmlns="" id="{5E35C810-131E-41A2-8782-357CEDF6392D}"/>
               </a:ext>
             </a:extLst>
           </p:cNvPr>
@@ -13139,10 +13139,10 @@
           <p:cNvPr id="23" name="Rectangle 8">
             <a:extLst>
               <a:ext uri="{FF2B5EF4-FFF2-40B4-BE49-F238E27FC236}">
-                <a16:creationId xmlns:a16="http://schemas.microsoft.com/office/drawing/2014/main" id="{AA3CC463-F933-4AC4-86E1-5AC14B0C3163}"/>
+                <a16:creationId xmlns:a16="http://schemas.microsoft.com/office/drawing/2014/main" xmlns="" id="{AA3CC463-F933-4AC4-86E1-5AC14B0C3163}"/>
               </a:ext>
               <a:ext uri="{C183D7F6-B498-43B3-948B-1728B52AA6E4}">
-                <adec:decorative xmlns:adec="http://schemas.microsoft.com/office/drawing/2017/decorative" val="1"/>
+                <adec:decorative xmlns:adec="http://schemas.microsoft.com/office/drawing/2017/decorative" xmlns="" val="1"/>
               </a:ext>
             </a:extLst>
           </p:cNvPr>
@@ -13152,7 +13152,7 @@
           <p:nvPr>
             <p:extLst>
               <p:ext uri="{386F3935-93C4-4BCD-93E2-E3B085C9AB24}">
-                <p16:designElem xmlns:p16="http://schemas.microsoft.com/office/powerpoint/2015/main" val="1"/>
+                <p16:designElem xmlns:p16="http://schemas.microsoft.com/office/powerpoint/2015/main" xmlns="" val="1"/>
               </p:ext>
             </p:extLst>
           </p:nvPr>
@@ -13205,10 +13205,10 @@
           <p:cNvPr id="24" name="Rectangle 10">
             <a:extLst>
               <a:ext uri="{FF2B5EF4-FFF2-40B4-BE49-F238E27FC236}">
-                <a16:creationId xmlns:a16="http://schemas.microsoft.com/office/drawing/2014/main" id="{6025D2DB-A12A-44DB-B00E-F4D622329EDD}"/>
+                <a16:creationId xmlns:a16="http://schemas.microsoft.com/office/drawing/2014/main" xmlns="" id="{6025D2DB-A12A-44DB-B00E-F4D622329EDD}"/>
               </a:ext>
               <a:ext uri="{C183D7F6-B498-43B3-948B-1728B52AA6E4}">
-                <adec:decorative xmlns:adec="http://schemas.microsoft.com/office/drawing/2017/decorative" val="1"/>
+                <adec:decorative xmlns:adec="http://schemas.microsoft.com/office/drawing/2017/decorative" xmlns="" val="1"/>
               </a:ext>
             </a:extLst>
           </p:cNvPr>
@@ -13218,7 +13218,7 @@
           <p:nvPr>
             <p:extLst>
               <p:ext uri="{386F3935-93C4-4BCD-93E2-E3B085C9AB24}">
-                <p16:designElem xmlns:p16="http://schemas.microsoft.com/office/powerpoint/2015/main" val="1"/>
+                <p16:designElem xmlns:p16="http://schemas.microsoft.com/office/powerpoint/2015/main" xmlns="" val="1"/>
               </p:ext>
             </p:extLst>
           </p:nvPr>
@@ -13270,7 +13270,7 @@
           <p:cNvPr id="3" name="slide10">
             <a:extLst>
               <a:ext uri="{FF2B5EF4-FFF2-40B4-BE49-F238E27FC236}">
-                <a16:creationId xmlns:a16="http://schemas.microsoft.com/office/drawing/2014/main" id="{F045544C-9DD1-4338-B4A7-CA589E7A5973}"/>
+                <a16:creationId xmlns:a16="http://schemas.microsoft.com/office/drawing/2014/main" xmlns="" id="{F045544C-9DD1-4338-B4A7-CA589E7A5973}"/>
               </a:ext>
             </a:extLst>
           </p:cNvPr>
@@ -13280,7 +13280,7 @@
           <p:nvPr/>
         </p:nvPicPr>
         <p:blipFill>
-          <a:blip r:embed="rId2">
+          <a:blip r:embed="rId2" cstate="print">
             <a:extLst>
               <a:ext uri="{28A0092B-C50C-407E-A947-70E740481C1C}">
                 <a14:useLocalDpi xmlns:a14="http://schemas.microsoft.com/office/drawing/2010/main" val="0"/>
@@ -13306,10 +13306,10 @@
           <p:cNvPr id="13" name="Rectangle 12">
             <a:extLst>
               <a:ext uri="{FF2B5EF4-FFF2-40B4-BE49-F238E27FC236}">
-                <a16:creationId xmlns:a16="http://schemas.microsoft.com/office/drawing/2014/main" id="{CE7E7877-F64E-4EEA-B778-138031EFF874}"/>
+                <a16:creationId xmlns:a16="http://schemas.microsoft.com/office/drawing/2014/main" xmlns="" id="{CE7E7877-F64E-4EEA-B778-138031EFF874}"/>
               </a:ext>
               <a:ext uri="{C183D7F6-B498-43B3-948B-1728B52AA6E4}">
-                <adec:decorative xmlns:adec="http://schemas.microsoft.com/office/drawing/2017/decorative" val="1"/>
+                <adec:decorative xmlns:adec="http://schemas.microsoft.com/office/drawing/2017/decorative" xmlns="" val="1"/>
               </a:ext>
             </a:extLst>
           </p:cNvPr>
@@ -13319,7 +13319,7 @@
           <p:nvPr>
             <p:extLst>
               <p:ext uri="{386F3935-93C4-4BCD-93E2-E3B085C9AB24}">
-                <p16:designElem xmlns:p16="http://schemas.microsoft.com/office/powerpoint/2015/main" val="1"/>
+                <p16:designElem xmlns:p16="http://schemas.microsoft.com/office/powerpoint/2015/main" xmlns="" val="1"/>
               </p:ext>
             </p:extLst>
           </p:nvPr>
@@ -13371,7 +13371,7 @@
           <p:cNvPr id="4" name="slide8">
             <a:extLst>
               <a:ext uri="{FF2B5EF4-FFF2-40B4-BE49-F238E27FC236}">
-                <a16:creationId xmlns:a16="http://schemas.microsoft.com/office/drawing/2014/main" id="{FA5C2059-60E2-4564-A338-7D03B245AC0A}"/>
+                <a16:creationId xmlns:a16="http://schemas.microsoft.com/office/drawing/2014/main" xmlns="" id="{FA5C2059-60E2-4564-A338-7D03B245AC0A}"/>
               </a:ext>
             </a:extLst>
           </p:cNvPr>
@@ -13381,7 +13381,7 @@
           <p:nvPr/>
         </p:nvPicPr>
         <p:blipFill>
-          <a:blip r:embed="rId3">
+          <a:blip r:embed="rId3" cstate="print">
             <a:extLst>
               <a:ext uri="{28A0092B-C50C-407E-A947-70E740481C1C}">
                 <a14:useLocalDpi xmlns:a14="http://schemas.microsoft.com/office/drawing/2010/main" val="0"/>
@@ -13407,10 +13407,10 @@
           <p:cNvPr id="25" name="Rectangle 14">
             <a:extLst>
               <a:ext uri="{FF2B5EF4-FFF2-40B4-BE49-F238E27FC236}">
-                <a16:creationId xmlns:a16="http://schemas.microsoft.com/office/drawing/2014/main" id="{7DD6C4F3-70FD-4F13-919C-702EE4886499}"/>
+                <a16:creationId xmlns:a16="http://schemas.microsoft.com/office/drawing/2014/main" xmlns="" id="{7DD6C4F3-70FD-4F13-919C-702EE4886499}"/>
               </a:ext>
               <a:ext uri="{C183D7F6-B498-43B3-948B-1728B52AA6E4}">
-                <adec:decorative xmlns:adec="http://schemas.microsoft.com/office/drawing/2017/decorative" val="1"/>
+                <adec:decorative xmlns:adec="http://schemas.microsoft.com/office/drawing/2017/decorative" xmlns="" val="1"/>
               </a:ext>
             </a:extLst>
           </p:cNvPr>
@@ -13420,7 +13420,7 @@
           <p:nvPr>
             <p:extLst>
               <p:ext uri="{386F3935-93C4-4BCD-93E2-E3B085C9AB24}">
-                <p16:designElem xmlns:p16="http://schemas.microsoft.com/office/powerpoint/2015/main" val="1"/>
+                <p16:designElem xmlns:p16="http://schemas.microsoft.com/office/powerpoint/2015/main" xmlns="" val="1"/>
               </p:ext>
             </p:extLst>
           </p:nvPr>
@@ -13470,7 +13470,7 @@
           <p:cNvPr id="2" name="slide9">
             <a:extLst>
               <a:ext uri="{FF2B5EF4-FFF2-40B4-BE49-F238E27FC236}">
-                <a16:creationId xmlns:a16="http://schemas.microsoft.com/office/drawing/2014/main" id="{B1B15371-67D2-4221-AEE5-0CD2CEE4040E}"/>
+                <a16:creationId xmlns:a16="http://schemas.microsoft.com/office/drawing/2014/main" xmlns="" id="{B1B15371-67D2-4221-AEE5-0CD2CEE4040E}"/>
               </a:ext>
             </a:extLst>
           </p:cNvPr>
@@ -13544,7 +13544,7 @@
           <p:cNvPr id="3" name="slide4">
             <a:extLst>
               <a:ext uri="{FF2B5EF4-FFF2-40B4-BE49-F238E27FC236}">
-                <a16:creationId xmlns:a16="http://schemas.microsoft.com/office/drawing/2014/main" id="{69CBD875-E81A-4BB9-8585-DE34389A940B}"/>
+                <a16:creationId xmlns:a16="http://schemas.microsoft.com/office/drawing/2014/main" xmlns="" id="{69CBD875-E81A-4BB9-8585-DE34389A940B}"/>
               </a:ext>
             </a:extLst>
           </p:cNvPr>
@@ -13554,7 +13554,7 @@
           <p:nvPr/>
         </p:nvPicPr>
         <p:blipFill>
-          <a:blip r:embed="rId2">
+          <a:blip r:embed="rId2" cstate="print">
             <a:extLst>
               <a:ext uri="{28A0092B-C50C-407E-A947-70E740481C1C}">
                 <a14:useLocalDpi xmlns:a14="http://schemas.microsoft.com/office/drawing/2010/main" val="0"/>
@@ -13580,10 +13580,10 @@
           <p:cNvPr id="10" name="Straight Connector 9">
             <a:extLst>
               <a:ext uri="{FF2B5EF4-FFF2-40B4-BE49-F238E27FC236}">
-                <a16:creationId xmlns:a16="http://schemas.microsoft.com/office/drawing/2014/main" id="{91B6081D-D3E8-4209-B85B-EB1C655A6272}"/>
+                <a16:creationId xmlns:a16="http://schemas.microsoft.com/office/drawing/2014/main" xmlns="" id="{91B6081D-D3E8-4209-B85B-EB1C655A6272}"/>
               </a:ext>
               <a:ext uri="{C183D7F6-B498-43B3-948B-1728B52AA6E4}">
-                <adec:decorative xmlns:adec="http://schemas.microsoft.com/office/drawing/2017/decorative" val="1"/>
+                <adec:decorative xmlns:adec="http://schemas.microsoft.com/office/drawing/2017/decorative" xmlns="" val="1"/>
               </a:ext>
             </a:extLst>
           </p:cNvPr>
@@ -13593,7 +13593,7 @@
           <p:nvPr>
             <p:extLst>
               <p:ext uri="{386F3935-93C4-4BCD-93E2-E3B085C9AB24}">
-                <p16:designElem xmlns:p16="http://schemas.microsoft.com/office/powerpoint/2015/main" val="1"/>
+                <p16:designElem xmlns:p16="http://schemas.microsoft.com/office/powerpoint/2015/main" xmlns="" val="1"/>
               </p:ext>
             </p:extLst>
           </p:nvPr>
@@ -13632,7 +13632,7 @@
           <p:cNvPr id="4" name="slide5">
             <a:extLst>
               <a:ext uri="{FF2B5EF4-FFF2-40B4-BE49-F238E27FC236}">
-                <a16:creationId xmlns:a16="http://schemas.microsoft.com/office/drawing/2014/main" id="{B3624E7A-DAFC-4F71-B12D-D6336B95062E}"/>
+                <a16:creationId xmlns:a16="http://schemas.microsoft.com/office/drawing/2014/main" xmlns="" id="{B3624E7A-DAFC-4F71-B12D-D6336B95062E}"/>
               </a:ext>
             </a:extLst>
           </p:cNvPr>
@@ -13642,7 +13642,7 @@
           <p:nvPr/>
         </p:nvPicPr>
         <p:blipFill>
-          <a:blip r:embed="rId3">
+          <a:blip r:embed="rId3" cstate="print">
             <a:extLst>
               <a:ext uri="{28A0092B-C50C-407E-A947-70E740481C1C}">
                 <a14:useLocalDpi xmlns:a14="http://schemas.microsoft.com/office/drawing/2010/main" val="0"/>
@@ -13668,10 +13668,10 @@
           <p:cNvPr id="12" name="Straight Connector 11">
             <a:extLst>
               <a:ext uri="{FF2B5EF4-FFF2-40B4-BE49-F238E27FC236}">
-                <a16:creationId xmlns:a16="http://schemas.microsoft.com/office/drawing/2014/main" id="{28CA55E4-1295-45C8-BA05-5A9E705B749A}"/>
+                <a16:creationId xmlns:a16="http://schemas.microsoft.com/office/drawing/2014/main" xmlns="" id="{28CA55E4-1295-45C8-BA05-5A9E705B749A}"/>
               </a:ext>
               <a:ext uri="{C183D7F6-B498-43B3-948B-1728B52AA6E4}">
-                <adec:decorative xmlns:adec="http://schemas.microsoft.com/office/drawing/2017/decorative" val="1"/>
+                <adec:decorative xmlns:adec="http://schemas.microsoft.com/office/drawing/2017/decorative" xmlns="" val="1"/>
               </a:ext>
             </a:extLst>
           </p:cNvPr>
@@ -13681,7 +13681,7 @@
           <p:nvPr>
             <p:extLst>
               <p:ext uri="{386F3935-93C4-4BCD-93E2-E3B085C9AB24}">
-                <p16:designElem xmlns:p16="http://schemas.microsoft.com/office/powerpoint/2015/main" val="1"/>
+                <p16:designElem xmlns:p16="http://schemas.microsoft.com/office/powerpoint/2015/main" xmlns="" val="1"/>
               </p:ext>
             </p:extLst>
           </p:nvPr>
@@ -13720,10 +13720,10 @@
           <p:cNvPr id="14" name="Straight Connector 13">
             <a:extLst>
               <a:ext uri="{FF2B5EF4-FFF2-40B4-BE49-F238E27FC236}">
-                <a16:creationId xmlns:a16="http://schemas.microsoft.com/office/drawing/2014/main" id="{08C5794E-A9A1-4A23-AF68-C79A7822334C}"/>
+                <a16:creationId xmlns:a16="http://schemas.microsoft.com/office/drawing/2014/main" xmlns="" id="{08C5794E-A9A1-4A23-AF68-C79A7822334C}"/>
               </a:ext>
               <a:ext uri="{C183D7F6-B498-43B3-948B-1728B52AA6E4}">
-                <adec:decorative xmlns:adec="http://schemas.microsoft.com/office/drawing/2017/decorative" val="1"/>
+                <adec:decorative xmlns:adec="http://schemas.microsoft.com/office/drawing/2017/decorative" xmlns="" val="1"/>
               </a:ext>
             </a:extLst>
           </p:cNvPr>
@@ -13733,7 +13733,7 @@
           <p:nvPr>
             <p:extLst>
               <p:ext uri="{386F3935-93C4-4BCD-93E2-E3B085C9AB24}">
-                <p16:designElem xmlns:p16="http://schemas.microsoft.com/office/powerpoint/2015/main" val="1"/>
+                <p16:designElem xmlns:p16="http://schemas.microsoft.com/office/powerpoint/2015/main" xmlns="" val="1"/>
               </p:ext>
             </p:extLst>
           </p:nvPr>
@@ -13772,7 +13772,7 @@
           <p:cNvPr id="2" name="slide3">
             <a:extLst>
               <a:ext uri="{FF2B5EF4-FFF2-40B4-BE49-F238E27FC236}">
-                <a16:creationId xmlns:a16="http://schemas.microsoft.com/office/drawing/2014/main" id="{66226FF5-3052-4B87-B290-DF5322CE9FA9}"/>
+                <a16:creationId xmlns:a16="http://schemas.microsoft.com/office/drawing/2014/main" xmlns="" id="{66226FF5-3052-4B87-B290-DF5322CE9FA9}"/>
               </a:ext>
             </a:extLst>
           </p:cNvPr>
@@ -13782,7 +13782,7 @@
           <p:nvPr/>
         </p:nvPicPr>
         <p:blipFill>
-          <a:blip r:embed="rId4">
+          <a:blip r:embed="rId4" cstate="print">
             <a:extLst>
               <a:ext uri="{28A0092B-C50C-407E-A947-70E740481C1C}">
                 <a14:useLocalDpi xmlns:a14="http://schemas.microsoft.com/office/drawing/2010/main" val="0"/>
@@ -13808,7 +13808,7 @@
           <p:cNvPr id="5" name="slide6">
             <a:extLst>
               <a:ext uri="{FF2B5EF4-FFF2-40B4-BE49-F238E27FC236}">
-                <a16:creationId xmlns:a16="http://schemas.microsoft.com/office/drawing/2014/main" id="{68F416CC-D521-4273-BF3E-FA6181F163CC}"/>
+                <a16:creationId xmlns:a16="http://schemas.microsoft.com/office/drawing/2014/main" xmlns="" id="{68F416CC-D521-4273-BF3E-FA6181F163CC}"/>
               </a:ext>
             </a:extLst>
           </p:cNvPr>
@@ -13818,7 +13818,7 @@
           <p:nvPr/>
         </p:nvPicPr>
         <p:blipFill>
-          <a:blip r:embed="rId5">
+          <a:blip r:embed="rId5" cstate="print">
             <a:extLst>
               <a:ext uri="{28A0092B-C50C-407E-A947-70E740481C1C}">
                 <a14:useLocalDpi xmlns:a14="http://schemas.microsoft.com/office/drawing/2010/main" val="0"/>
@@ -13882,10 +13882,10 @@
           <p:cNvPr id="7" name="Rectangle 6">
             <a:extLst>
               <a:ext uri="{FF2B5EF4-FFF2-40B4-BE49-F238E27FC236}">
-                <a16:creationId xmlns:a16="http://schemas.microsoft.com/office/drawing/2014/main" id="{03E8462A-FEBA-4848-81CC-3F8DA3E477BE}"/>
+                <a16:creationId xmlns:a16="http://schemas.microsoft.com/office/drawing/2014/main" xmlns="" id="{03E8462A-FEBA-4848-81CC-3F8DA3E477BE}"/>
               </a:ext>
               <a:ext uri="{C183D7F6-B498-43B3-948B-1728B52AA6E4}">
-                <adec:decorative xmlns:adec="http://schemas.microsoft.com/office/drawing/2017/decorative" val="1"/>
+                <adec:decorative xmlns:adec="http://schemas.microsoft.com/office/drawing/2017/decorative" xmlns="" val="1"/>
               </a:ext>
             </a:extLst>
           </p:cNvPr>
@@ -13895,7 +13895,7 @@
           <p:nvPr>
             <p:extLst>
               <p:ext uri="{386F3935-93C4-4BCD-93E2-E3B085C9AB24}">
-                <p16:designElem xmlns:p16="http://schemas.microsoft.com/office/powerpoint/2015/main" val="1"/>
+                <p16:designElem xmlns:p16="http://schemas.microsoft.com/office/powerpoint/2015/main" xmlns="" val="1"/>
               </p:ext>
             </p:extLst>
           </p:nvPr>
@@ -13945,10 +13945,10 @@
           <p:cNvPr id="9" name="Group 8">
             <a:extLst>
               <a:ext uri="{FF2B5EF4-FFF2-40B4-BE49-F238E27FC236}">
-                <a16:creationId xmlns:a16="http://schemas.microsoft.com/office/drawing/2014/main" id="{2109F83F-40FE-4DB3-84CC-09FB3340D06D}"/>
+                <a16:creationId xmlns:a16="http://schemas.microsoft.com/office/drawing/2014/main" xmlns="" id="{2109F83F-40FE-4DB3-84CC-09FB3340D06D}"/>
               </a:ext>
               <a:ext uri="{C183D7F6-B498-43B3-948B-1728B52AA6E4}">
-                <adec:decorative xmlns:adec="http://schemas.microsoft.com/office/drawing/2017/decorative" val="1"/>
+                <adec:decorative xmlns:adec="http://schemas.microsoft.com/office/drawing/2017/decorative" xmlns="" val="1"/>
               </a:ext>
             </a:extLst>
           </p:cNvPr>
@@ -13958,7 +13958,7 @@
           <p:nvPr>
             <p:extLst>
               <p:ext uri="{386F3935-93C4-4BCD-93E2-E3B085C9AB24}">
-                <p16:designElem xmlns:p16="http://schemas.microsoft.com/office/powerpoint/2015/main" val="1"/>
+                <p16:designElem xmlns:p16="http://schemas.microsoft.com/office/powerpoint/2015/main" xmlns="" val="1"/>
               </p:ext>
             </p:extLst>
           </p:nvPr>
@@ -13976,10 +13976,10 @@
             <p:cNvPr id="10" name="Straight Connector 9">
               <a:extLst>
                 <a:ext uri="{FF2B5EF4-FFF2-40B4-BE49-F238E27FC236}">
-                  <a16:creationId xmlns:a16="http://schemas.microsoft.com/office/drawing/2014/main" id="{1DE492D7-C3C3-48FF-80C8-37021EA0262F}"/>
+                  <a16:creationId xmlns:a16="http://schemas.microsoft.com/office/drawing/2014/main" xmlns="" id="{1DE492D7-C3C3-48FF-80C8-37021EA0262F}"/>
                 </a:ext>
                 <a:ext uri="{C183D7F6-B498-43B3-948B-1728B52AA6E4}">
-                  <adec:decorative xmlns:adec="http://schemas.microsoft.com/office/drawing/2017/decorative" val="1"/>
+                  <adec:decorative xmlns:adec="http://schemas.microsoft.com/office/drawing/2017/decorative" xmlns="" val="1"/>
                 </a:ext>
               </a:extLst>
             </p:cNvPr>
@@ -13987,7 +13987,7 @@
             <p:nvPr>
               <p:extLst>
                 <p:ext uri="{386F3935-93C4-4BCD-93E2-E3B085C9AB24}">
-                  <p16:designElem xmlns:p16="http://schemas.microsoft.com/office/powerpoint/2015/main" val="1"/>
+                  <p16:designElem xmlns:p16="http://schemas.microsoft.com/office/powerpoint/2015/main" xmlns="" val="1"/>
                 </p:ext>
               </p:extLst>
             </p:nvPr>
@@ -14028,10 +14028,10 @@
             <p:cNvPr id="11" name="Rectangle 23">
               <a:extLst>
                 <a:ext uri="{FF2B5EF4-FFF2-40B4-BE49-F238E27FC236}">
-                  <a16:creationId xmlns:a16="http://schemas.microsoft.com/office/drawing/2014/main" id="{0B30FF97-2E9A-490A-AED2-90BA2E0EC17F}"/>
+                  <a16:creationId xmlns:a16="http://schemas.microsoft.com/office/drawing/2014/main" xmlns="" id="{0B30FF97-2E9A-490A-AED2-90BA2E0EC17F}"/>
                 </a:ext>
                 <a:ext uri="{C183D7F6-B498-43B3-948B-1728B52AA6E4}">
-                  <adec:decorative xmlns:adec="http://schemas.microsoft.com/office/drawing/2017/decorative" val="1"/>
+                  <adec:decorative xmlns:adec="http://schemas.microsoft.com/office/drawing/2017/decorative" xmlns="" val="1"/>
                 </a:ext>
               </a:extLst>
             </p:cNvPr>
@@ -14039,7 +14039,7 @@
             <p:nvPr>
               <p:extLst>
                 <p:ext uri="{386F3935-93C4-4BCD-93E2-E3B085C9AB24}">
-                  <p16:designElem xmlns:p16="http://schemas.microsoft.com/office/powerpoint/2015/main" val="1"/>
+                  <p16:designElem xmlns:p16="http://schemas.microsoft.com/office/powerpoint/2015/main" xmlns="" val="1"/>
                 </p:ext>
               </p:extLst>
             </p:nvPr>
@@ -14106,10 +14106,10 @@
             <p:cNvPr id="12" name="Rectangle 25">
               <a:extLst>
                 <a:ext uri="{FF2B5EF4-FFF2-40B4-BE49-F238E27FC236}">
-                  <a16:creationId xmlns:a16="http://schemas.microsoft.com/office/drawing/2014/main" id="{B6D53C7D-A312-47B6-A66A-230A19CFACA6}"/>
+                  <a16:creationId xmlns:a16="http://schemas.microsoft.com/office/drawing/2014/main" xmlns="" id="{B6D53C7D-A312-47B6-A66A-230A19CFACA6}"/>
                 </a:ext>
                 <a:ext uri="{C183D7F6-B498-43B3-948B-1728B52AA6E4}">
-                  <adec:decorative xmlns:adec="http://schemas.microsoft.com/office/drawing/2017/decorative" val="1"/>
+                  <adec:decorative xmlns:adec="http://schemas.microsoft.com/office/drawing/2017/decorative" xmlns="" val="1"/>
                 </a:ext>
               </a:extLst>
             </p:cNvPr>
@@ -14117,7 +14117,7 @@
             <p:nvPr>
               <p:extLst>
                 <p:ext uri="{386F3935-93C4-4BCD-93E2-E3B085C9AB24}">
-                  <p16:designElem xmlns:p16="http://schemas.microsoft.com/office/powerpoint/2015/main" val="1"/>
+                  <p16:designElem xmlns:p16="http://schemas.microsoft.com/office/powerpoint/2015/main" xmlns="" val="1"/>
                 </p:ext>
               </p:extLst>
             </p:nvPr>
@@ -14184,10 +14184,10 @@
             <p:cNvPr id="13" name="Isosceles Triangle 12">
               <a:extLst>
                 <a:ext uri="{FF2B5EF4-FFF2-40B4-BE49-F238E27FC236}">
-                  <a16:creationId xmlns:a16="http://schemas.microsoft.com/office/drawing/2014/main" id="{9329D58C-0D2E-4A2B-AD6A-9CEE506784A8}"/>
+                  <a16:creationId xmlns:a16="http://schemas.microsoft.com/office/drawing/2014/main" xmlns="" id="{9329D58C-0D2E-4A2B-AD6A-9CEE506784A8}"/>
                 </a:ext>
                 <a:ext uri="{C183D7F6-B498-43B3-948B-1728B52AA6E4}">
-                  <adec:decorative xmlns:adec="http://schemas.microsoft.com/office/drawing/2017/decorative" val="1"/>
+                  <adec:decorative xmlns:adec="http://schemas.microsoft.com/office/drawing/2017/decorative" xmlns="" val="1"/>
                 </a:ext>
               </a:extLst>
             </p:cNvPr>
@@ -14195,7 +14195,7 @@
             <p:nvPr>
               <p:extLst>
                 <p:ext uri="{386F3935-93C4-4BCD-93E2-E3B085C9AB24}">
-                  <p16:designElem xmlns:p16="http://schemas.microsoft.com/office/powerpoint/2015/main" val="1"/>
+                  <p16:designElem xmlns:p16="http://schemas.microsoft.com/office/powerpoint/2015/main" xmlns="" val="1"/>
                 </p:ext>
               </p:extLst>
             </p:nvPr>
@@ -14240,10 +14240,10 @@
             <p:cNvPr id="14" name="Rectangle 27">
               <a:extLst>
                 <a:ext uri="{FF2B5EF4-FFF2-40B4-BE49-F238E27FC236}">
-                  <a16:creationId xmlns:a16="http://schemas.microsoft.com/office/drawing/2014/main" id="{9D446EDE-C690-4461-8BF2-7634808FC8B4}"/>
+                  <a16:creationId xmlns:a16="http://schemas.microsoft.com/office/drawing/2014/main" xmlns="" id="{9D446EDE-C690-4461-8BF2-7634808FC8B4}"/>
                 </a:ext>
                 <a:ext uri="{C183D7F6-B498-43B3-948B-1728B52AA6E4}">
-                  <adec:decorative xmlns:adec="http://schemas.microsoft.com/office/drawing/2017/decorative" val="1"/>
+                  <adec:decorative xmlns:adec="http://schemas.microsoft.com/office/drawing/2017/decorative" xmlns="" val="1"/>
                 </a:ext>
               </a:extLst>
             </p:cNvPr>
@@ -14251,7 +14251,7 @@
             <p:nvPr>
               <p:extLst>
                 <p:ext uri="{386F3935-93C4-4BCD-93E2-E3B085C9AB24}">
-                  <p16:designElem xmlns:p16="http://schemas.microsoft.com/office/powerpoint/2015/main" val="1"/>
+                  <p16:designElem xmlns:p16="http://schemas.microsoft.com/office/powerpoint/2015/main" xmlns="" val="1"/>
                 </p:ext>
               </p:extLst>
             </p:nvPr>
@@ -14319,10 +14319,10 @@
             <p:cNvPr id="15" name="Rectangle 28">
               <a:extLst>
                 <a:ext uri="{FF2B5EF4-FFF2-40B4-BE49-F238E27FC236}">
-                  <a16:creationId xmlns:a16="http://schemas.microsoft.com/office/drawing/2014/main" id="{323F3D34-6531-4AD7-A8C6-195A090281A1}"/>
+                  <a16:creationId xmlns:a16="http://schemas.microsoft.com/office/drawing/2014/main" xmlns="" id="{323F3D34-6531-4AD7-A8C6-195A090281A1}"/>
                 </a:ext>
                 <a:ext uri="{C183D7F6-B498-43B3-948B-1728B52AA6E4}">
-                  <adec:decorative xmlns:adec="http://schemas.microsoft.com/office/drawing/2017/decorative" val="1"/>
+                  <adec:decorative xmlns:adec="http://schemas.microsoft.com/office/drawing/2017/decorative" xmlns="" val="1"/>
                 </a:ext>
               </a:extLst>
             </p:cNvPr>
@@ -14330,7 +14330,7 @@
             <p:nvPr>
               <p:extLst>
                 <p:ext uri="{386F3935-93C4-4BCD-93E2-E3B085C9AB24}">
-                  <p16:designElem xmlns:p16="http://schemas.microsoft.com/office/powerpoint/2015/main" val="1"/>
+                  <p16:designElem xmlns:p16="http://schemas.microsoft.com/office/powerpoint/2015/main" xmlns="" val="1"/>
                 </p:ext>
               </p:extLst>
             </p:nvPr>
@@ -14399,10 +14399,10 @@
             <p:cNvPr id="16" name="Rectangle 29">
               <a:extLst>
                 <a:ext uri="{FF2B5EF4-FFF2-40B4-BE49-F238E27FC236}">
-                  <a16:creationId xmlns:a16="http://schemas.microsoft.com/office/drawing/2014/main" id="{B9B0AE3F-2350-435F-A9B0-C310BF876385}"/>
+                  <a16:creationId xmlns:a16="http://schemas.microsoft.com/office/drawing/2014/main" xmlns="" id="{B9B0AE3F-2350-435F-A9B0-C310BF876385}"/>
                 </a:ext>
                 <a:ext uri="{C183D7F6-B498-43B3-948B-1728B52AA6E4}">
-                  <adec:decorative xmlns:adec="http://schemas.microsoft.com/office/drawing/2017/decorative" val="1"/>
+                  <adec:decorative xmlns:adec="http://schemas.microsoft.com/office/drawing/2017/decorative" xmlns="" val="1"/>
                 </a:ext>
               </a:extLst>
             </p:cNvPr>
@@ -14410,7 +14410,7 @@
             <p:nvPr>
               <p:extLst>
                 <p:ext uri="{386F3935-93C4-4BCD-93E2-E3B085C9AB24}">
-                  <p16:designElem xmlns:p16="http://schemas.microsoft.com/office/powerpoint/2015/main" val="1"/>
+                  <p16:designElem xmlns:p16="http://schemas.microsoft.com/office/powerpoint/2015/main" xmlns="" val="1"/>
                 </p:ext>
               </p:extLst>
             </p:nvPr>
@@ -14477,10 +14477,10 @@
             <p:cNvPr id="17" name="Isosceles Triangle 16">
               <a:extLst>
                 <a:ext uri="{FF2B5EF4-FFF2-40B4-BE49-F238E27FC236}">
-                  <a16:creationId xmlns:a16="http://schemas.microsoft.com/office/drawing/2014/main" id="{4EFA655C-9E50-4C14-A89E-AD7B648E4E2B}"/>
+                  <a16:creationId xmlns:a16="http://schemas.microsoft.com/office/drawing/2014/main" xmlns="" id="{4EFA655C-9E50-4C14-A89E-AD7B648E4E2B}"/>
                 </a:ext>
                 <a:ext uri="{C183D7F6-B498-43B3-948B-1728B52AA6E4}">
-                  <adec:decorative xmlns:adec="http://schemas.microsoft.com/office/drawing/2017/decorative" val="1"/>
+                  <adec:decorative xmlns:adec="http://schemas.microsoft.com/office/drawing/2017/decorative" xmlns="" val="1"/>
                 </a:ext>
               </a:extLst>
             </p:cNvPr>
@@ -14488,7 +14488,7 @@
             <p:nvPr>
               <p:extLst>
                 <p:ext uri="{386F3935-93C4-4BCD-93E2-E3B085C9AB24}">
-                  <p16:designElem xmlns:p16="http://schemas.microsoft.com/office/powerpoint/2015/main" val="1"/>
+                  <p16:designElem xmlns:p16="http://schemas.microsoft.com/office/powerpoint/2015/main" xmlns="" val="1"/>
                 </p:ext>
               </p:extLst>
             </p:nvPr>
@@ -14533,10 +14533,10 @@
             <p:cNvPr id="18" name="Isosceles Triangle 17">
               <a:extLst>
                 <a:ext uri="{FF2B5EF4-FFF2-40B4-BE49-F238E27FC236}">
-                  <a16:creationId xmlns:a16="http://schemas.microsoft.com/office/drawing/2014/main" id="{3E843863-7D25-4C01-9A17-E817CB6D998A}"/>
+                  <a16:creationId xmlns:a16="http://schemas.microsoft.com/office/drawing/2014/main" xmlns="" id="{3E843863-7D25-4C01-9A17-E817CB6D998A}"/>
                 </a:ext>
                 <a:ext uri="{C183D7F6-B498-43B3-948B-1728B52AA6E4}">
-                  <adec:decorative xmlns:adec="http://schemas.microsoft.com/office/drawing/2017/decorative" val="1"/>
+                  <adec:decorative xmlns:adec="http://schemas.microsoft.com/office/drawing/2017/decorative" xmlns="" val="1"/>
                 </a:ext>
               </a:extLst>
             </p:cNvPr>
@@ -14544,7 +14544,7 @@
             <p:nvPr>
               <p:extLst>
                 <p:ext uri="{386F3935-93C4-4BCD-93E2-E3B085C9AB24}">
-                  <p16:designElem xmlns:p16="http://schemas.microsoft.com/office/powerpoint/2015/main" val="1"/>
+                  <p16:designElem xmlns:p16="http://schemas.microsoft.com/office/powerpoint/2015/main" xmlns="" val="1"/>
                 </p:ext>
               </p:extLst>
             </p:nvPr>
@@ -14590,10 +14590,10 @@
           <p:cNvPr id="20" name="Rectangle 19">
             <a:extLst>
               <a:ext uri="{FF2B5EF4-FFF2-40B4-BE49-F238E27FC236}">
-                <a16:creationId xmlns:a16="http://schemas.microsoft.com/office/drawing/2014/main" id="{7941F9B1-B01B-4A84-89D9-B169AEB4E456}"/>
+                <a16:creationId xmlns:a16="http://schemas.microsoft.com/office/drawing/2014/main" xmlns="" id="{7941F9B1-B01B-4A84-89D9-B169AEB4E456}"/>
               </a:ext>
               <a:ext uri="{C183D7F6-B498-43B3-948B-1728B52AA6E4}">
-                <adec:decorative xmlns:adec="http://schemas.microsoft.com/office/drawing/2017/decorative" val="1"/>
+                <adec:decorative xmlns:adec="http://schemas.microsoft.com/office/drawing/2017/decorative" xmlns="" val="1"/>
               </a:ext>
             </a:extLst>
           </p:cNvPr>
@@ -14603,7 +14603,7 @@
           <p:nvPr>
             <p:extLst>
               <p:ext uri="{386F3935-93C4-4BCD-93E2-E3B085C9AB24}">
-                <p16:designElem xmlns:p16="http://schemas.microsoft.com/office/powerpoint/2015/main" val="1"/>
+                <p16:designElem xmlns:p16="http://schemas.microsoft.com/office/powerpoint/2015/main" xmlns="" val="1"/>
               </p:ext>
             </p:extLst>
           </p:nvPr>
@@ -14660,7 +14660,7 @@
           <p:cNvPr id="2" name="slide7">
             <a:extLst>
               <a:ext uri="{FF2B5EF4-FFF2-40B4-BE49-F238E27FC236}">
-                <a16:creationId xmlns:a16="http://schemas.microsoft.com/office/drawing/2014/main" id="{32FA218C-9DCC-4749-AE77-6B7422F4D2E4}"/>
+                <a16:creationId xmlns:a16="http://schemas.microsoft.com/office/drawing/2014/main" xmlns="" id="{32FA218C-9DCC-4749-AE77-6B7422F4D2E4}"/>
               </a:ext>
             </a:extLst>
           </p:cNvPr>
@@ -14726,7 +14726,7 @@
           <p:cNvPr id="2" name="slide12">
             <a:extLst>
               <a:ext uri="{FF2B5EF4-FFF2-40B4-BE49-F238E27FC236}">
-                <a16:creationId xmlns:a16="http://schemas.microsoft.com/office/drawing/2014/main" id="{182788E9-656A-4F10-9AA0-9542414F6BC9}"/>
+                <a16:creationId xmlns:a16="http://schemas.microsoft.com/office/drawing/2014/main" xmlns="" id="{182788E9-656A-4F10-9AA0-9542414F6BC9}"/>
               </a:ext>
             </a:extLst>
           </p:cNvPr>
@@ -14762,7 +14762,7 @@
           <p:cNvPr id="3" name="slide13">
             <a:extLst>
               <a:ext uri="{FF2B5EF4-FFF2-40B4-BE49-F238E27FC236}">
-                <a16:creationId xmlns:a16="http://schemas.microsoft.com/office/drawing/2014/main" id="{BD5FCEEC-5BC0-4443-BB76-C818E5150BCA}"/>
+                <a16:creationId xmlns:a16="http://schemas.microsoft.com/office/drawing/2014/main" xmlns="" id="{BD5FCEEC-5BC0-4443-BB76-C818E5150BCA}"/>
               </a:ext>
             </a:extLst>
           </p:cNvPr>
@@ -14836,7 +14836,7 @@
           <p:cNvPr id="4" name="slide17">
             <a:extLst>
               <a:ext uri="{FF2B5EF4-FFF2-40B4-BE49-F238E27FC236}">
-                <a16:creationId xmlns:a16="http://schemas.microsoft.com/office/drawing/2014/main" id="{A7CE866C-AA16-41F3-A929-534EA195EEC5}"/>
+                <a16:creationId xmlns:a16="http://schemas.microsoft.com/office/drawing/2014/main" xmlns="" id="{A7CE866C-AA16-41F3-A929-534EA195EEC5}"/>
               </a:ext>
             </a:extLst>
           </p:cNvPr>
@@ -14846,7 +14846,7 @@
           <p:nvPr/>
         </p:nvPicPr>
         <p:blipFill>
-          <a:blip r:embed="rId2">
+          <a:blip r:embed="rId2" cstate="print">
             <a:extLst>
               <a:ext uri="{28A0092B-C50C-407E-A947-70E740481C1C}">
                 <a14:useLocalDpi xmlns:a14="http://schemas.microsoft.com/office/drawing/2010/main" val="0"/>
@@ -14872,10 +14872,10 @@
           <p:cNvPr id="23" name="Rectangle 22">
             <a:extLst>
               <a:ext uri="{FF2B5EF4-FFF2-40B4-BE49-F238E27FC236}">
-                <a16:creationId xmlns:a16="http://schemas.microsoft.com/office/drawing/2014/main" id="{E3B4FF89-C45F-4E24-B963-61E855708F2A}"/>
+                <a16:creationId xmlns:a16="http://schemas.microsoft.com/office/drawing/2014/main" xmlns="" id="{E3B4FF89-C45F-4E24-B963-61E855708F2A}"/>
               </a:ext>
               <a:ext uri="{C183D7F6-B498-43B3-948B-1728B52AA6E4}">
-                <adec:decorative xmlns:adec="http://schemas.microsoft.com/office/drawing/2017/decorative" val="1"/>
+                <adec:decorative xmlns:adec="http://schemas.microsoft.com/office/drawing/2017/decorative" xmlns="" val="1"/>
               </a:ext>
             </a:extLst>
           </p:cNvPr>
@@ -14885,7 +14885,7 @@
           <p:nvPr>
             <p:extLst>
               <p:ext uri="{386F3935-93C4-4BCD-93E2-E3B085C9AB24}">
-                <p16:designElem xmlns:p16="http://schemas.microsoft.com/office/powerpoint/2015/main" val="1"/>
+                <p16:designElem xmlns:p16="http://schemas.microsoft.com/office/powerpoint/2015/main" xmlns="" val="1"/>
               </p:ext>
             </p:extLst>
           </p:nvPr>
@@ -14938,7 +14938,7 @@
           <p:cNvPr id="18" name="slide18">
             <a:extLst>
               <a:ext uri="{FF2B5EF4-FFF2-40B4-BE49-F238E27FC236}">
-                <a16:creationId xmlns:a16="http://schemas.microsoft.com/office/drawing/2014/main" id="{CDE01BE3-72CA-4DA3-8D2A-2D277FB5BC72}"/>
+                <a16:creationId xmlns:a16="http://schemas.microsoft.com/office/drawing/2014/main" xmlns="" id="{CDE01BE3-72CA-4DA3-8D2A-2D277FB5BC72}"/>
               </a:ext>
             </a:extLst>
           </p:cNvPr>
@@ -14948,7 +14948,7 @@
           <p:nvPr/>
         </p:nvPicPr>
         <p:blipFill>
-          <a:blip r:embed="rId3">
+          <a:blip r:embed="rId3" cstate="print">
             <a:extLst>
               <a:ext uri="{28A0092B-C50C-407E-A947-70E740481C1C}">
                 <a14:useLocalDpi xmlns:a14="http://schemas.microsoft.com/office/drawing/2010/main" val="0"/>
@@ -14974,10 +14974,10 @@
           <p:cNvPr id="25" name="Rectangle 24">
             <a:extLst>
               <a:ext uri="{FF2B5EF4-FFF2-40B4-BE49-F238E27FC236}">
-                <a16:creationId xmlns:a16="http://schemas.microsoft.com/office/drawing/2014/main" id="{14F25C03-EF67-4344-8AEA-7B3FA0DED024}"/>
+                <a16:creationId xmlns:a16="http://schemas.microsoft.com/office/drawing/2014/main" xmlns="" id="{14F25C03-EF67-4344-8AEA-7B3FA0DED024}"/>
               </a:ext>
               <a:ext uri="{C183D7F6-B498-43B3-948B-1728B52AA6E4}">
-                <adec:decorative xmlns:adec="http://schemas.microsoft.com/office/drawing/2017/decorative" val="1"/>
+                <adec:decorative xmlns:adec="http://schemas.microsoft.com/office/drawing/2017/decorative" xmlns="" val="1"/>
               </a:ext>
             </a:extLst>
           </p:cNvPr>
@@ -14987,7 +14987,7 @@
           <p:nvPr>
             <p:extLst>
               <p:ext uri="{386F3935-93C4-4BCD-93E2-E3B085C9AB24}">
-                <p16:designElem xmlns:p16="http://schemas.microsoft.com/office/powerpoint/2015/main" val="1"/>
+                <p16:designElem xmlns:p16="http://schemas.microsoft.com/office/powerpoint/2015/main" xmlns="" val="1"/>
               </p:ext>
             </p:extLst>
           </p:nvPr>
@@ -15040,7 +15040,7 @@
           <p:cNvPr id="5" name="slide14">
             <a:extLst>
               <a:ext uri="{FF2B5EF4-FFF2-40B4-BE49-F238E27FC236}">
-                <a16:creationId xmlns:a16="http://schemas.microsoft.com/office/drawing/2014/main" id="{65CBC0E9-7F65-4EA2-B5D9-780087582710}"/>
+                <a16:creationId xmlns:a16="http://schemas.microsoft.com/office/drawing/2014/main" xmlns="" id="{65CBC0E9-7F65-4EA2-B5D9-780087582710}"/>
               </a:ext>
             </a:extLst>
           </p:cNvPr>
@@ -15050,7 +15050,7 @@
           <p:nvPr/>
         </p:nvPicPr>
         <p:blipFill>
-          <a:blip r:embed="rId4">
+          <a:blip r:embed="rId4" cstate="print">
             <a:extLst>
               <a:ext uri="{28A0092B-C50C-407E-A947-70E740481C1C}">
                 <a14:useLocalDpi xmlns:a14="http://schemas.microsoft.com/office/drawing/2010/main" val="0"/>
@@ -15076,10 +15076,10 @@
           <p:cNvPr id="27" name="Rectangle 26">
             <a:extLst>
               <a:ext uri="{FF2B5EF4-FFF2-40B4-BE49-F238E27FC236}">
-                <a16:creationId xmlns:a16="http://schemas.microsoft.com/office/drawing/2014/main" id="{F74793DE-3651-410B-B243-8F0B1468E6A4}"/>
+                <a16:creationId xmlns:a16="http://schemas.microsoft.com/office/drawing/2014/main" xmlns="" id="{F74793DE-3651-410B-B243-8F0B1468E6A4}"/>
               </a:ext>
               <a:ext uri="{C183D7F6-B498-43B3-948B-1728B52AA6E4}">
-                <adec:decorative xmlns:adec="http://schemas.microsoft.com/office/drawing/2017/decorative" val="1"/>
+                <adec:decorative xmlns:adec="http://schemas.microsoft.com/office/drawing/2017/decorative" xmlns="" val="1"/>
               </a:ext>
             </a:extLst>
           </p:cNvPr>
@@ -15089,7 +15089,7 @@
           <p:nvPr>
             <p:extLst>
               <p:ext uri="{386F3935-93C4-4BCD-93E2-E3B085C9AB24}">
-                <p16:designElem xmlns:p16="http://schemas.microsoft.com/office/powerpoint/2015/main" val="1"/>
+                <p16:designElem xmlns:p16="http://schemas.microsoft.com/office/powerpoint/2015/main" xmlns="" val="1"/>
               </p:ext>
             </p:extLst>
           </p:nvPr>
@@ -15142,7 +15142,7 @@
           <p:cNvPr id="6" name="slide15">
             <a:extLst>
               <a:ext uri="{FF2B5EF4-FFF2-40B4-BE49-F238E27FC236}">
-                <a16:creationId xmlns:a16="http://schemas.microsoft.com/office/drawing/2014/main" id="{27FFCC14-00B1-4992-8208-5E3A6F94FCE1}"/>
+                <a16:creationId xmlns:a16="http://schemas.microsoft.com/office/drawing/2014/main" xmlns="" id="{27FFCC14-00B1-4992-8208-5E3A6F94FCE1}"/>
               </a:ext>
             </a:extLst>
           </p:cNvPr>
@@ -15152,7 +15152,7 @@
           <p:nvPr/>
         </p:nvPicPr>
         <p:blipFill>
-          <a:blip r:embed="rId5">
+          <a:blip r:embed="rId5" cstate="print">
             <a:extLst>
               <a:ext uri="{28A0092B-C50C-407E-A947-70E740481C1C}">
                 <a14:useLocalDpi xmlns:a14="http://schemas.microsoft.com/office/drawing/2010/main" val="0"/>
@@ -15178,7 +15178,7 @@
           <p:cNvPr id="3" name="slide16">
             <a:extLst>
               <a:ext uri="{FF2B5EF4-FFF2-40B4-BE49-F238E27FC236}">
-                <a16:creationId xmlns:a16="http://schemas.microsoft.com/office/drawing/2014/main" id="{B0269140-4735-46C2-9544-928A9A9AA4A7}"/>
+                <a16:creationId xmlns:a16="http://schemas.microsoft.com/office/drawing/2014/main" xmlns="" id="{B0269140-4735-46C2-9544-928A9A9AA4A7}"/>
               </a:ext>
             </a:extLst>
           </p:cNvPr>
@@ -15188,7 +15188,7 @@
           <p:nvPr/>
         </p:nvPicPr>
         <p:blipFill>
-          <a:blip r:embed="rId6">
+          <a:blip r:embed="rId6" cstate="print">
             <a:extLst>
               <a:ext uri="{28A0092B-C50C-407E-A947-70E740481C1C}">
                 <a14:useLocalDpi xmlns:a14="http://schemas.microsoft.com/office/drawing/2010/main" val="0"/>
@@ -15214,7 +15214,7 @@
           <p:cNvPr id="7" name="slide13">
             <a:extLst>
               <a:ext uri="{FF2B5EF4-FFF2-40B4-BE49-F238E27FC236}">
-                <a16:creationId xmlns:a16="http://schemas.microsoft.com/office/drawing/2014/main" id="{B35B683C-C529-4100-B043-1BF7416E3B9E}"/>
+                <a16:creationId xmlns:a16="http://schemas.microsoft.com/office/drawing/2014/main" xmlns="" id="{B35B683C-C529-4100-B043-1BF7416E3B9E}"/>
               </a:ext>
             </a:extLst>
           </p:cNvPr>
@@ -15224,7 +15224,7 @@
           <p:nvPr/>
         </p:nvPicPr>
         <p:blipFill>
-          <a:blip r:embed="rId7">
+          <a:blip r:embed="rId7" cstate="print">
             <a:extLst>
               <a:ext uri="{28A0092B-C50C-407E-A947-70E740481C1C}">
                 <a14:useLocalDpi xmlns:a14="http://schemas.microsoft.com/office/drawing/2010/main" val="0"/>
@@ -15288,10 +15288,10 @@
           <p:cNvPr id="7" name="Rectangle 6">
             <a:extLst>
               <a:ext uri="{FF2B5EF4-FFF2-40B4-BE49-F238E27FC236}">
-                <a16:creationId xmlns:a16="http://schemas.microsoft.com/office/drawing/2014/main" id="{03E8462A-FEBA-4848-81CC-3F8DA3E477BE}"/>
+                <a16:creationId xmlns:a16="http://schemas.microsoft.com/office/drawing/2014/main" xmlns="" id="{03E8462A-FEBA-4848-81CC-3F8DA3E477BE}"/>
               </a:ext>
               <a:ext uri="{C183D7F6-B498-43B3-948B-1728B52AA6E4}">
-                <adec:decorative xmlns:adec="http://schemas.microsoft.com/office/drawing/2017/decorative" val="1"/>
+                <adec:decorative xmlns:adec="http://schemas.microsoft.com/office/drawing/2017/decorative" xmlns="" val="1"/>
               </a:ext>
             </a:extLst>
           </p:cNvPr>
@@ -15301,7 +15301,7 @@
           <p:nvPr>
             <p:extLst>
               <p:ext uri="{386F3935-93C4-4BCD-93E2-E3B085C9AB24}">
-                <p16:designElem xmlns:p16="http://schemas.microsoft.com/office/powerpoint/2015/main" val="1"/>
+                <p16:designElem xmlns:p16="http://schemas.microsoft.com/office/powerpoint/2015/main" xmlns="" val="1"/>
               </p:ext>
             </p:extLst>
           </p:nvPr>
@@ -15351,10 +15351,10 @@
           <p:cNvPr id="9" name="Group 8">
             <a:extLst>
               <a:ext uri="{FF2B5EF4-FFF2-40B4-BE49-F238E27FC236}">
-                <a16:creationId xmlns:a16="http://schemas.microsoft.com/office/drawing/2014/main" id="{2109F83F-40FE-4DB3-84CC-09FB3340D06D}"/>
+                <a16:creationId xmlns:a16="http://schemas.microsoft.com/office/drawing/2014/main" xmlns="" id="{2109F83F-40FE-4DB3-84CC-09FB3340D06D}"/>
               </a:ext>
               <a:ext uri="{C183D7F6-B498-43B3-948B-1728B52AA6E4}">
-                <adec:decorative xmlns:adec="http://schemas.microsoft.com/office/drawing/2017/decorative" val="1"/>
+                <adec:decorative xmlns:adec="http://schemas.microsoft.com/office/drawing/2017/decorative" xmlns="" val="1"/>
               </a:ext>
             </a:extLst>
           </p:cNvPr>
@@ -15364,7 +15364,7 @@
           <p:nvPr>
             <p:extLst>
               <p:ext uri="{386F3935-93C4-4BCD-93E2-E3B085C9AB24}">
-                <p16:designElem xmlns:p16="http://schemas.microsoft.com/office/powerpoint/2015/main" val="1"/>
+                <p16:designElem xmlns:p16="http://schemas.microsoft.com/office/powerpoint/2015/main" xmlns="" val="1"/>
               </p:ext>
             </p:extLst>
           </p:nvPr>
@@ -15382,10 +15382,10 @@
             <p:cNvPr id="10" name="Straight Connector 9">
               <a:extLst>
                 <a:ext uri="{FF2B5EF4-FFF2-40B4-BE49-F238E27FC236}">
-                  <a16:creationId xmlns:a16="http://schemas.microsoft.com/office/drawing/2014/main" id="{1DE492D7-C3C3-48FF-80C8-37021EA0262F}"/>
+                  <a16:creationId xmlns:a16="http://schemas.microsoft.com/office/drawing/2014/main" xmlns="" id="{1DE492D7-C3C3-48FF-80C8-37021EA0262F}"/>
                 </a:ext>
                 <a:ext uri="{C183D7F6-B498-43B3-948B-1728B52AA6E4}">
-                  <adec:decorative xmlns:adec="http://schemas.microsoft.com/office/drawing/2017/decorative" val="1"/>
+                  <adec:decorative xmlns:adec="http://schemas.microsoft.com/office/drawing/2017/decorative" xmlns="" val="1"/>
                 </a:ext>
               </a:extLst>
             </p:cNvPr>
@@ -15393,7 +15393,7 @@
             <p:nvPr>
               <p:extLst>
                 <p:ext uri="{386F3935-93C4-4BCD-93E2-E3B085C9AB24}">
-                  <p16:designElem xmlns:p16="http://schemas.microsoft.com/office/powerpoint/2015/main" val="1"/>
+                  <p16:designElem xmlns:p16="http://schemas.microsoft.com/office/powerpoint/2015/main" xmlns="" val="1"/>
                 </p:ext>
               </p:extLst>
             </p:nvPr>
@@ -15434,10 +15434,10 @@
             <p:cNvPr id="11" name="Rectangle 23">
               <a:extLst>
                 <a:ext uri="{FF2B5EF4-FFF2-40B4-BE49-F238E27FC236}">
-                  <a16:creationId xmlns:a16="http://schemas.microsoft.com/office/drawing/2014/main" id="{0B30FF97-2E9A-490A-AED2-90BA2E0EC17F}"/>
+                  <a16:creationId xmlns:a16="http://schemas.microsoft.com/office/drawing/2014/main" xmlns="" id="{0B30FF97-2E9A-490A-AED2-90BA2E0EC17F}"/>
                 </a:ext>
                 <a:ext uri="{C183D7F6-B498-43B3-948B-1728B52AA6E4}">
-                  <adec:decorative xmlns:adec="http://schemas.microsoft.com/office/drawing/2017/decorative" val="1"/>
+                  <adec:decorative xmlns:adec="http://schemas.microsoft.com/office/drawing/2017/decorative" xmlns="" val="1"/>
                 </a:ext>
               </a:extLst>
             </p:cNvPr>
@@ -15445,7 +15445,7 @@
             <p:nvPr>
               <p:extLst>
                 <p:ext uri="{386F3935-93C4-4BCD-93E2-E3B085C9AB24}">
-                  <p16:designElem xmlns:p16="http://schemas.microsoft.com/office/powerpoint/2015/main" val="1"/>
+                  <p16:designElem xmlns:p16="http://schemas.microsoft.com/office/powerpoint/2015/main" xmlns="" val="1"/>
                 </p:ext>
               </p:extLst>
             </p:nvPr>
@@ -15512,10 +15512,10 @@
             <p:cNvPr id="12" name="Rectangle 25">
               <a:extLst>
                 <a:ext uri="{FF2B5EF4-FFF2-40B4-BE49-F238E27FC236}">
-                  <a16:creationId xmlns:a16="http://schemas.microsoft.com/office/drawing/2014/main" id="{B6D53C7D-A312-47B6-A66A-230A19CFACA6}"/>
+                  <a16:creationId xmlns:a16="http://schemas.microsoft.com/office/drawing/2014/main" xmlns="" id="{B6D53C7D-A312-47B6-A66A-230A19CFACA6}"/>
                 </a:ext>
                 <a:ext uri="{C183D7F6-B498-43B3-948B-1728B52AA6E4}">
-                  <adec:decorative xmlns:adec="http://schemas.microsoft.com/office/drawing/2017/decorative" val="1"/>
+                  <adec:decorative xmlns:adec="http://schemas.microsoft.com/office/drawing/2017/decorative" xmlns="" val="1"/>
                 </a:ext>
               </a:extLst>
             </p:cNvPr>
@@ -15523,7 +15523,7 @@
             <p:nvPr>
               <p:extLst>
                 <p:ext uri="{386F3935-93C4-4BCD-93E2-E3B085C9AB24}">
-                  <p16:designElem xmlns:p16="http://schemas.microsoft.com/office/powerpoint/2015/main" val="1"/>
+                  <p16:designElem xmlns:p16="http://schemas.microsoft.com/office/powerpoint/2015/main" xmlns="" val="1"/>
                 </p:ext>
               </p:extLst>
             </p:nvPr>
@@ -15590,10 +15590,10 @@
             <p:cNvPr id="13" name="Isosceles Triangle 12">
               <a:extLst>
                 <a:ext uri="{FF2B5EF4-FFF2-40B4-BE49-F238E27FC236}">
-                  <a16:creationId xmlns:a16="http://schemas.microsoft.com/office/drawing/2014/main" id="{9329D58C-0D2E-4A2B-AD6A-9CEE506784A8}"/>
+                  <a16:creationId xmlns:a16="http://schemas.microsoft.com/office/drawing/2014/main" xmlns="" id="{9329D58C-0D2E-4A2B-AD6A-9CEE506784A8}"/>
                 </a:ext>
                 <a:ext uri="{C183D7F6-B498-43B3-948B-1728B52AA6E4}">
-                  <adec:decorative xmlns:adec="http://schemas.microsoft.com/office/drawing/2017/decorative" val="1"/>
+                  <adec:decorative xmlns:adec="http://schemas.microsoft.com/office/drawing/2017/decorative" xmlns="" val="1"/>
                 </a:ext>
               </a:extLst>
             </p:cNvPr>
@@ -15601,7 +15601,7 @@
             <p:nvPr>
               <p:extLst>
                 <p:ext uri="{386F3935-93C4-4BCD-93E2-E3B085C9AB24}">
-                  <p16:designElem xmlns:p16="http://schemas.microsoft.com/office/powerpoint/2015/main" val="1"/>
+                  <p16:designElem xmlns:p16="http://schemas.microsoft.com/office/powerpoint/2015/main" xmlns="" val="1"/>
                 </p:ext>
               </p:extLst>
             </p:nvPr>
@@ -15646,10 +15646,10 @@
             <p:cNvPr id="14" name="Rectangle 27">
               <a:extLst>
                 <a:ext uri="{FF2B5EF4-FFF2-40B4-BE49-F238E27FC236}">
-                  <a16:creationId xmlns:a16="http://schemas.microsoft.com/office/drawing/2014/main" id="{9D446EDE-C690-4461-8BF2-7634808FC8B4}"/>
+                  <a16:creationId xmlns:a16="http://schemas.microsoft.com/office/drawing/2014/main" xmlns="" id="{9D446EDE-C690-4461-8BF2-7634808FC8B4}"/>
                 </a:ext>
                 <a:ext uri="{C183D7F6-B498-43B3-948B-1728B52AA6E4}">
-                  <adec:decorative xmlns:adec="http://schemas.microsoft.com/office/drawing/2017/decorative" val="1"/>
+                  <adec:decorative xmlns:adec="http://schemas.microsoft.com/office/drawing/2017/decorative" xmlns="" val="1"/>
                 </a:ext>
               </a:extLst>
             </p:cNvPr>
@@ -15657,7 +15657,7 @@
             <p:nvPr>
               <p:extLst>
                 <p:ext uri="{386F3935-93C4-4BCD-93E2-E3B085C9AB24}">
-                  <p16:designElem xmlns:p16="http://schemas.microsoft.com/office/powerpoint/2015/main" val="1"/>
+                  <p16:designElem xmlns:p16="http://schemas.microsoft.com/office/powerpoint/2015/main" xmlns="" val="1"/>
                 </p:ext>
               </p:extLst>
             </p:nvPr>
@@ -15725,10 +15725,10 @@
             <p:cNvPr id="15" name="Rectangle 28">
               <a:extLst>
                 <a:ext uri="{FF2B5EF4-FFF2-40B4-BE49-F238E27FC236}">
-                  <a16:creationId xmlns:a16="http://schemas.microsoft.com/office/drawing/2014/main" id="{323F3D34-6531-4AD7-A8C6-195A090281A1}"/>
+                  <a16:creationId xmlns:a16="http://schemas.microsoft.com/office/drawing/2014/main" xmlns="" id="{323F3D34-6531-4AD7-A8C6-195A090281A1}"/>
                 </a:ext>
                 <a:ext uri="{C183D7F6-B498-43B3-948B-1728B52AA6E4}">
-                  <adec:decorative xmlns:adec="http://schemas.microsoft.com/office/drawing/2017/decorative" val="1"/>
+                  <adec:decorative xmlns:adec="http://schemas.microsoft.com/office/drawing/2017/decorative" xmlns="" val="1"/>
                 </a:ext>
               </a:extLst>
             </p:cNvPr>
@@ -15736,7 +15736,7 @@
             <p:nvPr>
               <p:extLst>
                 <p:ext uri="{386F3935-93C4-4BCD-93E2-E3B085C9AB24}">
-                  <p16:designElem xmlns:p16="http://schemas.microsoft.com/office/powerpoint/2015/main" val="1"/>
+                  <p16:designElem xmlns:p16="http://schemas.microsoft.com/office/powerpoint/2015/main" xmlns="" val="1"/>
                 </p:ext>
               </p:extLst>
             </p:nvPr>
@@ -15805,10 +15805,10 @@
             <p:cNvPr id="16" name="Rectangle 29">
               <a:extLst>
                 <a:ext uri="{FF2B5EF4-FFF2-40B4-BE49-F238E27FC236}">
-                  <a16:creationId xmlns:a16="http://schemas.microsoft.com/office/drawing/2014/main" id="{B9B0AE3F-2350-435F-A9B0-C310BF876385}"/>
+                  <a16:creationId xmlns:a16="http://schemas.microsoft.com/office/drawing/2014/main" xmlns="" id="{B9B0AE3F-2350-435F-A9B0-C310BF876385}"/>
                 </a:ext>
                 <a:ext uri="{C183D7F6-B498-43B3-948B-1728B52AA6E4}">
-                  <adec:decorative xmlns:adec="http://schemas.microsoft.com/office/drawing/2017/decorative" val="1"/>
+                  <adec:decorative xmlns:adec="http://schemas.microsoft.com/office/drawing/2017/decorative" xmlns="" val="1"/>
                 </a:ext>
               </a:extLst>
             </p:cNvPr>
@@ -15816,7 +15816,7 @@
             <p:nvPr>
               <p:extLst>
                 <p:ext uri="{386F3935-93C4-4BCD-93E2-E3B085C9AB24}">
-                  <p16:designElem xmlns:p16="http://schemas.microsoft.com/office/powerpoint/2015/main" val="1"/>
+                  <p16:designElem xmlns:p16="http://schemas.microsoft.com/office/powerpoint/2015/main" xmlns="" val="1"/>
                 </p:ext>
               </p:extLst>
             </p:nvPr>
@@ -15883,10 +15883,10 @@
             <p:cNvPr id="17" name="Isosceles Triangle 16">
               <a:extLst>
                 <a:ext uri="{FF2B5EF4-FFF2-40B4-BE49-F238E27FC236}">
-                  <a16:creationId xmlns:a16="http://schemas.microsoft.com/office/drawing/2014/main" id="{4EFA655C-9E50-4C14-A89E-AD7B648E4E2B}"/>
+                  <a16:creationId xmlns:a16="http://schemas.microsoft.com/office/drawing/2014/main" xmlns="" id="{4EFA655C-9E50-4C14-A89E-AD7B648E4E2B}"/>
                 </a:ext>
                 <a:ext uri="{C183D7F6-B498-43B3-948B-1728B52AA6E4}">
-                  <adec:decorative xmlns:adec="http://schemas.microsoft.com/office/drawing/2017/decorative" val="1"/>
+                  <adec:decorative xmlns:adec="http://schemas.microsoft.com/office/drawing/2017/decorative" xmlns="" val="1"/>
                 </a:ext>
               </a:extLst>
             </p:cNvPr>
@@ -15894,7 +15894,7 @@
             <p:nvPr>
               <p:extLst>
                 <p:ext uri="{386F3935-93C4-4BCD-93E2-E3B085C9AB24}">
-                  <p16:designElem xmlns:p16="http://schemas.microsoft.com/office/powerpoint/2015/main" val="1"/>
+                  <p16:designElem xmlns:p16="http://schemas.microsoft.com/office/powerpoint/2015/main" xmlns="" val="1"/>
                 </p:ext>
               </p:extLst>
             </p:nvPr>
@@ -15939,10 +15939,10 @@
             <p:cNvPr id="18" name="Isosceles Triangle 17">
               <a:extLst>
                 <a:ext uri="{FF2B5EF4-FFF2-40B4-BE49-F238E27FC236}">
-                  <a16:creationId xmlns:a16="http://schemas.microsoft.com/office/drawing/2014/main" id="{3E843863-7D25-4C01-9A17-E817CB6D998A}"/>
+                  <a16:creationId xmlns:a16="http://schemas.microsoft.com/office/drawing/2014/main" xmlns="" id="{3E843863-7D25-4C01-9A17-E817CB6D998A}"/>
                 </a:ext>
                 <a:ext uri="{C183D7F6-B498-43B3-948B-1728B52AA6E4}">
-                  <adec:decorative xmlns:adec="http://schemas.microsoft.com/office/drawing/2017/decorative" val="1"/>
+                  <adec:decorative xmlns:adec="http://schemas.microsoft.com/office/drawing/2017/decorative" xmlns="" val="1"/>
                 </a:ext>
               </a:extLst>
             </p:cNvPr>
@@ -15950,7 +15950,7 @@
             <p:nvPr>
               <p:extLst>
                 <p:ext uri="{386F3935-93C4-4BCD-93E2-E3B085C9AB24}">
-                  <p16:designElem xmlns:p16="http://schemas.microsoft.com/office/powerpoint/2015/main" val="1"/>
+                  <p16:designElem xmlns:p16="http://schemas.microsoft.com/office/powerpoint/2015/main" xmlns="" val="1"/>
                 </p:ext>
               </p:extLst>
             </p:nvPr>
@@ -15996,10 +15996,10 @@
           <p:cNvPr id="20" name="Rectangle 19">
             <a:extLst>
               <a:ext uri="{FF2B5EF4-FFF2-40B4-BE49-F238E27FC236}">
-                <a16:creationId xmlns:a16="http://schemas.microsoft.com/office/drawing/2014/main" id="{7941F9B1-B01B-4A84-89D9-B169AEB4E456}"/>
+                <a16:creationId xmlns:a16="http://schemas.microsoft.com/office/drawing/2014/main" xmlns="" id="{7941F9B1-B01B-4A84-89D9-B169AEB4E456}"/>
               </a:ext>
               <a:ext uri="{C183D7F6-B498-43B3-948B-1728B52AA6E4}">
-                <adec:decorative xmlns:adec="http://schemas.microsoft.com/office/drawing/2017/decorative" val="1"/>
+                <adec:decorative xmlns:adec="http://schemas.microsoft.com/office/drawing/2017/decorative" xmlns="" val="1"/>
               </a:ext>
             </a:extLst>
           </p:cNvPr>
@@ -16009,7 +16009,7 @@
           <p:nvPr>
             <p:extLst>
               <p:ext uri="{386F3935-93C4-4BCD-93E2-E3B085C9AB24}">
-                <p16:designElem xmlns:p16="http://schemas.microsoft.com/office/powerpoint/2015/main" val="1"/>
+                <p16:designElem xmlns:p16="http://schemas.microsoft.com/office/powerpoint/2015/main" xmlns="" val="1"/>
               </p:ext>
             </p:extLst>
           </p:nvPr>
@@ -16066,7 +16066,7 @@
           <p:cNvPr id="2" name="slide11">
             <a:extLst>
               <a:ext uri="{FF2B5EF4-FFF2-40B4-BE49-F238E27FC236}">
-                <a16:creationId xmlns:a16="http://schemas.microsoft.com/office/drawing/2014/main" id="{86ADDBB0-D22B-4EEB-8C1C-06BD23ADD973}"/>
+                <a16:creationId xmlns:a16="http://schemas.microsoft.com/office/drawing/2014/main" xmlns="" id="{86ADDBB0-D22B-4EEB-8C1C-06BD23ADD973}"/>
               </a:ext>
             </a:extLst>
           </p:cNvPr>
@@ -16140,10 +16140,10 @@
           <p:cNvPr id="8" name="Rectangle 7">
             <a:extLst>
               <a:ext uri="{FF2B5EF4-FFF2-40B4-BE49-F238E27FC236}">
-                <a16:creationId xmlns:a16="http://schemas.microsoft.com/office/drawing/2014/main" id="{03E8462A-FEBA-4848-81CC-3F8DA3E477BE}"/>
+                <a16:creationId xmlns:a16="http://schemas.microsoft.com/office/drawing/2014/main" xmlns="" id="{03E8462A-FEBA-4848-81CC-3F8DA3E477BE}"/>
               </a:ext>
               <a:ext uri="{C183D7F6-B498-43B3-948B-1728B52AA6E4}">
-                <adec:decorative xmlns:adec="http://schemas.microsoft.com/office/drawing/2017/decorative" val="1"/>
+                <adec:decorative xmlns:adec="http://schemas.microsoft.com/office/drawing/2017/decorative" xmlns="" val="1"/>
               </a:ext>
             </a:extLst>
           </p:cNvPr>
@@ -16153,7 +16153,7 @@
           <p:nvPr>
             <p:extLst>
               <p:ext uri="{386F3935-93C4-4BCD-93E2-E3B085C9AB24}">
-                <p16:designElem xmlns:p16="http://schemas.microsoft.com/office/powerpoint/2015/main" val="1"/>
+                <p16:designElem xmlns:p16="http://schemas.microsoft.com/office/powerpoint/2015/main" xmlns="" val="1"/>
               </p:ext>
             </p:extLst>
           </p:nvPr>
@@ -16203,10 +16203,10 @@
           <p:cNvPr id="10" name="Group 9">
             <a:extLst>
               <a:ext uri="{FF2B5EF4-FFF2-40B4-BE49-F238E27FC236}">
-                <a16:creationId xmlns:a16="http://schemas.microsoft.com/office/drawing/2014/main" id="{2109F83F-40FE-4DB3-84CC-09FB3340D06D}"/>
+                <a16:creationId xmlns:a16="http://schemas.microsoft.com/office/drawing/2014/main" xmlns="" id="{2109F83F-40FE-4DB3-84CC-09FB3340D06D}"/>
               </a:ext>
               <a:ext uri="{C183D7F6-B498-43B3-948B-1728B52AA6E4}">
-                <adec:decorative xmlns:adec="http://schemas.microsoft.com/office/drawing/2017/decorative" val="1"/>
+                <adec:decorative xmlns:adec="http://schemas.microsoft.com/office/drawing/2017/decorative" xmlns="" val="1"/>
               </a:ext>
             </a:extLst>
           </p:cNvPr>
@@ -16216,7 +16216,7 @@
           <p:nvPr>
             <p:extLst>
               <p:ext uri="{386F3935-93C4-4BCD-93E2-E3B085C9AB24}">
-                <p16:designElem xmlns:p16="http://schemas.microsoft.com/office/powerpoint/2015/main" val="1"/>
+                <p16:designElem xmlns:p16="http://schemas.microsoft.com/office/powerpoint/2015/main" xmlns="" val="1"/>
               </p:ext>
             </p:extLst>
           </p:nvPr>
@@ -16234,10 +16234,10 @@
             <p:cNvPr id="11" name="Straight Connector 10">
               <a:extLst>
                 <a:ext uri="{FF2B5EF4-FFF2-40B4-BE49-F238E27FC236}">
-                  <a16:creationId xmlns:a16="http://schemas.microsoft.com/office/drawing/2014/main" id="{1DE492D7-C3C3-48FF-80C8-37021EA0262F}"/>
+                  <a16:creationId xmlns:a16="http://schemas.microsoft.com/office/drawing/2014/main" xmlns="" id="{1DE492D7-C3C3-48FF-80C8-37021EA0262F}"/>
                 </a:ext>
                 <a:ext uri="{C183D7F6-B498-43B3-948B-1728B52AA6E4}">
-                  <adec:decorative xmlns:adec="http://schemas.microsoft.com/office/drawing/2017/decorative" val="1"/>
+                  <adec:decorative xmlns:adec="http://schemas.microsoft.com/office/drawing/2017/decorative" xmlns="" val="1"/>
                 </a:ext>
               </a:extLst>
             </p:cNvPr>
@@ -16245,7 +16245,7 @@
             <p:nvPr>
               <p:extLst>
                 <p:ext uri="{386F3935-93C4-4BCD-93E2-E3B085C9AB24}">
-                  <p16:designElem xmlns:p16="http://schemas.microsoft.com/office/powerpoint/2015/main" val="1"/>
+                  <p16:designElem xmlns:p16="http://schemas.microsoft.com/office/powerpoint/2015/main" xmlns="" val="1"/>
                 </p:ext>
               </p:extLst>
             </p:nvPr>
@@ -16286,10 +16286,10 @@
             <p:cNvPr id="12" name="Rectangle 23">
               <a:extLst>
                 <a:ext uri="{FF2B5EF4-FFF2-40B4-BE49-F238E27FC236}">
-                  <a16:creationId xmlns:a16="http://schemas.microsoft.com/office/drawing/2014/main" id="{0B30FF97-2E9A-490A-AED2-90BA2E0EC17F}"/>
+                  <a16:creationId xmlns:a16="http://schemas.microsoft.com/office/drawing/2014/main" xmlns="" id="{0B30FF97-2E9A-490A-AED2-90BA2E0EC17F}"/>
                 </a:ext>
                 <a:ext uri="{C183D7F6-B498-43B3-948B-1728B52AA6E4}">
-                  <adec:decorative xmlns:adec="http://schemas.microsoft.com/office/drawing/2017/decorative" val="1"/>
+                  <adec:decorative xmlns:adec="http://schemas.microsoft.com/office/drawing/2017/decorative" xmlns="" val="1"/>
                 </a:ext>
               </a:extLst>
             </p:cNvPr>
@@ -16297,7 +16297,7 @@
             <p:nvPr>
               <p:extLst>
                 <p:ext uri="{386F3935-93C4-4BCD-93E2-E3B085C9AB24}">
-                  <p16:designElem xmlns:p16="http://schemas.microsoft.com/office/powerpoint/2015/main" val="1"/>
+                  <p16:designElem xmlns:p16="http://schemas.microsoft.com/office/powerpoint/2015/main" xmlns="" val="1"/>
                 </p:ext>
               </p:extLst>
             </p:nvPr>
@@ -16364,10 +16364,10 @@
             <p:cNvPr id="13" name="Rectangle 25">
               <a:extLst>
                 <a:ext uri="{FF2B5EF4-FFF2-40B4-BE49-F238E27FC236}">
-                  <a16:creationId xmlns:a16="http://schemas.microsoft.com/office/drawing/2014/main" id="{B6D53C7D-A312-47B6-A66A-230A19CFACA6}"/>
+                  <a16:creationId xmlns:a16="http://schemas.microsoft.com/office/drawing/2014/main" xmlns="" id="{B6D53C7D-A312-47B6-A66A-230A19CFACA6}"/>
                 </a:ext>
                 <a:ext uri="{C183D7F6-B498-43B3-948B-1728B52AA6E4}">
-                  <adec:decorative xmlns:adec="http://schemas.microsoft.com/office/drawing/2017/decorative" val="1"/>
+                  <adec:decorative xmlns:adec="http://schemas.microsoft.com/office/drawing/2017/decorative" xmlns="" val="1"/>
                 </a:ext>
               </a:extLst>
             </p:cNvPr>
@@ -16375,7 +16375,7 @@
             <p:nvPr>
               <p:extLst>
                 <p:ext uri="{386F3935-93C4-4BCD-93E2-E3B085C9AB24}">
-                  <p16:designElem xmlns:p16="http://schemas.microsoft.com/office/powerpoint/2015/main" val="1"/>
+                  <p16:designElem xmlns:p16="http://schemas.microsoft.com/office/powerpoint/2015/main" xmlns="" val="1"/>
                 </p:ext>
               </p:extLst>
             </p:nvPr>
@@ -16442,10 +16442,10 @@
             <p:cNvPr id="14" name="Isosceles Triangle 13">
               <a:extLst>
                 <a:ext uri="{FF2B5EF4-FFF2-40B4-BE49-F238E27FC236}">
-                  <a16:creationId xmlns:a16="http://schemas.microsoft.com/office/drawing/2014/main" id="{9329D58C-0D2E-4A2B-AD6A-9CEE506784A8}"/>
+                  <a16:creationId xmlns:a16="http://schemas.microsoft.com/office/drawing/2014/main" xmlns="" id="{9329D58C-0D2E-4A2B-AD6A-9CEE506784A8}"/>
                 </a:ext>
                 <a:ext uri="{C183D7F6-B498-43B3-948B-1728B52AA6E4}">
-                  <adec:decorative xmlns:adec="http://schemas.microsoft.com/office/drawing/2017/decorative" val="1"/>
+                  <adec:decorative xmlns:adec="http://schemas.microsoft.com/office/drawing/2017/decorative" xmlns="" val="1"/>
                 </a:ext>
               </a:extLst>
             </p:cNvPr>
@@ -16453,7 +16453,7 @@
             <p:nvPr>
               <p:extLst>
                 <p:ext uri="{386F3935-93C4-4BCD-93E2-E3B085C9AB24}">
-                  <p16:designElem xmlns:p16="http://schemas.microsoft.com/office/powerpoint/2015/main" val="1"/>
+                  <p16:designElem xmlns:p16="http://schemas.microsoft.com/office/powerpoint/2015/main" xmlns="" val="1"/>
                 </p:ext>
               </p:extLst>
             </p:nvPr>
@@ -16498,10 +16498,10 @@
             <p:cNvPr id="15" name="Rectangle 27">
               <a:extLst>
                 <a:ext uri="{FF2B5EF4-FFF2-40B4-BE49-F238E27FC236}">
-                  <a16:creationId xmlns:a16="http://schemas.microsoft.com/office/drawing/2014/main" id="{9D446EDE-C690-4461-8BF2-7634808FC8B4}"/>
+                  <a16:creationId xmlns:a16="http://schemas.microsoft.com/office/drawing/2014/main" xmlns="" id="{9D446EDE-C690-4461-8BF2-7634808FC8B4}"/>
                 </a:ext>
                 <a:ext uri="{C183D7F6-B498-43B3-948B-1728B52AA6E4}">
-                  <adec:decorative xmlns:adec="http://schemas.microsoft.com/office/drawing/2017/decorative" val="1"/>
+                  <adec:decorative xmlns:adec="http://schemas.microsoft.com/office/drawing/2017/decorative" xmlns="" val="1"/>
                 </a:ext>
               </a:extLst>
             </p:cNvPr>
@@ -16509,7 +16509,7 @@
             <p:nvPr>
               <p:extLst>
                 <p:ext uri="{386F3935-93C4-4BCD-93E2-E3B085C9AB24}">
-                  <p16:designElem xmlns:p16="http://schemas.microsoft.com/office/powerpoint/2015/main" val="1"/>
+                  <p16:designElem xmlns:p16="http://schemas.microsoft.com/office/powerpoint/2015/main" xmlns="" val="1"/>
                 </p:ext>
               </p:extLst>
             </p:nvPr>
@@ -16577,10 +16577,10 @@
             <p:cNvPr id="16" name="Rectangle 28">
               <a:extLst>
                 <a:ext uri="{FF2B5EF4-FFF2-40B4-BE49-F238E27FC236}">
-                  <a16:creationId xmlns:a16="http://schemas.microsoft.com/office/drawing/2014/main" id="{323F3D34-6531-4AD7-A8C6-195A090281A1}"/>
+                  <a16:creationId xmlns:a16="http://schemas.microsoft.com/office/drawing/2014/main" xmlns="" id="{323F3D34-6531-4AD7-A8C6-195A090281A1}"/>
                 </a:ext>
                 <a:ext uri="{C183D7F6-B498-43B3-948B-1728B52AA6E4}">
-                  <adec:decorative xmlns:adec="http://schemas.microsoft.com/office/drawing/2017/decorative" val="1"/>
+                  <adec:decorative xmlns:adec="http://schemas.microsoft.com/office/drawing/2017/decorative" xmlns="" val="1"/>
                 </a:ext>
               </a:extLst>
             </p:cNvPr>
@@ -16588,7 +16588,7 @@
             <p:nvPr>
               <p:extLst>
                 <p:ext uri="{386F3935-93C4-4BCD-93E2-E3B085C9AB24}">
-                  <p16:designElem xmlns:p16="http://schemas.microsoft.com/office/powerpoint/2015/main" val="1"/>
+                  <p16:designElem xmlns:p16="http://schemas.microsoft.com/office/powerpoint/2015/main" xmlns="" val="1"/>
                 </p:ext>
               </p:extLst>
             </p:nvPr>
@@ -16657,10 +16657,10 @@
             <p:cNvPr id="17" name="Rectangle 29">
               <a:extLst>
                 <a:ext uri="{FF2B5EF4-FFF2-40B4-BE49-F238E27FC236}">
-                  <a16:creationId xmlns:a16="http://schemas.microsoft.com/office/drawing/2014/main" id="{B9B0AE3F-2350-435F-A9B0-C310BF876385}"/>
+                  <a16:creationId xmlns:a16="http://schemas.microsoft.com/office/drawing/2014/main" xmlns="" id="{B9B0AE3F-2350-435F-A9B0-C310BF876385}"/>
                 </a:ext>
                 <a:ext uri="{C183D7F6-B498-43B3-948B-1728B52AA6E4}">
-                  <adec:decorative xmlns:adec="http://schemas.microsoft.com/office/drawing/2017/decorative" val="1"/>
+                  <adec:decorative xmlns:adec="http://schemas.microsoft.com/office/drawing/2017/decorative" xmlns="" val="1"/>
                 </a:ext>
               </a:extLst>
             </p:cNvPr>
@@ -16668,7 +16668,7 @@
             <p:nvPr>
               <p:extLst>
                 <p:ext uri="{386F3935-93C4-4BCD-93E2-E3B085C9AB24}">
-                  <p16:designElem xmlns:p16="http://schemas.microsoft.com/office/powerpoint/2015/main" val="1"/>
+                  <p16:designElem xmlns:p16="http://schemas.microsoft.com/office/powerpoint/2015/main" xmlns="" val="1"/>
                 </p:ext>
               </p:extLst>
             </p:nvPr>
@@ -16735,10 +16735,10 @@
             <p:cNvPr id="18" name="Isosceles Triangle 17">
               <a:extLst>
                 <a:ext uri="{FF2B5EF4-FFF2-40B4-BE49-F238E27FC236}">
-                  <a16:creationId xmlns:a16="http://schemas.microsoft.com/office/drawing/2014/main" id="{4EFA655C-9E50-4C14-A89E-AD7B648E4E2B}"/>
+                  <a16:creationId xmlns:a16="http://schemas.microsoft.com/office/drawing/2014/main" xmlns="" id="{4EFA655C-9E50-4C14-A89E-AD7B648E4E2B}"/>
                 </a:ext>
                 <a:ext uri="{C183D7F6-B498-43B3-948B-1728B52AA6E4}">
-                  <adec:decorative xmlns:adec="http://schemas.microsoft.com/office/drawing/2017/decorative" val="1"/>
+                  <adec:decorative xmlns:adec="http://schemas.microsoft.com/office/drawing/2017/decorative" xmlns="" val="1"/>
                 </a:ext>
               </a:extLst>
             </p:cNvPr>
@@ -16746,7 +16746,7 @@
             <p:nvPr>
               <p:extLst>
                 <p:ext uri="{386F3935-93C4-4BCD-93E2-E3B085C9AB24}">
-                  <p16:designElem xmlns:p16="http://schemas.microsoft.com/office/powerpoint/2015/main" val="1"/>
+                  <p16:designElem xmlns:p16="http://schemas.microsoft.com/office/powerpoint/2015/main" xmlns="" val="1"/>
                 </p:ext>
               </p:extLst>
             </p:nvPr>
@@ -16791,10 +16791,10 @@
             <p:cNvPr id="19" name="Isosceles Triangle 18">
               <a:extLst>
                 <a:ext uri="{FF2B5EF4-FFF2-40B4-BE49-F238E27FC236}">
-                  <a16:creationId xmlns:a16="http://schemas.microsoft.com/office/drawing/2014/main" id="{3E843863-7D25-4C01-9A17-E817CB6D998A}"/>
+                  <a16:creationId xmlns:a16="http://schemas.microsoft.com/office/drawing/2014/main" xmlns="" id="{3E843863-7D25-4C01-9A17-E817CB6D998A}"/>
                 </a:ext>
                 <a:ext uri="{C183D7F6-B498-43B3-948B-1728B52AA6E4}">
-                  <adec:decorative xmlns:adec="http://schemas.microsoft.com/office/drawing/2017/decorative" val="1"/>
+                  <adec:decorative xmlns:adec="http://schemas.microsoft.com/office/drawing/2017/decorative" xmlns="" val="1"/>
                 </a:ext>
               </a:extLst>
             </p:cNvPr>
@@ -16802,7 +16802,7 @@
             <p:nvPr>
               <p:extLst>
                 <p:ext uri="{386F3935-93C4-4BCD-93E2-E3B085C9AB24}">
-                  <p16:designElem xmlns:p16="http://schemas.microsoft.com/office/powerpoint/2015/main" val="1"/>
+                  <p16:designElem xmlns:p16="http://schemas.microsoft.com/office/powerpoint/2015/main" xmlns="" val="1"/>
                 </p:ext>
               </p:extLst>
             </p:nvPr>
@@ -16848,10 +16848,10 @@
           <p:cNvPr id="21" name="Rectangle 20">
             <a:extLst>
               <a:ext uri="{FF2B5EF4-FFF2-40B4-BE49-F238E27FC236}">
-                <a16:creationId xmlns:a16="http://schemas.microsoft.com/office/drawing/2014/main" id="{7941F9B1-B01B-4A84-89D9-B169AEB4E456}"/>
+                <a16:creationId xmlns:a16="http://schemas.microsoft.com/office/drawing/2014/main" xmlns="" id="{7941F9B1-B01B-4A84-89D9-B169AEB4E456}"/>
               </a:ext>
               <a:ext uri="{C183D7F6-B498-43B3-948B-1728B52AA6E4}">
-                <adec:decorative xmlns:adec="http://schemas.microsoft.com/office/drawing/2017/decorative" val="1"/>
+                <adec:decorative xmlns:adec="http://schemas.microsoft.com/office/drawing/2017/decorative" xmlns="" val="1"/>
               </a:ext>
             </a:extLst>
           </p:cNvPr>
@@ -16861,7 +16861,7 @@
           <p:nvPr>
             <p:extLst>
               <p:ext uri="{386F3935-93C4-4BCD-93E2-E3B085C9AB24}">
-                <p16:designElem xmlns:p16="http://schemas.microsoft.com/office/powerpoint/2015/main" val="1"/>
+                <p16:designElem xmlns:p16="http://schemas.microsoft.com/office/powerpoint/2015/main" xmlns="" val="1"/>
               </p:ext>
             </p:extLst>
           </p:nvPr>
@@ -16918,7 +16918,7 @@
           <p:cNvPr id="3" name="slide4">
             <a:extLst>
               <a:ext uri="{FF2B5EF4-FFF2-40B4-BE49-F238E27FC236}">
-                <a16:creationId xmlns:a16="http://schemas.microsoft.com/office/drawing/2014/main" id="{7EE1087F-C25B-46CA-8FE5-E41841395C77}"/>
+                <a16:creationId xmlns:a16="http://schemas.microsoft.com/office/drawing/2014/main" xmlns="" id="{7EE1087F-C25B-46CA-8FE5-E41841395C77}"/>
               </a:ext>
             </a:extLst>
           </p:cNvPr>
@@ -16941,8 +16941,8 @@
         </p:blipFill>
         <p:spPr>
           <a:xfrm>
-            <a:off x="2206781" y="1131994"/>
-            <a:ext cx="7780314" cy="4590386"/>
+            <a:off x="1491329" y="633229"/>
+            <a:ext cx="9563114" cy="5642238"/>
           </a:xfrm>
           <a:prstGeom prst="rect">
             <a:avLst/>
@@ -16992,10 +16992,10 @@
           <p:cNvPr id="7" name="Rectangle 6">
             <a:extLst>
               <a:ext uri="{FF2B5EF4-FFF2-40B4-BE49-F238E27FC236}">
-                <a16:creationId xmlns:a16="http://schemas.microsoft.com/office/drawing/2014/main" id="{03E8462A-FEBA-4848-81CC-3F8DA3E477BE}"/>
+                <a16:creationId xmlns:a16="http://schemas.microsoft.com/office/drawing/2014/main" xmlns="" id="{03E8462A-FEBA-4848-81CC-3F8DA3E477BE}"/>
               </a:ext>
               <a:ext uri="{C183D7F6-B498-43B3-948B-1728B52AA6E4}">
-                <adec:decorative xmlns:adec="http://schemas.microsoft.com/office/drawing/2017/decorative" val="1"/>
+                <adec:decorative xmlns:adec="http://schemas.microsoft.com/office/drawing/2017/decorative" xmlns="" val="1"/>
               </a:ext>
             </a:extLst>
           </p:cNvPr>
@@ -17005,7 +17005,7 @@
           <p:nvPr>
             <p:extLst>
               <p:ext uri="{386F3935-93C4-4BCD-93E2-E3B085C9AB24}">
-                <p16:designElem xmlns:p16="http://schemas.microsoft.com/office/powerpoint/2015/main" val="1"/>
+                <p16:designElem xmlns:p16="http://schemas.microsoft.com/office/powerpoint/2015/main" xmlns="" val="1"/>
               </p:ext>
             </p:extLst>
           </p:nvPr>
@@ -17055,10 +17055,10 @@
           <p:cNvPr id="9" name="Group 8">
             <a:extLst>
               <a:ext uri="{FF2B5EF4-FFF2-40B4-BE49-F238E27FC236}">
-                <a16:creationId xmlns:a16="http://schemas.microsoft.com/office/drawing/2014/main" id="{2109F83F-40FE-4DB3-84CC-09FB3340D06D}"/>
+                <a16:creationId xmlns:a16="http://schemas.microsoft.com/office/drawing/2014/main" xmlns="" id="{2109F83F-40FE-4DB3-84CC-09FB3340D06D}"/>
               </a:ext>
               <a:ext uri="{C183D7F6-B498-43B3-948B-1728B52AA6E4}">
-                <adec:decorative xmlns:adec="http://schemas.microsoft.com/office/drawing/2017/decorative" val="1"/>
+                <adec:decorative xmlns:adec="http://schemas.microsoft.com/office/drawing/2017/decorative" xmlns="" val="1"/>
               </a:ext>
             </a:extLst>
           </p:cNvPr>
@@ -17068,7 +17068,7 @@
           <p:nvPr>
             <p:extLst>
               <p:ext uri="{386F3935-93C4-4BCD-93E2-E3B085C9AB24}">
-                <p16:designElem xmlns:p16="http://schemas.microsoft.com/office/powerpoint/2015/main" val="1"/>
+                <p16:designElem xmlns:p16="http://schemas.microsoft.com/office/powerpoint/2015/main" xmlns="" val="1"/>
               </p:ext>
             </p:extLst>
           </p:nvPr>
@@ -17086,10 +17086,10 @@
             <p:cNvPr id="10" name="Straight Connector 9">
               <a:extLst>
                 <a:ext uri="{FF2B5EF4-FFF2-40B4-BE49-F238E27FC236}">
-                  <a16:creationId xmlns:a16="http://schemas.microsoft.com/office/drawing/2014/main" id="{1DE492D7-C3C3-48FF-80C8-37021EA0262F}"/>
+                  <a16:creationId xmlns:a16="http://schemas.microsoft.com/office/drawing/2014/main" xmlns="" id="{1DE492D7-C3C3-48FF-80C8-37021EA0262F}"/>
                 </a:ext>
                 <a:ext uri="{C183D7F6-B498-43B3-948B-1728B52AA6E4}">
-                  <adec:decorative xmlns:adec="http://schemas.microsoft.com/office/drawing/2017/decorative" val="1"/>
+                  <adec:decorative xmlns:adec="http://schemas.microsoft.com/office/drawing/2017/decorative" xmlns="" val="1"/>
                 </a:ext>
               </a:extLst>
             </p:cNvPr>
@@ -17097,7 +17097,7 @@
             <p:nvPr>
               <p:extLst>
                 <p:ext uri="{386F3935-93C4-4BCD-93E2-E3B085C9AB24}">
-                  <p16:designElem xmlns:p16="http://schemas.microsoft.com/office/powerpoint/2015/main" val="1"/>
+                  <p16:designElem xmlns:p16="http://schemas.microsoft.com/office/powerpoint/2015/main" xmlns="" val="1"/>
                 </p:ext>
               </p:extLst>
             </p:nvPr>
@@ -17138,10 +17138,10 @@
             <p:cNvPr id="11" name="Rectangle 23">
               <a:extLst>
                 <a:ext uri="{FF2B5EF4-FFF2-40B4-BE49-F238E27FC236}">
-                  <a16:creationId xmlns:a16="http://schemas.microsoft.com/office/drawing/2014/main" id="{0B30FF97-2E9A-490A-AED2-90BA2E0EC17F}"/>
+                  <a16:creationId xmlns:a16="http://schemas.microsoft.com/office/drawing/2014/main" xmlns="" id="{0B30FF97-2E9A-490A-AED2-90BA2E0EC17F}"/>
                 </a:ext>
                 <a:ext uri="{C183D7F6-B498-43B3-948B-1728B52AA6E4}">
-                  <adec:decorative xmlns:adec="http://schemas.microsoft.com/office/drawing/2017/decorative" val="1"/>
+                  <adec:decorative xmlns:adec="http://schemas.microsoft.com/office/drawing/2017/decorative" xmlns="" val="1"/>
                 </a:ext>
               </a:extLst>
             </p:cNvPr>
@@ -17149,7 +17149,7 @@
             <p:nvPr>
               <p:extLst>
                 <p:ext uri="{386F3935-93C4-4BCD-93E2-E3B085C9AB24}">
-                  <p16:designElem xmlns:p16="http://schemas.microsoft.com/office/powerpoint/2015/main" val="1"/>
+                  <p16:designElem xmlns:p16="http://schemas.microsoft.com/office/powerpoint/2015/main" xmlns="" val="1"/>
                 </p:ext>
               </p:extLst>
             </p:nvPr>
@@ -17216,10 +17216,10 @@
             <p:cNvPr id="12" name="Rectangle 25">
               <a:extLst>
                 <a:ext uri="{FF2B5EF4-FFF2-40B4-BE49-F238E27FC236}">
-                  <a16:creationId xmlns:a16="http://schemas.microsoft.com/office/drawing/2014/main" id="{B6D53C7D-A312-47B6-A66A-230A19CFACA6}"/>
+                  <a16:creationId xmlns:a16="http://schemas.microsoft.com/office/drawing/2014/main" xmlns="" id="{B6D53C7D-A312-47B6-A66A-230A19CFACA6}"/>
                 </a:ext>
                 <a:ext uri="{C183D7F6-B498-43B3-948B-1728B52AA6E4}">
-                  <adec:decorative xmlns:adec="http://schemas.microsoft.com/office/drawing/2017/decorative" val="1"/>
+                  <adec:decorative xmlns:adec="http://schemas.microsoft.com/office/drawing/2017/decorative" xmlns="" val="1"/>
                 </a:ext>
               </a:extLst>
             </p:cNvPr>
@@ -17227,7 +17227,7 @@
             <p:nvPr>
               <p:extLst>
                 <p:ext uri="{386F3935-93C4-4BCD-93E2-E3B085C9AB24}">
-                  <p16:designElem xmlns:p16="http://schemas.microsoft.com/office/powerpoint/2015/main" val="1"/>
+                  <p16:designElem xmlns:p16="http://schemas.microsoft.com/office/powerpoint/2015/main" xmlns="" val="1"/>
                 </p:ext>
               </p:extLst>
             </p:nvPr>
@@ -17294,10 +17294,10 @@
             <p:cNvPr id="13" name="Isosceles Triangle 12">
               <a:extLst>
                 <a:ext uri="{FF2B5EF4-FFF2-40B4-BE49-F238E27FC236}">
-                  <a16:creationId xmlns:a16="http://schemas.microsoft.com/office/drawing/2014/main" id="{9329D58C-0D2E-4A2B-AD6A-9CEE506784A8}"/>
+                  <a16:creationId xmlns:a16="http://schemas.microsoft.com/office/drawing/2014/main" xmlns="" id="{9329D58C-0D2E-4A2B-AD6A-9CEE506784A8}"/>
                 </a:ext>
                 <a:ext uri="{C183D7F6-B498-43B3-948B-1728B52AA6E4}">
-                  <adec:decorative xmlns:adec="http://schemas.microsoft.com/office/drawing/2017/decorative" val="1"/>
+                  <adec:decorative xmlns:adec="http://schemas.microsoft.com/office/drawing/2017/decorative" xmlns="" val="1"/>
                 </a:ext>
               </a:extLst>
             </p:cNvPr>
@@ -17305,7 +17305,7 @@
             <p:nvPr>
               <p:extLst>
                 <p:ext uri="{386F3935-93C4-4BCD-93E2-E3B085C9AB24}">
-                  <p16:designElem xmlns:p16="http://schemas.microsoft.com/office/powerpoint/2015/main" val="1"/>
+                  <p16:designElem xmlns:p16="http://schemas.microsoft.com/office/powerpoint/2015/main" xmlns="" val="1"/>
                 </p:ext>
               </p:extLst>
             </p:nvPr>
@@ -17350,10 +17350,10 @@
             <p:cNvPr id="14" name="Rectangle 27">
               <a:extLst>
                 <a:ext uri="{FF2B5EF4-FFF2-40B4-BE49-F238E27FC236}">
-                  <a16:creationId xmlns:a16="http://schemas.microsoft.com/office/drawing/2014/main" id="{9D446EDE-C690-4461-8BF2-7634808FC8B4}"/>
+                  <a16:creationId xmlns:a16="http://schemas.microsoft.com/office/drawing/2014/main" xmlns="" id="{9D446EDE-C690-4461-8BF2-7634808FC8B4}"/>
                 </a:ext>
                 <a:ext uri="{C183D7F6-B498-43B3-948B-1728B52AA6E4}">
-                  <adec:decorative xmlns:adec="http://schemas.microsoft.com/office/drawing/2017/decorative" val="1"/>
+                  <adec:decorative xmlns:adec="http://schemas.microsoft.com/office/drawing/2017/decorative" xmlns="" val="1"/>
                 </a:ext>
               </a:extLst>
             </p:cNvPr>
@@ -17361,7 +17361,7 @@
             <p:nvPr>
               <p:extLst>
                 <p:ext uri="{386F3935-93C4-4BCD-93E2-E3B085C9AB24}">
-                  <p16:designElem xmlns:p16="http://schemas.microsoft.com/office/powerpoint/2015/main" val="1"/>
+                  <p16:designElem xmlns:p16="http://schemas.microsoft.com/office/powerpoint/2015/main" xmlns="" val="1"/>
                 </p:ext>
               </p:extLst>
             </p:nvPr>
@@ -17429,10 +17429,10 @@
             <p:cNvPr id="15" name="Rectangle 28">
               <a:extLst>
                 <a:ext uri="{FF2B5EF4-FFF2-40B4-BE49-F238E27FC236}">
-                  <a16:creationId xmlns:a16="http://schemas.microsoft.com/office/drawing/2014/main" id="{323F3D34-6531-4AD7-A8C6-195A090281A1}"/>
+                  <a16:creationId xmlns:a16="http://schemas.microsoft.com/office/drawing/2014/main" xmlns="" id="{323F3D34-6531-4AD7-A8C6-195A090281A1}"/>
                 </a:ext>
                 <a:ext uri="{C183D7F6-B498-43B3-948B-1728B52AA6E4}">
-                  <adec:decorative xmlns:adec="http://schemas.microsoft.com/office/drawing/2017/decorative" val="1"/>
+                  <adec:decorative xmlns:adec="http://schemas.microsoft.com/office/drawing/2017/decorative" xmlns="" val="1"/>
                 </a:ext>
               </a:extLst>
             </p:cNvPr>
@@ -17440,7 +17440,7 @@
             <p:nvPr>
               <p:extLst>
                 <p:ext uri="{386F3935-93C4-4BCD-93E2-E3B085C9AB24}">
-                  <p16:designElem xmlns:p16="http://schemas.microsoft.com/office/powerpoint/2015/main" val="1"/>
+                  <p16:designElem xmlns:p16="http://schemas.microsoft.com/office/powerpoint/2015/main" xmlns="" val="1"/>
                 </p:ext>
               </p:extLst>
             </p:nvPr>
@@ -17509,10 +17509,10 @@
             <p:cNvPr id="16" name="Rectangle 29">
               <a:extLst>
                 <a:ext uri="{FF2B5EF4-FFF2-40B4-BE49-F238E27FC236}">
-                  <a16:creationId xmlns:a16="http://schemas.microsoft.com/office/drawing/2014/main" id="{B9B0AE3F-2350-435F-A9B0-C310BF876385}"/>
+                  <a16:creationId xmlns:a16="http://schemas.microsoft.com/office/drawing/2014/main" xmlns="" id="{B9B0AE3F-2350-435F-A9B0-C310BF876385}"/>
                 </a:ext>
                 <a:ext uri="{C183D7F6-B498-43B3-948B-1728B52AA6E4}">
-                  <adec:decorative xmlns:adec="http://schemas.microsoft.com/office/drawing/2017/decorative" val="1"/>
+                  <adec:decorative xmlns:adec="http://schemas.microsoft.com/office/drawing/2017/decorative" xmlns="" val="1"/>
                 </a:ext>
               </a:extLst>
             </p:cNvPr>
@@ -17520,7 +17520,7 @@
             <p:nvPr>
               <p:extLst>
                 <p:ext uri="{386F3935-93C4-4BCD-93E2-E3B085C9AB24}">
-                  <p16:designElem xmlns:p16="http://schemas.microsoft.com/office/powerpoint/2015/main" val="1"/>
+                  <p16:designElem xmlns:p16="http://schemas.microsoft.com/office/powerpoint/2015/main" xmlns="" val="1"/>
                 </p:ext>
               </p:extLst>
             </p:nvPr>
@@ -17587,10 +17587,10 @@
             <p:cNvPr id="17" name="Isosceles Triangle 16">
               <a:extLst>
                 <a:ext uri="{FF2B5EF4-FFF2-40B4-BE49-F238E27FC236}">
-                  <a16:creationId xmlns:a16="http://schemas.microsoft.com/office/drawing/2014/main" id="{4EFA655C-9E50-4C14-A89E-AD7B648E4E2B}"/>
+                  <a16:creationId xmlns:a16="http://schemas.microsoft.com/office/drawing/2014/main" xmlns="" id="{4EFA655C-9E50-4C14-A89E-AD7B648E4E2B}"/>
                 </a:ext>
                 <a:ext uri="{C183D7F6-B498-43B3-948B-1728B52AA6E4}">
-                  <adec:decorative xmlns:adec="http://schemas.microsoft.com/office/drawing/2017/decorative" val="1"/>
+                  <adec:decorative xmlns:adec="http://schemas.microsoft.com/office/drawing/2017/decorative" xmlns="" val="1"/>
                 </a:ext>
               </a:extLst>
             </p:cNvPr>
@@ -17598,7 +17598,7 @@
             <p:nvPr>
               <p:extLst>
                 <p:ext uri="{386F3935-93C4-4BCD-93E2-E3B085C9AB24}">
-                  <p16:designElem xmlns:p16="http://schemas.microsoft.com/office/powerpoint/2015/main" val="1"/>
+                  <p16:designElem xmlns:p16="http://schemas.microsoft.com/office/powerpoint/2015/main" xmlns="" val="1"/>
                 </p:ext>
               </p:extLst>
             </p:nvPr>
@@ -17643,10 +17643,10 @@
             <p:cNvPr id="18" name="Isosceles Triangle 17">
               <a:extLst>
                 <a:ext uri="{FF2B5EF4-FFF2-40B4-BE49-F238E27FC236}">
-                  <a16:creationId xmlns:a16="http://schemas.microsoft.com/office/drawing/2014/main" id="{3E843863-7D25-4C01-9A17-E817CB6D998A}"/>
+                  <a16:creationId xmlns:a16="http://schemas.microsoft.com/office/drawing/2014/main" xmlns="" id="{3E843863-7D25-4C01-9A17-E817CB6D998A}"/>
                 </a:ext>
                 <a:ext uri="{C183D7F6-B498-43B3-948B-1728B52AA6E4}">
-                  <adec:decorative xmlns:adec="http://schemas.microsoft.com/office/drawing/2017/decorative" val="1"/>
+                  <adec:decorative xmlns:adec="http://schemas.microsoft.com/office/drawing/2017/decorative" xmlns="" val="1"/>
                 </a:ext>
               </a:extLst>
             </p:cNvPr>
@@ -17654,7 +17654,7 @@
             <p:nvPr>
               <p:extLst>
                 <p:ext uri="{386F3935-93C4-4BCD-93E2-E3B085C9AB24}">
-                  <p16:designElem xmlns:p16="http://schemas.microsoft.com/office/powerpoint/2015/main" val="1"/>
+                  <p16:designElem xmlns:p16="http://schemas.microsoft.com/office/powerpoint/2015/main" xmlns="" val="1"/>
                 </p:ext>
               </p:extLst>
             </p:nvPr>
@@ -17700,10 +17700,10 @@
           <p:cNvPr id="20" name="Rectangle 19">
             <a:extLst>
               <a:ext uri="{FF2B5EF4-FFF2-40B4-BE49-F238E27FC236}">
-                <a16:creationId xmlns:a16="http://schemas.microsoft.com/office/drawing/2014/main" id="{7941F9B1-B01B-4A84-89D9-B169AEB4E456}"/>
+                <a16:creationId xmlns:a16="http://schemas.microsoft.com/office/drawing/2014/main" xmlns="" id="{7941F9B1-B01B-4A84-89D9-B169AEB4E456}"/>
               </a:ext>
               <a:ext uri="{C183D7F6-B498-43B3-948B-1728B52AA6E4}">
-                <adec:decorative xmlns:adec="http://schemas.microsoft.com/office/drawing/2017/decorative" val="1"/>
+                <adec:decorative xmlns:adec="http://schemas.microsoft.com/office/drawing/2017/decorative" xmlns="" val="1"/>
               </a:ext>
             </a:extLst>
           </p:cNvPr>
@@ -17713,7 +17713,7 @@
           <p:nvPr>
             <p:extLst>
               <p:ext uri="{386F3935-93C4-4BCD-93E2-E3B085C9AB24}">
-                <p16:designElem xmlns:p16="http://schemas.microsoft.com/office/powerpoint/2015/main" val="1"/>
+                <p16:designElem xmlns:p16="http://schemas.microsoft.com/office/powerpoint/2015/main" xmlns="" val="1"/>
               </p:ext>
             </p:extLst>
           </p:nvPr>
@@ -17770,7 +17770,7 @@
           <p:cNvPr id="2" name="slide4">
             <a:extLst>
               <a:ext uri="{FF2B5EF4-FFF2-40B4-BE49-F238E27FC236}">
-                <a16:creationId xmlns:a16="http://schemas.microsoft.com/office/drawing/2014/main" id="{D2136DE0-82F0-4928-B55D-05366FF88F5A}"/>
+                <a16:creationId xmlns:a16="http://schemas.microsoft.com/office/drawing/2014/main" xmlns="" id="{D2136DE0-82F0-4928-B55D-05366FF88F5A}"/>
               </a:ext>
             </a:extLst>
           </p:cNvPr>
@@ -17793,8 +17793,8 @@
         </p:blipFill>
         <p:spPr>
           <a:xfrm>
-            <a:off x="2206781" y="1131994"/>
-            <a:ext cx="7780314" cy="4590386"/>
+            <a:off x="1586340" y="694730"/>
+            <a:ext cx="9466503" cy="5585238"/>
           </a:xfrm>
           <a:prstGeom prst="rect">
             <a:avLst/>
@@ -18065,7 +18065,7 @@
   <a:extraClrSchemeLst/>
   <a:extLst>
     <a:ext uri="{05A4C25C-085E-4340-85A3-A5531E510DB2}">
-      <thm15:themeFamily xmlns:thm15="http://schemas.microsoft.com/office/thememl/2012/main" name="Facet" id="{C0C680CD-088A-49FC-A102-D699147F32B2}" vid="{CFBC31BA-B70F-4F30-BCAA-4F3011E16C4D}"/>
+      <thm15:themeFamily xmlns:thm15="http://schemas.microsoft.com/office/thememl/2012/main" xmlns="" name="Facet" id="{C0C680CD-088A-49FC-A102-D699147F32B2}" vid="{CFBC31BA-B70F-4F30-BCAA-4F3011E16C4D}"/>
     </a:ext>
   </a:extLst>
 </a:theme>

--- a/projektsql/Czy język wniosku ma wpływ na jego obsługę.pptx
+++ b/projektsql/Czy język wniosku ma wpływ na jego obsługę.pptx
@@ -128,6 +128,67 @@
     </p:ext>
   </p:extLst>
 </p:presentation>
+</file>
+
+<file path=ppt/changesInfos/changesInfo1.xml><?xml version="1.0" encoding="utf-8"?>
+<pc:chgInfo xmlns:a="http://schemas.openxmlformats.org/drawingml/2006/main" xmlns:r="http://schemas.openxmlformats.org/officeDocument/2006/relationships" xmlns:ac="http://schemas.microsoft.com/office/drawing/2013/main/command" xmlns:pc="http://schemas.microsoft.com/office/powerpoint/2013/main/command">
+  <pc:docChgLst>
+    <pc:chgData name="Patryk Kerlin" userId="62c60fc61d466c47" providerId="LiveId" clId="{AFF990EF-7F30-470A-9122-10A6523781E0}"/>
+    <pc:docChg chg="modSld">
+      <pc:chgData name="Patryk Kerlin" userId="62c60fc61d466c47" providerId="LiveId" clId="{AFF990EF-7F30-470A-9122-10A6523781E0}" dt="2019-04-14T15:46:22.863" v="8" actId="1076"/>
+      <pc:docMkLst>
+        <pc:docMk/>
+      </pc:docMkLst>
+      <pc:sldChg chg="modSp">
+        <pc:chgData name="Patryk Kerlin" userId="62c60fc61d466c47" providerId="LiveId" clId="{AFF990EF-7F30-470A-9122-10A6523781E0}" dt="2019-04-14T15:46:22.863" v="8" actId="1076"/>
+        <pc:sldMkLst>
+          <pc:docMk/>
+          <pc:sldMk cId="95992585" sldId="273"/>
+        </pc:sldMkLst>
+        <pc:picChg chg="mod">
+          <ac:chgData name="Patryk Kerlin" userId="62c60fc61d466c47" providerId="LiveId" clId="{AFF990EF-7F30-470A-9122-10A6523781E0}" dt="2019-04-14T15:45:43.647" v="2" actId="1076"/>
+          <ac:picMkLst>
+            <pc:docMk/>
+            <pc:sldMk cId="95992585" sldId="273"/>
+            <ac:picMk id="3" creationId="{B0269140-4735-46C2-9544-928A9A9AA4A7}"/>
+          </ac:picMkLst>
+        </pc:picChg>
+        <pc:picChg chg="mod">
+          <ac:chgData name="Patryk Kerlin" userId="62c60fc61d466c47" providerId="LiveId" clId="{AFF990EF-7F30-470A-9122-10A6523781E0}" dt="2019-04-14T15:45:56.978" v="4" actId="1076"/>
+          <ac:picMkLst>
+            <pc:docMk/>
+            <pc:sldMk cId="95992585" sldId="273"/>
+            <ac:picMk id="4" creationId="{A7CE866C-AA16-41F3-A929-534EA195EEC5}"/>
+          </ac:picMkLst>
+        </pc:picChg>
+        <pc:picChg chg="mod">
+          <ac:chgData name="Patryk Kerlin" userId="62c60fc61d466c47" providerId="LiveId" clId="{AFF990EF-7F30-470A-9122-10A6523781E0}" dt="2019-04-14T15:46:22.863" v="8" actId="1076"/>
+          <ac:picMkLst>
+            <pc:docMk/>
+            <pc:sldMk cId="95992585" sldId="273"/>
+            <ac:picMk id="5" creationId="{65CBC0E9-7F65-4EA2-B5D9-780087582710}"/>
+          </ac:picMkLst>
+        </pc:picChg>
+        <pc:picChg chg="mod">
+          <ac:chgData name="Patryk Kerlin" userId="62c60fc61d466c47" providerId="LiveId" clId="{AFF990EF-7F30-470A-9122-10A6523781E0}" dt="2019-04-14T15:46:16.550" v="7" actId="1076"/>
+          <ac:picMkLst>
+            <pc:docMk/>
+            <pc:sldMk cId="95992585" sldId="273"/>
+            <ac:picMk id="6" creationId="{27FFCC14-00B1-4992-8208-5E3A6F94FCE1}"/>
+          </ac:picMkLst>
+        </pc:picChg>
+        <pc:picChg chg="mod">
+          <ac:chgData name="Patryk Kerlin" userId="62c60fc61d466c47" providerId="LiveId" clId="{AFF990EF-7F30-470A-9122-10A6523781E0}" dt="2019-04-14T15:46:03.417" v="6" actId="1076"/>
+          <ac:picMkLst>
+            <pc:docMk/>
+            <pc:sldMk cId="95992585" sldId="273"/>
+            <ac:picMk id="7" creationId="{B35B683C-C529-4100-B043-1BF7416E3B9E}"/>
+          </ac:picMkLst>
+        </pc:picChg>
+      </pc:sldChg>
+    </pc:docChg>
+  </pc:docChgLst>
+</pc:chgInfo>
 </file>
 
 <file path=ppt/slideLayouts/slideLayout1.xml><?xml version="1.0" encoding="utf-8"?>
@@ -19447,7 +19508,7 @@
         </p:blipFill>
         <p:spPr>
           <a:xfrm>
-            <a:off x="548001" y="321733"/>
+            <a:off x="8732779" y="325119"/>
             <a:ext cx="2947944" cy="2748958"/>
           </a:xfrm>
           <a:prstGeom prst="rect">
@@ -19651,7 +19712,7 @@
         </p:blipFill>
         <p:spPr>
           <a:xfrm>
-            <a:off x="8732695" y="321733"/>
+            <a:off x="631950" y="3714157"/>
             <a:ext cx="2920258" cy="2752344"/>
           </a:xfrm>
           <a:prstGeom prst="rect">
@@ -19753,7 +19814,7 @@
         </p:blipFill>
         <p:spPr>
           <a:xfrm>
-            <a:off x="604721" y="3783923"/>
+            <a:off x="8794278" y="3783923"/>
             <a:ext cx="2920258" cy="2752344"/>
           </a:xfrm>
           <a:prstGeom prst="rect">
@@ -19789,7 +19850,7 @@
         </p:blipFill>
         <p:spPr>
           <a:xfrm>
-            <a:off x="4668750" y="3783923"/>
+            <a:off x="604721" y="321733"/>
             <a:ext cx="2920258" cy="2752344"/>
           </a:xfrm>
           <a:prstGeom prst="rect">
@@ -19825,7 +19886,7 @@
         </p:blipFill>
         <p:spPr>
           <a:xfrm>
-            <a:off x="8732779" y="3783923"/>
+            <a:off x="4641438" y="3783923"/>
             <a:ext cx="2920258" cy="2752344"/>
           </a:xfrm>
           <a:prstGeom prst="rect">

--- a/projektsql/Czy język wniosku ma wpływ na jego obsługę.pptx
+++ b/projektsql/Czy język wniosku ma wpływ na jego obsługę.pptx
@@ -23,7 +23,8 @@
     <p:sldId id="257" r:id="rId17"/>
     <p:sldId id="258" r:id="rId18"/>
     <p:sldId id="259" r:id="rId19"/>
-    <p:sldId id="274" r:id="rId20"/>
+    <p:sldId id="277" r:id="rId20"/>
+    <p:sldId id="274" r:id="rId21"/>
   </p:sldIdLst>
   <p:sldSz cx="12192000" cy="6858000"/>
   <p:notesSz cx="6858000" cy="9144000"/>
@@ -13671,6 +13672,1296 @@
 <file path=ppt/slides/slide19.xml><?xml version="1.0" encoding="utf-8"?>
 <p:sld xmlns:a="http://schemas.openxmlformats.org/drawingml/2006/main" xmlns:r="http://schemas.openxmlformats.org/officeDocument/2006/relationships" xmlns:p="http://schemas.openxmlformats.org/presentationml/2006/main">
   <p:cSld>
+    <p:spTree>
+      <p:nvGrpSpPr>
+        <p:cNvPr id="1" name=""/>
+        <p:cNvGrpSpPr/>
+        <p:nvPr/>
+      </p:nvGrpSpPr>
+      <p:grpSpPr>
+        <a:xfrm>
+          <a:off x="0" y="0"/>
+          <a:ext cx="0" cy="0"/>
+          <a:chOff x="0" y="0"/>
+          <a:chExt cx="0" cy="0"/>
+        </a:xfrm>
+      </p:grpSpPr>
+      <p:sp>
+        <p:nvSpPr>
+          <p:cNvPr id="3" name="Tytuł 1">
+            <a:extLst>
+              <a:ext uri="{FF2B5EF4-FFF2-40B4-BE49-F238E27FC236}">
+                <a16:creationId xmlns:a16="http://schemas.microsoft.com/office/drawing/2014/main" id="{F7260CC7-8EA1-463E-810B-715D9BBE495E}"/>
+              </a:ext>
+            </a:extLst>
+          </p:cNvPr>
+          <p:cNvSpPr txBox="1">
+            <a:spLocks/>
+          </p:cNvSpPr>
+          <p:nvPr/>
+        </p:nvSpPr>
+        <p:spPr>
+          <a:xfrm>
+            <a:off x="1711252" y="1929659"/>
+            <a:ext cx="8968583" cy="4666449"/>
+          </a:xfrm>
+          <a:prstGeom prst="rect">
+            <a:avLst/>
+          </a:prstGeom>
+        </p:spPr>
+        <p:txBody>
+          <a:bodyPr vert="horz" lIns="91440" tIns="45720" rIns="91440" bIns="45720" rtlCol="0" anchor="b">
+            <a:normAutofit/>
+          </a:bodyPr>
+          <a:lstStyle>
+            <a:lvl1pPr algn="l" defTabSz="457200" rtl="0" eaLnBrk="1" latinLnBrk="0" hangingPunct="1">
+              <a:spcBef>
+                <a:spcPct val="0"/>
+              </a:spcBef>
+              <a:buNone/>
+              <a:defRPr sz="3600" kern="1200">
+                <a:solidFill>
+                  <a:schemeClr val="accent1"/>
+                </a:solidFill>
+                <a:latin typeface="+mj-lt"/>
+                <a:ea typeface="+mj-ea"/>
+                <a:cs typeface="+mj-cs"/>
+              </a:defRPr>
+            </a:lvl1pPr>
+            <a:lvl2pPr eaLnBrk="1" hangingPunct="1">
+              <a:defRPr>
+                <a:solidFill>
+                  <a:schemeClr val="tx2"/>
+                </a:solidFill>
+              </a:defRPr>
+            </a:lvl2pPr>
+            <a:lvl3pPr eaLnBrk="1" hangingPunct="1">
+              <a:defRPr>
+                <a:solidFill>
+                  <a:schemeClr val="tx2"/>
+                </a:solidFill>
+              </a:defRPr>
+            </a:lvl3pPr>
+            <a:lvl4pPr eaLnBrk="1" hangingPunct="1">
+              <a:defRPr>
+                <a:solidFill>
+                  <a:schemeClr val="tx2"/>
+                </a:solidFill>
+              </a:defRPr>
+            </a:lvl4pPr>
+            <a:lvl5pPr eaLnBrk="1" hangingPunct="1">
+              <a:defRPr>
+                <a:solidFill>
+                  <a:schemeClr val="tx2"/>
+                </a:solidFill>
+              </a:defRPr>
+            </a:lvl5pPr>
+            <a:lvl6pPr eaLnBrk="1" hangingPunct="1">
+              <a:defRPr>
+                <a:solidFill>
+                  <a:schemeClr val="tx2"/>
+                </a:solidFill>
+              </a:defRPr>
+            </a:lvl6pPr>
+            <a:lvl7pPr eaLnBrk="1" hangingPunct="1">
+              <a:defRPr>
+                <a:solidFill>
+                  <a:schemeClr val="tx2"/>
+                </a:solidFill>
+              </a:defRPr>
+            </a:lvl7pPr>
+            <a:lvl8pPr eaLnBrk="1" hangingPunct="1">
+              <a:defRPr>
+                <a:solidFill>
+                  <a:schemeClr val="tx2"/>
+                </a:solidFill>
+              </a:defRPr>
+            </a:lvl8pPr>
+            <a:lvl9pPr eaLnBrk="1" hangingPunct="1">
+              <a:defRPr>
+                <a:solidFill>
+                  <a:schemeClr val="tx2"/>
+                </a:solidFill>
+              </a:defRPr>
+            </a:lvl9pPr>
+          </a:lstStyle>
+          <a:p>
+            <a:pPr algn="r">
+              <a:spcAft>
+                <a:spcPts val="600"/>
+              </a:spcAft>
+            </a:pPr>
+            <a:br>
+              <a:rPr lang="en-US" sz="5400" b="1" dirty="0"/>
+            </a:br>
+            <a:endParaRPr lang="en-US" sz="5400" dirty="0"/>
+          </a:p>
+        </p:txBody>
+      </p:sp>
+      <p:sp>
+        <p:nvSpPr>
+          <p:cNvPr id="4" name="Tytuł 1">
+            <a:extLst>
+              <a:ext uri="{FF2B5EF4-FFF2-40B4-BE49-F238E27FC236}">
+                <a16:creationId xmlns:a16="http://schemas.microsoft.com/office/drawing/2014/main" id="{F65AB8D5-6A8D-462A-80A7-0F01588F9FE7}"/>
+              </a:ext>
+            </a:extLst>
+          </p:cNvPr>
+          <p:cNvSpPr txBox="1">
+            <a:spLocks/>
+          </p:cNvSpPr>
+          <p:nvPr/>
+        </p:nvSpPr>
+        <p:spPr>
+          <a:xfrm>
+            <a:off x="1074198" y="754602"/>
+            <a:ext cx="8149701" cy="5282214"/>
+          </a:xfrm>
+          <a:prstGeom prst="rect">
+            <a:avLst/>
+          </a:prstGeom>
+        </p:spPr>
+        <p:txBody>
+          <a:bodyPr vert="horz" lIns="91440" tIns="45720" rIns="91440" bIns="45720" rtlCol="0" anchor="b">
+            <a:normAutofit/>
+          </a:bodyPr>
+          <a:lstStyle>
+            <a:lvl1pPr algn="l" defTabSz="457200" rtl="0" eaLnBrk="1" latinLnBrk="0" hangingPunct="1">
+              <a:spcBef>
+                <a:spcPct val="0"/>
+              </a:spcBef>
+              <a:buNone/>
+              <a:defRPr sz="3600" kern="1200">
+                <a:solidFill>
+                  <a:schemeClr val="accent1"/>
+                </a:solidFill>
+                <a:latin typeface="+mj-lt"/>
+                <a:ea typeface="+mj-ea"/>
+                <a:cs typeface="+mj-cs"/>
+              </a:defRPr>
+            </a:lvl1pPr>
+            <a:lvl2pPr eaLnBrk="1" hangingPunct="1">
+              <a:defRPr>
+                <a:solidFill>
+                  <a:schemeClr val="tx2"/>
+                </a:solidFill>
+              </a:defRPr>
+            </a:lvl2pPr>
+            <a:lvl3pPr eaLnBrk="1" hangingPunct="1">
+              <a:defRPr>
+                <a:solidFill>
+                  <a:schemeClr val="tx2"/>
+                </a:solidFill>
+              </a:defRPr>
+            </a:lvl3pPr>
+            <a:lvl4pPr eaLnBrk="1" hangingPunct="1">
+              <a:defRPr>
+                <a:solidFill>
+                  <a:schemeClr val="tx2"/>
+                </a:solidFill>
+              </a:defRPr>
+            </a:lvl4pPr>
+            <a:lvl5pPr eaLnBrk="1" hangingPunct="1">
+              <a:defRPr>
+                <a:solidFill>
+                  <a:schemeClr val="tx2"/>
+                </a:solidFill>
+              </a:defRPr>
+            </a:lvl5pPr>
+            <a:lvl6pPr eaLnBrk="1" hangingPunct="1">
+              <a:defRPr>
+                <a:solidFill>
+                  <a:schemeClr val="tx2"/>
+                </a:solidFill>
+              </a:defRPr>
+            </a:lvl6pPr>
+            <a:lvl7pPr eaLnBrk="1" hangingPunct="1">
+              <a:defRPr>
+                <a:solidFill>
+                  <a:schemeClr val="tx2"/>
+                </a:solidFill>
+              </a:defRPr>
+            </a:lvl7pPr>
+            <a:lvl8pPr eaLnBrk="1" hangingPunct="1">
+              <a:defRPr>
+                <a:solidFill>
+                  <a:schemeClr val="tx2"/>
+                </a:solidFill>
+              </a:defRPr>
+            </a:lvl8pPr>
+            <a:lvl9pPr eaLnBrk="1" hangingPunct="1">
+              <a:defRPr>
+                <a:solidFill>
+                  <a:schemeClr val="tx2"/>
+                </a:solidFill>
+              </a:defRPr>
+            </a:lvl9pPr>
+          </a:lstStyle>
+          <a:p>
+            <a:pPr>
+              <a:spcAft>
+                <a:spcPts val="600"/>
+              </a:spcAft>
+            </a:pPr>
+            <a:r>
+              <a:rPr lang="pl-PL" sz="4400" b="1" u="sng" dirty="0"/>
+              <a:t>Wnioski:</a:t>
+            </a:r>
+          </a:p>
+          <a:p>
+            <a:pPr marL="285750" indent="-285750">
+              <a:spcAft>
+                <a:spcPts val="600"/>
+              </a:spcAft>
+              <a:buFontTx/>
+              <a:buChar char="-"/>
+            </a:pPr>
+            <a:r>
+              <a:rPr lang="pl-PL" sz="1800" b="1" dirty="0"/>
+              <a:t>największy procent wniosków z wypłaconą rekompensatą jest dla języka polskiego</a:t>
+            </a:r>
+          </a:p>
+          <a:p>
+            <a:pPr marL="285750" indent="-285750">
+              <a:spcAft>
+                <a:spcPts val="600"/>
+              </a:spcAft>
+              <a:buFontTx/>
+              <a:buChar char="-"/>
+            </a:pPr>
+            <a:r>
+              <a:rPr lang="pl-PL" sz="1800" b="1" dirty="0"/>
+              <a:t>dla wszystkich języków tylko niewielki procent wysokości wypłaconych rekompensat różnił się od wnioskowanego</a:t>
+            </a:r>
+          </a:p>
+          <a:p>
+            <a:pPr marL="285750" indent="-285750">
+              <a:spcAft>
+                <a:spcPts val="600"/>
+              </a:spcAft>
+              <a:buFontTx/>
+              <a:buChar char="-"/>
+            </a:pPr>
+            <a:r>
+              <a:rPr lang="pl-PL" sz="1800" b="1" dirty="0"/>
+              <a:t>język ma wpływ na czas obsługi wniosków, język angielski ma czas obsługi wydłużony ze względu na ilość wniosków</a:t>
+            </a:r>
+          </a:p>
+          <a:p>
+            <a:pPr marL="285750" indent="-285750">
+              <a:spcAft>
+                <a:spcPts val="600"/>
+              </a:spcAft>
+              <a:buFontTx/>
+              <a:buChar char="-"/>
+            </a:pPr>
+            <a:r>
+              <a:rPr lang="pl-PL" sz="1800" b="1" dirty="0"/>
+              <a:t>języki iberyjskie i niderlandzki mają najdłuższy czas realizacji wniosków</a:t>
+            </a:r>
+          </a:p>
+          <a:p>
+            <a:pPr marL="285750" indent="-285750">
+              <a:spcAft>
+                <a:spcPts val="600"/>
+              </a:spcAft>
+              <a:buFontTx/>
+              <a:buChar char="-"/>
+            </a:pPr>
+            <a:r>
+              <a:rPr lang="pl-PL" sz="1800" b="1" dirty="0"/>
+              <a:t>wnioski od partnera TUI są realizowane szybciej niż od Kiribati</a:t>
+            </a:r>
+          </a:p>
+          <a:p>
+            <a:pPr marL="285750" indent="-285750">
+              <a:spcAft>
+                <a:spcPts val="600"/>
+              </a:spcAft>
+              <a:buFontTx/>
+              <a:buChar char="-"/>
+            </a:pPr>
+            <a:r>
+              <a:rPr lang="pl-PL" sz="1800" b="1" dirty="0"/>
+              <a:t>duży udział </a:t>
+            </a:r>
+            <a:r>
+              <a:rPr lang="pl-PL" sz="1800" b="1" dirty="0" err="1"/>
+              <a:t>LEADów</a:t>
+            </a:r>
+            <a:r>
+              <a:rPr lang="pl-PL" sz="1800" b="1" dirty="0"/>
+              <a:t> dla wniosków z językami skandynawskimi, mały dla portugalskiego</a:t>
+            </a:r>
+          </a:p>
+          <a:p>
+            <a:pPr marL="285750" indent="-285750">
+              <a:spcAft>
+                <a:spcPts val="600"/>
+              </a:spcAft>
+              <a:buFontTx/>
+              <a:buChar char="-"/>
+            </a:pPr>
+            <a:r>
+              <a:rPr lang="pl-PL" sz="1800" b="1" dirty="0"/>
+              <a:t>CTR najlepszy dla języka duńskiego, polskiego</a:t>
+            </a:r>
+          </a:p>
+          <a:p>
+            <a:pPr marL="285750" indent="-285750">
+              <a:spcAft>
+                <a:spcPts val="600"/>
+              </a:spcAft>
+              <a:buFontTx/>
+              <a:buChar char="-"/>
+            </a:pPr>
+            <a:r>
+              <a:rPr lang="pl-PL" sz="1800" b="1" dirty="0"/>
+              <a:t>przy przypisaniu kampanii promocyjnej, partner nie kieruje się językiem wniosku</a:t>
+            </a:r>
+          </a:p>
+        </p:txBody>
+      </p:sp>
+    </p:spTree>
+    <p:extLst>
+      <p:ext uri="{BB962C8B-B14F-4D97-AF65-F5344CB8AC3E}">
+        <p14:creationId xmlns:p14="http://schemas.microsoft.com/office/powerpoint/2010/main" val="4275128724"/>
+      </p:ext>
+    </p:extLst>
+  </p:cSld>
+  <p:clrMapOvr>
+    <a:masterClrMapping/>
+  </p:clrMapOvr>
+</p:sld>
+</file>
+
+<file path=ppt/slides/slide2.xml><?xml version="1.0" encoding="utf-8"?>
+<p:sld xmlns:a="http://schemas.openxmlformats.org/drawingml/2006/main" xmlns:r="http://schemas.openxmlformats.org/officeDocument/2006/relationships" xmlns:p="http://schemas.openxmlformats.org/presentationml/2006/main">
+  <p:cSld>
+    <p:bg>
+      <p:bgPr>
+        <a:solidFill>
+          <a:schemeClr val="bg1"/>
+        </a:solidFill>
+        <a:effectLst/>
+      </p:bgPr>
+    </p:bg>
+    <p:spTree>
+      <p:nvGrpSpPr>
+        <p:cNvPr id="1" name=""/>
+        <p:cNvGrpSpPr/>
+        <p:nvPr/>
+      </p:nvGrpSpPr>
+      <p:grpSpPr>
+        <a:xfrm>
+          <a:off x="0" y="0"/>
+          <a:ext cx="0" cy="0"/>
+          <a:chOff x="0" y="0"/>
+          <a:chExt cx="0" cy="0"/>
+        </a:xfrm>
+      </p:grpSpPr>
+      <p:sp>
+        <p:nvSpPr>
+          <p:cNvPr id="30" name="Rectangle 29">
+            <a:extLst>
+              <a:ext uri="{FF2B5EF4-FFF2-40B4-BE49-F238E27FC236}">
+                <a16:creationId xmlns:a16="http://schemas.microsoft.com/office/drawing/2014/main" id="{7459C506-5F4B-4B75-9218-C7C3F87FA8D3}"/>
+              </a:ext>
+              <a:ext uri="{C183D7F6-B498-43B3-948B-1728B52AA6E4}">
+                <adec:decorative xmlns:adec="http://schemas.microsoft.com/office/drawing/2017/decorative" val="1"/>
+              </a:ext>
+            </a:extLst>
+          </p:cNvPr>
+          <p:cNvSpPr>
+            <a:spLocks noGrp="1" noRot="1" noChangeAspect="1" noMove="1" noResize="1" noEditPoints="1" noAdjustHandles="1" noChangeArrowheads="1" noChangeShapeType="1" noTextEdit="1"/>
+          </p:cNvSpPr>
+          <p:nvPr>
+            <p:extLst>
+              <p:ext uri="{386F3935-93C4-4BCD-93E2-E3B085C9AB24}">
+                <p16:designElem xmlns:p16="http://schemas.microsoft.com/office/powerpoint/2015/main" val="1"/>
+              </p:ext>
+            </p:extLst>
+          </p:nvPr>
+        </p:nvSpPr>
+        <p:spPr>
+          <a:xfrm>
+            <a:off x="0" y="0"/>
+            <a:ext cx="12192000" cy="6858000"/>
+          </a:xfrm>
+          <a:prstGeom prst="rect">
+            <a:avLst/>
+          </a:prstGeom>
+          <a:ln>
+            <a:noFill/>
+          </a:ln>
+        </p:spPr>
+        <p:style>
+          <a:lnRef idx="2">
+            <a:schemeClr val="accent1">
+              <a:shade val="50000"/>
+            </a:schemeClr>
+          </a:lnRef>
+          <a:fillRef idx="1">
+            <a:schemeClr val="accent1"/>
+          </a:fillRef>
+          <a:effectRef idx="0">
+            <a:schemeClr val="accent1"/>
+          </a:effectRef>
+          <a:fontRef idx="minor">
+            <a:schemeClr val="lt1"/>
+          </a:fontRef>
+        </p:style>
+        <p:txBody>
+          <a:bodyPr rtlCol="0" anchor="ctr"/>
+          <a:lstStyle/>
+          <a:p>
+            <a:pPr algn="ctr"/>
+            <a:endParaRPr lang="en-US"/>
+          </a:p>
+        </p:txBody>
+      </p:sp>
+      <p:grpSp>
+        <p:nvGrpSpPr>
+          <p:cNvPr id="32" name="Group 31">
+            <a:extLst>
+              <a:ext uri="{FF2B5EF4-FFF2-40B4-BE49-F238E27FC236}">
+                <a16:creationId xmlns:a16="http://schemas.microsoft.com/office/drawing/2014/main" id="{BC659EEB-C3AE-4544-8263-417009DCDF41}"/>
+              </a:ext>
+              <a:ext uri="{C183D7F6-B498-43B3-948B-1728B52AA6E4}">
+                <adec:decorative xmlns:adec="http://schemas.microsoft.com/office/drawing/2017/decorative" val="1"/>
+              </a:ext>
+            </a:extLst>
+          </p:cNvPr>
+          <p:cNvGrpSpPr>
+            <a:grpSpLocks noGrp="1" noUngrp="1" noRot="1" noChangeAspect="1" noMove="1" noResize="1"/>
+          </p:cNvGrpSpPr>
+          <p:nvPr>
+            <p:extLst>
+              <p:ext uri="{386F3935-93C4-4BCD-93E2-E3B085C9AB24}">
+                <p16:designElem xmlns:p16="http://schemas.microsoft.com/office/powerpoint/2015/main" val="1"/>
+              </p:ext>
+            </p:extLst>
+          </p:nvPr>
+        </p:nvGrpSpPr>
+        <p:grpSpPr>
+          <a:xfrm>
+            <a:off x="0" y="-8467"/>
+            <a:ext cx="12192000" cy="6866467"/>
+            <a:chOff x="0" y="-8467"/>
+            <a:chExt cx="12192000" cy="6866467"/>
+          </a:xfrm>
+        </p:grpSpPr>
+        <p:cxnSp>
+          <p:nvCxnSpPr>
+            <p:cNvPr id="33" name="Straight Connector 32">
+              <a:extLst>
+                <a:ext uri="{FF2B5EF4-FFF2-40B4-BE49-F238E27FC236}">
+                  <a16:creationId xmlns:a16="http://schemas.microsoft.com/office/drawing/2014/main" id="{D99DB6C6-36F9-4576-A558-95153EADBE41}"/>
+                </a:ext>
+                <a:ext uri="{C183D7F6-B498-43B3-948B-1728B52AA6E4}">
+                  <adec:decorative xmlns:adec="http://schemas.microsoft.com/office/drawing/2017/decorative" val="1"/>
+                </a:ext>
+              </a:extLst>
+            </p:cNvPr>
+            <p:cNvCxnSpPr/>
+            <p:nvPr>
+              <p:extLst>
+                <p:ext uri="{386F3935-93C4-4BCD-93E2-E3B085C9AB24}">
+                  <p16:designElem xmlns:p16="http://schemas.microsoft.com/office/powerpoint/2015/main" val="1"/>
+                </p:ext>
+              </p:extLst>
+            </p:nvPr>
+          </p:nvCxnSpPr>
+          <p:spPr>
+            <a:xfrm flipH="1">
+              <a:off x="7425267" y="3681413"/>
+              <a:ext cx="4763558" cy="3176587"/>
+            </a:xfrm>
+            <a:prstGeom prst="line">
+              <a:avLst/>
+            </a:prstGeom>
+            <a:ln w="9525">
+              <a:solidFill>
+                <a:schemeClr val="bg1">
+                  <a:lumMod val="85000"/>
+                </a:schemeClr>
+              </a:solidFill>
+            </a:ln>
+          </p:spPr>
+          <p:style>
+            <a:lnRef idx="2">
+              <a:schemeClr val="accent1"/>
+            </a:lnRef>
+            <a:fillRef idx="0">
+              <a:schemeClr val="accent1"/>
+            </a:fillRef>
+            <a:effectRef idx="1">
+              <a:schemeClr val="accent1"/>
+            </a:effectRef>
+            <a:fontRef idx="minor">
+              <a:schemeClr val="tx1"/>
+            </a:fontRef>
+          </p:style>
+        </p:cxnSp>
+        <p:sp>
+          <p:nvSpPr>
+            <p:cNvPr id="34" name="Rectangle 23">
+              <a:extLst>
+                <a:ext uri="{FF2B5EF4-FFF2-40B4-BE49-F238E27FC236}">
+                  <a16:creationId xmlns:a16="http://schemas.microsoft.com/office/drawing/2014/main" id="{694E7916-EDE4-4B50-A4A1-6B28FDD4D9B9}"/>
+                </a:ext>
+                <a:ext uri="{C183D7F6-B498-43B3-948B-1728B52AA6E4}">
+                  <adec:decorative xmlns:adec="http://schemas.microsoft.com/office/drawing/2017/decorative" val="1"/>
+                </a:ext>
+              </a:extLst>
+            </p:cNvPr>
+            <p:cNvSpPr/>
+            <p:nvPr>
+              <p:extLst>
+                <p:ext uri="{386F3935-93C4-4BCD-93E2-E3B085C9AB24}">
+                  <p16:designElem xmlns:p16="http://schemas.microsoft.com/office/powerpoint/2015/main" val="1"/>
+                </p:ext>
+              </p:extLst>
+            </p:nvPr>
+          </p:nvSpPr>
+          <p:spPr>
+            <a:xfrm>
+              <a:off x="9181476" y="-8467"/>
+              <a:ext cx="3007349" cy="6866467"/>
+            </a:xfrm>
+            <a:custGeom>
+              <a:avLst/>
+              <a:gdLst/>
+              <a:ahLst/>
+              <a:cxnLst/>
+              <a:rect l="l" t="t" r="r" b="b"/>
+              <a:pathLst>
+                <a:path w="3007349" h="6866467">
+                  <a:moveTo>
+                    <a:pt x="2045532" y="0"/>
+                  </a:moveTo>
+                  <a:lnTo>
+                    <a:pt x="3007349" y="0"/>
+                  </a:lnTo>
+                  <a:lnTo>
+                    <a:pt x="3007349" y="6866467"/>
+                  </a:lnTo>
+                  <a:lnTo>
+                    <a:pt x="0" y="6866467"/>
+                  </a:lnTo>
+                  <a:lnTo>
+                    <a:pt x="2045532" y="0"/>
+                  </a:lnTo>
+                  <a:close/>
+                </a:path>
+              </a:pathLst>
+            </a:custGeom>
+            <a:solidFill>
+              <a:schemeClr val="accent1">
+                <a:alpha val="30000"/>
+              </a:schemeClr>
+            </a:solidFill>
+            <a:ln>
+              <a:noFill/>
+            </a:ln>
+            <a:effectLst/>
+          </p:spPr>
+          <p:style>
+            <a:lnRef idx="1">
+              <a:schemeClr val="accent1"/>
+            </a:lnRef>
+            <a:fillRef idx="3">
+              <a:schemeClr val="accent1"/>
+            </a:fillRef>
+            <a:effectRef idx="2">
+              <a:schemeClr val="accent1"/>
+            </a:effectRef>
+            <a:fontRef idx="minor">
+              <a:schemeClr val="lt1"/>
+            </a:fontRef>
+          </p:style>
+        </p:sp>
+        <p:sp>
+          <p:nvSpPr>
+            <p:cNvPr id="35" name="Rectangle 25">
+              <a:extLst>
+                <a:ext uri="{FF2B5EF4-FFF2-40B4-BE49-F238E27FC236}">
+                  <a16:creationId xmlns:a16="http://schemas.microsoft.com/office/drawing/2014/main" id="{6F6CB7BB-4370-4173-97F8-F636C0F149F1}"/>
+                </a:ext>
+                <a:ext uri="{C183D7F6-B498-43B3-948B-1728B52AA6E4}">
+                  <adec:decorative xmlns:adec="http://schemas.microsoft.com/office/drawing/2017/decorative" val="1"/>
+                </a:ext>
+              </a:extLst>
+            </p:cNvPr>
+            <p:cNvSpPr/>
+            <p:nvPr>
+              <p:extLst>
+                <p:ext uri="{386F3935-93C4-4BCD-93E2-E3B085C9AB24}">
+                  <p16:designElem xmlns:p16="http://schemas.microsoft.com/office/powerpoint/2015/main" val="1"/>
+                </p:ext>
+              </p:extLst>
+            </p:nvPr>
+          </p:nvSpPr>
+          <p:spPr>
+            <a:xfrm>
+              <a:off x="9603442" y="-8467"/>
+              <a:ext cx="2588558" cy="6866467"/>
+            </a:xfrm>
+            <a:custGeom>
+              <a:avLst/>
+              <a:gdLst/>
+              <a:ahLst/>
+              <a:cxnLst/>
+              <a:rect l="l" t="t" r="r" b="b"/>
+              <a:pathLst>
+                <a:path w="2573311" h="6866467">
+                  <a:moveTo>
+                    <a:pt x="0" y="0"/>
+                  </a:moveTo>
+                  <a:lnTo>
+                    <a:pt x="2573311" y="0"/>
+                  </a:lnTo>
+                  <a:lnTo>
+                    <a:pt x="2573311" y="6866467"/>
+                  </a:lnTo>
+                  <a:lnTo>
+                    <a:pt x="1202336" y="6866467"/>
+                  </a:lnTo>
+                  <a:lnTo>
+                    <a:pt x="0" y="0"/>
+                  </a:lnTo>
+                  <a:close/>
+                </a:path>
+              </a:pathLst>
+            </a:custGeom>
+            <a:solidFill>
+              <a:schemeClr val="accent1">
+                <a:alpha val="20000"/>
+              </a:schemeClr>
+            </a:solidFill>
+            <a:ln>
+              <a:noFill/>
+            </a:ln>
+            <a:effectLst/>
+          </p:spPr>
+          <p:style>
+            <a:lnRef idx="1">
+              <a:schemeClr val="accent1"/>
+            </a:lnRef>
+            <a:fillRef idx="3">
+              <a:schemeClr val="accent1"/>
+            </a:fillRef>
+            <a:effectRef idx="2">
+              <a:schemeClr val="accent1"/>
+            </a:effectRef>
+            <a:fontRef idx="minor">
+              <a:schemeClr val="lt1"/>
+            </a:fontRef>
+          </p:style>
+        </p:sp>
+        <p:sp>
+          <p:nvSpPr>
+            <p:cNvPr id="36" name="Isosceles Triangle 35">
+              <a:extLst>
+                <a:ext uri="{FF2B5EF4-FFF2-40B4-BE49-F238E27FC236}">
+                  <a16:creationId xmlns:a16="http://schemas.microsoft.com/office/drawing/2014/main" id="{B0F590BB-1F51-4138-A2D4-2E483C84FB07}"/>
+                </a:ext>
+                <a:ext uri="{C183D7F6-B498-43B3-948B-1728B52AA6E4}">
+                  <adec:decorative xmlns:adec="http://schemas.microsoft.com/office/drawing/2017/decorative" val="1"/>
+                </a:ext>
+              </a:extLst>
+            </p:cNvPr>
+            <p:cNvSpPr/>
+            <p:nvPr>
+              <p:extLst>
+                <p:ext uri="{386F3935-93C4-4BCD-93E2-E3B085C9AB24}">
+                  <p16:designElem xmlns:p16="http://schemas.microsoft.com/office/powerpoint/2015/main" val="1"/>
+                </p:ext>
+              </p:extLst>
+            </p:nvPr>
+          </p:nvSpPr>
+          <p:spPr>
+            <a:xfrm>
+              <a:off x="8932333" y="3048000"/>
+              <a:ext cx="3259667" cy="3810000"/>
+            </a:xfrm>
+            <a:prstGeom prst="triangle">
+              <a:avLst>
+                <a:gd name="adj" fmla="val 100000"/>
+              </a:avLst>
+            </a:prstGeom>
+            <a:solidFill>
+              <a:schemeClr val="accent2">
+                <a:alpha val="72000"/>
+              </a:schemeClr>
+            </a:solidFill>
+            <a:ln>
+              <a:noFill/>
+            </a:ln>
+            <a:effectLst/>
+          </p:spPr>
+          <p:style>
+            <a:lnRef idx="1">
+              <a:schemeClr val="accent1"/>
+            </a:lnRef>
+            <a:fillRef idx="3">
+              <a:schemeClr val="accent1"/>
+            </a:fillRef>
+            <a:effectRef idx="2">
+              <a:schemeClr val="accent1"/>
+            </a:effectRef>
+            <a:fontRef idx="minor">
+              <a:schemeClr val="lt1"/>
+            </a:fontRef>
+          </p:style>
+        </p:sp>
+        <p:sp>
+          <p:nvSpPr>
+            <p:cNvPr id="37" name="Rectangle 27">
+              <a:extLst>
+                <a:ext uri="{FF2B5EF4-FFF2-40B4-BE49-F238E27FC236}">
+                  <a16:creationId xmlns:a16="http://schemas.microsoft.com/office/drawing/2014/main" id="{4A492863-9797-45A2-BAB3-514F10C5F254}"/>
+                </a:ext>
+                <a:ext uri="{C183D7F6-B498-43B3-948B-1728B52AA6E4}">
+                  <adec:decorative xmlns:adec="http://schemas.microsoft.com/office/drawing/2017/decorative" val="1"/>
+                </a:ext>
+              </a:extLst>
+            </p:cNvPr>
+            <p:cNvSpPr/>
+            <p:nvPr>
+              <p:extLst>
+                <p:ext uri="{386F3935-93C4-4BCD-93E2-E3B085C9AB24}">
+                  <p16:designElem xmlns:p16="http://schemas.microsoft.com/office/powerpoint/2015/main" val="1"/>
+                </p:ext>
+              </p:extLst>
+            </p:nvPr>
+          </p:nvSpPr>
+          <p:spPr>
+            <a:xfrm>
+              <a:off x="9334500" y="-8467"/>
+              <a:ext cx="2854326" cy="6866467"/>
+            </a:xfrm>
+            <a:custGeom>
+              <a:avLst/>
+              <a:gdLst/>
+              <a:ahLst/>
+              <a:cxnLst/>
+              <a:rect l="l" t="t" r="r" b="b"/>
+              <a:pathLst>
+                <a:path w="2858013" h="6866467">
+                  <a:moveTo>
+                    <a:pt x="0" y="0"/>
+                  </a:moveTo>
+                  <a:lnTo>
+                    <a:pt x="2858013" y="0"/>
+                  </a:lnTo>
+                  <a:lnTo>
+                    <a:pt x="2858013" y="6866467"/>
+                  </a:lnTo>
+                  <a:lnTo>
+                    <a:pt x="2473942" y="6866467"/>
+                  </a:lnTo>
+                  <a:lnTo>
+                    <a:pt x="0" y="0"/>
+                  </a:lnTo>
+                  <a:close/>
+                </a:path>
+              </a:pathLst>
+            </a:custGeom>
+            <a:solidFill>
+              <a:schemeClr val="accent2">
+                <a:lumMod val="75000"/>
+                <a:alpha val="70000"/>
+              </a:schemeClr>
+            </a:solidFill>
+            <a:ln>
+              <a:noFill/>
+            </a:ln>
+            <a:effectLst/>
+          </p:spPr>
+          <p:style>
+            <a:lnRef idx="1">
+              <a:schemeClr val="accent1"/>
+            </a:lnRef>
+            <a:fillRef idx="3">
+              <a:schemeClr val="accent1"/>
+            </a:fillRef>
+            <a:effectRef idx="2">
+              <a:schemeClr val="accent1"/>
+            </a:effectRef>
+            <a:fontRef idx="minor">
+              <a:schemeClr val="lt1"/>
+            </a:fontRef>
+          </p:style>
+        </p:sp>
+        <p:sp>
+          <p:nvSpPr>
+            <p:cNvPr id="38" name="Rectangle 28">
+              <a:extLst>
+                <a:ext uri="{FF2B5EF4-FFF2-40B4-BE49-F238E27FC236}">
+                  <a16:creationId xmlns:a16="http://schemas.microsoft.com/office/drawing/2014/main" id="{7C1E33F6-6D0F-4ECF-92F4-6F71D8BAF3D9}"/>
+                </a:ext>
+                <a:ext uri="{C183D7F6-B498-43B3-948B-1728B52AA6E4}">
+                  <adec:decorative xmlns:adec="http://schemas.microsoft.com/office/drawing/2017/decorative" val="1"/>
+                </a:ext>
+              </a:extLst>
+            </p:cNvPr>
+            <p:cNvSpPr/>
+            <p:nvPr>
+              <p:extLst>
+                <p:ext uri="{386F3935-93C4-4BCD-93E2-E3B085C9AB24}">
+                  <p16:designElem xmlns:p16="http://schemas.microsoft.com/office/powerpoint/2015/main" val="1"/>
+                </p:ext>
+              </p:extLst>
+            </p:nvPr>
+          </p:nvSpPr>
+          <p:spPr>
+            <a:xfrm>
+              <a:off x="10898730" y="-8467"/>
+              <a:ext cx="1290094" cy="6866467"/>
+            </a:xfrm>
+            <a:custGeom>
+              <a:avLst/>
+              <a:gdLst/>
+              <a:ahLst/>
+              <a:cxnLst/>
+              <a:rect l="l" t="t" r="r" b="b"/>
+              <a:pathLst>
+                <a:path w="1290094" h="6858000">
+                  <a:moveTo>
+                    <a:pt x="1019735" y="0"/>
+                  </a:moveTo>
+                  <a:lnTo>
+                    <a:pt x="1290094" y="0"/>
+                  </a:lnTo>
+                  <a:lnTo>
+                    <a:pt x="1290094" y="6858000"/>
+                  </a:lnTo>
+                  <a:lnTo>
+                    <a:pt x="0" y="6858000"/>
+                  </a:lnTo>
+                  <a:lnTo>
+                    <a:pt x="1019735" y="0"/>
+                  </a:lnTo>
+                  <a:close/>
+                </a:path>
+              </a:pathLst>
+            </a:custGeom>
+            <a:solidFill>
+              <a:schemeClr val="accent1">
+                <a:lumMod val="60000"/>
+                <a:lumOff val="40000"/>
+                <a:alpha val="70000"/>
+              </a:schemeClr>
+            </a:solidFill>
+            <a:ln>
+              <a:noFill/>
+            </a:ln>
+            <a:effectLst/>
+          </p:spPr>
+          <p:style>
+            <a:lnRef idx="1">
+              <a:schemeClr val="accent1"/>
+            </a:lnRef>
+            <a:fillRef idx="3">
+              <a:schemeClr val="accent1"/>
+            </a:fillRef>
+            <a:effectRef idx="2">
+              <a:schemeClr val="accent1"/>
+            </a:effectRef>
+            <a:fontRef idx="minor">
+              <a:schemeClr val="lt1"/>
+            </a:fontRef>
+          </p:style>
+        </p:sp>
+        <p:sp>
+          <p:nvSpPr>
+            <p:cNvPr id="39" name="Rectangle 29">
+              <a:extLst>
+                <a:ext uri="{FF2B5EF4-FFF2-40B4-BE49-F238E27FC236}">
+                  <a16:creationId xmlns:a16="http://schemas.microsoft.com/office/drawing/2014/main" id="{73EEEA64-7411-474B-BD0E-60C24B3F4E56}"/>
+                </a:ext>
+                <a:ext uri="{C183D7F6-B498-43B3-948B-1728B52AA6E4}">
+                  <adec:decorative xmlns:adec="http://schemas.microsoft.com/office/drawing/2017/decorative" val="1"/>
+                </a:ext>
+              </a:extLst>
+            </p:cNvPr>
+            <p:cNvSpPr/>
+            <p:nvPr>
+              <p:extLst>
+                <p:ext uri="{386F3935-93C4-4BCD-93E2-E3B085C9AB24}">
+                  <p16:designElem xmlns:p16="http://schemas.microsoft.com/office/powerpoint/2015/main" val="1"/>
+                </p:ext>
+              </p:extLst>
+            </p:nvPr>
+          </p:nvSpPr>
+          <p:spPr>
+            <a:xfrm>
+              <a:off x="10938999" y="-8467"/>
+              <a:ext cx="1249825" cy="6866467"/>
+            </a:xfrm>
+            <a:custGeom>
+              <a:avLst/>
+              <a:gdLst/>
+              <a:ahLst/>
+              <a:cxnLst/>
+              <a:rect l="l" t="t" r="r" b="b"/>
+              <a:pathLst>
+                <a:path w="1249825" h="6858000">
+                  <a:moveTo>
+                    <a:pt x="0" y="0"/>
+                  </a:moveTo>
+                  <a:lnTo>
+                    <a:pt x="1249825" y="0"/>
+                  </a:lnTo>
+                  <a:lnTo>
+                    <a:pt x="1249825" y="6858000"/>
+                  </a:lnTo>
+                  <a:lnTo>
+                    <a:pt x="1109382" y="6858000"/>
+                  </a:lnTo>
+                  <a:lnTo>
+                    <a:pt x="0" y="0"/>
+                  </a:lnTo>
+                  <a:close/>
+                </a:path>
+              </a:pathLst>
+            </a:custGeom>
+            <a:solidFill>
+              <a:schemeClr val="accent1">
+                <a:alpha val="65000"/>
+              </a:schemeClr>
+            </a:solidFill>
+            <a:ln>
+              <a:noFill/>
+            </a:ln>
+            <a:effectLst/>
+          </p:spPr>
+          <p:style>
+            <a:lnRef idx="1">
+              <a:schemeClr val="accent1"/>
+            </a:lnRef>
+            <a:fillRef idx="3">
+              <a:schemeClr val="accent1"/>
+            </a:fillRef>
+            <a:effectRef idx="2">
+              <a:schemeClr val="accent1"/>
+            </a:effectRef>
+            <a:fontRef idx="minor">
+              <a:schemeClr val="lt1"/>
+            </a:fontRef>
+          </p:style>
+        </p:sp>
+        <p:sp>
+          <p:nvSpPr>
+            <p:cNvPr id="40" name="Isosceles Triangle 39">
+              <a:extLst>
+                <a:ext uri="{FF2B5EF4-FFF2-40B4-BE49-F238E27FC236}">
+                  <a16:creationId xmlns:a16="http://schemas.microsoft.com/office/drawing/2014/main" id="{4F82A6DD-92BB-4443-B5A5-05240DD5580E}"/>
+                </a:ext>
+                <a:ext uri="{C183D7F6-B498-43B3-948B-1728B52AA6E4}">
+                  <adec:decorative xmlns:adec="http://schemas.microsoft.com/office/drawing/2017/decorative" val="1"/>
+                </a:ext>
+              </a:extLst>
+            </p:cNvPr>
+            <p:cNvSpPr/>
+            <p:nvPr>
+              <p:extLst>
+                <p:ext uri="{386F3935-93C4-4BCD-93E2-E3B085C9AB24}">
+                  <p16:designElem xmlns:p16="http://schemas.microsoft.com/office/powerpoint/2015/main" val="1"/>
+                </p:ext>
+              </p:extLst>
+            </p:nvPr>
+          </p:nvSpPr>
+          <p:spPr>
+            <a:xfrm>
+              <a:off x="10371666" y="3589867"/>
+              <a:ext cx="1817159" cy="3268133"/>
+            </a:xfrm>
+            <a:prstGeom prst="triangle">
+              <a:avLst>
+                <a:gd name="adj" fmla="val 100000"/>
+              </a:avLst>
+            </a:prstGeom>
+            <a:solidFill>
+              <a:schemeClr val="accent1">
+                <a:alpha val="80000"/>
+              </a:schemeClr>
+            </a:solidFill>
+            <a:ln>
+              <a:noFill/>
+            </a:ln>
+            <a:effectLst/>
+          </p:spPr>
+          <p:style>
+            <a:lnRef idx="1">
+              <a:schemeClr val="accent1"/>
+            </a:lnRef>
+            <a:fillRef idx="3">
+              <a:schemeClr val="accent1"/>
+            </a:fillRef>
+            <a:effectRef idx="2">
+              <a:schemeClr val="accent1"/>
+            </a:effectRef>
+            <a:fontRef idx="minor">
+              <a:schemeClr val="lt1"/>
+            </a:fontRef>
+          </p:style>
+        </p:sp>
+        <p:sp>
+          <p:nvSpPr>
+            <p:cNvPr id="41" name="Isosceles Triangle 40">
+              <a:extLst>
+                <a:ext uri="{FF2B5EF4-FFF2-40B4-BE49-F238E27FC236}">
+                  <a16:creationId xmlns:a16="http://schemas.microsoft.com/office/drawing/2014/main" id="{79832BCB-1DCF-46AC-9FFA-170791668D8C}"/>
+                </a:ext>
+                <a:ext uri="{C183D7F6-B498-43B3-948B-1728B52AA6E4}">
+                  <adec:decorative xmlns:adec="http://schemas.microsoft.com/office/drawing/2017/decorative" val="1"/>
+                </a:ext>
+              </a:extLst>
+            </p:cNvPr>
+            <p:cNvSpPr/>
+            <p:nvPr>
+              <p:extLst>
+                <p:ext uri="{386F3935-93C4-4BCD-93E2-E3B085C9AB24}">
+                  <p16:designElem xmlns:p16="http://schemas.microsoft.com/office/powerpoint/2015/main" val="1"/>
+                </p:ext>
+              </p:extLst>
+            </p:nvPr>
+          </p:nvSpPr>
+          <p:spPr>
+            <a:xfrm>
+              <a:off x="0" y="4013200"/>
+              <a:ext cx="448733" cy="2844800"/>
+            </a:xfrm>
+            <a:prstGeom prst="triangle">
+              <a:avLst>
+                <a:gd name="adj" fmla="val 0"/>
+              </a:avLst>
+            </a:prstGeom>
+            <a:solidFill>
+              <a:schemeClr val="accent1">
+                <a:alpha val="85000"/>
+              </a:schemeClr>
+            </a:solidFill>
+            <a:ln>
+              <a:noFill/>
+            </a:ln>
+            <a:effectLst/>
+          </p:spPr>
+          <p:style>
+            <a:lnRef idx="1">
+              <a:schemeClr val="accent1"/>
+            </a:lnRef>
+            <a:fillRef idx="3">
+              <a:schemeClr val="accent1"/>
+            </a:fillRef>
+            <a:effectRef idx="2">
+              <a:schemeClr val="accent1"/>
+            </a:effectRef>
+            <a:fontRef idx="minor">
+              <a:schemeClr val="lt1"/>
+            </a:fontRef>
+          </p:style>
+        </p:sp>
+      </p:grpSp>
+      <p:sp useBgFill="1">
+        <p:nvSpPr>
+          <p:cNvPr id="43" name="Rectangle 42">
+            <a:extLst>
+              <a:ext uri="{FF2B5EF4-FFF2-40B4-BE49-F238E27FC236}">
+                <a16:creationId xmlns:a16="http://schemas.microsoft.com/office/drawing/2014/main" id="{4E74DA95-CD7A-4D5E-9D27-67A759CE708D}"/>
+              </a:ext>
+              <a:ext uri="{C183D7F6-B498-43B3-948B-1728B52AA6E4}">
+                <adec:decorative xmlns:adec="http://schemas.microsoft.com/office/drawing/2017/decorative" val="1"/>
+              </a:ext>
+            </a:extLst>
+          </p:cNvPr>
+          <p:cNvSpPr>
+            <a:spLocks noGrp="1" noRot="1" noChangeAspect="1" noMove="1" noResize="1" noEditPoints="1" noAdjustHandles="1" noChangeArrowheads="1" noChangeShapeType="1" noTextEdit="1"/>
+          </p:cNvSpPr>
+          <p:nvPr>
+            <p:extLst>
+              <p:ext uri="{386F3935-93C4-4BCD-93E2-E3B085C9AB24}">
+                <p16:designElem xmlns:p16="http://schemas.microsoft.com/office/powerpoint/2015/main" val="1"/>
+              </p:ext>
+            </p:extLst>
+          </p:nvPr>
+        </p:nvSpPr>
+        <p:spPr>
+          <a:xfrm>
+            <a:off x="477012" y="480060"/>
+            <a:ext cx="11237976" cy="5897880"/>
+          </a:xfrm>
+          <a:prstGeom prst="rect">
+            <a:avLst/>
+          </a:prstGeom>
+          <a:ln w="22225">
+            <a:solidFill>
+              <a:srgbClr val="FFFFFF"/>
+            </a:solidFill>
+          </a:ln>
+        </p:spPr>
+        <p:style>
+          <a:lnRef idx="2">
+            <a:schemeClr val="accent1">
+              <a:shade val="50000"/>
+            </a:schemeClr>
+          </a:lnRef>
+          <a:fillRef idx="1">
+            <a:schemeClr val="accent1"/>
+          </a:fillRef>
+          <a:effectRef idx="0">
+            <a:schemeClr val="accent1"/>
+          </a:effectRef>
+          <a:fontRef idx="minor">
+            <a:schemeClr val="lt1"/>
+          </a:fontRef>
+        </p:style>
+        <p:txBody>
+          <a:bodyPr rtlCol="0" anchor="ctr"/>
+          <a:lstStyle/>
+          <a:p>
+            <a:pPr algn="ctr"/>
+            <a:endParaRPr lang="en-US"/>
+          </a:p>
+        </p:txBody>
+      </p:sp>
+      <p:pic>
+        <p:nvPicPr>
+          <p:cNvPr id="2" name="slide9">
+            <a:extLst>
+              <a:ext uri="{FF2B5EF4-FFF2-40B4-BE49-F238E27FC236}">
+                <a16:creationId xmlns:a16="http://schemas.microsoft.com/office/drawing/2014/main" id="{B1B15371-67D2-4221-AEE5-0CD2CEE4040E}"/>
+              </a:ext>
+            </a:extLst>
+          </p:cNvPr>
+          <p:cNvPicPr>
+            <a:picLocks noChangeAspect="1"/>
+          </p:cNvPicPr>
+          <p:nvPr/>
+        </p:nvPicPr>
+        <p:blipFill>
+          <a:blip r:embed="rId2">
+            <a:extLst>
+              <a:ext uri="{28A0092B-C50C-407E-A947-70E740481C1C}">
+                <a14:useLocalDpi xmlns:a14="http://schemas.microsoft.com/office/drawing/2010/main" val="0"/>
+              </a:ext>
+            </a:extLst>
+          </a:blip>
+          <a:stretch>
+            <a:fillRect/>
+          </a:stretch>
+        </p:blipFill>
+        <p:spPr>
+          <a:xfrm>
+            <a:off x="1124262" y="1207044"/>
+            <a:ext cx="4650004" cy="4452379"/>
+          </a:xfrm>
+          <a:prstGeom prst="rect">
+            <a:avLst/>
+          </a:prstGeom>
+        </p:spPr>
+      </p:pic>
+      <p:cxnSp>
+        <p:nvCxnSpPr>
+          <p:cNvPr id="45" name="Straight Connector 44">
+            <a:extLst>
+              <a:ext uri="{FF2B5EF4-FFF2-40B4-BE49-F238E27FC236}">
+                <a16:creationId xmlns:a16="http://schemas.microsoft.com/office/drawing/2014/main" id="{14AA3B5C-0C55-4FFF-9C45-8F9F7C074A4E}"/>
+              </a:ext>
+              <a:ext uri="{C183D7F6-B498-43B3-948B-1728B52AA6E4}">
+                <adec:decorative xmlns:adec="http://schemas.microsoft.com/office/drawing/2017/decorative" val="1"/>
+              </a:ext>
+            </a:extLst>
+          </p:cNvPr>
+          <p:cNvCxnSpPr>
+            <a:cxnSpLocks noGrp="1" noRot="1" noChangeAspect="1" noMove="1" noResize="1" noEditPoints="1" noAdjustHandles="1" noChangeArrowheads="1" noChangeShapeType="1"/>
+          </p:cNvCxnSpPr>
+          <p:nvPr>
+            <p:extLst>
+              <p:ext uri="{386F3935-93C4-4BCD-93E2-E3B085C9AB24}">
+                <p16:designElem xmlns:p16="http://schemas.microsoft.com/office/powerpoint/2015/main" val="1"/>
+              </p:ext>
+            </p:extLst>
+          </p:nvPr>
+        </p:nvCxnSpPr>
+        <p:spPr>
+          <a:xfrm>
+            <a:off x="6081305" y="1650669"/>
+            <a:ext cx="0" cy="3431969"/>
+          </a:xfrm>
+          <a:prstGeom prst="line">
+            <a:avLst/>
+          </a:prstGeom>
+        </p:spPr>
+        <p:style>
+          <a:lnRef idx="1">
+            <a:schemeClr val="accent1"/>
+          </a:lnRef>
+          <a:fillRef idx="0">
+            <a:schemeClr val="accent1"/>
+          </a:fillRef>
+          <a:effectRef idx="0">
+            <a:schemeClr val="accent1"/>
+          </a:effectRef>
+          <a:fontRef idx="minor">
+            <a:schemeClr val="tx1"/>
+          </a:fontRef>
+        </p:style>
+      </p:cxnSp>
+      <p:pic>
+        <p:nvPicPr>
+          <p:cNvPr id="3" name="slide10">
+            <a:extLst>
+              <a:ext uri="{FF2B5EF4-FFF2-40B4-BE49-F238E27FC236}">
+                <a16:creationId xmlns:a16="http://schemas.microsoft.com/office/drawing/2014/main" id="{F045544C-9DD1-4338-B4A7-CA589E7A5973}"/>
+              </a:ext>
+            </a:extLst>
+          </p:cNvPr>
+          <p:cNvPicPr>
+            <a:picLocks noChangeAspect="1"/>
+          </p:cNvPicPr>
+          <p:nvPr/>
+        </p:nvPicPr>
+        <p:blipFill>
+          <a:blip r:embed="rId3">
+            <a:extLst>
+              <a:ext uri="{28A0092B-C50C-407E-A947-70E740481C1C}">
+                <a14:useLocalDpi xmlns:a14="http://schemas.microsoft.com/office/drawing/2010/main" val="0"/>
+              </a:ext>
+            </a:extLst>
+          </a:blip>
+          <a:stretch>
+            <a:fillRect/>
+          </a:stretch>
+        </p:blipFill>
+        <p:spPr>
+          <a:xfrm>
+            <a:off x="6414367" y="1218668"/>
+            <a:ext cx="4650004" cy="4429129"/>
+          </a:xfrm>
+          <a:prstGeom prst="rect">
+            <a:avLst/>
+          </a:prstGeom>
+        </p:spPr>
+      </p:pic>
+    </p:spTree>
+    <p:extLst>
+      <p:ext uri="{BB962C8B-B14F-4D97-AF65-F5344CB8AC3E}">
+        <p14:creationId xmlns:p14="http://schemas.microsoft.com/office/powerpoint/2010/main" val="487512700"/>
+      </p:ext>
+    </p:extLst>
+  </p:cSld>
+  <p:clrMapOvr>
+    <a:masterClrMapping/>
+  </p:clrMapOvr>
+</p:sld>
+</file>
+
+<file path=ppt/slides/slide20.xml><?xml version="1.0" encoding="utf-8"?>
+<p:sld xmlns:a="http://schemas.openxmlformats.org/drawingml/2006/main" xmlns:r="http://schemas.openxmlformats.org/officeDocument/2006/relationships" xmlns:p="http://schemas.openxmlformats.org/presentationml/2006/main">
+  <p:cSld>
     <p:bg>
       <p:bgPr>
         <a:solidFill>
@@ -14853,13 +16144,13 @@
               </a:spcAft>
             </a:pPr>
             <a:r>
-              <a:rPr lang="en-US" sz="5400" b="1"/>
+              <a:rPr lang="en-US" sz="5400" b="1" dirty="0" err="1"/>
               <a:t>Dziękujemy</a:t>
             </a:r>
             <a:br>
-              <a:rPr lang="en-US" sz="5400" b="1"/>
+              <a:rPr lang="en-US" sz="5400" b="1" dirty="0"/>
             </a:br>
-            <a:endParaRPr lang="en-US" sz="5400"/>
+            <a:endParaRPr lang="en-US" sz="5400" dirty="0"/>
           </a:p>
         </p:txBody>
       </p:sp>
@@ -14867,930 +16158,6 @@
     <p:extLst>
       <p:ext uri="{BB962C8B-B14F-4D97-AF65-F5344CB8AC3E}">
         <p14:creationId xmlns:p14="http://schemas.microsoft.com/office/powerpoint/2010/main" val="2627595741"/>
-      </p:ext>
-    </p:extLst>
-  </p:cSld>
-  <p:clrMapOvr>
-    <a:masterClrMapping/>
-  </p:clrMapOvr>
-</p:sld>
-</file>
-
-<file path=ppt/slides/slide2.xml><?xml version="1.0" encoding="utf-8"?>
-<p:sld xmlns:a="http://schemas.openxmlformats.org/drawingml/2006/main" xmlns:r="http://schemas.openxmlformats.org/officeDocument/2006/relationships" xmlns:p="http://schemas.openxmlformats.org/presentationml/2006/main">
-  <p:cSld>
-    <p:bg>
-      <p:bgPr>
-        <a:solidFill>
-          <a:schemeClr val="bg1"/>
-        </a:solidFill>
-        <a:effectLst/>
-      </p:bgPr>
-    </p:bg>
-    <p:spTree>
-      <p:nvGrpSpPr>
-        <p:cNvPr id="1" name=""/>
-        <p:cNvGrpSpPr/>
-        <p:nvPr/>
-      </p:nvGrpSpPr>
-      <p:grpSpPr>
-        <a:xfrm>
-          <a:off x="0" y="0"/>
-          <a:ext cx="0" cy="0"/>
-          <a:chOff x="0" y="0"/>
-          <a:chExt cx="0" cy="0"/>
-        </a:xfrm>
-      </p:grpSpPr>
-      <p:sp>
-        <p:nvSpPr>
-          <p:cNvPr id="30" name="Rectangle 29">
-            <a:extLst>
-              <a:ext uri="{FF2B5EF4-FFF2-40B4-BE49-F238E27FC236}">
-                <a16:creationId xmlns:a16="http://schemas.microsoft.com/office/drawing/2014/main" id="{7459C506-5F4B-4B75-9218-C7C3F87FA8D3}"/>
-              </a:ext>
-              <a:ext uri="{C183D7F6-B498-43B3-948B-1728B52AA6E4}">
-                <adec:decorative xmlns:adec="http://schemas.microsoft.com/office/drawing/2017/decorative" val="1"/>
-              </a:ext>
-            </a:extLst>
-          </p:cNvPr>
-          <p:cNvSpPr>
-            <a:spLocks noGrp="1" noRot="1" noChangeAspect="1" noMove="1" noResize="1" noEditPoints="1" noAdjustHandles="1" noChangeArrowheads="1" noChangeShapeType="1" noTextEdit="1"/>
-          </p:cNvSpPr>
-          <p:nvPr>
-            <p:extLst>
-              <p:ext uri="{386F3935-93C4-4BCD-93E2-E3B085C9AB24}">
-                <p16:designElem xmlns:p16="http://schemas.microsoft.com/office/powerpoint/2015/main" val="1"/>
-              </p:ext>
-            </p:extLst>
-          </p:nvPr>
-        </p:nvSpPr>
-        <p:spPr>
-          <a:xfrm>
-            <a:off x="0" y="0"/>
-            <a:ext cx="12192000" cy="6858000"/>
-          </a:xfrm>
-          <a:prstGeom prst="rect">
-            <a:avLst/>
-          </a:prstGeom>
-          <a:ln>
-            <a:noFill/>
-          </a:ln>
-        </p:spPr>
-        <p:style>
-          <a:lnRef idx="2">
-            <a:schemeClr val="accent1">
-              <a:shade val="50000"/>
-            </a:schemeClr>
-          </a:lnRef>
-          <a:fillRef idx="1">
-            <a:schemeClr val="accent1"/>
-          </a:fillRef>
-          <a:effectRef idx="0">
-            <a:schemeClr val="accent1"/>
-          </a:effectRef>
-          <a:fontRef idx="minor">
-            <a:schemeClr val="lt1"/>
-          </a:fontRef>
-        </p:style>
-        <p:txBody>
-          <a:bodyPr rtlCol="0" anchor="ctr"/>
-          <a:lstStyle/>
-          <a:p>
-            <a:pPr algn="ctr"/>
-            <a:endParaRPr lang="en-US"/>
-          </a:p>
-        </p:txBody>
-      </p:sp>
-      <p:grpSp>
-        <p:nvGrpSpPr>
-          <p:cNvPr id="32" name="Group 31">
-            <a:extLst>
-              <a:ext uri="{FF2B5EF4-FFF2-40B4-BE49-F238E27FC236}">
-                <a16:creationId xmlns:a16="http://schemas.microsoft.com/office/drawing/2014/main" id="{BC659EEB-C3AE-4544-8263-417009DCDF41}"/>
-              </a:ext>
-              <a:ext uri="{C183D7F6-B498-43B3-948B-1728B52AA6E4}">
-                <adec:decorative xmlns:adec="http://schemas.microsoft.com/office/drawing/2017/decorative" val="1"/>
-              </a:ext>
-            </a:extLst>
-          </p:cNvPr>
-          <p:cNvGrpSpPr>
-            <a:grpSpLocks noGrp="1" noUngrp="1" noRot="1" noChangeAspect="1" noMove="1" noResize="1"/>
-          </p:cNvGrpSpPr>
-          <p:nvPr>
-            <p:extLst>
-              <p:ext uri="{386F3935-93C4-4BCD-93E2-E3B085C9AB24}">
-                <p16:designElem xmlns:p16="http://schemas.microsoft.com/office/powerpoint/2015/main" val="1"/>
-              </p:ext>
-            </p:extLst>
-          </p:nvPr>
-        </p:nvGrpSpPr>
-        <p:grpSpPr>
-          <a:xfrm>
-            <a:off x="0" y="-8467"/>
-            <a:ext cx="12192000" cy="6866467"/>
-            <a:chOff x="0" y="-8467"/>
-            <a:chExt cx="12192000" cy="6866467"/>
-          </a:xfrm>
-        </p:grpSpPr>
-        <p:cxnSp>
-          <p:nvCxnSpPr>
-            <p:cNvPr id="33" name="Straight Connector 32">
-              <a:extLst>
-                <a:ext uri="{FF2B5EF4-FFF2-40B4-BE49-F238E27FC236}">
-                  <a16:creationId xmlns:a16="http://schemas.microsoft.com/office/drawing/2014/main" id="{D99DB6C6-36F9-4576-A558-95153EADBE41}"/>
-                </a:ext>
-                <a:ext uri="{C183D7F6-B498-43B3-948B-1728B52AA6E4}">
-                  <adec:decorative xmlns:adec="http://schemas.microsoft.com/office/drawing/2017/decorative" val="1"/>
-                </a:ext>
-              </a:extLst>
-            </p:cNvPr>
-            <p:cNvCxnSpPr/>
-            <p:nvPr>
-              <p:extLst>
-                <p:ext uri="{386F3935-93C4-4BCD-93E2-E3B085C9AB24}">
-                  <p16:designElem xmlns:p16="http://schemas.microsoft.com/office/powerpoint/2015/main" val="1"/>
-                </p:ext>
-              </p:extLst>
-            </p:nvPr>
-          </p:nvCxnSpPr>
-          <p:spPr>
-            <a:xfrm flipH="1">
-              <a:off x="7425267" y="3681413"/>
-              <a:ext cx="4763558" cy="3176587"/>
-            </a:xfrm>
-            <a:prstGeom prst="line">
-              <a:avLst/>
-            </a:prstGeom>
-            <a:ln w="9525">
-              <a:solidFill>
-                <a:schemeClr val="bg1">
-                  <a:lumMod val="85000"/>
-                </a:schemeClr>
-              </a:solidFill>
-            </a:ln>
-          </p:spPr>
-          <p:style>
-            <a:lnRef idx="2">
-              <a:schemeClr val="accent1"/>
-            </a:lnRef>
-            <a:fillRef idx="0">
-              <a:schemeClr val="accent1"/>
-            </a:fillRef>
-            <a:effectRef idx="1">
-              <a:schemeClr val="accent1"/>
-            </a:effectRef>
-            <a:fontRef idx="minor">
-              <a:schemeClr val="tx1"/>
-            </a:fontRef>
-          </p:style>
-        </p:cxnSp>
-        <p:sp>
-          <p:nvSpPr>
-            <p:cNvPr id="34" name="Rectangle 23">
-              <a:extLst>
-                <a:ext uri="{FF2B5EF4-FFF2-40B4-BE49-F238E27FC236}">
-                  <a16:creationId xmlns:a16="http://schemas.microsoft.com/office/drawing/2014/main" id="{694E7916-EDE4-4B50-A4A1-6B28FDD4D9B9}"/>
-                </a:ext>
-                <a:ext uri="{C183D7F6-B498-43B3-948B-1728B52AA6E4}">
-                  <adec:decorative xmlns:adec="http://schemas.microsoft.com/office/drawing/2017/decorative" val="1"/>
-                </a:ext>
-              </a:extLst>
-            </p:cNvPr>
-            <p:cNvSpPr/>
-            <p:nvPr>
-              <p:extLst>
-                <p:ext uri="{386F3935-93C4-4BCD-93E2-E3B085C9AB24}">
-                  <p16:designElem xmlns:p16="http://schemas.microsoft.com/office/powerpoint/2015/main" val="1"/>
-                </p:ext>
-              </p:extLst>
-            </p:nvPr>
-          </p:nvSpPr>
-          <p:spPr>
-            <a:xfrm>
-              <a:off x="9181476" y="-8467"/>
-              <a:ext cx="3007349" cy="6866467"/>
-            </a:xfrm>
-            <a:custGeom>
-              <a:avLst/>
-              <a:gdLst/>
-              <a:ahLst/>
-              <a:cxnLst/>
-              <a:rect l="l" t="t" r="r" b="b"/>
-              <a:pathLst>
-                <a:path w="3007349" h="6866467">
-                  <a:moveTo>
-                    <a:pt x="2045532" y="0"/>
-                  </a:moveTo>
-                  <a:lnTo>
-                    <a:pt x="3007349" y="0"/>
-                  </a:lnTo>
-                  <a:lnTo>
-                    <a:pt x="3007349" y="6866467"/>
-                  </a:lnTo>
-                  <a:lnTo>
-                    <a:pt x="0" y="6866467"/>
-                  </a:lnTo>
-                  <a:lnTo>
-                    <a:pt x="2045532" y="0"/>
-                  </a:lnTo>
-                  <a:close/>
-                </a:path>
-              </a:pathLst>
-            </a:custGeom>
-            <a:solidFill>
-              <a:schemeClr val="accent1">
-                <a:alpha val="30000"/>
-              </a:schemeClr>
-            </a:solidFill>
-            <a:ln>
-              <a:noFill/>
-            </a:ln>
-            <a:effectLst/>
-          </p:spPr>
-          <p:style>
-            <a:lnRef idx="1">
-              <a:schemeClr val="accent1"/>
-            </a:lnRef>
-            <a:fillRef idx="3">
-              <a:schemeClr val="accent1"/>
-            </a:fillRef>
-            <a:effectRef idx="2">
-              <a:schemeClr val="accent1"/>
-            </a:effectRef>
-            <a:fontRef idx="minor">
-              <a:schemeClr val="lt1"/>
-            </a:fontRef>
-          </p:style>
-        </p:sp>
-        <p:sp>
-          <p:nvSpPr>
-            <p:cNvPr id="35" name="Rectangle 25">
-              <a:extLst>
-                <a:ext uri="{FF2B5EF4-FFF2-40B4-BE49-F238E27FC236}">
-                  <a16:creationId xmlns:a16="http://schemas.microsoft.com/office/drawing/2014/main" id="{6F6CB7BB-4370-4173-97F8-F636C0F149F1}"/>
-                </a:ext>
-                <a:ext uri="{C183D7F6-B498-43B3-948B-1728B52AA6E4}">
-                  <adec:decorative xmlns:adec="http://schemas.microsoft.com/office/drawing/2017/decorative" val="1"/>
-                </a:ext>
-              </a:extLst>
-            </p:cNvPr>
-            <p:cNvSpPr/>
-            <p:nvPr>
-              <p:extLst>
-                <p:ext uri="{386F3935-93C4-4BCD-93E2-E3B085C9AB24}">
-                  <p16:designElem xmlns:p16="http://schemas.microsoft.com/office/powerpoint/2015/main" val="1"/>
-                </p:ext>
-              </p:extLst>
-            </p:nvPr>
-          </p:nvSpPr>
-          <p:spPr>
-            <a:xfrm>
-              <a:off x="9603442" y="-8467"/>
-              <a:ext cx="2588558" cy="6866467"/>
-            </a:xfrm>
-            <a:custGeom>
-              <a:avLst/>
-              <a:gdLst/>
-              <a:ahLst/>
-              <a:cxnLst/>
-              <a:rect l="l" t="t" r="r" b="b"/>
-              <a:pathLst>
-                <a:path w="2573311" h="6866467">
-                  <a:moveTo>
-                    <a:pt x="0" y="0"/>
-                  </a:moveTo>
-                  <a:lnTo>
-                    <a:pt x="2573311" y="0"/>
-                  </a:lnTo>
-                  <a:lnTo>
-                    <a:pt x="2573311" y="6866467"/>
-                  </a:lnTo>
-                  <a:lnTo>
-                    <a:pt x="1202336" y="6866467"/>
-                  </a:lnTo>
-                  <a:lnTo>
-                    <a:pt x="0" y="0"/>
-                  </a:lnTo>
-                  <a:close/>
-                </a:path>
-              </a:pathLst>
-            </a:custGeom>
-            <a:solidFill>
-              <a:schemeClr val="accent1">
-                <a:alpha val="20000"/>
-              </a:schemeClr>
-            </a:solidFill>
-            <a:ln>
-              <a:noFill/>
-            </a:ln>
-            <a:effectLst/>
-          </p:spPr>
-          <p:style>
-            <a:lnRef idx="1">
-              <a:schemeClr val="accent1"/>
-            </a:lnRef>
-            <a:fillRef idx="3">
-              <a:schemeClr val="accent1"/>
-            </a:fillRef>
-            <a:effectRef idx="2">
-              <a:schemeClr val="accent1"/>
-            </a:effectRef>
-            <a:fontRef idx="minor">
-              <a:schemeClr val="lt1"/>
-            </a:fontRef>
-          </p:style>
-        </p:sp>
-        <p:sp>
-          <p:nvSpPr>
-            <p:cNvPr id="36" name="Isosceles Triangle 35">
-              <a:extLst>
-                <a:ext uri="{FF2B5EF4-FFF2-40B4-BE49-F238E27FC236}">
-                  <a16:creationId xmlns:a16="http://schemas.microsoft.com/office/drawing/2014/main" id="{B0F590BB-1F51-4138-A2D4-2E483C84FB07}"/>
-                </a:ext>
-                <a:ext uri="{C183D7F6-B498-43B3-948B-1728B52AA6E4}">
-                  <adec:decorative xmlns:adec="http://schemas.microsoft.com/office/drawing/2017/decorative" val="1"/>
-                </a:ext>
-              </a:extLst>
-            </p:cNvPr>
-            <p:cNvSpPr/>
-            <p:nvPr>
-              <p:extLst>
-                <p:ext uri="{386F3935-93C4-4BCD-93E2-E3B085C9AB24}">
-                  <p16:designElem xmlns:p16="http://schemas.microsoft.com/office/powerpoint/2015/main" val="1"/>
-                </p:ext>
-              </p:extLst>
-            </p:nvPr>
-          </p:nvSpPr>
-          <p:spPr>
-            <a:xfrm>
-              <a:off x="8932333" y="3048000"/>
-              <a:ext cx="3259667" cy="3810000"/>
-            </a:xfrm>
-            <a:prstGeom prst="triangle">
-              <a:avLst>
-                <a:gd name="adj" fmla="val 100000"/>
-              </a:avLst>
-            </a:prstGeom>
-            <a:solidFill>
-              <a:schemeClr val="accent2">
-                <a:alpha val="72000"/>
-              </a:schemeClr>
-            </a:solidFill>
-            <a:ln>
-              <a:noFill/>
-            </a:ln>
-            <a:effectLst/>
-          </p:spPr>
-          <p:style>
-            <a:lnRef idx="1">
-              <a:schemeClr val="accent1"/>
-            </a:lnRef>
-            <a:fillRef idx="3">
-              <a:schemeClr val="accent1"/>
-            </a:fillRef>
-            <a:effectRef idx="2">
-              <a:schemeClr val="accent1"/>
-            </a:effectRef>
-            <a:fontRef idx="minor">
-              <a:schemeClr val="lt1"/>
-            </a:fontRef>
-          </p:style>
-        </p:sp>
-        <p:sp>
-          <p:nvSpPr>
-            <p:cNvPr id="37" name="Rectangle 27">
-              <a:extLst>
-                <a:ext uri="{FF2B5EF4-FFF2-40B4-BE49-F238E27FC236}">
-                  <a16:creationId xmlns:a16="http://schemas.microsoft.com/office/drawing/2014/main" id="{4A492863-9797-45A2-BAB3-514F10C5F254}"/>
-                </a:ext>
-                <a:ext uri="{C183D7F6-B498-43B3-948B-1728B52AA6E4}">
-                  <adec:decorative xmlns:adec="http://schemas.microsoft.com/office/drawing/2017/decorative" val="1"/>
-                </a:ext>
-              </a:extLst>
-            </p:cNvPr>
-            <p:cNvSpPr/>
-            <p:nvPr>
-              <p:extLst>
-                <p:ext uri="{386F3935-93C4-4BCD-93E2-E3B085C9AB24}">
-                  <p16:designElem xmlns:p16="http://schemas.microsoft.com/office/powerpoint/2015/main" val="1"/>
-                </p:ext>
-              </p:extLst>
-            </p:nvPr>
-          </p:nvSpPr>
-          <p:spPr>
-            <a:xfrm>
-              <a:off x="9334500" y="-8467"/>
-              <a:ext cx="2854326" cy="6866467"/>
-            </a:xfrm>
-            <a:custGeom>
-              <a:avLst/>
-              <a:gdLst/>
-              <a:ahLst/>
-              <a:cxnLst/>
-              <a:rect l="l" t="t" r="r" b="b"/>
-              <a:pathLst>
-                <a:path w="2858013" h="6866467">
-                  <a:moveTo>
-                    <a:pt x="0" y="0"/>
-                  </a:moveTo>
-                  <a:lnTo>
-                    <a:pt x="2858013" y="0"/>
-                  </a:lnTo>
-                  <a:lnTo>
-                    <a:pt x="2858013" y="6866467"/>
-                  </a:lnTo>
-                  <a:lnTo>
-                    <a:pt x="2473942" y="6866467"/>
-                  </a:lnTo>
-                  <a:lnTo>
-                    <a:pt x="0" y="0"/>
-                  </a:lnTo>
-                  <a:close/>
-                </a:path>
-              </a:pathLst>
-            </a:custGeom>
-            <a:solidFill>
-              <a:schemeClr val="accent2">
-                <a:lumMod val="75000"/>
-                <a:alpha val="70000"/>
-              </a:schemeClr>
-            </a:solidFill>
-            <a:ln>
-              <a:noFill/>
-            </a:ln>
-            <a:effectLst/>
-          </p:spPr>
-          <p:style>
-            <a:lnRef idx="1">
-              <a:schemeClr val="accent1"/>
-            </a:lnRef>
-            <a:fillRef idx="3">
-              <a:schemeClr val="accent1"/>
-            </a:fillRef>
-            <a:effectRef idx="2">
-              <a:schemeClr val="accent1"/>
-            </a:effectRef>
-            <a:fontRef idx="minor">
-              <a:schemeClr val="lt1"/>
-            </a:fontRef>
-          </p:style>
-        </p:sp>
-        <p:sp>
-          <p:nvSpPr>
-            <p:cNvPr id="38" name="Rectangle 28">
-              <a:extLst>
-                <a:ext uri="{FF2B5EF4-FFF2-40B4-BE49-F238E27FC236}">
-                  <a16:creationId xmlns:a16="http://schemas.microsoft.com/office/drawing/2014/main" id="{7C1E33F6-6D0F-4ECF-92F4-6F71D8BAF3D9}"/>
-                </a:ext>
-                <a:ext uri="{C183D7F6-B498-43B3-948B-1728B52AA6E4}">
-                  <adec:decorative xmlns:adec="http://schemas.microsoft.com/office/drawing/2017/decorative" val="1"/>
-                </a:ext>
-              </a:extLst>
-            </p:cNvPr>
-            <p:cNvSpPr/>
-            <p:nvPr>
-              <p:extLst>
-                <p:ext uri="{386F3935-93C4-4BCD-93E2-E3B085C9AB24}">
-                  <p16:designElem xmlns:p16="http://schemas.microsoft.com/office/powerpoint/2015/main" val="1"/>
-                </p:ext>
-              </p:extLst>
-            </p:nvPr>
-          </p:nvSpPr>
-          <p:spPr>
-            <a:xfrm>
-              <a:off x="10898730" y="-8467"/>
-              <a:ext cx="1290094" cy="6866467"/>
-            </a:xfrm>
-            <a:custGeom>
-              <a:avLst/>
-              <a:gdLst/>
-              <a:ahLst/>
-              <a:cxnLst/>
-              <a:rect l="l" t="t" r="r" b="b"/>
-              <a:pathLst>
-                <a:path w="1290094" h="6858000">
-                  <a:moveTo>
-                    <a:pt x="1019735" y="0"/>
-                  </a:moveTo>
-                  <a:lnTo>
-                    <a:pt x="1290094" y="0"/>
-                  </a:lnTo>
-                  <a:lnTo>
-                    <a:pt x="1290094" y="6858000"/>
-                  </a:lnTo>
-                  <a:lnTo>
-                    <a:pt x="0" y="6858000"/>
-                  </a:lnTo>
-                  <a:lnTo>
-                    <a:pt x="1019735" y="0"/>
-                  </a:lnTo>
-                  <a:close/>
-                </a:path>
-              </a:pathLst>
-            </a:custGeom>
-            <a:solidFill>
-              <a:schemeClr val="accent1">
-                <a:lumMod val="60000"/>
-                <a:lumOff val="40000"/>
-                <a:alpha val="70000"/>
-              </a:schemeClr>
-            </a:solidFill>
-            <a:ln>
-              <a:noFill/>
-            </a:ln>
-            <a:effectLst/>
-          </p:spPr>
-          <p:style>
-            <a:lnRef idx="1">
-              <a:schemeClr val="accent1"/>
-            </a:lnRef>
-            <a:fillRef idx="3">
-              <a:schemeClr val="accent1"/>
-            </a:fillRef>
-            <a:effectRef idx="2">
-              <a:schemeClr val="accent1"/>
-            </a:effectRef>
-            <a:fontRef idx="minor">
-              <a:schemeClr val="lt1"/>
-            </a:fontRef>
-          </p:style>
-        </p:sp>
-        <p:sp>
-          <p:nvSpPr>
-            <p:cNvPr id="39" name="Rectangle 29">
-              <a:extLst>
-                <a:ext uri="{FF2B5EF4-FFF2-40B4-BE49-F238E27FC236}">
-                  <a16:creationId xmlns:a16="http://schemas.microsoft.com/office/drawing/2014/main" id="{73EEEA64-7411-474B-BD0E-60C24B3F4E56}"/>
-                </a:ext>
-                <a:ext uri="{C183D7F6-B498-43B3-948B-1728B52AA6E4}">
-                  <adec:decorative xmlns:adec="http://schemas.microsoft.com/office/drawing/2017/decorative" val="1"/>
-                </a:ext>
-              </a:extLst>
-            </p:cNvPr>
-            <p:cNvSpPr/>
-            <p:nvPr>
-              <p:extLst>
-                <p:ext uri="{386F3935-93C4-4BCD-93E2-E3B085C9AB24}">
-                  <p16:designElem xmlns:p16="http://schemas.microsoft.com/office/powerpoint/2015/main" val="1"/>
-                </p:ext>
-              </p:extLst>
-            </p:nvPr>
-          </p:nvSpPr>
-          <p:spPr>
-            <a:xfrm>
-              <a:off x="10938999" y="-8467"/>
-              <a:ext cx="1249825" cy="6866467"/>
-            </a:xfrm>
-            <a:custGeom>
-              <a:avLst/>
-              <a:gdLst/>
-              <a:ahLst/>
-              <a:cxnLst/>
-              <a:rect l="l" t="t" r="r" b="b"/>
-              <a:pathLst>
-                <a:path w="1249825" h="6858000">
-                  <a:moveTo>
-                    <a:pt x="0" y="0"/>
-                  </a:moveTo>
-                  <a:lnTo>
-                    <a:pt x="1249825" y="0"/>
-                  </a:lnTo>
-                  <a:lnTo>
-                    <a:pt x="1249825" y="6858000"/>
-                  </a:lnTo>
-                  <a:lnTo>
-                    <a:pt x="1109382" y="6858000"/>
-                  </a:lnTo>
-                  <a:lnTo>
-                    <a:pt x="0" y="0"/>
-                  </a:lnTo>
-                  <a:close/>
-                </a:path>
-              </a:pathLst>
-            </a:custGeom>
-            <a:solidFill>
-              <a:schemeClr val="accent1">
-                <a:alpha val="65000"/>
-              </a:schemeClr>
-            </a:solidFill>
-            <a:ln>
-              <a:noFill/>
-            </a:ln>
-            <a:effectLst/>
-          </p:spPr>
-          <p:style>
-            <a:lnRef idx="1">
-              <a:schemeClr val="accent1"/>
-            </a:lnRef>
-            <a:fillRef idx="3">
-              <a:schemeClr val="accent1"/>
-            </a:fillRef>
-            <a:effectRef idx="2">
-              <a:schemeClr val="accent1"/>
-            </a:effectRef>
-            <a:fontRef idx="minor">
-              <a:schemeClr val="lt1"/>
-            </a:fontRef>
-          </p:style>
-        </p:sp>
-        <p:sp>
-          <p:nvSpPr>
-            <p:cNvPr id="40" name="Isosceles Triangle 39">
-              <a:extLst>
-                <a:ext uri="{FF2B5EF4-FFF2-40B4-BE49-F238E27FC236}">
-                  <a16:creationId xmlns:a16="http://schemas.microsoft.com/office/drawing/2014/main" id="{4F82A6DD-92BB-4443-B5A5-05240DD5580E}"/>
-                </a:ext>
-                <a:ext uri="{C183D7F6-B498-43B3-948B-1728B52AA6E4}">
-                  <adec:decorative xmlns:adec="http://schemas.microsoft.com/office/drawing/2017/decorative" val="1"/>
-                </a:ext>
-              </a:extLst>
-            </p:cNvPr>
-            <p:cNvSpPr/>
-            <p:nvPr>
-              <p:extLst>
-                <p:ext uri="{386F3935-93C4-4BCD-93E2-E3B085C9AB24}">
-                  <p16:designElem xmlns:p16="http://schemas.microsoft.com/office/powerpoint/2015/main" val="1"/>
-                </p:ext>
-              </p:extLst>
-            </p:nvPr>
-          </p:nvSpPr>
-          <p:spPr>
-            <a:xfrm>
-              <a:off x="10371666" y="3589867"/>
-              <a:ext cx="1817159" cy="3268133"/>
-            </a:xfrm>
-            <a:prstGeom prst="triangle">
-              <a:avLst>
-                <a:gd name="adj" fmla="val 100000"/>
-              </a:avLst>
-            </a:prstGeom>
-            <a:solidFill>
-              <a:schemeClr val="accent1">
-                <a:alpha val="80000"/>
-              </a:schemeClr>
-            </a:solidFill>
-            <a:ln>
-              <a:noFill/>
-            </a:ln>
-            <a:effectLst/>
-          </p:spPr>
-          <p:style>
-            <a:lnRef idx="1">
-              <a:schemeClr val="accent1"/>
-            </a:lnRef>
-            <a:fillRef idx="3">
-              <a:schemeClr val="accent1"/>
-            </a:fillRef>
-            <a:effectRef idx="2">
-              <a:schemeClr val="accent1"/>
-            </a:effectRef>
-            <a:fontRef idx="minor">
-              <a:schemeClr val="lt1"/>
-            </a:fontRef>
-          </p:style>
-        </p:sp>
-        <p:sp>
-          <p:nvSpPr>
-            <p:cNvPr id="41" name="Isosceles Triangle 40">
-              <a:extLst>
-                <a:ext uri="{FF2B5EF4-FFF2-40B4-BE49-F238E27FC236}">
-                  <a16:creationId xmlns:a16="http://schemas.microsoft.com/office/drawing/2014/main" id="{79832BCB-1DCF-46AC-9FFA-170791668D8C}"/>
-                </a:ext>
-                <a:ext uri="{C183D7F6-B498-43B3-948B-1728B52AA6E4}">
-                  <adec:decorative xmlns:adec="http://schemas.microsoft.com/office/drawing/2017/decorative" val="1"/>
-                </a:ext>
-              </a:extLst>
-            </p:cNvPr>
-            <p:cNvSpPr/>
-            <p:nvPr>
-              <p:extLst>
-                <p:ext uri="{386F3935-93C4-4BCD-93E2-E3B085C9AB24}">
-                  <p16:designElem xmlns:p16="http://schemas.microsoft.com/office/powerpoint/2015/main" val="1"/>
-                </p:ext>
-              </p:extLst>
-            </p:nvPr>
-          </p:nvSpPr>
-          <p:spPr>
-            <a:xfrm>
-              <a:off x="0" y="4013200"/>
-              <a:ext cx="448733" cy="2844800"/>
-            </a:xfrm>
-            <a:prstGeom prst="triangle">
-              <a:avLst>
-                <a:gd name="adj" fmla="val 0"/>
-              </a:avLst>
-            </a:prstGeom>
-            <a:solidFill>
-              <a:schemeClr val="accent1">
-                <a:alpha val="85000"/>
-              </a:schemeClr>
-            </a:solidFill>
-            <a:ln>
-              <a:noFill/>
-            </a:ln>
-            <a:effectLst/>
-          </p:spPr>
-          <p:style>
-            <a:lnRef idx="1">
-              <a:schemeClr val="accent1"/>
-            </a:lnRef>
-            <a:fillRef idx="3">
-              <a:schemeClr val="accent1"/>
-            </a:fillRef>
-            <a:effectRef idx="2">
-              <a:schemeClr val="accent1"/>
-            </a:effectRef>
-            <a:fontRef idx="minor">
-              <a:schemeClr val="lt1"/>
-            </a:fontRef>
-          </p:style>
-        </p:sp>
-      </p:grpSp>
-      <p:sp useBgFill="1">
-        <p:nvSpPr>
-          <p:cNvPr id="43" name="Rectangle 42">
-            <a:extLst>
-              <a:ext uri="{FF2B5EF4-FFF2-40B4-BE49-F238E27FC236}">
-                <a16:creationId xmlns:a16="http://schemas.microsoft.com/office/drawing/2014/main" id="{4E74DA95-CD7A-4D5E-9D27-67A759CE708D}"/>
-              </a:ext>
-              <a:ext uri="{C183D7F6-B498-43B3-948B-1728B52AA6E4}">
-                <adec:decorative xmlns:adec="http://schemas.microsoft.com/office/drawing/2017/decorative" val="1"/>
-              </a:ext>
-            </a:extLst>
-          </p:cNvPr>
-          <p:cNvSpPr>
-            <a:spLocks noGrp="1" noRot="1" noChangeAspect="1" noMove="1" noResize="1" noEditPoints="1" noAdjustHandles="1" noChangeArrowheads="1" noChangeShapeType="1" noTextEdit="1"/>
-          </p:cNvSpPr>
-          <p:nvPr>
-            <p:extLst>
-              <p:ext uri="{386F3935-93C4-4BCD-93E2-E3B085C9AB24}">
-                <p16:designElem xmlns:p16="http://schemas.microsoft.com/office/powerpoint/2015/main" val="1"/>
-              </p:ext>
-            </p:extLst>
-          </p:nvPr>
-        </p:nvSpPr>
-        <p:spPr>
-          <a:xfrm>
-            <a:off x="477012" y="480060"/>
-            <a:ext cx="11237976" cy="5897880"/>
-          </a:xfrm>
-          <a:prstGeom prst="rect">
-            <a:avLst/>
-          </a:prstGeom>
-          <a:ln w="22225">
-            <a:solidFill>
-              <a:srgbClr val="FFFFFF"/>
-            </a:solidFill>
-          </a:ln>
-        </p:spPr>
-        <p:style>
-          <a:lnRef idx="2">
-            <a:schemeClr val="accent1">
-              <a:shade val="50000"/>
-            </a:schemeClr>
-          </a:lnRef>
-          <a:fillRef idx="1">
-            <a:schemeClr val="accent1"/>
-          </a:fillRef>
-          <a:effectRef idx="0">
-            <a:schemeClr val="accent1"/>
-          </a:effectRef>
-          <a:fontRef idx="minor">
-            <a:schemeClr val="lt1"/>
-          </a:fontRef>
-        </p:style>
-        <p:txBody>
-          <a:bodyPr rtlCol="0" anchor="ctr"/>
-          <a:lstStyle/>
-          <a:p>
-            <a:pPr algn="ctr"/>
-            <a:endParaRPr lang="en-US"/>
-          </a:p>
-        </p:txBody>
-      </p:sp>
-      <p:pic>
-        <p:nvPicPr>
-          <p:cNvPr id="2" name="slide9">
-            <a:extLst>
-              <a:ext uri="{FF2B5EF4-FFF2-40B4-BE49-F238E27FC236}">
-                <a16:creationId xmlns:a16="http://schemas.microsoft.com/office/drawing/2014/main" id="{B1B15371-67D2-4221-AEE5-0CD2CEE4040E}"/>
-              </a:ext>
-            </a:extLst>
-          </p:cNvPr>
-          <p:cNvPicPr>
-            <a:picLocks noChangeAspect="1"/>
-          </p:cNvPicPr>
-          <p:nvPr/>
-        </p:nvPicPr>
-        <p:blipFill>
-          <a:blip r:embed="rId2">
-            <a:extLst>
-              <a:ext uri="{28A0092B-C50C-407E-A947-70E740481C1C}">
-                <a14:useLocalDpi xmlns:a14="http://schemas.microsoft.com/office/drawing/2010/main" val="0"/>
-              </a:ext>
-            </a:extLst>
-          </a:blip>
-          <a:stretch>
-            <a:fillRect/>
-          </a:stretch>
-        </p:blipFill>
-        <p:spPr>
-          <a:xfrm>
-            <a:off x="1124262" y="1207044"/>
-            <a:ext cx="4650004" cy="4452379"/>
-          </a:xfrm>
-          <a:prstGeom prst="rect">
-            <a:avLst/>
-          </a:prstGeom>
-        </p:spPr>
-      </p:pic>
-      <p:cxnSp>
-        <p:nvCxnSpPr>
-          <p:cNvPr id="45" name="Straight Connector 44">
-            <a:extLst>
-              <a:ext uri="{FF2B5EF4-FFF2-40B4-BE49-F238E27FC236}">
-                <a16:creationId xmlns:a16="http://schemas.microsoft.com/office/drawing/2014/main" id="{14AA3B5C-0C55-4FFF-9C45-8F9F7C074A4E}"/>
-              </a:ext>
-              <a:ext uri="{C183D7F6-B498-43B3-948B-1728B52AA6E4}">
-                <adec:decorative xmlns:adec="http://schemas.microsoft.com/office/drawing/2017/decorative" val="1"/>
-              </a:ext>
-            </a:extLst>
-          </p:cNvPr>
-          <p:cNvCxnSpPr>
-            <a:cxnSpLocks noGrp="1" noRot="1" noChangeAspect="1" noMove="1" noResize="1" noEditPoints="1" noAdjustHandles="1" noChangeArrowheads="1" noChangeShapeType="1"/>
-          </p:cNvCxnSpPr>
-          <p:nvPr>
-            <p:extLst>
-              <p:ext uri="{386F3935-93C4-4BCD-93E2-E3B085C9AB24}">
-                <p16:designElem xmlns:p16="http://schemas.microsoft.com/office/powerpoint/2015/main" val="1"/>
-              </p:ext>
-            </p:extLst>
-          </p:nvPr>
-        </p:nvCxnSpPr>
-        <p:spPr>
-          <a:xfrm>
-            <a:off x="6081305" y="1650669"/>
-            <a:ext cx="0" cy="3431969"/>
-          </a:xfrm>
-          <a:prstGeom prst="line">
-            <a:avLst/>
-          </a:prstGeom>
-        </p:spPr>
-        <p:style>
-          <a:lnRef idx="1">
-            <a:schemeClr val="accent1"/>
-          </a:lnRef>
-          <a:fillRef idx="0">
-            <a:schemeClr val="accent1"/>
-          </a:fillRef>
-          <a:effectRef idx="0">
-            <a:schemeClr val="accent1"/>
-          </a:effectRef>
-          <a:fontRef idx="minor">
-            <a:schemeClr val="tx1"/>
-          </a:fontRef>
-        </p:style>
-      </p:cxnSp>
-      <p:pic>
-        <p:nvPicPr>
-          <p:cNvPr id="3" name="slide10">
-            <a:extLst>
-              <a:ext uri="{FF2B5EF4-FFF2-40B4-BE49-F238E27FC236}">
-                <a16:creationId xmlns:a16="http://schemas.microsoft.com/office/drawing/2014/main" id="{F045544C-9DD1-4338-B4A7-CA589E7A5973}"/>
-              </a:ext>
-            </a:extLst>
-          </p:cNvPr>
-          <p:cNvPicPr>
-            <a:picLocks noChangeAspect="1"/>
-          </p:cNvPicPr>
-          <p:nvPr/>
-        </p:nvPicPr>
-        <p:blipFill>
-          <a:blip r:embed="rId3">
-            <a:extLst>
-              <a:ext uri="{28A0092B-C50C-407E-A947-70E740481C1C}">
-                <a14:useLocalDpi xmlns:a14="http://schemas.microsoft.com/office/drawing/2010/main" val="0"/>
-              </a:ext>
-            </a:extLst>
-          </a:blip>
-          <a:stretch>
-            <a:fillRect/>
-          </a:stretch>
-        </p:blipFill>
-        <p:spPr>
-          <a:xfrm>
-            <a:off x="6414367" y="1218668"/>
-            <a:ext cx="4650004" cy="4429129"/>
-          </a:xfrm>
-          <a:prstGeom prst="rect">
-            <a:avLst/>
-          </a:prstGeom>
-        </p:spPr>
-      </p:pic>
-    </p:spTree>
-    <p:extLst>
-      <p:ext uri="{BB962C8B-B14F-4D97-AF65-F5344CB8AC3E}">
-        <p14:creationId xmlns:p14="http://schemas.microsoft.com/office/powerpoint/2010/main" val="487512700"/>
       </p:ext>
     </p:extLst>
   </p:cSld>

--- a/projektsql/Czy język wniosku ma wpływ na jego obsługę.pptx
+++ b/projektsql/Czy język wniosku ma wpływ na jego obsługę.pptx
@@ -125,7 +125,7 @@
   </p:defaultTextStyle>
   <p:extLst>
     <p:ext uri="{EFAFB233-063F-42B5-8137-9DF3F51BA10A}">
-      <p15:sldGuideLst xmlns:p15="http://schemas.microsoft.com/office/powerpoint/2012/main"/>
+      <p15:sldGuideLst xmlns:p15="http://schemas.microsoft.com/office/powerpoint/2012/main" xmlns=""/>
     </p:ext>
   </p:extLst>
 </p:presentation>
@@ -914,7 +914,7 @@
           <a:p>
             <a:fld id="{C140C11A-0795-429A-9A91-0F738F0426E6}" type="datetimeFigureOut">
               <a:rPr lang="pl-PL" smtClean="0"/>
-              <a:t>14.04.2019</a:t>
+              <a:t>2019-04-14</a:t>
             </a:fld>
             <a:endParaRPr lang="pl-PL"/>
           </a:p>
@@ -1165,7 +1165,7 @@
           <a:p>
             <a:fld id="{C140C11A-0795-429A-9A91-0F738F0426E6}" type="datetimeFigureOut">
               <a:rPr lang="pl-PL" smtClean="0"/>
-              <a:t>14.04.2019</a:t>
+              <a:t>2019-04-14</a:t>
             </a:fld>
             <a:endParaRPr lang="pl-PL"/>
           </a:p>
@@ -1479,7 +1479,7 @@
           <a:p>
             <a:fld id="{C140C11A-0795-429A-9A91-0F738F0426E6}" type="datetimeFigureOut">
               <a:rPr lang="pl-PL" smtClean="0"/>
-              <a:t>14.04.2019</a:t>
+              <a:t>2019-04-14</a:t>
             </a:fld>
             <a:endParaRPr lang="pl-PL"/>
           </a:p>
@@ -1820,7 +1820,7 @@
           <a:p>
             <a:fld id="{C140C11A-0795-429A-9A91-0F738F0426E6}" type="datetimeFigureOut">
               <a:rPr lang="pl-PL" smtClean="0"/>
-              <a:t>14.04.2019</a:t>
+              <a:t>2019-04-14</a:t>
             </a:fld>
             <a:endParaRPr lang="pl-PL"/>
           </a:p>
@@ -2134,7 +2134,7 @@
           <a:p>
             <a:fld id="{C140C11A-0795-429A-9A91-0F738F0426E6}" type="datetimeFigureOut">
               <a:rPr lang="pl-PL" smtClean="0"/>
-              <a:t>14.04.2019</a:t>
+              <a:t>2019-04-14</a:t>
             </a:fld>
             <a:endParaRPr lang="pl-PL"/>
           </a:p>
@@ -2527,7 +2527,7 @@
           <a:p>
             <a:fld id="{C140C11A-0795-429A-9A91-0F738F0426E6}" type="datetimeFigureOut">
               <a:rPr lang="pl-PL" smtClean="0"/>
-              <a:t>14.04.2019</a:t>
+              <a:t>2019-04-14</a:t>
             </a:fld>
             <a:endParaRPr lang="pl-PL"/>
           </a:p>
@@ -2697,7 +2697,7 @@
           <a:p>
             <a:fld id="{C140C11A-0795-429A-9A91-0F738F0426E6}" type="datetimeFigureOut">
               <a:rPr lang="pl-PL" smtClean="0"/>
-              <a:t>14.04.2019</a:t>
+              <a:t>2019-04-14</a:t>
             </a:fld>
             <a:endParaRPr lang="pl-PL"/>
           </a:p>
@@ -2877,7 +2877,7 @@
           <a:p>
             <a:fld id="{C140C11A-0795-429A-9A91-0F738F0426E6}" type="datetimeFigureOut">
               <a:rPr lang="pl-PL" smtClean="0"/>
-              <a:t>14.04.2019</a:t>
+              <a:t>2019-04-14</a:t>
             </a:fld>
             <a:endParaRPr lang="pl-PL"/>
           </a:p>
@@ -3053,7 +3053,7 @@
           <a:p>
             <a:fld id="{C140C11A-0795-429A-9A91-0F738F0426E6}" type="datetimeFigureOut">
               <a:rPr lang="pl-PL" smtClean="0"/>
-              <a:t>14.04.2019</a:t>
+              <a:t>2019-04-14</a:t>
             </a:fld>
             <a:endParaRPr lang="pl-PL"/>
           </a:p>
@@ -3300,7 +3300,7 @@
           <a:p>
             <a:fld id="{C140C11A-0795-429A-9A91-0F738F0426E6}" type="datetimeFigureOut">
               <a:rPr lang="pl-PL" smtClean="0"/>
-              <a:t>14.04.2019</a:t>
+              <a:t>2019-04-14</a:t>
             </a:fld>
             <a:endParaRPr lang="pl-PL"/>
           </a:p>
@@ -3532,7 +3532,7 @@
           <a:p>
             <a:fld id="{C140C11A-0795-429A-9A91-0F738F0426E6}" type="datetimeFigureOut">
               <a:rPr lang="pl-PL" smtClean="0"/>
-              <a:t>14.04.2019</a:t>
+              <a:t>2019-04-14</a:t>
             </a:fld>
             <a:endParaRPr lang="pl-PL"/>
           </a:p>
@@ -3906,7 +3906,7 @@
           <a:p>
             <a:fld id="{C140C11A-0795-429A-9A91-0F738F0426E6}" type="datetimeFigureOut">
               <a:rPr lang="pl-PL" smtClean="0"/>
-              <a:t>14.04.2019</a:t>
+              <a:t>2019-04-14</a:t>
             </a:fld>
             <a:endParaRPr lang="pl-PL"/>
           </a:p>
@@ -4029,7 +4029,7 @@
           <a:p>
             <a:fld id="{C140C11A-0795-429A-9A91-0F738F0426E6}" type="datetimeFigureOut">
               <a:rPr lang="pl-PL" smtClean="0"/>
-              <a:t>14.04.2019</a:t>
+              <a:t>2019-04-14</a:t>
             </a:fld>
             <a:endParaRPr lang="pl-PL"/>
           </a:p>
@@ -4124,7 +4124,7 @@
           <a:p>
             <a:fld id="{C140C11A-0795-429A-9A91-0F738F0426E6}" type="datetimeFigureOut">
               <a:rPr lang="pl-PL" smtClean="0"/>
-              <a:t>14.04.2019</a:t>
+              <a:t>2019-04-14</a:t>
             </a:fld>
             <a:endParaRPr lang="pl-PL"/>
           </a:p>
@@ -4379,7 +4379,7 @@
           <a:p>
             <a:fld id="{C140C11A-0795-429A-9A91-0F738F0426E6}" type="datetimeFigureOut">
               <a:rPr lang="pl-PL" smtClean="0"/>
-              <a:t>14.04.2019</a:t>
+              <a:t>2019-04-14</a:t>
             </a:fld>
             <a:endParaRPr lang="pl-PL"/>
           </a:p>
@@ -4642,7 +4642,7 @@
           <a:p>
             <a:fld id="{C140C11A-0795-429A-9A91-0F738F0426E6}" type="datetimeFigureOut">
               <a:rPr lang="pl-PL" smtClean="0"/>
-              <a:t>14.04.2019</a:t>
+              <a:t>2019-04-14</a:t>
             </a:fld>
             <a:endParaRPr lang="pl-PL"/>
           </a:p>
@@ -5385,7 +5385,7 @@
           <a:p>
             <a:fld id="{C140C11A-0795-429A-9A91-0F738F0426E6}" type="datetimeFigureOut">
               <a:rPr lang="pl-PL" smtClean="0"/>
-              <a:t>14.04.2019</a:t>
+              <a:t>2019-04-14</a:t>
             </a:fld>
             <a:endParaRPr lang="pl-PL"/>
           </a:p>
@@ -5914,7 +5914,7 @@
           <p:cNvPr id="2" name="Tytuł 1">
             <a:extLst>
               <a:ext uri="{FF2B5EF4-FFF2-40B4-BE49-F238E27FC236}">
-                <a16:creationId xmlns:a16="http://schemas.microsoft.com/office/drawing/2014/main" id="{02BD85F1-E73D-408F-B2BF-84E131211C9A}"/>
+                <a16:creationId xmlns:a16="http://schemas.microsoft.com/office/drawing/2014/main" xmlns="" id="{02BD85F1-E73D-408F-B2BF-84E131211C9A}"/>
               </a:ext>
             </a:extLst>
           </p:cNvPr>
@@ -5946,7 +5946,7 @@
           <p:cNvPr id="3" name="Podtytuł 2">
             <a:extLst>
               <a:ext uri="{FF2B5EF4-FFF2-40B4-BE49-F238E27FC236}">
-                <a16:creationId xmlns:a16="http://schemas.microsoft.com/office/drawing/2014/main" id="{1277B88F-6923-469D-AE80-D22E52C41220}"/>
+                <a16:creationId xmlns:a16="http://schemas.microsoft.com/office/drawing/2014/main" xmlns="" id="{1277B88F-6923-469D-AE80-D22E52C41220}"/>
               </a:ext>
             </a:extLst>
           </p:cNvPr>
@@ -6031,10 +6031,10 @@
           <p:cNvPr id="8" name="Rectangle 7">
             <a:extLst>
               <a:ext uri="{FF2B5EF4-FFF2-40B4-BE49-F238E27FC236}">
-                <a16:creationId xmlns:a16="http://schemas.microsoft.com/office/drawing/2014/main" id="{03E8462A-FEBA-4848-81CC-3F8DA3E477BE}"/>
+                <a16:creationId xmlns:a16="http://schemas.microsoft.com/office/drawing/2014/main" xmlns="" id="{03E8462A-FEBA-4848-81CC-3F8DA3E477BE}"/>
               </a:ext>
               <a:ext uri="{C183D7F6-B498-43B3-948B-1728B52AA6E4}">
-                <adec:decorative xmlns:adec="http://schemas.microsoft.com/office/drawing/2017/decorative" val="1"/>
+                <adec:decorative xmlns:adec="http://schemas.microsoft.com/office/drawing/2017/decorative" xmlns="" val="1"/>
               </a:ext>
             </a:extLst>
           </p:cNvPr>
@@ -6044,7 +6044,7 @@
           <p:nvPr>
             <p:extLst>
               <p:ext uri="{386F3935-93C4-4BCD-93E2-E3B085C9AB24}">
-                <p16:designElem xmlns:p16="http://schemas.microsoft.com/office/powerpoint/2015/main" val="1"/>
+                <p16:designElem xmlns:p16="http://schemas.microsoft.com/office/powerpoint/2015/main" xmlns="" val="1"/>
               </p:ext>
             </p:extLst>
           </p:nvPr>
@@ -6094,10 +6094,10 @@
           <p:cNvPr id="10" name="Group 9">
             <a:extLst>
               <a:ext uri="{FF2B5EF4-FFF2-40B4-BE49-F238E27FC236}">
-                <a16:creationId xmlns:a16="http://schemas.microsoft.com/office/drawing/2014/main" id="{2109F83F-40FE-4DB3-84CC-09FB3340D06D}"/>
+                <a16:creationId xmlns:a16="http://schemas.microsoft.com/office/drawing/2014/main" xmlns="" id="{2109F83F-40FE-4DB3-84CC-09FB3340D06D}"/>
               </a:ext>
               <a:ext uri="{C183D7F6-B498-43B3-948B-1728B52AA6E4}">
-                <adec:decorative xmlns:adec="http://schemas.microsoft.com/office/drawing/2017/decorative" val="1"/>
+                <adec:decorative xmlns:adec="http://schemas.microsoft.com/office/drawing/2017/decorative" xmlns="" val="1"/>
               </a:ext>
             </a:extLst>
           </p:cNvPr>
@@ -6107,7 +6107,7 @@
           <p:nvPr>
             <p:extLst>
               <p:ext uri="{386F3935-93C4-4BCD-93E2-E3B085C9AB24}">
-                <p16:designElem xmlns:p16="http://schemas.microsoft.com/office/powerpoint/2015/main" val="1"/>
+                <p16:designElem xmlns:p16="http://schemas.microsoft.com/office/powerpoint/2015/main" xmlns="" val="1"/>
               </p:ext>
             </p:extLst>
           </p:nvPr>
@@ -6125,10 +6125,10 @@
             <p:cNvPr id="11" name="Straight Connector 10">
               <a:extLst>
                 <a:ext uri="{FF2B5EF4-FFF2-40B4-BE49-F238E27FC236}">
-                  <a16:creationId xmlns:a16="http://schemas.microsoft.com/office/drawing/2014/main" id="{1DE492D7-C3C3-48FF-80C8-37021EA0262F}"/>
+                  <a16:creationId xmlns:a16="http://schemas.microsoft.com/office/drawing/2014/main" xmlns="" id="{1DE492D7-C3C3-48FF-80C8-37021EA0262F}"/>
                 </a:ext>
                 <a:ext uri="{C183D7F6-B498-43B3-948B-1728B52AA6E4}">
-                  <adec:decorative xmlns:adec="http://schemas.microsoft.com/office/drawing/2017/decorative" val="1"/>
+                  <adec:decorative xmlns:adec="http://schemas.microsoft.com/office/drawing/2017/decorative" xmlns="" val="1"/>
                 </a:ext>
               </a:extLst>
             </p:cNvPr>
@@ -6136,7 +6136,7 @@
             <p:nvPr>
               <p:extLst>
                 <p:ext uri="{386F3935-93C4-4BCD-93E2-E3B085C9AB24}">
-                  <p16:designElem xmlns:p16="http://schemas.microsoft.com/office/powerpoint/2015/main" val="1"/>
+                  <p16:designElem xmlns:p16="http://schemas.microsoft.com/office/powerpoint/2015/main" xmlns="" val="1"/>
                 </p:ext>
               </p:extLst>
             </p:nvPr>
@@ -6177,10 +6177,10 @@
             <p:cNvPr id="12" name="Rectangle 23">
               <a:extLst>
                 <a:ext uri="{FF2B5EF4-FFF2-40B4-BE49-F238E27FC236}">
-                  <a16:creationId xmlns:a16="http://schemas.microsoft.com/office/drawing/2014/main" id="{0B30FF97-2E9A-490A-AED2-90BA2E0EC17F}"/>
+                  <a16:creationId xmlns:a16="http://schemas.microsoft.com/office/drawing/2014/main" xmlns="" id="{0B30FF97-2E9A-490A-AED2-90BA2E0EC17F}"/>
                 </a:ext>
                 <a:ext uri="{C183D7F6-B498-43B3-948B-1728B52AA6E4}">
-                  <adec:decorative xmlns:adec="http://schemas.microsoft.com/office/drawing/2017/decorative" val="1"/>
+                  <adec:decorative xmlns:adec="http://schemas.microsoft.com/office/drawing/2017/decorative" xmlns="" val="1"/>
                 </a:ext>
               </a:extLst>
             </p:cNvPr>
@@ -6188,7 +6188,7 @@
             <p:nvPr>
               <p:extLst>
                 <p:ext uri="{386F3935-93C4-4BCD-93E2-E3B085C9AB24}">
-                  <p16:designElem xmlns:p16="http://schemas.microsoft.com/office/powerpoint/2015/main" val="1"/>
+                  <p16:designElem xmlns:p16="http://schemas.microsoft.com/office/powerpoint/2015/main" xmlns="" val="1"/>
                 </p:ext>
               </p:extLst>
             </p:nvPr>
@@ -6255,10 +6255,10 @@
             <p:cNvPr id="13" name="Rectangle 25">
               <a:extLst>
                 <a:ext uri="{FF2B5EF4-FFF2-40B4-BE49-F238E27FC236}">
-                  <a16:creationId xmlns:a16="http://schemas.microsoft.com/office/drawing/2014/main" id="{B6D53C7D-A312-47B6-A66A-230A19CFACA6}"/>
+                  <a16:creationId xmlns:a16="http://schemas.microsoft.com/office/drawing/2014/main" xmlns="" id="{B6D53C7D-A312-47B6-A66A-230A19CFACA6}"/>
                 </a:ext>
                 <a:ext uri="{C183D7F6-B498-43B3-948B-1728B52AA6E4}">
-                  <adec:decorative xmlns:adec="http://schemas.microsoft.com/office/drawing/2017/decorative" val="1"/>
+                  <adec:decorative xmlns:adec="http://schemas.microsoft.com/office/drawing/2017/decorative" xmlns="" val="1"/>
                 </a:ext>
               </a:extLst>
             </p:cNvPr>
@@ -6266,7 +6266,7 @@
             <p:nvPr>
               <p:extLst>
                 <p:ext uri="{386F3935-93C4-4BCD-93E2-E3B085C9AB24}">
-                  <p16:designElem xmlns:p16="http://schemas.microsoft.com/office/powerpoint/2015/main" val="1"/>
+                  <p16:designElem xmlns:p16="http://schemas.microsoft.com/office/powerpoint/2015/main" xmlns="" val="1"/>
                 </p:ext>
               </p:extLst>
             </p:nvPr>
@@ -6333,10 +6333,10 @@
             <p:cNvPr id="14" name="Isosceles Triangle 13">
               <a:extLst>
                 <a:ext uri="{FF2B5EF4-FFF2-40B4-BE49-F238E27FC236}">
-                  <a16:creationId xmlns:a16="http://schemas.microsoft.com/office/drawing/2014/main" id="{9329D58C-0D2E-4A2B-AD6A-9CEE506784A8}"/>
+                  <a16:creationId xmlns:a16="http://schemas.microsoft.com/office/drawing/2014/main" xmlns="" id="{9329D58C-0D2E-4A2B-AD6A-9CEE506784A8}"/>
                 </a:ext>
                 <a:ext uri="{C183D7F6-B498-43B3-948B-1728B52AA6E4}">
-                  <adec:decorative xmlns:adec="http://schemas.microsoft.com/office/drawing/2017/decorative" val="1"/>
+                  <adec:decorative xmlns:adec="http://schemas.microsoft.com/office/drawing/2017/decorative" xmlns="" val="1"/>
                 </a:ext>
               </a:extLst>
             </p:cNvPr>
@@ -6344,7 +6344,7 @@
             <p:nvPr>
               <p:extLst>
                 <p:ext uri="{386F3935-93C4-4BCD-93E2-E3B085C9AB24}">
-                  <p16:designElem xmlns:p16="http://schemas.microsoft.com/office/powerpoint/2015/main" val="1"/>
+                  <p16:designElem xmlns:p16="http://schemas.microsoft.com/office/powerpoint/2015/main" xmlns="" val="1"/>
                 </p:ext>
               </p:extLst>
             </p:nvPr>
@@ -6389,10 +6389,10 @@
             <p:cNvPr id="15" name="Rectangle 27">
               <a:extLst>
                 <a:ext uri="{FF2B5EF4-FFF2-40B4-BE49-F238E27FC236}">
-                  <a16:creationId xmlns:a16="http://schemas.microsoft.com/office/drawing/2014/main" id="{9D446EDE-C690-4461-8BF2-7634808FC8B4}"/>
+                  <a16:creationId xmlns:a16="http://schemas.microsoft.com/office/drawing/2014/main" xmlns="" id="{9D446EDE-C690-4461-8BF2-7634808FC8B4}"/>
                 </a:ext>
                 <a:ext uri="{C183D7F6-B498-43B3-948B-1728B52AA6E4}">
-                  <adec:decorative xmlns:adec="http://schemas.microsoft.com/office/drawing/2017/decorative" val="1"/>
+                  <adec:decorative xmlns:adec="http://schemas.microsoft.com/office/drawing/2017/decorative" xmlns="" val="1"/>
                 </a:ext>
               </a:extLst>
             </p:cNvPr>
@@ -6400,7 +6400,7 @@
             <p:nvPr>
               <p:extLst>
                 <p:ext uri="{386F3935-93C4-4BCD-93E2-E3B085C9AB24}">
-                  <p16:designElem xmlns:p16="http://schemas.microsoft.com/office/powerpoint/2015/main" val="1"/>
+                  <p16:designElem xmlns:p16="http://schemas.microsoft.com/office/powerpoint/2015/main" xmlns="" val="1"/>
                 </p:ext>
               </p:extLst>
             </p:nvPr>
@@ -6468,10 +6468,10 @@
             <p:cNvPr id="16" name="Rectangle 28">
               <a:extLst>
                 <a:ext uri="{FF2B5EF4-FFF2-40B4-BE49-F238E27FC236}">
-                  <a16:creationId xmlns:a16="http://schemas.microsoft.com/office/drawing/2014/main" id="{323F3D34-6531-4AD7-A8C6-195A090281A1}"/>
+                  <a16:creationId xmlns:a16="http://schemas.microsoft.com/office/drawing/2014/main" xmlns="" id="{323F3D34-6531-4AD7-A8C6-195A090281A1}"/>
                 </a:ext>
                 <a:ext uri="{C183D7F6-B498-43B3-948B-1728B52AA6E4}">
-                  <adec:decorative xmlns:adec="http://schemas.microsoft.com/office/drawing/2017/decorative" val="1"/>
+                  <adec:decorative xmlns:adec="http://schemas.microsoft.com/office/drawing/2017/decorative" xmlns="" val="1"/>
                 </a:ext>
               </a:extLst>
             </p:cNvPr>
@@ -6479,7 +6479,7 @@
             <p:nvPr>
               <p:extLst>
                 <p:ext uri="{386F3935-93C4-4BCD-93E2-E3B085C9AB24}">
-                  <p16:designElem xmlns:p16="http://schemas.microsoft.com/office/powerpoint/2015/main" val="1"/>
+                  <p16:designElem xmlns:p16="http://schemas.microsoft.com/office/powerpoint/2015/main" xmlns="" val="1"/>
                 </p:ext>
               </p:extLst>
             </p:nvPr>
@@ -6548,10 +6548,10 @@
             <p:cNvPr id="17" name="Rectangle 29">
               <a:extLst>
                 <a:ext uri="{FF2B5EF4-FFF2-40B4-BE49-F238E27FC236}">
-                  <a16:creationId xmlns:a16="http://schemas.microsoft.com/office/drawing/2014/main" id="{B9B0AE3F-2350-435F-A9B0-C310BF876385}"/>
+                  <a16:creationId xmlns:a16="http://schemas.microsoft.com/office/drawing/2014/main" xmlns="" id="{B9B0AE3F-2350-435F-A9B0-C310BF876385}"/>
                 </a:ext>
                 <a:ext uri="{C183D7F6-B498-43B3-948B-1728B52AA6E4}">
-                  <adec:decorative xmlns:adec="http://schemas.microsoft.com/office/drawing/2017/decorative" val="1"/>
+                  <adec:decorative xmlns:adec="http://schemas.microsoft.com/office/drawing/2017/decorative" xmlns="" val="1"/>
                 </a:ext>
               </a:extLst>
             </p:cNvPr>
@@ -6559,7 +6559,7 @@
             <p:nvPr>
               <p:extLst>
                 <p:ext uri="{386F3935-93C4-4BCD-93E2-E3B085C9AB24}">
-                  <p16:designElem xmlns:p16="http://schemas.microsoft.com/office/powerpoint/2015/main" val="1"/>
+                  <p16:designElem xmlns:p16="http://schemas.microsoft.com/office/powerpoint/2015/main" xmlns="" val="1"/>
                 </p:ext>
               </p:extLst>
             </p:nvPr>
@@ -6626,10 +6626,10 @@
             <p:cNvPr id="18" name="Isosceles Triangle 17">
               <a:extLst>
                 <a:ext uri="{FF2B5EF4-FFF2-40B4-BE49-F238E27FC236}">
-                  <a16:creationId xmlns:a16="http://schemas.microsoft.com/office/drawing/2014/main" id="{4EFA655C-9E50-4C14-A89E-AD7B648E4E2B}"/>
+                  <a16:creationId xmlns:a16="http://schemas.microsoft.com/office/drawing/2014/main" xmlns="" id="{4EFA655C-9E50-4C14-A89E-AD7B648E4E2B}"/>
                 </a:ext>
                 <a:ext uri="{C183D7F6-B498-43B3-948B-1728B52AA6E4}">
-                  <adec:decorative xmlns:adec="http://schemas.microsoft.com/office/drawing/2017/decorative" val="1"/>
+                  <adec:decorative xmlns:adec="http://schemas.microsoft.com/office/drawing/2017/decorative" xmlns="" val="1"/>
                 </a:ext>
               </a:extLst>
             </p:cNvPr>
@@ -6637,7 +6637,7 @@
             <p:nvPr>
               <p:extLst>
                 <p:ext uri="{386F3935-93C4-4BCD-93E2-E3B085C9AB24}">
-                  <p16:designElem xmlns:p16="http://schemas.microsoft.com/office/powerpoint/2015/main" val="1"/>
+                  <p16:designElem xmlns:p16="http://schemas.microsoft.com/office/powerpoint/2015/main" xmlns="" val="1"/>
                 </p:ext>
               </p:extLst>
             </p:nvPr>
@@ -6682,10 +6682,10 @@
             <p:cNvPr id="19" name="Isosceles Triangle 18">
               <a:extLst>
                 <a:ext uri="{FF2B5EF4-FFF2-40B4-BE49-F238E27FC236}">
-                  <a16:creationId xmlns:a16="http://schemas.microsoft.com/office/drawing/2014/main" id="{3E843863-7D25-4C01-9A17-E817CB6D998A}"/>
+                  <a16:creationId xmlns:a16="http://schemas.microsoft.com/office/drawing/2014/main" xmlns="" id="{3E843863-7D25-4C01-9A17-E817CB6D998A}"/>
                 </a:ext>
                 <a:ext uri="{C183D7F6-B498-43B3-948B-1728B52AA6E4}">
-                  <adec:decorative xmlns:adec="http://schemas.microsoft.com/office/drawing/2017/decorative" val="1"/>
+                  <adec:decorative xmlns:adec="http://schemas.microsoft.com/office/drawing/2017/decorative" xmlns="" val="1"/>
                 </a:ext>
               </a:extLst>
             </p:cNvPr>
@@ -6693,7 +6693,7 @@
             <p:nvPr>
               <p:extLst>
                 <p:ext uri="{386F3935-93C4-4BCD-93E2-E3B085C9AB24}">
-                  <p16:designElem xmlns:p16="http://schemas.microsoft.com/office/powerpoint/2015/main" val="1"/>
+                  <p16:designElem xmlns:p16="http://schemas.microsoft.com/office/powerpoint/2015/main" xmlns="" val="1"/>
                 </p:ext>
               </p:extLst>
             </p:nvPr>
@@ -6739,10 +6739,10 @@
           <p:cNvPr id="21" name="Rectangle 20">
             <a:extLst>
               <a:ext uri="{FF2B5EF4-FFF2-40B4-BE49-F238E27FC236}">
-                <a16:creationId xmlns:a16="http://schemas.microsoft.com/office/drawing/2014/main" id="{7941F9B1-B01B-4A84-89D9-B169AEB4E456}"/>
+                <a16:creationId xmlns:a16="http://schemas.microsoft.com/office/drawing/2014/main" xmlns="" id="{7941F9B1-B01B-4A84-89D9-B169AEB4E456}"/>
               </a:ext>
               <a:ext uri="{C183D7F6-B498-43B3-948B-1728B52AA6E4}">
-                <adec:decorative xmlns:adec="http://schemas.microsoft.com/office/drawing/2017/decorative" val="1"/>
+                <adec:decorative xmlns:adec="http://schemas.microsoft.com/office/drawing/2017/decorative" xmlns="" val="1"/>
               </a:ext>
             </a:extLst>
           </p:cNvPr>
@@ -6752,7 +6752,7 @@
           <p:nvPr>
             <p:extLst>
               <p:ext uri="{386F3935-93C4-4BCD-93E2-E3B085C9AB24}">
-                <p16:designElem xmlns:p16="http://schemas.microsoft.com/office/powerpoint/2015/main" val="1"/>
+                <p16:designElem xmlns:p16="http://schemas.microsoft.com/office/powerpoint/2015/main" xmlns="" val="1"/>
               </p:ext>
             </p:extLst>
           </p:nvPr>
@@ -6809,7 +6809,7 @@
           <p:cNvPr id="3" name="slide4">
             <a:extLst>
               <a:ext uri="{FF2B5EF4-FFF2-40B4-BE49-F238E27FC236}">
-                <a16:creationId xmlns:a16="http://schemas.microsoft.com/office/drawing/2014/main" id="{7EE1087F-C25B-46CA-8FE5-E41841395C77}"/>
+                <a16:creationId xmlns:a16="http://schemas.microsoft.com/office/drawing/2014/main" xmlns="" id="{7EE1087F-C25B-46CA-8FE5-E41841395C77}"/>
               </a:ext>
             </a:extLst>
           </p:cNvPr>
@@ -6832,8 +6832,8 @@
         </p:blipFill>
         <p:spPr>
           <a:xfrm>
-            <a:off x="2206781" y="1131994"/>
-            <a:ext cx="7780314" cy="4590386"/>
+            <a:off x="1428750" y="594725"/>
+            <a:ext cx="9468971" cy="5586693"/>
           </a:xfrm>
           <a:prstGeom prst="rect">
             <a:avLst/>
@@ -6883,10 +6883,10 @@
           <p:cNvPr id="7" name="Rectangle 6">
             <a:extLst>
               <a:ext uri="{FF2B5EF4-FFF2-40B4-BE49-F238E27FC236}">
-                <a16:creationId xmlns:a16="http://schemas.microsoft.com/office/drawing/2014/main" id="{03E8462A-FEBA-4848-81CC-3F8DA3E477BE}"/>
+                <a16:creationId xmlns:a16="http://schemas.microsoft.com/office/drawing/2014/main" xmlns="" id="{03E8462A-FEBA-4848-81CC-3F8DA3E477BE}"/>
               </a:ext>
               <a:ext uri="{C183D7F6-B498-43B3-948B-1728B52AA6E4}">
-                <adec:decorative xmlns:adec="http://schemas.microsoft.com/office/drawing/2017/decorative" val="1"/>
+                <adec:decorative xmlns:adec="http://schemas.microsoft.com/office/drawing/2017/decorative" xmlns="" val="1"/>
               </a:ext>
             </a:extLst>
           </p:cNvPr>
@@ -6896,7 +6896,7 @@
           <p:nvPr>
             <p:extLst>
               <p:ext uri="{386F3935-93C4-4BCD-93E2-E3B085C9AB24}">
-                <p16:designElem xmlns:p16="http://schemas.microsoft.com/office/powerpoint/2015/main" val="1"/>
+                <p16:designElem xmlns:p16="http://schemas.microsoft.com/office/powerpoint/2015/main" xmlns="" val="1"/>
               </p:ext>
             </p:extLst>
           </p:nvPr>
@@ -6946,10 +6946,10 @@
           <p:cNvPr id="9" name="Group 8">
             <a:extLst>
               <a:ext uri="{FF2B5EF4-FFF2-40B4-BE49-F238E27FC236}">
-                <a16:creationId xmlns:a16="http://schemas.microsoft.com/office/drawing/2014/main" id="{2109F83F-40FE-4DB3-84CC-09FB3340D06D}"/>
+                <a16:creationId xmlns:a16="http://schemas.microsoft.com/office/drawing/2014/main" xmlns="" id="{2109F83F-40FE-4DB3-84CC-09FB3340D06D}"/>
               </a:ext>
               <a:ext uri="{C183D7F6-B498-43B3-948B-1728B52AA6E4}">
-                <adec:decorative xmlns:adec="http://schemas.microsoft.com/office/drawing/2017/decorative" val="1"/>
+                <adec:decorative xmlns:adec="http://schemas.microsoft.com/office/drawing/2017/decorative" xmlns="" val="1"/>
               </a:ext>
             </a:extLst>
           </p:cNvPr>
@@ -6959,7 +6959,7 @@
           <p:nvPr>
             <p:extLst>
               <p:ext uri="{386F3935-93C4-4BCD-93E2-E3B085C9AB24}">
-                <p16:designElem xmlns:p16="http://schemas.microsoft.com/office/powerpoint/2015/main" val="1"/>
+                <p16:designElem xmlns:p16="http://schemas.microsoft.com/office/powerpoint/2015/main" xmlns="" val="1"/>
               </p:ext>
             </p:extLst>
           </p:nvPr>
@@ -6977,10 +6977,10 @@
             <p:cNvPr id="10" name="Straight Connector 9">
               <a:extLst>
                 <a:ext uri="{FF2B5EF4-FFF2-40B4-BE49-F238E27FC236}">
-                  <a16:creationId xmlns:a16="http://schemas.microsoft.com/office/drawing/2014/main" id="{1DE492D7-C3C3-48FF-80C8-37021EA0262F}"/>
+                  <a16:creationId xmlns:a16="http://schemas.microsoft.com/office/drawing/2014/main" xmlns="" id="{1DE492D7-C3C3-48FF-80C8-37021EA0262F}"/>
                 </a:ext>
                 <a:ext uri="{C183D7F6-B498-43B3-948B-1728B52AA6E4}">
-                  <adec:decorative xmlns:adec="http://schemas.microsoft.com/office/drawing/2017/decorative" val="1"/>
+                  <adec:decorative xmlns:adec="http://schemas.microsoft.com/office/drawing/2017/decorative" xmlns="" val="1"/>
                 </a:ext>
               </a:extLst>
             </p:cNvPr>
@@ -6988,7 +6988,7 @@
             <p:nvPr>
               <p:extLst>
                 <p:ext uri="{386F3935-93C4-4BCD-93E2-E3B085C9AB24}">
-                  <p16:designElem xmlns:p16="http://schemas.microsoft.com/office/powerpoint/2015/main" val="1"/>
+                  <p16:designElem xmlns:p16="http://schemas.microsoft.com/office/powerpoint/2015/main" xmlns="" val="1"/>
                 </p:ext>
               </p:extLst>
             </p:nvPr>
@@ -7029,10 +7029,10 @@
             <p:cNvPr id="11" name="Rectangle 23">
               <a:extLst>
                 <a:ext uri="{FF2B5EF4-FFF2-40B4-BE49-F238E27FC236}">
-                  <a16:creationId xmlns:a16="http://schemas.microsoft.com/office/drawing/2014/main" id="{0B30FF97-2E9A-490A-AED2-90BA2E0EC17F}"/>
+                  <a16:creationId xmlns:a16="http://schemas.microsoft.com/office/drawing/2014/main" xmlns="" id="{0B30FF97-2E9A-490A-AED2-90BA2E0EC17F}"/>
                 </a:ext>
                 <a:ext uri="{C183D7F6-B498-43B3-948B-1728B52AA6E4}">
-                  <adec:decorative xmlns:adec="http://schemas.microsoft.com/office/drawing/2017/decorative" val="1"/>
+                  <adec:decorative xmlns:adec="http://schemas.microsoft.com/office/drawing/2017/decorative" xmlns="" val="1"/>
                 </a:ext>
               </a:extLst>
             </p:cNvPr>
@@ -7040,7 +7040,7 @@
             <p:nvPr>
               <p:extLst>
                 <p:ext uri="{386F3935-93C4-4BCD-93E2-E3B085C9AB24}">
-                  <p16:designElem xmlns:p16="http://schemas.microsoft.com/office/powerpoint/2015/main" val="1"/>
+                  <p16:designElem xmlns:p16="http://schemas.microsoft.com/office/powerpoint/2015/main" xmlns="" val="1"/>
                 </p:ext>
               </p:extLst>
             </p:nvPr>
@@ -7107,10 +7107,10 @@
             <p:cNvPr id="12" name="Rectangle 25">
               <a:extLst>
                 <a:ext uri="{FF2B5EF4-FFF2-40B4-BE49-F238E27FC236}">
-                  <a16:creationId xmlns:a16="http://schemas.microsoft.com/office/drawing/2014/main" id="{B6D53C7D-A312-47B6-A66A-230A19CFACA6}"/>
+                  <a16:creationId xmlns:a16="http://schemas.microsoft.com/office/drawing/2014/main" xmlns="" id="{B6D53C7D-A312-47B6-A66A-230A19CFACA6}"/>
                 </a:ext>
                 <a:ext uri="{C183D7F6-B498-43B3-948B-1728B52AA6E4}">
-                  <adec:decorative xmlns:adec="http://schemas.microsoft.com/office/drawing/2017/decorative" val="1"/>
+                  <adec:decorative xmlns:adec="http://schemas.microsoft.com/office/drawing/2017/decorative" xmlns="" val="1"/>
                 </a:ext>
               </a:extLst>
             </p:cNvPr>
@@ -7118,7 +7118,7 @@
             <p:nvPr>
               <p:extLst>
                 <p:ext uri="{386F3935-93C4-4BCD-93E2-E3B085C9AB24}">
-                  <p16:designElem xmlns:p16="http://schemas.microsoft.com/office/powerpoint/2015/main" val="1"/>
+                  <p16:designElem xmlns:p16="http://schemas.microsoft.com/office/powerpoint/2015/main" xmlns="" val="1"/>
                 </p:ext>
               </p:extLst>
             </p:nvPr>
@@ -7185,10 +7185,10 @@
             <p:cNvPr id="13" name="Isosceles Triangle 12">
               <a:extLst>
                 <a:ext uri="{FF2B5EF4-FFF2-40B4-BE49-F238E27FC236}">
-                  <a16:creationId xmlns:a16="http://schemas.microsoft.com/office/drawing/2014/main" id="{9329D58C-0D2E-4A2B-AD6A-9CEE506784A8}"/>
+                  <a16:creationId xmlns:a16="http://schemas.microsoft.com/office/drawing/2014/main" xmlns="" id="{9329D58C-0D2E-4A2B-AD6A-9CEE506784A8}"/>
                 </a:ext>
                 <a:ext uri="{C183D7F6-B498-43B3-948B-1728B52AA6E4}">
-                  <adec:decorative xmlns:adec="http://schemas.microsoft.com/office/drawing/2017/decorative" val="1"/>
+                  <adec:decorative xmlns:adec="http://schemas.microsoft.com/office/drawing/2017/decorative" xmlns="" val="1"/>
                 </a:ext>
               </a:extLst>
             </p:cNvPr>
@@ -7196,7 +7196,7 @@
             <p:nvPr>
               <p:extLst>
                 <p:ext uri="{386F3935-93C4-4BCD-93E2-E3B085C9AB24}">
-                  <p16:designElem xmlns:p16="http://schemas.microsoft.com/office/powerpoint/2015/main" val="1"/>
+                  <p16:designElem xmlns:p16="http://schemas.microsoft.com/office/powerpoint/2015/main" xmlns="" val="1"/>
                 </p:ext>
               </p:extLst>
             </p:nvPr>
@@ -7241,10 +7241,10 @@
             <p:cNvPr id="14" name="Rectangle 27">
               <a:extLst>
                 <a:ext uri="{FF2B5EF4-FFF2-40B4-BE49-F238E27FC236}">
-                  <a16:creationId xmlns:a16="http://schemas.microsoft.com/office/drawing/2014/main" id="{9D446EDE-C690-4461-8BF2-7634808FC8B4}"/>
+                  <a16:creationId xmlns:a16="http://schemas.microsoft.com/office/drawing/2014/main" xmlns="" id="{9D446EDE-C690-4461-8BF2-7634808FC8B4}"/>
                 </a:ext>
                 <a:ext uri="{C183D7F6-B498-43B3-948B-1728B52AA6E4}">
-                  <adec:decorative xmlns:adec="http://schemas.microsoft.com/office/drawing/2017/decorative" val="1"/>
+                  <adec:decorative xmlns:adec="http://schemas.microsoft.com/office/drawing/2017/decorative" xmlns="" val="1"/>
                 </a:ext>
               </a:extLst>
             </p:cNvPr>
@@ -7252,7 +7252,7 @@
             <p:nvPr>
               <p:extLst>
                 <p:ext uri="{386F3935-93C4-4BCD-93E2-E3B085C9AB24}">
-                  <p16:designElem xmlns:p16="http://schemas.microsoft.com/office/powerpoint/2015/main" val="1"/>
+                  <p16:designElem xmlns:p16="http://schemas.microsoft.com/office/powerpoint/2015/main" xmlns="" val="1"/>
                 </p:ext>
               </p:extLst>
             </p:nvPr>
@@ -7320,10 +7320,10 @@
             <p:cNvPr id="15" name="Rectangle 28">
               <a:extLst>
                 <a:ext uri="{FF2B5EF4-FFF2-40B4-BE49-F238E27FC236}">
-                  <a16:creationId xmlns:a16="http://schemas.microsoft.com/office/drawing/2014/main" id="{323F3D34-6531-4AD7-A8C6-195A090281A1}"/>
+                  <a16:creationId xmlns:a16="http://schemas.microsoft.com/office/drawing/2014/main" xmlns="" id="{323F3D34-6531-4AD7-A8C6-195A090281A1}"/>
                 </a:ext>
                 <a:ext uri="{C183D7F6-B498-43B3-948B-1728B52AA6E4}">
-                  <adec:decorative xmlns:adec="http://schemas.microsoft.com/office/drawing/2017/decorative" val="1"/>
+                  <adec:decorative xmlns:adec="http://schemas.microsoft.com/office/drawing/2017/decorative" xmlns="" val="1"/>
                 </a:ext>
               </a:extLst>
             </p:cNvPr>
@@ -7331,7 +7331,7 @@
             <p:nvPr>
               <p:extLst>
                 <p:ext uri="{386F3935-93C4-4BCD-93E2-E3B085C9AB24}">
-                  <p16:designElem xmlns:p16="http://schemas.microsoft.com/office/powerpoint/2015/main" val="1"/>
+                  <p16:designElem xmlns:p16="http://schemas.microsoft.com/office/powerpoint/2015/main" xmlns="" val="1"/>
                 </p:ext>
               </p:extLst>
             </p:nvPr>
@@ -7400,10 +7400,10 @@
             <p:cNvPr id="16" name="Rectangle 29">
               <a:extLst>
                 <a:ext uri="{FF2B5EF4-FFF2-40B4-BE49-F238E27FC236}">
-                  <a16:creationId xmlns:a16="http://schemas.microsoft.com/office/drawing/2014/main" id="{B9B0AE3F-2350-435F-A9B0-C310BF876385}"/>
+                  <a16:creationId xmlns:a16="http://schemas.microsoft.com/office/drawing/2014/main" xmlns="" id="{B9B0AE3F-2350-435F-A9B0-C310BF876385}"/>
                 </a:ext>
                 <a:ext uri="{C183D7F6-B498-43B3-948B-1728B52AA6E4}">
-                  <adec:decorative xmlns:adec="http://schemas.microsoft.com/office/drawing/2017/decorative" val="1"/>
+                  <adec:decorative xmlns:adec="http://schemas.microsoft.com/office/drawing/2017/decorative" xmlns="" val="1"/>
                 </a:ext>
               </a:extLst>
             </p:cNvPr>
@@ -7411,7 +7411,7 @@
             <p:nvPr>
               <p:extLst>
                 <p:ext uri="{386F3935-93C4-4BCD-93E2-E3B085C9AB24}">
-                  <p16:designElem xmlns:p16="http://schemas.microsoft.com/office/powerpoint/2015/main" val="1"/>
+                  <p16:designElem xmlns:p16="http://schemas.microsoft.com/office/powerpoint/2015/main" xmlns="" val="1"/>
                 </p:ext>
               </p:extLst>
             </p:nvPr>
@@ -7478,10 +7478,10 @@
             <p:cNvPr id="17" name="Isosceles Triangle 16">
               <a:extLst>
                 <a:ext uri="{FF2B5EF4-FFF2-40B4-BE49-F238E27FC236}">
-                  <a16:creationId xmlns:a16="http://schemas.microsoft.com/office/drawing/2014/main" id="{4EFA655C-9E50-4C14-A89E-AD7B648E4E2B}"/>
+                  <a16:creationId xmlns:a16="http://schemas.microsoft.com/office/drawing/2014/main" xmlns="" id="{4EFA655C-9E50-4C14-A89E-AD7B648E4E2B}"/>
                 </a:ext>
                 <a:ext uri="{C183D7F6-B498-43B3-948B-1728B52AA6E4}">
-                  <adec:decorative xmlns:adec="http://schemas.microsoft.com/office/drawing/2017/decorative" val="1"/>
+                  <adec:decorative xmlns:adec="http://schemas.microsoft.com/office/drawing/2017/decorative" xmlns="" val="1"/>
                 </a:ext>
               </a:extLst>
             </p:cNvPr>
@@ -7489,7 +7489,7 @@
             <p:nvPr>
               <p:extLst>
                 <p:ext uri="{386F3935-93C4-4BCD-93E2-E3B085C9AB24}">
-                  <p16:designElem xmlns:p16="http://schemas.microsoft.com/office/powerpoint/2015/main" val="1"/>
+                  <p16:designElem xmlns:p16="http://schemas.microsoft.com/office/powerpoint/2015/main" xmlns="" val="1"/>
                 </p:ext>
               </p:extLst>
             </p:nvPr>
@@ -7534,10 +7534,10 @@
             <p:cNvPr id="18" name="Isosceles Triangle 17">
               <a:extLst>
                 <a:ext uri="{FF2B5EF4-FFF2-40B4-BE49-F238E27FC236}">
-                  <a16:creationId xmlns:a16="http://schemas.microsoft.com/office/drawing/2014/main" id="{3E843863-7D25-4C01-9A17-E817CB6D998A}"/>
+                  <a16:creationId xmlns:a16="http://schemas.microsoft.com/office/drawing/2014/main" xmlns="" id="{3E843863-7D25-4C01-9A17-E817CB6D998A}"/>
                 </a:ext>
                 <a:ext uri="{C183D7F6-B498-43B3-948B-1728B52AA6E4}">
-                  <adec:decorative xmlns:adec="http://schemas.microsoft.com/office/drawing/2017/decorative" val="1"/>
+                  <adec:decorative xmlns:adec="http://schemas.microsoft.com/office/drawing/2017/decorative" xmlns="" val="1"/>
                 </a:ext>
               </a:extLst>
             </p:cNvPr>
@@ -7545,7 +7545,7 @@
             <p:nvPr>
               <p:extLst>
                 <p:ext uri="{386F3935-93C4-4BCD-93E2-E3B085C9AB24}">
-                  <p16:designElem xmlns:p16="http://schemas.microsoft.com/office/powerpoint/2015/main" val="1"/>
+                  <p16:designElem xmlns:p16="http://schemas.microsoft.com/office/powerpoint/2015/main" xmlns="" val="1"/>
                 </p:ext>
               </p:extLst>
             </p:nvPr>
@@ -7591,10 +7591,10 @@
           <p:cNvPr id="20" name="Rectangle 19">
             <a:extLst>
               <a:ext uri="{FF2B5EF4-FFF2-40B4-BE49-F238E27FC236}">
-                <a16:creationId xmlns:a16="http://schemas.microsoft.com/office/drawing/2014/main" id="{7941F9B1-B01B-4A84-89D9-B169AEB4E456}"/>
+                <a16:creationId xmlns:a16="http://schemas.microsoft.com/office/drawing/2014/main" xmlns="" id="{7941F9B1-B01B-4A84-89D9-B169AEB4E456}"/>
               </a:ext>
               <a:ext uri="{C183D7F6-B498-43B3-948B-1728B52AA6E4}">
-                <adec:decorative xmlns:adec="http://schemas.microsoft.com/office/drawing/2017/decorative" val="1"/>
+                <adec:decorative xmlns:adec="http://schemas.microsoft.com/office/drawing/2017/decorative" xmlns="" val="1"/>
               </a:ext>
             </a:extLst>
           </p:cNvPr>
@@ -7604,7 +7604,7 @@
           <p:nvPr>
             <p:extLst>
               <p:ext uri="{386F3935-93C4-4BCD-93E2-E3B085C9AB24}">
-                <p16:designElem xmlns:p16="http://schemas.microsoft.com/office/powerpoint/2015/main" val="1"/>
+                <p16:designElem xmlns:p16="http://schemas.microsoft.com/office/powerpoint/2015/main" xmlns="" val="1"/>
               </p:ext>
             </p:extLst>
           </p:nvPr>
@@ -7661,7 +7661,7 @@
           <p:cNvPr id="2" name="slide4">
             <a:extLst>
               <a:ext uri="{FF2B5EF4-FFF2-40B4-BE49-F238E27FC236}">
-                <a16:creationId xmlns:a16="http://schemas.microsoft.com/office/drawing/2014/main" id="{D2136DE0-82F0-4928-B55D-05366FF88F5A}"/>
+                <a16:creationId xmlns:a16="http://schemas.microsoft.com/office/drawing/2014/main" xmlns="" id="{D2136DE0-82F0-4928-B55D-05366FF88F5A}"/>
               </a:ext>
             </a:extLst>
           </p:cNvPr>
@@ -7684,8 +7684,8 @@
         </p:blipFill>
         <p:spPr>
           <a:xfrm>
-            <a:off x="2206781" y="1131994"/>
-            <a:ext cx="7780314" cy="4590386"/>
+            <a:off x="1273629" y="674999"/>
+            <a:ext cx="9488034" cy="5597941"/>
           </a:xfrm>
           <a:prstGeom prst="rect">
             <a:avLst/>
@@ -7735,10 +7735,10 @@
           <p:cNvPr id="7" name="Rectangle 6">
             <a:extLst>
               <a:ext uri="{FF2B5EF4-FFF2-40B4-BE49-F238E27FC236}">
-                <a16:creationId xmlns:a16="http://schemas.microsoft.com/office/drawing/2014/main" id="{03E8462A-FEBA-4848-81CC-3F8DA3E477BE}"/>
+                <a16:creationId xmlns:a16="http://schemas.microsoft.com/office/drawing/2014/main" xmlns="" id="{03E8462A-FEBA-4848-81CC-3F8DA3E477BE}"/>
               </a:ext>
               <a:ext uri="{C183D7F6-B498-43B3-948B-1728B52AA6E4}">
-                <adec:decorative xmlns:adec="http://schemas.microsoft.com/office/drawing/2017/decorative" val="1"/>
+                <adec:decorative xmlns:adec="http://schemas.microsoft.com/office/drawing/2017/decorative" xmlns="" val="1"/>
               </a:ext>
             </a:extLst>
           </p:cNvPr>
@@ -7748,7 +7748,7 @@
           <p:nvPr>
             <p:extLst>
               <p:ext uri="{386F3935-93C4-4BCD-93E2-E3B085C9AB24}">
-                <p16:designElem xmlns:p16="http://schemas.microsoft.com/office/powerpoint/2015/main" val="1"/>
+                <p16:designElem xmlns:p16="http://schemas.microsoft.com/office/powerpoint/2015/main" xmlns="" val="1"/>
               </p:ext>
             </p:extLst>
           </p:nvPr>
@@ -7798,10 +7798,10 @@
           <p:cNvPr id="9" name="Group 8">
             <a:extLst>
               <a:ext uri="{FF2B5EF4-FFF2-40B4-BE49-F238E27FC236}">
-                <a16:creationId xmlns:a16="http://schemas.microsoft.com/office/drawing/2014/main" id="{2109F83F-40FE-4DB3-84CC-09FB3340D06D}"/>
+                <a16:creationId xmlns:a16="http://schemas.microsoft.com/office/drawing/2014/main" xmlns="" id="{2109F83F-40FE-4DB3-84CC-09FB3340D06D}"/>
               </a:ext>
               <a:ext uri="{C183D7F6-B498-43B3-948B-1728B52AA6E4}">
-                <adec:decorative xmlns:adec="http://schemas.microsoft.com/office/drawing/2017/decorative" val="1"/>
+                <adec:decorative xmlns:adec="http://schemas.microsoft.com/office/drawing/2017/decorative" xmlns="" val="1"/>
               </a:ext>
             </a:extLst>
           </p:cNvPr>
@@ -7811,7 +7811,7 @@
           <p:nvPr>
             <p:extLst>
               <p:ext uri="{386F3935-93C4-4BCD-93E2-E3B085C9AB24}">
-                <p16:designElem xmlns:p16="http://schemas.microsoft.com/office/powerpoint/2015/main" val="1"/>
+                <p16:designElem xmlns:p16="http://schemas.microsoft.com/office/powerpoint/2015/main" xmlns="" val="1"/>
               </p:ext>
             </p:extLst>
           </p:nvPr>
@@ -7829,10 +7829,10 @@
             <p:cNvPr id="10" name="Straight Connector 9">
               <a:extLst>
                 <a:ext uri="{FF2B5EF4-FFF2-40B4-BE49-F238E27FC236}">
-                  <a16:creationId xmlns:a16="http://schemas.microsoft.com/office/drawing/2014/main" id="{1DE492D7-C3C3-48FF-80C8-37021EA0262F}"/>
+                  <a16:creationId xmlns:a16="http://schemas.microsoft.com/office/drawing/2014/main" xmlns="" id="{1DE492D7-C3C3-48FF-80C8-37021EA0262F}"/>
                 </a:ext>
                 <a:ext uri="{C183D7F6-B498-43B3-948B-1728B52AA6E4}">
-                  <adec:decorative xmlns:adec="http://schemas.microsoft.com/office/drawing/2017/decorative" val="1"/>
+                  <adec:decorative xmlns:adec="http://schemas.microsoft.com/office/drawing/2017/decorative" xmlns="" val="1"/>
                 </a:ext>
               </a:extLst>
             </p:cNvPr>
@@ -7840,7 +7840,7 @@
             <p:nvPr>
               <p:extLst>
                 <p:ext uri="{386F3935-93C4-4BCD-93E2-E3B085C9AB24}">
-                  <p16:designElem xmlns:p16="http://schemas.microsoft.com/office/powerpoint/2015/main" val="1"/>
+                  <p16:designElem xmlns:p16="http://schemas.microsoft.com/office/powerpoint/2015/main" xmlns="" val="1"/>
                 </p:ext>
               </p:extLst>
             </p:nvPr>
@@ -7881,10 +7881,10 @@
             <p:cNvPr id="11" name="Rectangle 23">
               <a:extLst>
                 <a:ext uri="{FF2B5EF4-FFF2-40B4-BE49-F238E27FC236}">
-                  <a16:creationId xmlns:a16="http://schemas.microsoft.com/office/drawing/2014/main" id="{0B30FF97-2E9A-490A-AED2-90BA2E0EC17F}"/>
+                  <a16:creationId xmlns:a16="http://schemas.microsoft.com/office/drawing/2014/main" xmlns="" id="{0B30FF97-2E9A-490A-AED2-90BA2E0EC17F}"/>
                 </a:ext>
                 <a:ext uri="{C183D7F6-B498-43B3-948B-1728B52AA6E4}">
-                  <adec:decorative xmlns:adec="http://schemas.microsoft.com/office/drawing/2017/decorative" val="1"/>
+                  <adec:decorative xmlns:adec="http://schemas.microsoft.com/office/drawing/2017/decorative" xmlns="" val="1"/>
                 </a:ext>
               </a:extLst>
             </p:cNvPr>
@@ -7892,7 +7892,7 @@
             <p:nvPr>
               <p:extLst>
                 <p:ext uri="{386F3935-93C4-4BCD-93E2-E3B085C9AB24}">
-                  <p16:designElem xmlns:p16="http://schemas.microsoft.com/office/powerpoint/2015/main" val="1"/>
+                  <p16:designElem xmlns:p16="http://schemas.microsoft.com/office/powerpoint/2015/main" xmlns="" val="1"/>
                 </p:ext>
               </p:extLst>
             </p:nvPr>
@@ -7959,10 +7959,10 @@
             <p:cNvPr id="12" name="Rectangle 25">
               <a:extLst>
                 <a:ext uri="{FF2B5EF4-FFF2-40B4-BE49-F238E27FC236}">
-                  <a16:creationId xmlns:a16="http://schemas.microsoft.com/office/drawing/2014/main" id="{B6D53C7D-A312-47B6-A66A-230A19CFACA6}"/>
+                  <a16:creationId xmlns:a16="http://schemas.microsoft.com/office/drawing/2014/main" xmlns="" id="{B6D53C7D-A312-47B6-A66A-230A19CFACA6}"/>
                 </a:ext>
                 <a:ext uri="{C183D7F6-B498-43B3-948B-1728B52AA6E4}">
-                  <adec:decorative xmlns:adec="http://schemas.microsoft.com/office/drawing/2017/decorative" val="1"/>
+                  <adec:decorative xmlns:adec="http://schemas.microsoft.com/office/drawing/2017/decorative" xmlns="" val="1"/>
                 </a:ext>
               </a:extLst>
             </p:cNvPr>
@@ -7970,7 +7970,7 @@
             <p:nvPr>
               <p:extLst>
                 <p:ext uri="{386F3935-93C4-4BCD-93E2-E3B085C9AB24}">
-                  <p16:designElem xmlns:p16="http://schemas.microsoft.com/office/powerpoint/2015/main" val="1"/>
+                  <p16:designElem xmlns:p16="http://schemas.microsoft.com/office/powerpoint/2015/main" xmlns="" val="1"/>
                 </p:ext>
               </p:extLst>
             </p:nvPr>
@@ -8037,10 +8037,10 @@
             <p:cNvPr id="13" name="Isosceles Triangle 12">
               <a:extLst>
                 <a:ext uri="{FF2B5EF4-FFF2-40B4-BE49-F238E27FC236}">
-                  <a16:creationId xmlns:a16="http://schemas.microsoft.com/office/drawing/2014/main" id="{9329D58C-0D2E-4A2B-AD6A-9CEE506784A8}"/>
+                  <a16:creationId xmlns:a16="http://schemas.microsoft.com/office/drawing/2014/main" xmlns="" id="{9329D58C-0D2E-4A2B-AD6A-9CEE506784A8}"/>
                 </a:ext>
                 <a:ext uri="{C183D7F6-B498-43B3-948B-1728B52AA6E4}">
-                  <adec:decorative xmlns:adec="http://schemas.microsoft.com/office/drawing/2017/decorative" val="1"/>
+                  <adec:decorative xmlns:adec="http://schemas.microsoft.com/office/drawing/2017/decorative" xmlns="" val="1"/>
                 </a:ext>
               </a:extLst>
             </p:cNvPr>
@@ -8048,7 +8048,7 @@
             <p:nvPr>
               <p:extLst>
                 <p:ext uri="{386F3935-93C4-4BCD-93E2-E3B085C9AB24}">
-                  <p16:designElem xmlns:p16="http://schemas.microsoft.com/office/powerpoint/2015/main" val="1"/>
+                  <p16:designElem xmlns:p16="http://schemas.microsoft.com/office/powerpoint/2015/main" xmlns="" val="1"/>
                 </p:ext>
               </p:extLst>
             </p:nvPr>
@@ -8093,10 +8093,10 @@
             <p:cNvPr id="14" name="Rectangle 27">
               <a:extLst>
                 <a:ext uri="{FF2B5EF4-FFF2-40B4-BE49-F238E27FC236}">
-                  <a16:creationId xmlns:a16="http://schemas.microsoft.com/office/drawing/2014/main" id="{9D446EDE-C690-4461-8BF2-7634808FC8B4}"/>
+                  <a16:creationId xmlns:a16="http://schemas.microsoft.com/office/drawing/2014/main" xmlns="" id="{9D446EDE-C690-4461-8BF2-7634808FC8B4}"/>
                 </a:ext>
                 <a:ext uri="{C183D7F6-B498-43B3-948B-1728B52AA6E4}">
-                  <adec:decorative xmlns:adec="http://schemas.microsoft.com/office/drawing/2017/decorative" val="1"/>
+                  <adec:decorative xmlns:adec="http://schemas.microsoft.com/office/drawing/2017/decorative" xmlns="" val="1"/>
                 </a:ext>
               </a:extLst>
             </p:cNvPr>
@@ -8104,7 +8104,7 @@
             <p:nvPr>
               <p:extLst>
                 <p:ext uri="{386F3935-93C4-4BCD-93E2-E3B085C9AB24}">
-                  <p16:designElem xmlns:p16="http://schemas.microsoft.com/office/powerpoint/2015/main" val="1"/>
+                  <p16:designElem xmlns:p16="http://schemas.microsoft.com/office/powerpoint/2015/main" xmlns="" val="1"/>
                 </p:ext>
               </p:extLst>
             </p:nvPr>
@@ -8172,10 +8172,10 @@
             <p:cNvPr id="15" name="Rectangle 28">
               <a:extLst>
                 <a:ext uri="{FF2B5EF4-FFF2-40B4-BE49-F238E27FC236}">
-                  <a16:creationId xmlns:a16="http://schemas.microsoft.com/office/drawing/2014/main" id="{323F3D34-6531-4AD7-A8C6-195A090281A1}"/>
+                  <a16:creationId xmlns:a16="http://schemas.microsoft.com/office/drawing/2014/main" xmlns="" id="{323F3D34-6531-4AD7-A8C6-195A090281A1}"/>
                 </a:ext>
                 <a:ext uri="{C183D7F6-B498-43B3-948B-1728B52AA6E4}">
-                  <adec:decorative xmlns:adec="http://schemas.microsoft.com/office/drawing/2017/decorative" val="1"/>
+                  <adec:decorative xmlns:adec="http://schemas.microsoft.com/office/drawing/2017/decorative" xmlns="" val="1"/>
                 </a:ext>
               </a:extLst>
             </p:cNvPr>
@@ -8183,7 +8183,7 @@
             <p:nvPr>
               <p:extLst>
                 <p:ext uri="{386F3935-93C4-4BCD-93E2-E3B085C9AB24}">
-                  <p16:designElem xmlns:p16="http://schemas.microsoft.com/office/powerpoint/2015/main" val="1"/>
+                  <p16:designElem xmlns:p16="http://schemas.microsoft.com/office/powerpoint/2015/main" xmlns="" val="1"/>
                 </p:ext>
               </p:extLst>
             </p:nvPr>
@@ -8252,10 +8252,10 @@
             <p:cNvPr id="16" name="Rectangle 29">
               <a:extLst>
                 <a:ext uri="{FF2B5EF4-FFF2-40B4-BE49-F238E27FC236}">
-                  <a16:creationId xmlns:a16="http://schemas.microsoft.com/office/drawing/2014/main" id="{B9B0AE3F-2350-435F-A9B0-C310BF876385}"/>
+                  <a16:creationId xmlns:a16="http://schemas.microsoft.com/office/drawing/2014/main" xmlns="" id="{B9B0AE3F-2350-435F-A9B0-C310BF876385}"/>
                 </a:ext>
                 <a:ext uri="{C183D7F6-B498-43B3-948B-1728B52AA6E4}">
-                  <adec:decorative xmlns:adec="http://schemas.microsoft.com/office/drawing/2017/decorative" val="1"/>
+                  <adec:decorative xmlns:adec="http://schemas.microsoft.com/office/drawing/2017/decorative" xmlns="" val="1"/>
                 </a:ext>
               </a:extLst>
             </p:cNvPr>
@@ -8263,7 +8263,7 @@
             <p:nvPr>
               <p:extLst>
                 <p:ext uri="{386F3935-93C4-4BCD-93E2-E3B085C9AB24}">
-                  <p16:designElem xmlns:p16="http://schemas.microsoft.com/office/powerpoint/2015/main" val="1"/>
+                  <p16:designElem xmlns:p16="http://schemas.microsoft.com/office/powerpoint/2015/main" xmlns="" val="1"/>
                 </p:ext>
               </p:extLst>
             </p:nvPr>
@@ -8330,10 +8330,10 @@
             <p:cNvPr id="17" name="Isosceles Triangle 16">
               <a:extLst>
                 <a:ext uri="{FF2B5EF4-FFF2-40B4-BE49-F238E27FC236}">
-                  <a16:creationId xmlns:a16="http://schemas.microsoft.com/office/drawing/2014/main" id="{4EFA655C-9E50-4C14-A89E-AD7B648E4E2B}"/>
+                  <a16:creationId xmlns:a16="http://schemas.microsoft.com/office/drawing/2014/main" xmlns="" id="{4EFA655C-9E50-4C14-A89E-AD7B648E4E2B}"/>
                 </a:ext>
                 <a:ext uri="{C183D7F6-B498-43B3-948B-1728B52AA6E4}">
-                  <adec:decorative xmlns:adec="http://schemas.microsoft.com/office/drawing/2017/decorative" val="1"/>
+                  <adec:decorative xmlns:adec="http://schemas.microsoft.com/office/drawing/2017/decorative" xmlns="" val="1"/>
                 </a:ext>
               </a:extLst>
             </p:cNvPr>
@@ -8341,7 +8341,7 @@
             <p:nvPr>
               <p:extLst>
                 <p:ext uri="{386F3935-93C4-4BCD-93E2-E3B085C9AB24}">
-                  <p16:designElem xmlns:p16="http://schemas.microsoft.com/office/powerpoint/2015/main" val="1"/>
+                  <p16:designElem xmlns:p16="http://schemas.microsoft.com/office/powerpoint/2015/main" xmlns="" val="1"/>
                 </p:ext>
               </p:extLst>
             </p:nvPr>
@@ -8386,10 +8386,10 @@
             <p:cNvPr id="18" name="Isosceles Triangle 17">
               <a:extLst>
                 <a:ext uri="{FF2B5EF4-FFF2-40B4-BE49-F238E27FC236}">
-                  <a16:creationId xmlns:a16="http://schemas.microsoft.com/office/drawing/2014/main" id="{3E843863-7D25-4C01-9A17-E817CB6D998A}"/>
+                  <a16:creationId xmlns:a16="http://schemas.microsoft.com/office/drawing/2014/main" xmlns="" id="{3E843863-7D25-4C01-9A17-E817CB6D998A}"/>
                 </a:ext>
                 <a:ext uri="{C183D7F6-B498-43B3-948B-1728B52AA6E4}">
-                  <adec:decorative xmlns:adec="http://schemas.microsoft.com/office/drawing/2017/decorative" val="1"/>
+                  <adec:decorative xmlns:adec="http://schemas.microsoft.com/office/drawing/2017/decorative" xmlns="" val="1"/>
                 </a:ext>
               </a:extLst>
             </p:cNvPr>
@@ -8397,7 +8397,7 @@
             <p:nvPr>
               <p:extLst>
                 <p:ext uri="{386F3935-93C4-4BCD-93E2-E3B085C9AB24}">
-                  <p16:designElem xmlns:p16="http://schemas.microsoft.com/office/powerpoint/2015/main" val="1"/>
+                  <p16:designElem xmlns:p16="http://schemas.microsoft.com/office/powerpoint/2015/main" xmlns="" val="1"/>
                 </p:ext>
               </p:extLst>
             </p:nvPr>
@@ -8443,10 +8443,10 @@
           <p:cNvPr id="20" name="Rectangle 19">
             <a:extLst>
               <a:ext uri="{FF2B5EF4-FFF2-40B4-BE49-F238E27FC236}">
-                <a16:creationId xmlns:a16="http://schemas.microsoft.com/office/drawing/2014/main" id="{7941F9B1-B01B-4A84-89D9-B169AEB4E456}"/>
+                <a16:creationId xmlns:a16="http://schemas.microsoft.com/office/drawing/2014/main" xmlns="" id="{7941F9B1-B01B-4A84-89D9-B169AEB4E456}"/>
               </a:ext>
               <a:ext uri="{C183D7F6-B498-43B3-948B-1728B52AA6E4}">
-                <adec:decorative xmlns:adec="http://schemas.microsoft.com/office/drawing/2017/decorative" val="1"/>
+                <adec:decorative xmlns:adec="http://schemas.microsoft.com/office/drawing/2017/decorative" xmlns="" val="1"/>
               </a:ext>
             </a:extLst>
           </p:cNvPr>
@@ -8456,7 +8456,7 @@
           <p:nvPr>
             <p:extLst>
               <p:ext uri="{386F3935-93C4-4BCD-93E2-E3B085C9AB24}">
-                <p16:designElem xmlns:p16="http://schemas.microsoft.com/office/powerpoint/2015/main" val="1"/>
+                <p16:designElem xmlns:p16="http://schemas.microsoft.com/office/powerpoint/2015/main" xmlns="" val="1"/>
               </p:ext>
             </p:extLst>
           </p:nvPr>
@@ -8513,7 +8513,7 @@
           <p:cNvPr id="2" name="slide4">
             <a:extLst>
               <a:ext uri="{FF2B5EF4-FFF2-40B4-BE49-F238E27FC236}">
-                <a16:creationId xmlns:a16="http://schemas.microsoft.com/office/drawing/2014/main" id="{C00F9D33-E99F-43DE-8833-1A83AB298B88}"/>
+                <a16:creationId xmlns:a16="http://schemas.microsoft.com/office/drawing/2014/main" xmlns="" id="{C00F9D33-E99F-43DE-8833-1A83AB298B88}"/>
               </a:ext>
             </a:extLst>
           </p:cNvPr>
@@ -8587,10 +8587,10 @@
           <p:cNvPr id="7" name="Rectangle 6">
             <a:extLst>
               <a:ext uri="{FF2B5EF4-FFF2-40B4-BE49-F238E27FC236}">
-                <a16:creationId xmlns:a16="http://schemas.microsoft.com/office/drawing/2014/main" id="{03E8462A-FEBA-4848-81CC-3F8DA3E477BE}"/>
+                <a16:creationId xmlns:a16="http://schemas.microsoft.com/office/drawing/2014/main" xmlns="" id="{03E8462A-FEBA-4848-81CC-3F8DA3E477BE}"/>
               </a:ext>
               <a:ext uri="{C183D7F6-B498-43B3-948B-1728B52AA6E4}">
-                <adec:decorative xmlns:adec="http://schemas.microsoft.com/office/drawing/2017/decorative" val="1"/>
+                <adec:decorative xmlns:adec="http://schemas.microsoft.com/office/drawing/2017/decorative" xmlns="" val="1"/>
               </a:ext>
             </a:extLst>
           </p:cNvPr>
@@ -8600,7 +8600,7 @@
           <p:nvPr>
             <p:extLst>
               <p:ext uri="{386F3935-93C4-4BCD-93E2-E3B085C9AB24}">
-                <p16:designElem xmlns:p16="http://schemas.microsoft.com/office/powerpoint/2015/main" val="1"/>
+                <p16:designElem xmlns:p16="http://schemas.microsoft.com/office/powerpoint/2015/main" xmlns="" val="1"/>
               </p:ext>
             </p:extLst>
           </p:nvPr>
@@ -8650,10 +8650,10 @@
           <p:cNvPr id="9" name="Group 8">
             <a:extLst>
               <a:ext uri="{FF2B5EF4-FFF2-40B4-BE49-F238E27FC236}">
-                <a16:creationId xmlns:a16="http://schemas.microsoft.com/office/drawing/2014/main" id="{2109F83F-40FE-4DB3-84CC-09FB3340D06D}"/>
+                <a16:creationId xmlns:a16="http://schemas.microsoft.com/office/drawing/2014/main" xmlns="" id="{2109F83F-40FE-4DB3-84CC-09FB3340D06D}"/>
               </a:ext>
               <a:ext uri="{C183D7F6-B498-43B3-948B-1728B52AA6E4}">
-                <adec:decorative xmlns:adec="http://schemas.microsoft.com/office/drawing/2017/decorative" val="1"/>
+                <adec:decorative xmlns:adec="http://schemas.microsoft.com/office/drawing/2017/decorative" xmlns="" val="1"/>
               </a:ext>
             </a:extLst>
           </p:cNvPr>
@@ -8663,7 +8663,7 @@
           <p:nvPr>
             <p:extLst>
               <p:ext uri="{386F3935-93C4-4BCD-93E2-E3B085C9AB24}">
-                <p16:designElem xmlns:p16="http://schemas.microsoft.com/office/powerpoint/2015/main" val="1"/>
+                <p16:designElem xmlns:p16="http://schemas.microsoft.com/office/powerpoint/2015/main" xmlns="" val="1"/>
               </p:ext>
             </p:extLst>
           </p:nvPr>
@@ -8681,10 +8681,10 @@
             <p:cNvPr id="10" name="Straight Connector 9">
               <a:extLst>
                 <a:ext uri="{FF2B5EF4-FFF2-40B4-BE49-F238E27FC236}">
-                  <a16:creationId xmlns:a16="http://schemas.microsoft.com/office/drawing/2014/main" id="{1DE492D7-C3C3-48FF-80C8-37021EA0262F}"/>
+                  <a16:creationId xmlns:a16="http://schemas.microsoft.com/office/drawing/2014/main" xmlns="" id="{1DE492D7-C3C3-48FF-80C8-37021EA0262F}"/>
                 </a:ext>
                 <a:ext uri="{C183D7F6-B498-43B3-948B-1728B52AA6E4}">
-                  <adec:decorative xmlns:adec="http://schemas.microsoft.com/office/drawing/2017/decorative" val="1"/>
+                  <adec:decorative xmlns:adec="http://schemas.microsoft.com/office/drawing/2017/decorative" xmlns="" val="1"/>
                 </a:ext>
               </a:extLst>
             </p:cNvPr>
@@ -8692,7 +8692,7 @@
             <p:nvPr>
               <p:extLst>
                 <p:ext uri="{386F3935-93C4-4BCD-93E2-E3B085C9AB24}">
-                  <p16:designElem xmlns:p16="http://schemas.microsoft.com/office/powerpoint/2015/main" val="1"/>
+                  <p16:designElem xmlns:p16="http://schemas.microsoft.com/office/powerpoint/2015/main" xmlns="" val="1"/>
                 </p:ext>
               </p:extLst>
             </p:nvPr>
@@ -8733,10 +8733,10 @@
             <p:cNvPr id="11" name="Rectangle 23">
               <a:extLst>
                 <a:ext uri="{FF2B5EF4-FFF2-40B4-BE49-F238E27FC236}">
-                  <a16:creationId xmlns:a16="http://schemas.microsoft.com/office/drawing/2014/main" id="{0B30FF97-2E9A-490A-AED2-90BA2E0EC17F}"/>
+                  <a16:creationId xmlns:a16="http://schemas.microsoft.com/office/drawing/2014/main" xmlns="" id="{0B30FF97-2E9A-490A-AED2-90BA2E0EC17F}"/>
                 </a:ext>
                 <a:ext uri="{C183D7F6-B498-43B3-948B-1728B52AA6E4}">
-                  <adec:decorative xmlns:adec="http://schemas.microsoft.com/office/drawing/2017/decorative" val="1"/>
+                  <adec:decorative xmlns:adec="http://schemas.microsoft.com/office/drawing/2017/decorative" xmlns="" val="1"/>
                 </a:ext>
               </a:extLst>
             </p:cNvPr>
@@ -8744,7 +8744,7 @@
             <p:nvPr>
               <p:extLst>
                 <p:ext uri="{386F3935-93C4-4BCD-93E2-E3B085C9AB24}">
-                  <p16:designElem xmlns:p16="http://schemas.microsoft.com/office/powerpoint/2015/main" val="1"/>
+                  <p16:designElem xmlns:p16="http://schemas.microsoft.com/office/powerpoint/2015/main" xmlns="" val="1"/>
                 </p:ext>
               </p:extLst>
             </p:nvPr>
@@ -8811,10 +8811,10 @@
             <p:cNvPr id="12" name="Rectangle 25">
               <a:extLst>
                 <a:ext uri="{FF2B5EF4-FFF2-40B4-BE49-F238E27FC236}">
-                  <a16:creationId xmlns:a16="http://schemas.microsoft.com/office/drawing/2014/main" id="{B6D53C7D-A312-47B6-A66A-230A19CFACA6}"/>
+                  <a16:creationId xmlns:a16="http://schemas.microsoft.com/office/drawing/2014/main" xmlns="" id="{B6D53C7D-A312-47B6-A66A-230A19CFACA6}"/>
                 </a:ext>
                 <a:ext uri="{C183D7F6-B498-43B3-948B-1728B52AA6E4}">
-                  <adec:decorative xmlns:adec="http://schemas.microsoft.com/office/drawing/2017/decorative" val="1"/>
+                  <adec:decorative xmlns:adec="http://schemas.microsoft.com/office/drawing/2017/decorative" xmlns="" val="1"/>
                 </a:ext>
               </a:extLst>
             </p:cNvPr>
@@ -8822,7 +8822,7 @@
             <p:nvPr>
               <p:extLst>
                 <p:ext uri="{386F3935-93C4-4BCD-93E2-E3B085C9AB24}">
-                  <p16:designElem xmlns:p16="http://schemas.microsoft.com/office/powerpoint/2015/main" val="1"/>
+                  <p16:designElem xmlns:p16="http://schemas.microsoft.com/office/powerpoint/2015/main" xmlns="" val="1"/>
                 </p:ext>
               </p:extLst>
             </p:nvPr>
@@ -8889,10 +8889,10 @@
             <p:cNvPr id="13" name="Isosceles Triangle 12">
               <a:extLst>
                 <a:ext uri="{FF2B5EF4-FFF2-40B4-BE49-F238E27FC236}">
-                  <a16:creationId xmlns:a16="http://schemas.microsoft.com/office/drawing/2014/main" id="{9329D58C-0D2E-4A2B-AD6A-9CEE506784A8}"/>
+                  <a16:creationId xmlns:a16="http://schemas.microsoft.com/office/drawing/2014/main" xmlns="" id="{9329D58C-0D2E-4A2B-AD6A-9CEE506784A8}"/>
                 </a:ext>
                 <a:ext uri="{C183D7F6-B498-43B3-948B-1728B52AA6E4}">
-                  <adec:decorative xmlns:adec="http://schemas.microsoft.com/office/drawing/2017/decorative" val="1"/>
+                  <adec:decorative xmlns:adec="http://schemas.microsoft.com/office/drawing/2017/decorative" xmlns="" val="1"/>
                 </a:ext>
               </a:extLst>
             </p:cNvPr>
@@ -8900,7 +8900,7 @@
             <p:nvPr>
               <p:extLst>
                 <p:ext uri="{386F3935-93C4-4BCD-93E2-E3B085C9AB24}">
-                  <p16:designElem xmlns:p16="http://schemas.microsoft.com/office/powerpoint/2015/main" val="1"/>
+                  <p16:designElem xmlns:p16="http://schemas.microsoft.com/office/powerpoint/2015/main" xmlns="" val="1"/>
                 </p:ext>
               </p:extLst>
             </p:nvPr>
@@ -8945,10 +8945,10 @@
             <p:cNvPr id="14" name="Rectangle 27">
               <a:extLst>
                 <a:ext uri="{FF2B5EF4-FFF2-40B4-BE49-F238E27FC236}">
-                  <a16:creationId xmlns:a16="http://schemas.microsoft.com/office/drawing/2014/main" id="{9D446EDE-C690-4461-8BF2-7634808FC8B4}"/>
+                  <a16:creationId xmlns:a16="http://schemas.microsoft.com/office/drawing/2014/main" xmlns="" id="{9D446EDE-C690-4461-8BF2-7634808FC8B4}"/>
                 </a:ext>
                 <a:ext uri="{C183D7F6-B498-43B3-948B-1728B52AA6E4}">
-                  <adec:decorative xmlns:adec="http://schemas.microsoft.com/office/drawing/2017/decorative" val="1"/>
+                  <adec:decorative xmlns:adec="http://schemas.microsoft.com/office/drawing/2017/decorative" xmlns="" val="1"/>
                 </a:ext>
               </a:extLst>
             </p:cNvPr>
@@ -8956,7 +8956,7 @@
             <p:nvPr>
               <p:extLst>
                 <p:ext uri="{386F3935-93C4-4BCD-93E2-E3B085C9AB24}">
-                  <p16:designElem xmlns:p16="http://schemas.microsoft.com/office/powerpoint/2015/main" val="1"/>
+                  <p16:designElem xmlns:p16="http://schemas.microsoft.com/office/powerpoint/2015/main" xmlns="" val="1"/>
                 </p:ext>
               </p:extLst>
             </p:nvPr>
@@ -9024,10 +9024,10 @@
             <p:cNvPr id="15" name="Rectangle 28">
               <a:extLst>
                 <a:ext uri="{FF2B5EF4-FFF2-40B4-BE49-F238E27FC236}">
-                  <a16:creationId xmlns:a16="http://schemas.microsoft.com/office/drawing/2014/main" id="{323F3D34-6531-4AD7-A8C6-195A090281A1}"/>
+                  <a16:creationId xmlns:a16="http://schemas.microsoft.com/office/drawing/2014/main" xmlns="" id="{323F3D34-6531-4AD7-A8C6-195A090281A1}"/>
                 </a:ext>
                 <a:ext uri="{C183D7F6-B498-43B3-948B-1728B52AA6E4}">
-                  <adec:decorative xmlns:adec="http://schemas.microsoft.com/office/drawing/2017/decorative" val="1"/>
+                  <adec:decorative xmlns:adec="http://schemas.microsoft.com/office/drawing/2017/decorative" xmlns="" val="1"/>
                 </a:ext>
               </a:extLst>
             </p:cNvPr>
@@ -9035,7 +9035,7 @@
             <p:nvPr>
               <p:extLst>
                 <p:ext uri="{386F3935-93C4-4BCD-93E2-E3B085C9AB24}">
-                  <p16:designElem xmlns:p16="http://schemas.microsoft.com/office/powerpoint/2015/main" val="1"/>
+                  <p16:designElem xmlns:p16="http://schemas.microsoft.com/office/powerpoint/2015/main" xmlns="" val="1"/>
                 </p:ext>
               </p:extLst>
             </p:nvPr>
@@ -9104,10 +9104,10 @@
             <p:cNvPr id="16" name="Rectangle 29">
               <a:extLst>
                 <a:ext uri="{FF2B5EF4-FFF2-40B4-BE49-F238E27FC236}">
-                  <a16:creationId xmlns:a16="http://schemas.microsoft.com/office/drawing/2014/main" id="{B9B0AE3F-2350-435F-A9B0-C310BF876385}"/>
+                  <a16:creationId xmlns:a16="http://schemas.microsoft.com/office/drawing/2014/main" xmlns="" id="{B9B0AE3F-2350-435F-A9B0-C310BF876385}"/>
                 </a:ext>
                 <a:ext uri="{C183D7F6-B498-43B3-948B-1728B52AA6E4}">
-                  <adec:decorative xmlns:adec="http://schemas.microsoft.com/office/drawing/2017/decorative" val="1"/>
+                  <adec:decorative xmlns:adec="http://schemas.microsoft.com/office/drawing/2017/decorative" xmlns="" val="1"/>
                 </a:ext>
               </a:extLst>
             </p:cNvPr>
@@ -9115,7 +9115,7 @@
             <p:nvPr>
               <p:extLst>
                 <p:ext uri="{386F3935-93C4-4BCD-93E2-E3B085C9AB24}">
-                  <p16:designElem xmlns:p16="http://schemas.microsoft.com/office/powerpoint/2015/main" val="1"/>
+                  <p16:designElem xmlns:p16="http://schemas.microsoft.com/office/powerpoint/2015/main" xmlns="" val="1"/>
                 </p:ext>
               </p:extLst>
             </p:nvPr>
@@ -9182,10 +9182,10 @@
             <p:cNvPr id="17" name="Isosceles Triangle 16">
               <a:extLst>
                 <a:ext uri="{FF2B5EF4-FFF2-40B4-BE49-F238E27FC236}">
-                  <a16:creationId xmlns:a16="http://schemas.microsoft.com/office/drawing/2014/main" id="{4EFA655C-9E50-4C14-A89E-AD7B648E4E2B}"/>
+                  <a16:creationId xmlns:a16="http://schemas.microsoft.com/office/drawing/2014/main" xmlns="" id="{4EFA655C-9E50-4C14-A89E-AD7B648E4E2B}"/>
                 </a:ext>
                 <a:ext uri="{C183D7F6-B498-43B3-948B-1728B52AA6E4}">
-                  <adec:decorative xmlns:adec="http://schemas.microsoft.com/office/drawing/2017/decorative" val="1"/>
+                  <adec:decorative xmlns:adec="http://schemas.microsoft.com/office/drawing/2017/decorative" xmlns="" val="1"/>
                 </a:ext>
               </a:extLst>
             </p:cNvPr>
@@ -9193,7 +9193,7 @@
             <p:nvPr>
               <p:extLst>
                 <p:ext uri="{386F3935-93C4-4BCD-93E2-E3B085C9AB24}">
-                  <p16:designElem xmlns:p16="http://schemas.microsoft.com/office/powerpoint/2015/main" val="1"/>
+                  <p16:designElem xmlns:p16="http://schemas.microsoft.com/office/powerpoint/2015/main" xmlns="" val="1"/>
                 </p:ext>
               </p:extLst>
             </p:nvPr>
@@ -9238,10 +9238,10 @@
             <p:cNvPr id="18" name="Isosceles Triangle 17">
               <a:extLst>
                 <a:ext uri="{FF2B5EF4-FFF2-40B4-BE49-F238E27FC236}">
-                  <a16:creationId xmlns:a16="http://schemas.microsoft.com/office/drawing/2014/main" id="{3E843863-7D25-4C01-9A17-E817CB6D998A}"/>
+                  <a16:creationId xmlns:a16="http://schemas.microsoft.com/office/drawing/2014/main" xmlns="" id="{3E843863-7D25-4C01-9A17-E817CB6D998A}"/>
                 </a:ext>
                 <a:ext uri="{C183D7F6-B498-43B3-948B-1728B52AA6E4}">
-                  <adec:decorative xmlns:adec="http://schemas.microsoft.com/office/drawing/2017/decorative" val="1"/>
+                  <adec:decorative xmlns:adec="http://schemas.microsoft.com/office/drawing/2017/decorative" xmlns="" val="1"/>
                 </a:ext>
               </a:extLst>
             </p:cNvPr>
@@ -9249,7 +9249,7 @@
             <p:nvPr>
               <p:extLst>
                 <p:ext uri="{386F3935-93C4-4BCD-93E2-E3B085C9AB24}">
-                  <p16:designElem xmlns:p16="http://schemas.microsoft.com/office/powerpoint/2015/main" val="1"/>
+                  <p16:designElem xmlns:p16="http://schemas.microsoft.com/office/powerpoint/2015/main" xmlns="" val="1"/>
                 </p:ext>
               </p:extLst>
             </p:nvPr>
@@ -9295,10 +9295,10 @@
           <p:cNvPr id="20" name="Rectangle 19">
             <a:extLst>
               <a:ext uri="{FF2B5EF4-FFF2-40B4-BE49-F238E27FC236}">
-                <a16:creationId xmlns:a16="http://schemas.microsoft.com/office/drawing/2014/main" id="{7941F9B1-B01B-4A84-89D9-B169AEB4E456}"/>
+                <a16:creationId xmlns:a16="http://schemas.microsoft.com/office/drawing/2014/main" xmlns="" id="{7941F9B1-B01B-4A84-89D9-B169AEB4E456}"/>
               </a:ext>
               <a:ext uri="{C183D7F6-B498-43B3-948B-1728B52AA6E4}">
-                <adec:decorative xmlns:adec="http://schemas.microsoft.com/office/drawing/2017/decorative" val="1"/>
+                <adec:decorative xmlns:adec="http://schemas.microsoft.com/office/drawing/2017/decorative" xmlns="" val="1"/>
               </a:ext>
             </a:extLst>
           </p:cNvPr>
@@ -9308,7 +9308,7 @@
           <p:nvPr>
             <p:extLst>
               <p:ext uri="{386F3935-93C4-4BCD-93E2-E3B085C9AB24}">
-                <p16:designElem xmlns:p16="http://schemas.microsoft.com/office/powerpoint/2015/main" val="1"/>
+                <p16:designElem xmlns:p16="http://schemas.microsoft.com/office/powerpoint/2015/main" xmlns="" val="1"/>
               </p:ext>
             </p:extLst>
           </p:nvPr>
@@ -9365,7 +9365,7 @@
           <p:cNvPr id="2" name="slide5">
             <a:extLst>
               <a:ext uri="{FF2B5EF4-FFF2-40B4-BE49-F238E27FC236}">
-                <a16:creationId xmlns:a16="http://schemas.microsoft.com/office/drawing/2014/main" id="{E9850104-D2AB-41C4-BC3C-FD479CE880EB}"/>
+                <a16:creationId xmlns:a16="http://schemas.microsoft.com/office/drawing/2014/main" xmlns="" id="{E9850104-D2AB-41C4-BC3C-FD479CE880EB}"/>
               </a:ext>
             </a:extLst>
           </p:cNvPr>
@@ -9388,8 +9388,8 @@
         </p:blipFill>
         <p:spPr>
           <a:xfrm>
-            <a:off x="2206781" y="1131994"/>
-            <a:ext cx="7780314" cy="4590386"/>
+            <a:off x="1404256" y="720141"/>
+            <a:ext cx="9280893" cy="5475727"/>
           </a:xfrm>
           <a:prstGeom prst="rect">
             <a:avLst/>
@@ -9439,10 +9439,10 @@
           <p:cNvPr id="7" name="Rectangle 6">
             <a:extLst>
               <a:ext uri="{FF2B5EF4-FFF2-40B4-BE49-F238E27FC236}">
-                <a16:creationId xmlns:a16="http://schemas.microsoft.com/office/drawing/2014/main" id="{03E8462A-FEBA-4848-81CC-3F8DA3E477BE}"/>
+                <a16:creationId xmlns:a16="http://schemas.microsoft.com/office/drawing/2014/main" xmlns="" id="{03E8462A-FEBA-4848-81CC-3F8DA3E477BE}"/>
               </a:ext>
               <a:ext uri="{C183D7F6-B498-43B3-948B-1728B52AA6E4}">
-                <adec:decorative xmlns:adec="http://schemas.microsoft.com/office/drawing/2017/decorative" val="1"/>
+                <adec:decorative xmlns:adec="http://schemas.microsoft.com/office/drawing/2017/decorative" xmlns="" val="1"/>
               </a:ext>
             </a:extLst>
           </p:cNvPr>
@@ -9452,7 +9452,7 @@
           <p:nvPr>
             <p:extLst>
               <p:ext uri="{386F3935-93C4-4BCD-93E2-E3B085C9AB24}">
-                <p16:designElem xmlns:p16="http://schemas.microsoft.com/office/powerpoint/2015/main" val="1"/>
+                <p16:designElem xmlns:p16="http://schemas.microsoft.com/office/powerpoint/2015/main" xmlns="" val="1"/>
               </p:ext>
             </p:extLst>
           </p:nvPr>
@@ -9502,10 +9502,10 @@
           <p:cNvPr id="9" name="Group 8">
             <a:extLst>
               <a:ext uri="{FF2B5EF4-FFF2-40B4-BE49-F238E27FC236}">
-                <a16:creationId xmlns:a16="http://schemas.microsoft.com/office/drawing/2014/main" id="{2109F83F-40FE-4DB3-84CC-09FB3340D06D}"/>
+                <a16:creationId xmlns:a16="http://schemas.microsoft.com/office/drawing/2014/main" xmlns="" id="{2109F83F-40FE-4DB3-84CC-09FB3340D06D}"/>
               </a:ext>
               <a:ext uri="{C183D7F6-B498-43B3-948B-1728B52AA6E4}">
-                <adec:decorative xmlns:adec="http://schemas.microsoft.com/office/drawing/2017/decorative" val="1"/>
+                <adec:decorative xmlns:adec="http://schemas.microsoft.com/office/drawing/2017/decorative" xmlns="" val="1"/>
               </a:ext>
             </a:extLst>
           </p:cNvPr>
@@ -9515,7 +9515,7 @@
           <p:nvPr>
             <p:extLst>
               <p:ext uri="{386F3935-93C4-4BCD-93E2-E3B085C9AB24}">
-                <p16:designElem xmlns:p16="http://schemas.microsoft.com/office/powerpoint/2015/main" val="1"/>
+                <p16:designElem xmlns:p16="http://schemas.microsoft.com/office/powerpoint/2015/main" xmlns="" val="1"/>
               </p:ext>
             </p:extLst>
           </p:nvPr>
@@ -9533,10 +9533,10 @@
             <p:cNvPr id="10" name="Straight Connector 9">
               <a:extLst>
                 <a:ext uri="{FF2B5EF4-FFF2-40B4-BE49-F238E27FC236}">
-                  <a16:creationId xmlns:a16="http://schemas.microsoft.com/office/drawing/2014/main" id="{1DE492D7-C3C3-48FF-80C8-37021EA0262F}"/>
+                  <a16:creationId xmlns:a16="http://schemas.microsoft.com/office/drawing/2014/main" xmlns="" id="{1DE492D7-C3C3-48FF-80C8-37021EA0262F}"/>
                 </a:ext>
                 <a:ext uri="{C183D7F6-B498-43B3-948B-1728B52AA6E4}">
-                  <adec:decorative xmlns:adec="http://schemas.microsoft.com/office/drawing/2017/decorative" val="1"/>
+                  <adec:decorative xmlns:adec="http://schemas.microsoft.com/office/drawing/2017/decorative" xmlns="" val="1"/>
                 </a:ext>
               </a:extLst>
             </p:cNvPr>
@@ -9544,7 +9544,7 @@
             <p:nvPr>
               <p:extLst>
                 <p:ext uri="{386F3935-93C4-4BCD-93E2-E3B085C9AB24}">
-                  <p16:designElem xmlns:p16="http://schemas.microsoft.com/office/powerpoint/2015/main" val="1"/>
+                  <p16:designElem xmlns:p16="http://schemas.microsoft.com/office/powerpoint/2015/main" xmlns="" val="1"/>
                 </p:ext>
               </p:extLst>
             </p:nvPr>
@@ -9585,10 +9585,10 @@
             <p:cNvPr id="11" name="Rectangle 23">
               <a:extLst>
                 <a:ext uri="{FF2B5EF4-FFF2-40B4-BE49-F238E27FC236}">
-                  <a16:creationId xmlns:a16="http://schemas.microsoft.com/office/drawing/2014/main" id="{0B30FF97-2E9A-490A-AED2-90BA2E0EC17F}"/>
+                  <a16:creationId xmlns:a16="http://schemas.microsoft.com/office/drawing/2014/main" xmlns="" id="{0B30FF97-2E9A-490A-AED2-90BA2E0EC17F}"/>
                 </a:ext>
                 <a:ext uri="{C183D7F6-B498-43B3-948B-1728B52AA6E4}">
-                  <adec:decorative xmlns:adec="http://schemas.microsoft.com/office/drawing/2017/decorative" val="1"/>
+                  <adec:decorative xmlns:adec="http://schemas.microsoft.com/office/drawing/2017/decorative" xmlns="" val="1"/>
                 </a:ext>
               </a:extLst>
             </p:cNvPr>
@@ -9596,7 +9596,7 @@
             <p:nvPr>
               <p:extLst>
                 <p:ext uri="{386F3935-93C4-4BCD-93E2-E3B085C9AB24}">
-                  <p16:designElem xmlns:p16="http://schemas.microsoft.com/office/powerpoint/2015/main" val="1"/>
+                  <p16:designElem xmlns:p16="http://schemas.microsoft.com/office/powerpoint/2015/main" xmlns="" val="1"/>
                 </p:ext>
               </p:extLst>
             </p:nvPr>
@@ -9663,10 +9663,10 @@
             <p:cNvPr id="12" name="Rectangle 25">
               <a:extLst>
                 <a:ext uri="{FF2B5EF4-FFF2-40B4-BE49-F238E27FC236}">
-                  <a16:creationId xmlns:a16="http://schemas.microsoft.com/office/drawing/2014/main" id="{B6D53C7D-A312-47B6-A66A-230A19CFACA6}"/>
+                  <a16:creationId xmlns:a16="http://schemas.microsoft.com/office/drawing/2014/main" xmlns="" id="{B6D53C7D-A312-47B6-A66A-230A19CFACA6}"/>
                 </a:ext>
                 <a:ext uri="{C183D7F6-B498-43B3-948B-1728B52AA6E4}">
-                  <adec:decorative xmlns:adec="http://schemas.microsoft.com/office/drawing/2017/decorative" val="1"/>
+                  <adec:decorative xmlns:adec="http://schemas.microsoft.com/office/drawing/2017/decorative" xmlns="" val="1"/>
                 </a:ext>
               </a:extLst>
             </p:cNvPr>
@@ -9674,7 +9674,7 @@
             <p:nvPr>
               <p:extLst>
                 <p:ext uri="{386F3935-93C4-4BCD-93E2-E3B085C9AB24}">
-                  <p16:designElem xmlns:p16="http://schemas.microsoft.com/office/powerpoint/2015/main" val="1"/>
+                  <p16:designElem xmlns:p16="http://schemas.microsoft.com/office/powerpoint/2015/main" xmlns="" val="1"/>
                 </p:ext>
               </p:extLst>
             </p:nvPr>
@@ -9741,10 +9741,10 @@
             <p:cNvPr id="13" name="Isosceles Triangle 12">
               <a:extLst>
                 <a:ext uri="{FF2B5EF4-FFF2-40B4-BE49-F238E27FC236}">
-                  <a16:creationId xmlns:a16="http://schemas.microsoft.com/office/drawing/2014/main" id="{9329D58C-0D2E-4A2B-AD6A-9CEE506784A8}"/>
+                  <a16:creationId xmlns:a16="http://schemas.microsoft.com/office/drawing/2014/main" xmlns="" id="{9329D58C-0D2E-4A2B-AD6A-9CEE506784A8}"/>
                 </a:ext>
                 <a:ext uri="{C183D7F6-B498-43B3-948B-1728B52AA6E4}">
-                  <adec:decorative xmlns:adec="http://schemas.microsoft.com/office/drawing/2017/decorative" val="1"/>
+                  <adec:decorative xmlns:adec="http://schemas.microsoft.com/office/drawing/2017/decorative" xmlns="" val="1"/>
                 </a:ext>
               </a:extLst>
             </p:cNvPr>
@@ -9752,7 +9752,7 @@
             <p:nvPr>
               <p:extLst>
                 <p:ext uri="{386F3935-93C4-4BCD-93E2-E3B085C9AB24}">
-                  <p16:designElem xmlns:p16="http://schemas.microsoft.com/office/powerpoint/2015/main" val="1"/>
+                  <p16:designElem xmlns:p16="http://schemas.microsoft.com/office/powerpoint/2015/main" xmlns="" val="1"/>
                 </p:ext>
               </p:extLst>
             </p:nvPr>
@@ -9797,10 +9797,10 @@
             <p:cNvPr id="14" name="Rectangle 27">
               <a:extLst>
                 <a:ext uri="{FF2B5EF4-FFF2-40B4-BE49-F238E27FC236}">
-                  <a16:creationId xmlns:a16="http://schemas.microsoft.com/office/drawing/2014/main" id="{9D446EDE-C690-4461-8BF2-7634808FC8B4}"/>
+                  <a16:creationId xmlns:a16="http://schemas.microsoft.com/office/drawing/2014/main" xmlns="" id="{9D446EDE-C690-4461-8BF2-7634808FC8B4}"/>
                 </a:ext>
                 <a:ext uri="{C183D7F6-B498-43B3-948B-1728B52AA6E4}">
-                  <adec:decorative xmlns:adec="http://schemas.microsoft.com/office/drawing/2017/decorative" val="1"/>
+                  <adec:decorative xmlns:adec="http://schemas.microsoft.com/office/drawing/2017/decorative" xmlns="" val="1"/>
                 </a:ext>
               </a:extLst>
             </p:cNvPr>
@@ -9808,7 +9808,7 @@
             <p:nvPr>
               <p:extLst>
                 <p:ext uri="{386F3935-93C4-4BCD-93E2-E3B085C9AB24}">
-                  <p16:designElem xmlns:p16="http://schemas.microsoft.com/office/powerpoint/2015/main" val="1"/>
+                  <p16:designElem xmlns:p16="http://schemas.microsoft.com/office/powerpoint/2015/main" xmlns="" val="1"/>
                 </p:ext>
               </p:extLst>
             </p:nvPr>
@@ -9876,10 +9876,10 @@
             <p:cNvPr id="15" name="Rectangle 28">
               <a:extLst>
                 <a:ext uri="{FF2B5EF4-FFF2-40B4-BE49-F238E27FC236}">
-                  <a16:creationId xmlns:a16="http://schemas.microsoft.com/office/drawing/2014/main" id="{323F3D34-6531-4AD7-A8C6-195A090281A1}"/>
+                  <a16:creationId xmlns:a16="http://schemas.microsoft.com/office/drawing/2014/main" xmlns="" id="{323F3D34-6531-4AD7-A8C6-195A090281A1}"/>
                 </a:ext>
                 <a:ext uri="{C183D7F6-B498-43B3-948B-1728B52AA6E4}">
-                  <adec:decorative xmlns:adec="http://schemas.microsoft.com/office/drawing/2017/decorative" val="1"/>
+                  <adec:decorative xmlns:adec="http://schemas.microsoft.com/office/drawing/2017/decorative" xmlns="" val="1"/>
                 </a:ext>
               </a:extLst>
             </p:cNvPr>
@@ -9887,7 +9887,7 @@
             <p:nvPr>
               <p:extLst>
                 <p:ext uri="{386F3935-93C4-4BCD-93E2-E3B085C9AB24}">
-                  <p16:designElem xmlns:p16="http://schemas.microsoft.com/office/powerpoint/2015/main" val="1"/>
+                  <p16:designElem xmlns:p16="http://schemas.microsoft.com/office/powerpoint/2015/main" xmlns="" val="1"/>
                 </p:ext>
               </p:extLst>
             </p:nvPr>
@@ -9956,10 +9956,10 @@
             <p:cNvPr id="16" name="Rectangle 29">
               <a:extLst>
                 <a:ext uri="{FF2B5EF4-FFF2-40B4-BE49-F238E27FC236}">
-                  <a16:creationId xmlns:a16="http://schemas.microsoft.com/office/drawing/2014/main" id="{B9B0AE3F-2350-435F-A9B0-C310BF876385}"/>
+                  <a16:creationId xmlns:a16="http://schemas.microsoft.com/office/drawing/2014/main" xmlns="" id="{B9B0AE3F-2350-435F-A9B0-C310BF876385}"/>
                 </a:ext>
                 <a:ext uri="{C183D7F6-B498-43B3-948B-1728B52AA6E4}">
-                  <adec:decorative xmlns:adec="http://schemas.microsoft.com/office/drawing/2017/decorative" val="1"/>
+                  <adec:decorative xmlns:adec="http://schemas.microsoft.com/office/drawing/2017/decorative" xmlns="" val="1"/>
                 </a:ext>
               </a:extLst>
             </p:cNvPr>
@@ -9967,7 +9967,7 @@
             <p:nvPr>
               <p:extLst>
                 <p:ext uri="{386F3935-93C4-4BCD-93E2-E3B085C9AB24}">
-                  <p16:designElem xmlns:p16="http://schemas.microsoft.com/office/powerpoint/2015/main" val="1"/>
+                  <p16:designElem xmlns:p16="http://schemas.microsoft.com/office/powerpoint/2015/main" xmlns="" val="1"/>
                 </p:ext>
               </p:extLst>
             </p:nvPr>
@@ -10034,10 +10034,10 @@
             <p:cNvPr id="17" name="Isosceles Triangle 16">
               <a:extLst>
                 <a:ext uri="{FF2B5EF4-FFF2-40B4-BE49-F238E27FC236}">
-                  <a16:creationId xmlns:a16="http://schemas.microsoft.com/office/drawing/2014/main" id="{4EFA655C-9E50-4C14-A89E-AD7B648E4E2B}"/>
+                  <a16:creationId xmlns:a16="http://schemas.microsoft.com/office/drawing/2014/main" xmlns="" id="{4EFA655C-9E50-4C14-A89E-AD7B648E4E2B}"/>
                 </a:ext>
                 <a:ext uri="{C183D7F6-B498-43B3-948B-1728B52AA6E4}">
-                  <adec:decorative xmlns:adec="http://schemas.microsoft.com/office/drawing/2017/decorative" val="1"/>
+                  <adec:decorative xmlns:adec="http://schemas.microsoft.com/office/drawing/2017/decorative" xmlns="" val="1"/>
                 </a:ext>
               </a:extLst>
             </p:cNvPr>
@@ -10045,7 +10045,7 @@
             <p:nvPr>
               <p:extLst>
                 <p:ext uri="{386F3935-93C4-4BCD-93E2-E3B085C9AB24}">
-                  <p16:designElem xmlns:p16="http://schemas.microsoft.com/office/powerpoint/2015/main" val="1"/>
+                  <p16:designElem xmlns:p16="http://schemas.microsoft.com/office/powerpoint/2015/main" xmlns="" val="1"/>
                 </p:ext>
               </p:extLst>
             </p:nvPr>
@@ -10090,10 +10090,10 @@
             <p:cNvPr id="18" name="Isosceles Triangle 17">
               <a:extLst>
                 <a:ext uri="{FF2B5EF4-FFF2-40B4-BE49-F238E27FC236}">
-                  <a16:creationId xmlns:a16="http://schemas.microsoft.com/office/drawing/2014/main" id="{3E843863-7D25-4C01-9A17-E817CB6D998A}"/>
+                  <a16:creationId xmlns:a16="http://schemas.microsoft.com/office/drawing/2014/main" xmlns="" id="{3E843863-7D25-4C01-9A17-E817CB6D998A}"/>
                 </a:ext>
                 <a:ext uri="{C183D7F6-B498-43B3-948B-1728B52AA6E4}">
-                  <adec:decorative xmlns:adec="http://schemas.microsoft.com/office/drawing/2017/decorative" val="1"/>
+                  <adec:decorative xmlns:adec="http://schemas.microsoft.com/office/drawing/2017/decorative" xmlns="" val="1"/>
                 </a:ext>
               </a:extLst>
             </p:cNvPr>
@@ -10101,7 +10101,7 @@
             <p:nvPr>
               <p:extLst>
                 <p:ext uri="{386F3935-93C4-4BCD-93E2-E3B085C9AB24}">
-                  <p16:designElem xmlns:p16="http://schemas.microsoft.com/office/powerpoint/2015/main" val="1"/>
+                  <p16:designElem xmlns:p16="http://schemas.microsoft.com/office/powerpoint/2015/main" xmlns="" val="1"/>
                 </p:ext>
               </p:extLst>
             </p:nvPr>
@@ -10147,10 +10147,10 @@
           <p:cNvPr id="20" name="Rectangle 19">
             <a:extLst>
               <a:ext uri="{FF2B5EF4-FFF2-40B4-BE49-F238E27FC236}">
-                <a16:creationId xmlns:a16="http://schemas.microsoft.com/office/drawing/2014/main" id="{7941F9B1-B01B-4A84-89D9-B169AEB4E456}"/>
+                <a16:creationId xmlns:a16="http://schemas.microsoft.com/office/drawing/2014/main" xmlns="" id="{7941F9B1-B01B-4A84-89D9-B169AEB4E456}"/>
               </a:ext>
               <a:ext uri="{C183D7F6-B498-43B3-948B-1728B52AA6E4}">
-                <adec:decorative xmlns:adec="http://schemas.microsoft.com/office/drawing/2017/decorative" val="1"/>
+                <adec:decorative xmlns:adec="http://schemas.microsoft.com/office/drawing/2017/decorative" xmlns="" val="1"/>
               </a:ext>
             </a:extLst>
           </p:cNvPr>
@@ -10160,7 +10160,7 @@
           <p:nvPr>
             <p:extLst>
               <p:ext uri="{386F3935-93C4-4BCD-93E2-E3B085C9AB24}">
-                <p16:designElem xmlns:p16="http://schemas.microsoft.com/office/powerpoint/2015/main" val="1"/>
+                <p16:designElem xmlns:p16="http://schemas.microsoft.com/office/powerpoint/2015/main" xmlns="" val="1"/>
               </p:ext>
             </p:extLst>
           </p:nvPr>
@@ -10217,7 +10217,7 @@
           <p:cNvPr id="2" name="slide5">
             <a:extLst>
               <a:ext uri="{FF2B5EF4-FFF2-40B4-BE49-F238E27FC236}">
-                <a16:creationId xmlns:a16="http://schemas.microsoft.com/office/drawing/2014/main" id="{94182144-0C60-4F43-BA64-AB22E6FA1BE4}"/>
+                <a16:creationId xmlns:a16="http://schemas.microsoft.com/office/drawing/2014/main" xmlns="" id="{94182144-0C60-4F43-BA64-AB22E6FA1BE4}"/>
               </a:ext>
             </a:extLst>
           </p:cNvPr>
@@ -10240,8 +10240,8 @@
         </p:blipFill>
         <p:spPr>
           <a:xfrm>
-            <a:off x="1979999" y="1131994"/>
-            <a:ext cx="8233878" cy="4590386"/>
+            <a:off x="1217080" y="658827"/>
+            <a:ext cx="9845527" cy="5488880"/>
           </a:xfrm>
           <a:prstGeom prst="rect">
             <a:avLst/>
@@ -10291,10 +10291,10 @@
           <p:cNvPr id="7" name="Rectangle 6">
             <a:extLst>
               <a:ext uri="{FF2B5EF4-FFF2-40B4-BE49-F238E27FC236}">
-                <a16:creationId xmlns:a16="http://schemas.microsoft.com/office/drawing/2014/main" id="{03E8462A-FEBA-4848-81CC-3F8DA3E477BE}"/>
+                <a16:creationId xmlns:a16="http://schemas.microsoft.com/office/drawing/2014/main" xmlns="" id="{03E8462A-FEBA-4848-81CC-3F8DA3E477BE}"/>
               </a:ext>
               <a:ext uri="{C183D7F6-B498-43B3-948B-1728B52AA6E4}">
-                <adec:decorative xmlns:adec="http://schemas.microsoft.com/office/drawing/2017/decorative" val="1"/>
+                <adec:decorative xmlns:adec="http://schemas.microsoft.com/office/drawing/2017/decorative" xmlns="" val="1"/>
               </a:ext>
             </a:extLst>
           </p:cNvPr>
@@ -10304,7 +10304,7 @@
           <p:nvPr>
             <p:extLst>
               <p:ext uri="{386F3935-93C4-4BCD-93E2-E3B085C9AB24}">
-                <p16:designElem xmlns:p16="http://schemas.microsoft.com/office/powerpoint/2015/main" val="1"/>
+                <p16:designElem xmlns:p16="http://schemas.microsoft.com/office/powerpoint/2015/main" xmlns="" val="1"/>
               </p:ext>
             </p:extLst>
           </p:nvPr>
@@ -10354,10 +10354,10 @@
           <p:cNvPr id="9" name="Group 8">
             <a:extLst>
               <a:ext uri="{FF2B5EF4-FFF2-40B4-BE49-F238E27FC236}">
-                <a16:creationId xmlns:a16="http://schemas.microsoft.com/office/drawing/2014/main" id="{2109F83F-40FE-4DB3-84CC-09FB3340D06D}"/>
+                <a16:creationId xmlns:a16="http://schemas.microsoft.com/office/drawing/2014/main" xmlns="" id="{2109F83F-40FE-4DB3-84CC-09FB3340D06D}"/>
               </a:ext>
               <a:ext uri="{C183D7F6-B498-43B3-948B-1728B52AA6E4}">
-                <adec:decorative xmlns:adec="http://schemas.microsoft.com/office/drawing/2017/decorative" val="1"/>
+                <adec:decorative xmlns:adec="http://schemas.microsoft.com/office/drawing/2017/decorative" xmlns="" val="1"/>
               </a:ext>
             </a:extLst>
           </p:cNvPr>
@@ -10367,7 +10367,7 @@
           <p:nvPr>
             <p:extLst>
               <p:ext uri="{386F3935-93C4-4BCD-93E2-E3B085C9AB24}">
-                <p16:designElem xmlns:p16="http://schemas.microsoft.com/office/powerpoint/2015/main" val="1"/>
+                <p16:designElem xmlns:p16="http://schemas.microsoft.com/office/powerpoint/2015/main" xmlns="" val="1"/>
               </p:ext>
             </p:extLst>
           </p:nvPr>
@@ -10385,10 +10385,10 @@
             <p:cNvPr id="10" name="Straight Connector 9">
               <a:extLst>
                 <a:ext uri="{FF2B5EF4-FFF2-40B4-BE49-F238E27FC236}">
-                  <a16:creationId xmlns:a16="http://schemas.microsoft.com/office/drawing/2014/main" id="{1DE492D7-C3C3-48FF-80C8-37021EA0262F}"/>
+                  <a16:creationId xmlns:a16="http://schemas.microsoft.com/office/drawing/2014/main" xmlns="" id="{1DE492D7-C3C3-48FF-80C8-37021EA0262F}"/>
                 </a:ext>
                 <a:ext uri="{C183D7F6-B498-43B3-948B-1728B52AA6E4}">
-                  <adec:decorative xmlns:adec="http://schemas.microsoft.com/office/drawing/2017/decorative" val="1"/>
+                  <adec:decorative xmlns:adec="http://schemas.microsoft.com/office/drawing/2017/decorative" xmlns="" val="1"/>
                 </a:ext>
               </a:extLst>
             </p:cNvPr>
@@ -10396,7 +10396,7 @@
             <p:nvPr>
               <p:extLst>
                 <p:ext uri="{386F3935-93C4-4BCD-93E2-E3B085C9AB24}">
-                  <p16:designElem xmlns:p16="http://schemas.microsoft.com/office/powerpoint/2015/main" val="1"/>
+                  <p16:designElem xmlns:p16="http://schemas.microsoft.com/office/powerpoint/2015/main" xmlns="" val="1"/>
                 </p:ext>
               </p:extLst>
             </p:nvPr>
@@ -10437,10 +10437,10 @@
             <p:cNvPr id="11" name="Rectangle 23">
               <a:extLst>
                 <a:ext uri="{FF2B5EF4-FFF2-40B4-BE49-F238E27FC236}">
-                  <a16:creationId xmlns:a16="http://schemas.microsoft.com/office/drawing/2014/main" id="{0B30FF97-2E9A-490A-AED2-90BA2E0EC17F}"/>
+                  <a16:creationId xmlns:a16="http://schemas.microsoft.com/office/drawing/2014/main" xmlns="" id="{0B30FF97-2E9A-490A-AED2-90BA2E0EC17F}"/>
                 </a:ext>
                 <a:ext uri="{C183D7F6-B498-43B3-948B-1728B52AA6E4}">
-                  <adec:decorative xmlns:adec="http://schemas.microsoft.com/office/drawing/2017/decorative" val="1"/>
+                  <adec:decorative xmlns:adec="http://schemas.microsoft.com/office/drawing/2017/decorative" xmlns="" val="1"/>
                 </a:ext>
               </a:extLst>
             </p:cNvPr>
@@ -10448,7 +10448,7 @@
             <p:nvPr>
               <p:extLst>
                 <p:ext uri="{386F3935-93C4-4BCD-93E2-E3B085C9AB24}">
-                  <p16:designElem xmlns:p16="http://schemas.microsoft.com/office/powerpoint/2015/main" val="1"/>
+                  <p16:designElem xmlns:p16="http://schemas.microsoft.com/office/powerpoint/2015/main" xmlns="" val="1"/>
                 </p:ext>
               </p:extLst>
             </p:nvPr>
@@ -10515,10 +10515,10 @@
             <p:cNvPr id="12" name="Rectangle 25">
               <a:extLst>
                 <a:ext uri="{FF2B5EF4-FFF2-40B4-BE49-F238E27FC236}">
-                  <a16:creationId xmlns:a16="http://schemas.microsoft.com/office/drawing/2014/main" id="{B6D53C7D-A312-47B6-A66A-230A19CFACA6}"/>
+                  <a16:creationId xmlns:a16="http://schemas.microsoft.com/office/drawing/2014/main" xmlns="" id="{B6D53C7D-A312-47B6-A66A-230A19CFACA6}"/>
                 </a:ext>
                 <a:ext uri="{C183D7F6-B498-43B3-948B-1728B52AA6E4}">
-                  <adec:decorative xmlns:adec="http://schemas.microsoft.com/office/drawing/2017/decorative" val="1"/>
+                  <adec:decorative xmlns:adec="http://schemas.microsoft.com/office/drawing/2017/decorative" xmlns="" val="1"/>
                 </a:ext>
               </a:extLst>
             </p:cNvPr>
@@ -10526,7 +10526,7 @@
             <p:nvPr>
               <p:extLst>
                 <p:ext uri="{386F3935-93C4-4BCD-93E2-E3B085C9AB24}">
-                  <p16:designElem xmlns:p16="http://schemas.microsoft.com/office/powerpoint/2015/main" val="1"/>
+                  <p16:designElem xmlns:p16="http://schemas.microsoft.com/office/powerpoint/2015/main" xmlns="" val="1"/>
                 </p:ext>
               </p:extLst>
             </p:nvPr>
@@ -10593,10 +10593,10 @@
             <p:cNvPr id="13" name="Isosceles Triangle 12">
               <a:extLst>
                 <a:ext uri="{FF2B5EF4-FFF2-40B4-BE49-F238E27FC236}">
-                  <a16:creationId xmlns:a16="http://schemas.microsoft.com/office/drawing/2014/main" id="{9329D58C-0D2E-4A2B-AD6A-9CEE506784A8}"/>
+                  <a16:creationId xmlns:a16="http://schemas.microsoft.com/office/drawing/2014/main" xmlns="" id="{9329D58C-0D2E-4A2B-AD6A-9CEE506784A8}"/>
                 </a:ext>
                 <a:ext uri="{C183D7F6-B498-43B3-948B-1728B52AA6E4}">
-                  <adec:decorative xmlns:adec="http://schemas.microsoft.com/office/drawing/2017/decorative" val="1"/>
+                  <adec:decorative xmlns:adec="http://schemas.microsoft.com/office/drawing/2017/decorative" xmlns="" val="1"/>
                 </a:ext>
               </a:extLst>
             </p:cNvPr>
@@ -10604,7 +10604,7 @@
             <p:nvPr>
               <p:extLst>
                 <p:ext uri="{386F3935-93C4-4BCD-93E2-E3B085C9AB24}">
-                  <p16:designElem xmlns:p16="http://schemas.microsoft.com/office/powerpoint/2015/main" val="1"/>
+                  <p16:designElem xmlns:p16="http://schemas.microsoft.com/office/powerpoint/2015/main" xmlns="" val="1"/>
                 </p:ext>
               </p:extLst>
             </p:nvPr>
@@ -10649,10 +10649,10 @@
             <p:cNvPr id="14" name="Rectangle 27">
               <a:extLst>
                 <a:ext uri="{FF2B5EF4-FFF2-40B4-BE49-F238E27FC236}">
-                  <a16:creationId xmlns:a16="http://schemas.microsoft.com/office/drawing/2014/main" id="{9D446EDE-C690-4461-8BF2-7634808FC8B4}"/>
+                  <a16:creationId xmlns:a16="http://schemas.microsoft.com/office/drawing/2014/main" xmlns="" id="{9D446EDE-C690-4461-8BF2-7634808FC8B4}"/>
                 </a:ext>
                 <a:ext uri="{C183D7F6-B498-43B3-948B-1728B52AA6E4}">
-                  <adec:decorative xmlns:adec="http://schemas.microsoft.com/office/drawing/2017/decorative" val="1"/>
+                  <adec:decorative xmlns:adec="http://schemas.microsoft.com/office/drawing/2017/decorative" xmlns="" val="1"/>
                 </a:ext>
               </a:extLst>
             </p:cNvPr>
@@ -10660,7 +10660,7 @@
             <p:nvPr>
               <p:extLst>
                 <p:ext uri="{386F3935-93C4-4BCD-93E2-E3B085C9AB24}">
-                  <p16:designElem xmlns:p16="http://schemas.microsoft.com/office/powerpoint/2015/main" val="1"/>
+                  <p16:designElem xmlns:p16="http://schemas.microsoft.com/office/powerpoint/2015/main" xmlns="" val="1"/>
                 </p:ext>
               </p:extLst>
             </p:nvPr>
@@ -10728,10 +10728,10 @@
             <p:cNvPr id="15" name="Rectangle 28">
               <a:extLst>
                 <a:ext uri="{FF2B5EF4-FFF2-40B4-BE49-F238E27FC236}">
-                  <a16:creationId xmlns:a16="http://schemas.microsoft.com/office/drawing/2014/main" id="{323F3D34-6531-4AD7-A8C6-195A090281A1}"/>
+                  <a16:creationId xmlns:a16="http://schemas.microsoft.com/office/drawing/2014/main" xmlns="" id="{323F3D34-6531-4AD7-A8C6-195A090281A1}"/>
                 </a:ext>
                 <a:ext uri="{C183D7F6-B498-43B3-948B-1728B52AA6E4}">
-                  <adec:decorative xmlns:adec="http://schemas.microsoft.com/office/drawing/2017/decorative" val="1"/>
+                  <adec:decorative xmlns:adec="http://schemas.microsoft.com/office/drawing/2017/decorative" xmlns="" val="1"/>
                 </a:ext>
               </a:extLst>
             </p:cNvPr>
@@ -10739,7 +10739,7 @@
             <p:nvPr>
               <p:extLst>
                 <p:ext uri="{386F3935-93C4-4BCD-93E2-E3B085C9AB24}">
-                  <p16:designElem xmlns:p16="http://schemas.microsoft.com/office/powerpoint/2015/main" val="1"/>
+                  <p16:designElem xmlns:p16="http://schemas.microsoft.com/office/powerpoint/2015/main" xmlns="" val="1"/>
                 </p:ext>
               </p:extLst>
             </p:nvPr>
@@ -10808,10 +10808,10 @@
             <p:cNvPr id="16" name="Rectangle 29">
               <a:extLst>
                 <a:ext uri="{FF2B5EF4-FFF2-40B4-BE49-F238E27FC236}">
-                  <a16:creationId xmlns:a16="http://schemas.microsoft.com/office/drawing/2014/main" id="{B9B0AE3F-2350-435F-A9B0-C310BF876385}"/>
+                  <a16:creationId xmlns:a16="http://schemas.microsoft.com/office/drawing/2014/main" xmlns="" id="{B9B0AE3F-2350-435F-A9B0-C310BF876385}"/>
                 </a:ext>
                 <a:ext uri="{C183D7F6-B498-43B3-948B-1728B52AA6E4}">
-                  <adec:decorative xmlns:adec="http://schemas.microsoft.com/office/drawing/2017/decorative" val="1"/>
+                  <adec:decorative xmlns:adec="http://schemas.microsoft.com/office/drawing/2017/decorative" xmlns="" val="1"/>
                 </a:ext>
               </a:extLst>
             </p:cNvPr>
@@ -10819,7 +10819,7 @@
             <p:nvPr>
               <p:extLst>
                 <p:ext uri="{386F3935-93C4-4BCD-93E2-E3B085C9AB24}">
-                  <p16:designElem xmlns:p16="http://schemas.microsoft.com/office/powerpoint/2015/main" val="1"/>
+                  <p16:designElem xmlns:p16="http://schemas.microsoft.com/office/powerpoint/2015/main" xmlns="" val="1"/>
                 </p:ext>
               </p:extLst>
             </p:nvPr>
@@ -10886,10 +10886,10 @@
             <p:cNvPr id="17" name="Isosceles Triangle 16">
               <a:extLst>
                 <a:ext uri="{FF2B5EF4-FFF2-40B4-BE49-F238E27FC236}">
-                  <a16:creationId xmlns:a16="http://schemas.microsoft.com/office/drawing/2014/main" id="{4EFA655C-9E50-4C14-A89E-AD7B648E4E2B}"/>
+                  <a16:creationId xmlns:a16="http://schemas.microsoft.com/office/drawing/2014/main" xmlns="" id="{4EFA655C-9E50-4C14-A89E-AD7B648E4E2B}"/>
                 </a:ext>
                 <a:ext uri="{C183D7F6-B498-43B3-948B-1728B52AA6E4}">
-                  <adec:decorative xmlns:adec="http://schemas.microsoft.com/office/drawing/2017/decorative" val="1"/>
+                  <adec:decorative xmlns:adec="http://schemas.microsoft.com/office/drawing/2017/decorative" xmlns="" val="1"/>
                 </a:ext>
               </a:extLst>
             </p:cNvPr>
@@ -10897,7 +10897,7 @@
             <p:nvPr>
               <p:extLst>
                 <p:ext uri="{386F3935-93C4-4BCD-93E2-E3B085C9AB24}">
-                  <p16:designElem xmlns:p16="http://schemas.microsoft.com/office/powerpoint/2015/main" val="1"/>
+                  <p16:designElem xmlns:p16="http://schemas.microsoft.com/office/powerpoint/2015/main" xmlns="" val="1"/>
                 </p:ext>
               </p:extLst>
             </p:nvPr>
@@ -10942,10 +10942,10 @@
             <p:cNvPr id="18" name="Isosceles Triangle 17">
               <a:extLst>
                 <a:ext uri="{FF2B5EF4-FFF2-40B4-BE49-F238E27FC236}">
-                  <a16:creationId xmlns:a16="http://schemas.microsoft.com/office/drawing/2014/main" id="{3E843863-7D25-4C01-9A17-E817CB6D998A}"/>
+                  <a16:creationId xmlns:a16="http://schemas.microsoft.com/office/drawing/2014/main" xmlns="" id="{3E843863-7D25-4C01-9A17-E817CB6D998A}"/>
                 </a:ext>
                 <a:ext uri="{C183D7F6-B498-43B3-948B-1728B52AA6E4}">
-                  <adec:decorative xmlns:adec="http://schemas.microsoft.com/office/drawing/2017/decorative" val="1"/>
+                  <adec:decorative xmlns:adec="http://schemas.microsoft.com/office/drawing/2017/decorative" xmlns="" val="1"/>
                 </a:ext>
               </a:extLst>
             </p:cNvPr>
@@ -10953,7 +10953,7 @@
             <p:nvPr>
               <p:extLst>
                 <p:ext uri="{386F3935-93C4-4BCD-93E2-E3B085C9AB24}">
-                  <p16:designElem xmlns:p16="http://schemas.microsoft.com/office/powerpoint/2015/main" val="1"/>
+                  <p16:designElem xmlns:p16="http://schemas.microsoft.com/office/powerpoint/2015/main" xmlns="" val="1"/>
                 </p:ext>
               </p:extLst>
             </p:nvPr>
@@ -10999,10 +10999,10 @@
           <p:cNvPr id="20" name="Rectangle 19">
             <a:extLst>
               <a:ext uri="{FF2B5EF4-FFF2-40B4-BE49-F238E27FC236}">
-                <a16:creationId xmlns:a16="http://schemas.microsoft.com/office/drawing/2014/main" id="{7941F9B1-B01B-4A84-89D9-B169AEB4E456}"/>
+                <a16:creationId xmlns:a16="http://schemas.microsoft.com/office/drawing/2014/main" xmlns="" id="{7941F9B1-B01B-4A84-89D9-B169AEB4E456}"/>
               </a:ext>
               <a:ext uri="{C183D7F6-B498-43B3-948B-1728B52AA6E4}">
-                <adec:decorative xmlns:adec="http://schemas.microsoft.com/office/drawing/2017/decorative" val="1"/>
+                <adec:decorative xmlns:adec="http://schemas.microsoft.com/office/drawing/2017/decorative" xmlns="" val="1"/>
               </a:ext>
             </a:extLst>
           </p:cNvPr>
@@ -11012,7 +11012,7 @@
           <p:nvPr>
             <p:extLst>
               <p:ext uri="{386F3935-93C4-4BCD-93E2-E3B085C9AB24}">
-                <p16:designElem xmlns:p16="http://schemas.microsoft.com/office/powerpoint/2015/main" val="1"/>
+                <p16:designElem xmlns:p16="http://schemas.microsoft.com/office/powerpoint/2015/main" xmlns="" val="1"/>
               </p:ext>
             </p:extLst>
           </p:nvPr>
@@ -11069,7 +11069,7 @@
           <p:cNvPr id="2" name="slide5">
             <a:extLst>
               <a:ext uri="{FF2B5EF4-FFF2-40B4-BE49-F238E27FC236}">
-                <a16:creationId xmlns:a16="http://schemas.microsoft.com/office/drawing/2014/main" id="{CB09CC84-714C-413C-8D43-B84CF370BCBF}"/>
+                <a16:creationId xmlns:a16="http://schemas.microsoft.com/office/drawing/2014/main" xmlns="" id="{CB09CC84-714C-413C-8D43-B84CF370BCBF}"/>
               </a:ext>
             </a:extLst>
           </p:cNvPr>
@@ -11092,8 +11092,8 @@
         </p:blipFill>
         <p:spPr>
           <a:xfrm>
-            <a:off x="1979999" y="1131994"/>
-            <a:ext cx="8233878" cy="4590386"/>
+            <a:off x="1246368" y="750189"/>
+            <a:ext cx="9652362" cy="5381190"/>
           </a:xfrm>
           <a:prstGeom prst="rect">
             <a:avLst/>
@@ -11143,10 +11143,10 @@
           <p:cNvPr id="8" name="Rectangle 7">
             <a:extLst>
               <a:ext uri="{FF2B5EF4-FFF2-40B4-BE49-F238E27FC236}">
-                <a16:creationId xmlns:a16="http://schemas.microsoft.com/office/drawing/2014/main" id="{03E8462A-FEBA-4848-81CC-3F8DA3E477BE}"/>
+                <a16:creationId xmlns:a16="http://schemas.microsoft.com/office/drawing/2014/main" xmlns="" id="{03E8462A-FEBA-4848-81CC-3F8DA3E477BE}"/>
               </a:ext>
               <a:ext uri="{C183D7F6-B498-43B3-948B-1728B52AA6E4}">
-                <adec:decorative xmlns:adec="http://schemas.microsoft.com/office/drawing/2017/decorative" val="1"/>
+                <adec:decorative xmlns:adec="http://schemas.microsoft.com/office/drawing/2017/decorative" xmlns="" val="1"/>
               </a:ext>
             </a:extLst>
           </p:cNvPr>
@@ -11156,7 +11156,7 @@
           <p:nvPr>
             <p:extLst>
               <p:ext uri="{386F3935-93C4-4BCD-93E2-E3B085C9AB24}">
-                <p16:designElem xmlns:p16="http://schemas.microsoft.com/office/powerpoint/2015/main" val="1"/>
+                <p16:designElem xmlns:p16="http://schemas.microsoft.com/office/powerpoint/2015/main" xmlns="" val="1"/>
               </p:ext>
             </p:extLst>
           </p:nvPr>
@@ -11206,10 +11206,10 @@
           <p:cNvPr id="10" name="Group 9">
             <a:extLst>
               <a:ext uri="{FF2B5EF4-FFF2-40B4-BE49-F238E27FC236}">
-                <a16:creationId xmlns:a16="http://schemas.microsoft.com/office/drawing/2014/main" id="{2109F83F-40FE-4DB3-84CC-09FB3340D06D}"/>
+                <a16:creationId xmlns:a16="http://schemas.microsoft.com/office/drawing/2014/main" xmlns="" id="{2109F83F-40FE-4DB3-84CC-09FB3340D06D}"/>
               </a:ext>
               <a:ext uri="{C183D7F6-B498-43B3-948B-1728B52AA6E4}">
-                <adec:decorative xmlns:adec="http://schemas.microsoft.com/office/drawing/2017/decorative" val="1"/>
+                <adec:decorative xmlns:adec="http://schemas.microsoft.com/office/drawing/2017/decorative" xmlns="" val="1"/>
               </a:ext>
             </a:extLst>
           </p:cNvPr>
@@ -11219,7 +11219,7 @@
           <p:nvPr>
             <p:extLst>
               <p:ext uri="{386F3935-93C4-4BCD-93E2-E3B085C9AB24}">
-                <p16:designElem xmlns:p16="http://schemas.microsoft.com/office/powerpoint/2015/main" val="1"/>
+                <p16:designElem xmlns:p16="http://schemas.microsoft.com/office/powerpoint/2015/main" xmlns="" val="1"/>
               </p:ext>
             </p:extLst>
           </p:nvPr>
@@ -11237,10 +11237,10 @@
             <p:cNvPr id="11" name="Straight Connector 10">
               <a:extLst>
                 <a:ext uri="{FF2B5EF4-FFF2-40B4-BE49-F238E27FC236}">
-                  <a16:creationId xmlns:a16="http://schemas.microsoft.com/office/drawing/2014/main" id="{1DE492D7-C3C3-48FF-80C8-37021EA0262F}"/>
+                  <a16:creationId xmlns:a16="http://schemas.microsoft.com/office/drawing/2014/main" xmlns="" id="{1DE492D7-C3C3-48FF-80C8-37021EA0262F}"/>
                 </a:ext>
                 <a:ext uri="{C183D7F6-B498-43B3-948B-1728B52AA6E4}">
-                  <adec:decorative xmlns:adec="http://schemas.microsoft.com/office/drawing/2017/decorative" val="1"/>
+                  <adec:decorative xmlns:adec="http://schemas.microsoft.com/office/drawing/2017/decorative" xmlns="" val="1"/>
                 </a:ext>
               </a:extLst>
             </p:cNvPr>
@@ -11248,7 +11248,7 @@
             <p:nvPr>
               <p:extLst>
                 <p:ext uri="{386F3935-93C4-4BCD-93E2-E3B085C9AB24}">
-                  <p16:designElem xmlns:p16="http://schemas.microsoft.com/office/powerpoint/2015/main" val="1"/>
+                  <p16:designElem xmlns:p16="http://schemas.microsoft.com/office/powerpoint/2015/main" xmlns="" val="1"/>
                 </p:ext>
               </p:extLst>
             </p:nvPr>
@@ -11289,10 +11289,10 @@
             <p:cNvPr id="12" name="Rectangle 23">
               <a:extLst>
                 <a:ext uri="{FF2B5EF4-FFF2-40B4-BE49-F238E27FC236}">
-                  <a16:creationId xmlns:a16="http://schemas.microsoft.com/office/drawing/2014/main" id="{0B30FF97-2E9A-490A-AED2-90BA2E0EC17F}"/>
+                  <a16:creationId xmlns:a16="http://schemas.microsoft.com/office/drawing/2014/main" xmlns="" id="{0B30FF97-2E9A-490A-AED2-90BA2E0EC17F}"/>
                 </a:ext>
                 <a:ext uri="{C183D7F6-B498-43B3-948B-1728B52AA6E4}">
-                  <adec:decorative xmlns:adec="http://schemas.microsoft.com/office/drawing/2017/decorative" val="1"/>
+                  <adec:decorative xmlns:adec="http://schemas.microsoft.com/office/drawing/2017/decorative" xmlns="" val="1"/>
                 </a:ext>
               </a:extLst>
             </p:cNvPr>
@@ -11300,7 +11300,7 @@
             <p:nvPr>
               <p:extLst>
                 <p:ext uri="{386F3935-93C4-4BCD-93E2-E3B085C9AB24}">
-                  <p16:designElem xmlns:p16="http://schemas.microsoft.com/office/powerpoint/2015/main" val="1"/>
+                  <p16:designElem xmlns:p16="http://schemas.microsoft.com/office/powerpoint/2015/main" xmlns="" val="1"/>
                 </p:ext>
               </p:extLst>
             </p:nvPr>
@@ -11367,10 +11367,10 @@
             <p:cNvPr id="13" name="Rectangle 25">
               <a:extLst>
                 <a:ext uri="{FF2B5EF4-FFF2-40B4-BE49-F238E27FC236}">
-                  <a16:creationId xmlns:a16="http://schemas.microsoft.com/office/drawing/2014/main" id="{B6D53C7D-A312-47B6-A66A-230A19CFACA6}"/>
+                  <a16:creationId xmlns:a16="http://schemas.microsoft.com/office/drawing/2014/main" xmlns="" id="{B6D53C7D-A312-47B6-A66A-230A19CFACA6}"/>
                 </a:ext>
                 <a:ext uri="{C183D7F6-B498-43B3-948B-1728B52AA6E4}">
-                  <adec:decorative xmlns:adec="http://schemas.microsoft.com/office/drawing/2017/decorative" val="1"/>
+                  <adec:decorative xmlns:adec="http://schemas.microsoft.com/office/drawing/2017/decorative" xmlns="" val="1"/>
                 </a:ext>
               </a:extLst>
             </p:cNvPr>
@@ -11378,7 +11378,7 @@
             <p:nvPr>
               <p:extLst>
                 <p:ext uri="{386F3935-93C4-4BCD-93E2-E3B085C9AB24}">
-                  <p16:designElem xmlns:p16="http://schemas.microsoft.com/office/powerpoint/2015/main" val="1"/>
+                  <p16:designElem xmlns:p16="http://schemas.microsoft.com/office/powerpoint/2015/main" xmlns="" val="1"/>
                 </p:ext>
               </p:extLst>
             </p:nvPr>
@@ -11445,10 +11445,10 @@
             <p:cNvPr id="14" name="Isosceles Triangle 13">
               <a:extLst>
                 <a:ext uri="{FF2B5EF4-FFF2-40B4-BE49-F238E27FC236}">
-                  <a16:creationId xmlns:a16="http://schemas.microsoft.com/office/drawing/2014/main" id="{9329D58C-0D2E-4A2B-AD6A-9CEE506784A8}"/>
+                  <a16:creationId xmlns:a16="http://schemas.microsoft.com/office/drawing/2014/main" xmlns="" id="{9329D58C-0D2E-4A2B-AD6A-9CEE506784A8}"/>
                 </a:ext>
                 <a:ext uri="{C183D7F6-B498-43B3-948B-1728B52AA6E4}">
-                  <adec:decorative xmlns:adec="http://schemas.microsoft.com/office/drawing/2017/decorative" val="1"/>
+                  <adec:decorative xmlns:adec="http://schemas.microsoft.com/office/drawing/2017/decorative" xmlns="" val="1"/>
                 </a:ext>
               </a:extLst>
             </p:cNvPr>
@@ -11456,7 +11456,7 @@
             <p:nvPr>
               <p:extLst>
                 <p:ext uri="{386F3935-93C4-4BCD-93E2-E3B085C9AB24}">
-                  <p16:designElem xmlns:p16="http://schemas.microsoft.com/office/powerpoint/2015/main" val="1"/>
+                  <p16:designElem xmlns:p16="http://schemas.microsoft.com/office/powerpoint/2015/main" xmlns="" val="1"/>
                 </p:ext>
               </p:extLst>
             </p:nvPr>
@@ -11501,10 +11501,10 @@
             <p:cNvPr id="15" name="Rectangle 27">
               <a:extLst>
                 <a:ext uri="{FF2B5EF4-FFF2-40B4-BE49-F238E27FC236}">
-                  <a16:creationId xmlns:a16="http://schemas.microsoft.com/office/drawing/2014/main" id="{9D446EDE-C690-4461-8BF2-7634808FC8B4}"/>
+                  <a16:creationId xmlns:a16="http://schemas.microsoft.com/office/drawing/2014/main" xmlns="" id="{9D446EDE-C690-4461-8BF2-7634808FC8B4}"/>
                 </a:ext>
                 <a:ext uri="{C183D7F6-B498-43B3-948B-1728B52AA6E4}">
-                  <adec:decorative xmlns:adec="http://schemas.microsoft.com/office/drawing/2017/decorative" val="1"/>
+                  <adec:decorative xmlns:adec="http://schemas.microsoft.com/office/drawing/2017/decorative" xmlns="" val="1"/>
                 </a:ext>
               </a:extLst>
             </p:cNvPr>
@@ -11512,7 +11512,7 @@
             <p:nvPr>
               <p:extLst>
                 <p:ext uri="{386F3935-93C4-4BCD-93E2-E3B085C9AB24}">
-                  <p16:designElem xmlns:p16="http://schemas.microsoft.com/office/powerpoint/2015/main" val="1"/>
+                  <p16:designElem xmlns:p16="http://schemas.microsoft.com/office/powerpoint/2015/main" xmlns="" val="1"/>
                 </p:ext>
               </p:extLst>
             </p:nvPr>
@@ -11580,10 +11580,10 @@
             <p:cNvPr id="16" name="Rectangle 28">
               <a:extLst>
                 <a:ext uri="{FF2B5EF4-FFF2-40B4-BE49-F238E27FC236}">
-                  <a16:creationId xmlns:a16="http://schemas.microsoft.com/office/drawing/2014/main" id="{323F3D34-6531-4AD7-A8C6-195A090281A1}"/>
+                  <a16:creationId xmlns:a16="http://schemas.microsoft.com/office/drawing/2014/main" xmlns="" id="{323F3D34-6531-4AD7-A8C6-195A090281A1}"/>
                 </a:ext>
                 <a:ext uri="{C183D7F6-B498-43B3-948B-1728B52AA6E4}">
-                  <adec:decorative xmlns:adec="http://schemas.microsoft.com/office/drawing/2017/decorative" val="1"/>
+                  <adec:decorative xmlns:adec="http://schemas.microsoft.com/office/drawing/2017/decorative" xmlns="" val="1"/>
                 </a:ext>
               </a:extLst>
             </p:cNvPr>
@@ -11591,7 +11591,7 @@
             <p:nvPr>
               <p:extLst>
                 <p:ext uri="{386F3935-93C4-4BCD-93E2-E3B085C9AB24}">
-                  <p16:designElem xmlns:p16="http://schemas.microsoft.com/office/powerpoint/2015/main" val="1"/>
+                  <p16:designElem xmlns:p16="http://schemas.microsoft.com/office/powerpoint/2015/main" xmlns="" val="1"/>
                 </p:ext>
               </p:extLst>
             </p:nvPr>
@@ -11660,10 +11660,10 @@
             <p:cNvPr id="17" name="Rectangle 29">
               <a:extLst>
                 <a:ext uri="{FF2B5EF4-FFF2-40B4-BE49-F238E27FC236}">
-                  <a16:creationId xmlns:a16="http://schemas.microsoft.com/office/drawing/2014/main" id="{B9B0AE3F-2350-435F-A9B0-C310BF876385}"/>
+                  <a16:creationId xmlns:a16="http://schemas.microsoft.com/office/drawing/2014/main" xmlns="" id="{B9B0AE3F-2350-435F-A9B0-C310BF876385}"/>
                 </a:ext>
                 <a:ext uri="{C183D7F6-B498-43B3-948B-1728B52AA6E4}">
-                  <adec:decorative xmlns:adec="http://schemas.microsoft.com/office/drawing/2017/decorative" val="1"/>
+                  <adec:decorative xmlns:adec="http://schemas.microsoft.com/office/drawing/2017/decorative" xmlns="" val="1"/>
                 </a:ext>
               </a:extLst>
             </p:cNvPr>
@@ -11671,7 +11671,7 @@
             <p:nvPr>
               <p:extLst>
                 <p:ext uri="{386F3935-93C4-4BCD-93E2-E3B085C9AB24}">
-                  <p16:designElem xmlns:p16="http://schemas.microsoft.com/office/powerpoint/2015/main" val="1"/>
+                  <p16:designElem xmlns:p16="http://schemas.microsoft.com/office/powerpoint/2015/main" xmlns="" val="1"/>
                 </p:ext>
               </p:extLst>
             </p:nvPr>
@@ -11738,10 +11738,10 @@
             <p:cNvPr id="18" name="Isosceles Triangle 17">
               <a:extLst>
                 <a:ext uri="{FF2B5EF4-FFF2-40B4-BE49-F238E27FC236}">
-                  <a16:creationId xmlns:a16="http://schemas.microsoft.com/office/drawing/2014/main" id="{4EFA655C-9E50-4C14-A89E-AD7B648E4E2B}"/>
+                  <a16:creationId xmlns:a16="http://schemas.microsoft.com/office/drawing/2014/main" xmlns="" id="{4EFA655C-9E50-4C14-A89E-AD7B648E4E2B}"/>
                 </a:ext>
                 <a:ext uri="{C183D7F6-B498-43B3-948B-1728B52AA6E4}">
-                  <adec:decorative xmlns:adec="http://schemas.microsoft.com/office/drawing/2017/decorative" val="1"/>
+                  <adec:decorative xmlns:adec="http://schemas.microsoft.com/office/drawing/2017/decorative" xmlns="" val="1"/>
                 </a:ext>
               </a:extLst>
             </p:cNvPr>
@@ -11749,7 +11749,7 @@
             <p:nvPr>
               <p:extLst>
                 <p:ext uri="{386F3935-93C4-4BCD-93E2-E3B085C9AB24}">
-                  <p16:designElem xmlns:p16="http://schemas.microsoft.com/office/powerpoint/2015/main" val="1"/>
+                  <p16:designElem xmlns:p16="http://schemas.microsoft.com/office/powerpoint/2015/main" xmlns="" val="1"/>
                 </p:ext>
               </p:extLst>
             </p:nvPr>
@@ -11794,10 +11794,10 @@
             <p:cNvPr id="19" name="Isosceles Triangle 18">
               <a:extLst>
                 <a:ext uri="{FF2B5EF4-FFF2-40B4-BE49-F238E27FC236}">
-                  <a16:creationId xmlns:a16="http://schemas.microsoft.com/office/drawing/2014/main" id="{3E843863-7D25-4C01-9A17-E817CB6D998A}"/>
+                  <a16:creationId xmlns:a16="http://schemas.microsoft.com/office/drawing/2014/main" xmlns="" id="{3E843863-7D25-4C01-9A17-E817CB6D998A}"/>
                 </a:ext>
                 <a:ext uri="{C183D7F6-B498-43B3-948B-1728B52AA6E4}">
-                  <adec:decorative xmlns:adec="http://schemas.microsoft.com/office/drawing/2017/decorative" val="1"/>
+                  <adec:decorative xmlns:adec="http://schemas.microsoft.com/office/drawing/2017/decorative" xmlns="" val="1"/>
                 </a:ext>
               </a:extLst>
             </p:cNvPr>
@@ -11805,7 +11805,7 @@
             <p:nvPr>
               <p:extLst>
                 <p:ext uri="{386F3935-93C4-4BCD-93E2-E3B085C9AB24}">
-                  <p16:designElem xmlns:p16="http://schemas.microsoft.com/office/powerpoint/2015/main" val="1"/>
+                  <p16:designElem xmlns:p16="http://schemas.microsoft.com/office/powerpoint/2015/main" xmlns="" val="1"/>
                 </p:ext>
               </p:extLst>
             </p:nvPr>
@@ -11851,10 +11851,10 @@
           <p:cNvPr id="21" name="Rectangle 20">
             <a:extLst>
               <a:ext uri="{FF2B5EF4-FFF2-40B4-BE49-F238E27FC236}">
-                <a16:creationId xmlns:a16="http://schemas.microsoft.com/office/drawing/2014/main" id="{7941F9B1-B01B-4A84-89D9-B169AEB4E456}"/>
+                <a16:creationId xmlns:a16="http://schemas.microsoft.com/office/drawing/2014/main" xmlns="" id="{7941F9B1-B01B-4A84-89D9-B169AEB4E456}"/>
               </a:ext>
               <a:ext uri="{C183D7F6-B498-43B3-948B-1728B52AA6E4}">
-                <adec:decorative xmlns:adec="http://schemas.microsoft.com/office/drawing/2017/decorative" val="1"/>
+                <adec:decorative xmlns:adec="http://schemas.microsoft.com/office/drawing/2017/decorative" xmlns="" val="1"/>
               </a:ext>
             </a:extLst>
           </p:cNvPr>
@@ -11864,7 +11864,7 @@
           <p:nvPr>
             <p:extLst>
               <p:ext uri="{386F3935-93C4-4BCD-93E2-E3B085C9AB24}">
-                <p16:designElem xmlns:p16="http://schemas.microsoft.com/office/powerpoint/2015/main" val="1"/>
+                <p16:designElem xmlns:p16="http://schemas.microsoft.com/office/powerpoint/2015/main" xmlns="" val="1"/>
               </p:ext>
             </p:extLst>
           </p:nvPr>
@@ -11921,7 +11921,7 @@
           <p:cNvPr id="3" name="Obraz 2">
             <a:extLst>
               <a:ext uri="{FF2B5EF4-FFF2-40B4-BE49-F238E27FC236}">
-                <a16:creationId xmlns:a16="http://schemas.microsoft.com/office/drawing/2014/main" id="{41E3278D-7ACF-4078-BB00-54A366119131}"/>
+                <a16:creationId xmlns:a16="http://schemas.microsoft.com/office/drawing/2014/main" xmlns="" id="{41E3278D-7ACF-4078-BB00-54A366119131}"/>
               </a:ext>
             </a:extLst>
           </p:cNvPr>
@@ -11995,10 +11995,10 @@
           <p:cNvPr id="8" name="Rectangle 7">
             <a:extLst>
               <a:ext uri="{FF2B5EF4-FFF2-40B4-BE49-F238E27FC236}">
-                <a16:creationId xmlns:a16="http://schemas.microsoft.com/office/drawing/2014/main" id="{03E8462A-FEBA-4848-81CC-3F8DA3E477BE}"/>
+                <a16:creationId xmlns:a16="http://schemas.microsoft.com/office/drawing/2014/main" xmlns="" id="{03E8462A-FEBA-4848-81CC-3F8DA3E477BE}"/>
               </a:ext>
               <a:ext uri="{C183D7F6-B498-43B3-948B-1728B52AA6E4}">
-                <adec:decorative xmlns:adec="http://schemas.microsoft.com/office/drawing/2017/decorative" val="1"/>
+                <adec:decorative xmlns:adec="http://schemas.microsoft.com/office/drawing/2017/decorative" xmlns="" val="1"/>
               </a:ext>
             </a:extLst>
           </p:cNvPr>
@@ -12008,7 +12008,7 @@
           <p:nvPr>
             <p:extLst>
               <p:ext uri="{386F3935-93C4-4BCD-93E2-E3B085C9AB24}">
-                <p16:designElem xmlns:p16="http://schemas.microsoft.com/office/powerpoint/2015/main" val="1"/>
+                <p16:designElem xmlns:p16="http://schemas.microsoft.com/office/powerpoint/2015/main" xmlns="" val="1"/>
               </p:ext>
             </p:extLst>
           </p:nvPr>
@@ -12058,10 +12058,10 @@
           <p:cNvPr id="10" name="Group 9">
             <a:extLst>
               <a:ext uri="{FF2B5EF4-FFF2-40B4-BE49-F238E27FC236}">
-                <a16:creationId xmlns:a16="http://schemas.microsoft.com/office/drawing/2014/main" id="{2109F83F-40FE-4DB3-84CC-09FB3340D06D}"/>
+                <a16:creationId xmlns:a16="http://schemas.microsoft.com/office/drawing/2014/main" xmlns="" id="{2109F83F-40FE-4DB3-84CC-09FB3340D06D}"/>
               </a:ext>
               <a:ext uri="{C183D7F6-B498-43B3-948B-1728B52AA6E4}">
-                <adec:decorative xmlns:adec="http://schemas.microsoft.com/office/drawing/2017/decorative" val="1"/>
+                <adec:decorative xmlns:adec="http://schemas.microsoft.com/office/drawing/2017/decorative" xmlns="" val="1"/>
               </a:ext>
             </a:extLst>
           </p:cNvPr>
@@ -12071,7 +12071,7 @@
           <p:nvPr>
             <p:extLst>
               <p:ext uri="{386F3935-93C4-4BCD-93E2-E3B085C9AB24}">
-                <p16:designElem xmlns:p16="http://schemas.microsoft.com/office/powerpoint/2015/main" val="1"/>
+                <p16:designElem xmlns:p16="http://schemas.microsoft.com/office/powerpoint/2015/main" xmlns="" val="1"/>
               </p:ext>
             </p:extLst>
           </p:nvPr>
@@ -12089,10 +12089,10 @@
             <p:cNvPr id="11" name="Straight Connector 10">
               <a:extLst>
                 <a:ext uri="{FF2B5EF4-FFF2-40B4-BE49-F238E27FC236}">
-                  <a16:creationId xmlns:a16="http://schemas.microsoft.com/office/drawing/2014/main" id="{1DE492D7-C3C3-48FF-80C8-37021EA0262F}"/>
+                  <a16:creationId xmlns:a16="http://schemas.microsoft.com/office/drawing/2014/main" xmlns="" id="{1DE492D7-C3C3-48FF-80C8-37021EA0262F}"/>
                 </a:ext>
                 <a:ext uri="{C183D7F6-B498-43B3-948B-1728B52AA6E4}">
-                  <adec:decorative xmlns:adec="http://schemas.microsoft.com/office/drawing/2017/decorative" val="1"/>
+                  <adec:decorative xmlns:adec="http://schemas.microsoft.com/office/drawing/2017/decorative" xmlns="" val="1"/>
                 </a:ext>
               </a:extLst>
             </p:cNvPr>
@@ -12100,7 +12100,7 @@
             <p:nvPr>
               <p:extLst>
                 <p:ext uri="{386F3935-93C4-4BCD-93E2-E3B085C9AB24}">
-                  <p16:designElem xmlns:p16="http://schemas.microsoft.com/office/powerpoint/2015/main" val="1"/>
+                  <p16:designElem xmlns:p16="http://schemas.microsoft.com/office/powerpoint/2015/main" xmlns="" val="1"/>
                 </p:ext>
               </p:extLst>
             </p:nvPr>
@@ -12141,10 +12141,10 @@
             <p:cNvPr id="12" name="Rectangle 23">
               <a:extLst>
                 <a:ext uri="{FF2B5EF4-FFF2-40B4-BE49-F238E27FC236}">
-                  <a16:creationId xmlns:a16="http://schemas.microsoft.com/office/drawing/2014/main" id="{0B30FF97-2E9A-490A-AED2-90BA2E0EC17F}"/>
+                  <a16:creationId xmlns:a16="http://schemas.microsoft.com/office/drawing/2014/main" xmlns="" id="{0B30FF97-2E9A-490A-AED2-90BA2E0EC17F}"/>
                 </a:ext>
                 <a:ext uri="{C183D7F6-B498-43B3-948B-1728B52AA6E4}">
-                  <adec:decorative xmlns:adec="http://schemas.microsoft.com/office/drawing/2017/decorative" val="1"/>
+                  <adec:decorative xmlns:adec="http://schemas.microsoft.com/office/drawing/2017/decorative" xmlns="" val="1"/>
                 </a:ext>
               </a:extLst>
             </p:cNvPr>
@@ -12152,7 +12152,7 @@
             <p:nvPr>
               <p:extLst>
                 <p:ext uri="{386F3935-93C4-4BCD-93E2-E3B085C9AB24}">
-                  <p16:designElem xmlns:p16="http://schemas.microsoft.com/office/powerpoint/2015/main" val="1"/>
+                  <p16:designElem xmlns:p16="http://schemas.microsoft.com/office/powerpoint/2015/main" xmlns="" val="1"/>
                 </p:ext>
               </p:extLst>
             </p:nvPr>
@@ -12219,10 +12219,10 @@
             <p:cNvPr id="13" name="Rectangle 25">
               <a:extLst>
                 <a:ext uri="{FF2B5EF4-FFF2-40B4-BE49-F238E27FC236}">
-                  <a16:creationId xmlns:a16="http://schemas.microsoft.com/office/drawing/2014/main" id="{B6D53C7D-A312-47B6-A66A-230A19CFACA6}"/>
+                  <a16:creationId xmlns:a16="http://schemas.microsoft.com/office/drawing/2014/main" xmlns="" id="{B6D53C7D-A312-47B6-A66A-230A19CFACA6}"/>
                 </a:ext>
                 <a:ext uri="{C183D7F6-B498-43B3-948B-1728B52AA6E4}">
-                  <adec:decorative xmlns:adec="http://schemas.microsoft.com/office/drawing/2017/decorative" val="1"/>
+                  <adec:decorative xmlns:adec="http://schemas.microsoft.com/office/drawing/2017/decorative" xmlns="" val="1"/>
                 </a:ext>
               </a:extLst>
             </p:cNvPr>
@@ -12230,7 +12230,7 @@
             <p:nvPr>
               <p:extLst>
                 <p:ext uri="{386F3935-93C4-4BCD-93E2-E3B085C9AB24}">
-                  <p16:designElem xmlns:p16="http://schemas.microsoft.com/office/powerpoint/2015/main" val="1"/>
+                  <p16:designElem xmlns:p16="http://schemas.microsoft.com/office/powerpoint/2015/main" xmlns="" val="1"/>
                 </p:ext>
               </p:extLst>
             </p:nvPr>
@@ -12297,10 +12297,10 @@
             <p:cNvPr id="14" name="Isosceles Triangle 13">
               <a:extLst>
                 <a:ext uri="{FF2B5EF4-FFF2-40B4-BE49-F238E27FC236}">
-                  <a16:creationId xmlns:a16="http://schemas.microsoft.com/office/drawing/2014/main" id="{9329D58C-0D2E-4A2B-AD6A-9CEE506784A8}"/>
+                  <a16:creationId xmlns:a16="http://schemas.microsoft.com/office/drawing/2014/main" xmlns="" id="{9329D58C-0D2E-4A2B-AD6A-9CEE506784A8}"/>
                 </a:ext>
                 <a:ext uri="{C183D7F6-B498-43B3-948B-1728B52AA6E4}">
-                  <adec:decorative xmlns:adec="http://schemas.microsoft.com/office/drawing/2017/decorative" val="1"/>
+                  <adec:decorative xmlns:adec="http://schemas.microsoft.com/office/drawing/2017/decorative" xmlns="" val="1"/>
                 </a:ext>
               </a:extLst>
             </p:cNvPr>
@@ -12308,7 +12308,7 @@
             <p:nvPr>
               <p:extLst>
                 <p:ext uri="{386F3935-93C4-4BCD-93E2-E3B085C9AB24}">
-                  <p16:designElem xmlns:p16="http://schemas.microsoft.com/office/powerpoint/2015/main" val="1"/>
+                  <p16:designElem xmlns:p16="http://schemas.microsoft.com/office/powerpoint/2015/main" xmlns="" val="1"/>
                 </p:ext>
               </p:extLst>
             </p:nvPr>
@@ -12353,10 +12353,10 @@
             <p:cNvPr id="15" name="Rectangle 27">
               <a:extLst>
                 <a:ext uri="{FF2B5EF4-FFF2-40B4-BE49-F238E27FC236}">
-                  <a16:creationId xmlns:a16="http://schemas.microsoft.com/office/drawing/2014/main" id="{9D446EDE-C690-4461-8BF2-7634808FC8B4}"/>
+                  <a16:creationId xmlns:a16="http://schemas.microsoft.com/office/drawing/2014/main" xmlns="" id="{9D446EDE-C690-4461-8BF2-7634808FC8B4}"/>
                 </a:ext>
                 <a:ext uri="{C183D7F6-B498-43B3-948B-1728B52AA6E4}">
-                  <adec:decorative xmlns:adec="http://schemas.microsoft.com/office/drawing/2017/decorative" val="1"/>
+                  <adec:decorative xmlns:adec="http://schemas.microsoft.com/office/drawing/2017/decorative" xmlns="" val="1"/>
                 </a:ext>
               </a:extLst>
             </p:cNvPr>
@@ -12364,7 +12364,7 @@
             <p:nvPr>
               <p:extLst>
                 <p:ext uri="{386F3935-93C4-4BCD-93E2-E3B085C9AB24}">
-                  <p16:designElem xmlns:p16="http://schemas.microsoft.com/office/powerpoint/2015/main" val="1"/>
+                  <p16:designElem xmlns:p16="http://schemas.microsoft.com/office/powerpoint/2015/main" xmlns="" val="1"/>
                 </p:ext>
               </p:extLst>
             </p:nvPr>
@@ -12432,10 +12432,10 @@
             <p:cNvPr id="16" name="Rectangle 28">
               <a:extLst>
                 <a:ext uri="{FF2B5EF4-FFF2-40B4-BE49-F238E27FC236}">
-                  <a16:creationId xmlns:a16="http://schemas.microsoft.com/office/drawing/2014/main" id="{323F3D34-6531-4AD7-A8C6-195A090281A1}"/>
+                  <a16:creationId xmlns:a16="http://schemas.microsoft.com/office/drawing/2014/main" xmlns="" id="{323F3D34-6531-4AD7-A8C6-195A090281A1}"/>
                 </a:ext>
                 <a:ext uri="{C183D7F6-B498-43B3-948B-1728B52AA6E4}">
-                  <adec:decorative xmlns:adec="http://schemas.microsoft.com/office/drawing/2017/decorative" val="1"/>
+                  <adec:decorative xmlns:adec="http://schemas.microsoft.com/office/drawing/2017/decorative" xmlns="" val="1"/>
                 </a:ext>
               </a:extLst>
             </p:cNvPr>
@@ -12443,7 +12443,7 @@
             <p:nvPr>
               <p:extLst>
                 <p:ext uri="{386F3935-93C4-4BCD-93E2-E3B085C9AB24}">
-                  <p16:designElem xmlns:p16="http://schemas.microsoft.com/office/powerpoint/2015/main" val="1"/>
+                  <p16:designElem xmlns:p16="http://schemas.microsoft.com/office/powerpoint/2015/main" xmlns="" val="1"/>
                 </p:ext>
               </p:extLst>
             </p:nvPr>
@@ -12512,10 +12512,10 @@
             <p:cNvPr id="17" name="Rectangle 29">
               <a:extLst>
                 <a:ext uri="{FF2B5EF4-FFF2-40B4-BE49-F238E27FC236}">
-                  <a16:creationId xmlns:a16="http://schemas.microsoft.com/office/drawing/2014/main" id="{B9B0AE3F-2350-435F-A9B0-C310BF876385}"/>
+                  <a16:creationId xmlns:a16="http://schemas.microsoft.com/office/drawing/2014/main" xmlns="" id="{B9B0AE3F-2350-435F-A9B0-C310BF876385}"/>
                 </a:ext>
                 <a:ext uri="{C183D7F6-B498-43B3-948B-1728B52AA6E4}">
-                  <adec:decorative xmlns:adec="http://schemas.microsoft.com/office/drawing/2017/decorative" val="1"/>
+                  <adec:decorative xmlns:adec="http://schemas.microsoft.com/office/drawing/2017/decorative" xmlns="" val="1"/>
                 </a:ext>
               </a:extLst>
             </p:cNvPr>
@@ -12523,7 +12523,7 @@
             <p:nvPr>
               <p:extLst>
                 <p:ext uri="{386F3935-93C4-4BCD-93E2-E3B085C9AB24}">
-                  <p16:designElem xmlns:p16="http://schemas.microsoft.com/office/powerpoint/2015/main" val="1"/>
+                  <p16:designElem xmlns:p16="http://schemas.microsoft.com/office/powerpoint/2015/main" xmlns="" val="1"/>
                 </p:ext>
               </p:extLst>
             </p:nvPr>
@@ -12590,10 +12590,10 @@
             <p:cNvPr id="18" name="Isosceles Triangle 17">
               <a:extLst>
                 <a:ext uri="{FF2B5EF4-FFF2-40B4-BE49-F238E27FC236}">
-                  <a16:creationId xmlns:a16="http://schemas.microsoft.com/office/drawing/2014/main" id="{4EFA655C-9E50-4C14-A89E-AD7B648E4E2B}"/>
+                  <a16:creationId xmlns:a16="http://schemas.microsoft.com/office/drawing/2014/main" xmlns="" id="{4EFA655C-9E50-4C14-A89E-AD7B648E4E2B}"/>
                 </a:ext>
                 <a:ext uri="{C183D7F6-B498-43B3-948B-1728B52AA6E4}">
-                  <adec:decorative xmlns:adec="http://schemas.microsoft.com/office/drawing/2017/decorative" val="1"/>
+                  <adec:decorative xmlns:adec="http://schemas.microsoft.com/office/drawing/2017/decorative" xmlns="" val="1"/>
                 </a:ext>
               </a:extLst>
             </p:cNvPr>
@@ -12601,7 +12601,7 @@
             <p:nvPr>
               <p:extLst>
                 <p:ext uri="{386F3935-93C4-4BCD-93E2-E3B085C9AB24}">
-                  <p16:designElem xmlns:p16="http://schemas.microsoft.com/office/powerpoint/2015/main" val="1"/>
+                  <p16:designElem xmlns:p16="http://schemas.microsoft.com/office/powerpoint/2015/main" xmlns="" val="1"/>
                 </p:ext>
               </p:extLst>
             </p:nvPr>
@@ -12646,10 +12646,10 @@
             <p:cNvPr id="19" name="Isosceles Triangle 18">
               <a:extLst>
                 <a:ext uri="{FF2B5EF4-FFF2-40B4-BE49-F238E27FC236}">
-                  <a16:creationId xmlns:a16="http://schemas.microsoft.com/office/drawing/2014/main" id="{3E843863-7D25-4C01-9A17-E817CB6D998A}"/>
+                  <a16:creationId xmlns:a16="http://schemas.microsoft.com/office/drawing/2014/main" xmlns="" id="{3E843863-7D25-4C01-9A17-E817CB6D998A}"/>
                 </a:ext>
                 <a:ext uri="{C183D7F6-B498-43B3-948B-1728B52AA6E4}">
-                  <adec:decorative xmlns:adec="http://schemas.microsoft.com/office/drawing/2017/decorative" val="1"/>
+                  <adec:decorative xmlns:adec="http://schemas.microsoft.com/office/drawing/2017/decorative" xmlns="" val="1"/>
                 </a:ext>
               </a:extLst>
             </p:cNvPr>
@@ -12657,7 +12657,7 @@
             <p:nvPr>
               <p:extLst>
                 <p:ext uri="{386F3935-93C4-4BCD-93E2-E3B085C9AB24}">
-                  <p16:designElem xmlns:p16="http://schemas.microsoft.com/office/powerpoint/2015/main" val="1"/>
+                  <p16:designElem xmlns:p16="http://schemas.microsoft.com/office/powerpoint/2015/main" xmlns="" val="1"/>
                 </p:ext>
               </p:extLst>
             </p:nvPr>
@@ -12703,10 +12703,10 @@
           <p:cNvPr id="21" name="Rectangle 20">
             <a:extLst>
               <a:ext uri="{FF2B5EF4-FFF2-40B4-BE49-F238E27FC236}">
-                <a16:creationId xmlns:a16="http://schemas.microsoft.com/office/drawing/2014/main" id="{7941F9B1-B01B-4A84-89D9-B169AEB4E456}"/>
+                <a16:creationId xmlns:a16="http://schemas.microsoft.com/office/drawing/2014/main" xmlns="" id="{7941F9B1-B01B-4A84-89D9-B169AEB4E456}"/>
               </a:ext>
               <a:ext uri="{C183D7F6-B498-43B3-948B-1728B52AA6E4}">
-                <adec:decorative xmlns:adec="http://schemas.microsoft.com/office/drawing/2017/decorative" val="1"/>
+                <adec:decorative xmlns:adec="http://schemas.microsoft.com/office/drawing/2017/decorative" xmlns="" val="1"/>
               </a:ext>
             </a:extLst>
           </p:cNvPr>
@@ -12716,7 +12716,7 @@
           <p:nvPr>
             <p:extLst>
               <p:ext uri="{386F3935-93C4-4BCD-93E2-E3B085C9AB24}">
-                <p16:designElem xmlns:p16="http://schemas.microsoft.com/office/powerpoint/2015/main" val="1"/>
+                <p16:designElem xmlns:p16="http://schemas.microsoft.com/office/powerpoint/2015/main" xmlns="" val="1"/>
               </p:ext>
             </p:extLst>
           </p:nvPr>
@@ -12773,7 +12773,7 @@
           <p:cNvPr id="3" name="Obraz 2">
             <a:extLst>
               <a:ext uri="{FF2B5EF4-FFF2-40B4-BE49-F238E27FC236}">
-                <a16:creationId xmlns:a16="http://schemas.microsoft.com/office/drawing/2014/main" id="{4BC8A3DE-2630-45CF-B8BE-E247F3BDAC93}"/>
+                <a16:creationId xmlns:a16="http://schemas.microsoft.com/office/drawing/2014/main" xmlns="" id="{4BC8A3DE-2630-45CF-B8BE-E247F3BDAC93}"/>
               </a:ext>
             </a:extLst>
           </p:cNvPr>
@@ -12847,10 +12847,10 @@
           <p:cNvPr id="8" name="Rectangle 7">
             <a:extLst>
               <a:ext uri="{FF2B5EF4-FFF2-40B4-BE49-F238E27FC236}">
-                <a16:creationId xmlns:a16="http://schemas.microsoft.com/office/drawing/2014/main" id="{03E8462A-FEBA-4848-81CC-3F8DA3E477BE}"/>
+                <a16:creationId xmlns:a16="http://schemas.microsoft.com/office/drawing/2014/main" xmlns="" id="{03E8462A-FEBA-4848-81CC-3F8DA3E477BE}"/>
               </a:ext>
               <a:ext uri="{C183D7F6-B498-43B3-948B-1728B52AA6E4}">
-                <adec:decorative xmlns:adec="http://schemas.microsoft.com/office/drawing/2017/decorative" val="1"/>
+                <adec:decorative xmlns:adec="http://schemas.microsoft.com/office/drawing/2017/decorative" xmlns="" val="1"/>
               </a:ext>
             </a:extLst>
           </p:cNvPr>
@@ -12860,7 +12860,7 @@
           <p:nvPr>
             <p:extLst>
               <p:ext uri="{386F3935-93C4-4BCD-93E2-E3B085C9AB24}">
-                <p16:designElem xmlns:p16="http://schemas.microsoft.com/office/powerpoint/2015/main" val="1"/>
+                <p16:designElem xmlns:p16="http://schemas.microsoft.com/office/powerpoint/2015/main" xmlns="" val="1"/>
               </p:ext>
             </p:extLst>
           </p:nvPr>
@@ -12910,10 +12910,10 @@
           <p:cNvPr id="10" name="Group 9">
             <a:extLst>
               <a:ext uri="{FF2B5EF4-FFF2-40B4-BE49-F238E27FC236}">
-                <a16:creationId xmlns:a16="http://schemas.microsoft.com/office/drawing/2014/main" id="{2109F83F-40FE-4DB3-84CC-09FB3340D06D}"/>
+                <a16:creationId xmlns:a16="http://schemas.microsoft.com/office/drawing/2014/main" xmlns="" id="{2109F83F-40FE-4DB3-84CC-09FB3340D06D}"/>
               </a:ext>
               <a:ext uri="{C183D7F6-B498-43B3-948B-1728B52AA6E4}">
-                <adec:decorative xmlns:adec="http://schemas.microsoft.com/office/drawing/2017/decorative" val="1"/>
+                <adec:decorative xmlns:adec="http://schemas.microsoft.com/office/drawing/2017/decorative" xmlns="" val="1"/>
               </a:ext>
             </a:extLst>
           </p:cNvPr>
@@ -12923,7 +12923,7 @@
           <p:nvPr>
             <p:extLst>
               <p:ext uri="{386F3935-93C4-4BCD-93E2-E3B085C9AB24}">
-                <p16:designElem xmlns:p16="http://schemas.microsoft.com/office/powerpoint/2015/main" val="1"/>
+                <p16:designElem xmlns:p16="http://schemas.microsoft.com/office/powerpoint/2015/main" xmlns="" val="1"/>
               </p:ext>
             </p:extLst>
           </p:nvPr>
@@ -12941,10 +12941,10 @@
             <p:cNvPr id="11" name="Straight Connector 10">
               <a:extLst>
                 <a:ext uri="{FF2B5EF4-FFF2-40B4-BE49-F238E27FC236}">
-                  <a16:creationId xmlns:a16="http://schemas.microsoft.com/office/drawing/2014/main" id="{1DE492D7-C3C3-48FF-80C8-37021EA0262F}"/>
+                  <a16:creationId xmlns:a16="http://schemas.microsoft.com/office/drawing/2014/main" xmlns="" id="{1DE492D7-C3C3-48FF-80C8-37021EA0262F}"/>
                 </a:ext>
                 <a:ext uri="{C183D7F6-B498-43B3-948B-1728B52AA6E4}">
-                  <adec:decorative xmlns:adec="http://schemas.microsoft.com/office/drawing/2017/decorative" val="1"/>
+                  <adec:decorative xmlns:adec="http://schemas.microsoft.com/office/drawing/2017/decorative" xmlns="" val="1"/>
                 </a:ext>
               </a:extLst>
             </p:cNvPr>
@@ -12952,7 +12952,7 @@
             <p:nvPr>
               <p:extLst>
                 <p:ext uri="{386F3935-93C4-4BCD-93E2-E3B085C9AB24}">
-                  <p16:designElem xmlns:p16="http://schemas.microsoft.com/office/powerpoint/2015/main" val="1"/>
+                  <p16:designElem xmlns:p16="http://schemas.microsoft.com/office/powerpoint/2015/main" xmlns="" val="1"/>
                 </p:ext>
               </p:extLst>
             </p:nvPr>
@@ -12993,10 +12993,10 @@
             <p:cNvPr id="12" name="Rectangle 23">
               <a:extLst>
                 <a:ext uri="{FF2B5EF4-FFF2-40B4-BE49-F238E27FC236}">
-                  <a16:creationId xmlns:a16="http://schemas.microsoft.com/office/drawing/2014/main" id="{0B30FF97-2E9A-490A-AED2-90BA2E0EC17F}"/>
+                  <a16:creationId xmlns:a16="http://schemas.microsoft.com/office/drawing/2014/main" xmlns="" id="{0B30FF97-2E9A-490A-AED2-90BA2E0EC17F}"/>
                 </a:ext>
                 <a:ext uri="{C183D7F6-B498-43B3-948B-1728B52AA6E4}">
-                  <adec:decorative xmlns:adec="http://schemas.microsoft.com/office/drawing/2017/decorative" val="1"/>
+                  <adec:decorative xmlns:adec="http://schemas.microsoft.com/office/drawing/2017/decorative" xmlns="" val="1"/>
                 </a:ext>
               </a:extLst>
             </p:cNvPr>
@@ -13004,7 +13004,7 @@
             <p:nvPr>
               <p:extLst>
                 <p:ext uri="{386F3935-93C4-4BCD-93E2-E3B085C9AB24}">
-                  <p16:designElem xmlns:p16="http://schemas.microsoft.com/office/powerpoint/2015/main" val="1"/>
+                  <p16:designElem xmlns:p16="http://schemas.microsoft.com/office/powerpoint/2015/main" xmlns="" val="1"/>
                 </p:ext>
               </p:extLst>
             </p:nvPr>
@@ -13071,10 +13071,10 @@
             <p:cNvPr id="13" name="Rectangle 25">
               <a:extLst>
                 <a:ext uri="{FF2B5EF4-FFF2-40B4-BE49-F238E27FC236}">
-                  <a16:creationId xmlns:a16="http://schemas.microsoft.com/office/drawing/2014/main" id="{B6D53C7D-A312-47B6-A66A-230A19CFACA6}"/>
+                  <a16:creationId xmlns:a16="http://schemas.microsoft.com/office/drawing/2014/main" xmlns="" id="{B6D53C7D-A312-47B6-A66A-230A19CFACA6}"/>
                 </a:ext>
                 <a:ext uri="{C183D7F6-B498-43B3-948B-1728B52AA6E4}">
-                  <adec:decorative xmlns:adec="http://schemas.microsoft.com/office/drawing/2017/decorative" val="1"/>
+                  <adec:decorative xmlns:adec="http://schemas.microsoft.com/office/drawing/2017/decorative" xmlns="" val="1"/>
                 </a:ext>
               </a:extLst>
             </p:cNvPr>
@@ -13082,7 +13082,7 @@
             <p:nvPr>
               <p:extLst>
                 <p:ext uri="{386F3935-93C4-4BCD-93E2-E3B085C9AB24}">
-                  <p16:designElem xmlns:p16="http://schemas.microsoft.com/office/powerpoint/2015/main" val="1"/>
+                  <p16:designElem xmlns:p16="http://schemas.microsoft.com/office/powerpoint/2015/main" xmlns="" val="1"/>
                 </p:ext>
               </p:extLst>
             </p:nvPr>
@@ -13149,10 +13149,10 @@
             <p:cNvPr id="14" name="Isosceles Triangle 13">
               <a:extLst>
                 <a:ext uri="{FF2B5EF4-FFF2-40B4-BE49-F238E27FC236}">
-                  <a16:creationId xmlns:a16="http://schemas.microsoft.com/office/drawing/2014/main" id="{9329D58C-0D2E-4A2B-AD6A-9CEE506784A8}"/>
+                  <a16:creationId xmlns:a16="http://schemas.microsoft.com/office/drawing/2014/main" xmlns="" id="{9329D58C-0D2E-4A2B-AD6A-9CEE506784A8}"/>
                 </a:ext>
                 <a:ext uri="{C183D7F6-B498-43B3-948B-1728B52AA6E4}">
-                  <adec:decorative xmlns:adec="http://schemas.microsoft.com/office/drawing/2017/decorative" val="1"/>
+                  <adec:decorative xmlns:adec="http://schemas.microsoft.com/office/drawing/2017/decorative" xmlns="" val="1"/>
                 </a:ext>
               </a:extLst>
             </p:cNvPr>
@@ -13160,7 +13160,7 @@
             <p:nvPr>
               <p:extLst>
                 <p:ext uri="{386F3935-93C4-4BCD-93E2-E3B085C9AB24}">
-                  <p16:designElem xmlns:p16="http://schemas.microsoft.com/office/powerpoint/2015/main" val="1"/>
+                  <p16:designElem xmlns:p16="http://schemas.microsoft.com/office/powerpoint/2015/main" xmlns="" val="1"/>
                 </p:ext>
               </p:extLst>
             </p:nvPr>
@@ -13205,10 +13205,10 @@
             <p:cNvPr id="15" name="Rectangle 27">
               <a:extLst>
                 <a:ext uri="{FF2B5EF4-FFF2-40B4-BE49-F238E27FC236}">
-                  <a16:creationId xmlns:a16="http://schemas.microsoft.com/office/drawing/2014/main" id="{9D446EDE-C690-4461-8BF2-7634808FC8B4}"/>
+                  <a16:creationId xmlns:a16="http://schemas.microsoft.com/office/drawing/2014/main" xmlns="" id="{9D446EDE-C690-4461-8BF2-7634808FC8B4}"/>
                 </a:ext>
                 <a:ext uri="{C183D7F6-B498-43B3-948B-1728B52AA6E4}">
-                  <adec:decorative xmlns:adec="http://schemas.microsoft.com/office/drawing/2017/decorative" val="1"/>
+                  <adec:decorative xmlns:adec="http://schemas.microsoft.com/office/drawing/2017/decorative" xmlns="" val="1"/>
                 </a:ext>
               </a:extLst>
             </p:cNvPr>
@@ -13216,7 +13216,7 @@
             <p:nvPr>
               <p:extLst>
                 <p:ext uri="{386F3935-93C4-4BCD-93E2-E3B085C9AB24}">
-                  <p16:designElem xmlns:p16="http://schemas.microsoft.com/office/powerpoint/2015/main" val="1"/>
+                  <p16:designElem xmlns:p16="http://schemas.microsoft.com/office/powerpoint/2015/main" xmlns="" val="1"/>
                 </p:ext>
               </p:extLst>
             </p:nvPr>
@@ -13284,10 +13284,10 @@
             <p:cNvPr id="16" name="Rectangle 28">
               <a:extLst>
                 <a:ext uri="{FF2B5EF4-FFF2-40B4-BE49-F238E27FC236}">
-                  <a16:creationId xmlns:a16="http://schemas.microsoft.com/office/drawing/2014/main" id="{323F3D34-6531-4AD7-A8C6-195A090281A1}"/>
+                  <a16:creationId xmlns:a16="http://schemas.microsoft.com/office/drawing/2014/main" xmlns="" id="{323F3D34-6531-4AD7-A8C6-195A090281A1}"/>
                 </a:ext>
                 <a:ext uri="{C183D7F6-B498-43B3-948B-1728B52AA6E4}">
-                  <adec:decorative xmlns:adec="http://schemas.microsoft.com/office/drawing/2017/decorative" val="1"/>
+                  <adec:decorative xmlns:adec="http://schemas.microsoft.com/office/drawing/2017/decorative" xmlns="" val="1"/>
                 </a:ext>
               </a:extLst>
             </p:cNvPr>
@@ -13295,7 +13295,7 @@
             <p:nvPr>
               <p:extLst>
                 <p:ext uri="{386F3935-93C4-4BCD-93E2-E3B085C9AB24}">
-                  <p16:designElem xmlns:p16="http://schemas.microsoft.com/office/powerpoint/2015/main" val="1"/>
+                  <p16:designElem xmlns:p16="http://schemas.microsoft.com/office/powerpoint/2015/main" xmlns="" val="1"/>
                 </p:ext>
               </p:extLst>
             </p:nvPr>
@@ -13364,10 +13364,10 @@
             <p:cNvPr id="17" name="Rectangle 29">
               <a:extLst>
                 <a:ext uri="{FF2B5EF4-FFF2-40B4-BE49-F238E27FC236}">
-                  <a16:creationId xmlns:a16="http://schemas.microsoft.com/office/drawing/2014/main" id="{B9B0AE3F-2350-435F-A9B0-C310BF876385}"/>
+                  <a16:creationId xmlns:a16="http://schemas.microsoft.com/office/drawing/2014/main" xmlns="" id="{B9B0AE3F-2350-435F-A9B0-C310BF876385}"/>
                 </a:ext>
                 <a:ext uri="{C183D7F6-B498-43B3-948B-1728B52AA6E4}">
-                  <adec:decorative xmlns:adec="http://schemas.microsoft.com/office/drawing/2017/decorative" val="1"/>
+                  <adec:decorative xmlns:adec="http://schemas.microsoft.com/office/drawing/2017/decorative" xmlns="" val="1"/>
                 </a:ext>
               </a:extLst>
             </p:cNvPr>
@@ -13375,7 +13375,7 @@
             <p:nvPr>
               <p:extLst>
                 <p:ext uri="{386F3935-93C4-4BCD-93E2-E3B085C9AB24}">
-                  <p16:designElem xmlns:p16="http://schemas.microsoft.com/office/powerpoint/2015/main" val="1"/>
+                  <p16:designElem xmlns:p16="http://schemas.microsoft.com/office/powerpoint/2015/main" xmlns="" val="1"/>
                 </p:ext>
               </p:extLst>
             </p:nvPr>
@@ -13442,10 +13442,10 @@
             <p:cNvPr id="18" name="Isosceles Triangle 17">
               <a:extLst>
                 <a:ext uri="{FF2B5EF4-FFF2-40B4-BE49-F238E27FC236}">
-                  <a16:creationId xmlns:a16="http://schemas.microsoft.com/office/drawing/2014/main" id="{4EFA655C-9E50-4C14-A89E-AD7B648E4E2B}"/>
+                  <a16:creationId xmlns:a16="http://schemas.microsoft.com/office/drawing/2014/main" xmlns="" id="{4EFA655C-9E50-4C14-A89E-AD7B648E4E2B}"/>
                 </a:ext>
                 <a:ext uri="{C183D7F6-B498-43B3-948B-1728B52AA6E4}">
-                  <adec:decorative xmlns:adec="http://schemas.microsoft.com/office/drawing/2017/decorative" val="1"/>
+                  <adec:decorative xmlns:adec="http://schemas.microsoft.com/office/drawing/2017/decorative" xmlns="" val="1"/>
                 </a:ext>
               </a:extLst>
             </p:cNvPr>
@@ -13453,7 +13453,7 @@
             <p:nvPr>
               <p:extLst>
                 <p:ext uri="{386F3935-93C4-4BCD-93E2-E3B085C9AB24}">
-                  <p16:designElem xmlns:p16="http://schemas.microsoft.com/office/powerpoint/2015/main" val="1"/>
+                  <p16:designElem xmlns:p16="http://schemas.microsoft.com/office/powerpoint/2015/main" xmlns="" val="1"/>
                 </p:ext>
               </p:extLst>
             </p:nvPr>
@@ -13498,10 +13498,10 @@
             <p:cNvPr id="19" name="Isosceles Triangle 18">
               <a:extLst>
                 <a:ext uri="{FF2B5EF4-FFF2-40B4-BE49-F238E27FC236}">
-                  <a16:creationId xmlns:a16="http://schemas.microsoft.com/office/drawing/2014/main" id="{3E843863-7D25-4C01-9A17-E817CB6D998A}"/>
+                  <a16:creationId xmlns:a16="http://schemas.microsoft.com/office/drawing/2014/main" xmlns="" id="{3E843863-7D25-4C01-9A17-E817CB6D998A}"/>
                 </a:ext>
                 <a:ext uri="{C183D7F6-B498-43B3-948B-1728B52AA6E4}">
-                  <adec:decorative xmlns:adec="http://schemas.microsoft.com/office/drawing/2017/decorative" val="1"/>
+                  <adec:decorative xmlns:adec="http://schemas.microsoft.com/office/drawing/2017/decorative" xmlns="" val="1"/>
                 </a:ext>
               </a:extLst>
             </p:cNvPr>
@@ -13509,7 +13509,7 @@
             <p:nvPr>
               <p:extLst>
                 <p:ext uri="{386F3935-93C4-4BCD-93E2-E3B085C9AB24}">
-                  <p16:designElem xmlns:p16="http://schemas.microsoft.com/office/powerpoint/2015/main" val="1"/>
+                  <p16:designElem xmlns:p16="http://schemas.microsoft.com/office/powerpoint/2015/main" xmlns="" val="1"/>
                 </p:ext>
               </p:extLst>
             </p:nvPr>
@@ -13555,10 +13555,10 @@
           <p:cNvPr id="21" name="Rectangle 20">
             <a:extLst>
               <a:ext uri="{FF2B5EF4-FFF2-40B4-BE49-F238E27FC236}">
-                <a16:creationId xmlns:a16="http://schemas.microsoft.com/office/drawing/2014/main" id="{7941F9B1-B01B-4A84-89D9-B169AEB4E456}"/>
+                <a16:creationId xmlns:a16="http://schemas.microsoft.com/office/drawing/2014/main" xmlns="" id="{7941F9B1-B01B-4A84-89D9-B169AEB4E456}"/>
               </a:ext>
               <a:ext uri="{C183D7F6-B498-43B3-948B-1728B52AA6E4}">
-                <adec:decorative xmlns:adec="http://schemas.microsoft.com/office/drawing/2017/decorative" val="1"/>
+                <adec:decorative xmlns:adec="http://schemas.microsoft.com/office/drawing/2017/decorative" xmlns="" val="1"/>
               </a:ext>
             </a:extLst>
           </p:cNvPr>
@@ -13568,7 +13568,7 @@
           <p:nvPr>
             <p:extLst>
               <p:ext uri="{386F3935-93C4-4BCD-93E2-E3B085C9AB24}">
-                <p16:designElem xmlns:p16="http://schemas.microsoft.com/office/powerpoint/2015/main" val="1"/>
+                <p16:designElem xmlns:p16="http://schemas.microsoft.com/office/powerpoint/2015/main" xmlns="" val="1"/>
               </p:ext>
             </p:extLst>
           </p:nvPr>
@@ -13625,7 +13625,7 @@
           <p:cNvPr id="3" name="Obraz 2">
             <a:extLst>
               <a:ext uri="{FF2B5EF4-FFF2-40B4-BE49-F238E27FC236}">
-                <a16:creationId xmlns:a16="http://schemas.microsoft.com/office/drawing/2014/main" id="{920661B1-0D90-4098-84B9-DA7A3B28F4AA}"/>
+                <a16:creationId xmlns:a16="http://schemas.microsoft.com/office/drawing/2014/main" xmlns="" id="{920661B1-0D90-4098-84B9-DA7A3B28F4AA}"/>
               </a:ext>
             </a:extLst>
           </p:cNvPr>
@@ -13691,7 +13691,7 @@
           <p:cNvPr id="3" name="Tytuł 1">
             <a:extLst>
               <a:ext uri="{FF2B5EF4-FFF2-40B4-BE49-F238E27FC236}">
-                <a16:creationId xmlns:a16="http://schemas.microsoft.com/office/drawing/2014/main" id="{F7260CC7-8EA1-463E-810B-715D9BBE495E}"/>
+                <a16:creationId xmlns:a16="http://schemas.microsoft.com/office/drawing/2014/main" xmlns="" id="{F7260CC7-8EA1-463E-810B-715D9BBE495E}"/>
               </a:ext>
             </a:extLst>
           </p:cNvPr>
@@ -13791,6 +13791,10 @@
                 <a:spcPts val="600"/>
               </a:spcAft>
             </a:pPr>
+            <a:r>
+              <a:rPr lang="en-US" sz="5400" b="1" dirty="0"/>
+              <a:t/>
+            </a:r>
             <a:br>
               <a:rPr lang="en-US" sz="5400" b="1" dirty="0"/>
             </a:br>
@@ -13803,7 +13807,7 @@
           <p:cNvPr id="4" name="Tytuł 1">
             <a:extLst>
               <a:ext uri="{FF2B5EF4-FFF2-40B4-BE49-F238E27FC236}">
-                <a16:creationId xmlns:a16="http://schemas.microsoft.com/office/drawing/2014/main" id="{F65AB8D5-6A8D-462A-80A7-0F01588F9FE7}"/>
+                <a16:creationId xmlns:a16="http://schemas.microsoft.com/office/drawing/2014/main" xmlns="" id="{F65AB8D5-6A8D-462A-80A7-0F01588F9FE7}"/>
               </a:ext>
             </a:extLst>
           </p:cNvPr>
@@ -14065,10 +14069,10 @@
           <p:cNvPr id="30" name="Rectangle 29">
             <a:extLst>
               <a:ext uri="{FF2B5EF4-FFF2-40B4-BE49-F238E27FC236}">
-                <a16:creationId xmlns:a16="http://schemas.microsoft.com/office/drawing/2014/main" id="{7459C506-5F4B-4B75-9218-C7C3F87FA8D3}"/>
+                <a16:creationId xmlns:a16="http://schemas.microsoft.com/office/drawing/2014/main" xmlns="" id="{7459C506-5F4B-4B75-9218-C7C3F87FA8D3}"/>
               </a:ext>
               <a:ext uri="{C183D7F6-B498-43B3-948B-1728B52AA6E4}">
-                <adec:decorative xmlns:adec="http://schemas.microsoft.com/office/drawing/2017/decorative" val="1"/>
+                <adec:decorative xmlns:adec="http://schemas.microsoft.com/office/drawing/2017/decorative" xmlns="" val="1"/>
               </a:ext>
             </a:extLst>
           </p:cNvPr>
@@ -14078,7 +14082,7 @@
           <p:nvPr>
             <p:extLst>
               <p:ext uri="{386F3935-93C4-4BCD-93E2-E3B085C9AB24}">
-                <p16:designElem xmlns:p16="http://schemas.microsoft.com/office/powerpoint/2015/main" val="1"/>
+                <p16:designElem xmlns:p16="http://schemas.microsoft.com/office/powerpoint/2015/main" xmlns="" val="1"/>
               </p:ext>
             </p:extLst>
           </p:nvPr>
@@ -14125,10 +14129,10 @@
           <p:cNvPr id="32" name="Group 31">
             <a:extLst>
               <a:ext uri="{FF2B5EF4-FFF2-40B4-BE49-F238E27FC236}">
-                <a16:creationId xmlns:a16="http://schemas.microsoft.com/office/drawing/2014/main" id="{BC659EEB-C3AE-4544-8263-417009DCDF41}"/>
+                <a16:creationId xmlns:a16="http://schemas.microsoft.com/office/drawing/2014/main" xmlns="" id="{BC659EEB-C3AE-4544-8263-417009DCDF41}"/>
               </a:ext>
               <a:ext uri="{C183D7F6-B498-43B3-948B-1728B52AA6E4}">
-                <adec:decorative xmlns:adec="http://schemas.microsoft.com/office/drawing/2017/decorative" val="1"/>
+                <adec:decorative xmlns:adec="http://schemas.microsoft.com/office/drawing/2017/decorative" xmlns="" val="1"/>
               </a:ext>
             </a:extLst>
           </p:cNvPr>
@@ -14138,7 +14142,7 @@
           <p:nvPr>
             <p:extLst>
               <p:ext uri="{386F3935-93C4-4BCD-93E2-E3B085C9AB24}">
-                <p16:designElem xmlns:p16="http://schemas.microsoft.com/office/powerpoint/2015/main" val="1"/>
+                <p16:designElem xmlns:p16="http://schemas.microsoft.com/office/powerpoint/2015/main" xmlns="" val="1"/>
               </p:ext>
             </p:extLst>
           </p:nvPr>
@@ -14156,10 +14160,10 @@
             <p:cNvPr id="33" name="Straight Connector 32">
               <a:extLst>
                 <a:ext uri="{FF2B5EF4-FFF2-40B4-BE49-F238E27FC236}">
-                  <a16:creationId xmlns:a16="http://schemas.microsoft.com/office/drawing/2014/main" id="{D99DB6C6-36F9-4576-A558-95153EADBE41}"/>
+                  <a16:creationId xmlns:a16="http://schemas.microsoft.com/office/drawing/2014/main" xmlns="" id="{D99DB6C6-36F9-4576-A558-95153EADBE41}"/>
                 </a:ext>
                 <a:ext uri="{C183D7F6-B498-43B3-948B-1728B52AA6E4}">
-                  <adec:decorative xmlns:adec="http://schemas.microsoft.com/office/drawing/2017/decorative" val="1"/>
+                  <adec:decorative xmlns:adec="http://schemas.microsoft.com/office/drawing/2017/decorative" xmlns="" val="1"/>
                 </a:ext>
               </a:extLst>
             </p:cNvPr>
@@ -14167,7 +14171,7 @@
             <p:nvPr>
               <p:extLst>
                 <p:ext uri="{386F3935-93C4-4BCD-93E2-E3B085C9AB24}">
-                  <p16:designElem xmlns:p16="http://schemas.microsoft.com/office/powerpoint/2015/main" val="1"/>
+                  <p16:designElem xmlns:p16="http://schemas.microsoft.com/office/powerpoint/2015/main" xmlns="" val="1"/>
                 </p:ext>
               </p:extLst>
             </p:nvPr>
@@ -14208,10 +14212,10 @@
             <p:cNvPr id="34" name="Rectangle 23">
               <a:extLst>
                 <a:ext uri="{FF2B5EF4-FFF2-40B4-BE49-F238E27FC236}">
-                  <a16:creationId xmlns:a16="http://schemas.microsoft.com/office/drawing/2014/main" id="{694E7916-EDE4-4B50-A4A1-6B28FDD4D9B9}"/>
+                  <a16:creationId xmlns:a16="http://schemas.microsoft.com/office/drawing/2014/main" xmlns="" id="{694E7916-EDE4-4B50-A4A1-6B28FDD4D9B9}"/>
                 </a:ext>
                 <a:ext uri="{C183D7F6-B498-43B3-948B-1728B52AA6E4}">
-                  <adec:decorative xmlns:adec="http://schemas.microsoft.com/office/drawing/2017/decorative" val="1"/>
+                  <adec:decorative xmlns:adec="http://schemas.microsoft.com/office/drawing/2017/decorative" xmlns="" val="1"/>
                 </a:ext>
               </a:extLst>
             </p:cNvPr>
@@ -14219,7 +14223,7 @@
             <p:nvPr>
               <p:extLst>
                 <p:ext uri="{386F3935-93C4-4BCD-93E2-E3B085C9AB24}">
-                  <p16:designElem xmlns:p16="http://schemas.microsoft.com/office/powerpoint/2015/main" val="1"/>
+                  <p16:designElem xmlns:p16="http://schemas.microsoft.com/office/powerpoint/2015/main" xmlns="" val="1"/>
                 </p:ext>
               </p:extLst>
             </p:nvPr>
@@ -14286,10 +14290,10 @@
             <p:cNvPr id="35" name="Rectangle 25">
               <a:extLst>
                 <a:ext uri="{FF2B5EF4-FFF2-40B4-BE49-F238E27FC236}">
-                  <a16:creationId xmlns:a16="http://schemas.microsoft.com/office/drawing/2014/main" id="{6F6CB7BB-4370-4173-97F8-F636C0F149F1}"/>
+                  <a16:creationId xmlns:a16="http://schemas.microsoft.com/office/drawing/2014/main" xmlns="" id="{6F6CB7BB-4370-4173-97F8-F636C0F149F1}"/>
                 </a:ext>
                 <a:ext uri="{C183D7F6-B498-43B3-948B-1728B52AA6E4}">
-                  <adec:decorative xmlns:adec="http://schemas.microsoft.com/office/drawing/2017/decorative" val="1"/>
+                  <adec:decorative xmlns:adec="http://schemas.microsoft.com/office/drawing/2017/decorative" xmlns="" val="1"/>
                 </a:ext>
               </a:extLst>
             </p:cNvPr>
@@ -14297,7 +14301,7 @@
             <p:nvPr>
               <p:extLst>
                 <p:ext uri="{386F3935-93C4-4BCD-93E2-E3B085C9AB24}">
-                  <p16:designElem xmlns:p16="http://schemas.microsoft.com/office/powerpoint/2015/main" val="1"/>
+                  <p16:designElem xmlns:p16="http://schemas.microsoft.com/office/powerpoint/2015/main" xmlns="" val="1"/>
                 </p:ext>
               </p:extLst>
             </p:nvPr>
@@ -14364,10 +14368,10 @@
             <p:cNvPr id="36" name="Isosceles Triangle 35">
               <a:extLst>
                 <a:ext uri="{FF2B5EF4-FFF2-40B4-BE49-F238E27FC236}">
-                  <a16:creationId xmlns:a16="http://schemas.microsoft.com/office/drawing/2014/main" id="{B0F590BB-1F51-4138-A2D4-2E483C84FB07}"/>
+                  <a16:creationId xmlns:a16="http://schemas.microsoft.com/office/drawing/2014/main" xmlns="" id="{B0F590BB-1F51-4138-A2D4-2E483C84FB07}"/>
                 </a:ext>
                 <a:ext uri="{C183D7F6-B498-43B3-948B-1728B52AA6E4}">
-                  <adec:decorative xmlns:adec="http://schemas.microsoft.com/office/drawing/2017/decorative" val="1"/>
+                  <adec:decorative xmlns:adec="http://schemas.microsoft.com/office/drawing/2017/decorative" xmlns="" val="1"/>
                 </a:ext>
               </a:extLst>
             </p:cNvPr>
@@ -14375,7 +14379,7 @@
             <p:nvPr>
               <p:extLst>
                 <p:ext uri="{386F3935-93C4-4BCD-93E2-E3B085C9AB24}">
-                  <p16:designElem xmlns:p16="http://schemas.microsoft.com/office/powerpoint/2015/main" val="1"/>
+                  <p16:designElem xmlns:p16="http://schemas.microsoft.com/office/powerpoint/2015/main" xmlns="" val="1"/>
                 </p:ext>
               </p:extLst>
             </p:nvPr>
@@ -14420,10 +14424,10 @@
             <p:cNvPr id="37" name="Rectangle 27">
               <a:extLst>
                 <a:ext uri="{FF2B5EF4-FFF2-40B4-BE49-F238E27FC236}">
-                  <a16:creationId xmlns:a16="http://schemas.microsoft.com/office/drawing/2014/main" id="{4A492863-9797-45A2-BAB3-514F10C5F254}"/>
+                  <a16:creationId xmlns:a16="http://schemas.microsoft.com/office/drawing/2014/main" xmlns="" id="{4A492863-9797-45A2-BAB3-514F10C5F254}"/>
                 </a:ext>
                 <a:ext uri="{C183D7F6-B498-43B3-948B-1728B52AA6E4}">
-                  <adec:decorative xmlns:adec="http://schemas.microsoft.com/office/drawing/2017/decorative" val="1"/>
+                  <adec:decorative xmlns:adec="http://schemas.microsoft.com/office/drawing/2017/decorative" xmlns="" val="1"/>
                 </a:ext>
               </a:extLst>
             </p:cNvPr>
@@ -14431,7 +14435,7 @@
             <p:nvPr>
               <p:extLst>
                 <p:ext uri="{386F3935-93C4-4BCD-93E2-E3B085C9AB24}">
-                  <p16:designElem xmlns:p16="http://schemas.microsoft.com/office/powerpoint/2015/main" val="1"/>
+                  <p16:designElem xmlns:p16="http://schemas.microsoft.com/office/powerpoint/2015/main" xmlns="" val="1"/>
                 </p:ext>
               </p:extLst>
             </p:nvPr>
@@ -14499,10 +14503,10 @@
             <p:cNvPr id="38" name="Rectangle 28">
               <a:extLst>
                 <a:ext uri="{FF2B5EF4-FFF2-40B4-BE49-F238E27FC236}">
-                  <a16:creationId xmlns:a16="http://schemas.microsoft.com/office/drawing/2014/main" id="{7C1E33F6-6D0F-4ECF-92F4-6F71D8BAF3D9}"/>
+                  <a16:creationId xmlns:a16="http://schemas.microsoft.com/office/drawing/2014/main" xmlns="" id="{7C1E33F6-6D0F-4ECF-92F4-6F71D8BAF3D9}"/>
                 </a:ext>
                 <a:ext uri="{C183D7F6-B498-43B3-948B-1728B52AA6E4}">
-                  <adec:decorative xmlns:adec="http://schemas.microsoft.com/office/drawing/2017/decorative" val="1"/>
+                  <adec:decorative xmlns:adec="http://schemas.microsoft.com/office/drawing/2017/decorative" xmlns="" val="1"/>
                 </a:ext>
               </a:extLst>
             </p:cNvPr>
@@ -14510,7 +14514,7 @@
             <p:nvPr>
               <p:extLst>
                 <p:ext uri="{386F3935-93C4-4BCD-93E2-E3B085C9AB24}">
-                  <p16:designElem xmlns:p16="http://schemas.microsoft.com/office/powerpoint/2015/main" val="1"/>
+                  <p16:designElem xmlns:p16="http://schemas.microsoft.com/office/powerpoint/2015/main" xmlns="" val="1"/>
                 </p:ext>
               </p:extLst>
             </p:nvPr>
@@ -14579,10 +14583,10 @@
             <p:cNvPr id="39" name="Rectangle 29">
               <a:extLst>
                 <a:ext uri="{FF2B5EF4-FFF2-40B4-BE49-F238E27FC236}">
-                  <a16:creationId xmlns:a16="http://schemas.microsoft.com/office/drawing/2014/main" id="{73EEEA64-7411-474B-BD0E-60C24B3F4E56}"/>
+                  <a16:creationId xmlns:a16="http://schemas.microsoft.com/office/drawing/2014/main" xmlns="" id="{73EEEA64-7411-474B-BD0E-60C24B3F4E56}"/>
                 </a:ext>
                 <a:ext uri="{C183D7F6-B498-43B3-948B-1728B52AA6E4}">
-                  <adec:decorative xmlns:adec="http://schemas.microsoft.com/office/drawing/2017/decorative" val="1"/>
+                  <adec:decorative xmlns:adec="http://schemas.microsoft.com/office/drawing/2017/decorative" xmlns="" val="1"/>
                 </a:ext>
               </a:extLst>
             </p:cNvPr>
@@ -14590,7 +14594,7 @@
             <p:nvPr>
               <p:extLst>
                 <p:ext uri="{386F3935-93C4-4BCD-93E2-E3B085C9AB24}">
-                  <p16:designElem xmlns:p16="http://schemas.microsoft.com/office/powerpoint/2015/main" val="1"/>
+                  <p16:designElem xmlns:p16="http://schemas.microsoft.com/office/powerpoint/2015/main" xmlns="" val="1"/>
                 </p:ext>
               </p:extLst>
             </p:nvPr>
@@ -14657,10 +14661,10 @@
             <p:cNvPr id="40" name="Isosceles Triangle 39">
               <a:extLst>
                 <a:ext uri="{FF2B5EF4-FFF2-40B4-BE49-F238E27FC236}">
-                  <a16:creationId xmlns:a16="http://schemas.microsoft.com/office/drawing/2014/main" id="{4F82A6DD-92BB-4443-B5A5-05240DD5580E}"/>
+                  <a16:creationId xmlns:a16="http://schemas.microsoft.com/office/drawing/2014/main" xmlns="" id="{4F82A6DD-92BB-4443-B5A5-05240DD5580E}"/>
                 </a:ext>
                 <a:ext uri="{C183D7F6-B498-43B3-948B-1728B52AA6E4}">
-                  <adec:decorative xmlns:adec="http://schemas.microsoft.com/office/drawing/2017/decorative" val="1"/>
+                  <adec:decorative xmlns:adec="http://schemas.microsoft.com/office/drawing/2017/decorative" xmlns="" val="1"/>
                 </a:ext>
               </a:extLst>
             </p:cNvPr>
@@ -14668,7 +14672,7 @@
             <p:nvPr>
               <p:extLst>
                 <p:ext uri="{386F3935-93C4-4BCD-93E2-E3B085C9AB24}">
-                  <p16:designElem xmlns:p16="http://schemas.microsoft.com/office/powerpoint/2015/main" val="1"/>
+                  <p16:designElem xmlns:p16="http://schemas.microsoft.com/office/powerpoint/2015/main" xmlns="" val="1"/>
                 </p:ext>
               </p:extLst>
             </p:nvPr>
@@ -14713,10 +14717,10 @@
             <p:cNvPr id="41" name="Isosceles Triangle 40">
               <a:extLst>
                 <a:ext uri="{FF2B5EF4-FFF2-40B4-BE49-F238E27FC236}">
-                  <a16:creationId xmlns:a16="http://schemas.microsoft.com/office/drawing/2014/main" id="{79832BCB-1DCF-46AC-9FFA-170791668D8C}"/>
+                  <a16:creationId xmlns:a16="http://schemas.microsoft.com/office/drawing/2014/main" xmlns="" id="{79832BCB-1DCF-46AC-9FFA-170791668D8C}"/>
                 </a:ext>
                 <a:ext uri="{C183D7F6-B498-43B3-948B-1728B52AA6E4}">
-                  <adec:decorative xmlns:adec="http://schemas.microsoft.com/office/drawing/2017/decorative" val="1"/>
+                  <adec:decorative xmlns:adec="http://schemas.microsoft.com/office/drawing/2017/decorative" xmlns="" val="1"/>
                 </a:ext>
               </a:extLst>
             </p:cNvPr>
@@ -14724,7 +14728,7 @@
             <p:nvPr>
               <p:extLst>
                 <p:ext uri="{386F3935-93C4-4BCD-93E2-E3B085C9AB24}">
-                  <p16:designElem xmlns:p16="http://schemas.microsoft.com/office/powerpoint/2015/main" val="1"/>
+                  <p16:designElem xmlns:p16="http://schemas.microsoft.com/office/powerpoint/2015/main" xmlns="" val="1"/>
                 </p:ext>
               </p:extLst>
             </p:nvPr>
@@ -14770,10 +14774,10 @@
           <p:cNvPr id="43" name="Rectangle 42">
             <a:extLst>
               <a:ext uri="{FF2B5EF4-FFF2-40B4-BE49-F238E27FC236}">
-                <a16:creationId xmlns:a16="http://schemas.microsoft.com/office/drawing/2014/main" id="{4E74DA95-CD7A-4D5E-9D27-67A759CE708D}"/>
+                <a16:creationId xmlns:a16="http://schemas.microsoft.com/office/drawing/2014/main" xmlns="" id="{4E74DA95-CD7A-4D5E-9D27-67A759CE708D}"/>
               </a:ext>
               <a:ext uri="{C183D7F6-B498-43B3-948B-1728B52AA6E4}">
-                <adec:decorative xmlns:adec="http://schemas.microsoft.com/office/drawing/2017/decorative" val="1"/>
+                <adec:decorative xmlns:adec="http://schemas.microsoft.com/office/drawing/2017/decorative" xmlns="" val="1"/>
               </a:ext>
             </a:extLst>
           </p:cNvPr>
@@ -14783,7 +14787,7 @@
           <p:nvPr>
             <p:extLst>
               <p:ext uri="{386F3935-93C4-4BCD-93E2-E3B085C9AB24}">
-                <p16:designElem xmlns:p16="http://schemas.microsoft.com/office/powerpoint/2015/main" val="1"/>
+                <p16:designElem xmlns:p16="http://schemas.microsoft.com/office/powerpoint/2015/main" xmlns="" val="1"/>
               </p:ext>
             </p:extLst>
           </p:nvPr>
@@ -14832,7 +14836,7 @@
           <p:cNvPr id="2" name="slide9">
             <a:extLst>
               <a:ext uri="{FF2B5EF4-FFF2-40B4-BE49-F238E27FC236}">
-                <a16:creationId xmlns:a16="http://schemas.microsoft.com/office/drawing/2014/main" id="{B1B15371-67D2-4221-AEE5-0CD2CEE4040E}"/>
+                <a16:creationId xmlns:a16="http://schemas.microsoft.com/office/drawing/2014/main" xmlns="" id="{B1B15371-67D2-4221-AEE5-0CD2CEE4040E}"/>
               </a:ext>
             </a:extLst>
           </p:cNvPr>
@@ -14868,10 +14872,10 @@
           <p:cNvPr id="45" name="Straight Connector 44">
             <a:extLst>
               <a:ext uri="{FF2B5EF4-FFF2-40B4-BE49-F238E27FC236}">
-                <a16:creationId xmlns:a16="http://schemas.microsoft.com/office/drawing/2014/main" id="{14AA3B5C-0C55-4FFF-9C45-8F9F7C074A4E}"/>
+                <a16:creationId xmlns:a16="http://schemas.microsoft.com/office/drawing/2014/main" xmlns="" id="{14AA3B5C-0C55-4FFF-9C45-8F9F7C074A4E}"/>
               </a:ext>
               <a:ext uri="{C183D7F6-B498-43B3-948B-1728B52AA6E4}">
-                <adec:decorative xmlns:adec="http://schemas.microsoft.com/office/drawing/2017/decorative" val="1"/>
+                <adec:decorative xmlns:adec="http://schemas.microsoft.com/office/drawing/2017/decorative" xmlns="" val="1"/>
               </a:ext>
             </a:extLst>
           </p:cNvPr>
@@ -14881,7 +14885,7 @@
           <p:nvPr>
             <p:extLst>
               <p:ext uri="{386F3935-93C4-4BCD-93E2-E3B085C9AB24}">
-                <p16:designElem xmlns:p16="http://schemas.microsoft.com/office/powerpoint/2015/main" val="1"/>
+                <p16:designElem xmlns:p16="http://schemas.microsoft.com/office/powerpoint/2015/main" xmlns="" val="1"/>
               </p:ext>
             </p:extLst>
           </p:nvPr>
@@ -14915,7 +14919,7 @@
           <p:cNvPr id="3" name="slide10">
             <a:extLst>
               <a:ext uri="{FF2B5EF4-FFF2-40B4-BE49-F238E27FC236}">
-                <a16:creationId xmlns:a16="http://schemas.microsoft.com/office/drawing/2014/main" id="{F045544C-9DD1-4338-B4A7-CA589E7A5973}"/>
+                <a16:creationId xmlns:a16="http://schemas.microsoft.com/office/drawing/2014/main" xmlns="" id="{F045544C-9DD1-4338-B4A7-CA589E7A5973}"/>
               </a:ext>
             </a:extLst>
           </p:cNvPr>
@@ -14989,10 +14993,10 @@
           <p:cNvPr id="8" name="Group 7">
             <a:extLst>
               <a:ext uri="{FF2B5EF4-FFF2-40B4-BE49-F238E27FC236}">
-                <a16:creationId xmlns:a16="http://schemas.microsoft.com/office/drawing/2014/main" id="{28460BD8-AE3F-4AC9-9D0B-717052AA5D3A}"/>
+                <a16:creationId xmlns:a16="http://schemas.microsoft.com/office/drawing/2014/main" xmlns="" id="{28460BD8-AE3F-4AC9-9D0B-717052AA5D3A}"/>
               </a:ext>
               <a:ext uri="{C183D7F6-B498-43B3-948B-1728B52AA6E4}">
-                <adec:decorative xmlns:adec="http://schemas.microsoft.com/office/drawing/2017/decorative" val="1"/>
+                <adec:decorative xmlns:adec="http://schemas.microsoft.com/office/drawing/2017/decorative" xmlns="" val="1"/>
               </a:ext>
             </a:extLst>
           </p:cNvPr>
@@ -15002,7 +15006,7 @@
           <p:nvPr>
             <p:extLst>
               <p:ext uri="{386F3935-93C4-4BCD-93E2-E3B085C9AB24}">
-                <p16:designElem xmlns:p16="http://schemas.microsoft.com/office/powerpoint/2015/main" val="1"/>
+                <p16:designElem xmlns:p16="http://schemas.microsoft.com/office/powerpoint/2015/main" xmlns="" val="1"/>
               </p:ext>
             </p:extLst>
           </p:nvPr>
@@ -15020,10 +15024,10 @@
             <p:cNvPr id="9" name="Straight Connector 8">
               <a:extLst>
                 <a:ext uri="{FF2B5EF4-FFF2-40B4-BE49-F238E27FC236}">
-                  <a16:creationId xmlns:a16="http://schemas.microsoft.com/office/drawing/2014/main" id="{54420CFE-F482-466E-9E1E-C78513C0B85D}"/>
+                  <a16:creationId xmlns:a16="http://schemas.microsoft.com/office/drawing/2014/main" xmlns="" id="{54420CFE-F482-466E-9E1E-C78513C0B85D}"/>
                 </a:ext>
                 <a:ext uri="{C183D7F6-B498-43B3-948B-1728B52AA6E4}">
-                  <adec:decorative xmlns:adec="http://schemas.microsoft.com/office/drawing/2017/decorative" val="1"/>
+                  <adec:decorative xmlns:adec="http://schemas.microsoft.com/office/drawing/2017/decorative" xmlns="" val="1"/>
                 </a:ext>
               </a:extLst>
             </p:cNvPr>
@@ -15031,7 +15035,7 @@
             <p:nvPr>
               <p:extLst>
                 <p:ext uri="{386F3935-93C4-4BCD-93E2-E3B085C9AB24}">
-                  <p16:designElem xmlns:p16="http://schemas.microsoft.com/office/powerpoint/2015/main" val="1"/>
+                  <p16:designElem xmlns:p16="http://schemas.microsoft.com/office/powerpoint/2015/main" xmlns="" val="1"/>
                 </p:ext>
               </p:extLst>
             </p:nvPr>
@@ -15072,10 +15076,10 @@
             <p:cNvPr id="10" name="Straight Connector 9">
               <a:extLst>
                 <a:ext uri="{FF2B5EF4-FFF2-40B4-BE49-F238E27FC236}">
-                  <a16:creationId xmlns:a16="http://schemas.microsoft.com/office/drawing/2014/main" id="{5331032B-BD21-4BDA-920C-12E358052567}"/>
+                  <a16:creationId xmlns:a16="http://schemas.microsoft.com/office/drawing/2014/main" xmlns="" id="{5331032B-BD21-4BDA-920C-12E358052567}"/>
                 </a:ext>
                 <a:ext uri="{C183D7F6-B498-43B3-948B-1728B52AA6E4}">
-                  <adec:decorative xmlns:adec="http://schemas.microsoft.com/office/drawing/2017/decorative" val="1"/>
+                  <adec:decorative xmlns:adec="http://schemas.microsoft.com/office/drawing/2017/decorative" xmlns="" val="1"/>
                 </a:ext>
               </a:extLst>
             </p:cNvPr>
@@ -15083,7 +15087,7 @@
             <p:nvPr>
               <p:extLst>
                 <p:ext uri="{386F3935-93C4-4BCD-93E2-E3B085C9AB24}">
-                  <p16:designElem xmlns:p16="http://schemas.microsoft.com/office/powerpoint/2015/main" val="1"/>
+                  <p16:designElem xmlns:p16="http://schemas.microsoft.com/office/powerpoint/2015/main" xmlns="" val="1"/>
                 </p:ext>
               </p:extLst>
             </p:nvPr>
@@ -15124,10 +15128,10 @@
             <p:cNvPr id="11" name="Rectangle 23">
               <a:extLst>
                 <a:ext uri="{FF2B5EF4-FFF2-40B4-BE49-F238E27FC236}">
-                  <a16:creationId xmlns:a16="http://schemas.microsoft.com/office/drawing/2014/main" id="{E7514DA3-59E7-409E-8A3B-AD097F6E5644}"/>
+                  <a16:creationId xmlns:a16="http://schemas.microsoft.com/office/drawing/2014/main" xmlns="" id="{E7514DA3-59E7-409E-8A3B-AD097F6E5644}"/>
                 </a:ext>
                 <a:ext uri="{C183D7F6-B498-43B3-948B-1728B52AA6E4}">
-                  <adec:decorative xmlns:adec="http://schemas.microsoft.com/office/drawing/2017/decorative" val="1"/>
+                  <adec:decorative xmlns:adec="http://schemas.microsoft.com/office/drawing/2017/decorative" xmlns="" val="1"/>
                 </a:ext>
               </a:extLst>
             </p:cNvPr>
@@ -15135,7 +15139,7 @@
             <p:nvPr>
               <p:extLst>
                 <p:ext uri="{386F3935-93C4-4BCD-93E2-E3B085C9AB24}">
-                  <p16:designElem xmlns:p16="http://schemas.microsoft.com/office/powerpoint/2015/main" val="1"/>
+                  <p16:designElem xmlns:p16="http://schemas.microsoft.com/office/powerpoint/2015/main" xmlns="" val="1"/>
                 </p:ext>
               </p:extLst>
             </p:nvPr>
@@ -15202,10 +15206,10 @@
             <p:cNvPr id="12" name="Rectangle 25">
               <a:extLst>
                 <a:ext uri="{FF2B5EF4-FFF2-40B4-BE49-F238E27FC236}">
-                  <a16:creationId xmlns:a16="http://schemas.microsoft.com/office/drawing/2014/main" id="{57B9A2A6-3BE4-4599-9364-F71C5BFD61F8}"/>
+                  <a16:creationId xmlns:a16="http://schemas.microsoft.com/office/drawing/2014/main" xmlns="" id="{57B9A2A6-3BE4-4599-9364-F71C5BFD61F8}"/>
                 </a:ext>
                 <a:ext uri="{C183D7F6-B498-43B3-948B-1728B52AA6E4}">
-                  <adec:decorative xmlns:adec="http://schemas.microsoft.com/office/drawing/2017/decorative" val="1"/>
+                  <adec:decorative xmlns:adec="http://schemas.microsoft.com/office/drawing/2017/decorative" xmlns="" val="1"/>
                 </a:ext>
               </a:extLst>
             </p:cNvPr>
@@ -15213,7 +15217,7 @@
             <p:nvPr>
               <p:extLst>
                 <p:ext uri="{386F3935-93C4-4BCD-93E2-E3B085C9AB24}">
-                  <p16:designElem xmlns:p16="http://schemas.microsoft.com/office/powerpoint/2015/main" val="1"/>
+                  <p16:designElem xmlns:p16="http://schemas.microsoft.com/office/powerpoint/2015/main" xmlns="" val="1"/>
                 </p:ext>
               </p:extLst>
             </p:nvPr>
@@ -15280,10 +15284,10 @@
             <p:cNvPr id="13" name="Isosceles Triangle 12">
               <a:extLst>
                 <a:ext uri="{FF2B5EF4-FFF2-40B4-BE49-F238E27FC236}">
-                  <a16:creationId xmlns:a16="http://schemas.microsoft.com/office/drawing/2014/main" id="{4FD744C6-4ED8-4BC9-BF68-6BDF701C5DB4}"/>
+                  <a16:creationId xmlns:a16="http://schemas.microsoft.com/office/drawing/2014/main" xmlns="" id="{4FD744C6-4ED8-4BC9-BF68-6BDF701C5DB4}"/>
                 </a:ext>
                 <a:ext uri="{C183D7F6-B498-43B3-948B-1728B52AA6E4}">
-                  <adec:decorative xmlns:adec="http://schemas.microsoft.com/office/drawing/2017/decorative" val="1"/>
+                  <adec:decorative xmlns:adec="http://schemas.microsoft.com/office/drawing/2017/decorative" xmlns="" val="1"/>
                 </a:ext>
               </a:extLst>
             </p:cNvPr>
@@ -15291,7 +15295,7 @@
             <p:nvPr>
               <p:extLst>
                 <p:ext uri="{386F3935-93C4-4BCD-93E2-E3B085C9AB24}">
-                  <p16:designElem xmlns:p16="http://schemas.microsoft.com/office/powerpoint/2015/main" val="1"/>
+                  <p16:designElem xmlns:p16="http://schemas.microsoft.com/office/powerpoint/2015/main" xmlns="" val="1"/>
                 </p:ext>
               </p:extLst>
             </p:nvPr>
@@ -15336,10 +15340,10 @@
             <p:cNvPr id="14" name="Rectangle 27">
               <a:extLst>
                 <a:ext uri="{FF2B5EF4-FFF2-40B4-BE49-F238E27FC236}">
-                  <a16:creationId xmlns:a16="http://schemas.microsoft.com/office/drawing/2014/main" id="{092C5BAD-C911-4F8F-A1C5-470268BE668B}"/>
+                  <a16:creationId xmlns:a16="http://schemas.microsoft.com/office/drawing/2014/main" xmlns="" id="{092C5BAD-C911-4F8F-A1C5-470268BE668B}"/>
                 </a:ext>
                 <a:ext uri="{C183D7F6-B498-43B3-948B-1728B52AA6E4}">
-                  <adec:decorative xmlns:adec="http://schemas.microsoft.com/office/drawing/2017/decorative" val="1"/>
+                  <adec:decorative xmlns:adec="http://schemas.microsoft.com/office/drawing/2017/decorative" xmlns="" val="1"/>
                 </a:ext>
               </a:extLst>
             </p:cNvPr>
@@ -15347,7 +15351,7 @@
             <p:nvPr>
               <p:extLst>
                 <p:ext uri="{386F3935-93C4-4BCD-93E2-E3B085C9AB24}">
-                  <p16:designElem xmlns:p16="http://schemas.microsoft.com/office/powerpoint/2015/main" val="1"/>
+                  <p16:designElem xmlns:p16="http://schemas.microsoft.com/office/powerpoint/2015/main" xmlns="" val="1"/>
                 </p:ext>
               </p:extLst>
             </p:nvPr>
@@ -15415,10 +15419,10 @@
             <p:cNvPr id="15" name="Rectangle 28">
               <a:extLst>
                 <a:ext uri="{FF2B5EF4-FFF2-40B4-BE49-F238E27FC236}">
-                  <a16:creationId xmlns:a16="http://schemas.microsoft.com/office/drawing/2014/main" id="{B133D0C8-4EC4-424F-8E70-0482D5B1B653}"/>
+                  <a16:creationId xmlns:a16="http://schemas.microsoft.com/office/drawing/2014/main" xmlns="" id="{B133D0C8-4EC4-424F-8E70-0482D5B1B653}"/>
                 </a:ext>
                 <a:ext uri="{C183D7F6-B498-43B3-948B-1728B52AA6E4}">
-                  <adec:decorative xmlns:adec="http://schemas.microsoft.com/office/drawing/2017/decorative" val="1"/>
+                  <adec:decorative xmlns:adec="http://schemas.microsoft.com/office/drawing/2017/decorative" xmlns="" val="1"/>
                 </a:ext>
               </a:extLst>
             </p:cNvPr>
@@ -15426,7 +15430,7 @@
             <p:nvPr>
               <p:extLst>
                 <p:ext uri="{386F3935-93C4-4BCD-93E2-E3B085C9AB24}">
-                  <p16:designElem xmlns:p16="http://schemas.microsoft.com/office/powerpoint/2015/main" val="1"/>
+                  <p16:designElem xmlns:p16="http://schemas.microsoft.com/office/powerpoint/2015/main" xmlns="" val="1"/>
                 </p:ext>
               </p:extLst>
             </p:nvPr>
@@ -15495,10 +15499,10 @@
             <p:cNvPr id="16" name="Rectangle 29">
               <a:extLst>
                 <a:ext uri="{FF2B5EF4-FFF2-40B4-BE49-F238E27FC236}">
-                  <a16:creationId xmlns:a16="http://schemas.microsoft.com/office/drawing/2014/main" id="{7B1532A0-F4B3-4DE8-B18F-740CAAD25AC4}"/>
+                  <a16:creationId xmlns:a16="http://schemas.microsoft.com/office/drawing/2014/main" xmlns="" id="{7B1532A0-F4B3-4DE8-B18F-740CAAD25AC4}"/>
                 </a:ext>
                 <a:ext uri="{C183D7F6-B498-43B3-948B-1728B52AA6E4}">
-                  <adec:decorative xmlns:adec="http://schemas.microsoft.com/office/drawing/2017/decorative" val="1"/>
+                  <adec:decorative xmlns:adec="http://schemas.microsoft.com/office/drawing/2017/decorative" xmlns="" val="1"/>
                 </a:ext>
               </a:extLst>
             </p:cNvPr>
@@ -15506,7 +15510,7 @@
             <p:nvPr>
               <p:extLst>
                 <p:ext uri="{386F3935-93C4-4BCD-93E2-E3B085C9AB24}">
-                  <p16:designElem xmlns:p16="http://schemas.microsoft.com/office/powerpoint/2015/main" val="1"/>
+                  <p16:designElem xmlns:p16="http://schemas.microsoft.com/office/powerpoint/2015/main" xmlns="" val="1"/>
                 </p:ext>
               </p:extLst>
             </p:nvPr>
@@ -15573,10 +15577,10 @@
             <p:cNvPr id="17" name="Isosceles Triangle 16">
               <a:extLst>
                 <a:ext uri="{FF2B5EF4-FFF2-40B4-BE49-F238E27FC236}">
-                  <a16:creationId xmlns:a16="http://schemas.microsoft.com/office/drawing/2014/main" id="{8EFDD162-BBBA-4062-8BBF-53DBA1091374}"/>
+                  <a16:creationId xmlns:a16="http://schemas.microsoft.com/office/drawing/2014/main" xmlns="" id="{8EFDD162-BBBA-4062-8BBF-53DBA1091374}"/>
                 </a:ext>
                 <a:ext uri="{C183D7F6-B498-43B3-948B-1728B52AA6E4}">
-                  <adec:decorative xmlns:adec="http://schemas.microsoft.com/office/drawing/2017/decorative" val="1"/>
+                  <adec:decorative xmlns:adec="http://schemas.microsoft.com/office/drawing/2017/decorative" xmlns="" val="1"/>
                 </a:ext>
               </a:extLst>
             </p:cNvPr>
@@ -15584,7 +15588,7 @@
             <p:nvPr>
               <p:extLst>
                 <p:ext uri="{386F3935-93C4-4BCD-93E2-E3B085C9AB24}">
-                  <p16:designElem xmlns:p16="http://schemas.microsoft.com/office/powerpoint/2015/main" val="1"/>
+                  <p16:designElem xmlns:p16="http://schemas.microsoft.com/office/powerpoint/2015/main" xmlns="" val="1"/>
                 </p:ext>
               </p:extLst>
             </p:nvPr>
@@ -15629,10 +15633,10 @@
             <p:cNvPr id="18" name="Isosceles Triangle 17">
               <a:extLst>
                 <a:ext uri="{FF2B5EF4-FFF2-40B4-BE49-F238E27FC236}">
-                  <a16:creationId xmlns:a16="http://schemas.microsoft.com/office/drawing/2014/main" id="{DCFC9E65-3E19-4483-B952-25D29683CA56}"/>
+                  <a16:creationId xmlns:a16="http://schemas.microsoft.com/office/drawing/2014/main" xmlns="" id="{DCFC9E65-3E19-4483-B952-25D29683CA56}"/>
                 </a:ext>
                 <a:ext uri="{C183D7F6-B498-43B3-948B-1728B52AA6E4}">
-                  <adec:decorative xmlns:adec="http://schemas.microsoft.com/office/drawing/2017/decorative" val="1"/>
+                  <adec:decorative xmlns:adec="http://schemas.microsoft.com/office/drawing/2017/decorative" xmlns="" val="1"/>
                 </a:ext>
               </a:extLst>
             </p:cNvPr>
@@ -15640,7 +15644,7 @@
             <p:nvPr>
               <p:extLst>
                 <p:ext uri="{386F3935-93C4-4BCD-93E2-E3B085C9AB24}">
-                  <p16:designElem xmlns:p16="http://schemas.microsoft.com/office/powerpoint/2015/main" val="1"/>
+                  <p16:designElem xmlns:p16="http://schemas.microsoft.com/office/powerpoint/2015/main" xmlns="" val="1"/>
                 </p:ext>
               </p:extLst>
             </p:nvPr>
@@ -15686,10 +15690,10 @@
           <p:cNvPr id="20" name="Rectangle 19">
             <a:extLst>
               <a:ext uri="{FF2B5EF4-FFF2-40B4-BE49-F238E27FC236}">
-                <a16:creationId xmlns:a16="http://schemas.microsoft.com/office/drawing/2014/main" id="{2783C067-F8BF-4755-B516-8A0CD74CF60C}"/>
+                <a16:creationId xmlns:a16="http://schemas.microsoft.com/office/drawing/2014/main" xmlns="" id="{2783C067-F8BF-4755-B516-8A0CD74CF60C}"/>
               </a:ext>
               <a:ext uri="{C183D7F6-B498-43B3-948B-1728B52AA6E4}">
-                <adec:decorative xmlns:adec="http://schemas.microsoft.com/office/drawing/2017/decorative" val="1"/>
+                <adec:decorative xmlns:adec="http://schemas.microsoft.com/office/drawing/2017/decorative" xmlns="" val="1"/>
               </a:ext>
             </a:extLst>
           </p:cNvPr>
@@ -15699,7 +15703,7 @@
           <p:nvPr>
             <p:extLst>
               <p:ext uri="{386F3935-93C4-4BCD-93E2-E3B085C9AB24}">
-                <p16:designElem xmlns:p16="http://schemas.microsoft.com/office/powerpoint/2015/main" val="1"/>
+                <p16:designElem xmlns:p16="http://schemas.microsoft.com/office/powerpoint/2015/main" xmlns="" val="1"/>
               </p:ext>
             </p:extLst>
           </p:nvPr>
@@ -15746,10 +15750,10 @@
           <p:cNvPr id="22" name="Isosceles Triangle 21">
             <a:extLst>
               <a:ext uri="{FF2B5EF4-FFF2-40B4-BE49-F238E27FC236}">
-                <a16:creationId xmlns:a16="http://schemas.microsoft.com/office/drawing/2014/main" id="{2ED796EC-E7FF-46DB-B912-FB08BF12AA6E}"/>
+                <a16:creationId xmlns:a16="http://schemas.microsoft.com/office/drawing/2014/main" xmlns="" id="{2ED796EC-E7FF-46DB-B912-FB08BF12AA6E}"/>
               </a:ext>
               <a:ext uri="{C183D7F6-B498-43B3-948B-1728B52AA6E4}">
-                <adec:decorative xmlns:adec="http://schemas.microsoft.com/office/drawing/2017/decorative" val="1"/>
+                <adec:decorative xmlns:adec="http://schemas.microsoft.com/office/drawing/2017/decorative" xmlns="" val="1"/>
               </a:ext>
             </a:extLst>
           </p:cNvPr>
@@ -15759,7 +15763,7 @@
           <p:nvPr>
             <p:extLst>
               <p:ext uri="{386F3935-93C4-4BCD-93E2-E3B085C9AB24}">
-                <p16:designElem xmlns:p16="http://schemas.microsoft.com/office/powerpoint/2015/main" val="1"/>
+                <p16:designElem xmlns:p16="http://schemas.microsoft.com/office/powerpoint/2015/main" xmlns="" val="1"/>
               </p:ext>
             </p:extLst>
           </p:nvPr>
@@ -15802,10 +15806,10 @@
           <p:cNvPr id="24" name="Isosceles Triangle 23">
             <a:extLst>
               <a:ext uri="{FF2B5EF4-FFF2-40B4-BE49-F238E27FC236}">
-                <a16:creationId xmlns:a16="http://schemas.microsoft.com/office/drawing/2014/main" id="{549A2DAB-B431-487D-95AD-BB0FECB49E57}"/>
+                <a16:creationId xmlns:a16="http://schemas.microsoft.com/office/drawing/2014/main" xmlns="" id="{549A2DAB-B431-487D-95AD-BB0FECB49E57}"/>
               </a:ext>
               <a:ext uri="{C183D7F6-B498-43B3-948B-1728B52AA6E4}">
-                <adec:decorative xmlns:adec="http://schemas.microsoft.com/office/drawing/2017/decorative" val="1"/>
+                <adec:decorative xmlns:adec="http://schemas.microsoft.com/office/drawing/2017/decorative" xmlns="" val="1"/>
               </a:ext>
             </a:extLst>
           </p:cNvPr>
@@ -15815,7 +15819,7 @@
           <p:nvPr>
             <p:extLst>
               <p:ext uri="{386F3935-93C4-4BCD-93E2-E3B085C9AB24}">
-                <p16:designElem xmlns:p16="http://schemas.microsoft.com/office/powerpoint/2015/main" val="1"/>
+                <p16:designElem xmlns:p16="http://schemas.microsoft.com/office/powerpoint/2015/main" xmlns="" val="1"/>
               </p:ext>
             </p:extLst>
           </p:nvPr>
@@ -15860,10 +15864,10 @@
           <p:cNvPr id="26" name="Rectangle 27">
             <a:extLst>
               <a:ext uri="{FF2B5EF4-FFF2-40B4-BE49-F238E27FC236}">
-                <a16:creationId xmlns:a16="http://schemas.microsoft.com/office/drawing/2014/main" id="{0819F787-32B4-46A8-BC57-C6571BCEE243}"/>
+                <a16:creationId xmlns:a16="http://schemas.microsoft.com/office/drawing/2014/main" xmlns="" id="{0819F787-32B4-46A8-BC57-C6571BCEE243}"/>
               </a:ext>
               <a:ext uri="{C183D7F6-B498-43B3-948B-1728B52AA6E4}">
-                <adec:decorative xmlns:adec="http://schemas.microsoft.com/office/drawing/2017/decorative" val="1"/>
+                <adec:decorative xmlns:adec="http://schemas.microsoft.com/office/drawing/2017/decorative" xmlns="" val="1"/>
               </a:ext>
             </a:extLst>
           </p:cNvPr>
@@ -15873,7 +15877,7 @@
           <p:nvPr>
             <p:extLst>
               <p:ext uri="{386F3935-93C4-4BCD-93E2-E3B085C9AB24}">
-                <p16:designElem xmlns:p16="http://schemas.microsoft.com/office/powerpoint/2015/main" val="1"/>
+                <p16:designElem xmlns:p16="http://schemas.microsoft.com/office/powerpoint/2015/main" xmlns="" val="1"/>
               </p:ext>
             </p:extLst>
           </p:nvPr>
@@ -15938,10 +15942,10 @@
           <p:cNvPr id="28" name="Straight Connector 27">
             <a:extLst>
               <a:ext uri="{FF2B5EF4-FFF2-40B4-BE49-F238E27FC236}">
-                <a16:creationId xmlns:a16="http://schemas.microsoft.com/office/drawing/2014/main" id="{C5ECDEE1-7093-418F-9CF5-24EEB115C1C1}"/>
+                <a16:creationId xmlns:a16="http://schemas.microsoft.com/office/drawing/2014/main" xmlns="" id="{C5ECDEE1-7093-418F-9CF5-24EEB115C1C1}"/>
               </a:ext>
               <a:ext uri="{C183D7F6-B498-43B3-948B-1728B52AA6E4}">
-                <adec:decorative xmlns:adec="http://schemas.microsoft.com/office/drawing/2017/decorative" val="1"/>
+                <adec:decorative xmlns:adec="http://schemas.microsoft.com/office/drawing/2017/decorative" xmlns="" val="1"/>
               </a:ext>
             </a:extLst>
           </p:cNvPr>
@@ -15951,7 +15955,7 @@
           <p:nvPr>
             <p:extLst>
               <p:ext uri="{386F3935-93C4-4BCD-93E2-E3B085C9AB24}">
-                <p16:designElem xmlns:p16="http://schemas.microsoft.com/office/powerpoint/2015/main" val="1"/>
+                <p16:designElem xmlns:p16="http://schemas.microsoft.com/office/powerpoint/2015/main" xmlns="" val="1"/>
               </p:ext>
             </p:extLst>
           </p:nvPr>
@@ -15991,10 +15995,10 @@
           <p:cNvPr id="30" name="Straight Connector 29">
             <a:extLst>
               <a:ext uri="{FF2B5EF4-FFF2-40B4-BE49-F238E27FC236}">
-                <a16:creationId xmlns:a16="http://schemas.microsoft.com/office/drawing/2014/main" id="{045062AF-EB11-4651-BC4A-4DA21768DE8E}"/>
+                <a16:creationId xmlns:a16="http://schemas.microsoft.com/office/drawing/2014/main" xmlns="" id="{045062AF-EB11-4651-BC4A-4DA21768DE8E}"/>
               </a:ext>
               <a:ext uri="{C183D7F6-B498-43B3-948B-1728B52AA6E4}">
-                <adec:decorative xmlns:adec="http://schemas.microsoft.com/office/drawing/2017/decorative" val="1"/>
+                <adec:decorative xmlns:adec="http://schemas.microsoft.com/office/drawing/2017/decorative" xmlns="" val="1"/>
               </a:ext>
             </a:extLst>
           </p:cNvPr>
@@ -16004,7 +16008,7 @@
           <p:nvPr>
             <p:extLst>
               <p:ext uri="{386F3935-93C4-4BCD-93E2-E3B085C9AB24}">
-                <p16:designElem xmlns:p16="http://schemas.microsoft.com/office/powerpoint/2015/main" val="1"/>
+                <p16:designElem xmlns:p16="http://schemas.microsoft.com/office/powerpoint/2015/main" xmlns="" val="1"/>
               </p:ext>
             </p:extLst>
           </p:nvPr>
@@ -16043,7 +16047,7 @@
           <p:cNvPr id="3" name="Tytuł 1">
             <a:extLst>
               <a:ext uri="{FF2B5EF4-FFF2-40B4-BE49-F238E27FC236}">
-                <a16:creationId xmlns:a16="http://schemas.microsoft.com/office/drawing/2014/main" id="{5E35C810-131E-41A2-8782-357CEDF6392D}"/>
+                <a16:creationId xmlns:a16="http://schemas.microsoft.com/office/drawing/2014/main" xmlns="" id="{5E35C810-131E-41A2-8782-357CEDF6392D}"/>
               </a:ext>
             </a:extLst>
           </p:cNvPr>
@@ -16147,6 +16151,10 @@
               <a:rPr lang="en-US" sz="5400" b="1" dirty="0" err="1"/>
               <a:t>Dziękujemy</a:t>
             </a:r>
+            <a:r>
+              <a:rPr lang="en-US" sz="5400" b="1" dirty="0"/>
+              <a:t/>
+            </a:r>
             <a:br>
               <a:rPr lang="en-US" sz="5400" b="1" dirty="0"/>
             </a:br>
@@ -16197,10 +16205,10 @@
           <p:cNvPr id="40" name="Rectangle 24">
             <a:extLst>
               <a:ext uri="{FF2B5EF4-FFF2-40B4-BE49-F238E27FC236}">
-                <a16:creationId xmlns:a16="http://schemas.microsoft.com/office/drawing/2014/main" id="{03E8462A-FEBA-4848-81CC-3F8DA3E477BE}"/>
+                <a16:creationId xmlns:a16="http://schemas.microsoft.com/office/drawing/2014/main" xmlns="" id="{03E8462A-FEBA-4848-81CC-3F8DA3E477BE}"/>
               </a:ext>
               <a:ext uri="{C183D7F6-B498-43B3-948B-1728B52AA6E4}">
-                <adec:decorative xmlns:adec="http://schemas.microsoft.com/office/drawing/2017/decorative" val="1"/>
+                <adec:decorative xmlns:adec="http://schemas.microsoft.com/office/drawing/2017/decorative" xmlns="" val="1"/>
               </a:ext>
             </a:extLst>
           </p:cNvPr>
@@ -16210,7 +16218,7 @@
           <p:nvPr>
             <p:extLst>
               <p:ext uri="{386F3935-93C4-4BCD-93E2-E3B085C9AB24}">
-                <p16:designElem xmlns:p16="http://schemas.microsoft.com/office/powerpoint/2015/main" val="1"/>
+                <p16:designElem xmlns:p16="http://schemas.microsoft.com/office/powerpoint/2015/main" xmlns="" val="1"/>
               </p:ext>
             </p:extLst>
           </p:nvPr>
@@ -16260,10 +16268,10 @@
           <p:cNvPr id="41" name="Group 26">
             <a:extLst>
               <a:ext uri="{FF2B5EF4-FFF2-40B4-BE49-F238E27FC236}">
-                <a16:creationId xmlns:a16="http://schemas.microsoft.com/office/drawing/2014/main" id="{2109F83F-40FE-4DB3-84CC-09FB3340D06D}"/>
+                <a16:creationId xmlns:a16="http://schemas.microsoft.com/office/drawing/2014/main" xmlns="" id="{2109F83F-40FE-4DB3-84CC-09FB3340D06D}"/>
               </a:ext>
               <a:ext uri="{C183D7F6-B498-43B3-948B-1728B52AA6E4}">
-                <adec:decorative xmlns:adec="http://schemas.microsoft.com/office/drawing/2017/decorative" val="1"/>
+                <adec:decorative xmlns:adec="http://schemas.microsoft.com/office/drawing/2017/decorative" xmlns="" val="1"/>
               </a:ext>
             </a:extLst>
           </p:cNvPr>
@@ -16273,7 +16281,7 @@
           <p:nvPr>
             <p:extLst>
               <p:ext uri="{386F3935-93C4-4BCD-93E2-E3B085C9AB24}">
-                <p16:designElem xmlns:p16="http://schemas.microsoft.com/office/powerpoint/2015/main" val="1"/>
+                <p16:designElem xmlns:p16="http://schemas.microsoft.com/office/powerpoint/2015/main" xmlns="" val="1"/>
               </p:ext>
             </p:extLst>
           </p:nvPr>
@@ -16291,10 +16299,10 @@
             <p:cNvPr id="28" name="Straight Connector 27">
               <a:extLst>
                 <a:ext uri="{FF2B5EF4-FFF2-40B4-BE49-F238E27FC236}">
-                  <a16:creationId xmlns:a16="http://schemas.microsoft.com/office/drawing/2014/main" id="{1DE492D7-C3C3-48FF-80C8-37021EA0262F}"/>
+                  <a16:creationId xmlns:a16="http://schemas.microsoft.com/office/drawing/2014/main" xmlns="" id="{1DE492D7-C3C3-48FF-80C8-37021EA0262F}"/>
                 </a:ext>
                 <a:ext uri="{C183D7F6-B498-43B3-948B-1728B52AA6E4}">
-                  <adec:decorative xmlns:adec="http://schemas.microsoft.com/office/drawing/2017/decorative" val="1"/>
+                  <adec:decorative xmlns:adec="http://schemas.microsoft.com/office/drawing/2017/decorative" xmlns="" val="1"/>
                 </a:ext>
               </a:extLst>
             </p:cNvPr>
@@ -16302,7 +16310,7 @@
             <p:nvPr>
               <p:extLst>
                 <p:ext uri="{386F3935-93C4-4BCD-93E2-E3B085C9AB24}">
-                  <p16:designElem xmlns:p16="http://schemas.microsoft.com/office/powerpoint/2015/main" val="1"/>
+                  <p16:designElem xmlns:p16="http://schemas.microsoft.com/office/powerpoint/2015/main" xmlns="" val="1"/>
                 </p:ext>
               </p:extLst>
             </p:nvPr>
@@ -16343,10 +16351,10 @@
             <p:cNvPr id="29" name="Rectangle 23">
               <a:extLst>
                 <a:ext uri="{FF2B5EF4-FFF2-40B4-BE49-F238E27FC236}">
-                  <a16:creationId xmlns:a16="http://schemas.microsoft.com/office/drawing/2014/main" id="{0B30FF97-2E9A-490A-AED2-90BA2E0EC17F}"/>
+                  <a16:creationId xmlns:a16="http://schemas.microsoft.com/office/drawing/2014/main" xmlns="" id="{0B30FF97-2E9A-490A-AED2-90BA2E0EC17F}"/>
                 </a:ext>
                 <a:ext uri="{C183D7F6-B498-43B3-948B-1728B52AA6E4}">
-                  <adec:decorative xmlns:adec="http://schemas.microsoft.com/office/drawing/2017/decorative" val="1"/>
+                  <adec:decorative xmlns:adec="http://schemas.microsoft.com/office/drawing/2017/decorative" xmlns="" val="1"/>
                 </a:ext>
               </a:extLst>
             </p:cNvPr>
@@ -16354,7 +16362,7 @@
             <p:nvPr>
               <p:extLst>
                 <p:ext uri="{386F3935-93C4-4BCD-93E2-E3B085C9AB24}">
-                  <p16:designElem xmlns:p16="http://schemas.microsoft.com/office/powerpoint/2015/main" val="1"/>
+                  <p16:designElem xmlns:p16="http://schemas.microsoft.com/office/powerpoint/2015/main" xmlns="" val="1"/>
                 </p:ext>
               </p:extLst>
             </p:nvPr>
@@ -16421,10 +16429,10 @@
             <p:cNvPr id="30" name="Rectangle 25">
               <a:extLst>
                 <a:ext uri="{FF2B5EF4-FFF2-40B4-BE49-F238E27FC236}">
-                  <a16:creationId xmlns:a16="http://schemas.microsoft.com/office/drawing/2014/main" id="{B6D53C7D-A312-47B6-A66A-230A19CFACA6}"/>
+                  <a16:creationId xmlns:a16="http://schemas.microsoft.com/office/drawing/2014/main" xmlns="" id="{B6D53C7D-A312-47B6-A66A-230A19CFACA6}"/>
                 </a:ext>
                 <a:ext uri="{C183D7F6-B498-43B3-948B-1728B52AA6E4}">
-                  <adec:decorative xmlns:adec="http://schemas.microsoft.com/office/drawing/2017/decorative" val="1"/>
+                  <adec:decorative xmlns:adec="http://schemas.microsoft.com/office/drawing/2017/decorative" xmlns="" val="1"/>
                 </a:ext>
               </a:extLst>
             </p:cNvPr>
@@ -16432,7 +16440,7 @@
             <p:nvPr>
               <p:extLst>
                 <p:ext uri="{386F3935-93C4-4BCD-93E2-E3B085C9AB24}">
-                  <p16:designElem xmlns:p16="http://schemas.microsoft.com/office/powerpoint/2015/main" val="1"/>
+                  <p16:designElem xmlns:p16="http://schemas.microsoft.com/office/powerpoint/2015/main" xmlns="" val="1"/>
                 </p:ext>
               </p:extLst>
             </p:nvPr>
@@ -16499,10 +16507,10 @@
             <p:cNvPr id="31" name="Isosceles Triangle 30">
               <a:extLst>
                 <a:ext uri="{FF2B5EF4-FFF2-40B4-BE49-F238E27FC236}">
-                  <a16:creationId xmlns:a16="http://schemas.microsoft.com/office/drawing/2014/main" id="{9329D58C-0D2E-4A2B-AD6A-9CEE506784A8}"/>
+                  <a16:creationId xmlns:a16="http://schemas.microsoft.com/office/drawing/2014/main" xmlns="" id="{9329D58C-0D2E-4A2B-AD6A-9CEE506784A8}"/>
                 </a:ext>
                 <a:ext uri="{C183D7F6-B498-43B3-948B-1728B52AA6E4}">
-                  <adec:decorative xmlns:adec="http://schemas.microsoft.com/office/drawing/2017/decorative" val="1"/>
+                  <adec:decorative xmlns:adec="http://schemas.microsoft.com/office/drawing/2017/decorative" xmlns="" val="1"/>
                 </a:ext>
               </a:extLst>
             </p:cNvPr>
@@ -16510,7 +16518,7 @@
             <p:nvPr>
               <p:extLst>
                 <p:ext uri="{386F3935-93C4-4BCD-93E2-E3B085C9AB24}">
-                  <p16:designElem xmlns:p16="http://schemas.microsoft.com/office/powerpoint/2015/main" val="1"/>
+                  <p16:designElem xmlns:p16="http://schemas.microsoft.com/office/powerpoint/2015/main" xmlns="" val="1"/>
                 </p:ext>
               </p:extLst>
             </p:nvPr>
@@ -16555,10 +16563,10 @@
             <p:cNvPr id="32" name="Rectangle 27">
               <a:extLst>
                 <a:ext uri="{FF2B5EF4-FFF2-40B4-BE49-F238E27FC236}">
-                  <a16:creationId xmlns:a16="http://schemas.microsoft.com/office/drawing/2014/main" id="{9D446EDE-C690-4461-8BF2-7634808FC8B4}"/>
+                  <a16:creationId xmlns:a16="http://schemas.microsoft.com/office/drawing/2014/main" xmlns="" id="{9D446EDE-C690-4461-8BF2-7634808FC8B4}"/>
                 </a:ext>
                 <a:ext uri="{C183D7F6-B498-43B3-948B-1728B52AA6E4}">
-                  <adec:decorative xmlns:adec="http://schemas.microsoft.com/office/drawing/2017/decorative" val="1"/>
+                  <adec:decorative xmlns:adec="http://schemas.microsoft.com/office/drawing/2017/decorative" xmlns="" val="1"/>
                 </a:ext>
               </a:extLst>
             </p:cNvPr>
@@ -16566,7 +16574,7 @@
             <p:nvPr>
               <p:extLst>
                 <p:ext uri="{386F3935-93C4-4BCD-93E2-E3B085C9AB24}">
-                  <p16:designElem xmlns:p16="http://schemas.microsoft.com/office/powerpoint/2015/main" val="1"/>
+                  <p16:designElem xmlns:p16="http://schemas.microsoft.com/office/powerpoint/2015/main" xmlns="" val="1"/>
                 </p:ext>
               </p:extLst>
             </p:nvPr>
@@ -16634,10 +16642,10 @@
             <p:cNvPr id="33" name="Rectangle 28">
               <a:extLst>
                 <a:ext uri="{FF2B5EF4-FFF2-40B4-BE49-F238E27FC236}">
-                  <a16:creationId xmlns:a16="http://schemas.microsoft.com/office/drawing/2014/main" id="{323F3D34-6531-4AD7-A8C6-195A090281A1}"/>
+                  <a16:creationId xmlns:a16="http://schemas.microsoft.com/office/drawing/2014/main" xmlns="" id="{323F3D34-6531-4AD7-A8C6-195A090281A1}"/>
                 </a:ext>
                 <a:ext uri="{C183D7F6-B498-43B3-948B-1728B52AA6E4}">
-                  <adec:decorative xmlns:adec="http://schemas.microsoft.com/office/drawing/2017/decorative" val="1"/>
+                  <adec:decorative xmlns:adec="http://schemas.microsoft.com/office/drawing/2017/decorative" xmlns="" val="1"/>
                 </a:ext>
               </a:extLst>
             </p:cNvPr>
@@ -16645,7 +16653,7 @@
             <p:nvPr>
               <p:extLst>
                 <p:ext uri="{386F3935-93C4-4BCD-93E2-E3B085C9AB24}">
-                  <p16:designElem xmlns:p16="http://schemas.microsoft.com/office/powerpoint/2015/main" val="1"/>
+                  <p16:designElem xmlns:p16="http://schemas.microsoft.com/office/powerpoint/2015/main" xmlns="" val="1"/>
                 </p:ext>
               </p:extLst>
             </p:nvPr>
@@ -16714,10 +16722,10 @@
             <p:cNvPr id="34" name="Rectangle 29">
               <a:extLst>
                 <a:ext uri="{FF2B5EF4-FFF2-40B4-BE49-F238E27FC236}">
-                  <a16:creationId xmlns:a16="http://schemas.microsoft.com/office/drawing/2014/main" id="{B9B0AE3F-2350-435F-A9B0-C310BF876385}"/>
+                  <a16:creationId xmlns:a16="http://schemas.microsoft.com/office/drawing/2014/main" xmlns="" id="{B9B0AE3F-2350-435F-A9B0-C310BF876385}"/>
                 </a:ext>
                 <a:ext uri="{C183D7F6-B498-43B3-948B-1728B52AA6E4}">
-                  <adec:decorative xmlns:adec="http://schemas.microsoft.com/office/drawing/2017/decorative" val="1"/>
+                  <adec:decorative xmlns:adec="http://schemas.microsoft.com/office/drawing/2017/decorative" xmlns="" val="1"/>
                 </a:ext>
               </a:extLst>
             </p:cNvPr>
@@ -16725,7 +16733,7 @@
             <p:nvPr>
               <p:extLst>
                 <p:ext uri="{386F3935-93C4-4BCD-93E2-E3B085C9AB24}">
-                  <p16:designElem xmlns:p16="http://schemas.microsoft.com/office/powerpoint/2015/main" val="1"/>
+                  <p16:designElem xmlns:p16="http://schemas.microsoft.com/office/powerpoint/2015/main" xmlns="" val="1"/>
                 </p:ext>
               </p:extLst>
             </p:nvPr>
@@ -16792,10 +16800,10 @@
             <p:cNvPr id="35" name="Isosceles Triangle 34">
               <a:extLst>
                 <a:ext uri="{FF2B5EF4-FFF2-40B4-BE49-F238E27FC236}">
-                  <a16:creationId xmlns:a16="http://schemas.microsoft.com/office/drawing/2014/main" id="{4EFA655C-9E50-4C14-A89E-AD7B648E4E2B}"/>
+                  <a16:creationId xmlns:a16="http://schemas.microsoft.com/office/drawing/2014/main" xmlns="" id="{4EFA655C-9E50-4C14-A89E-AD7B648E4E2B}"/>
                 </a:ext>
                 <a:ext uri="{C183D7F6-B498-43B3-948B-1728B52AA6E4}">
-                  <adec:decorative xmlns:adec="http://schemas.microsoft.com/office/drawing/2017/decorative" val="1"/>
+                  <adec:decorative xmlns:adec="http://schemas.microsoft.com/office/drawing/2017/decorative" xmlns="" val="1"/>
                 </a:ext>
               </a:extLst>
             </p:cNvPr>
@@ -16803,7 +16811,7 @@
             <p:nvPr>
               <p:extLst>
                 <p:ext uri="{386F3935-93C4-4BCD-93E2-E3B085C9AB24}">
-                  <p16:designElem xmlns:p16="http://schemas.microsoft.com/office/powerpoint/2015/main" val="1"/>
+                  <p16:designElem xmlns:p16="http://schemas.microsoft.com/office/powerpoint/2015/main" xmlns="" val="1"/>
                 </p:ext>
               </p:extLst>
             </p:nvPr>
@@ -16848,10 +16856,10 @@
             <p:cNvPr id="36" name="Isosceles Triangle 35">
               <a:extLst>
                 <a:ext uri="{FF2B5EF4-FFF2-40B4-BE49-F238E27FC236}">
-                  <a16:creationId xmlns:a16="http://schemas.microsoft.com/office/drawing/2014/main" id="{3E843863-7D25-4C01-9A17-E817CB6D998A}"/>
+                  <a16:creationId xmlns:a16="http://schemas.microsoft.com/office/drawing/2014/main" xmlns="" id="{3E843863-7D25-4C01-9A17-E817CB6D998A}"/>
                 </a:ext>
                 <a:ext uri="{C183D7F6-B498-43B3-948B-1728B52AA6E4}">
-                  <adec:decorative xmlns:adec="http://schemas.microsoft.com/office/drawing/2017/decorative" val="1"/>
+                  <adec:decorative xmlns:adec="http://schemas.microsoft.com/office/drawing/2017/decorative" xmlns="" val="1"/>
                 </a:ext>
               </a:extLst>
             </p:cNvPr>
@@ -16859,7 +16867,7 @@
             <p:nvPr>
               <p:extLst>
                 <p:ext uri="{386F3935-93C4-4BCD-93E2-E3B085C9AB24}">
-                  <p16:designElem xmlns:p16="http://schemas.microsoft.com/office/powerpoint/2015/main" val="1"/>
+                  <p16:designElem xmlns:p16="http://schemas.microsoft.com/office/powerpoint/2015/main" xmlns="" val="1"/>
                 </p:ext>
               </p:extLst>
             </p:nvPr>
@@ -16905,10 +16913,10 @@
           <p:cNvPr id="42" name="Rectangle 37">
             <a:extLst>
               <a:ext uri="{FF2B5EF4-FFF2-40B4-BE49-F238E27FC236}">
-                <a16:creationId xmlns:a16="http://schemas.microsoft.com/office/drawing/2014/main" id="{7941F9B1-B01B-4A84-89D9-B169AEB4E456}"/>
+                <a16:creationId xmlns:a16="http://schemas.microsoft.com/office/drawing/2014/main" xmlns="" id="{7941F9B1-B01B-4A84-89D9-B169AEB4E456}"/>
               </a:ext>
               <a:ext uri="{C183D7F6-B498-43B3-948B-1728B52AA6E4}">
-                <adec:decorative xmlns:adec="http://schemas.microsoft.com/office/drawing/2017/decorative" val="1"/>
+                <adec:decorative xmlns:adec="http://schemas.microsoft.com/office/drawing/2017/decorative" xmlns="" val="1"/>
               </a:ext>
             </a:extLst>
           </p:cNvPr>
@@ -16918,7 +16926,7 @@
           <p:nvPr>
             <p:extLst>
               <p:ext uri="{386F3935-93C4-4BCD-93E2-E3B085C9AB24}">
-                <p16:designElem xmlns:p16="http://schemas.microsoft.com/office/powerpoint/2015/main" val="1"/>
+                <p16:designElem xmlns:p16="http://schemas.microsoft.com/office/powerpoint/2015/main" xmlns="" val="1"/>
               </p:ext>
             </p:extLst>
           </p:nvPr>
@@ -16975,7 +16983,7 @@
           <p:cNvPr id="2" name="slide8">
             <a:extLst>
               <a:ext uri="{FF2B5EF4-FFF2-40B4-BE49-F238E27FC236}">
-                <a16:creationId xmlns:a16="http://schemas.microsoft.com/office/drawing/2014/main" id="{154487EC-8DEE-45FE-AE8D-DD8BFFA94C4A}"/>
+                <a16:creationId xmlns:a16="http://schemas.microsoft.com/office/drawing/2014/main" xmlns="" id="{154487EC-8DEE-45FE-AE8D-DD8BFFA94C4A}"/>
               </a:ext>
             </a:extLst>
           </p:cNvPr>
@@ -17049,10 +17057,10 @@
           <p:cNvPr id="8" name="Rectangle 7">
             <a:extLst>
               <a:ext uri="{FF2B5EF4-FFF2-40B4-BE49-F238E27FC236}">
-                <a16:creationId xmlns:a16="http://schemas.microsoft.com/office/drawing/2014/main" id="{7459C506-5F4B-4B75-9218-C7C3F87FA8D3}"/>
+                <a16:creationId xmlns:a16="http://schemas.microsoft.com/office/drawing/2014/main" xmlns="" id="{7459C506-5F4B-4B75-9218-C7C3F87FA8D3}"/>
               </a:ext>
               <a:ext uri="{C183D7F6-B498-43B3-948B-1728B52AA6E4}">
-                <adec:decorative xmlns:adec="http://schemas.microsoft.com/office/drawing/2017/decorative" val="1"/>
+                <adec:decorative xmlns:adec="http://schemas.microsoft.com/office/drawing/2017/decorative" xmlns="" val="1"/>
               </a:ext>
             </a:extLst>
           </p:cNvPr>
@@ -17062,7 +17070,7 @@
           <p:nvPr>
             <p:extLst>
               <p:ext uri="{386F3935-93C4-4BCD-93E2-E3B085C9AB24}">
-                <p16:designElem xmlns:p16="http://schemas.microsoft.com/office/powerpoint/2015/main" val="1"/>
+                <p16:designElem xmlns:p16="http://schemas.microsoft.com/office/powerpoint/2015/main" xmlns="" val="1"/>
               </p:ext>
             </p:extLst>
           </p:nvPr>
@@ -17109,10 +17117,10 @@
           <p:cNvPr id="10" name="Group 9">
             <a:extLst>
               <a:ext uri="{FF2B5EF4-FFF2-40B4-BE49-F238E27FC236}">
-                <a16:creationId xmlns:a16="http://schemas.microsoft.com/office/drawing/2014/main" id="{BC659EEB-C3AE-4544-8263-417009DCDF41}"/>
+                <a16:creationId xmlns:a16="http://schemas.microsoft.com/office/drawing/2014/main" xmlns="" id="{BC659EEB-C3AE-4544-8263-417009DCDF41}"/>
               </a:ext>
               <a:ext uri="{C183D7F6-B498-43B3-948B-1728B52AA6E4}">
-                <adec:decorative xmlns:adec="http://schemas.microsoft.com/office/drawing/2017/decorative" val="1"/>
+                <adec:decorative xmlns:adec="http://schemas.microsoft.com/office/drawing/2017/decorative" xmlns="" val="1"/>
               </a:ext>
             </a:extLst>
           </p:cNvPr>
@@ -17122,7 +17130,7 @@
           <p:nvPr>
             <p:extLst>
               <p:ext uri="{386F3935-93C4-4BCD-93E2-E3B085C9AB24}">
-                <p16:designElem xmlns:p16="http://schemas.microsoft.com/office/powerpoint/2015/main" val="1"/>
+                <p16:designElem xmlns:p16="http://schemas.microsoft.com/office/powerpoint/2015/main" xmlns="" val="1"/>
               </p:ext>
             </p:extLst>
           </p:nvPr>
@@ -17140,10 +17148,10 @@
             <p:cNvPr id="11" name="Straight Connector 10">
               <a:extLst>
                 <a:ext uri="{FF2B5EF4-FFF2-40B4-BE49-F238E27FC236}">
-                  <a16:creationId xmlns:a16="http://schemas.microsoft.com/office/drawing/2014/main" id="{D99DB6C6-36F9-4576-A558-95153EADBE41}"/>
+                  <a16:creationId xmlns:a16="http://schemas.microsoft.com/office/drawing/2014/main" xmlns="" id="{D99DB6C6-36F9-4576-A558-95153EADBE41}"/>
                 </a:ext>
                 <a:ext uri="{C183D7F6-B498-43B3-948B-1728B52AA6E4}">
-                  <adec:decorative xmlns:adec="http://schemas.microsoft.com/office/drawing/2017/decorative" val="1"/>
+                  <adec:decorative xmlns:adec="http://schemas.microsoft.com/office/drawing/2017/decorative" xmlns="" val="1"/>
                 </a:ext>
               </a:extLst>
             </p:cNvPr>
@@ -17151,7 +17159,7 @@
             <p:nvPr>
               <p:extLst>
                 <p:ext uri="{386F3935-93C4-4BCD-93E2-E3B085C9AB24}">
-                  <p16:designElem xmlns:p16="http://schemas.microsoft.com/office/powerpoint/2015/main" val="1"/>
+                  <p16:designElem xmlns:p16="http://schemas.microsoft.com/office/powerpoint/2015/main" xmlns="" val="1"/>
                 </p:ext>
               </p:extLst>
             </p:nvPr>
@@ -17192,10 +17200,10 @@
             <p:cNvPr id="12" name="Rectangle 23">
               <a:extLst>
                 <a:ext uri="{FF2B5EF4-FFF2-40B4-BE49-F238E27FC236}">
-                  <a16:creationId xmlns:a16="http://schemas.microsoft.com/office/drawing/2014/main" id="{694E7916-EDE4-4B50-A4A1-6B28FDD4D9B9}"/>
+                  <a16:creationId xmlns:a16="http://schemas.microsoft.com/office/drawing/2014/main" xmlns="" id="{694E7916-EDE4-4B50-A4A1-6B28FDD4D9B9}"/>
                 </a:ext>
                 <a:ext uri="{C183D7F6-B498-43B3-948B-1728B52AA6E4}">
-                  <adec:decorative xmlns:adec="http://schemas.microsoft.com/office/drawing/2017/decorative" val="1"/>
+                  <adec:decorative xmlns:adec="http://schemas.microsoft.com/office/drawing/2017/decorative" xmlns="" val="1"/>
                 </a:ext>
               </a:extLst>
             </p:cNvPr>
@@ -17203,7 +17211,7 @@
             <p:nvPr>
               <p:extLst>
                 <p:ext uri="{386F3935-93C4-4BCD-93E2-E3B085C9AB24}">
-                  <p16:designElem xmlns:p16="http://schemas.microsoft.com/office/powerpoint/2015/main" val="1"/>
+                  <p16:designElem xmlns:p16="http://schemas.microsoft.com/office/powerpoint/2015/main" xmlns="" val="1"/>
                 </p:ext>
               </p:extLst>
             </p:nvPr>
@@ -17270,10 +17278,10 @@
             <p:cNvPr id="13" name="Rectangle 25">
               <a:extLst>
                 <a:ext uri="{FF2B5EF4-FFF2-40B4-BE49-F238E27FC236}">
-                  <a16:creationId xmlns:a16="http://schemas.microsoft.com/office/drawing/2014/main" id="{6F6CB7BB-4370-4173-97F8-F636C0F149F1}"/>
+                  <a16:creationId xmlns:a16="http://schemas.microsoft.com/office/drawing/2014/main" xmlns="" id="{6F6CB7BB-4370-4173-97F8-F636C0F149F1}"/>
                 </a:ext>
                 <a:ext uri="{C183D7F6-B498-43B3-948B-1728B52AA6E4}">
-                  <adec:decorative xmlns:adec="http://schemas.microsoft.com/office/drawing/2017/decorative" val="1"/>
+                  <adec:decorative xmlns:adec="http://schemas.microsoft.com/office/drawing/2017/decorative" xmlns="" val="1"/>
                 </a:ext>
               </a:extLst>
             </p:cNvPr>
@@ -17281,7 +17289,7 @@
             <p:nvPr>
               <p:extLst>
                 <p:ext uri="{386F3935-93C4-4BCD-93E2-E3B085C9AB24}">
-                  <p16:designElem xmlns:p16="http://schemas.microsoft.com/office/powerpoint/2015/main" val="1"/>
+                  <p16:designElem xmlns:p16="http://schemas.microsoft.com/office/powerpoint/2015/main" xmlns="" val="1"/>
                 </p:ext>
               </p:extLst>
             </p:nvPr>
@@ -17348,10 +17356,10 @@
             <p:cNvPr id="14" name="Isosceles Triangle 13">
               <a:extLst>
                 <a:ext uri="{FF2B5EF4-FFF2-40B4-BE49-F238E27FC236}">
-                  <a16:creationId xmlns:a16="http://schemas.microsoft.com/office/drawing/2014/main" id="{B0F590BB-1F51-4138-A2D4-2E483C84FB07}"/>
+                  <a16:creationId xmlns:a16="http://schemas.microsoft.com/office/drawing/2014/main" xmlns="" id="{B0F590BB-1F51-4138-A2D4-2E483C84FB07}"/>
                 </a:ext>
                 <a:ext uri="{C183D7F6-B498-43B3-948B-1728B52AA6E4}">
-                  <adec:decorative xmlns:adec="http://schemas.microsoft.com/office/drawing/2017/decorative" val="1"/>
+                  <adec:decorative xmlns:adec="http://schemas.microsoft.com/office/drawing/2017/decorative" xmlns="" val="1"/>
                 </a:ext>
               </a:extLst>
             </p:cNvPr>
@@ -17359,7 +17367,7 @@
             <p:nvPr>
               <p:extLst>
                 <p:ext uri="{386F3935-93C4-4BCD-93E2-E3B085C9AB24}">
-                  <p16:designElem xmlns:p16="http://schemas.microsoft.com/office/powerpoint/2015/main" val="1"/>
+                  <p16:designElem xmlns:p16="http://schemas.microsoft.com/office/powerpoint/2015/main" xmlns="" val="1"/>
                 </p:ext>
               </p:extLst>
             </p:nvPr>
@@ -17404,10 +17412,10 @@
             <p:cNvPr id="15" name="Rectangle 27">
               <a:extLst>
                 <a:ext uri="{FF2B5EF4-FFF2-40B4-BE49-F238E27FC236}">
-                  <a16:creationId xmlns:a16="http://schemas.microsoft.com/office/drawing/2014/main" id="{4A492863-9797-45A2-BAB3-514F10C5F254}"/>
+                  <a16:creationId xmlns:a16="http://schemas.microsoft.com/office/drawing/2014/main" xmlns="" id="{4A492863-9797-45A2-BAB3-514F10C5F254}"/>
                 </a:ext>
                 <a:ext uri="{C183D7F6-B498-43B3-948B-1728B52AA6E4}">
-                  <adec:decorative xmlns:adec="http://schemas.microsoft.com/office/drawing/2017/decorative" val="1"/>
+                  <adec:decorative xmlns:adec="http://schemas.microsoft.com/office/drawing/2017/decorative" xmlns="" val="1"/>
                 </a:ext>
               </a:extLst>
             </p:cNvPr>
@@ -17415,7 +17423,7 @@
             <p:nvPr>
               <p:extLst>
                 <p:ext uri="{386F3935-93C4-4BCD-93E2-E3B085C9AB24}">
-                  <p16:designElem xmlns:p16="http://schemas.microsoft.com/office/powerpoint/2015/main" val="1"/>
+                  <p16:designElem xmlns:p16="http://schemas.microsoft.com/office/powerpoint/2015/main" xmlns="" val="1"/>
                 </p:ext>
               </p:extLst>
             </p:nvPr>
@@ -17483,10 +17491,10 @@
             <p:cNvPr id="16" name="Rectangle 28">
               <a:extLst>
                 <a:ext uri="{FF2B5EF4-FFF2-40B4-BE49-F238E27FC236}">
-                  <a16:creationId xmlns:a16="http://schemas.microsoft.com/office/drawing/2014/main" id="{7C1E33F6-6D0F-4ECF-92F4-6F71D8BAF3D9}"/>
+                  <a16:creationId xmlns:a16="http://schemas.microsoft.com/office/drawing/2014/main" xmlns="" id="{7C1E33F6-6D0F-4ECF-92F4-6F71D8BAF3D9}"/>
                 </a:ext>
                 <a:ext uri="{C183D7F6-B498-43B3-948B-1728B52AA6E4}">
-                  <adec:decorative xmlns:adec="http://schemas.microsoft.com/office/drawing/2017/decorative" val="1"/>
+                  <adec:decorative xmlns:adec="http://schemas.microsoft.com/office/drawing/2017/decorative" xmlns="" val="1"/>
                 </a:ext>
               </a:extLst>
             </p:cNvPr>
@@ -17494,7 +17502,7 @@
             <p:nvPr>
               <p:extLst>
                 <p:ext uri="{386F3935-93C4-4BCD-93E2-E3B085C9AB24}">
-                  <p16:designElem xmlns:p16="http://schemas.microsoft.com/office/powerpoint/2015/main" val="1"/>
+                  <p16:designElem xmlns:p16="http://schemas.microsoft.com/office/powerpoint/2015/main" xmlns="" val="1"/>
                 </p:ext>
               </p:extLst>
             </p:nvPr>
@@ -17563,10 +17571,10 @@
             <p:cNvPr id="17" name="Rectangle 29">
               <a:extLst>
                 <a:ext uri="{FF2B5EF4-FFF2-40B4-BE49-F238E27FC236}">
-                  <a16:creationId xmlns:a16="http://schemas.microsoft.com/office/drawing/2014/main" id="{73EEEA64-7411-474B-BD0E-60C24B3F4E56}"/>
+                  <a16:creationId xmlns:a16="http://schemas.microsoft.com/office/drawing/2014/main" xmlns="" id="{73EEEA64-7411-474B-BD0E-60C24B3F4E56}"/>
                 </a:ext>
                 <a:ext uri="{C183D7F6-B498-43B3-948B-1728B52AA6E4}">
-                  <adec:decorative xmlns:adec="http://schemas.microsoft.com/office/drawing/2017/decorative" val="1"/>
+                  <adec:decorative xmlns:adec="http://schemas.microsoft.com/office/drawing/2017/decorative" xmlns="" val="1"/>
                 </a:ext>
               </a:extLst>
             </p:cNvPr>
@@ -17574,7 +17582,7 @@
             <p:nvPr>
               <p:extLst>
                 <p:ext uri="{386F3935-93C4-4BCD-93E2-E3B085C9AB24}">
-                  <p16:designElem xmlns:p16="http://schemas.microsoft.com/office/powerpoint/2015/main" val="1"/>
+                  <p16:designElem xmlns:p16="http://schemas.microsoft.com/office/powerpoint/2015/main" xmlns="" val="1"/>
                 </p:ext>
               </p:extLst>
             </p:nvPr>
@@ -17641,10 +17649,10 @@
             <p:cNvPr id="18" name="Isosceles Triangle 17">
               <a:extLst>
                 <a:ext uri="{FF2B5EF4-FFF2-40B4-BE49-F238E27FC236}">
-                  <a16:creationId xmlns:a16="http://schemas.microsoft.com/office/drawing/2014/main" id="{4F82A6DD-92BB-4443-B5A5-05240DD5580E}"/>
+                  <a16:creationId xmlns:a16="http://schemas.microsoft.com/office/drawing/2014/main" xmlns="" id="{4F82A6DD-92BB-4443-B5A5-05240DD5580E}"/>
                 </a:ext>
                 <a:ext uri="{C183D7F6-B498-43B3-948B-1728B52AA6E4}">
-                  <adec:decorative xmlns:adec="http://schemas.microsoft.com/office/drawing/2017/decorative" val="1"/>
+                  <adec:decorative xmlns:adec="http://schemas.microsoft.com/office/drawing/2017/decorative" xmlns="" val="1"/>
                 </a:ext>
               </a:extLst>
             </p:cNvPr>
@@ -17652,7 +17660,7 @@
             <p:nvPr>
               <p:extLst>
                 <p:ext uri="{386F3935-93C4-4BCD-93E2-E3B085C9AB24}">
-                  <p16:designElem xmlns:p16="http://schemas.microsoft.com/office/powerpoint/2015/main" val="1"/>
+                  <p16:designElem xmlns:p16="http://schemas.microsoft.com/office/powerpoint/2015/main" xmlns="" val="1"/>
                 </p:ext>
               </p:extLst>
             </p:nvPr>
@@ -17697,10 +17705,10 @@
             <p:cNvPr id="19" name="Isosceles Triangle 18">
               <a:extLst>
                 <a:ext uri="{FF2B5EF4-FFF2-40B4-BE49-F238E27FC236}">
-                  <a16:creationId xmlns:a16="http://schemas.microsoft.com/office/drawing/2014/main" id="{79832BCB-1DCF-46AC-9FFA-170791668D8C}"/>
+                  <a16:creationId xmlns:a16="http://schemas.microsoft.com/office/drawing/2014/main" xmlns="" id="{79832BCB-1DCF-46AC-9FFA-170791668D8C}"/>
                 </a:ext>
                 <a:ext uri="{C183D7F6-B498-43B3-948B-1728B52AA6E4}">
-                  <adec:decorative xmlns:adec="http://schemas.microsoft.com/office/drawing/2017/decorative" val="1"/>
+                  <adec:decorative xmlns:adec="http://schemas.microsoft.com/office/drawing/2017/decorative" xmlns="" val="1"/>
                 </a:ext>
               </a:extLst>
             </p:cNvPr>
@@ -17708,7 +17716,7 @@
             <p:nvPr>
               <p:extLst>
                 <p:ext uri="{386F3935-93C4-4BCD-93E2-E3B085C9AB24}">
-                  <p16:designElem xmlns:p16="http://schemas.microsoft.com/office/powerpoint/2015/main" val="1"/>
+                  <p16:designElem xmlns:p16="http://schemas.microsoft.com/office/powerpoint/2015/main" xmlns="" val="1"/>
                 </p:ext>
               </p:extLst>
             </p:nvPr>
@@ -17754,10 +17762,10 @@
           <p:cNvPr id="21" name="Rectangle 20">
             <a:extLst>
               <a:ext uri="{FF2B5EF4-FFF2-40B4-BE49-F238E27FC236}">
-                <a16:creationId xmlns:a16="http://schemas.microsoft.com/office/drawing/2014/main" id="{4E74DA95-CD7A-4D5E-9D27-67A759CE708D}"/>
+                <a16:creationId xmlns:a16="http://schemas.microsoft.com/office/drawing/2014/main" xmlns="" id="{4E74DA95-CD7A-4D5E-9D27-67A759CE708D}"/>
               </a:ext>
               <a:ext uri="{C183D7F6-B498-43B3-948B-1728B52AA6E4}">
-                <adec:decorative xmlns:adec="http://schemas.microsoft.com/office/drawing/2017/decorative" val="1"/>
+                <adec:decorative xmlns:adec="http://schemas.microsoft.com/office/drawing/2017/decorative" xmlns="" val="1"/>
               </a:ext>
             </a:extLst>
           </p:cNvPr>
@@ -17767,7 +17775,7 @@
           <p:nvPr>
             <p:extLst>
               <p:ext uri="{386F3935-93C4-4BCD-93E2-E3B085C9AB24}">
-                <p16:designElem xmlns:p16="http://schemas.microsoft.com/office/powerpoint/2015/main" val="1"/>
+                <p16:designElem xmlns:p16="http://schemas.microsoft.com/office/powerpoint/2015/main" xmlns="" val="1"/>
               </p:ext>
             </p:extLst>
           </p:nvPr>
@@ -17816,7 +17824,7 @@
           <p:cNvPr id="2" name="slide4">
             <a:extLst>
               <a:ext uri="{FF2B5EF4-FFF2-40B4-BE49-F238E27FC236}">
-                <a16:creationId xmlns:a16="http://schemas.microsoft.com/office/drawing/2014/main" id="{BEC777A4-83C1-4621-BBEA-41AEF15FDF51}"/>
+                <a16:creationId xmlns:a16="http://schemas.microsoft.com/office/drawing/2014/main" xmlns="" id="{BEC777A4-83C1-4621-BBEA-41AEF15FDF51}"/>
               </a:ext>
             </a:extLst>
           </p:cNvPr>
@@ -17852,10 +17860,10 @@
           <p:cNvPr id="23" name="Straight Connector 22">
             <a:extLst>
               <a:ext uri="{FF2B5EF4-FFF2-40B4-BE49-F238E27FC236}">
-                <a16:creationId xmlns:a16="http://schemas.microsoft.com/office/drawing/2014/main" id="{14AA3B5C-0C55-4FFF-9C45-8F9F7C074A4E}"/>
+                <a16:creationId xmlns:a16="http://schemas.microsoft.com/office/drawing/2014/main" xmlns="" id="{14AA3B5C-0C55-4FFF-9C45-8F9F7C074A4E}"/>
               </a:ext>
               <a:ext uri="{C183D7F6-B498-43B3-948B-1728B52AA6E4}">
-                <adec:decorative xmlns:adec="http://schemas.microsoft.com/office/drawing/2017/decorative" val="1"/>
+                <adec:decorative xmlns:adec="http://schemas.microsoft.com/office/drawing/2017/decorative" xmlns="" val="1"/>
               </a:ext>
             </a:extLst>
           </p:cNvPr>
@@ -17865,7 +17873,7 @@
           <p:nvPr>
             <p:extLst>
               <p:ext uri="{386F3935-93C4-4BCD-93E2-E3B085C9AB24}">
-                <p16:designElem xmlns:p16="http://schemas.microsoft.com/office/powerpoint/2015/main" val="1"/>
+                <p16:designElem xmlns:p16="http://schemas.microsoft.com/office/powerpoint/2015/main" xmlns="" val="1"/>
               </p:ext>
             </p:extLst>
           </p:nvPr>
@@ -17899,7 +17907,7 @@
           <p:cNvPr id="3" name="slide5">
             <a:extLst>
               <a:ext uri="{FF2B5EF4-FFF2-40B4-BE49-F238E27FC236}">
-                <a16:creationId xmlns:a16="http://schemas.microsoft.com/office/drawing/2014/main" id="{00541EC6-A082-4062-8762-8B324F436D40}"/>
+                <a16:creationId xmlns:a16="http://schemas.microsoft.com/office/drawing/2014/main" xmlns="" id="{00541EC6-A082-4062-8762-8B324F436D40}"/>
               </a:ext>
             </a:extLst>
           </p:cNvPr>
@@ -17973,10 +17981,10 @@
           <p:cNvPr id="39" name="Rectangle 38">
             <a:extLst>
               <a:ext uri="{FF2B5EF4-FFF2-40B4-BE49-F238E27FC236}">
-                <a16:creationId xmlns:a16="http://schemas.microsoft.com/office/drawing/2014/main" id="{7459C506-5F4B-4B75-9218-C7C3F87FA8D3}"/>
+                <a16:creationId xmlns:a16="http://schemas.microsoft.com/office/drawing/2014/main" xmlns="" id="{7459C506-5F4B-4B75-9218-C7C3F87FA8D3}"/>
               </a:ext>
               <a:ext uri="{C183D7F6-B498-43B3-948B-1728B52AA6E4}">
-                <adec:decorative xmlns:adec="http://schemas.microsoft.com/office/drawing/2017/decorative" val="1"/>
+                <adec:decorative xmlns:adec="http://schemas.microsoft.com/office/drawing/2017/decorative" xmlns="" val="1"/>
               </a:ext>
             </a:extLst>
           </p:cNvPr>
@@ -17986,7 +17994,7 @@
           <p:nvPr>
             <p:extLst>
               <p:ext uri="{386F3935-93C4-4BCD-93E2-E3B085C9AB24}">
-                <p16:designElem xmlns:p16="http://schemas.microsoft.com/office/powerpoint/2015/main" val="1"/>
+                <p16:designElem xmlns:p16="http://schemas.microsoft.com/office/powerpoint/2015/main" xmlns="" val="1"/>
               </p:ext>
             </p:extLst>
           </p:nvPr>
@@ -18033,10 +18041,10 @@
           <p:cNvPr id="41" name="Group 40">
             <a:extLst>
               <a:ext uri="{FF2B5EF4-FFF2-40B4-BE49-F238E27FC236}">
-                <a16:creationId xmlns:a16="http://schemas.microsoft.com/office/drawing/2014/main" id="{BC659EEB-C3AE-4544-8263-417009DCDF41}"/>
+                <a16:creationId xmlns:a16="http://schemas.microsoft.com/office/drawing/2014/main" xmlns="" id="{BC659EEB-C3AE-4544-8263-417009DCDF41}"/>
               </a:ext>
               <a:ext uri="{C183D7F6-B498-43B3-948B-1728B52AA6E4}">
-                <adec:decorative xmlns:adec="http://schemas.microsoft.com/office/drawing/2017/decorative" val="1"/>
+                <adec:decorative xmlns:adec="http://schemas.microsoft.com/office/drawing/2017/decorative" xmlns="" val="1"/>
               </a:ext>
             </a:extLst>
           </p:cNvPr>
@@ -18046,7 +18054,7 @@
           <p:nvPr>
             <p:extLst>
               <p:ext uri="{386F3935-93C4-4BCD-93E2-E3B085C9AB24}">
-                <p16:designElem xmlns:p16="http://schemas.microsoft.com/office/powerpoint/2015/main" val="1"/>
+                <p16:designElem xmlns:p16="http://schemas.microsoft.com/office/powerpoint/2015/main" xmlns="" val="1"/>
               </p:ext>
             </p:extLst>
           </p:nvPr>
@@ -18064,10 +18072,10 @@
             <p:cNvPr id="42" name="Straight Connector 41">
               <a:extLst>
                 <a:ext uri="{FF2B5EF4-FFF2-40B4-BE49-F238E27FC236}">
-                  <a16:creationId xmlns:a16="http://schemas.microsoft.com/office/drawing/2014/main" id="{D99DB6C6-36F9-4576-A558-95153EADBE41}"/>
+                  <a16:creationId xmlns:a16="http://schemas.microsoft.com/office/drawing/2014/main" xmlns="" id="{D99DB6C6-36F9-4576-A558-95153EADBE41}"/>
                 </a:ext>
                 <a:ext uri="{C183D7F6-B498-43B3-948B-1728B52AA6E4}">
-                  <adec:decorative xmlns:adec="http://schemas.microsoft.com/office/drawing/2017/decorative" val="1"/>
+                  <adec:decorative xmlns:adec="http://schemas.microsoft.com/office/drawing/2017/decorative" xmlns="" val="1"/>
                 </a:ext>
               </a:extLst>
             </p:cNvPr>
@@ -18075,7 +18083,7 @@
             <p:nvPr>
               <p:extLst>
                 <p:ext uri="{386F3935-93C4-4BCD-93E2-E3B085C9AB24}">
-                  <p16:designElem xmlns:p16="http://schemas.microsoft.com/office/powerpoint/2015/main" val="1"/>
+                  <p16:designElem xmlns:p16="http://schemas.microsoft.com/office/powerpoint/2015/main" xmlns="" val="1"/>
                 </p:ext>
               </p:extLst>
             </p:nvPr>
@@ -18116,10 +18124,10 @@
             <p:cNvPr id="43" name="Rectangle 23">
               <a:extLst>
                 <a:ext uri="{FF2B5EF4-FFF2-40B4-BE49-F238E27FC236}">
-                  <a16:creationId xmlns:a16="http://schemas.microsoft.com/office/drawing/2014/main" id="{694E7916-EDE4-4B50-A4A1-6B28FDD4D9B9}"/>
+                  <a16:creationId xmlns:a16="http://schemas.microsoft.com/office/drawing/2014/main" xmlns="" id="{694E7916-EDE4-4B50-A4A1-6B28FDD4D9B9}"/>
                 </a:ext>
                 <a:ext uri="{C183D7F6-B498-43B3-948B-1728B52AA6E4}">
-                  <adec:decorative xmlns:adec="http://schemas.microsoft.com/office/drawing/2017/decorative" val="1"/>
+                  <adec:decorative xmlns:adec="http://schemas.microsoft.com/office/drawing/2017/decorative" xmlns="" val="1"/>
                 </a:ext>
               </a:extLst>
             </p:cNvPr>
@@ -18127,7 +18135,7 @@
             <p:nvPr>
               <p:extLst>
                 <p:ext uri="{386F3935-93C4-4BCD-93E2-E3B085C9AB24}">
-                  <p16:designElem xmlns:p16="http://schemas.microsoft.com/office/powerpoint/2015/main" val="1"/>
+                  <p16:designElem xmlns:p16="http://schemas.microsoft.com/office/powerpoint/2015/main" xmlns="" val="1"/>
                 </p:ext>
               </p:extLst>
             </p:nvPr>
@@ -18194,10 +18202,10 @@
             <p:cNvPr id="44" name="Rectangle 25">
               <a:extLst>
                 <a:ext uri="{FF2B5EF4-FFF2-40B4-BE49-F238E27FC236}">
-                  <a16:creationId xmlns:a16="http://schemas.microsoft.com/office/drawing/2014/main" id="{6F6CB7BB-4370-4173-97F8-F636C0F149F1}"/>
+                  <a16:creationId xmlns:a16="http://schemas.microsoft.com/office/drawing/2014/main" xmlns="" id="{6F6CB7BB-4370-4173-97F8-F636C0F149F1}"/>
                 </a:ext>
                 <a:ext uri="{C183D7F6-B498-43B3-948B-1728B52AA6E4}">
-                  <adec:decorative xmlns:adec="http://schemas.microsoft.com/office/drawing/2017/decorative" val="1"/>
+                  <adec:decorative xmlns:adec="http://schemas.microsoft.com/office/drawing/2017/decorative" xmlns="" val="1"/>
                 </a:ext>
               </a:extLst>
             </p:cNvPr>
@@ -18205,7 +18213,7 @@
             <p:nvPr>
               <p:extLst>
                 <p:ext uri="{386F3935-93C4-4BCD-93E2-E3B085C9AB24}">
-                  <p16:designElem xmlns:p16="http://schemas.microsoft.com/office/powerpoint/2015/main" val="1"/>
+                  <p16:designElem xmlns:p16="http://schemas.microsoft.com/office/powerpoint/2015/main" xmlns="" val="1"/>
                 </p:ext>
               </p:extLst>
             </p:nvPr>
@@ -18272,10 +18280,10 @@
             <p:cNvPr id="45" name="Isosceles Triangle 44">
               <a:extLst>
                 <a:ext uri="{FF2B5EF4-FFF2-40B4-BE49-F238E27FC236}">
-                  <a16:creationId xmlns:a16="http://schemas.microsoft.com/office/drawing/2014/main" id="{B0F590BB-1F51-4138-A2D4-2E483C84FB07}"/>
+                  <a16:creationId xmlns:a16="http://schemas.microsoft.com/office/drawing/2014/main" xmlns="" id="{B0F590BB-1F51-4138-A2D4-2E483C84FB07}"/>
                 </a:ext>
                 <a:ext uri="{C183D7F6-B498-43B3-948B-1728B52AA6E4}">
-                  <adec:decorative xmlns:adec="http://schemas.microsoft.com/office/drawing/2017/decorative" val="1"/>
+                  <adec:decorative xmlns:adec="http://schemas.microsoft.com/office/drawing/2017/decorative" xmlns="" val="1"/>
                 </a:ext>
               </a:extLst>
             </p:cNvPr>
@@ -18283,7 +18291,7 @@
             <p:nvPr>
               <p:extLst>
                 <p:ext uri="{386F3935-93C4-4BCD-93E2-E3B085C9AB24}">
-                  <p16:designElem xmlns:p16="http://schemas.microsoft.com/office/powerpoint/2015/main" val="1"/>
+                  <p16:designElem xmlns:p16="http://schemas.microsoft.com/office/powerpoint/2015/main" xmlns="" val="1"/>
                 </p:ext>
               </p:extLst>
             </p:nvPr>
@@ -18328,10 +18336,10 @@
             <p:cNvPr id="46" name="Rectangle 27">
               <a:extLst>
                 <a:ext uri="{FF2B5EF4-FFF2-40B4-BE49-F238E27FC236}">
-                  <a16:creationId xmlns:a16="http://schemas.microsoft.com/office/drawing/2014/main" id="{4A492863-9797-45A2-BAB3-514F10C5F254}"/>
+                  <a16:creationId xmlns:a16="http://schemas.microsoft.com/office/drawing/2014/main" xmlns="" id="{4A492863-9797-45A2-BAB3-514F10C5F254}"/>
                 </a:ext>
                 <a:ext uri="{C183D7F6-B498-43B3-948B-1728B52AA6E4}">
-                  <adec:decorative xmlns:adec="http://schemas.microsoft.com/office/drawing/2017/decorative" val="1"/>
+                  <adec:decorative xmlns:adec="http://schemas.microsoft.com/office/drawing/2017/decorative" xmlns="" val="1"/>
                 </a:ext>
               </a:extLst>
             </p:cNvPr>
@@ -18339,7 +18347,7 @@
             <p:nvPr>
               <p:extLst>
                 <p:ext uri="{386F3935-93C4-4BCD-93E2-E3B085C9AB24}">
-                  <p16:designElem xmlns:p16="http://schemas.microsoft.com/office/powerpoint/2015/main" val="1"/>
+                  <p16:designElem xmlns:p16="http://schemas.microsoft.com/office/powerpoint/2015/main" xmlns="" val="1"/>
                 </p:ext>
               </p:extLst>
             </p:nvPr>
@@ -18407,10 +18415,10 @@
             <p:cNvPr id="47" name="Rectangle 28">
               <a:extLst>
                 <a:ext uri="{FF2B5EF4-FFF2-40B4-BE49-F238E27FC236}">
-                  <a16:creationId xmlns:a16="http://schemas.microsoft.com/office/drawing/2014/main" id="{7C1E33F6-6D0F-4ECF-92F4-6F71D8BAF3D9}"/>
+                  <a16:creationId xmlns:a16="http://schemas.microsoft.com/office/drawing/2014/main" xmlns="" id="{7C1E33F6-6D0F-4ECF-92F4-6F71D8BAF3D9}"/>
                 </a:ext>
                 <a:ext uri="{C183D7F6-B498-43B3-948B-1728B52AA6E4}">
-                  <adec:decorative xmlns:adec="http://schemas.microsoft.com/office/drawing/2017/decorative" val="1"/>
+                  <adec:decorative xmlns:adec="http://schemas.microsoft.com/office/drawing/2017/decorative" xmlns="" val="1"/>
                 </a:ext>
               </a:extLst>
             </p:cNvPr>
@@ -18418,7 +18426,7 @@
             <p:nvPr>
               <p:extLst>
                 <p:ext uri="{386F3935-93C4-4BCD-93E2-E3B085C9AB24}">
-                  <p16:designElem xmlns:p16="http://schemas.microsoft.com/office/powerpoint/2015/main" val="1"/>
+                  <p16:designElem xmlns:p16="http://schemas.microsoft.com/office/powerpoint/2015/main" xmlns="" val="1"/>
                 </p:ext>
               </p:extLst>
             </p:nvPr>
@@ -18487,10 +18495,10 @@
             <p:cNvPr id="48" name="Rectangle 29">
               <a:extLst>
                 <a:ext uri="{FF2B5EF4-FFF2-40B4-BE49-F238E27FC236}">
-                  <a16:creationId xmlns:a16="http://schemas.microsoft.com/office/drawing/2014/main" id="{73EEEA64-7411-474B-BD0E-60C24B3F4E56}"/>
+                  <a16:creationId xmlns:a16="http://schemas.microsoft.com/office/drawing/2014/main" xmlns="" id="{73EEEA64-7411-474B-BD0E-60C24B3F4E56}"/>
                 </a:ext>
                 <a:ext uri="{C183D7F6-B498-43B3-948B-1728B52AA6E4}">
-                  <adec:decorative xmlns:adec="http://schemas.microsoft.com/office/drawing/2017/decorative" val="1"/>
+                  <adec:decorative xmlns:adec="http://schemas.microsoft.com/office/drawing/2017/decorative" xmlns="" val="1"/>
                 </a:ext>
               </a:extLst>
             </p:cNvPr>
@@ -18498,7 +18506,7 @@
             <p:nvPr>
               <p:extLst>
                 <p:ext uri="{386F3935-93C4-4BCD-93E2-E3B085C9AB24}">
-                  <p16:designElem xmlns:p16="http://schemas.microsoft.com/office/powerpoint/2015/main" val="1"/>
+                  <p16:designElem xmlns:p16="http://schemas.microsoft.com/office/powerpoint/2015/main" xmlns="" val="1"/>
                 </p:ext>
               </p:extLst>
             </p:nvPr>
@@ -18565,10 +18573,10 @@
             <p:cNvPr id="49" name="Isosceles Triangle 48">
               <a:extLst>
                 <a:ext uri="{FF2B5EF4-FFF2-40B4-BE49-F238E27FC236}">
-                  <a16:creationId xmlns:a16="http://schemas.microsoft.com/office/drawing/2014/main" id="{4F82A6DD-92BB-4443-B5A5-05240DD5580E}"/>
+                  <a16:creationId xmlns:a16="http://schemas.microsoft.com/office/drawing/2014/main" xmlns="" id="{4F82A6DD-92BB-4443-B5A5-05240DD5580E}"/>
                 </a:ext>
                 <a:ext uri="{C183D7F6-B498-43B3-948B-1728B52AA6E4}">
-                  <adec:decorative xmlns:adec="http://schemas.microsoft.com/office/drawing/2017/decorative" val="1"/>
+                  <adec:decorative xmlns:adec="http://schemas.microsoft.com/office/drawing/2017/decorative" xmlns="" val="1"/>
                 </a:ext>
               </a:extLst>
             </p:cNvPr>
@@ -18576,7 +18584,7 @@
             <p:nvPr>
               <p:extLst>
                 <p:ext uri="{386F3935-93C4-4BCD-93E2-E3B085C9AB24}">
-                  <p16:designElem xmlns:p16="http://schemas.microsoft.com/office/powerpoint/2015/main" val="1"/>
+                  <p16:designElem xmlns:p16="http://schemas.microsoft.com/office/powerpoint/2015/main" xmlns="" val="1"/>
                 </p:ext>
               </p:extLst>
             </p:nvPr>
@@ -18621,10 +18629,10 @@
             <p:cNvPr id="50" name="Isosceles Triangle 49">
               <a:extLst>
                 <a:ext uri="{FF2B5EF4-FFF2-40B4-BE49-F238E27FC236}">
-                  <a16:creationId xmlns:a16="http://schemas.microsoft.com/office/drawing/2014/main" id="{79832BCB-1DCF-46AC-9FFA-170791668D8C}"/>
+                  <a16:creationId xmlns:a16="http://schemas.microsoft.com/office/drawing/2014/main" xmlns="" id="{79832BCB-1DCF-46AC-9FFA-170791668D8C}"/>
                 </a:ext>
                 <a:ext uri="{C183D7F6-B498-43B3-948B-1728B52AA6E4}">
-                  <adec:decorative xmlns:adec="http://schemas.microsoft.com/office/drawing/2017/decorative" val="1"/>
+                  <adec:decorative xmlns:adec="http://schemas.microsoft.com/office/drawing/2017/decorative" xmlns="" val="1"/>
                 </a:ext>
               </a:extLst>
             </p:cNvPr>
@@ -18632,7 +18640,7 @@
             <p:nvPr>
               <p:extLst>
                 <p:ext uri="{386F3935-93C4-4BCD-93E2-E3B085C9AB24}">
-                  <p16:designElem xmlns:p16="http://schemas.microsoft.com/office/powerpoint/2015/main" val="1"/>
+                  <p16:designElem xmlns:p16="http://schemas.microsoft.com/office/powerpoint/2015/main" xmlns="" val="1"/>
                 </p:ext>
               </p:extLst>
             </p:nvPr>
@@ -18678,10 +18686,10 @@
           <p:cNvPr id="52" name="Rectangle 51">
             <a:extLst>
               <a:ext uri="{FF2B5EF4-FFF2-40B4-BE49-F238E27FC236}">
-                <a16:creationId xmlns:a16="http://schemas.microsoft.com/office/drawing/2014/main" id="{4E74DA95-CD7A-4D5E-9D27-67A759CE708D}"/>
+                <a16:creationId xmlns:a16="http://schemas.microsoft.com/office/drawing/2014/main" xmlns="" id="{4E74DA95-CD7A-4D5E-9D27-67A759CE708D}"/>
               </a:ext>
               <a:ext uri="{C183D7F6-B498-43B3-948B-1728B52AA6E4}">
-                <adec:decorative xmlns:adec="http://schemas.microsoft.com/office/drawing/2017/decorative" val="1"/>
+                <adec:decorative xmlns:adec="http://schemas.microsoft.com/office/drawing/2017/decorative" xmlns="" val="1"/>
               </a:ext>
             </a:extLst>
           </p:cNvPr>
@@ -18691,7 +18699,7 @@
           <p:nvPr>
             <p:extLst>
               <p:ext uri="{386F3935-93C4-4BCD-93E2-E3B085C9AB24}">
-                <p16:designElem xmlns:p16="http://schemas.microsoft.com/office/powerpoint/2015/main" val="1"/>
+                <p16:designElem xmlns:p16="http://schemas.microsoft.com/office/powerpoint/2015/main" xmlns="" val="1"/>
               </p:ext>
             </p:extLst>
           </p:nvPr>
@@ -18740,7 +18748,7 @@
           <p:cNvPr id="5" name="slide6">
             <a:extLst>
               <a:ext uri="{FF2B5EF4-FFF2-40B4-BE49-F238E27FC236}">
-                <a16:creationId xmlns:a16="http://schemas.microsoft.com/office/drawing/2014/main" id="{68F416CC-D521-4273-BF3E-FA6181F163CC}"/>
+                <a16:creationId xmlns:a16="http://schemas.microsoft.com/office/drawing/2014/main" xmlns="" id="{68F416CC-D521-4273-BF3E-FA6181F163CC}"/>
               </a:ext>
             </a:extLst>
           </p:cNvPr>
@@ -18776,10 +18784,10 @@
           <p:cNvPr id="54" name="Straight Connector 53">
             <a:extLst>
               <a:ext uri="{FF2B5EF4-FFF2-40B4-BE49-F238E27FC236}">
-                <a16:creationId xmlns:a16="http://schemas.microsoft.com/office/drawing/2014/main" id="{14AA3B5C-0C55-4FFF-9C45-8F9F7C074A4E}"/>
+                <a16:creationId xmlns:a16="http://schemas.microsoft.com/office/drawing/2014/main" xmlns="" id="{14AA3B5C-0C55-4FFF-9C45-8F9F7C074A4E}"/>
               </a:ext>
               <a:ext uri="{C183D7F6-B498-43B3-948B-1728B52AA6E4}">
-                <adec:decorative xmlns:adec="http://schemas.microsoft.com/office/drawing/2017/decorative" val="1"/>
+                <adec:decorative xmlns:adec="http://schemas.microsoft.com/office/drawing/2017/decorative" xmlns="" val="1"/>
               </a:ext>
             </a:extLst>
           </p:cNvPr>
@@ -18789,7 +18797,7 @@
           <p:nvPr>
             <p:extLst>
               <p:ext uri="{386F3935-93C4-4BCD-93E2-E3B085C9AB24}">
-                <p16:designElem xmlns:p16="http://schemas.microsoft.com/office/powerpoint/2015/main" val="1"/>
+                <p16:designElem xmlns:p16="http://schemas.microsoft.com/office/powerpoint/2015/main" xmlns="" val="1"/>
               </p:ext>
             </p:extLst>
           </p:nvPr>
@@ -18823,7 +18831,7 @@
           <p:cNvPr id="2" name="slide3">
             <a:extLst>
               <a:ext uri="{FF2B5EF4-FFF2-40B4-BE49-F238E27FC236}">
-                <a16:creationId xmlns:a16="http://schemas.microsoft.com/office/drawing/2014/main" id="{66226FF5-3052-4B87-B290-DF5322CE9FA9}"/>
+                <a16:creationId xmlns:a16="http://schemas.microsoft.com/office/drawing/2014/main" xmlns="" id="{66226FF5-3052-4B87-B290-DF5322CE9FA9}"/>
               </a:ext>
             </a:extLst>
           </p:cNvPr>
@@ -18897,10 +18905,10 @@
           <p:cNvPr id="7" name="Rectangle 6">
             <a:extLst>
               <a:ext uri="{FF2B5EF4-FFF2-40B4-BE49-F238E27FC236}">
-                <a16:creationId xmlns:a16="http://schemas.microsoft.com/office/drawing/2014/main" id="{03E8462A-FEBA-4848-81CC-3F8DA3E477BE}"/>
+                <a16:creationId xmlns:a16="http://schemas.microsoft.com/office/drawing/2014/main" xmlns="" id="{03E8462A-FEBA-4848-81CC-3F8DA3E477BE}"/>
               </a:ext>
               <a:ext uri="{C183D7F6-B498-43B3-948B-1728B52AA6E4}">
-                <adec:decorative xmlns:adec="http://schemas.microsoft.com/office/drawing/2017/decorative" val="1"/>
+                <adec:decorative xmlns:adec="http://schemas.microsoft.com/office/drawing/2017/decorative" xmlns="" val="1"/>
               </a:ext>
             </a:extLst>
           </p:cNvPr>
@@ -18910,7 +18918,7 @@
           <p:nvPr>
             <p:extLst>
               <p:ext uri="{386F3935-93C4-4BCD-93E2-E3B085C9AB24}">
-                <p16:designElem xmlns:p16="http://schemas.microsoft.com/office/powerpoint/2015/main" val="1"/>
+                <p16:designElem xmlns:p16="http://schemas.microsoft.com/office/powerpoint/2015/main" xmlns="" val="1"/>
               </p:ext>
             </p:extLst>
           </p:nvPr>
@@ -18960,10 +18968,10 @@
           <p:cNvPr id="9" name="Group 8">
             <a:extLst>
               <a:ext uri="{FF2B5EF4-FFF2-40B4-BE49-F238E27FC236}">
-                <a16:creationId xmlns:a16="http://schemas.microsoft.com/office/drawing/2014/main" id="{2109F83F-40FE-4DB3-84CC-09FB3340D06D}"/>
+                <a16:creationId xmlns:a16="http://schemas.microsoft.com/office/drawing/2014/main" xmlns="" id="{2109F83F-40FE-4DB3-84CC-09FB3340D06D}"/>
               </a:ext>
               <a:ext uri="{C183D7F6-B498-43B3-948B-1728B52AA6E4}">
-                <adec:decorative xmlns:adec="http://schemas.microsoft.com/office/drawing/2017/decorative" val="1"/>
+                <adec:decorative xmlns:adec="http://schemas.microsoft.com/office/drawing/2017/decorative" xmlns="" val="1"/>
               </a:ext>
             </a:extLst>
           </p:cNvPr>
@@ -18973,7 +18981,7 @@
           <p:nvPr>
             <p:extLst>
               <p:ext uri="{386F3935-93C4-4BCD-93E2-E3B085C9AB24}">
-                <p16:designElem xmlns:p16="http://schemas.microsoft.com/office/powerpoint/2015/main" val="1"/>
+                <p16:designElem xmlns:p16="http://schemas.microsoft.com/office/powerpoint/2015/main" xmlns="" val="1"/>
               </p:ext>
             </p:extLst>
           </p:nvPr>
@@ -18991,10 +18999,10 @@
             <p:cNvPr id="10" name="Straight Connector 9">
               <a:extLst>
                 <a:ext uri="{FF2B5EF4-FFF2-40B4-BE49-F238E27FC236}">
-                  <a16:creationId xmlns:a16="http://schemas.microsoft.com/office/drawing/2014/main" id="{1DE492D7-C3C3-48FF-80C8-37021EA0262F}"/>
+                  <a16:creationId xmlns:a16="http://schemas.microsoft.com/office/drawing/2014/main" xmlns="" id="{1DE492D7-C3C3-48FF-80C8-37021EA0262F}"/>
                 </a:ext>
                 <a:ext uri="{C183D7F6-B498-43B3-948B-1728B52AA6E4}">
-                  <adec:decorative xmlns:adec="http://schemas.microsoft.com/office/drawing/2017/decorative" val="1"/>
+                  <adec:decorative xmlns:adec="http://schemas.microsoft.com/office/drawing/2017/decorative" xmlns="" val="1"/>
                 </a:ext>
               </a:extLst>
             </p:cNvPr>
@@ -19002,7 +19010,7 @@
             <p:nvPr>
               <p:extLst>
                 <p:ext uri="{386F3935-93C4-4BCD-93E2-E3B085C9AB24}">
-                  <p16:designElem xmlns:p16="http://schemas.microsoft.com/office/powerpoint/2015/main" val="1"/>
+                  <p16:designElem xmlns:p16="http://schemas.microsoft.com/office/powerpoint/2015/main" xmlns="" val="1"/>
                 </p:ext>
               </p:extLst>
             </p:nvPr>
@@ -19043,10 +19051,10 @@
             <p:cNvPr id="11" name="Rectangle 23">
               <a:extLst>
                 <a:ext uri="{FF2B5EF4-FFF2-40B4-BE49-F238E27FC236}">
-                  <a16:creationId xmlns:a16="http://schemas.microsoft.com/office/drawing/2014/main" id="{0B30FF97-2E9A-490A-AED2-90BA2E0EC17F}"/>
+                  <a16:creationId xmlns:a16="http://schemas.microsoft.com/office/drawing/2014/main" xmlns="" id="{0B30FF97-2E9A-490A-AED2-90BA2E0EC17F}"/>
                 </a:ext>
                 <a:ext uri="{C183D7F6-B498-43B3-948B-1728B52AA6E4}">
-                  <adec:decorative xmlns:adec="http://schemas.microsoft.com/office/drawing/2017/decorative" val="1"/>
+                  <adec:decorative xmlns:adec="http://schemas.microsoft.com/office/drawing/2017/decorative" xmlns="" val="1"/>
                 </a:ext>
               </a:extLst>
             </p:cNvPr>
@@ -19054,7 +19062,7 @@
             <p:nvPr>
               <p:extLst>
                 <p:ext uri="{386F3935-93C4-4BCD-93E2-E3B085C9AB24}">
-                  <p16:designElem xmlns:p16="http://schemas.microsoft.com/office/powerpoint/2015/main" val="1"/>
+                  <p16:designElem xmlns:p16="http://schemas.microsoft.com/office/powerpoint/2015/main" xmlns="" val="1"/>
                 </p:ext>
               </p:extLst>
             </p:nvPr>
@@ -19121,10 +19129,10 @@
             <p:cNvPr id="12" name="Rectangle 25">
               <a:extLst>
                 <a:ext uri="{FF2B5EF4-FFF2-40B4-BE49-F238E27FC236}">
-                  <a16:creationId xmlns:a16="http://schemas.microsoft.com/office/drawing/2014/main" id="{B6D53C7D-A312-47B6-A66A-230A19CFACA6}"/>
+                  <a16:creationId xmlns:a16="http://schemas.microsoft.com/office/drawing/2014/main" xmlns="" id="{B6D53C7D-A312-47B6-A66A-230A19CFACA6}"/>
                 </a:ext>
                 <a:ext uri="{C183D7F6-B498-43B3-948B-1728B52AA6E4}">
-                  <adec:decorative xmlns:adec="http://schemas.microsoft.com/office/drawing/2017/decorative" val="1"/>
+                  <adec:decorative xmlns:adec="http://schemas.microsoft.com/office/drawing/2017/decorative" xmlns="" val="1"/>
                 </a:ext>
               </a:extLst>
             </p:cNvPr>
@@ -19132,7 +19140,7 @@
             <p:nvPr>
               <p:extLst>
                 <p:ext uri="{386F3935-93C4-4BCD-93E2-E3B085C9AB24}">
-                  <p16:designElem xmlns:p16="http://schemas.microsoft.com/office/powerpoint/2015/main" val="1"/>
+                  <p16:designElem xmlns:p16="http://schemas.microsoft.com/office/powerpoint/2015/main" xmlns="" val="1"/>
                 </p:ext>
               </p:extLst>
             </p:nvPr>
@@ -19199,10 +19207,10 @@
             <p:cNvPr id="13" name="Isosceles Triangle 12">
               <a:extLst>
                 <a:ext uri="{FF2B5EF4-FFF2-40B4-BE49-F238E27FC236}">
-                  <a16:creationId xmlns:a16="http://schemas.microsoft.com/office/drawing/2014/main" id="{9329D58C-0D2E-4A2B-AD6A-9CEE506784A8}"/>
+                  <a16:creationId xmlns:a16="http://schemas.microsoft.com/office/drawing/2014/main" xmlns="" id="{9329D58C-0D2E-4A2B-AD6A-9CEE506784A8}"/>
                 </a:ext>
                 <a:ext uri="{C183D7F6-B498-43B3-948B-1728B52AA6E4}">
-                  <adec:decorative xmlns:adec="http://schemas.microsoft.com/office/drawing/2017/decorative" val="1"/>
+                  <adec:decorative xmlns:adec="http://schemas.microsoft.com/office/drawing/2017/decorative" xmlns="" val="1"/>
                 </a:ext>
               </a:extLst>
             </p:cNvPr>
@@ -19210,7 +19218,7 @@
             <p:nvPr>
               <p:extLst>
                 <p:ext uri="{386F3935-93C4-4BCD-93E2-E3B085C9AB24}">
-                  <p16:designElem xmlns:p16="http://schemas.microsoft.com/office/powerpoint/2015/main" val="1"/>
+                  <p16:designElem xmlns:p16="http://schemas.microsoft.com/office/powerpoint/2015/main" xmlns="" val="1"/>
                 </p:ext>
               </p:extLst>
             </p:nvPr>
@@ -19255,10 +19263,10 @@
             <p:cNvPr id="14" name="Rectangle 27">
               <a:extLst>
                 <a:ext uri="{FF2B5EF4-FFF2-40B4-BE49-F238E27FC236}">
-                  <a16:creationId xmlns:a16="http://schemas.microsoft.com/office/drawing/2014/main" id="{9D446EDE-C690-4461-8BF2-7634808FC8B4}"/>
+                  <a16:creationId xmlns:a16="http://schemas.microsoft.com/office/drawing/2014/main" xmlns="" id="{9D446EDE-C690-4461-8BF2-7634808FC8B4}"/>
                 </a:ext>
                 <a:ext uri="{C183D7F6-B498-43B3-948B-1728B52AA6E4}">
-                  <adec:decorative xmlns:adec="http://schemas.microsoft.com/office/drawing/2017/decorative" val="1"/>
+                  <adec:decorative xmlns:adec="http://schemas.microsoft.com/office/drawing/2017/decorative" xmlns="" val="1"/>
                 </a:ext>
               </a:extLst>
             </p:cNvPr>
@@ -19266,7 +19274,7 @@
             <p:nvPr>
               <p:extLst>
                 <p:ext uri="{386F3935-93C4-4BCD-93E2-E3B085C9AB24}">
-                  <p16:designElem xmlns:p16="http://schemas.microsoft.com/office/powerpoint/2015/main" val="1"/>
+                  <p16:designElem xmlns:p16="http://schemas.microsoft.com/office/powerpoint/2015/main" xmlns="" val="1"/>
                 </p:ext>
               </p:extLst>
             </p:nvPr>
@@ -19334,10 +19342,10 @@
             <p:cNvPr id="15" name="Rectangle 28">
               <a:extLst>
                 <a:ext uri="{FF2B5EF4-FFF2-40B4-BE49-F238E27FC236}">
-                  <a16:creationId xmlns:a16="http://schemas.microsoft.com/office/drawing/2014/main" id="{323F3D34-6531-4AD7-A8C6-195A090281A1}"/>
+                  <a16:creationId xmlns:a16="http://schemas.microsoft.com/office/drawing/2014/main" xmlns="" id="{323F3D34-6531-4AD7-A8C6-195A090281A1}"/>
                 </a:ext>
                 <a:ext uri="{C183D7F6-B498-43B3-948B-1728B52AA6E4}">
-                  <adec:decorative xmlns:adec="http://schemas.microsoft.com/office/drawing/2017/decorative" val="1"/>
+                  <adec:decorative xmlns:adec="http://schemas.microsoft.com/office/drawing/2017/decorative" xmlns="" val="1"/>
                 </a:ext>
               </a:extLst>
             </p:cNvPr>
@@ -19345,7 +19353,7 @@
             <p:nvPr>
               <p:extLst>
                 <p:ext uri="{386F3935-93C4-4BCD-93E2-E3B085C9AB24}">
-                  <p16:designElem xmlns:p16="http://schemas.microsoft.com/office/powerpoint/2015/main" val="1"/>
+                  <p16:designElem xmlns:p16="http://schemas.microsoft.com/office/powerpoint/2015/main" xmlns="" val="1"/>
                 </p:ext>
               </p:extLst>
             </p:nvPr>
@@ -19414,10 +19422,10 @@
             <p:cNvPr id="16" name="Rectangle 29">
               <a:extLst>
                 <a:ext uri="{FF2B5EF4-FFF2-40B4-BE49-F238E27FC236}">
-                  <a16:creationId xmlns:a16="http://schemas.microsoft.com/office/drawing/2014/main" id="{B9B0AE3F-2350-435F-A9B0-C310BF876385}"/>
+                  <a16:creationId xmlns:a16="http://schemas.microsoft.com/office/drawing/2014/main" xmlns="" id="{B9B0AE3F-2350-435F-A9B0-C310BF876385}"/>
                 </a:ext>
                 <a:ext uri="{C183D7F6-B498-43B3-948B-1728B52AA6E4}">
-                  <adec:decorative xmlns:adec="http://schemas.microsoft.com/office/drawing/2017/decorative" val="1"/>
+                  <adec:decorative xmlns:adec="http://schemas.microsoft.com/office/drawing/2017/decorative" xmlns="" val="1"/>
                 </a:ext>
               </a:extLst>
             </p:cNvPr>
@@ -19425,7 +19433,7 @@
             <p:nvPr>
               <p:extLst>
                 <p:ext uri="{386F3935-93C4-4BCD-93E2-E3B085C9AB24}">
-                  <p16:designElem xmlns:p16="http://schemas.microsoft.com/office/powerpoint/2015/main" val="1"/>
+                  <p16:designElem xmlns:p16="http://schemas.microsoft.com/office/powerpoint/2015/main" xmlns="" val="1"/>
                 </p:ext>
               </p:extLst>
             </p:nvPr>
@@ -19492,10 +19500,10 @@
             <p:cNvPr id="17" name="Isosceles Triangle 16">
               <a:extLst>
                 <a:ext uri="{FF2B5EF4-FFF2-40B4-BE49-F238E27FC236}">
-                  <a16:creationId xmlns:a16="http://schemas.microsoft.com/office/drawing/2014/main" id="{4EFA655C-9E50-4C14-A89E-AD7B648E4E2B}"/>
+                  <a16:creationId xmlns:a16="http://schemas.microsoft.com/office/drawing/2014/main" xmlns="" id="{4EFA655C-9E50-4C14-A89E-AD7B648E4E2B}"/>
                 </a:ext>
                 <a:ext uri="{C183D7F6-B498-43B3-948B-1728B52AA6E4}">
-                  <adec:decorative xmlns:adec="http://schemas.microsoft.com/office/drawing/2017/decorative" val="1"/>
+                  <adec:decorative xmlns:adec="http://schemas.microsoft.com/office/drawing/2017/decorative" xmlns="" val="1"/>
                 </a:ext>
               </a:extLst>
             </p:cNvPr>
@@ -19503,7 +19511,7 @@
             <p:nvPr>
               <p:extLst>
                 <p:ext uri="{386F3935-93C4-4BCD-93E2-E3B085C9AB24}">
-                  <p16:designElem xmlns:p16="http://schemas.microsoft.com/office/powerpoint/2015/main" val="1"/>
+                  <p16:designElem xmlns:p16="http://schemas.microsoft.com/office/powerpoint/2015/main" xmlns="" val="1"/>
                 </p:ext>
               </p:extLst>
             </p:nvPr>
@@ -19548,10 +19556,10 @@
             <p:cNvPr id="18" name="Isosceles Triangle 17">
               <a:extLst>
                 <a:ext uri="{FF2B5EF4-FFF2-40B4-BE49-F238E27FC236}">
-                  <a16:creationId xmlns:a16="http://schemas.microsoft.com/office/drawing/2014/main" id="{3E843863-7D25-4C01-9A17-E817CB6D998A}"/>
+                  <a16:creationId xmlns:a16="http://schemas.microsoft.com/office/drawing/2014/main" xmlns="" id="{3E843863-7D25-4C01-9A17-E817CB6D998A}"/>
                 </a:ext>
                 <a:ext uri="{C183D7F6-B498-43B3-948B-1728B52AA6E4}">
-                  <adec:decorative xmlns:adec="http://schemas.microsoft.com/office/drawing/2017/decorative" val="1"/>
+                  <adec:decorative xmlns:adec="http://schemas.microsoft.com/office/drawing/2017/decorative" xmlns="" val="1"/>
                 </a:ext>
               </a:extLst>
             </p:cNvPr>
@@ -19559,7 +19567,7 @@
             <p:nvPr>
               <p:extLst>
                 <p:ext uri="{386F3935-93C4-4BCD-93E2-E3B085C9AB24}">
-                  <p16:designElem xmlns:p16="http://schemas.microsoft.com/office/powerpoint/2015/main" val="1"/>
+                  <p16:designElem xmlns:p16="http://schemas.microsoft.com/office/powerpoint/2015/main" xmlns="" val="1"/>
                 </p:ext>
               </p:extLst>
             </p:nvPr>
@@ -19605,10 +19613,10 @@
           <p:cNvPr id="20" name="Rectangle 19">
             <a:extLst>
               <a:ext uri="{FF2B5EF4-FFF2-40B4-BE49-F238E27FC236}">
-                <a16:creationId xmlns:a16="http://schemas.microsoft.com/office/drawing/2014/main" id="{7941F9B1-B01B-4A84-89D9-B169AEB4E456}"/>
+                <a16:creationId xmlns:a16="http://schemas.microsoft.com/office/drawing/2014/main" xmlns="" id="{7941F9B1-B01B-4A84-89D9-B169AEB4E456}"/>
               </a:ext>
               <a:ext uri="{C183D7F6-B498-43B3-948B-1728B52AA6E4}">
-                <adec:decorative xmlns:adec="http://schemas.microsoft.com/office/drawing/2017/decorative" val="1"/>
+                <adec:decorative xmlns:adec="http://schemas.microsoft.com/office/drawing/2017/decorative" xmlns="" val="1"/>
               </a:ext>
             </a:extLst>
           </p:cNvPr>
@@ -19618,7 +19626,7 @@
           <p:nvPr>
             <p:extLst>
               <p:ext uri="{386F3935-93C4-4BCD-93E2-E3B085C9AB24}">
-                <p16:designElem xmlns:p16="http://schemas.microsoft.com/office/powerpoint/2015/main" val="1"/>
+                <p16:designElem xmlns:p16="http://schemas.microsoft.com/office/powerpoint/2015/main" xmlns="" val="1"/>
               </p:ext>
             </p:extLst>
           </p:nvPr>
@@ -19675,7 +19683,7 @@
           <p:cNvPr id="2" name="slide7">
             <a:extLst>
               <a:ext uri="{FF2B5EF4-FFF2-40B4-BE49-F238E27FC236}">
-                <a16:creationId xmlns:a16="http://schemas.microsoft.com/office/drawing/2014/main" id="{32FA218C-9DCC-4749-AE77-6B7422F4D2E4}"/>
+                <a16:creationId xmlns:a16="http://schemas.microsoft.com/office/drawing/2014/main" xmlns="" id="{32FA218C-9DCC-4749-AE77-6B7422F4D2E4}"/>
               </a:ext>
             </a:extLst>
           </p:cNvPr>
@@ -19741,7 +19749,7 @@
           <p:cNvPr id="2" name="slide12">
             <a:extLst>
               <a:ext uri="{FF2B5EF4-FFF2-40B4-BE49-F238E27FC236}">
-                <a16:creationId xmlns:a16="http://schemas.microsoft.com/office/drawing/2014/main" id="{182788E9-656A-4F10-9AA0-9542414F6BC9}"/>
+                <a16:creationId xmlns:a16="http://schemas.microsoft.com/office/drawing/2014/main" xmlns="" id="{182788E9-656A-4F10-9AA0-9542414F6BC9}"/>
               </a:ext>
             </a:extLst>
           </p:cNvPr>
@@ -19777,7 +19785,7 @@
           <p:cNvPr id="3" name="slide13">
             <a:extLst>
               <a:ext uri="{FF2B5EF4-FFF2-40B4-BE49-F238E27FC236}">
-                <a16:creationId xmlns:a16="http://schemas.microsoft.com/office/drawing/2014/main" id="{BD5FCEEC-5BC0-4443-BB76-C818E5150BCA}"/>
+                <a16:creationId xmlns:a16="http://schemas.microsoft.com/office/drawing/2014/main" xmlns="" id="{BD5FCEEC-5BC0-4443-BB76-C818E5150BCA}"/>
               </a:ext>
             </a:extLst>
           </p:cNvPr>
@@ -19852,7 +19860,7 @@
           <p:cNvPr id="4" name="slide17">
             <a:extLst>
               <a:ext uri="{FF2B5EF4-FFF2-40B4-BE49-F238E27FC236}">
-                <a16:creationId xmlns:a16="http://schemas.microsoft.com/office/drawing/2014/main" id="{A7CE866C-AA16-41F3-A929-534EA195EEC5}"/>
+                <a16:creationId xmlns:a16="http://schemas.microsoft.com/office/drawing/2014/main" xmlns="" id="{A7CE866C-AA16-41F3-A929-534EA195EEC5}"/>
               </a:ext>
             </a:extLst>
           </p:cNvPr>
@@ -19862,7 +19870,7 @@
           <p:nvPr/>
         </p:nvPicPr>
         <p:blipFill>
-          <a:blip r:embed="rId2">
+          <a:blip r:embed="rId2" cstate="print">
             <a:extLst>
               <a:ext uri="{28A0092B-C50C-407E-A947-70E740481C1C}">
                 <a14:useLocalDpi xmlns:a14="http://schemas.microsoft.com/office/drawing/2010/main" val="0"/>
@@ -19888,10 +19896,10 @@
           <p:cNvPr id="23" name="Rectangle 22">
             <a:extLst>
               <a:ext uri="{FF2B5EF4-FFF2-40B4-BE49-F238E27FC236}">
-                <a16:creationId xmlns:a16="http://schemas.microsoft.com/office/drawing/2014/main" id="{E3B4FF89-C45F-4E24-B963-61E855708F2A}"/>
+                <a16:creationId xmlns:a16="http://schemas.microsoft.com/office/drawing/2014/main" xmlns="" id="{E3B4FF89-C45F-4E24-B963-61E855708F2A}"/>
               </a:ext>
               <a:ext uri="{C183D7F6-B498-43B3-948B-1728B52AA6E4}">
-                <adec:decorative xmlns:adec="http://schemas.microsoft.com/office/drawing/2017/decorative" val="1"/>
+                <adec:decorative xmlns:adec="http://schemas.microsoft.com/office/drawing/2017/decorative" xmlns="" val="1"/>
               </a:ext>
             </a:extLst>
           </p:cNvPr>
@@ -19901,7 +19909,7 @@
           <p:nvPr>
             <p:extLst>
               <p:ext uri="{386F3935-93C4-4BCD-93E2-E3B085C9AB24}">
-                <p16:designElem xmlns:p16="http://schemas.microsoft.com/office/powerpoint/2015/main" val="1"/>
+                <p16:designElem xmlns:p16="http://schemas.microsoft.com/office/powerpoint/2015/main" xmlns="" val="1"/>
               </p:ext>
             </p:extLst>
           </p:nvPr>
@@ -19954,7 +19962,7 @@
           <p:cNvPr id="18" name="slide18">
             <a:extLst>
               <a:ext uri="{FF2B5EF4-FFF2-40B4-BE49-F238E27FC236}">
-                <a16:creationId xmlns:a16="http://schemas.microsoft.com/office/drawing/2014/main" id="{CDE01BE3-72CA-4DA3-8D2A-2D277FB5BC72}"/>
+                <a16:creationId xmlns:a16="http://schemas.microsoft.com/office/drawing/2014/main" xmlns="" id="{CDE01BE3-72CA-4DA3-8D2A-2D277FB5BC72}"/>
               </a:ext>
             </a:extLst>
           </p:cNvPr>
@@ -19964,7 +19972,7 @@
           <p:nvPr/>
         </p:nvPicPr>
         <p:blipFill>
-          <a:blip r:embed="rId3">
+          <a:blip r:embed="rId3" cstate="print">
             <a:extLst>
               <a:ext uri="{28A0092B-C50C-407E-A947-70E740481C1C}">
                 <a14:useLocalDpi xmlns:a14="http://schemas.microsoft.com/office/drawing/2010/main" val="0"/>
@@ -19990,10 +19998,10 @@
           <p:cNvPr id="25" name="Rectangle 24">
             <a:extLst>
               <a:ext uri="{FF2B5EF4-FFF2-40B4-BE49-F238E27FC236}">
-                <a16:creationId xmlns:a16="http://schemas.microsoft.com/office/drawing/2014/main" id="{14F25C03-EF67-4344-8AEA-7B3FA0DED024}"/>
+                <a16:creationId xmlns:a16="http://schemas.microsoft.com/office/drawing/2014/main" xmlns="" id="{14F25C03-EF67-4344-8AEA-7B3FA0DED024}"/>
               </a:ext>
               <a:ext uri="{C183D7F6-B498-43B3-948B-1728B52AA6E4}">
-                <adec:decorative xmlns:adec="http://schemas.microsoft.com/office/drawing/2017/decorative" val="1"/>
+                <adec:decorative xmlns:adec="http://schemas.microsoft.com/office/drawing/2017/decorative" xmlns="" val="1"/>
               </a:ext>
             </a:extLst>
           </p:cNvPr>
@@ -20003,7 +20011,7 @@
           <p:nvPr>
             <p:extLst>
               <p:ext uri="{386F3935-93C4-4BCD-93E2-E3B085C9AB24}">
-                <p16:designElem xmlns:p16="http://schemas.microsoft.com/office/powerpoint/2015/main" val="1"/>
+                <p16:designElem xmlns:p16="http://schemas.microsoft.com/office/powerpoint/2015/main" xmlns="" val="1"/>
               </p:ext>
             </p:extLst>
           </p:nvPr>
@@ -20056,7 +20064,7 @@
           <p:cNvPr id="5" name="slide14">
             <a:extLst>
               <a:ext uri="{FF2B5EF4-FFF2-40B4-BE49-F238E27FC236}">
-                <a16:creationId xmlns:a16="http://schemas.microsoft.com/office/drawing/2014/main" id="{65CBC0E9-7F65-4EA2-B5D9-780087582710}"/>
+                <a16:creationId xmlns:a16="http://schemas.microsoft.com/office/drawing/2014/main" xmlns="" id="{65CBC0E9-7F65-4EA2-B5D9-780087582710}"/>
               </a:ext>
             </a:extLst>
           </p:cNvPr>
@@ -20066,7 +20074,7 @@
           <p:nvPr/>
         </p:nvPicPr>
         <p:blipFill>
-          <a:blip r:embed="rId4">
+          <a:blip r:embed="rId4" cstate="print">
             <a:extLst>
               <a:ext uri="{28A0092B-C50C-407E-A947-70E740481C1C}">
                 <a14:useLocalDpi xmlns:a14="http://schemas.microsoft.com/office/drawing/2010/main" val="0"/>
@@ -20092,10 +20100,10 @@
           <p:cNvPr id="27" name="Rectangle 26">
             <a:extLst>
               <a:ext uri="{FF2B5EF4-FFF2-40B4-BE49-F238E27FC236}">
-                <a16:creationId xmlns:a16="http://schemas.microsoft.com/office/drawing/2014/main" id="{F74793DE-3651-410B-B243-8F0B1468E6A4}"/>
+                <a16:creationId xmlns:a16="http://schemas.microsoft.com/office/drawing/2014/main" xmlns="" id="{F74793DE-3651-410B-B243-8F0B1468E6A4}"/>
               </a:ext>
               <a:ext uri="{C183D7F6-B498-43B3-948B-1728B52AA6E4}">
-                <adec:decorative xmlns:adec="http://schemas.microsoft.com/office/drawing/2017/decorative" val="1"/>
+                <adec:decorative xmlns:adec="http://schemas.microsoft.com/office/drawing/2017/decorative" xmlns="" val="1"/>
               </a:ext>
             </a:extLst>
           </p:cNvPr>
@@ -20105,7 +20113,7 @@
           <p:nvPr>
             <p:extLst>
               <p:ext uri="{386F3935-93C4-4BCD-93E2-E3B085C9AB24}">
-                <p16:designElem xmlns:p16="http://schemas.microsoft.com/office/powerpoint/2015/main" val="1"/>
+                <p16:designElem xmlns:p16="http://schemas.microsoft.com/office/powerpoint/2015/main" xmlns="" val="1"/>
               </p:ext>
             </p:extLst>
           </p:nvPr>
@@ -20158,7 +20166,7 @@
           <p:cNvPr id="6" name="slide15">
             <a:extLst>
               <a:ext uri="{FF2B5EF4-FFF2-40B4-BE49-F238E27FC236}">
-                <a16:creationId xmlns:a16="http://schemas.microsoft.com/office/drawing/2014/main" id="{27FFCC14-00B1-4992-8208-5E3A6F94FCE1}"/>
+                <a16:creationId xmlns:a16="http://schemas.microsoft.com/office/drawing/2014/main" xmlns="" id="{27FFCC14-00B1-4992-8208-5E3A6F94FCE1}"/>
               </a:ext>
             </a:extLst>
           </p:cNvPr>
@@ -20168,7 +20176,7 @@
           <p:nvPr/>
         </p:nvPicPr>
         <p:blipFill>
-          <a:blip r:embed="rId5">
+          <a:blip r:embed="rId5" cstate="print">
             <a:extLst>
               <a:ext uri="{28A0092B-C50C-407E-A947-70E740481C1C}">
                 <a14:useLocalDpi xmlns:a14="http://schemas.microsoft.com/office/drawing/2010/main" val="0"/>
@@ -20194,7 +20202,7 @@
           <p:cNvPr id="3" name="slide16">
             <a:extLst>
               <a:ext uri="{FF2B5EF4-FFF2-40B4-BE49-F238E27FC236}">
-                <a16:creationId xmlns:a16="http://schemas.microsoft.com/office/drawing/2014/main" id="{B0269140-4735-46C2-9544-928A9A9AA4A7}"/>
+                <a16:creationId xmlns:a16="http://schemas.microsoft.com/office/drawing/2014/main" xmlns="" id="{B0269140-4735-46C2-9544-928A9A9AA4A7}"/>
               </a:ext>
             </a:extLst>
           </p:cNvPr>
@@ -20204,7 +20212,7 @@
           <p:nvPr/>
         </p:nvPicPr>
         <p:blipFill>
-          <a:blip r:embed="rId6">
+          <a:blip r:embed="rId6" cstate="print">
             <a:extLst>
               <a:ext uri="{28A0092B-C50C-407E-A947-70E740481C1C}">
                 <a14:useLocalDpi xmlns:a14="http://schemas.microsoft.com/office/drawing/2010/main" val="0"/>
@@ -20230,7 +20238,7 @@
           <p:cNvPr id="7" name="slide13">
             <a:extLst>
               <a:ext uri="{FF2B5EF4-FFF2-40B4-BE49-F238E27FC236}">
-                <a16:creationId xmlns:a16="http://schemas.microsoft.com/office/drawing/2014/main" id="{B35B683C-C529-4100-B043-1BF7416E3B9E}"/>
+                <a16:creationId xmlns:a16="http://schemas.microsoft.com/office/drawing/2014/main" xmlns="" id="{B35B683C-C529-4100-B043-1BF7416E3B9E}"/>
               </a:ext>
             </a:extLst>
           </p:cNvPr>
@@ -20240,7 +20248,7 @@
           <p:nvPr/>
         </p:nvPicPr>
         <p:blipFill>
-          <a:blip r:embed="rId7">
+          <a:blip r:embed="rId7" cstate="print">
             <a:extLst>
               <a:ext uri="{28A0092B-C50C-407E-A947-70E740481C1C}">
                 <a14:useLocalDpi xmlns:a14="http://schemas.microsoft.com/office/drawing/2010/main" val="0"/>
@@ -20304,10 +20312,10 @@
           <p:cNvPr id="7" name="Rectangle 6">
             <a:extLst>
               <a:ext uri="{FF2B5EF4-FFF2-40B4-BE49-F238E27FC236}">
-                <a16:creationId xmlns:a16="http://schemas.microsoft.com/office/drawing/2014/main" id="{03E8462A-FEBA-4848-81CC-3F8DA3E477BE}"/>
+                <a16:creationId xmlns:a16="http://schemas.microsoft.com/office/drawing/2014/main" xmlns="" id="{03E8462A-FEBA-4848-81CC-3F8DA3E477BE}"/>
               </a:ext>
               <a:ext uri="{C183D7F6-B498-43B3-948B-1728B52AA6E4}">
-                <adec:decorative xmlns:adec="http://schemas.microsoft.com/office/drawing/2017/decorative" val="1"/>
+                <adec:decorative xmlns:adec="http://schemas.microsoft.com/office/drawing/2017/decorative" xmlns="" val="1"/>
               </a:ext>
             </a:extLst>
           </p:cNvPr>
@@ -20317,7 +20325,7 @@
           <p:nvPr>
             <p:extLst>
               <p:ext uri="{386F3935-93C4-4BCD-93E2-E3B085C9AB24}">
-                <p16:designElem xmlns:p16="http://schemas.microsoft.com/office/powerpoint/2015/main" val="1"/>
+                <p16:designElem xmlns:p16="http://schemas.microsoft.com/office/powerpoint/2015/main" xmlns="" val="1"/>
               </p:ext>
             </p:extLst>
           </p:nvPr>
@@ -20367,10 +20375,10 @@
           <p:cNvPr id="9" name="Group 8">
             <a:extLst>
               <a:ext uri="{FF2B5EF4-FFF2-40B4-BE49-F238E27FC236}">
-                <a16:creationId xmlns:a16="http://schemas.microsoft.com/office/drawing/2014/main" id="{2109F83F-40FE-4DB3-84CC-09FB3340D06D}"/>
+                <a16:creationId xmlns:a16="http://schemas.microsoft.com/office/drawing/2014/main" xmlns="" id="{2109F83F-40FE-4DB3-84CC-09FB3340D06D}"/>
               </a:ext>
               <a:ext uri="{C183D7F6-B498-43B3-948B-1728B52AA6E4}">
-                <adec:decorative xmlns:adec="http://schemas.microsoft.com/office/drawing/2017/decorative" val="1"/>
+                <adec:decorative xmlns:adec="http://schemas.microsoft.com/office/drawing/2017/decorative" xmlns="" val="1"/>
               </a:ext>
             </a:extLst>
           </p:cNvPr>
@@ -20380,7 +20388,7 @@
           <p:nvPr>
             <p:extLst>
               <p:ext uri="{386F3935-93C4-4BCD-93E2-E3B085C9AB24}">
-                <p16:designElem xmlns:p16="http://schemas.microsoft.com/office/powerpoint/2015/main" val="1"/>
+                <p16:designElem xmlns:p16="http://schemas.microsoft.com/office/powerpoint/2015/main" xmlns="" val="1"/>
               </p:ext>
             </p:extLst>
           </p:nvPr>
@@ -20398,10 +20406,10 @@
             <p:cNvPr id="10" name="Straight Connector 9">
               <a:extLst>
                 <a:ext uri="{FF2B5EF4-FFF2-40B4-BE49-F238E27FC236}">
-                  <a16:creationId xmlns:a16="http://schemas.microsoft.com/office/drawing/2014/main" id="{1DE492D7-C3C3-48FF-80C8-37021EA0262F}"/>
+                  <a16:creationId xmlns:a16="http://schemas.microsoft.com/office/drawing/2014/main" xmlns="" id="{1DE492D7-C3C3-48FF-80C8-37021EA0262F}"/>
                 </a:ext>
                 <a:ext uri="{C183D7F6-B498-43B3-948B-1728B52AA6E4}">
-                  <adec:decorative xmlns:adec="http://schemas.microsoft.com/office/drawing/2017/decorative" val="1"/>
+                  <adec:decorative xmlns:adec="http://schemas.microsoft.com/office/drawing/2017/decorative" xmlns="" val="1"/>
                 </a:ext>
               </a:extLst>
             </p:cNvPr>
@@ -20409,7 +20417,7 @@
             <p:nvPr>
               <p:extLst>
                 <p:ext uri="{386F3935-93C4-4BCD-93E2-E3B085C9AB24}">
-                  <p16:designElem xmlns:p16="http://schemas.microsoft.com/office/powerpoint/2015/main" val="1"/>
+                  <p16:designElem xmlns:p16="http://schemas.microsoft.com/office/powerpoint/2015/main" xmlns="" val="1"/>
                 </p:ext>
               </p:extLst>
             </p:nvPr>
@@ -20450,10 +20458,10 @@
             <p:cNvPr id="11" name="Rectangle 23">
               <a:extLst>
                 <a:ext uri="{FF2B5EF4-FFF2-40B4-BE49-F238E27FC236}">
-                  <a16:creationId xmlns:a16="http://schemas.microsoft.com/office/drawing/2014/main" id="{0B30FF97-2E9A-490A-AED2-90BA2E0EC17F}"/>
+                  <a16:creationId xmlns:a16="http://schemas.microsoft.com/office/drawing/2014/main" xmlns="" id="{0B30FF97-2E9A-490A-AED2-90BA2E0EC17F}"/>
                 </a:ext>
                 <a:ext uri="{C183D7F6-B498-43B3-948B-1728B52AA6E4}">
-                  <adec:decorative xmlns:adec="http://schemas.microsoft.com/office/drawing/2017/decorative" val="1"/>
+                  <adec:decorative xmlns:adec="http://schemas.microsoft.com/office/drawing/2017/decorative" xmlns="" val="1"/>
                 </a:ext>
               </a:extLst>
             </p:cNvPr>
@@ -20461,7 +20469,7 @@
             <p:nvPr>
               <p:extLst>
                 <p:ext uri="{386F3935-93C4-4BCD-93E2-E3B085C9AB24}">
-                  <p16:designElem xmlns:p16="http://schemas.microsoft.com/office/powerpoint/2015/main" val="1"/>
+                  <p16:designElem xmlns:p16="http://schemas.microsoft.com/office/powerpoint/2015/main" xmlns="" val="1"/>
                 </p:ext>
               </p:extLst>
             </p:nvPr>
@@ -20528,10 +20536,10 @@
             <p:cNvPr id="12" name="Rectangle 25">
               <a:extLst>
                 <a:ext uri="{FF2B5EF4-FFF2-40B4-BE49-F238E27FC236}">
-                  <a16:creationId xmlns:a16="http://schemas.microsoft.com/office/drawing/2014/main" id="{B6D53C7D-A312-47B6-A66A-230A19CFACA6}"/>
+                  <a16:creationId xmlns:a16="http://schemas.microsoft.com/office/drawing/2014/main" xmlns="" id="{B6D53C7D-A312-47B6-A66A-230A19CFACA6}"/>
                 </a:ext>
                 <a:ext uri="{C183D7F6-B498-43B3-948B-1728B52AA6E4}">
-                  <adec:decorative xmlns:adec="http://schemas.microsoft.com/office/drawing/2017/decorative" val="1"/>
+                  <adec:decorative xmlns:adec="http://schemas.microsoft.com/office/drawing/2017/decorative" xmlns="" val="1"/>
                 </a:ext>
               </a:extLst>
             </p:cNvPr>
@@ -20539,7 +20547,7 @@
             <p:nvPr>
               <p:extLst>
                 <p:ext uri="{386F3935-93C4-4BCD-93E2-E3B085C9AB24}">
-                  <p16:designElem xmlns:p16="http://schemas.microsoft.com/office/powerpoint/2015/main" val="1"/>
+                  <p16:designElem xmlns:p16="http://schemas.microsoft.com/office/powerpoint/2015/main" xmlns="" val="1"/>
                 </p:ext>
               </p:extLst>
             </p:nvPr>
@@ -20606,10 +20614,10 @@
             <p:cNvPr id="13" name="Isosceles Triangle 12">
               <a:extLst>
                 <a:ext uri="{FF2B5EF4-FFF2-40B4-BE49-F238E27FC236}">
-                  <a16:creationId xmlns:a16="http://schemas.microsoft.com/office/drawing/2014/main" id="{9329D58C-0D2E-4A2B-AD6A-9CEE506784A8}"/>
+                  <a16:creationId xmlns:a16="http://schemas.microsoft.com/office/drawing/2014/main" xmlns="" id="{9329D58C-0D2E-4A2B-AD6A-9CEE506784A8}"/>
                 </a:ext>
                 <a:ext uri="{C183D7F6-B498-43B3-948B-1728B52AA6E4}">
-                  <adec:decorative xmlns:adec="http://schemas.microsoft.com/office/drawing/2017/decorative" val="1"/>
+                  <adec:decorative xmlns:adec="http://schemas.microsoft.com/office/drawing/2017/decorative" xmlns="" val="1"/>
                 </a:ext>
               </a:extLst>
             </p:cNvPr>
@@ -20617,7 +20625,7 @@
             <p:nvPr>
               <p:extLst>
                 <p:ext uri="{386F3935-93C4-4BCD-93E2-E3B085C9AB24}">
-                  <p16:designElem xmlns:p16="http://schemas.microsoft.com/office/powerpoint/2015/main" val="1"/>
+                  <p16:designElem xmlns:p16="http://schemas.microsoft.com/office/powerpoint/2015/main" xmlns="" val="1"/>
                 </p:ext>
               </p:extLst>
             </p:nvPr>
@@ -20662,10 +20670,10 @@
             <p:cNvPr id="14" name="Rectangle 27">
               <a:extLst>
                 <a:ext uri="{FF2B5EF4-FFF2-40B4-BE49-F238E27FC236}">
-                  <a16:creationId xmlns:a16="http://schemas.microsoft.com/office/drawing/2014/main" id="{9D446EDE-C690-4461-8BF2-7634808FC8B4}"/>
+                  <a16:creationId xmlns:a16="http://schemas.microsoft.com/office/drawing/2014/main" xmlns="" id="{9D446EDE-C690-4461-8BF2-7634808FC8B4}"/>
                 </a:ext>
                 <a:ext uri="{C183D7F6-B498-43B3-948B-1728B52AA6E4}">
-                  <adec:decorative xmlns:adec="http://schemas.microsoft.com/office/drawing/2017/decorative" val="1"/>
+                  <adec:decorative xmlns:adec="http://schemas.microsoft.com/office/drawing/2017/decorative" xmlns="" val="1"/>
                 </a:ext>
               </a:extLst>
             </p:cNvPr>
@@ -20673,7 +20681,7 @@
             <p:nvPr>
               <p:extLst>
                 <p:ext uri="{386F3935-93C4-4BCD-93E2-E3B085C9AB24}">
-                  <p16:designElem xmlns:p16="http://schemas.microsoft.com/office/powerpoint/2015/main" val="1"/>
+                  <p16:designElem xmlns:p16="http://schemas.microsoft.com/office/powerpoint/2015/main" xmlns="" val="1"/>
                 </p:ext>
               </p:extLst>
             </p:nvPr>
@@ -20741,10 +20749,10 @@
             <p:cNvPr id="15" name="Rectangle 28">
               <a:extLst>
                 <a:ext uri="{FF2B5EF4-FFF2-40B4-BE49-F238E27FC236}">
-                  <a16:creationId xmlns:a16="http://schemas.microsoft.com/office/drawing/2014/main" id="{323F3D34-6531-4AD7-A8C6-195A090281A1}"/>
+                  <a16:creationId xmlns:a16="http://schemas.microsoft.com/office/drawing/2014/main" xmlns="" id="{323F3D34-6531-4AD7-A8C6-195A090281A1}"/>
                 </a:ext>
                 <a:ext uri="{C183D7F6-B498-43B3-948B-1728B52AA6E4}">
-                  <adec:decorative xmlns:adec="http://schemas.microsoft.com/office/drawing/2017/decorative" val="1"/>
+                  <adec:decorative xmlns:adec="http://schemas.microsoft.com/office/drawing/2017/decorative" xmlns="" val="1"/>
                 </a:ext>
               </a:extLst>
             </p:cNvPr>
@@ -20752,7 +20760,7 @@
             <p:nvPr>
               <p:extLst>
                 <p:ext uri="{386F3935-93C4-4BCD-93E2-E3B085C9AB24}">
-                  <p16:designElem xmlns:p16="http://schemas.microsoft.com/office/powerpoint/2015/main" val="1"/>
+                  <p16:designElem xmlns:p16="http://schemas.microsoft.com/office/powerpoint/2015/main" xmlns="" val="1"/>
                 </p:ext>
               </p:extLst>
             </p:nvPr>
@@ -20821,10 +20829,10 @@
             <p:cNvPr id="16" name="Rectangle 29">
               <a:extLst>
                 <a:ext uri="{FF2B5EF4-FFF2-40B4-BE49-F238E27FC236}">
-                  <a16:creationId xmlns:a16="http://schemas.microsoft.com/office/drawing/2014/main" id="{B9B0AE3F-2350-435F-A9B0-C310BF876385}"/>
+                  <a16:creationId xmlns:a16="http://schemas.microsoft.com/office/drawing/2014/main" xmlns="" id="{B9B0AE3F-2350-435F-A9B0-C310BF876385}"/>
                 </a:ext>
                 <a:ext uri="{C183D7F6-B498-43B3-948B-1728B52AA6E4}">
-                  <adec:decorative xmlns:adec="http://schemas.microsoft.com/office/drawing/2017/decorative" val="1"/>
+                  <adec:decorative xmlns:adec="http://schemas.microsoft.com/office/drawing/2017/decorative" xmlns="" val="1"/>
                 </a:ext>
               </a:extLst>
             </p:cNvPr>
@@ -20832,7 +20840,7 @@
             <p:nvPr>
               <p:extLst>
                 <p:ext uri="{386F3935-93C4-4BCD-93E2-E3B085C9AB24}">
-                  <p16:designElem xmlns:p16="http://schemas.microsoft.com/office/powerpoint/2015/main" val="1"/>
+                  <p16:designElem xmlns:p16="http://schemas.microsoft.com/office/powerpoint/2015/main" xmlns="" val="1"/>
                 </p:ext>
               </p:extLst>
             </p:nvPr>
@@ -20899,10 +20907,10 @@
             <p:cNvPr id="17" name="Isosceles Triangle 16">
               <a:extLst>
                 <a:ext uri="{FF2B5EF4-FFF2-40B4-BE49-F238E27FC236}">
-                  <a16:creationId xmlns:a16="http://schemas.microsoft.com/office/drawing/2014/main" id="{4EFA655C-9E50-4C14-A89E-AD7B648E4E2B}"/>
+                  <a16:creationId xmlns:a16="http://schemas.microsoft.com/office/drawing/2014/main" xmlns="" id="{4EFA655C-9E50-4C14-A89E-AD7B648E4E2B}"/>
                 </a:ext>
                 <a:ext uri="{C183D7F6-B498-43B3-948B-1728B52AA6E4}">
-                  <adec:decorative xmlns:adec="http://schemas.microsoft.com/office/drawing/2017/decorative" val="1"/>
+                  <adec:decorative xmlns:adec="http://schemas.microsoft.com/office/drawing/2017/decorative" xmlns="" val="1"/>
                 </a:ext>
               </a:extLst>
             </p:cNvPr>
@@ -20910,7 +20918,7 @@
             <p:nvPr>
               <p:extLst>
                 <p:ext uri="{386F3935-93C4-4BCD-93E2-E3B085C9AB24}">
-                  <p16:designElem xmlns:p16="http://schemas.microsoft.com/office/powerpoint/2015/main" val="1"/>
+                  <p16:designElem xmlns:p16="http://schemas.microsoft.com/office/powerpoint/2015/main" xmlns="" val="1"/>
                 </p:ext>
               </p:extLst>
             </p:nvPr>
@@ -20955,10 +20963,10 @@
             <p:cNvPr id="18" name="Isosceles Triangle 17">
               <a:extLst>
                 <a:ext uri="{FF2B5EF4-FFF2-40B4-BE49-F238E27FC236}">
-                  <a16:creationId xmlns:a16="http://schemas.microsoft.com/office/drawing/2014/main" id="{3E843863-7D25-4C01-9A17-E817CB6D998A}"/>
+                  <a16:creationId xmlns:a16="http://schemas.microsoft.com/office/drawing/2014/main" xmlns="" id="{3E843863-7D25-4C01-9A17-E817CB6D998A}"/>
                 </a:ext>
                 <a:ext uri="{C183D7F6-B498-43B3-948B-1728B52AA6E4}">
-                  <adec:decorative xmlns:adec="http://schemas.microsoft.com/office/drawing/2017/decorative" val="1"/>
+                  <adec:decorative xmlns:adec="http://schemas.microsoft.com/office/drawing/2017/decorative" xmlns="" val="1"/>
                 </a:ext>
               </a:extLst>
             </p:cNvPr>
@@ -20966,7 +20974,7 @@
             <p:nvPr>
               <p:extLst>
                 <p:ext uri="{386F3935-93C4-4BCD-93E2-E3B085C9AB24}">
-                  <p16:designElem xmlns:p16="http://schemas.microsoft.com/office/powerpoint/2015/main" val="1"/>
+                  <p16:designElem xmlns:p16="http://schemas.microsoft.com/office/powerpoint/2015/main" xmlns="" val="1"/>
                 </p:ext>
               </p:extLst>
             </p:nvPr>
@@ -21012,10 +21020,10 @@
           <p:cNvPr id="20" name="Rectangle 19">
             <a:extLst>
               <a:ext uri="{FF2B5EF4-FFF2-40B4-BE49-F238E27FC236}">
-                <a16:creationId xmlns:a16="http://schemas.microsoft.com/office/drawing/2014/main" id="{7941F9B1-B01B-4A84-89D9-B169AEB4E456}"/>
+                <a16:creationId xmlns:a16="http://schemas.microsoft.com/office/drawing/2014/main" xmlns="" id="{7941F9B1-B01B-4A84-89D9-B169AEB4E456}"/>
               </a:ext>
               <a:ext uri="{C183D7F6-B498-43B3-948B-1728B52AA6E4}">
-                <adec:decorative xmlns:adec="http://schemas.microsoft.com/office/drawing/2017/decorative" val="1"/>
+                <adec:decorative xmlns:adec="http://schemas.microsoft.com/office/drawing/2017/decorative" xmlns="" val="1"/>
               </a:ext>
             </a:extLst>
           </p:cNvPr>
@@ -21025,7 +21033,7 @@
           <p:nvPr>
             <p:extLst>
               <p:ext uri="{386F3935-93C4-4BCD-93E2-E3B085C9AB24}">
-                <p16:designElem xmlns:p16="http://schemas.microsoft.com/office/powerpoint/2015/main" val="1"/>
+                <p16:designElem xmlns:p16="http://schemas.microsoft.com/office/powerpoint/2015/main" xmlns="" val="1"/>
               </p:ext>
             </p:extLst>
           </p:nvPr>
@@ -21082,7 +21090,7 @@
           <p:cNvPr id="2" name="slide11">
             <a:extLst>
               <a:ext uri="{FF2B5EF4-FFF2-40B4-BE49-F238E27FC236}">
-                <a16:creationId xmlns:a16="http://schemas.microsoft.com/office/drawing/2014/main" id="{86ADDBB0-D22B-4EEB-8C1C-06BD23ADD973}"/>
+                <a16:creationId xmlns:a16="http://schemas.microsoft.com/office/drawing/2014/main" xmlns="" id="{86ADDBB0-D22B-4EEB-8C1C-06BD23ADD973}"/>
               </a:ext>
             </a:extLst>
           </p:cNvPr>
@@ -21377,7 +21385,7 @@
   <a:extraClrSchemeLst/>
   <a:extLst>
     <a:ext uri="{05A4C25C-085E-4340-85A3-A5531E510DB2}">
-      <thm15:themeFamily xmlns:thm15="http://schemas.microsoft.com/office/thememl/2012/main" name="Facet" id="{C0C680CD-088A-49FC-A102-D699147F32B2}" vid="{CFBC31BA-B70F-4F30-BCAA-4F3011E16C4D}"/>
+      <thm15:themeFamily xmlns:thm15="http://schemas.microsoft.com/office/thememl/2012/main" xmlns="" name="Facet" id="{C0C680CD-088A-49FC-A102-D699147F32B2}" vid="{CFBC31BA-B70F-4F30-BCAA-4F3011E16C4D}"/>
     </a:ext>
   </a:extLst>
 </a:theme>

--- a/projektsql/Czy język wniosku ma wpływ na jego obsługę.pptx
+++ b/projektsql/Czy język wniosku ma wpływ na jego obsługę.pptx
@@ -125,7 +125,7 @@
   </p:defaultTextStyle>
   <p:extLst>
     <p:ext uri="{EFAFB233-063F-42B5-8137-9DF3F51BA10A}">
-      <p15:sldGuideLst xmlns:p15="http://schemas.microsoft.com/office/powerpoint/2012/main" xmlns=""/>
+      <p15:sldGuideLst xmlns="" xmlns:p15="http://schemas.microsoft.com/office/powerpoint/2012/main"/>
     </p:ext>
   </p:extLst>
 </p:presentation>
@@ -5914,7 +5914,7 @@
           <p:cNvPr id="2" name="Tytuł 1">
             <a:extLst>
               <a:ext uri="{FF2B5EF4-FFF2-40B4-BE49-F238E27FC236}">
-                <a16:creationId xmlns:a16="http://schemas.microsoft.com/office/drawing/2014/main" xmlns="" id="{02BD85F1-E73D-408F-B2BF-84E131211C9A}"/>
+                <a16:creationId xmlns="" xmlns:a16="http://schemas.microsoft.com/office/drawing/2014/main" id="{02BD85F1-E73D-408F-B2BF-84E131211C9A}"/>
               </a:ext>
             </a:extLst>
           </p:cNvPr>
@@ -5946,7 +5946,7 @@
           <p:cNvPr id="3" name="Podtytuł 2">
             <a:extLst>
               <a:ext uri="{FF2B5EF4-FFF2-40B4-BE49-F238E27FC236}">
-                <a16:creationId xmlns:a16="http://schemas.microsoft.com/office/drawing/2014/main" xmlns="" id="{1277B88F-6923-469D-AE80-D22E52C41220}"/>
+                <a16:creationId xmlns="" xmlns:a16="http://schemas.microsoft.com/office/drawing/2014/main" id="{1277B88F-6923-469D-AE80-D22E52C41220}"/>
               </a:ext>
             </a:extLst>
           </p:cNvPr>
@@ -6031,10 +6031,10 @@
           <p:cNvPr id="8" name="Rectangle 7">
             <a:extLst>
               <a:ext uri="{FF2B5EF4-FFF2-40B4-BE49-F238E27FC236}">
-                <a16:creationId xmlns:a16="http://schemas.microsoft.com/office/drawing/2014/main" xmlns="" id="{03E8462A-FEBA-4848-81CC-3F8DA3E477BE}"/>
+                <a16:creationId xmlns="" xmlns:a16="http://schemas.microsoft.com/office/drawing/2014/main" id="{03E8462A-FEBA-4848-81CC-3F8DA3E477BE}"/>
               </a:ext>
               <a:ext uri="{C183D7F6-B498-43B3-948B-1728B52AA6E4}">
-                <adec:decorative xmlns:adec="http://schemas.microsoft.com/office/drawing/2017/decorative" xmlns="" val="1"/>
+                <adec:decorative xmlns="" xmlns:adec="http://schemas.microsoft.com/office/drawing/2017/decorative" val="1"/>
               </a:ext>
             </a:extLst>
           </p:cNvPr>
@@ -6044,7 +6044,7 @@
           <p:nvPr>
             <p:extLst>
               <p:ext uri="{386F3935-93C4-4BCD-93E2-E3B085C9AB24}">
-                <p16:designElem xmlns:p16="http://schemas.microsoft.com/office/powerpoint/2015/main" xmlns="" val="1"/>
+                <p16:designElem xmlns="" xmlns:p16="http://schemas.microsoft.com/office/powerpoint/2015/main" val="1"/>
               </p:ext>
             </p:extLst>
           </p:nvPr>
@@ -6094,10 +6094,10 @@
           <p:cNvPr id="10" name="Group 9">
             <a:extLst>
               <a:ext uri="{FF2B5EF4-FFF2-40B4-BE49-F238E27FC236}">
-                <a16:creationId xmlns:a16="http://schemas.microsoft.com/office/drawing/2014/main" xmlns="" id="{2109F83F-40FE-4DB3-84CC-09FB3340D06D}"/>
+                <a16:creationId xmlns="" xmlns:a16="http://schemas.microsoft.com/office/drawing/2014/main" id="{2109F83F-40FE-4DB3-84CC-09FB3340D06D}"/>
               </a:ext>
               <a:ext uri="{C183D7F6-B498-43B3-948B-1728B52AA6E4}">
-                <adec:decorative xmlns:adec="http://schemas.microsoft.com/office/drawing/2017/decorative" xmlns="" val="1"/>
+                <adec:decorative xmlns="" xmlns:adec="http://schemas.microsoft.com/office/drawing/2017/decorative" val="1"/>
               </a:ext>
             </a:extLst>
           </p:cNvPr>
@@ -6107,7 +6107,7 @@
           <p:nvPr>
             <p:extLst>
               <p:ext uri="{386F3935-93C4-4BCD-93E2-E3B085C9AB24}">
-                <p16:designElem xmlns:p16="http://schemas.microsoft.com/office/powerpoint/2015/main" xmlns="" val="1"/>
+                <p16:designElem xmlns="" xmlns:p16="http://schemas.microsoft.com/office/powerpoint/2015/main" val="1"/>
               </p:ext>
             </p:extLst>
           </p:nvPr>
@@ -6125,10 +6125,10 @@
             <p:cNvPr id="11" name="Straight Connector 10">
               <a:extLst>
                 <a:ext uri="{FF2B5EF4-FFF2-40B4-BE49-F238E27FC236}">
-                  <a16:creationId xmlns:a16="http://schemas.microsoft.com/office/drawing/2014/main" xmlns="" id="{1DE492D7-C3C3-48FF-80C8-37021EA0262F}"/>
+                  <a16:creationId xmlns="" xmlns:a16="http://schemas.microsoft.com/office/drawing/2014/main" id="{1DE492D7-C3C3-48FF-80C8-37021EA0262F}"/>
                 </a:ext>
                 <a:ext uri="{C183D7F6-B498-43B3-948B-1728B52AA6E4}">
-                  <adec:decorative xmlns:adec="http://schemas.microsoft.com/office/drawing/2017/decorative" xmlns="" val="1"/>
+                  <adec:decorative xmlns="" xmlns:adec="http://schemas.microsoft.com/office/drawing/2017/decorative" val="1"/>
                 </a:ext>
               </a:extLst>
             </p:cNvPr>
@@ -6136,7 +6136,7 @@
             <p:nvPr>
               <p:extLst>
                 <p:ext uri="{386F3935-93C4-4BCD-93E2-E3B085C9AB24}">
-                  <p16:designElem xmlns:p16="http://schemas.microsoft.com/office/powerpoint/2015/main" xmlns="" val="1"/>
+                  <p16:designElem xmlns="" xmlns:p16="http://schemas.microsoft.com/office/powerpoint/2015/main" val="1"/>
                 </p:ext>
               </p:extLst>
             </p:nvPr>
@@ -6177,10 +6177,10 @@
             <p:cNvPr id="12" name="Rectangle 23">
               <a:extLst>
                 <a:ext uri="{FF2B5EF4-FFF2-40B4-BE49-F238E27FC236}">
-                  <a16:creationId xmlns:a16="http://schemas.microsoft.com/office/drawing/2014/main" xmlns="" id="{0B30FF97-2E9A-490A-AED2-90BA2E0EC17F}"/>
+                  <a16:creationId xmlns="" xmlns:a16="http://schemas.microsoft.com/office/drawing/2014/main" id="{0B30FF97-2E9A-490A-AED2-90BA2E0EC17F}"/>
                 </a:ext>
                 <a:ext uri="{C183D7F6-B498-43B3-948B-1728B52AA6E4}">
-                  <adec:decorative xmlns:adec="http://schemas.microsoft.com/office/drawing/2017/decorative" xmlns="" val="1"/>
+                  <adec:decorative xmlns="" xmlns:adec="http://schemas.microsoft.com/office/drawing/2017/decorative" val="1"/>
                 </a:ext>
               </a:extLst>
             </p:cNvPr>
@@ -6188,7 +6188,7 @@
             <p:nvPr>
               <p:extLst>
                 <p:ext uri="{386F3935-93C4-4BCD-93E2-E3B085C9AB24}">
-                  <p16:designElem xmlns:p16="http://schemas.microsoft.com/office/powerpoint/2015/main" xmlns="" val="1"/>
+                  <p16:designElem xmlns="" xmlns:p16="http://schemas.microsoft.com/office/powerpoint/2015/main" val="1"/>
                 </p:ext>
               </p:extLst>
             </p:nvPr>
@@ -6255,10 +6255,10 @@
             <p:cNvPr id="13" name="Rectangle 25">
               <a:extLst>
                 <a:ext uri="{FF2B5EF4-FFF2-40B4-BE49-F238E27FC236}">
-                  <a16:creationId xmlns:a16="http://schemas.microsoft.com/office/drawing/2014/main" xmlns="" id="{B6D53C7D-A312-47B6-A66A-230A19CFACA6}"/>
+                  <a16:creationId xmlns="" xmlns:a16="http://schemas.microsoft.com/office/drawing/2014/main" id="{B6D53C7D-A312-47B6-A66A-230A19CFACA6}"/>
                 </a:ext>
                 <a:ext uri="{C183D7F6-B498-43B3-948B-1728B52AA6E4}">
-                  <adec:decorative xmlns:adec="http://schemas.microsoft.com/office/drawing/2017/decorative" xmlns="" val="1"/>
+                  <adec:decorative xmlns="" xmlns:adec="http://schemas.microsoft.com/office/drawing/2017/decorative" val="1"/>
                 </a:ext>
               </a:extLst>
             </p:cNvPr>
@@ -6266,7 +6266,7 @@
             <p:nvPr>
               <p:extLst>
                 <p:ext uri="{386F3935-93C4-4BCD-93E2-E3B085C9AB24}">
-                  <p16:designElem xmlns:p16="http://schemas.microsoft.com/office/powerpoint/2015/main" xmlns="" val="1"/>
+                  <p16:designElem xmlns="" xmlns:p16="http://schemas.microsoft.com/office/powerpoint/2015/main" val="1"/>
                 </p:ext>
               </p:extLst>
             </p:nvPr>
@@ -6333,10 +6333,10 @@
             <p:cNvPr id="14" name="Isosceles Triangle 13">
               <a:extLst>
                 <a:ext uri="{FF2B5EF4-FFF2-40B4-BE49-F238E27FC236}">
-                  <a16:creationId xmlns:a16="http://schemas.microsoft.com/office/drawing/2014/main" xmlns="" id="{9329D58C-0D2E-4A2B-AD6A-9CEE506784A8}"/>
+                  <a16:creationId xmlns="" xmlns:a16="http://schemas.microsoft.com/office/drawing/2014/main" id="{9329D58C-0D2E-4A2B-AD6A-9CEE506784A8}"/>
                 </a:ext>
                 <a:ext uri="{C183D7F6-B498-43B3-948B-1728B52AA6E4}">
-                  <adec:decorative xmlns:adec="http://schemas.microsoft.com/office/drawing/2017/decorative" xmlns="" val="1"/>
+                  <adec:decorative xmlns="" xmlns:adec="http://schemas.microsoft.com/office/drawing/2017/decorative" val="1"/>
                 </a:ext>
               </a:extLst>
             </p:cNvPr>
@@ -6344,7 +6344,7 @@
             <p:nvPr>
               <p:extLst>
                 <p:ext uri="{386F3935-93C4-4BCD-93E2-E3B085C9AB24}">
-                  <p16:designElem xmlns:p16="http://schemas.microsoft.com/office/powerpoint/2015/main" xmlns="" val="1"/>
+                  <p16:designElem xmlns="" xmlns:p16="http://schemas.microsoft.com/office/powerpoint/2015/main" val="1"/>
                 </p:ext>
               </p:extLst>
             </p:nvPr>
@@ -6389,10 +6389,10 @@
             <p:cNvPr id="15" name="Rectangle 27">
               <a:extLst>
                 <a:ext uri="{FF2B5EF4-FFF2-40B4-BE49-F238E27FC236}">
-                  <a16:creationId xmlns:a16="http://schemas.microsoft.com/office/drawing/2014/main" xmlns="" id="{9D446EDE-C690-4461-8BF2-7634808FC8B4}"/>
+                  <a16:creationId xmlns="" xmlns:a16="http://schemas.microsoft.com/office/drawing/2014/main" id="{9D446EDE-C690-4461-8BF2-7634808FC8B4}"/>
                 </a:ext>
                 <a:ext uri="{C183D7F6-B498-43B3-948B-1728B52AA6E4}">
-                  <adec:decorative xmlns:adec="http://schemas.microsoft.com/office/drawing/2017/decorative" xmlns="" val="1"/>
+                  <adec:decorative xmlns="" xmlns:adec="http://schemas.microsoft.com/office/drawing/2017/decorative" val="1"/>
                 </a:ext>
               </a:extLst>
             </p:cNvPr>
@@ -6400,7 +6400,7 @@
             <p:nvPr>
               <p:extLst>
                 <p:ext uri="{386F3935-93C4-4BCD-93E2-E3B085C9AB24}">
-                  <p16:designElem xmlns:p16="http://schemas.microsoft.com/office/powerpoint/2015/main" xmlns="" val="1"/>
+                  <p16:designElem xmlns="" xmlns:p16="http://schemas.microsoft.com/office/powerpoint/2015/main" val="1"/>
                 </p:ext>
               </p:extLst>
             </p:nvPr>
@@ -6468,10 +6468,10 @@
             <p:cNvPr id="16" name="Rectangle 28">
               <a:extLst>
                 <a:ext uri="{FF2B5EF4-FFF2-40B4-BE49-F238E27FC236}">
-                  <a16:creationId xmlns:a16="http://schemas.microsoft.com/office/drawing/2014/main" xmlns="" id="{323F3D34-6531-4AD7-A8C6-195A090281A1}"/>
+                  <a16:creationId xmlns="" xmlns:a16="http://schemas.microsoft.com/office/drawing/2014/main" id="{323F3D34-6531-4AD7-A8C6-195A090281A1}"/>
                 </a:ext>
                 <a:ext uri="{C183D7F6-B498-43B3-948B-1728B52AA6E4}">
-                  <adec:decorative xmlns:adec="http://schemas.microsoft.com/office/drawing/2017/decorative" xmlns="" val="1"/>
+                  <adec:decorative xmlns="" xmlns:adec="http://schemas.microsoft.com/office/drawing/2017/decorative" val="1"/>
                 </a:ext>
               </a:extLst>
             </p:cNvPr>
@@ -6479,7 +6479,7 @@
             <p:nvPr>
               <p:extLst>
                 <p:ext uri="{386F3935-93C4-4BCD-93E2-E3B085C9AB24}">
-                  <p16:designElem xmlns:p16="http://schemas.microsoft.com/office/powerpoint/2015/main" xmlns="" val="1"/>
+                  <p16:designElem xmlns="" xmlns:p16="http://schemas.microsoft.com/office/powerpoint/2015/main" val="1"/>
                 </p:ext>
               </p:extLst>
             </p:nvPr>
@@ -6548,10 +6548,10 @@
             <p:cNvPr id="17" name="Rectangle 29">
               <a:extLst>
                 <a:ext uri="{FF2B5EF4-FFF2-40B4-BE49-F238E27FC236}">
-                  <a16:creationId xmlns:a16="http://schemas.microsoft.com/office/drawing/2014/main" xmlns="" id="{B9B0AE3F-2350-435F-A9B0-C310BF876385}"/>
+                  <a16:creationId xmlns="" xmlns:a16="http://schemas.microsoft.com/office/drawing/2014/main" id="{B9B0AE3F-2350-435F-A9B0-C310BF876385}"/>
                 </a:ext>
                 <a:ext uri="{C183D7F6-B498-43B3-948B-1728B52AA6E4}">
-                  <adec:decorative xmlns:adec="http://schemas.microsoft.com/office/drawing/2017/decorative" xmlns="" val="1"/>
+                  <adec:decorative xmlns="" xmlns:adec="http://schemas.microsoft.com/office/drawing/2017/decorative" val="1"/>
                 </a:ext>
               </a:extLst>
             </p:cNvPr>
@@ -6559,7 +6559,7 @@
             <p:nvPr>
               <p:extLst>
                 <p:ext uri="{386F3935-93C4-4BCD-93E2-E3B085C9AB24}">
-                  <p16:designElem xmlns:p16="http://schemas.microsoft.com/office/powerpoint/2015/main" xmlns="" val="1"/>
+                  <p16:designElem xmlns="" xmlns:p16="http://schemas.microsoft.com/office/powerpoint/2015/main" val="1"/>
                 </p:ext>
               </p:extLst>
             </p:nvPr>
@@ -6626,10 +6626,10 @@
             <p:cNvPr id="18" name="Isosceles Triangle 17">
               <a:extLst>
                 <a:ext uri="{FF2B5EF4-FFF2-40B4-BE49-F238E27FC236}">
-                  <a16:creationId xmlns:a16="http://schemas.microsoft.com/office/drawing/2014/main" xmlns="" id="{4EFA655C-9E50-4C14-A89E-AD7B648E4E2B}"/>
+                  <a16:creationId xmlns="" xmlns:a16="http://schemas.microsoft.com/office/drawing/2014/main" id="{4EFA655C-9E50-4C14-A89E-AD7B648E4E2B}"/>
                 </a:ext>
                 <a:ext uri="{C183D7F6-B498-43B3-948B-1728B52AA6E4}">
-                  <adec:decorative xmlns:adec="http://schemas.microsoft.com/office/drawing/2017/decorative" xmlns="" val="1"/>
+                  <adec:decorative xmlns="" xmlns:adec="http://schemas.microsoft.com/office/drawing/2017/decorative" val="1"/>
                 </a:ext>
               </a:extLst>
             </p:cNvPr>
@@ -6637,7 +6637,7 @@
             <p:nvPr>
               <p:extLst>
                 <p:ext uri="{386F3935-93C4-4BCD-93E2-E3B085C9AB24}">
-                  <p16:designElem xmlns:p16="http://schemas.microsoft.com/office/powerpoint/2015/main" xmlns="" val="1"/>
+                  <p16:designElem xmlns="" xmlns:p16="http://schemas.microsoft.com/office/powerpoint/2015/main" val="1"/>
                 </p:ext>
               </p:extLst>
             </p:nvPr>
@@ -6682,10 +6682,10 @@
             <p:cNvPr id="19" name="Isosceles Triangle 18">
               <a:extLst>
                 <a:ext uri="{FF2B5EF4-FFF2-40B4-BE49-F238E27FC236}">
-                  <a16:creationId xmlns:a16="http://schemas.microsoft.com/office/drawing/2014/main" xmlns="" id="{3E843863-7D25-4C01-9A17-E817CB6D998A}"/>
+                  <a16:creationId xmlns="" xmlns:a16="http://schemas.microsoft.com/office/drawing/2014/main" id="{3E843863-7D25-4C01-9A17-E817CB6D998A}"/>
                 </a:ext>
                 <a:ext uri="{C183D7F6-B498-43B3-948B-1728B52AA6E4}">
-                  <adec:decorative xmlns:adec="http://schemas.microsoft.com/office/drawing/2017/decorative" xmlns="" val="1"/>
+                  <adec:decorative xmlns="" xmlns:adec="http://schemas.microsoft.com/office/drawing/2017/decorative" val="1"/>
                 </a:ext>
               </a:extLst>
             </p:cNvPr>
@@ -6693,7 +6693,7 @@
             <p:nvPr>
               <p:extLst>
                 <p:ext uri="{386F3935-93C4-4BCD-93E2-E3B085C9AB24}">
-                  <p16:designElem xmlns:p16="http://schemas.microsoft.com/office/powerpoint/2015/main" xmlns="" val="1"/>
+                  <p16:designElem xmlns="" xmlns:p16="http://schemas.microsoft.com/office/powerpoint/2015/main" val="1"/>
                 </p:ext>
               </p:extLst>
             </p:nvPr>
@@ -6739,10 +6739,10 @@
           <p:cNvPr id="21" name="Rectangle 20">
             <a:extLst>
               <a:ext uri="{FF2B5EF4-FFF2-40B4-BE49-F238E27FC236}">
-                <a16:creationId xmlns:a16="http://schemas.microsoft.com/office/drawing/2014/main" xmlns="" id="{7941F9B1-B01B-4A84-89D9-B169AEB4E456}"/>
+                <a16:creationId xmlns="" xmlns:a16="http://schemas.microsoft.com/office/drawing/2014/main" id="{7941F9B1-B01B-4A84-89D9-B169AEB4E456}"/>
               </a:ext>
               <a:ext uri="{C183D7F6-B498-43B3-948B-1728B52AA6E4}">
-                <adec:decorative xmlns:adec="http://schemas.microsoft.com/office/drawing/2017/decorative" xmlns="" val="1"/>
+                <adec:decorative xmlns="" xmlns:adec="http://schemas.microsoft.com/office/drawing/2017/decorative" val="1"/>
               </a:ext>
             </a:extLst>
           </p:cNvPr>
@@ -6752,7 +6752,7 @@
           <p:nvPr>
             <p:extLst>
               <p:ext uri="{386F3935-93C4-4BCD-93E2-E3B085C9AB24}">
-                <p16:designElem xmlns:p16="http://schemas.microsoft.com/office/powerpoint/2015/main" xmlns="" val="1"/>
+                <p16:designElem xmlns="" xmlns:p16="http://schemas.microsoft.com/office/powerpoint/2015/main" val="1"/>
               </p:ext>
             </p:extLst>
           </p:nvPr>
@@ -6809,7 +6809,7 @@
           <p:cNvPr id="3" name="slide4">
             <a:extLst>
               <a:ext uri="{FF2B5EF4-FFF2-40B4-BE49-F238E27FC236}">
-                <a16:creationId xmlns:a16="http://schemas.microsoft.com/office/drawing/2014/main" xmlns="" id="{7EE1087F-C25B-46CA-8FE5-E41841395C77}"/>
+                <a16:creationId xmlns="" xmlns:a16="http://schemas.microsoft.com/office/drawing/2014/main" id="{7EE1087F-C25B-46CA-8FE5-E41841395C77}"/>
               </a:ext>
             </a:extLst>
           </p:cNvPr>
@@ -6883,10 +6883,10 @@
           <p:cNvPr id="7" name="Rectangle 6">
             <a:extLst>
               <a:ext uri="{FF2B5EF4-FFF2-40B4-BE49-F238E27FC236}">
-                <a16:creationId xmlns:a16="http://schemas.microsoft.com/office/drawing/2014/main" xmlns="" id="{03E8462A-FEBA-4848-81CC-3F8DA3E477BE}"/>
+                <a16:creationId xmlns="" xmlns:a16="http://schemas.microsoft.com/office/drawing/2014/main" id="{03E8462A-FEBA-4848-81CC-3F8DA3E477BE}"/>
               </a:ext>
               <a:ext uri="{C183D7F6-B498-43B3-948B-1728B52AA6E4}">
-                <adec:decorative xmlns:adec="http://schemas.microsoft.com/office/drawing/2017/decorative" xmlns="" val="1"/>
+                <adec:decorative xmlns="" xmlns:adec="http://schemas.microsoft.com/office/drawing/2017/decorative" val="1"/>
               </a:ext>
             </a:extLst>
           </p:cNvPr>
@@ -6896,7 +6896,7 @@
           <p:nvPr>
             <p:extLst>
               <p:ext uri="{386F3935-93C4-4BCD-93E2-E3B085C9AB24}">
-                <p16:designElem xmlns:p16="http://schemas.microsoft.com/office/powerpoint/2015/main" xmlns="" val="1"/>
+                <p16:designElem xmlns="" xmlns:p16="http://schemas.microsoft.com/office/powerpoint/2015/main" val="1"/>
               </p:ext>
             </p:extLst>
           </p:nvPr>
@@ -6946,10 +6946,10 @@
           <p:cNvPr id="9" name="Group 8">
             <a:extLst>
               <a:ext uri="{FF2B5EF4-FFF2-40B4-BE49-F238E27FC236}">
-                <a16:creationId xmlns:a16="http://schemas.microsoft.com/office/drawing/2014/main" xmlns="" id="{2109F83F-40FE-4DB3-84CC-09FB3340D06D}"/>
+                <a16:creationId xmlns="" xmlns:a16="http://schemas.microsoft.com/office/drawing/2014/main" id="{2109F83F-40FE-4DB3-84CC-09FB3340D06D}"/>
               </a:ext>
               <a:ext uri="{C183D7F6-B498-43B3-948B-1728B52AA6E4}">
-                <adec:decorative xmlns:adec="http://schemas.microsoft.com/office/drawing/2017/decorative" xmlns="" val="1"/>
+                <adec:decorative xmlns="" xmlns:adec="http://schemas.microsoft.com/office/drawing/2017/decorative" val="1"/>
               </a:ext>
             </a:extLst>
           </p:cNvPr>
@@ -6959,7 +6959,7 @@
           <p:nvPr>
             <p:extLst>
               <p:ext uri="{386F3935-93C4-4BCD-93E2-E3B085C9AB24}">
-                <p16:designElem xmlns:p16="http://schemas.microsoft.com/office/powerpoint/2015/main" xmlns="" val="1"/>
+                <p16:designElem xmlns="" xmlns:p16="http://schemas.microsoft.com/office/powerpoint/2015/main" val="1"/>
               </p:ext>
             </p:extLst>
           </p:nvPr>
@@ -6977,10 +6977,10 @@
             <p:cNvPr id="10" name="Straight Connector 9">
               <a:extLst>
                 <a:ext uri="{FF2B5EF4-FFF2-40B4-BE49-F238E27FC236}">
-                  <a16:creationId xmlns:a16="http://schemas.microsoft.com/office/drawing/2014/main" xmlns="" id="{1DE492D7-C3C3-48FF-80C8-37021EA0262F}"/>
+                  <a16:creationId xmlns="" xmlns:a16="http://schemas.microsoft.com/office/drawing/2014/main" id="{1DE492D7-C3C3-48FF-80C8-37021EA0262F}"/>
                 </a:ext>
                 <a:ext uri="{C183D7F6-B498-43B3-948B-1728B52AA6E4}">
-                  <adec:decorative xmlns:adec="http://schemas.microsoft.com/office/drawing/2017/decorative" xmlns="" val="1"/>
+                  <adec:decorative xmlns="" xmlns:adec="http://schemas.microsoft.com/office/drawing/2017/decorative" val="1"/>
                 </a:ext>
               </a:extLst>
             </p:cNvPr>
@@ -6988,7 +6988,7 @@
             <p:nvPr>
               <p:extLst>
                 <p:ext uri="{386F3935-93C4-4BCD-93E2-E3B085C9AB24}">
-                  <p16:designElem xmlns:p16="http://schemas.microsoft.com/office/powerpoint/2015/main" xmlns="" val="1"/>
+                  <p16:designElem xmlns="" xmlns:p16="http://schemas.microsoft.com/office/powerpoint/2015/main" val="1"/>
                 </p:ext>
               </p:extLst>
             </p:nvPr>
@@ -7029,10 +7029,10 @@
             <p:cNvPr id="11" name="Rectangle 23">
               <a:extLst>
                 <a:ext uri="{FF2B5EF4-FFF2-40B4-BE49-F238E27FC236}">
-                  <a16:creationId xmlns:a16="http://schemas.microsoft.com/office/drawing/2014/main" xmlns="" id="{0B30FF97-2E9A-490A-AED2-90BA2E0EC17F}"/>
+                  <a16:creationId xmlns="" xmlns:a16="http://schemas.microsoft.com/office/drawing/2014/main" id="{0B30FF97-2E9A-490A-AED2-90BA2E0EC17F}"/>
                 </a:ext>
                 <a:ext uri="{C183D7F6-B498-43B3-948B-1728B52AA6E4}">
-                  <adec:decorative xmlns:adec="http://schemas.microsoft.com/office/drawing/2017/decorative" xmlns="" val="1"/>
+                  <adec:decorative xmlns="" xmlns:adec="http://schemas.microsoft.com/office/drawing/2017/decorative" val="1"/>
                 </a:ext>
               </a:extLst>
             </p:cNvPr>
@@ -7040,7 +7040,7 @@
             <p:nvPr>
               <p:extLst>
                 <p:ext uri="{386F3935-93C4-4BCD-93E2-E3B085C9AB24}">
-                  <p16:designElem xmlns:p16="http://schemas.microsoft.com/office/powerpoint/2015/main" xmlns="" val="1"/>
+                  <p16:designElem xmlns="" xmlns:p16="http://schemas.microsoft.com/office/powerpoint/2015/main" val="1"/>
                 </p:ext>
               </p:extLst>
             </p:nvPr>
@@ -7107,10 +7107,10 @@
             <p:cNvPr id="12" name="Rectangle 25">
               <a:extLst>
                 <a:ext uri="{FF2B5EF4-FFF2-40B4-BE49-F238E27FC236}">
-                  <a16:creationId xmlns:a16="http://schemas.microsoft.com/office/drawing/2014/main" xmlns="" id="{B6D53C7D-A312-47B6-A66A-230A19CFACA6}"/>
+                  <a16:creationId xmlns="" xmlns:a16="http://schemas.microsoft.com/office/drawing/2014/main" id="{B6D53C7D-A312-47B6-A66A-230A19CFACA6}"/>
                 </a:ext>
                 <a:ext uri="{C183D7F6-B498-43B3-948B-1728B52AA6E4}">
-                  <adec:decorative xmlns:adec="http://schemas.microsoft.com/office/drawing/2017/decorative" xmlns="" val="1"/>
+                  <adec:decorative xmlns="" xmlns:adec="http://schemas.microsoft.com/office/drawing/2017/decorative" val="1"/>
                 </a:ext>
               </a:extLst>
             </p:cNvPr>
@@ -7118,7 +7118,7 @@
             <p:nvPr>
               <p:extLst>
                 <p:ext uri="{386F3935-93C4-4BCD-93E2-E3B085C9AB24}">
-                  <p16:designElem xmlns:p16="http://schemas.microsoft.com/office/powerpoint/2015/main" xmlns="" val="1"/>
+                  <p16:designElem xmlns="" xmlns:p16="http://schemas.microsoft.com/office/powerpoint/2015/main" val="1"/>
                 </p:ext>
               </p:extLst>
             </p:nvPr>
@@ -7185,10 +7185,10 @@
             <p:cNvPr id="13" name="Isosceles Triangle 12">
               <a:extLst>
                 <a:ext uri="{FF2B5EF4-FFF2-40B4-BE49-F238E27FC236}">
-                  <a16:creationId xmlns:a16="http://schemas.microsoft.com/office/drawing/2014/main" xmlns="" id="{9329D58C-0D2E-4A2B-AD6A-9CEE506784A8}"/>
+                  <a16:creationId xmlns="" xmlns:a16="http://schemas.microsoft.com/office/drawing/2014/main" id="{9329D58C-0D2E-4A2B-AD6A-9CEE506784A8}"/>
                 </a:ext>
                 <a:ext uri="{C183D7F6-B498-43B3-948B-1728B52AA6E4}">
-                  <adec:decorative xmlns:adec="http://schemas.microsoft.com/office/drawing/2017/decorative" xmlns="" val="1"/>
+                  <adec:decorative xmlns="" xmlns:adec="http://schemas.microsoft.com/office/drawing/2017/decorative" val="1"/>
                 </a:ext>
               </a:extLst>
             </p:cNvPr>
@@ -7196,7 +7196,7 @@
             <p:nvPr>
               <p:extLst>
                 <p:ext uri="{386F3935-93C4-4BCD-93E2-E3B085C9AB24}">
-                  <p16:designElem xmlns:p16="http://schemas.microsoft.com/office/powerpoint/2015/main" xmlns="" val="1"/>
+                  <p16:designElem xmlns="" xmlns:p16="http://schemas.microsoft.com/office/powerpoint/2015/main" val="1"/>
                 </p:ext>
               </p:extLst>
             </p:nvPr>
@@ -7241,10 +7241,10 @@
             <p:cNvPr id="14" name="Rectangle 27">
               <a:extLst>
                 <a:ext uri="{FF2B5EF4-FFF2-40B4-BE49-F238E27FC236}">
-                  <a16:creationId xmlns:a16="http://schemas.microsoft.com/office/drawing/2014/main" xmlns="" id="{9D446EDE-C690-4461-8BF2-7634808FC8B4}"/>
+                  <a16:creationId xmlns="" xmlns:a16="http://schemas.microsoft.com/office/drawing/2014/main" id="{9D446EDE-C690-4461-8BF2-7634808FC8B4}"/>
                 </a:ext>
                 <a:ext uri="{C183D7F6-B498-43B3-948B-1728B52AA6E4}">
-                  <adec:decorative xmlns:adec="http://schemas.microsoft.com/office/drawing/2017/decorative" xmlns="" val="1"/>
+                  <adec:decorative xmlns="" xmlns:adec="http://schemas.microsoft.com/office/drawing/2017/decorative" val="1"/>
                 </a:ext>
               </a:extLst>
             </p:cNvPr>
@@ -7252,7 +7252,7 @@
             <p:nvPr>
               <p:extLst>
                 <p:ext uri="{386F3935-93C4-4BCD-93E2-E3B085C9AB24}">
-                  <p16:designElem xmlns:p16="http://schemas.microsoft.com/office/powerpoint/2015/main" xmlns="" val="1"/>
+                  <p16:designElem xmlns="" xmlns:p16="http://schemas.microsoft.com/office/powerpoint/2015/main" val="1"/>
                 </p:ext>
               </p:extLst>
             </p:nvPr>
@@ -7320,10 +7320,10 @@
             <p:cNvPr id="15" name="Rectangle 28">
               <a:extLst>
                 <a:ext uri="{FF2B5EF4-FFF2-40B4-BE49-F238E27FC236}">
-                  <a16:creationId xmlns:a16="http://schemas.microsoft.com/office/drawing/2014/main" xmlns="" id="{323F3D34-6531-4AD7-A8C6-195A090281A1}"/>
+                  <a16:creationId xmlns="" xmlns:a16="http://schemas.microsoft.com/office/drawing/2014/main" id="{323F3D34-6531-4AD7-A8C6-195A090281A1}"/>
                 </a:ext>
                 <a:ext uri="{C183D7F6-B498-43B3-948B-1728B52AA6E4}">
-                  <adec:decorative xmlns:adec="http://schemas.microsoft.com/office/drawing/2017/decorative" xmlns="" val="1"/>
+                  <adec:decorative xmlns="" xmlns:adec="http://schemas.microsoft.com/office/drawing/2017/decorative" val="1"/>
                 </a:ext>
               </a:extLst>
             </p:cNvPr>
@@ -7331,7 +7331,7 @@
             <p:nvPr>
               <p:extLst>
                 <p:ext uri="{386F3935-93C4-4BCD-93E2-E3B085C9AB24}">
-                  <p16:designElem xmlns:p16="http://schemas.microsoft.com/office/powerpoint/2015/main" xmlns="" val="1"/>
+                  <p16:designElem xmlns="" xmlns:p16="http://schemas.microsoft.com/office/powerpoint/2015/main" val="1"/>
                 </p:ext>
               </p:extLst>
             </p:nvPr>
@@ -7400,10 +7400,10 @@
             <p:cNvPr id="16" name="Rectangle 29">
               <a:extLst>
                 <a:ext uri="{FF2B5EF4-FFF2-40B4-BE49-F238E27FC236}">
-                  <a16:creationId xmlns:a16="http://schemas.microsoft.com/office/drawing/2014/main" xmlns="" id="{B9B0AE3F-2350-435F-A9B0-C310BF876385}"/>
+                  <a16:creationId xmlns="" xmlns:a16="http://schemas.microsoft.com/office/drawing/2014/main" id="{B9B0AE3F-2350-435F-A9B0-C310BF876385}"/>
                 </a:ext>
                 <a:ext uri="{C183D7F6-B498-43B3-948B-1728B52AA6E4}">
-                  <adec:decorative xmlns:adec="http://schemas.microsoft.com/office/drawing/2017/decorative" xmlns="" val="1"/>
+                  <adec:decorative xmlns="" xmlns:adec="http://schemas.microsoft.com/office/drawing/2017/decorative" val="1"/>
                 </a:ext>
               </a:extLst>
             </p:cNvPr>
@@ -7411,7 +7411,7 @@
             <p:nvPr>
               <p:extLst>
                 <p:ext uri="{386F3935-93C4-4BCD-93E2-E3B085C9AB24}">
-                  <p16:designElem xmlns:p16="http://schemas.microsoft.com/office/powerpoint/2015/main" xmlns="" val="1"/>
+                  <p16:designElem xmlns="" xmlns:p16="http://schemas.microsoft.com/office/powerpoint/2015/main" val="1"/>
                 </p:ext>
               </p:extLst>
             </p:nvPr>
@@ -7478,10 +7478,10 @@
             <p:cNvPr id="17" name="Isosceles Triangle 16">
               <a:extLst>
                 <a:ext uri="{FF2B5EF4-FFF2-40B4-BE49-F238E27FC236}">
-                  <a16:creationId xmlns:a16="http://schemas.microsoft.com/office/drawing/2014/main" xmlns="" id="{4EFA655C-9E50-4C14-A89E-AD7B648E4E2B}"/>
+                  <a16:creationId xmlns="" xmlns:a16="http://schemas.microsoft.com/office/drawing/2014/main" id="{4EFA655C-9E50-4C14-A89E-AD7B648E4E2B}"/>
                 </a:ext>
                 <a:ext uri="{C183D7F6-B498-43B3-948B-1728B52AA6E4}">
-                  <adec:decorative xmlns:adec="http://schemas.microsoft.com/office/drawing/2017/decorative" xmlns="" val="1"/>
+                  <adec:decorative xmlns="" xmlns:adec="http://schemas.microsoft.com/office/drawing/2017/decorative" val="1"/>
                 </a:ext>
               </a:extLst>
             </p:cNvPr>
@@ -7489,7 +7489,7 @@
             <p:nvPr>
               <p:extLst>
                 <p:ext uri="{386F3935-93C4-4BCD-93E2-E3B085C9AB24}">
-                  <p16:designElem xmlns:p16="http://schemas.microsoft.com/office/powerpoint/2015/main" xmlns="" val="1"/>
+                  <p16:designElem xmlns="" xmlns:p16="http://schemas.microsoft.com/office/powerpoint/2015/main" val="1"/>
                 </p:ext>
               </p:extLst>
             </p:nvPr>
@@ -7534,10 +7534,10 @@
             <p:cNvPr id="18" name="Isosceles Triangle 17">
               <a:extLst>
                 <a:ext uri="{FF2B5EF4-FFF2-40B4-BE49-F238E27FC236}">
-                  <a16:creationId xmlns:a16="http://schemas.microsoft.com/office/drawing/2014/main" xmlns="" id="{3E843863-7D25-4C01-9A17-E817CB6D998A}"/>
+                  <a16:creationId xmlns="" xmlns:a16="http://schemas.microsoft.com/office/drawing/2014/main" id="{3E843863-7D25-4C01-9A17-E817CB6D998A}"/>
                 </a:ext>
                 <a:ext uri="{C183D7F6-B498-43B3-948B-1728B52AA6E4}">
-                  <adec:decorative xmlns:adec="http://schemas.microsoft.com/office/drawing/2017/decorative" xmlns="" val="1"/>
+                  <adec:decorative xmlns="" xmlns:adec="http://schemas.microsoft.com/office/drawing/2017/decorative" val="1"/>
                 </a:ext>
               </a:extLst>
             </p:cNvPr>
@@ -7545,7 +7545,7 @@
             <p:nvPr>
               <p:extLst>
                 <p:ext uri="{386F3935-93C4-4BCD-93E2-E3B085C9AB24}">
-                  <p16:designElem xmlns:p16="http://schemas.microsoft.com/office/powerpoint/2015/main" xmlns="" val="1"/>
+                  <p16:designElem xmlns="" xmlns:p16="http://schemas.microsoft.com/office/powerpoint/2015/main" val="1"/>
                 </p:ext>
               </p:extLst>
             </p:nvPr>
@@ -7591,10 +7591,10 @@
           <p:cNvPr id="20" name="Rectangle 19">
             <a:extLst>
               <a:ext uri="{FF2B5EF4-FFF2-40B4-BE49-F238E27FC236}">
-                <a16:creationId xmlns:a16="http://schemas.microsoft.com/office/drawing/2014/main" xmlns="" id="{7941F9B1-B01B-4A84-89D9-B169AEB4E456}"/>
+                <a16:creationId xmlns="" xmlns:a16="http://schemas.microsoft.com/office/drawing/2014/main" id="{7941F9B1-B01B-4A84-89D9-B169AEB4E456}"/>
               </a:ext>
               <a:ext uri="{C183D7F6-B498-43B3-948B-1728B52AA6E4}">
-                <adec:decorative xmlns:adec="http://schemas.microsoft.com/office/drawing/2017/decorative" xmlns="" val="1"/>
+                <adec:decorative xmlns="" xmlns:adec="http://schemas.microsoft.com/office/drawing/2017/decorative" val="1"/>
               </a:ext>
             </a:extLst>
           </p:cNvPr>
@@ -7604,7 +7604,7 @@
           <p:nvPr>
             <p:extLst>
               <p:ext uri="{386F3935-93C4-4BCD-93E2-E3B085C9AB24}">
-                <p16:designElem xmlns:p16="http://schemas.microsoft.com/office/powerpoint/2015/main" xmlns="" val="1"/>
+                <p16:designElem xmlns="" xmlns:p16="http://schemas.microsoft.com/office/powerpoint/2015/main" val="1"/>
               </p:ext>
             </p:extLst>
           </p:nvPr>
@@ -7661,7 +7661,7 @@
           <p:cNvPr id="2" name="slide4">
             <a:extLst>
               <a:ext uri="{FF2B5EF4-FFF2-40B4-BE49-F238E27FC236}">
-                <a16:creationId xmlns:a16="http://schemas.microsoft.com/office/drawing/2014/main" xmlns="" id="{D2136DE0-82F0-4928-B55D-05366FF88F5A}"/>
+                <a16:creationId xmlns="" xmlns:a16="http://schemas.microsoft.com/office/drawing/2014/main" id="{D2136DE0-82F0-4928-B55D-05366FF88F5A}"/>
               </a:ext>
             </a:extLst>
           </p:cNvPr>
@@ -7735,10 +7735,10 @@
           <p:cNvPr id="7" name="Rectangle 6">
             <a:extLst>
               <a:ext uri="{FF2B5EF4-FFF2-40B4-BE49-F238E27FC236}">
-                <a16:creationId xmlns:a16="http://schemas.microsoft.com/office/drawing/2014/main" xmlns="" id="{03E8462A-FEBA-4848-81CC-3F8DA3E477BE}"/>
+                <a16:creationId xmlns="" xmlns:a16="http://schemas.microsoft.com/office/drawing/2014/main" id="{03E8462A-FEBA-4848-81CC-3F8DA3E477BE}"/>
               </a:ext>
               <a:ext uri="{C183D7F6-B498-43B3-948B-1728B52AA6E4}">
-                <adec:decorative xmlns:adec="http://schemas.microsoft.com/office/drawing/2017/decorative" xmlns="" val="1"/>
+                <adec:decorative xmlns="" xmlns:adec="http://schemas.microsoft.com/office/drawing/2017/decorative" val="1"/>
               </a:ext>
             </a:extLst>
           </p:cNvPr>
@@ -7748,7 +7748,7 @@
           <p:nvPr>
             <p:extLst>
               <p:ext uri="{386F3935-93C4-4BCD-93E2-E3B085C9AB24}">
-                <p16:designElem xmlns:p16="http://schemas.microsoft.com/office/powerpoint/2015/main" xmlns="" val="1"/>
+                <p16:designElem xmlns="" xmlns:p16="http://schemas.microsoft.com/office/powerpoint/2015/main" val="1"/>
               </p:ext>
             </p:extLst>
           </p:nvPr>
@@ -7798,10 +7798,10 @@
           <p:cNvPr id="9" name="Group 8">
             <a:extLst>
               <a:ext uri="{FF2B5EF4-FFF2-40B4-BE49-F238E27FC236}">
-                <a16:creationId xmlns:a16="http://schemas.microsoft.com/office/drawing/2014/main" xmlns="" id="{2109F83F-40FE-4DB3-84CC-09FB3340D06D}"/>
+                <a16:creationId xmlns="" xmlns:a16="http://schemas.microsoft.com/office/drawing/2014/main" id="{2109F83F-40FE-4DB3-84CC-09FB3340D06D}"/>
               </a:ext>
               <a:ext uri="{C183D7F6-B498-43B3-948B-1728B52AA6E4}">
-                <adec:decorative xmlns:adec="http://schemas.microsoft.com/office/drawing/2017/decorative" xmlns="" val="1"/>
+                <adec:decorative xmlns="" xmlns:adec="http://schemas.microsoft.com/office/drawing/2017/decorative" val="1"/>
               </a:ext>
             </a:extLst>
           </p:cNvPr>
@@ -7811,7 +7811,7 @@
           <p:nvPr>
             <p:extLst>
               <p:ext uri="{386F3935-93C4-4BCD-93E2-E3B085C9AB24}">
-                <p16:designElem xmlns:p16="http://schemas.microsoft.com/office/powerpoint/2015/main" xmlns="" val="1"/>
+                <p16:designElem xmlns="" xmlns:p16="http://schemas.microsoft.com/office/powerpoint/2015/main" val="1"/>
               </p:ext>
             </p:extLst>
           </p:nvPr>
@@ -7829,10 +7829,10 @@
             <p:cNvPr id="10" name="Straight Connector 9">
               <a:extLst>
                 <a:ext uri="{FF2B5EF4-FFF2-40B4-BE49-F238E27FC236}">
-                  <a16:creationId xmlns:a16="http://schemas.microsoft.com/office/drawing/2014/main" xmlns="" id="{1DE492D7-C3C3-48FF-80C8-37021EA0262F}"/>
+                  <a16:creationId xmlns="" xmlns:a16="http://schemas.microsoft.com/office/drawing/2014/main" id="{1DE492D7-C3C3-48FF-80C8-37021EA0262F}"/>
                 </a:ext>
                 <a:ext uri="{C183D7F6-B498-43B3-948B-1728B52AA6E4}">
-                  <adec:decorative xmlns:adec="http://schemas.microsoft.com/office/drawing/2017/decorative" xmlns="" val="1"/>
+                  <adec:decorative xmlns="" xmlns:adec="http://schemas.microsoft.com/office/drawing/2017/decorative" val="1"/>
                 </a:ext>
               </a:extLst>
             </p:cNvPr>
@@ -7840,7 +7840,7 @@
             <p:nvPr>
               <p:extLst>
                 <p:ext uri="{386F3935-93C4-4BCD-93E2-E3B085C9AB24}">
-                  <p16:designElem xmlns:p16="http://schemas.microsoft.com/office/powerpoint/2015/main" xmlns="" val="1"/>
+                  <p16:designElem xmlns="" xmlns:p16="http://schemas.microsoft.com/office/powerpoint/2015/main" val="1"/>
                 </p:ext>
               </p:extLst>
             </p:nvPr>
@@ -7881,10 +7881,10 @@
             <p:cNvPr id="11" name="Rectangle 23">
               <a:extLst>
                 <a:ext uri="{FF2B5EF4-FFF2-40B4-BE49-F238E27FC236}">
-                  <a16:creationId xmlns:a16="http://schemas.microsoft.com/office/drawing/2014/main" xmlns="" id="{0B30FF97-2E9A-490A-AED2-90BA2E0EC17F}"/>
+                  <a16:creationId xmlns="" xmlns:a16="http://schemas.microsoft.com/office/drawing/2014/main" id="{0B30FF97-2E9A-490A-AED2-90BA2E0EC17F}"/>
                 </a:ext>
                 <a:ext uri="{C183D7F6-B498-43B3-948B-1728B52AA6E4}">
-                  <adec:decorative xmlns:adec="http://schemas.microsoft.com/office/drawing/2017/decorative" xmlns="" val="1"/>
+                  <adec:decorative xmlns="" xmlns:adec="http://schemas.microsoft.com/office/drawing/2017/decorative" val="1"/>
                 </a:ext>
               </a:extLst>
             </p:cNvPr>
@@ -7892,7 +7892,7 @@
             <p:nvPr>
               <p:extLst>
                 <p:ext uri="{386F3935-93C4-4BCD-93E2-E3B085C9AB24}">
-                  <p16:designElem xmlns:p16="http://schemas.microsoft.com/office/powerpoint/2015/main" xmlns="" val="1"/>
+                  <p16:designElem xmlns="" xmlns:p16="http://schemas.microsoft.com/office/powerpoint/2015/main" val="1"/>
                 </p:ext>
               </p:extLst>
             </p:nvPr>
@@ -7959,10 +7959,10 @@
             <p:cNvPr id="12" name="Rectangle 25">
               <a:extLst>
                 <a:ext uri="{FF2B5EF4-FFF2-40B4-BE49-F238E27FC236}">
-                  <a16:creationId xmlns:a16="http://schemas.microsoft.com/office/drawing/2014/main" xmlns="" id="{B6D53C7D-A312-47B6-A66A-230A19CFACA6}"/>
+                  <a16:creationId xmlns="" xmlns:a16="http://schemas.microsoft.com/office/drawing/2014/main" id="{B6D53C7D-A312-47B6-A66A-230A19CFACA6}"/>
                 </a:ext>
                 <a:ext uri="{C183D7F6-B498-43B3-948B-1728B52AA6E4}">
-                  <adec:decorative xmlns:adec="http://schemas.microsoft.com/office/drawing/2017/decorative" xmlns="" val="1"/>
+                  <adec:decorative xmlns="" xmlns:adec="http://schemas.microsoft.com/office/drawing/2017/decorative" val="1"/>
                 </a:ext>
               </a:extLst>
             </p:cNvPr>
@@ -7970,7 +7970,7 @@
             <p:nvPr>
               <p:extLst>
                 <p:ext uri="{386F3935-93C4-4BCD-93E2-E3B085C9AB24}">
-                  <p16:designElem xmlns:p16="http://schemas.microsoft.com/office/powerpoint/2015/main" xmlns="" val="1"/>
+                  <p16:designElem xmlns="" xmlns:p16="http://schemas.microsoft.com/office/powerpoint/2015/main" val="1"/>
                 </p:ext>
               </p:extLst>
             </p:nvPr>
@@ -8037,10 +8037,10 @@
             <p:cNvPr id="13" name="Isosceles Triangle 12">
               <a:extLst>
                 <a:ext uri="{FF2B5EF4-FFF2-40B4-BE49-F238E27FC236}">
-                  <a16:creationId xmlns:a16="http://schemas.microsoft.com/office/drawing/2014/main" xmlns="" id="{9329D58C-0D2E-4A2B-AD6A-9CEE506784A8}"/>
+                  <a16:creationId xmlns="" xmlns:a16="http://schemas.microsoft.com/office/drawing/2014/main" id="{9329D58C-0D2E-4A2B-AD6A-9CEE506784A8}"/>
                 </a:ext>
                 <a:ext uri="{C183D7F6-B498-43B3-948B-1728B52AA6E4}">
-                  <adec:decorative xmlns:adec="http://schemas.microsoft.com/office/drawing/2017/decorative" xmlns="" val="1"/>
+                  <adec:decorative xmlns="" xmlns:adec="http://schemas.microsoft.com/office/drawing/2017/decorative" val="1"/>
                 </a:ext>
               </a:extLst>
             </p:cNvPr>
@@ -8048,7 +8048,7 @@
             <p:nvPr>
               <p:extLst>
                 <p:ext uri="{386F3935-93C4-4BCD-93E2-E3B085C9AB24}">
-                  <p16:designElem xmlns:p16="http://schemas.microsoft.com/office/powerpoint/2015/main" xmlns="" val="1"/>
+                  <p16:designElem xmlns="" xmlns:p16="http://schemas.microsoft.com/office/powerpoint/2015/main" val="1"/>
                 </p:ext>
               </p:extLst>
             </p:nvPr>
@@ -8093,10 +8093,10 @@
             <p:cNvPr id="14" name="Rectangle 27">
               <a:extLst>
                 <a:ext uri="{FF2B5EF4-FFF2-40B4-BE49-F238E27FC236}">
-                  <a16:creationId xmlns:a16="http://schemas.microsoft.com/office/drawing/2014/main" xmlns="" id="{9D446EDE-C690-4461-8BF2-7634808FC8B4}"/>
+                  <a16:creationId xmlns="" xmlns:a16="http://schemas.microsoft.com/office/drawing/2014/main" id="{9D446EDE-C690-4461-8BF2-7634808FC8B4}"/>
                 </a:ext>
                 <a:ext uri="{C183D7F6-B498-43B3-948B-1728B52AA6E4}">
-                  <adec:decorative xmlns:adec="http://schemas.microsoft.com/office/drawing/2017/decorative" xmlns="" val="1"/>
+                  <adec:decorative xmlns="" xmlns:adec="http://schemas.microsoft.com/office/drawing/2017/decorative" val="1"/>
                 </a:ext>
               </a:extLst>
             </p:cNvPr>
@@ -8104,7 +8104,7 @@
             <p:nvPr>
               <p:extLst>
                 <p:ext uri="{386F3935-93C4-4BCD-93E2-E3B085C9AB24}">
-                  <p16:designElem xmlns:p16="http://schemas.microsoft.com/office/powerpoint/2015/main" xmlns="" val="1"/>
+                  <p16:designElem xmlns="" xmlns:p16="http://schemas.microsoft.com/office/powerpoint/2015/main" val="1"/>
                 </p:ext>
               </p:extLst>
             </p:nvPr>
@@ -8172,10 +8172,10 @@
             <p:cNvPr id="15" name="Rectangle 28">
               <a:extLst>
                 <a:ext uri="{FF2B5EF4-FFF2-40B4-BE49-F238E27FC236}">
-                  <a16:creationId xmlns:a16="http://schemas.microsoft.com/office/drawing/2014/main" xmlns="" id="{323F3D34-6531-4AD7-A8C6-195A090281A1}"/>
+                  <a16:creationId xmlns="" xmlns:a16="http://schemas.microsoft.com/office/drawing/2014/main" id="{323F3D34-6531-4AD7-A8C6-195A090281A1}"/>
                 </a:ext>
                 <a:ext uri="{C183D7F6-B498-43B3-948B-1728B52AA6E4}">
-                  <adec:decorative xmlns:adec="http://schemas.microsoft.com/office/drawing/2017/decorative" xmlns="" val="1"/>
+                  <adec:decorative xmlns="" xmlns:adec="http://schemas.microsoft.com/office/drawing/2017/decorative" val="1"/>
                 </a:ext>
               </a:extLst>
             </p:cNvPr>
@@ -8183,7 +8183,7 @@
             <p:nvPr>
               <p:extLst>
                 <p:ext uri="{386F3935-93C4-4BCD-93E2-E3B085C9AB24}">
-                  <p16:designElem xmlns:p16="http://schemas.microsoft.com/office/powerpoint/2015/main" xmlns="" val="1"/>
+                  <p16:designElem xmlns="" xmlns:p16="http://schemas.microsoft.com/office/powerpoint/2015/main" val="1"/>
                 </p:ext>
               </p:extLst>
             </p:nvPr>
@@ -8252,10 +8252,10 @@
             <p:cNvPr id="16" name="Rectangle 29">
               <a:extLst>
                 <a:ext uri="{FF2B5EF4-FFF2-40B4-BE49-F238E27FC236}">
-                  <a16:creationId xmlns:a16="http://schemas.microsoft.com/office/drawing/2014/main" xmlns="" id="{B9B0AE3F-2350-435F-A9B0-C310BF876385}"/>
+                  <a16:creationId xmlns="" xmlns:a16="http://schemas.microsoft.com/office/drawing/2014/main" id="{B9B0AE3F-2350-435F-A9B0-C310BF876385}"/>
                 </a:ext>
                 <a:ext uri="{C183D7F6-B498-43B3-948B-1728B52AA6E4}">
-                  <adec:decorative xmlns:adec="http://schemas.microsoft.com/office/drawing/2017/decorative" xmlns="" val="1"/>
+                  <adec:decorative xmlns="" xmlns:adec="http://schemas.microsoft.com/office/drawing/2017/decorative" val="1"/>
                 </a:ext>
               </a:extLst>
             </p:cNvPr>
@@ -8263,7 +8263,7 @@
             <p:nvPr>
               <p:extLst>
                 <p:ext uri="{386F3935-93C4-4BCD-93E2-E3B085C9AB24}">
-                  <p16:designElem xmlns:p16="http://schemas.microsoft.com/office/powerpoint/2015/main" xmlns="" val="1"/>
+                  <p16:designElem xmlns="" xmlns:p16="http://schemas.microsoft.com/office/powerpoint/2015/main" val="1"/>
                 </p:ext>
               </p:extLst>
             </p:nvPr>
@@ -8330,10 +8330,10 @@
             <p:cNvPr id="17" name="Isosceles Triangle 16">
               <a:extLst>
                 <a:ext uri="{FF2B5EF4-FFF2-40B4-BE49-F238E27FC236}">
-                  <a16:creationId xmlns:a16="http://schemas.microsoft.com/office/drawing/2014/main" xmlns="" id="{4EFA655C-9E50-4C14-A89E-AD7B648E4E2B}"/>
+                  <a16:creationId xmlns="" xmlns:a16="http://schemas.microsoft.com/office/drawing/2014/main" id="{4EFA655C-9E50-4C14-A89E-AD7B648E4E2B}"/>
                 </a:ext>
                 <a:ext uri="{C183D7F6-B498-43B3-948B-1728B52AA6E4}">
-                  <adec:decorative xmlns:adec="http://schemas.microsoft.com/office/drawing/2017/decorative" xmlns="" val="1"/>
+                  <adec:decorative xmlns="" xmlns:adec="http://schemas.microsoft.com/office/drawing/2017/decorative" val="1"/>
                 </a:ext>
               </a:extLst>
             </p:cNvPr>
@@ -8341,7 +8341,7 @@
             <p:nvPr>
               <p:extLst>
                 <p:ext uri="{386F3935-93C4-4BCD-93E2-E3B085C9AB24}">
-                  <p16:designElem xmlns:p16="http://schemas.microsoft.com/office/powerpoint/2015/main" xmlns="" val="1"/>
+                  <p16:designElem xmlns="" xmlns:p16="http://schemas.microsoft.com/office/powerpoint/2015/main" val="1"/>
                 </p:ext>
               </p:extLst>
             </p:nvPr>
@@ -8386,10 +8386,10 @@
             <p:cNvPr id="18" name="Isosceles Triangle 17">
               <a:extLst>
                 <a:ext uri="{FF2B5EF4-FFF2-40B4-BE49-F238E27FC236}">
-                  <a16:creationId xmlns:a16="http://schemas.microsoft.com/office/drawing/2014/main" xmlns="" id="{3E843863-7D25-4C01-9A17-E817CB6D998A}"/>
+                  <a16:creationId xmlns="" xmlns:a16="http://schemas.microsoft.com/office/drawing/2014/main" id="{3E843863-7D25-4C01-9A17-E817CB6D998A}"/>
                 </a:ext>
                 <a:ext uri="{C183D7F6-B498-43B3-948B-1728B52AA6E4}">
-                  <adec:decorative xmlns:adec="http://schemas.microsoft.com/office/drawing/2017/decorative" xmlns="" val="1"/>
+                  <adec:decorative xmlns="" xmlns:adec="http://schemas.microsoft.com/office/drawing/2017/decorative" val="1"/>
                 </a:ext>
               </a:extLst>
             </p:cNvPr>
@@ -8397,7 +8397,7 @@
             <p:nvPr>
               <p:extLst>
                 <p:ext uri="{386F3935-93C4-4BCD-93E2-E3B085C9AB24}">
-                  <p16:designElem xmlns:p16="http://schemas.microsoft.com/office/powerpoint/2015/main" xmlns="" val="1"/>
+                  <p16:designElem xmlns="" xmlns:p16="http://schemas.microsoft.com/office/powerpoint/2015/main" val="1"/>
                 </p:ext>
               </p:extLst>
             </p:nvPr>
@@ -8443,10 +8443,10 @@
           <p:cNvPr id="20" name="Rectangle 19">
             <a:extLst>
               <a:ext uri="{FF2B5EF4-FFF2-40B4-BE49-F238E27FC236}">
-                <a16:creationId xmlns:a16="http://schemas.microsoft.com/office/drawing/2014/main" xmlns="" id="{7941F9B1-B01B-4A84-89D9-B169AEB4E456}"/>
+                <a16:creationId xmlns="" xmlns:a16="http://schemas.microsoft.com/office/drawing/2014/main" id="{7941F9B1-B01B-4A84-89D9-B169AEB4E456}"/>
               </a:ext>
               <a:ext uri="{C183D7F6-B498-43B3-948B-1728B52AA6E4}">
-                <adec:decorative xmlns:adec="http://schemas.microsoft.com/office/drawing/2017/decorative" xmlns="" val="1"/>
+                <adec:decorative xmlns="" xmlns:adec="http://schemas.microsoft.com/office/drawing/2017/decorative" val="1"/>
               </a:ext>
             </a:extLst>
           </p:cNvPr>
@@ -8456,7 +8456,7 @@
           <p:nvPr>
             <p:extLst>
               <p:ext uri="{386F3935-93C4-4BCD-93E2-E3B085C9AB24}">
-                <p16:designElem xmlns:p16="http://schemas.microsoft.com/office/powerpoint/2015/main" xmlns="" val="1"/>
+                <p16:designElem xmlns="" xmlns:p16="http://schemas.microsoft.com/office/powerpoint/2015/main" val="1"/>
               </p:ext>
             </p:extLst>
           </p:nvPr>
@@ -8513,7 +8513,7 @@
           <p:cNvPr id="2" name="slide4">
             <a:extLst>
               <a:ext uri="{FF2B5EF4-FFF2-40B4-BE49-F238E27FC236}">
-                <a16:creationId xmlns:a16="http://schemas.microsoft.com/office/drawing/2014/main" xmlns="" id="{C00F9D33-E99F-43DE-8833-1A83AB298B88}"/>
+                <a16:creationId xmlns="" xmlns:a16="http://schemas.microsoft.com/office/drawing/2014/main" id="{C00F9D33-E99F-43DE-8833-1A83AB298B88}"/>
               </a:ext>
             </a:extLst>
           </p:cNvPr>
@@ -8536,8 +8536,8 @@
         </p:blipFill>
         <p:spPr>
           <a:xfrm>
-            <a:off x="2206781" y="1131994"/>
-            <a:ext cx="7780314" cy="4590386"/>
+            <a:off x="1601476" y="674430"/>
+            <a:ext cx="9337523" cy="5509140"/>
           </a:xfrm>
           <a:prstGeom prst="rect">
             <a:avLst/>
@@ -8587,10 +8587,10 @@
           <p:cNvPr id="7" name="Rectangle 6">
             <a:extLst>
               <a:ext uri="{FF2B5EF4-FFF2-40B4-BE49-F238E27FC236}">
-                <a16:creationId xmlns:a16="http://schemas.microsoft.com/office/drawing/2014/main" xmlns="" id="{03E8462A-FEBA-4848-81CC-3F8DA3E477BE}"/>
+                <a16:creationId xmlns="" xmlns:a16="http://schemas.microsoft.com/office/drawing/2014/main" id="{03E8462A-FEBA-4848-81CC-3F8DA3E477BE}"/>
               </a:ext>
               <a:ext uri="{C183D7F6-B498-43B3-948B-1728B52AA6E4}">
-                <adec:decorative xmlns:adec="http://schemas.microsoft.com/office/drawing/2017/decorative" xmlns="" val="1"/>
+                <adec:decorative xmlns="" xmlns:adec="http://schemas.microsoft.com/office/drawing/2017/decorative" val="1"/>
               </a:ext>
             </a:extLst>
           </p:cNvPr>
@@ -8600,7 +8600,7 @@
           <p:nvPr>
             <p:extLst>
               <p:ext uri="{386F3935-93C4-4BCD-93E2-E3B085C9AB24}">
-                <p16:designElem xmlns:p16="http://schemas.microsoft.com/office/powerpoint/2015/main" xmlns="" val="1"/>
+                <p16:designElem xmlns="" xmlns:p16="http://schemas.microsoft.com/office/powerpoint/2015/main" val="1"/>
               </p:ext>
             </p:extLst>
           </p:nvPr>
@@ -8650,10 +8650,10 @@
           <p:cNvPr id="9" name="Group 8">
             <a:extLst>
               <a:ext uri="{FF2B5EF4-FFF2-40B4-BE49-F238E27FC236}">
-                <a16:creationId xmlns:a16="http://schemas.microsoft.com/office/drawing/2014/main" xmlns="" id="{2109F83F-40FE-4DB3-84CC-09FB3340D06D}"/>
+                <a16:creationId xmlns="" xmlns:a16="http://schemas.microsoft.com/office/drawing/2014/main" id="{2109F83F-40FE-4DB3-84CC-09FB3340D06D}"/>
               </a:ext>
               <a:ext uri="{C183D7F6-B498-43B3-948B-1728B52AA6E4}">
-                <adec:decorative xmlns:adec="http://schemas.microsoft.com/office/drawing/2017/decorative" xmlns="" val="1"/>
+                <adec:decorative xmlns="" xmlns:adec="http://schemas.microsoft.com/office/drawing/2017/decorative" val="1"/>
               </a:ext>
             </a:extLst>
           </p:cNvPr>
@@ -8663,7 +8663,7 @@
           <p:nvPr>
             <p:extLst>
               <p:ext uri="{386F3935-93C4-4BCD-93E2-E3B085C9AB24}">
-                <p16:designElem xmlns:p16="http://schemas.microsoft.com/office/powerpoint/2015/main" xmlns="" val="1"/>
+                <p16:designElem xmlns="" xmlns:p16="http://schemas.microsoft.com/office/powerpoint/2015/main" val="1"/>
               </p:ext>
             </p:extLst>
           </p:nvPr>
@@ -8681,10 +8681,10 @@
             <p:cNvPr id="10" name="Straight Connector 9">
               <a:extLst>
                 <a:ext uri="{FF2B5EF4-FFF2-40B4-BE49-F238E27FC236}">
-                  <a16:creationId xmlns:a16="http://schemas.microsoft.com/office/drawing/2014/main" xmlns="" id="{1DE492D7-C3C3-48FF-80C8-37021EA0262F}"/>
+                  <a16:creationId xmlns="" xmlns:a16="http://schemas.microsoft.com/office/drawing/2014/main" id="{1DE492D7-C3C3-48FF-80C8-37021EA0262F}"/>
                 </a:ext>
                 <a:ext uri="{C183D7F6-B498-43B3-948B-1728B52AA6E4}">
-                  <adec:decorative xmlns:adec="http://schemas.microsoft.com/office/drawing/2017/decorative" xmlns="" val="1"/>
+                  <adec:decorative xmlns="" xmlns:adec="http://schemas.microsoft.com/office/drawing/2017/decorative" val="1"/>
                 </a:ext>
               </a:extLst>
             </p:cNvPr>
@@ -8692,7 +8692,7 @@
             <p:nvPr>
               <p:extLst>
                 <p:ext uri="{386F3935-93C4-4BCD-93E2-E3B085C9AB24}">
-                  <p16:designElem xmlns:p16="http://schemas.microsoft.com/office/powerpoint/2015/main" xmlns="" val="1"/>
+                  <p16:designElem xmlns="" xmlns:p16="http://schemas.microsoft.com/office/powerpoint/2015/main" val="1"/>
                 </p:ext>
               </p:extLst>
             </p:nvPr>
@@ -8733,10 +8733,10 @@
             <p:cNvPr id="11" name="Rectangle 23">
               <a:extLst>
                 <a:ext uri="{FF2B5EF4-FFF2-40B4-BE49-F238E27FC236}">
-                  <a16:creationId xmlns:a16="http://schemas.microsoft.com/office/drawing/2014/main" xmlns="" id="{0B30FF97-2E9A-490A-AED2-90BA2E0EC17F}"/>
+                  <a16:creationId xmlns="" xmlns:a16="http://schemas.microsoft.com/office/drawing/2014/main" id="{0B30FF97-2E9A-490A-AED2-90BA2E0EC17F}"/>
                 </a:ext>
                 <a:ext uri="{C183D7F6-B498-43B3-948B-1728B52AA6E4}">
-                  <adec:decorative xmlns:adec="http://schemas.microsoft.com/office/drawing/2017/decorative" xmlns="" val="1"/>
+                  <adec:decorative xmlns="" xmlns:adec="http://schemas.microsoft.com/office/drawing/2017/decorative" val="1"/>
                 </a:ext>
               </a:extLst>
             </p:cNvPr>
@@ -8744,7 +8744,7 @@
             <p:nvPr>
               <p:extLst>
                 <p:ext uri="{386F3935-93C4-4BCD-93E2-E3B085C9AB24}">
-                  <p16:designElem xmlns:p16="http://schemas.microsoft.com/office/powerpoint/2015/main" xmlns="" val="1"/>
+                  <p16:designElem xmlns="" xmlns:p16="http://schemas.microsoft.com/office/powerpoint/2015/main" val="1"/>
                 </p:ext>
               </p:extLst>
             </p:nvPr>
@@ -8811,10 +8811,10 @@
             <p:cNvPr id="12" name="Rectangle 25">
               <a:extLst>
                 <a:ext uri="{FF2B5EF4-FFF2-40B4-BE49-F238E27FC236}">
-                  <a16:creationId xmlns:a16="http://schemas.microsoft.com/office/drawing/2014/main" xmlns="" id="{B6D53C7D-A312-47B6-A66A-230A19CFACA6}"/>
+                  <a16:creationId xmlns="" xmlns:a16="http://schemas.microsoft.com/office/drawing/2014/main" id="{B6D53C7D-A312-47B6-A66A-230A19CFACA6}"/>
                 </a:ext>
                 <a:ext uri="{C183D7F6-B498-43B3-948B-1728B52AA6E4}">
-                  <adec:decorative xmlns:adec="http://schemas.microsoft.com/office/drawing/2017/decorative" xmlns="" val="1"/>
+                  <adec:decorative xmlns="" xmlns:adec="http://schemas.microsoft.com/office/drawing/2017/decorative" val="1"/>
                 </a:ext>
               </a:extLst>
             </p:cNvPr>
@@ -8822,7 +8822,7 @@
             <p:nvPr>
               <p:extLst>
                 <p:ext uri="{386F3935-93C4-4BCD-93E2-E3B085C9AB24}">
-                  <p16:designElem xmlns:p16="http://schemas.microsoft.com/office/powerpoint/2015/main" xmlns="" val="1"/>
+                  <p16:designElem xmlns="" xmlns:p16="http://schemas.microsoft.com/office/powerpoint/2015/main" val="1"/>
                 </p:ext>
               </p:extLst>
             </p:nvPr>
@@ -8889,10 +8889,10 @@
             <p:cNvPr id="13" name="Isosceles Triangle 12">
               <a:extLst>
                 <a:ext uri="{FF2B5EF4-FFF2-40B4-BE49-F238E27FC236}">
-                  <a16:creationId xmlns:a16="http://schemas.microsoft.com/office/drawing/2014/main" xmlns="" id="{9329D58C-0D2E-4A2B-AD6A-9CEE506784A8}"/>
+                  <a16:creationId xmlns="" xmlns:a16="http://schemas.microsoft.com/office/drawing/2014/main" id="{9329D58C-0D2E-4A2B-AD6A-9CEE506784A8}"/>
                 </a:ext>
                 <a:ext uri="{C183D7F6-B498-43B3-948B-1728B52AA6E4}">
-                  <adec:decorative xmlns:adec="http://schemas.microsoft.com/office/drawing/2017/decorative" xmlns="" val="1"/>
+                  <adec:decorative xmlns="" xmlns:adec="http://schemas.microsoft.com/office/drawing/2017/decorative" val="1"/>
                 </a:ext>
               </a:extLst>
             </p:cNvPr>
@@ -8900,7 +8900,7 @@
             <p:nvPr>
               <p:extLst>
                 <p:ext uri="{386F3935-93C4-4BCD-93E2-E3B085C9AB24}">
-                  <p16:designElem xmlns:p16="http://schemas.microsoft.com/office/powerpoint/2015/main" xmlns="" val="1"/>
+                  <p16:designElem xmlns="" xmlns:p16="http://schemas.microsoft.com/office/powerpoint/2015/main" val="1"/>
                 </p:ext>
               </p:extLst>
             </p:nvPr>
@@ -8945,10 +8945,10 @@
             <p:cNvPr id="14" name="Rectangle 27">
               <a:extLst>
                 <a:ext uri="{FF2B5EF4-FFF2-40B4-BE49-F238E27FC236}">
-                  <a16:creationId xmlns:a16="http://schemas.microsoft.com/office/drawing/2014/main" xmlns="" id="{9D446EDE-C690-4461-8BF2-7634808FC8B4}"/>
+                  <a16:creationId xmlns="" xmlns:a16="http://schemas.microsoft.com/office/drawing/2014/main" id="{9D446EDE-C690-4461-8BF2-7634808FC8B4}"/>
                 </a:ext>
                 <a:ext uri="{C183D7F6-B498-43B3-948B-1728B52AA6E4}">
-                  <adec:decorative xmlns:adec="http://schemas.microsoft.com/office/drawing/2017/decorative" xmlns="" val="1"/>
+                  <adec:decorative xmlns="" xmlns:adec="http://schemas.microsoft.com/office/drawing/2017/decorative" val="1"/>
                 </a:ext>
               </a:extLst>
             </p:cNvPr>
@@ -8956,7 +8956,7 @@
             <p:nvPr>
               <p:extLst>
                 <p:ext uri="{386F3935-93C4-4BCD-93E2-E3B085C9AB24}">
-                  <p16:designElem xmlns:p16="http://schemas.microsoft.com/office/powerpoint/2015/main" xmlns="" val="1"/>
+                  <p16:designElem xmlns="" xmlns:p16="http://schemas.microsoft.com/office/powerpoint/2015/main" val="1"/>
                 </p:ext>
               </p:extLst>
             </p:nvPr>
@@ -9024,10 +9024,10 @@
             <p:cNvPr id="15" name="Rectangle 28">
               <a:extLst>
                 <a:ext uri="{FF2B5EF4-FFF2-40B4-BE49-F238E27FC236}">
-                  <a16:creationId xmlns:a16="http://schemas.microsoft.com/office/drawing/2014/main" xmlns="" id="{323F3D34-6531-4AD7-A8C6-195A090281A1}"/>
+                  <a16:creationId xmlns="" xmlns:a16="http://schemas.microsoft.com/office/drawing/2014/main" id="{323F3D34-6531-4AD7-A8C6-195A090281A1}"/>
                 </a:ext>
                 <a:ext uri="{C183D7F6-B498-43B3-948B-1728B52AA6E4}">
-                  <adec:decorative xmlns:adec="http://schemas.microsoft.com/office/drawing/2017/decorative" xmlns="" val="1"/>
+                  <adec:decorative xmlns="" xmlns:adec="http://schemas.microsoft.com/office/drawing/2017/decorative" val="1"/>
                 </a:ext>
               </a:extLst>
             </p:cNvPr>
@@ -9035,7 +9035,7 @@
             <p:nvPr>
               <p:extLst>
                 <p:ext uri="{386F3935-93C4-4BCD-93E2-E3B085C9AB24}">
-                  <p16:designElem xmlns:p16="http://schemas.microsoft.com/office/powerpoint/2015/main" xmlns="" val="1"/>
+                  <p16:designElem xmlns="" xmlns:p16="http://schemas.microsoft.com/office/powerpoint/2015/main" val="1"/>
                 </p:ext>
               </p:extLst>
             </p:nvPr>
@@ -9104,10 +9104,10 @@
             <p:cNvPr id="16" name="Rectangle 29">
               <a:extLst>
                 <a:ext uri="{FF2B5EF4-FFF2-40B4-BE49-F238E27FC236}">
-                  <a16:creationId xmlns:a16="http://schemas.microsoft.com/office/drawing/2014/main" xmlns="" id="{B9B0AE3F-2350-435F-A9B0-C310BF876385}"/>
+                  <a16:creationId xmlns="" xmlns:a16="http://schemas.microsoft.com/office/drawing/2014/main" id="{B9B0AE3F-2350-435F-A9B0-C310BF876385}"/>
                 </a:ext>
                 <a:ext uri="{C183D7F6-B498-43B3-948B-1728B52AA6E4}">
-                  <adec:decorative xmlns:adec="http://schemas.microsoft.com/office/drawing/2017/decorative" xmlns="" val="1"/>
+                  <adec:decorative xmlns="" xmlns:adec="http://schemas.microsoft.com/office/drawing/2017/decorative" val="1"/>
                 </a:ext>
               </a:extLst>
             </p:cNvPr>
@@ -9115,7 +9115,7 @@
             <p:nvPr>
               <p:extLst>
                 <p:ext uri="{386F3935-93C4-4BCD-93E2-E3B085C9AB24}">
-                  <p16:designElem xmlns:p16="http://schemas.microsoft.com/office/powerpoint/2015/main" xmlns="" val="1"/>
+                  <p16:designElem xmlns="" xmlns:p16="http://schemas.microsoft.com/office/powerpoint/2015/main" val="1"/>
                 </p:ext>
               </p:extLst>
             </p:nvPr>
@@ -9182,10 +9182,10 @@
             <p:cNvPr id="17" name="Isosceles Triangle 16">
               <a:extLst>
                 <a:ext uri="{FF2B5EF4-FFF2-40B4-BE49-F238E27FC236}">
-                  <a16:creationId xmlns:a16="http://schemas.microsoft.com/office/drawing/2014/main" xmlns="" id="{4EFA655C-9E50-4C14-A89E-AD7B648E4E2B}"/>
+                  <a16:creationId xmlns="" xmlns:a16="http://schemas.microsoft.com/office/drawing/2014/main" id="{4EFA655C-9E50-4C14-A89E-AD7B648E4E2B}"/>
                 </a:ext>
                 <a:ext uri="{C183D7F6-B498-43B3-948B-1728B52AA6E4}">
-                  <adec:decorative xmlns:adec="http://schemas.microsoft.com/office/drawing/2017/decorative" xmlns="" val="1"/>
+                  <adec:decorative xmlns="" xmlns:adec="http://schemas.microsoft.com/office/drawing/2017/decorative" val="1"/>
                 </a:ext>
               </a:extLst>
             </p:cNvPr>
@@ -9193,7 +9193,7 @@
             <p:nvPr>
               <p:extLst>
                 <p:ext uri="{386F3935-93C4-4BCD-93E2-E3B085C9AB24}">
-                  <p16:designElem xmlns:p16="http://schemas.microsoft.com/office/powerpoint/2015/main" xmlns="" val="1"/>
+                  <p16:designElem xmlns="" xmlns:p16="http://schemas.microsoft.com/office/powerpoint/2015/main" val="1"/>
                 </p:ext>
               </p:extLst>
             </p:nvPr>
@@ -9238,10 +9238,10 @@
             <p:cNvPr id="18" name="Isosceles Triangle 17">
               <a:extLst>
                 <a:ext uri="{FF2B5EF4-FFF2-40B4-BE49-F238E27FC236}">
-                  <a16:creationId xmlns:a16="http://schemas.microsoft.com/office/drawing/2014/main" xmlns="" id="{3E843863-7D25-4C01-9A17-E817CB6D998A}"/>
+                  <a16:creationId xmlns="" xmlns:a16="http://schemas.microsoft.com/office/drawing/2014/main" id="{3E843863-7D25-4C01-9A17-E817CB6D998A}"/>
                 </a:ext>
                 <a:ext uri="{C183D7F6-B498-43B3-948B-1728B52AA6E4}">
-                  <adec:decorative xmlns:adec="http://schemas.microsoft.com/office/drawing/2017/decorative" xmlns="" val="1"/>
+                  <adec:decorative xmlns="" xmlns:adec="http://schemas.microsoft.com/office/drawing/2017/decorative" val="1"/>
                 </a:ext>
               </a:extLst>
             </p:cNvPr>
@@ -9249,7 +9249,7 @@
             <p:nvPr>
               <p:extLst>
                 <p:ext uri="{386F3935-93C4-4BCD-93E2-E3B085C9AB24}">
-                  <p16:designElem xmlns:p16="http://schemas.microsoft.com/office/powerpoint/2015/main" xmlns="" val="1"/>
+                  <p16:designElem xmlns="" xmlns:p16="http://schemas.microsoft.com/office/powerpoint/2015/main" val="1"/>
                 </p:ext>
               </p:extLst>
             </p:nvPr>
@@ -9295,10 +9295,10 @@
           <p:cNvPr id="20" name="Rectangle 19">
             <a:extLst>
               <a:ext uri="{FF2B5EF4-FFF2-40B4-BE49-F238E27FC236}">
-                <a16:creationId xmlns:a16="http://schemas.microsoft.com/office/drawing/2014/main" xmlns="" id="{7941F9B1-B01B-4A84-89D9-B169AEB4E456}"/>
+                <a16:creationId xmlns="" xmlns:a16="http://schemas.microsoft.com/office/drawing/2014/main" id="{7941F9B1-B01B-4A84-89D9-B169AEB4E456}"/>
               </a:ext>
               <a:ext uri="{C183D7F6-B498-43B3-948B-1728B52AA6E4}">
-                <adec:decorative xmlns:adec="http://schemas.microsoft.com/office/drawing/2017/decorative" xmlns="" val="1"/>
+                <adec:decorative xmlns="" xmlns:adec="http://schemas.microsoft.com/office/drawing/2017/decorative" val="1"/>
               </a:ext>
             </a:extLst>
           </p:cNvPr>
@@ -9308,7 +9308,7 @@
           <p:nvPr>
             <p:extLst>
               <p:ext uri="{386F3935-93C4-4BCD-93E2-E3B085C9AB24}">
-                <p16:designElem xmlns:p16="http://schemas.microsoft.com/office/powerpoint/2015/main" xmlns="" val="1"/>
+                <p16:designElem xmlns="" xmlns:p16="http://schemas.microsoft.com/office/powerpoint/2015/main" val="1"/>
               </p:ext>
             </p:extLst>
           </p:nvPr>
@@ -9365,7 +9365,7 @@
           <p:cNvPr id="2" name="slide5">
             <a:extLst>
               <a:ext uri="{FF2B5EF4-FFF2-40B4-BE49-F238E27FC236}">
-                <a16:creationId xmlns:a16="http://schemas.microsoft.com/office/drawing/2014/main" xmlns="" id="{E9850104-D2AB-41C4-BC3C-FD479CE880EB}"/>
+                <a16:creationId xmlns="" xmlns:a16="http://schemas.microsoft.com/office/drawing/2014/main" id="{E9850104-D2AB-41C4-BC3C-FD479CE880EB}"/>
               </a:ext>
             </a:extLst>
           </p:cNvPr>
@@ -9439,10 +9439,10 @@
           <p:cNvPr id="7" name="Rectangle 6">
             <a:extLst>
               <a:ext uri="{FF2B5EF4-FFF2-40B4-BE49-F238E27FC236}">
-                <a16:creationId xmlns:a16="http://schemas.microsoft.com/office/drawing/2014/main" xmlns="" id="{03E8462A-FEBA-4848-81CC-3F8DA3E477BE}"/>
+                <a16:creationId xmlns="" xmlns:a16="http://schemas.microsoft.com/office/drawing/2014/main" id="{03E8462A-FEBA-4848-81CC-3F8DA3E477BE}"/>
               </a:ext>
               <a:ext uri="{C183D7F6-B498-43B3-948B-1728B52AA6E4}">
-                <adec:decorative xmlns:adec="http://schemas.microsoft.com/office/drawing/2017/decorative" xmlns="" val="1"/>
+                <adec:decorative xmlns="" xmlns:adec="http://schemas.microsoft.com/office/drawing/2017/decorative" val="1"/>
               </a:ext>
             </a:extLst>
           </p:cNvPr>
@@ -9452,7 +9452,7 @@
           <p:nvPr>
             <p:extLst>
               <p:ext uri="{386F3935-93C4-4BCD-93E2-E3B085C9AB24}">
-                <p16:designElem xmlns:p16="http://schemas.microsoft.com/office/powerpoint/2015/main" xmlns="" val="1"/>
+                <p16:designElem xmlns="" xmlns:p16="http://schemas.microsoft.com/office/powerpoint/2015/main" val="1"/>
               </p:ext>
             </p:extLst>
           </p:nvPr>
@@ -9502,10 +9502,10 @@
           <p:cNvPr id="9" name="Group 8">
             <a:extLst>
               <a:ext uri="{FF2B5EF4-FFF2-40B4-BE49-F238E27FC236}">
-                <a16:creationId xmlns:a16="http://schemas.microsoft.com/office/drawing/2014/main" xmlns="" id="{2109F83F-40FE-4DB3-84CC-09FB3340D06D}"/>
+                <a16:creationId xmlns="" xmlns:a16="http://schemas.microsoft.com/office/drawing/2014/main" id="{2109F83F-40FE-4DB3-84CC-09FB3340D06D}"/>
               </a:ext>
               <a:ext uri="{C183D7F6-B498-43B3-948B-1728B52AA6E4}">
-                <adec:decorative xmlns:adec="http://schemas.microsoft.com/office/drawing/2017/decorative" xmlns="" val="1"/>
+                <adec:decorative xmlns="" xmlns:adec="http://schemas.microsoft.com/office/drawing/2017/decorative" val="1"/>
               </a:ext>
             </a:extLst>
           </p:cNvPr>
@@ -9515,7 +9515,7 @@
           <p:nvPr>
             <p:extLst>
               <p:ext uri="{386F3935-93C4-4BCD-93E2-E3B085C9AB24}">
-                <p16:designElem xmlns:p16="http://schemas.microsoft.com/office/powerpoint/2015/main" xmlns="" val="1"/>
+                <p16:designElem xmlns="" xmlns:p16="http://schemas.microsoft.com/office/powerpoint/2015/main" val="1"/>
               </p:ext>
             </p:extLst>
           </p:nvPr>
@@ -9533,10 +9533,10 @@
             <p:cNvPr id="10" name="Straight Connector 9">
               <a:extLst>
                 <a:ext uri="{FF2B5EF4-FFF2-40B4-BE49-F238E27FC236}">
-                  <a16:creationId xmlns:a16="http://schemas.microsoft.com/office/drawing/2014/main" xmlns="" id="{1DE492D7-C3C3-48FF-80C8-37021EA0262F}"/>
+                  <a16:creationId xmlns="" xmlns:a16="http://schemas.microsoft.com/office/drawing/2014/main" id="{1DE492D7-C3C3-48FF-80C8-37021EA0262F}"/>
                 </a:ext>
                 <a:ext uri="{C183D7F6-B498-43B3-948B-1728B52AA6E4}">
-                  <adec:decorative xmlns:adec="http://schemas.microsoft.com/office/drawing/2017/decorative" xmlns="" val="1"/>
+                  <adec:decorative xmlns="" xmlns:adec="http://schemas.microsoft.com/office/drawing/2017/decorative" val="1"/>
                 </a:ext>
               </a:extLst>
             </p:cNvPr>
@@ -9544,7 +9544,7 @@
             <p:nvPr>
               <p:extLst>
                 <p:ext uri="{386F3935-93C4-4BCD-93E2-E3B085C9AB24}">
-                  <p16:designElem xmlns:p16="http://schemas.microsoft.com/office/powerpoint/2015/main" xmlns="" val="1"/>
+                  <p16:designElem xmlns="" xmlns:p16="http://schemas.microsoft.com/office/powerpoint/2015/main" val="1"/>
                 </p:ext>
               </p:extLst>
             </p:nvPr>
@@ -9585,10 +9585,10 @@
             <p:cNvPr id="11" name="Rectangle 23">
               <a:extLst>
                 <a:ext uri="{FF2B5EF4-FFF2-40B4-BE49-F238E27FC236}">
-                  <a16:creationId xmlns:a16="http://schemas.microsoft.com/office/drawing/2014/main" xmlns="" id="{0B30FF97-2E9A-490A-AED2-90BA2E0EC17F}"/>
+                  <a16:creationId xmlns="" xmlns:a16="http://schemas.microsoft.com/office/drawing/2014/main" id="{0B30FF97-2E9A-490A-AED2-90BA2E0EC17F}"/>
                 </a:ext>
                 <a:ext uri="{C183D7F6-B498-43B3-948B-1728B52AA6E4}">
-                  <adec:decorative xmlns:adec="http://schemas.microsoft.com/office/drawing/2017/decorative" xmlns="" val="1"/>
+                  <adec:decorative xmlns="" xmlns:adec="http://schemas.microsoft.com/office/drawing/2017/decorative" val="1"/>
                 </a:ext>
               </a:extLst>
             </p:cNvPr>
@@ -9596,7 +9596,7 @@
             <p:nvPr>
               <p:extLst>
                 <p:ext uri="{386F3935-93C4-4BCD-93E2-E3B085C9AB24}">
-                  <p16:designElem xmlns:p16="http://schemas.microsoft.com/office/powerpoint/2015/main" xmlns="" val="1"/>
+                  <p16:designElem xmlns="" xmlns:p16="http://schemas.microsoft.com/office/powerpoint/2015/main" val="1"/>
                 </p:ext>
               </p:extLst>
             </p:nvPr>
@@ -9663,10 +9663,10 @@
             <p:cNvPr id="12" name="Rectangle 25">
               <a:extLst>
                 <a:ext uri="{FF2B5EF4-FFF2-40B4-BE49-F238E27FC236}">
-                  <a16:creationId xmlns:a16="http://schemas.microsoft.com/office/drawing/2014/main" xmlns="" id="{B6D53C7D-A312-47B6-A66A-230A19CFACA6}"/>
+                  <a16:creationId xmlns="" xmlns:a16="http://schemas.microsoft.com/office/drawing/2014/main" id="{B6D53C7D-A312-47B6-A66A-230A19CFACA6}"/>
                 </a:ext>
                 <a:ext uri="{C183D7F6-B498-43B3-948B-1728B52AA6E4}">
-                  <adec:decorative xmlns:adec="http://schemas.microsoft.com/office/drawing/2017/decorative" xmlns="" val="1"/>
+                  <adec:decorative xmlns="" xmlns:adec="http://schemas.microsoft.com/office/drawing/2017/decorative" val="1"/>
                 </a:ext>
               </a:extLst>
             </p:cNvPr>
@@ -9674,7 +9674,7 @@
             <p:nvPr>
               <p:extLst>
                 <p:ext uri="{386F3935-93C4-4BCD-93E2-E3B085C9AB24}">
-                  <p16:designElem xmlns:p16="http://schemas.microsoft.com/office/powerpoint/2015/main" xmlns="" val="1"/>
+                  <p16:designElem xmlns="" xmlns:p16="http://schemas.microsoft.com/office/powerpoint/2015/main" val="1"/>
                 </p:ext>
               </p:extLst>
             </p:nvPr>
@@ -9741,10 +9741,10 @@
             <p:cNvPr id="13" name="Isosceles Triangle 12">
               <a:extLst>
                 <a:ext uri="{FF2B5EF4-FFF2-40B4-BE49-F238E27FC236}">
-                  <a16:creationId xmlns:a16="http://schemas.microsoft.com/office/drawing/2014/main" xmlns="" id="{9329D58C-0D2E-4A2B-AD6A-9CEE506784A8}"/>
+                  <a16:creationId xmlns="" xmlns:a16="http://schemas.microsoft.com/office/drawing/2014/main" id="{9329D58C-0D2E-4A2B-AD6A-9CEE506784A8}"/>
                 </a:ext>
                 <a:ext uri="{C183D7F6-B498-43B3-948B-1728B52AA6E4}">
-                  <adec:decorative xmlns:adec="http://schemas.microsoft.com/office/drawing/2017/decorative" xmlns="" val="1"/>
+                  <adec:decorative xmlns="" xmlns:adec="http://schemas.microsoft.com/office/drawing/2017/decorative" val="1"/>
                 </a:ext>
               </a:extLst>
             </p:cNvPr>
@@ -9752,7 +9752,7 @@
             <p:nvPr>
               <p:extLst>
                 <p:ext uri="{386F3935-93C4-4BCD-93E2-E3B085C9AB24}">
-                  <p16:designElem xmlns:p16="http://schemas.microsoft.com/office/powerpoint/2015/main" xmlns="" val="1"/>
+                  <p16:designElem xmlns="" xmlns:p16="http://schemas.microsoft.com/office/powerpoint/2015/main" val="1"/>
                 </p:ext>
               </p:extLst>
             </p:nvPr>
@@ -9797,10 +9797,10 @@
             <p:cNvPr id="14" name="Rectangle 27">
               <a:extLst>
                 <a:ext uri="{FF2B5EF4-FFF2-40B4-BE49-F238E27FC236}">
-                  <a16:creationId xmlns:a16="http://schemas.microsoft.com/office/drawing/2014/main" xmlns="" id="{9D446EDE-C690-4461-8BF2-7634808FC8B4}"/>
+                  <a16:creationId xmlns="" xmlns:a16="http://schemas.microsoft.com/office/drawing/2014/main" id="{9D446EDE-C690-4461-8BF2-7634808FC8B4}"/>
                 </a:ext>
                 <a:ext uri="{C183D7F6-B498-43B3-948B-1728B52AA6E4}">
-                  <adec:decorative xmlns:adec="http://schemas.microsoft.com/office/drawing/2017/decorative" xmlns="" val="1"/>
+                  <adec:decorative xmlns="" xmlns:adec="http://schemas.microsoft.com/office/drawing/2017/decorative" val="1"/>
                 </a:ext>
               </a:extLst>
             </p:cNvPr>
@@ -9808,7 +9808,7 @@
             <p:nvPr>
               <p:extLst>
                 <p:ext uri="{386F3935-93C4-4BCD-93E2-E3B085C9AB24}">
-                  <p16:designElem xmlns:p16="http://schemas.microsoft.com/office/powerpoint/2015/main" xmlns="" val="1"/>
+                  <p16:designElem xmlns="" xmlns:p16="http://schemas.microsoft.com/office/powerpoint/2015/main" val="1"/>
                 </p:ext>
               </p:extLst>
             </p:nvPr>
@@ -9876,10 +9876,10 @@
             <p:cNvPr id="15" name="Rectangle 28">
               <a:extLst>
                 <a:ext uri="{FF2B5EF4-FFF2-40B4-BE49-F238E27FC236}">
-                  <a16:creationId xmlns:a16="http://schemas.microsoft.com/office/drawing/2014/main" xmlns="" id="{323F3D34-6531-4AD7-A8C6-195A090281A1}"/>
+                  <a16:creationId xmlns="" xmlns:a16="http://schemas.microsoft.com/office/drawing/2014/main" id="{323F3D34-6531-4AD7-A8C6-195A090281A1}"/>
                 </a:ext>
                 <a:ext uri="{C183D7F6-B498-43B3-948B-1728B52AA6E4}">
-                  <adec:decorative xmlns:adec="http://schemas.microsoft.com/office/drawing/2017/decorative" xmlns="" val="1"/>
+                  <adec:decorative xmlns="" xmlns:adec="http://schemas.microsoft.com/office/drawing/2017/decorative" val="1"/>
                 </a:ext>
               </a:extLst>
             </p:cNvPr>
@@ -9887,7 +9887,7 @@
             <p:nvPr>
               <p:extLst>
                 <p:ext uri="{386F3935-93C4-4BCD-93E2-E3B085C9AB24}">
-                  <p16:designElem xmlns:p16="http://schemas.microsoft.com/office/powerpoint/2015/main" xmlns="" val="1"/>
+                  <p16:designElem xmlns="" xmlns:p16="http://schemas.microsoft.com/office/powerpoint/2015/main" val="1"/>
                 </p:ext>
               </p:extLst>
             </p:nvPr>
@@ -9956,10 +9956,10 @@
             <p:cNvPr id="16" name="Rectangle 29">
               <a:extLst>
                 <a:ext uri="{FF2B5EF4-FFF2-40B4-BE49-F238E27FC236}">
-                  <a16:creationId xmlns:a16="http://schemas.microsoft.com/office/drawing/2014/main" xmlns="" id="{B9B0AE3F-2350-435F-A9B0-C310BF876385}"/>
+                  <a16:creationId xmlns="" xmlns:a16="http://schemas.microsoft.com/office/drawing/2014/main" id="{B9B0AE3F-2350-435F-A9B0-C310BF876385}"/>
                 </a:ext>
                 <a:ext uri="{C183D7F6-B498-43B3-948B-1728B52AA6E4}">
-                  <adec:decorative xmlns:adec="http://schemas.microsoft.com/office/drawing/2017/decorative" xmlns="" val="1"/>
+                  <adec:decorative xmlns="" xmlns:adec="http://schemas.microsoft.com/office/drawing/2017/decorative" val="1"/>
                 </a:ext>
               </a:extLst>
             </p:cNvPr>
@@ -9967,7 +9967,7 @@
             <p:nvPr>
               <p:extLst>
                 <p:ext uri="{386F3935-93C4-4BCD-93E2-E3B085C9AB24}">
-                  <p16:designElem xmlns:p16="http://schemas.microsoft.com/office/powerpoint/2015/main" xmlns="" val="1"/>
+                  <p16:designElem xmlns="" xmlns:p16="http://schemas.microsoft.com/office/powerpoint/2015/main" val="1"/>
                 </p:ext>
               </p:extLst>
             </p:nvPr>
@@ -10034,10 +10034,10 @@
             <p:cNvPr id="17" name="Isosceles Triangle 16">
               <a:extLst>
                 <a:ext uri="{FF2B5EF4-FFF2-40B4-BE49-F238E27FC236}">
-                  <a16:creationId xmlns:a16="http://schemas.microsoft.com/office/drawing/2014/main" xmlns="" id="{4EFA655C-9E50-4C14-A89E-AD7B648E4E2B}"/>
+                  <a16:creationId xmlns="" xmlns:a16="http://schemas.microsoft.com/office/drawing/2014/main" id="{4EFA655C-9E50-4C14-A89E-AD7B648E4E2B}"/>
                 </a:ext>
                 <a:ext uri="{C183D7F6-B498-43B3-948B-1728B52AA6E4}">
-                  <adec:decorative xmlns:adec="http://schemas.microsoft.com/office/drawing/2017/decorative" xmlns="" val="1"/>
+                  <adec:decorative xmlns="" xmlns:adec="http://schemas.microsoft.com/office/drawing/2017/decorative" val="1"/>
                 </a:ext>
               </a:extLst>
             </p:cNvPr>
@@ -10045,7 +10045,7 @@
             <p:nvPr>
               <p:extLst>
                 <p:ext uri="{386F3935-93C4-4BCD-93E2-E3B085C9AB24}">
-                  <p16:designElem xmlns:p16="http://schemas.microsoft.com/office/powerpoint/2015/main" xmlns="" val="1"/>
+                  <p16:designElem xmlns="" xmlns:p16="http://schemas.microsoft.com/office/powerpoint/2015/main" val="1"/>
                 </p:ext>
               </p:extLst>
             </p:nvPr>
@@ -10090,10 +10090,10 @@
             <p:cNvPr id="18" name="Isosceles Triangle 17">
               <a:extLst>
                 <a:ext uri="{FF2B5EF4-FFF2-40B4-BE49-F238E27FC236}">
-                  <a16:creationId xmlns:a16="http://schemas.microsoft.com/office/drawing/2014/main" xmlns="" id="{3E843863-7D25-4C01-9A17-E817CB6D998A}"/>
+                  <a16:creationId xmlns="" xmlns:a16="http://schemas.microsoft.com/office/drawing/2014/main" id="{3E843863-7D25-4C01-9A17-E817CB6D998A}"/>
                 </a:ext>
                 <a:ext uri="{C183D7F6-B498-43B3-948B-1728B52AA6E4}">
-                  <adec:decorative xmlns:adec="http://schemas.microsoft.com/office/drawing/2017/decorative" xmlns="" val="1"/>
+                  <adec:decorative xmlns="" xmlns:adec="http://schemas.microsoft.com/office/drawing/2017/decorative" val="1"/>
                 </a:ext>
               </a:extLst>
             </p:cNvPr>
@@ -10101,7 +10101,7 @@
             <p:nvPr>
               <p:extLst>
                 <p:ext uri="{386F3935-93C4-4BCD-93E2-E3B085C9AB24}">
-                  <p16:designElem xmlns:p16="http://schemas.microsoft.com/office/powerpoint/2015/main" xmlns="" val="1"/>
+                  <p16:designElem xmlns="" xmlns:p16="http://schemas.microsoft.com/office/powerpoint/2015/main" val="1"/>
                 </p:ext>
               </p:extLst>
             </p:nvPr>
@@ -10147,10 +10147,10 @@
           <p:cNvPr id="20" name="Rectangle 19">
             <a:extLst>
               <a:ext uri="{FF2B5EF4-FFF2-40B4-BE49-F238E27FC236}">
-                <a16:creationId xmlns:a16="http://schemas.microsoft.com/office/drawing/2014/main" xmlns="" id="{7941F9B1-B01B-4A84-89D9-B169AEB4E456}"/>
+                <a16:creationId xmlns="" xmlns:a16="http://schemas.microsoft.com/office/drawing/2014/main" id="{7941F9B1-B01B-4A84-89D9-B169AEB4E456}"/>
               </a:ext>
               <a:ext uri="{C183D7F6-B498-43B3-948B-1728B52AA6E4}">
-                <adec:decorative xmlns:adec="http://schemas.microsoft.com/office/drawing/2017/decorative" xmlns="" val="1"/>
+                <adec:decorative xmlns="" xmlns:adec="http://schemas.microsoft.com/office/drawing/2017/decorative" val="1"/>
               </a:ext>
             </a:extLst>
           </p:cNvPr>
@@ -10160,7 +10160,7 @@
           <p:nvPr>
             <p:extLst>
               <p:ext uri="{386F3935-93C4-4BCD-93E2-E3B085C9AB24}">
-                <p16:designElem xmlns:p16="http://schemas.microsoft.com/office/powerpoint/2015/main" xmlns="" val="1"/>
+                <p16:designElem xmlns="" xmlns:p16="http://schemas.microsoft.com/office/powerpoint/2015/main" val="1"/>
               </p:ext>
             </p:extLst>
           </p:nvPr>
@@ -10217,7 +10217,7 @@
           <p:cNvPr id="2" name="slide5">
             <a:extLst>
               <a:ext uri="{FF2B5EF4-FFF2-40B4-BE49-F238E27FC236}">
-                <a16:creationId xmlns:a16="http://schemas.microsoft.com/office/drawing/2014/main" xmlns="" id="{94182144-0C60-4F43-BA64-AB22E6FA1BE4}"/>
+                <a16:creationId xmlns="" xmlns:a16="http://schemas.microsoft.com/office/drawing/2014/main" id="{94182144-0C60-4F43-BA64-AB22E6FA1BE4}"/>
               </a:ext>
             </a:extLst>
           </p:cNvPr>
@@ -10291,10 +10291,10 @@
           <p:cNvPr id="7" name="Rectangle 6">
             <a:extLst>
               <a:ext uri="{FF2B5EF4-FFF2-40B4-BE49-F238E27FC236}">
-                <a16:creationId xmlns:a16="http://schemas.microsoft.com/office/drawing/2014/main" xmlns="" id="{03E8462A-FEBA-4848-81CC-3F8DA3E477BE}"/>
+                <a16:creationId xmlns="" xmlns:a16="http://schemas.microsoft.com/office/drawing/2014/main" id="{03E8462A-FEBA-4848-81CC-3F8DA3E477BE}"/>
               </a:ext>
               <a:ext uri="{C183D7F6-B498-43B3-948B-1728B52AA6E4}">
-                <adec:decorative xmlns:adec="http://schemas.microsoft.com/office/drawing/2017/decorative" xmlns="" val="1"/>
+                <adec:decorative xmlns="" xmlns:adec="http://schemas.microsoft.com/office/drawing/2017/decorative" val="1"/>
               </a:ext>
             </a:extLst>
           </p:cNvPr>
@@ -10304,7 +10304,7 @@
           <p:nvPr>
             <p:extLst>
               <p:ext uri="{386F3935-93C4-4BCD-93E2-E3B085C9AB24}">
-                <p16:designElem xmlns:p16="http://schemas.microsoft.com/office/powerpoint/2015/main" xmlns="" val="1"/>
+                <p16:designElem xmlns="" xmlns:p16="http://schemas.microsoft.com/office/powerpoint/2015/main" val="1"/>
               </p:ext>
             </p:extLst>
           </p:nvPr>
@@ -10354,10 +10354,10 @@
           <p:cNvPr id="9" name="Group 8">
             <a:extLst>
               <a:ext uri="{FF2B5EF4-FFF2-40B4-BE49-F238E27FC236}">
-                <a16:creationId xmlns:a16="http://schemas.microsoft.com/office/drawing/2014/main" xmlns="" id="{2109F83F-40FE-4DB3-84CC-09FB3340D06D}"/>
+                <a16:creationId xmlns="" xmlns:a16="http://schemas.microsoft.com/office/drawing/2014/main" id="{2109F83F-40FE-4DB3-84CC-09FB3340D06D}"/>
               </a:ext>
               <a:ext uri="{C183D7F6-B498-43B3-948B-1728B52AA6E4}">
-                <adec:decorative xmlns:adec="http://schemas.microsoft.com/office/drawing/2017/decorative" xmlns="" val="1"/>
+                <adec:decorative xmlns="" xmlns:adec="http://schemas.microsoft.com/office/drawing/2017/decorative" val="1"/>
               </a:ext>
             </a:extLst>
           </p:cNvPr>
@@ -10367,7 +10367,7 @@
           <p:nvPr>
             <p:extLst>
               <p:ext uri="{386F3935-93C4-4BCD-93E2-E3B085C9AB24}">
-                <p16:designElem xmlns:p16="http://schemas.microsoft.com/office/powerpoint/2015/main" xmlns="" val="1"/>
+                <p16:designElem xmlns="" xmlns:p16="http://schemas.microsoft.com/office/powerpoint/2015/main" val="1"/>
               </p:ext>
             </p:extLst>
           </p:nvPr>
@@ -10385,10 +10385,10 @@
             <p:cNvPr id="10" name="Straight Connector 9">
               <a:extLst>
                 <a:ext uri="{FF2B5EF4-FFF2-40B4-BE49-F238E27FC236}">
-                  <a16:creationId xmlns:a16="http://schemas.microsoft.com/office/drawing/2014/main" xmlns="" id="{1DE492D7-C3C3-48FF-80C8-37021EA0262F}"/>
+                  <a16:creationId xmlns="" xmlns:a16="http://schemas.microsoft.com/office/drawing/2014/main" id="{1DE492D7-C3C3-48FF-80C8-37021EA0262F}"/>
                 </a:ext>
                 <a:ext uri="{C183D7F6-B498-43B3-948B-1728B52AA6E4}">
-                  <adec:decorative xmlns:adec="http://schemas.microsoft.com/office/drawing/2017/decorative" xmlns="" val="1"/>
+                  <adec:decorative xmlns="" xmlns:adec="http://schemas.microsoft.com/office/drawing/2017/decorative" val="1"/>
                 </a:ext>
               </a:extLst>
             </p:cNvPr>
@@ -10396,7 +10396,7 @@
             <p:nvPr>
               <p:extLst>
                 <p:ext uri="{386F3935-93C4-4BCD-93E2-E3B085C9AB24}">
-                  <p16:designElem xmlns:p16="http://schemas.microsoft.com/office/powerpoint/2015/main" xmlns="" val="1"/>
+                  <p16:designElem xmlns="" xmlns:p16="http://schemas.microsoft.com/office/powerpoint/2015/main" val="1"/>
                 </p:ext>
               </p:extLst>
             </p:nvPr>
@@ -10437,10 +10437,10 @@
             <p:cNvPr id="11" name="Rectangle 23">
               <a:extLst>
                 <a:ext uri="{FF2B5EF4-FFF2-40B4-BE49-F238E27FC236}">
-                  <a16:creationId xmlns:a16="http://schemas.microsoft.com/office/drawing/2014/main" xmlns="" id="{0B30FF97-2E9A-490A-AED2-90BA2E0EC17F}"/>
+                  <a16:creationId xmlns="" xmlns:a16="http://schemas.microsoft.com/office/drawing/2014/main" id="{0B30FF97-2E9A-490A-AED2-90BA2E0EC17F}"/>
                 </a:ext>
                 <a:ext uri="{C183D7F6-B498-43B3-948B-1728B52AA6E4}">
-                  <adec:decorative xmlns:adec="http://schemas.microsoft.com/office/drawing/2017/decorative" xmlns="" val="1"/>
+                  <adec:decorative xmlns="" xmlns:adec="http://schemas.microsoft.com/office/drawing/2017/decorative" val="1"/>
                 </a:ext>
               </a:extLst>
             </p:cNvPr>
@@ -10448,7 +10448,7 @@
             <p:nvPr>
               <p:extLst>
                 <p:ext uri="{386F3935-93C4-4BCD-93E2-E3B085C9AB24}">
-                  <p16:designElem xmlns:p16="http://schemas.microsoft.com/office/powerpoint/2015/main" xmlns="" val="1"/>
+                  <p16:designElem xmlns="" xmlns:p16="http://schemas.microsoft.com/office/powerpoint/2015/main" val="1"/>
                 </p:ext>
               </p:extLst>
             </p:nvPr>
@@ -10515,10 +10515,10 @@
             <p:cNvPr id="12" name="Rectangle 25">
               <a:extLst>
                 <a:ext uri="{FF2B5EF4-FFF2-40B4-BE49-F238E27FC236}">
-                  <a16:creationId xmlns:a16="http://schemas.microsoft.com/office/drawing/2014/main" xmlns="" id="{B6D53C7D-A312-47B6-A66A-230A19CFACA6}"/>
+                  <a16:creationId xmlns="" xmlns:a16="http://schemas.microsoft.com/office/drawing/2014/main" id="{B6D53C7D-A312-47B6-A66A-230A19CFACA6}"/>
                 </a:ext>
                 <a:ext uri="{C183D7F6-B498-43B3-948B-1728B52AA6E4}">
-                  <adec:decorative xmlns:adec="http://schemas.microsoft.com/office/drawing/2017/decorative" xmlns="" val="1"/>
+                  <adec:decorative xmlns="" xmlns:adec="http://schemas.microsoft.com/office/drawing/2017/decorative" val="1"/>
                 </a:ext>
               </a:extLst>
             </p:cNvPr>
@@ -10526,7 +10526,7 @@
             <p:nvPr>
               <p:extLst>
                 <p:ext uri="{386F3935-93C4-4BCD-93E2-E3B085C9AB24}">
-                  <p16:designElem xmlns:p16="http://schemas.microsoft.com/office/powerpoint/2015/main" xmlns="" val="1"/>
+                  <p16:designElem xmlns="" xmlns:p16="http://schemas.microsoft.com/office/powerpoint/2015/main" val="1"/>
                 </p:ext>
               </p:extLst>
             </p:nvPr>
@@ -10593,10 +10593,10 @@
             <p:cNvPr id="13" name="Isosceles Triangle 12">
               <a:extLst>
                 <a:ext uri="{FF2B5EF4-FFF2-40B4-BE49-F238E27FC236}">
-                  <a16:creationId xmlns:a16="http://schemas.microsoft.com/office/drawing/2014/main" xmlns="" id="{9329D58C-0D2E-4A2B-AD6A-9CEE506784A8}"/>
+                  <a16:creationId xmlns="" xmlns:a16="http://schemas.microsoft.com/office/drawing/2014/main" id="{9329D58C-0D2E-4A2B-AD6A-9CEE506784A8}"/>
                 </a:ext>
                 <a:ext uri="{C183D7F6-B498-43B3-948B-1728B52AA6E4}">
-                  <adec:decorative xmlns:adec="http://schemas.microsoft.com/office/drawing/2017/decorative" xmlns="" val="1"/>
+                  <adec:decorative xmlns="" xmlns:adec="http://schemas.microsoft.com/office/drawing/2017/decorative" val="1"/>
                 </a:ext>
               </a:extLst>
             </p:cNvPr>
@@ -10604,7 +10604,7 @@
             <p:nvPr>
               <p:extLst>
                 <p:ext uri="{386F3935-93C4-4BCD-93E2-E3B085C9AB24}">
-                  <p16:designElem xmlns:p16="http://schemas.microsoft.com/office/powerpoint/2015/main" xmlns="" val="1"/>
+                  <p16:designElem xmlns="" xmlns:p16="http://schemas.microsoft.com/office/powerpoint/2015/main" val="1"/>
                 </p:ext>
               </p:extLst>
             </p:nvPr>
@@ -10649,10 +10649,10 @@
             <p:cNvPr id="14" name="Rectangle 27">
               <a:extLst>
                 <a:ext uri="{FF2B5EF4-FFF2-40B4-BE49-F238E27FC236}">
-                  <a16:creationId xmlns:a16="http://schemas.microsoft.com/office/drawing/2014/main" xmlns="" id="{9D446EDE-C690-4461-8BF2-7634808FC8B4}"/>
+                  <a16:creationId xmlns="" xmlns:a16="http://schemas.microsoft.com/office/drawing/2014/main" id="{9D446EDE-C690-4461-8BF2-7634808FC8B4}"/>
                 </a:ext>
                 <a:ext uri="{C183D7F6-B498-43B3-948B-1728B52AA6E4}">
-                  <adec:decorative xmlns:adec="http://schemas.microsoft.com/office/drawing/2017/decorative" xmlns="" val="1"/>
+                  <adec:decorative xmlns="" xmlns:adec="http://schemas.microsoft.com/office/drawing/2017/decorative" val="1"/>
                 </a:ext>
               </a:extLst>
             </p:cNvPr>
@@ -10660,7 +10660,7 @@
             <p:nvPr>
               <p:extLst>
                 <p:ext uri="{386F3935-93C4-4BCD-93E2-E3B085C9AB24}">
-                  <p16:designElem xmlns:p16="http://schemas.microsoft.com/office/powerpoint/2015/main" xmlns="" val="1"/>
+                  <p16:designElem xmlns="" xmlns:p16="http://schemas.microsoft.com/office/powerpoint/2015/main" val="1"/>
                 </p:ext>
               </p:extLst>
             </p:nvPr>
@@ -10728,10 +10728,10 @@
             <p:cNvPr id="15" name="Rectangle 28">
               <a:extLst>
                 <a:ext uri="{FF2B5EF4-FFF2-40B4-BE49-F238E27FC236}">
-                  <a16:creationId xmlns:a16="http://schemas.microsoft.com/office/drawing/2014/main" xmlns="" id="{323F3D34-6531-4AD7-A8C6-195A090281A1}"/>
+                  <a16:creationId xmlns="" xmlns:a16="http://schemas.microsoft.com/office/drawing/2014/main" id="{323F3D34-6531-4AD7-A8C6-195A090281A1}"/>
                 </a:ext>
                 <a:ext uri="{C183D7F6-B498-43B3-948B-1728B52AA6E4}">
-                  <adec:decorative xmlns:adec="http://schemas.microsoft.com/office/drawing/2017/decorative" xmlns="" val="1"/>
+                  <adec:decorative xmlns="" xmlns:adec="http://schemas.microsoft.com/office/drawing/2017/decorative" val="1"/>
                 </a:ext>
               </a:extLst>
             </p:cNvPr>
@@ -10739,7 +10739,7 @@
             <p:nvPr>
               <p:extLst>
                 <p:ext uri="{386F3935-93C4-4BCD-93E2-E3B085C9AB24}">
-                  <p16:designElem xmlns:p16="http://schemas.microsoft.com/office/powerpoint/2015/main" xmlns="" val="1"/>
+                  <p16:designElem xmlns="" xmlns:p16="http://schemas.microsoft.com/office/powerpoint/2015/main" val="1"/>
                 </p:ext>
               </p:extLst>
             </p:nvPr>
@@ -10808,10 +10808,10 @@
             <p:cNvPr id="16" name="Rectangle 29">
               <a:extLst>
                 <a:ext uri="{FF2B5EF4-FFF2-40B4-BE49-F238E27FC236}">
-                  <a16:creationId xmlns:a16="http://schemas.microsoft.com/office/drawing/2014/main" xmlns="" id="{B9B0AE3F-2350-435F-A9B0-C310BF876385}"/>
+                  <a16:creationId xmlns="" xmlns:a16="http://schemas.microsoft.com/office/drawing/2014/main" id="{B9B0AE3F-2350-435F-A9B0-C310BF876385}"/>
                 </a:ext>
                 <a:ext uri="{C183D7F6-B498-43B3-948B-1728B52AA6E4}">
-                  <adec:decorative xmlns:adec="http://schemas.microsoft.com/office/drawing/2017/decorative" xmlns="" val="1"/>
+                  <adec:decorative xmlns="" xmlns:adec="http://schemas.microsoft.com/office/drawing/2017/decorative" val="1"/>
                 </a:ext>
               </a:extLst>
             </p:cNvPr>
@@ -10819,7 +10819,7 @@
             <p:nvPr>
               <p:extLst>
                 <p:ext uri="{386F3935-93C4-4BCD-93E2-E3B085C9AB24}">
-                  <p16:designElem xmlns:p16="http://schemas.microsoft.com/office/powerpoint/2015/main" xmlns="" val="1"/>
+                  <p16:designElem xmlns="" xmlns:p16="http://schemas.microsoft.com/office/powerpoint/2015/main" val="1"/>
                 </p:ext>
               </p:extLst>
             </p:nvPr>
@@ -10886,10 +10886,10 @@
             <p:cNvPr id="17" name="Isosceles Triangle 16">
               <a:extLst>
                 <a:ext uri="{FF2B5EF4-FFF2-40B4-BE49-F238E27FC236}">
-                  <a16:creationId xmlns:a16="http://schemas.microsoft.com/office/drawing/2014/main" xmlns="" id="{4EFA655C-9E50-4C14-A89E-AD7B648E4E2B}"/>
+                  <a16:creationId xmlns="" xmlns:a16="http://schemas.microsoft.com/office/drawing/2014/main" id="{4EFA655C-9E50-4C14-A89E-AD7B648E4E2B}"/>
                 </a:ext>
                 <a:ext uri="{C183D7F6-B498-43B3-948B-1728B52AA6E4}">
-                  <adec:decorative xmlns:adec="http://schemas.microsoft.com/office/drawing/2017/decorative" xmlns="" val="1"/>
+                  <adec:decorative xmlns="" xmlns:adec="http://schemas.microsoft.com/office/drawing/2017/decorative" val="1"/>
                 </a:ext>
               </a:extLst>
             </p:cNvPr>
@@ -10897,7 +10897,7 @@
             <p:nvPr>
               <p:extLst>
                 <p:ext uri="{386F3935-93C4-4BCD-93E2-E3B085C9AB24}">
-                  <p16:designElem xmlns:p16="http://schemas.microsoft.com/office/powerpoint/2015/main" xmlns="" val="1"/>
+                  <p16:designElem xmlns="" xmlns:p16="http://schemas.microsoft.com/office/powerpoint/2015/main" val="1"/>
                 </p:ext>
               </p:extLst>
             </p:nvPr>
@@ -10942,10 +10942,10 @@
             <p:cNvPr id="18" name="Isosceles Triangle 17">
               <a:extLst>
                 <a:ext uri="{FF2B5EF4-FFF2-40B4-BE49-F238E27FC236}">
-                  <a16:creationId xmlns:a16="http://schemas.microsoft.com/office/drawing/2014/main" xmlns="" id="{3E843863-7D25-4C01-9A17-E817CB6D998A}"/>
+                  <a16:creationId xmlns="" xmlns:a16="http://schemas.microsoft.com/office/drawing/2014/main" id="{3E843863-7D25-4C01-9A17-E817CB6D998A}"/>
                 </a:ext>
                 <a:ext uri="{C183D7F6-B498-43B3-948B-1728B52AA6E4}">
-                  <adec:decorative xmlns:adec="http://schemas.microsoft.com/office/drawing/2017/decorative" xmlns="" val="1"/>
+                  <adec:decorative xmlns="" xmlns:adec="http://schemas.microsoft.com/office/drawing/2017/decorative" val="1"/>
                 </a:ext>
               </a:extLst>
             </p:cNvPr>
@@ -10953,7 +10953,7 @@
             <p:nvPr>
               <p:extLst>
                 <p:ext uri="{386F3935-93C4-4BCD-93E2-E3B085C9AB24}">
-                  <p16:designElem xmlns:p16="http://schemas.microsoft.com/office/powerpoint/2015/main" xmlns="" val="1"/>
+                  <p16:designElem xmlns="" xmlns:p16="http://schemas.microsoft.com/office/powerpoint/2015/main" val="1"/>
                 </p:ext>
               </p:extLst>
             </p:nvPr>
@@ -10999,10 +10999,10 @@
           <p:cNvPr id="20" name="Rectangle 19">
             <a:extLst>
               <a:ext uri="{FF2B5EF4-FFF2-40B4-BE49-F238E27FC236}">
-                <a16:creationId xmlns:a16="http://schemas.microsoft.com/office/drawing/2014/main" xmlns="" id="{7941F9B1-B01B-4A84-89D9-B169AEB4E456}"/>
+                <a16:creationId xmlns="" xmlns:a16="http://schemas.microsoft.com/office/drawing/2014/main" id="{7941F9B1-B01B-4A84-89D9-B169AEB4E456}"/>
               </a:ext>
               <a:ext uri="{C183D7F6-B498-43B3-948B-1728B52AA6E4}">
-                <adec:decorative xmlns:adec="http://schemas.microsoft.com/office/drawing/2017/decorative" xmlns="" val="1"/>
+                <adec:decorative xmlns="" xmlns:adec="http://schemas.microsoft.com/office/drawing/2017/decorative" val="1"/>
               </a:ext>
             </a:extLst>
           </p:cNvPr>
@@ -11012,7 +11012,7 @@
           <p:nvPr>
             <p:extLst>
               <p:ext uri="{386F3935-93C4-4BCD-93E2-E3B085C9AB24}">
-                <p16:designElem xmlns:p16="http://schemas.microsoft.com/office/powerpoint/2015/main" xmlns="" val="1"/>
+                <p16:designElem xmlns="" xmlns:p16="http://schemas.microsoft.com/office/powerpoint/2015/main" val="1"/>
               </p:ext>
             </p:extLst>
           </p:nvPr>
@@ -11069,7 +11069,7 @@
           <p:cNvPr id="2" name="slide5">
             <a:extLst>
               <a:ext uri="{FF2B5EF4-FFF2-40B4-BE49-F238E27FC236}">
-                <a16:creationId xmlns:a16="http://schemas.microsoft.com/office/drawing/2014/main" xmlns="" id="{CB09CC84-714C-413C-8D43-B84CF370BCBF}"/>
+                <a16:creationId xmlns="" xmlns:a16="http://schemas.microsoft.com/office/drawing/2014/main" id="{CB09CC84-714C-413C-8D43-B84CF370BCBF}"/>
               </a:ext>
             </a:extLst>
           </p:cNvPr>
@@ -11143,10 +11143,10 @@
           <p:cNvPr id="8" name="Rectangle 7">
             <a:extLst>
               <a:ext uri="{FF2B5EF4-FFF2-40B4-BE49-F238E27FC236}">
-                <a16:creationId xmlns:a16="http://schemas.microsoft.com/office/drawing/2014/main" xmlns="" id="{03E8462A-FEBA-4848-81CC-3F8DA3E477BE}"/>
+                <a16:creationId xmlns="" xmlns:a16="http://schemas.microsoft.com/office/drawing/2014/main" id="{03E8462A-FEBA-4848-81CC-3F8DA3E477BE}"/>
               </a:ext>
               <a:ext uri="{C183D7F6-B498-43B3-948B-1728B52AA6E4}">
-                <adec:decorative xmlns:adec="http://schemas.microsoft.com/office/drawing/2017/decorative" xmlns="" val="1"/>
+                <adec:decorative xmlns="" xmlns:adec="http://schemas.microsoft.com/office/drawing/2017/decorative" val="1"/>
               </a:ext>
             </a:extLst>
           </p:cNvPr>
@@ -11156,7 +11156,7 @@
           <p:nvPr>
             <p:extLst>
               <p:ext uri="{386F3935-93C4-4BCD-93E2-E3B085C9AB24}">
-                <p16:designElem xmlns:p16="http://schemas.microsoft.com/office/powerpoint/2015/main" xmlns="" val="1"/>
+                <p16:designElem xmlns="" xmlns:p16="http://schemas.microsoft.com/office/powerpoint/2015/main" val="1"/>
               </p:ext>
             </p:extLst>
           </p:nvPr>
@@ -11206,10 +11206,10 @@
           <p:cNvPr id="10" name="Group 9">
             <a:extLst>
               <a:ext uri="{FF2B5EF4-FFF2-40B4-BE49-F238E27FC236}">
-                <a16:creationId xmlns:a16="http://schemas.microsoft.com/office/drawing/2014/main" xmlns="" id="{2109F83F-40FE-4DB3-84CC-09FB3340D06D}"/>
+                <a16:creationId xmlns="" xmlns:a16="http://schemas.microsoft.com/office/drawing/2014/main" id="{2109F83F-40FE-4DB3-84CC-09FB3340D06D}"/>
               </a:ext>
               <a:ext uri="{C183D7F6-B498-43B3-948B-1728B52AA6E4}">
-                <adec:decorative xmlns:adec="http://schemas.microsoft.com/office/drawing/2017/decorative" xmlns="" val="1"/>
+                <adec:decorative xmlns="" xmlns:adec="http://schemas.microsoft.com/office/drawing/2017/decorative" val="1"/>
               </a:ext>
             </a:extLst>
           </p:cNvPr>
@@ -11219,7 +11219,7 @@
           <p:nvPr>
             <p:extLst>
               <p:ext uri="{386F3935-93C4-4BCD-93E2-E3B085C9AB24}">
-                <p16:designElem xmlns:p16="http://schemas.microsoft.com/office/powerpoint/2015/main" xmlns="" val="1"/>
+                <p16:designElem xmlns="" xmlns:p16="http://schemas.microsoft.com/office/powerpoint/2015/main" val="1"/>
               </p:ext>
             </p:extLst>
           </p:nvPr>
@@ -11237,10 +11237,10 @@
             <p:cNvPr id="11" name="Straight Connector 10">
               <a:extLst>
                 <a:ext uri="{FF2B5EF4-FFF2-40B4-BE49-F238E27FC236}">
-                  <a16:creationId xmlns:a16="http://schemas.microsoft.com/office/drawing/2014/main" xmlns="" id="{1DE492D7-C3C3-48FF-80C8-37021EA0262F}"/>
+                  <a16:creationId xmlns="" xmlns:a16="http://schemas.microsoft.com/office/drawing/2014/main" id="{1DE492D7-C3C3-48FF-80C8-37021EA0262F}"/>
                 </a:ext>
                 <a:ext uri="{C183D7F6-B498-43B3-948B-1728B52AA6E4}">
-                  <adec:decorative xmlns:adec="http://schemas.microsoft.com/office/drawing/2017/decorative" xmlns="" val="1"/>
+                  <adec:decorative xmlns="" xmlns:adec="http://schemas.microsoft.com/office/drawing/2017/decorative" val="1"/>
                 </a:ext>
               </a:extLst>
             </p:cNvPr>
@@ -11248,7 +11248,7 @@
             <p:nvPr>
               <p:extLst>
                 <p:ext uri="{386F3935-93C4-4BCD-93E2-E3B085C9AB24}">
-                  <p16:designElem xmlns:p16="http://schemas.microsoft.com/office/powerpoint/2015/main" xmlns="" val="1"/>
+                  <p16:designElem xmlns="" xmlns:p16="http://schemas.microsoft.com/office/powerpoint/2015/main" val="1"/>
                 </p:ext>
               </p:extLst>
             </p:nvPr>
@@ -11289,10 +11289,10 @@
             <p:cNvPr id="12" name="Rectangle 23">
               <a:extLst>
                 <a:ext uri="{FF2B5EF4-FFF2-40B4-BE49-F238E27FC236}">
-                  <a16:creationId xmlns:a16="http://schemas.microsoft.com/office/drawing/2014/main" xmlns="" id="{0B30FF97-2E9A-490A-AED2-90BA2E0EC17F}"/>
+                  <a16:creationId xmlns="" xmlns:a16="http://schemas.microsoft.com/office/drawing/2014/main" id="{0B30FF97-2E9A-490A-AED2-90BA2E0EC17F}"/>
                 </a:ext>
                 <a:ext uri="{C183D7F6-B498-43B3-948B-1728B52AA6E4}">
-                  <adec:decorative xmlns:adec="http://schemas.microsoft.com/office/drawing/2017/decorative" xmlns="" val="1"/>
+                  <adec:decorative xmlns="" xmlns:adec="http://schemas.microsoft.com/office/drawing/2017/decorative" val="1"/>
                 </a:ext>
               </a:extLst>
             </p:cNvPr>
@@ -11300,7 +11300,7 @@
             <p:nvPr>
               <p:extLst>
                 <p:ext uri="{386F3935-93C4-4BCD-93E2-E3B085C9AB24}">
-                  <p16:designElem xmlns:p16="http://schemas.microsoft.com/office/powerpoint/2015/main" xmlns="" val="1"/>
+                  <p16:designElem xmlns="" xmlns:p16="http://schemas.microsoft.com/office/powerpoint/2015/main" val="1"/>
                 </p:ext>
               </p:extLst>
             </p:nvPr>
@@ -11367,10 +11367,10 @@
             <p:cNvPr id="13" name="Rectangle 25">
               <a:extLst>
                 <a:ext uri="{FF2B5EF4-FFF2-40B4-BE49-F238E27FC236}">
-                  <a16:creationId xmlns:a16="http://schemas.microsoft.com/office/drawing/2014/main" xmlns="" id="{B6D53C7D-A312-47B6-A66A-230A19CFACA6}"/>
+                  <a16:creationId xmlns="" xmlns:a16="http://schemas.microsoft.com/office/drawing/2014/main" id="{B6D53C7D-A312-47B6-A66A-230A19CFACA6}"/>
                 </a:ext>
                 <a:ext uri="{C183D7F6-B498-43B3-948B-1728B52AA6E4}">
-                  <adec:decorative xmlns:adec="http://schemas.microsoft.com/office/drawing/2017/decorative" xmlns="" val="1"/>
+                  <adec:decorative xmlns="" xmlns:adec="http://schemas.microsoft.com/office/drawing/2017/decorative" val="1"/>
                 </a:ext>
               </a:extLst>
             </p:cNvPr>
@@ -11378,7 +11378,7 @@
             <p:nvPr>
               <p:extLst>
                 <p:ext uri="{386F3935-93C4-4BCD-93E2-E3B085C9AB24}">
-                  <p16:designElem xmlns:p16="http://schemas.microsoft.com/office/powerpoint/2015/main" xmlns="" val="1"/>
+                  <p16:designElem xmlns="" xmlns:p16="http://schemas.microsoft.com/office/powerpoint/2015/main" val="1"/>
                 </p:ext>
               </p:extLst>
             </p:nvPr>
@@ -11445,10 +11445,10 @@
             <p:cNvPr id="14" name="Isosceles Triangle 13">
               <a:extLst>
                 <a:ext uri="{FF2B5EF4-FFF2-40B4-BE49-F238E27FC236}">
-                  <a16:creationId xmlns:a16="http://schemas.microsoft.com/office/drawing/2014/main" xmlns="" id="{9329D58C-0D2E-4A2B-AD6A-9CEE506784A8}"/>
+                  <a16:creationId xmlns="" xmlns:a16="http://schemas.microsoft.com/office/drawing/2014/main" id="{9329D58C-0D2E-4A2B-AD6A-9CEE506784A8}"/>
                 </a:ext>
                 <a:ext uri="{C183D7F6-B498-43B3-948B-1728B52AA6E4}">
-                  <adec:decorative xmlns:adec="http://schemas.microsoft.com/office/drawing/2017/decorative" xmlns="" val="1"/>
+                  <adec:decorative xmlns="" xmlns:adec="http://schemas.microsoft.com/office/drawing/2017/decorative" val="1"/>
                 </a:ext>
               </a:extLst>
             </p:cNvPr>
@@ -11456,7 +11456,7 @@
             <p:nvPr>
               <p:extLst>
                 <p:ext uri="{386F3935-93C4-4BCD-93E2-E3B085C9AB24}">
-                  <p16:designElem xmlns:p16="http://schemas.microsoft.com/office/powerpoint/2015/main" xmlns="" val="1"/>
+                  <p16:designElem xmlns="" xmlns:p16="http://schemas.microsoft.com/office/powerpoint/2015/main" val="1"/>
                 </p:ext>
               </p:extLst>
             </p:nvPr>
@@ -11501,10 +11501,10 @@
             <p:cNvPr id="15" name="Rectangle 27">
               <a:extLst>
                 <a:ext uri="{FF2B5EF4-FFF2-40B4-BE49-F238E27FC236}">
-                  <a16:creationId xmlns:a16="http://schemas.microsoft.com/office/drawing/2014/main" xmlns="" id="{9D446EDE-C690-4461-8BF2-7634808FC8B4}"/>
+                  <a16:creationId xmlns="" xmlns:a16="http://schemas.microsoft.com/office/drawing/2014/main" id="{9D446EDE-C690-4461-8BF2-7634808FC8B4}"/>
                 </a:ext>
                 <a:ext uri="{C183D7F6-B498-43B3-948B-1728B52AA6E4}">
-                  <adec:decorative xmlns:adec="http://schemas.microsoft.com/office/drawing/2017/decorative" xmlns="" val="1"/>
+                  <adec:decorative xmlns="" xmlns:adec="http://schemas.microsoft.com/office/drawing/2017/decorative" val="1"/>
                 </a:ext>
               </a:extLst>
             </p:cNvPr>
@@ -11512,7 +11512,7 @@
             <p:nvPr>
               <p:extLst>
                 <p:ext uri="{386F3935-93C4-4BCD-93E2-E3B085C9AB24}">
-                  <p16:designElem xmlns:p16="http://schemas.microsoft.com/office/powerpoint/2015/main" xmlns="" val="1"/>
+                  <p16:designElem xmlns="" xmlns:p16="http://schemas.microsoft.com/office/powerpoint/2015/main" val="1"/>
                 </p:ext>
               </p:extLst>
             </p:nvPr>
@@ -11580,10 +11580,10 @@
             <p:cNvPr id="16" name="Rectangle 28">
               <a:extLst>
                 <a:ext uri="{FF2B5EF4-FFF2-40B4-BE49-F238E27FC236}">
-                  <a16:creationId xmlns:a16="http://schemas.microsoft.com/office/drawing/2014/main" xmlns="" id="{323F3D34-6531-4AD7-A8C6-195A090281A1}"/>
+                  <a16:creationId xmlns="" xmlns:a16="http://schemas.microsoft.com/office/drawing/2014/main" id="{323F3D34-6531-4AD7-A8C6-195A090281A1}"/>
                 </a:ext>
                 <a:ext uri="{C183D7F6-B498-43B3-948B-1728B52AA6E4}">
-                  <adec:decorative xmlns:adec="http://schemas.microsoft.com/office/drawing/2017/decorative" xmlns="" val="1"/>
+                  <adec:decorative xmlns="" xmlns:adec="http://schemas.microsoft.com/office/drawing/2017/decorative" val="1"/>
                 </a:ext>
               </a:extLst>
             </p:cNvPr>
@@ -11591,7 +11591,7 @@
             <p:nvPr>
               <p:extLst>
                 <p:ext uri="{386F3935-93C4-4BCD-93E2-E3B085C9AB24}">
-                  <p16:designElem xmlns:p16="http://schemas.microsoft.com/office/powerpoint/2015/main" xmlns="" val="1"/>
+                  <p16:designElem xmlns="" xmlns:p16="http://schemas.microsoft.com/office/powerpoint/2015/main" val="1"/>
                 </p:ext>
               </p:extLst>
             </p:nvPr>
@@ -11660,10 +11660,10 @@
             <p:cNvPr id="17" name="Rectangle 29">
               <a:extLst>
                 <a:ext uri="{FF2B5EF4-FFF2-40B4-BE49-F238E27FC236}">
-                  <a16:creationId xmlns:a16="http://schemas.microsoft.com/office/drawing/2014/main" xmlns="" id="{B9B0AE3F-2350-435F-A9B0-C310BF876385}"/>
+                  <a16:creationId xmlns="" xmlns:a16="http://schemas.microsoft.com/office/drawing/2014/main" id="{B9B0AE3F-2350-435F-A9B0-C310BF876385}"/>
                 </a:ext>
                 <a:ext uri="{C183D7F6-B498-43B3-948B-1728B52AA6E4}">
-                  <adec:decorative xmlns:adec="http://schemas.microsoft.com/office/drawing/2017/decorative" xmlns="" val="1"/>
+                  <adec:decorative xmlns="" xmlns:adec="http://schemas.microsoft.com/office/drawing/2017/decorative" val="1"/>
                 </a:ext>
               </a:extLst>
             </p:cNvPr>
@@ -11671,7 +11671,7 @@
             <p:nvPr>
               <p:extLst>
                 <p:ext uri="{386F3935-93C4-4BCD-93E2-E3B085C9AB24}">
-                  <p16:designElem xmlns:p16="http://schemas.microsoft.com/office/powerpoint/2015/main" xmlns="" val="1"/>
+                  <p16:designElem xmlns="" xmlns:p16="http://schemas.microsoft.com/office/powerpoint/2015/main" val="1"/>
                 </p:ext>
               </p:extLst>
             </p:nvPr>
@@ -11738,10 +11738,10 @@
             <p:cNvPr id="18" name="Isosceles Triangle 17">
               <a:extLst>
                 <a:ext uri="{FF2B5EF4-FFF2-40B4-BE49-F238E27FC236}">
-                  <a16:creationId xmlns:a16="http://schemas.microsoft.com/office/drawing/2014/main" xmlns="" id="{4EFA655C-9E50-4C14-A89E-AD7B648E4E2B}"/>
+                  <a16:creationId xmlns="" xmlns:a16="http://schemas.microsoft.com/office/drawing/2014/main" id="{4EFA655C-9E50-4C14-A89E-AD7B648E4E2B}"/>
                 </a:ext>
                 <a:ext uri="{C183D7F6-B498-43B3-948B-1728B52AA6E4}">
-                  <adec:decorative xmlns:adec="http://schemas.microsoft.com/office/drawing/2017/decorative" xmlns="" val="1"/>
+                  <adec:decorative xmlns="" xmlns:adec="http://schemas.microsoft.com/office/drawing/2017/decorative" val="1"/>
                 </a:ext>
               </a:extLst>
             </p:cNvPr>
@@ -11749,7 +11749,7 @@
             <p:nvPr>
               <p:extLst>
                 <p:ext uri="{386F3935-93C4-4BCD-93E2-E3B085C9AB24}">
-                  <p16:designElem xmlns:p16="http://schemas.microsoft.com/office/powerpoint/2015/main" xmlns="" val="1"/>
+                  <p16:designElem xmlns="" xmlns:p16="http://schemas.microsoft.com/office/powerpoint/2015/main" val="1"/>
                 </p:ext>
               </p:extLst>
             </p:nvPr>
@@ -11794,10 +11794,10 @@
             <p:cNvPr id="19" name="Isosceles Triangle 18">
               <a:extLst>
                 <a:ext uri="{FF2B5EF4-FFF2-40B4-BE49-F238E27FC236}">
-                  <a16:creationId xmlns:a16="http://schemas.microsoft.com/office/drawing/2014/main" xmlns="" id="{3E843863-7D25-4C01-9A17-E817CB6D998A}"/>
+                  <a16:creationId xmlns="" xmlns:a16="http://schemas.microsoft.com/office/drawing/2014/main" id="{3E843863-7D25-4C01-9A17-E817CB6D998A}"/>
                 </a:ext>
                 <a:ext uri="{C183D7F6-B498-43B3-948B-1728B52AA6E4}">
-                  <adec:decorative xmlns:adec="http://schemas.microsoft.com/office/drawing/2017/decorative" xmlns="" val="1"/>
+                  <adec:decorative xmlns="" xmlns:adec="http://schemas.microsoft.com/office/drawing/2017/decorative" val="1"/>
                 </a:ext>
               </a:extLst>
             </p:cNvPr>
@@ -11805,7 +11805,7 @@
             <p:nvPr>
               <p:extLst>
                 <p:ext uri="{386F3935-93C4-4BCD-93E2-E3B085C9AB24}">
-                  <p16:designElem xmlns:p16="http://schemas.microsoft.com/office/powerpoint/2015/main" xmlns="" val="1"/>
+                  <p16:designElem xmlns="" xmlns:p16="http://schemas.microsoft.com/office/powerpoint/2015/main" val="1"/>
                 </p:ext>
               </p:extLst>
             </p:nvPr>
@@ -11851,10 +11851,10 @@
           <p:cNvPr id="21" name="Rectangle 20">
             <a:extLst>
               <a:ext uri="{FF2B5EF4-FFF2-40B4-BE49-F238E27FC236}">
-                <a16:creationId xmlns:a16="http://schemas.microsoft.com/office/drawing/2014/main" xmlns="" id="{7941F9B1-B01B-4A84-89D9-B169AEB4E456}"/>
+                <a16:creationId xmlns="" xmlns:a16="http://schemas.microsoft.com/office/drawing/2014/main" id="{7941F9B1-B01B-4A84-89D9-B169AEB4E456}"/>
               </a:ext>
               <a:ext uri="{C183D7F6-B498-43B3-948B-1728B52AA6E4}">
-                <adec:decorative xmlns:adec="http://schemas.microsoft.com/office/drawing/2017/decorative" xmlns="" val="1"/>
+                <adec:decorative xmlns="" xmlns:adec="http://schemas.microsoft.com/office/drawing/2017/decorative" val="1"/>
               </a:ext>
             </a:extLst>
           </p:cNvPr>
@@ -11864,7 +11864,7 @@
           <p:nvPr>
             <p:extLst>
               <p:ext uri="{386F3935-93C4-4BCD-93E2-E3B085C9AB24}">
-                <p16:designElem xmlns:p16="http://schemas.microsoft.com/office/powerpoint/2015/main" xmlns="" val="1"/>
+                <p16:designElem xmlns="" xmlns:p16="http://schemas.microsoft.com/office/powerpoint/2015/main" val="1"/>
               </p:ext>
             </p:extLst>
           </p:nvPr>
@@ -11921,7 +11921,7 @@
           <p:cNvPr id="3" name="Obraz 2">
             <a:extLst>
               <a:ext uri="{FF2B5EF4-FFF2-40B4-BE49-F238E27FC236}">
-                <a16:creationId xmlns:a16="http://schemas.microsoft.com/office/drawing/2014/main" xmlns="" id="{41E3278D-7ACF-4078-BB00-54A366119131}"/>
+                <a16:creationId xmlns="" xmlns:a16="http://schemas.microsoft.com/office/drawing/2014/main" id="{41E3278D-7ACF-4078-BB00-54A366119131}"/>
               </a:ext>
             </a:extLst>
           </p:cNvPr>
@@ -11995,10 +11995,10 @@
           <p:cNvPr id="8" name="Rectangle 7">
             <a:extLst>
               <a:ext uri="{FF2B5EF4-FFF2-40B4-BE49-F238E27FC236}">
-                <a16:creationId xmlns:a16="http://schemas.microsoft.com/office/drawing/2014/main" xmlns="" id="{03E8462A-FEBA-4848-81CC-3F8DA3E477BE}"/>
+                <a16:creationId xmlns="" xmlns:a16="http://schemas.microsoft.com/office/drawing/2014/main" id="{03E8462A-FEBA-4848-81CC-3F8DA3E477BE}"/>
               </a:ext>
               <a:ext uri="{C183D7F6-B498-43B3-948B-1728B52AA6E4}">
-                <adec:decorative xmlns:adec="http://schemas.microsoft.com/office/drawing/2017/decorative" xmlns="" val="1"/>
+                <adec:decorative xmlns="" xmlns:adec="http://schemas.microsoft.com/office/drawing/2017/decorative" val="1"/>
               </a:ext>
             </a:extLst>
           </p:cNvPr>
@@ -12008,7 +12008,7 @@
           <p:nvPr>
             <p:extLst>
               <p:ext uri="{386F3935-93C4-4BCD-93E2-E3B085C9AB24}">
-                <p16:designElem xmlns:p16="http://schemas.microsoft.com/office/powerpoint/2015/main" xmlns="" val="1"/>
+                <p16:designElem xmlns="" xmlns:p16="http://schemas.microsoft.com/office/powerpoint/2015/main" val="1"/>
               </p:ext>
             </p:extLst>
           </p:nvPr>
@@ -12058,10 +12058,10 @@
           <p:cNvPr id="10" name="Group 9">
             <a:extLst>
               <a:ext uri="{FF2B5EF4-FFF2-40B4-BE49-F238E27FC236}">
-                <a16:creationId xmlns:a16="http://schemas.microsoft.com/office/drawing/2014/main" xmlns="" id="{2109F83F-40FE-4DB3-84CC-09FB3340D06D}"/>
+                <a16:creationId xmlns="" xmlns:a16="http://schemas.microsoft.com/office/drawing/2014/main" id="{2109F83F-40FE-4DB3-84CC-09FB3340D06D}"/>
               </a:ext>
               <a:ext uri="{C183D7F6-B498-43B3-948B-1728B52AA6E4}">
-                <adec:decorative xmlns:adec="http://schemas.microsoft.com/office/drawing/2017/decorative" xmlns="" val="1"/>
+                <adec:decorative xmlns="" xmlns:adec="http://schemas.microsoft.com/office/drawing/2017/decorative" val="1"/>
               </a:ext>
             </a:extLst>
           </p:cNvPr>
@@ -12071,7 +12071,7 @@
           <p:nvPr>
             <p:extLst>
               <p:ext uri="{386F3935-93C4-4BCD-93E2-E3B085C9AB24}">
-                <p16:designElem xmlns:p16="http://schemas.microsoft.com/office/powerpoint/2015/main" xmlns="" val="1"/>
+                <p16:designElem xmlns="" xmlns:p16="http://schemas.microsoft.com/office/powerpoint/2015/main" val="1"/>
               </p:ext>
             </p:extLst>
           </p:nvPr>
@@ -12089,10 +12089,10 @@
             <p:cNvPr id="11" name="Straight Connector 10">
               <a:extLst>
                 <a:ext uri="{FF2B5EF4-FFF2-40B4-BE49-F238E27FC236}">
-                  <a16:creationId xmlns:a16="http://schemas.microsoft.com/office/drawing/2014/main" xmlns="" id="{1DE492D7-C3C3-48FF-80C8-37021EA0262F}"/>
+                  <a16:creationId xmlns="" xmlns:a16="http://schemas.microsoft.com/office/drawing/2014/main" id="{1DE492D7-C3C3-48FF-80C8-37021EA0262F}"/>
                 </a:ext>
                 <a:ext uri="{C183D7F6-B498-43B3-948B-1728B52AA6E4}">
-                  <adec:decorative xmlns:adec="http://schemas.microsoft.com/office/drawing/2017/decorative" xmlns="" val="1"/>
+                  <adec:decorative xmlns="" xmlns:adec="http://schemas.microsoft.com/office/drawing/2017/decorative" val="1"/>
                 </a:ext>
               </a:extLst>
             </p:cNvPr>
@@ -12100,7 +12100,7 @@
             <p:nvPr>
               <p:extLst>
                 <p:ext uri="{386F3935-93C4-4BCD-93E2-E3B085C9AB24}">
-                  <p16:designElem xmlns:p16="http://schemas.microsoft.com/office/powerpoint/2015/main" xmlns="" val="1"/>
+                  <p16:designElem xmlns="" xmlns:p16="http://schemas.microsoft.com/office/powerpoint/2015/main" val="1"/>
                 </p:ext>
               </p:extLst>
             </p:nvPr>
@@ -12141,10 +12141,10 @@
             <p:cNvPr id="12" name="Rectangle 23">
               <a:extLst>
                 <a:ext uri="{FF2B5EF4-FFF2-40B4-BE49-F238E27FC236}">
-                  <a16:creationId xmlns:a16="http://schemas.microsoft.com/office/drawing/2014/main" xmlns="" id="{0B30FF97-2E9A-490A-AED2-90BA2E0EC17F}"/>
+                  <a16:creationId xmlns="" xmlns:a16="http://schemas.microsoft.com/office/drawing/2014/main" id="{0B30FF97-2E9A-490A-AED2-90BA2E0EC17F}"/>
                 </a:ext>
                 <a:ext uri="{C183D7F6-B498-43B3-948B-1728B52AA6E4}">
-                  <adec:decorative xmlns:adec="http://schemas.microsoft.com/office/drawing/2017/decorative" xmlns="" val="1"/>
+                  <adec:decorative xmlns="" xmlns:adec="http://schemas.microsoft.com/office/drawing/2017/decorative" val="1"/>
                 </a:ext>
               </a:extLst>
             </p:cNvPr>
@@ -12152,7 +12152,7 @@
             <p:nvPr>
               <p:extLst>
                 <p:ext uri="{386F3935-93C4-4BCD-93E2-E3B085C9AB24}">
-                  <p16:designElem xmlns:p16="http://schemas.microsoft.com/office/powerpoint/2015/main" xmlns="" val="1"/>
+                  <p16:designElem xmlns="" xmlns:p16="http://schemas.microsoft.com/office/powerpoint/2015/main" val="1"/>
                 </p:ext>
               </p:extLst>
             </p:nvPr>
@@ -12219,10 +12219,10 @@
             <p:cNvPr id="13" name="Rectangle 25">
               <a:extLst>
                 <a:ext uri="{FF2B5EF4-FFF2-40B4-BE49-F238E27FC236}">
-                  <a16:creationId xmlns:a16="http://schemas.microsoft.com/office/drawing/2014/main" xmlns="" id="{B6D53C7D-A312-47B6-A66A-230A19CFACA6}"/>
+                  <a16:creationId xmlns="" xmlns:a16="http://schemas.microsoft.com/office/drawing/2014/main" id="{B6D53C7D-A312-47B6-A66A-230A19CFACA6}"/>
                 </a:ext>
                 <a:ext uri="{C183D7F6-B498-43B3-948B-1728B52AA6E4}">
-                  <adec:decorative xmlns:adec="http://schemas.microsoft.com/office/drawing/2017/decorative" xmlns="" val="1"/>
+                  <adec:decorative xmlns="" xmlns:adec="http://schemas.microsoft.com/office/drawing/2017/decorative" val="1"/>
                 </a:ext>
               </a:extLst>
             </p:cNvPr>
@@ -12230,7 +12230,7 @@
             <p:nvPr>
               <p:extLst>
                 <p:ext uri="{386F3935-93C4-4BCD-93E2-E3B085C9AB24}">
-                  <p16:designElem xmlns:p16="http://schemas.microsoft.com/office/powerpoint/2015/main" xmlns="" val="1"/>
+                  <p16:designElem xmlns="" xmlns:p16="http://schemas.microsoft.com/office/powerpoint/2015/main" val="1"/>
                 </p:ext>
               </p:extLst>
             </p:nvPr>
@@ -12297,10 +12297,10 @@
             <p:cNvPr id="14" name="Isosceles Triangle 13">
               <a:extLst>
                 <a:ext uri="{FF2B5EF4-FFF2-40B4-BE49-F238E27FC236}">
-                  <a16:creationId xmlns:a16="http://schemas.microsoft.com/office/drawing/2014/main" xmlns="" id="{9329D58C-0D2E-4A2B-AD6A-9CEE506784A8}"/>
+                  <a16:creationId xmlns="" xmlns:a16="http://schemas.microsoft.com/office/drawing/2014/main" id="{9329D58C-0D2E-4A2B-AD6A-9CEE506784A8}"/>
                 </a:ext>
                 <a:ext uri="{C183D7F6-B498-43B3-948B-1728B52AA6E4}">
-                  <adec:decorative xmlns:adec="http://schemas.microsoft.com/office/drawing/2017/decorative" xmlns="" val="1"/>
+                  <adec:decorative xmlns="" xmlns:adec="http://schemas.microsoft.com/office/drawing/2017/decorative" val="1"/>
                 </a:ext>
               </a:extLst>
             </p:cNvPr>
@@ -12308,7 +12308,7 @@
             <p:nvPr>
               <p:extLst>
                 <p:ext uri="{386F3935-93C4-4BCD-93E2-E3B085C9AB24}">
-                  <p16:designElem xmlns:p16="http://schemas.microsoft.com/office/powerpoint/2015/main" xmlns="" val="1"/>
+                  <p16:designElem xmlns="" xmlns:p16="http://schemas.microsoft.com/office/powerpoint/2015/main" val="1"/>
                 </p:ext>
               </p:extLst>
             </p:nvPr>
@@ -12353,10 +12353,10 @@
             <p:cNvPr id="15" name="Rectangle 27">
               <a:extLst>
                 <a:ext uri="{FF2B5EF4-FFF2-40B4-BE49-F238E27FC236}">
-                  <a16:creationId xmlns:a16="http://schemas.microsoft.com/office/drawing/2014/main" xmlns="" id="{9D446EDE-C690-4461-8BF2-7634808FC8B4}"/>
+                  <a16:creationId xmlns="" xmlns:a16="http://schemas.microsoft.com/office/drawing/2014/main" id="{9D446EDE-C690-4461-8BF2-7634808FC8B4}"/>
                 </a:ext>
                 <a:ext uri="{C183D7F6-B498-43B3-948B-1728B52AA6E4}">
-                  <adec:decorative xmlns:adec="http://schemas.microsoft.com/office/drawing/2017/decorative" xmlns="" val="1"/>
+                  <adec:decorative xmlns="" xmlns:adec="http://schemas.microsoft.com/office/drawing/2017/decorative" val="1"/>
                 </a:ext>
               </a:extLst>
             </p:cNvPr>
@@ -12364,7 +12364,7 @@
             <p:nvPr>
               <p:extLst>
                 <p:ext uri="{386F3935-93C4-4BCD-93E2-E3B085C9AB24}">
-                  <p16:designElem xmlns:p16="http://schemas.microsoft.com/office/powerpoint/2015/main" xmlns="" val="1"/>
+                  <p16:designElem xmlns="" xmlns:p16="http://schemas.microsoft.com/office/powerpoint/2015/main" val="1"/>
                 </p:ext>
               </p:extLst>
             </p:nvPr>
@@ -12432,10 +12432,10 @@
             <p:cNvPr id="16" name="Rectangle 28">
               <a:extLst>
                 <a:ext uri="{FF2B5EF4-FFF2-40B4-BE49-F238E27FC236}">
-                  <a16:creationId xmlns:a16="http://schemas.microsoft.com/office/drawing/2014/main" xmlns="" id="{323F3D34-6531-4AD7-A8C6-195A090281A1}"/>
+                  <a16:creationId xmlns="" xmlns:a16="http://schemas.microsoft.com/office/drawing/2014/main" id="{323F3D34-6531-4AD7-A8C6-195A090281A1}"/>
                 </a:ext>
                 <a:ext uri="{C183D7F6-B498-43B3-948B-1728B52AA6E4}">
-                  <adec:decorative xmlns:adec="http://schemas.microsoft.com/office/drawing/2017/decorative" xmlns="" val="1"/>
+                  <adec:decorative xmlns="" xmlns:adec="http://schemas.microsoft.com/office/drawing/2017/decorative" val="1"/>
                 </a:ext>
               </a:extLst>
             </p:cNvPr>
@@ -12443,7 +12443,7 @@
             <p:nvPr>
               <p:extLst>
                 <p:ext uri="{386F3935-93C4-4BCD-93E2-E3B085C9AB24}">
-                  <p16:designElem xmlns:p16="http://schemas.microsoft.com/office/powerpoint/2015/main" xmlns="" val="1"/>
+                  <p16:designElem xmlns="" xmlns:p16="http://schemas.microsoft.com/office/powerpoint/2015/main" val="1"/>
                 </p:ext>
               </p:extLst>
             </p:nvPr>
@@ -12512,10 +12512,10 @@
             <p:cNvPr id="17" name="Rectangle 29">
               <a:extLst>
                 <a:ext uri="{FF2B5EF4-FFF2-40B4-BE49-F238E27FC236}">
-                  <a16:creationId xmlns:a16="http://schemas.microsoft.com/office/drawing/2014/main" xmlns="" id="{B9B0AE3F-2350-435F-A9B0-C310BF876385}"/>
+                  <a16:creationId xmlns="" xmlns:a16="http://schemas.microsoft.com/office/drawing/2014/main" id="{B9B0AE3F-2350-435F-A9B0-C310BF876385}"/>
                 </a:ext>
                 <a:ext uri="{C183D7F6-B498-43B3-948B-1728B52AA6E4}">
-                  <adec:decorative xmlns:adec="http://schemas.microsoft.com/office/drawing/2017/decorative" xmlns="" val="1"/>
+                  <adec:decorative xmlns="" xmlns:adec="http://schemas.microsoft.com/office/drawing/2017/decorative" val="1"/>
                 </a:ext>
               </a:extLst>
             </p:cNvPr>
@@ -12523,7 +12523,7 @@
             <p:nvPr>
               <p:extLst>
                 <p:ext uri="{386F3935-93C4-4BCD-93E2-E3B085C9AB24}">
-                  <p16:designElem xmlns:p16="http://schemas.microsoft.com/office/powerpoint/2015/main" xmlns="" val="1"/>
+                  <p16:designElem xmlns="" xmlns:p16="http://schemas.microsoft.com/office/powerpoint/2015/main" val="1"/>
                 </p:ext>
               </p:extLst>
             </p:nvPr>
@@ -12590,10 +12590,10 @@
             <p:cNvPr id="18" name="Isosceles Triangle 17">
               <a:extLst>
                 <a:ext uri="{FF2B5EF4-FFF2-40B4-BE49-F238E27FC236}">
-                  <a16:creationId xmlns:a16="http://schemas.microsoft.com/office/drawing/2014/main" xmlns="" id="{4EFA655C-9E50-4C14-A89E-AD7B648E4E2B}"/>
+                  <a16:creationId xmlns="" xmlns:a16="http://schemas.microsoft.com/office/drawing/2014/main" id="{4EFA655C-9E50-4C14-A89E-AD7B648E4E2B}"/>
                 </a:ext>
                 <a:ext uri="{C183D7F6-B498-43B3-948B-1728B52AA6E4}">
-                  <adec:decorative xmlns:adec="http://schemas.microsoft.com/office/drawing/2017/decorative" xmlns="" val="1"/>
+                  <adec:decorative xmlns="" xmlns:adec="http://schemas.microsoft.com/office/drawing/2017/decorative" val="1"/>
                 </a:ext>
               </a:extLst>
             </p:cNvPr>
@@ -12601,7 +12601,7 @@
             <p:nvPr>
               <p:extLst>
                 <p:ext uri="{386F3935-93C4-4BCD-93E2-E3B085C9AB24}">
-                  <p16:designElem xmlns:p16="http://schemas.microsoft.com/office/powerpoint/2015/main" xmlns="" val="1"/>
+                  <p16:designElem xmlns="" xmlns:p16="http://schemas.microsoft.com/office/powerpoint/2015/main" val="1"/>
                 </p:ext>
               </p:extLst>
             </p:nvPr>
@@ -12646,10 +12646,10 @@
             <p:cNvPr id="19" name="Isosceles Triangle 18">
               <a:extLst>
                 <a:ext uri="{FF2B5EF4-FFF2-40B4-BE49-F238E27FC236}">
-                  <a16:creationId xmlns:a16="http://schemas.microsoft.com/office/drawing/2014/main" xmlns="" id="{3E843863-7D25-4C01-9A17-E817CB6D998A}"/>
+                  <a16:creationId xmlns="" xmlns:a16="http://schemas.microsoft.com/office/drawing/2014/main" id="{3E843863-7D25-4C01-9A17-E817CB6D998A}"/>
                 </a:ext>
                 <a:ext uri="{C183D7F6-B498-43B3-948B-1728B52AA6E4}">
-                  <adec:decorative xmlns:adec="http://schemas.microsoft.com/office/drawing/2017/decorative" xmlns="" val="1"/>
+                  <adec:decorative xmlns="" xmlns:adec="http://schemas.microsoft.com/office/drawing/2017/decorative" val="1"/>
                 </a:ext>
               </a:extLst>
             </p:cNvPr>
@@ -12657,7 +12657,7 @@
             <p:nvPr>
               <p:extLst>
                 <p:ext uri="{386F3935-93C4-4BCD-93E2-E3B085C9AB24}">
-                  <p16:designElem xmlns:p16="http://schemas.microsoft.com/office/powerpoint/2015/main" xmlns="" val="1"/>
+                  <p16:designElem xmlns="" xmlns:p16="http://schemas.microsoft.com/office/powerpoint/2015/main" val="1"/>
                 </p:ext>
               </p:extLst>
             </p:nvPr>
@@ -12703,10 +12703,10 @@
           <p:cNvPr id="21" name="Rectangle 20">
             <a:extLst>
               <a:ext uri="{FF2B5EF4-FFF2-40B4-BE49-F238E27FC236}">
-                <a16:creationId xmlns:a16="http://schemas.microsoft.com/office/drawing/2014/main" xmlns="" id="{7941F9B1-B01B-4A84-89D9-B169AEB4E456}"/>
+                <a16:creationId xmlns="" xmlns:a16="http://schemas.microsoft.com/office/drawing/2014/main" id="{7941F9B1-B01B-4A84-89D9-B169AEB4E456}"/>
               </a:ext>
               <a:ext uri="{C183D7F6-B498-43B3-948B-1728B52AA6E4}">
-                <adec:decorative xmlns:adec="http://schemas.microsoft.com/office/drawing/2017/decorative" xmlns="" val="1"/>
+                <adec:decorative xmlns="" xmlns:adec="http://schemas.microsoft.com/office/drawing/2017/decorative" val="1"/>
               </a:ext>
             </a:extLst>
           </p:cNvPr>
@@ -12716,7 +12716,7 @@
           <p:nvPr>
             <p:extLst>
               <p:ext uri="{386F3935-93C4-4BCD-93E2-E3B085C9AB24}">
-                <p16:designElem xmlns:p16="http://schemas.microsoft.com/office/powerpoint/2015/main" xmlns="" val="1"/>
+                <p16:designElem xmlns="" xmlns:p16="http://schemas.microsoft.com/office/powerpoint/2015/main" val="1"/>
               </p:ext>
             </p:extLst>
           </p:nvPr>
@@ -12773,7 +12773,7 @@
           <p:cNvPr id="3" name="Obraz 2">
             <a:extLst>
               <a:ext uri="{FF2B5EF4-FFF2-40B4-BE49-F238E27FC236}">
-                <a16:creationId xmlns:a16="http://schemas.microsoft.com/office/drawing/2014/main" xmlns="" id="{4BC8A3DE-2630-45CF-B8BE-E247F3BDAC93}"/>
+                <a16:creationId xmlns="" xmlns:a16="http://schemas.microsoft.com/office/drawing/2014/main" id="{4BC8A3DE-2630-45CF-B8BE-E247F3BDAC93}"/>
               </a:ext>
             </a:extLst>
           </p:cNvPr>
@@ -12847,10 +12847,10 @@
           <p:cNvPr id="8" name="Rectangle 7">
             <a:extLst>
               <a:ext uri="{FF2B5EF4-FFF2-40B4-BE49-F238E27FC236}">
-                <a16:creationId xmlns:a16="http://schemas.microsoft.com/office/drawing/2014/main" xmlns="" id="{03E8462A-FEBA-4848-81CC-3F8DA3E477BE}"/>
+                <a16:creationId xmlns="" xmlns:a16="http://schemas.microsoft.com/office/drawing/2014/main" id="{03E8462A-FEBA-4848-81CC-3F8DA3E477BE}"/>
               </a:ext>
               <a:ext uri="{C183D7F6-B498-43B3-948B-1728B52AA6E4}">
-                <adec:decorative xmlns:adec="http://schemas.microsoft.com/office/drawing/2017/decorative" xmlns="" val="1"/>
+                <adec:decorative xmlns="" xmlns:adec="http://schemas.microsoft.com/office/drawing/2017/decorative" val="1"/>
               </a:ext>
             </a:extLst>
           </p:cNvPr>
@@ -12860,7 +12860,7 @@
           <p:nvPr>
             <p:extLst>
               <p:ext uri="{386F3935-93C4-4BCD-93E2-E3B085C9AB24}">
-                <p16:designElem xmlns:p16="http://schemas.microsoft.com/office/powerpoint/2015/main" xmlns="" val="1"/>
+                <p16:designElem xmlns="" xmlns:p16="http://schemas.microsoft.com/office/powerpoint/2015/main" val="1"/>
               </p:ext>
             </p:extLst>
           </p:nvPr>
@@ -12910,10 +12910,10 @@
           <p:cNvPr id="10" name="Group 9">
             <a:extLst>
               <a:ext uri="{FF2B5EF4-FFF2-40B4-BE49-F238E27FC236}">
-                <a16:creationId xmlns:a16="http://schemas.microsoft.com/office/drawing/2014/main" xmlns="" id="{2109F83F-40FE-4DB3-84CC-09FB3340D06D}"/>
+                <a16:creationId xmlns="" xmlns:a16="http://schemas.microsoft.com/office/drawing/2014/main" id="{2109F83F-40FE-4DB3-84CC-09FB3340D06D}"/>
               </a:ext>
               <a:ext uri="{C183D7F6-B498-43B3-948B-1728B52AA6E4}">
-                <adec:decorative xmlns:adec="http://schemas.microsoft.com/office/drawing/2017/decorative" xmlns="" val="1"/>
+                <adec:decorative xmlns="" xmlns:adec="http://schemas.microsoft.com/office/drawing/2017/decorative" val="1"/>
               </a:ext>
             </a:extLst>
           </p:cNvPr>
@@ -12923,7 +12923,7 @@
           <p:nvPr>
             <p:extLst>
               <p:ext uri="{386F3935-93C4-4BCD-93E2-E3B085C9AB24}">
-                <p16:designElem xmlns:p16="http://schemas.microsoft.com/office/powerpoint/2015/main" xmlns="" val="1"/>
+                <p16:designElem xmlns="" xmlns:p16="http://schemas.microsoft.com/office/powerpoint/2015/main" val="1"/>
               </p:ext>
             </p:extLst>
           </p:nvPr>
@@ -12941,10 +12941,10 @@
             <p:cNvPr id="11" name="Straight Connector 10">
               <a:extLst>
                 <a:ext uri="{FF2B5EF4-FFF2-40B4-BE49-F238E27FC236}">
-                  <a16:creationId xmlns:a16="http://schemas.microsoft.com/office/drawing/2014/main" xmlns="" id="{1DE492D7-C3C3-48FF-80C8-37021EA0262F}"/>
+                  <a16:creationId xmlns="" xmlns:a16="http://schemas.microsoft.com/office/drawing/2014/main" id="{1DE492D7-C3C3-48FF-80C8-37021EA0262F}"/>
                 </a:ext>
                 <a:ext uri="{C183D7F6-B498-43B3-948B-1728B52AA6E4}">
-                  <adec:decorative xmlns:adec="http://schemas.microsoft.com/office/drawing/2017/decorative" xmlns="" val="1"/>
+                  <adec:decorative xmlns="" xmlns:adec="http://schemas.microsoft.com/office/drawing/2017/decorative" val="1"/>
                 </a:ext>
               </a:extLst>
             </p:cNvPr>
@@ -12952,7 +12952,7 @@
             <p:nvPr>
               <p:extLst>
                 <p:ext uri="{386F3935-93C4-4BCD-93E2-E3B085C9AB24}">
-                  <p16:designElem xmlns:p16="http://schemas.microsoft.com/office/powerpoint/2015/main" xmlns="" val="1"/>
+                  <p16:designElem xmlns="" xmlns:p16="http://schemas.microsoft.com/office/powerpoint/2015/main" val="1"/>
                 </p:ext>
               </p:extLst>
             </p:nvPr>
@@ -12993,10 +12993,10 @@
             <p:cNvPr id="12" name="Rectangle 23">
               <a:extLst>
                 <a:ext uri="{FF2B5EF4-FFF2-40B4-BE49-F238E27FC236}">
-                  <a16:creationId xmlns:a16="http://schemas.microsoft.com/office/drawing/2014/main" xmlns="" id="{0B30FF97-2E9A-490A-AED2-90BA2E0EC17F}"/>
+                  <a16:creationId xmlns="" xmlns:a16="http://schemas.microsoft.com/office/drawing/2014/main" id="{0B30FF97-2E9A-490A-AED2-90BA2E0EC17F}"/>
                 </a:ext>
                 <a:ext uri="{C183D7F6-B498-43B3-948B-1728B52AA6E4}">
-                  <adec:decorative xmlns:adec="http://schemas.microsoft.com/office/drawing/2017/decorative" xmlns="" val="1"/>
+                  <adec:decorative xmlns="" xmlns:adec="http://schemas.microsoft.com/office/drawing/2017/decorative" val="1"/>
                 </a:ext>
               </a:extLst>
             </p:cNvPr>
@@ -13004,7 +13004,7 @@
             <p:nvPr>
               <p:extLst>
                 <p:ext uri="{386F3935-93C4-4BCD-93E2-E3B085C9AB24}">
-                  <p16:designElem xmlns:p16="http://schemas.microsoft.com/office/powerpoint/2015/main" xmlns="" val="1"/>
+                  <p16:designElem xmlns="" xmlns:p16="http://schemas.microsoft.com/office/powerpoint/2015/main" val="1"/>
                 </p:ext>
               </p:extLst>
             </p:nvPr>
@@ -13071,10 +13071,10 @@
             <p:cNvPr id="13" name="Rectangle 25">
               <a:extLst>
                 <a:ext uri="{FF2B5EF4-FFF2-40B4-BE49-F238E27FC236}">
-                  <a16:creationId xmlns:a16="http://schemas.microsoft.com/office/drawing/2014/main" xmlns="" id="{B6D53C7D-A312-47B6-A66A-230A19CFACA6}"/>
+                  <a16:creationId xmlns="" xmlns:a16="http://schemas.microsoft.com/office/drawing/2014/main" id="{B6D53C7D-A312-47B6-A66A-230A19CFACA6}"/>
                 </a:ext>
                 <a:ext uri="{C183D7F6-B498-43B3-948B-1728B52AA6E4}">
-                  <adec:decorative xmlns:adec="http://schemas.microsoft.com/office/drawing/2017/decorative" xmlns="" val="1"/>
+                  <adec:decorative xmlns="" xmlns:adec="http://schemas.microsoft.com/office/drawing/2017/decorative" val="1"/>
                 </a:ext>
               </a:extLst>
             </p:cNvPr>
@@ -13082,7 +13082,7 @@
             <p:nvPr>
               <p:extLst>
                 <p:ext uri="{386F3935-93C4-4BCD-93E2-E3B085C9AB24}">
-                  <p16:designElem xmlns:p16="http://schemas.microsoft.com/office/powerpoint/2015/main" xmlns="" val="1"/>
+                  <p16:designElem xmlns="" xmlns:p16="http://schemas.microsoft.com/office/powerpoint/2015/main" val="1"/>
                 </p:ext>
               </p:extLst>
             </p:nvPr>
@@ -13149,10 +13149,10 @@
             <p:cNvPr id="14" name="Isosceles Triangle 13">
               <a:extLst>
                 <a:ext uri="{FF2B5EF4-FFF2-40B4-BE49-F238E27FC236}">
-                  <a16:creationId xmlns:a16="http://schemas.microsoft.com/office/drawing/2014/main" xmlns="" id="{9329D58C-0D2E-4A2B-AD6A-9CEE506784A8}"/>
+                  <a16:creationId xmlns="" xmlns:a16="http://schemas.microsoft.com/office/drawing/2014/main" id="{9329D58C-0D2E-4A2B-AD6A-9CEE506784A8}"/>
                 </a:ext>
                 <a:ext uri="{C183D7F6-B498-43B3-948B-1728B52AA6E4}">
-                  <adec:decorative xmlns:adec="http://schemas.microsoft.com/office/drawing/2017/decorative" xmlns="" val="1"/>
+                  <adec:decorative xmlns="" xmlns:adec="http://schemas.microsoft.com/office/drawing/2017/decorative" val="1"/>
                 </a:ext>
               </a:extLst>
             </p:cNvPr>
@@ -13160,7 +13160,7 @@
             <p:nvPr>
               <p:extLst>
                 <p:ext uri="{386F3935-93C4-4BCD-93E2-E3B085C9AB24}">
-                  <p16:designElem xmlns:p16="http://schemas.microsoft.com/office/powerpoint/2015/main" xmlns="" val="1"/>
+                  <p16:designElem xmlns="" xmlns:p16="http://schemas.microsoft.com/office/powerpoint/2015/main" val="1"/>
                 </p:ext>
               </p:extLst>
             </p:nvPr>
@@ -13205,10 +13205,10 @@
             <p:cNvPr id="15" name="Rectangle 27">
               <a:extLst>
                 <a:ext uri="{FF2B5EF4-FFF2-40B4-BE49-F238E27FC236}">
-                  <a16:creationId xmlns:a16="http://schemas.microsoft.com/office/drawing/2014/main" xmlns="" id="{9D446EDE-C690-4461-8BF2-7634808FC8B4}"/>
+                  <a16:creationId xmlns="" xmlns:a16="http://schemas.microsoft.com/office/drawing/2014/main" id="{9D446EDE-C690-4461-8BF2-7634808FC8B4}"/>
                 </a:ext>
                 <a:ext uri="{C183D7F6-B498-43B3-948B-1728B52AA6E4}">
-                  <adec:decorative xmlns:adec="http://schemas.microsoft.com/office/drawing/2017/decorative" xmlns="" val="1"/>
+                  <adec:decorative xmlns="" xmlns:adec="http://schemas.microsoft.com/office/drawing/2017/decorative" val="1"/>
                 </a:ext>
               </a:extLst>
             </p:cNvPr>
@@ -13216,7 +13216,7 @@
             <p:nvPr>
               <p:extLst>
                 <p:ext uri="{386F3935-93C4-4BCD-93E2-E3B085C9AB24}">
-                  <p16:designElem xmlns:p16="http://schemas.microsoft.com/office/powerpoint/2015/main" xmlns="" val="1"/>
+                  <p16:designElem xmlns="" xmlns:p16="http://schemas.microsoft.com/office/powerpoint/2015/main" val="1"/>
                 </p:ext>
               </p:extLst>
             </p:nvPr>
@@ -13284,10 +13284,10 @@
             <p:cNvPr id="16" name="Rectangle 28">
               <a:extLst>
                 <a:ext uri="{FF2B5EF4-FFF2-40B4-BE49-F238E27FC236}">
-                  <a16:creationId xmlns:a16="http://schemas.microsoft.com/office/drawing/2014/main" xmlns="" id="{323F3D34-6531-4AD7-A8C6-195A090281A1}"/>
+                  <a16:creationId xmlns="" xmlns:a16="http://schemas.microsoft.com/office/drawing/2014/main" id="{323F3D34-6531-4AD7-A8C6-195A090281A1}"/>
                 </a:ext>
                 <a:ext uri="{C183D7F6-B498-43B3-948B-1728B52AA6E4}">
-                  <adec:decorative xmlns:adec="http://schemas.microsoft.com/office/drawing/2017/decorative" xmlns="" val="1"/>
+                  <adec:decorative xmlns="" xmlns:adec="http://schemas.microsoft.com/office/drawing/2017/decorative" val="1"/>
                 </a:ext>
               </a:extLst>
             </p:cNvPr>
@@ -13295,7 +13295,7 @@
             <p:nvPr>
               <p:extLst>
                 <p:ext uri="{386F3935-93C4-4BCD-93E2-E3B085C9AB24}">
-                  <p16:designElem xmlns:p16="http://schemas.microsoft.com/office/powerpoint/2015/main" xmlns="" val="1"/>
+                  <p16:designElem xmlns="" xmlns:p16="http://schemas.microsoft.com/office/powerpoint/2015/main" val="1"/>
                 </p:ext>
               </p:extLst>
             </p:nvPr>
@@ -13364,10 +13364,10 @@
             <p:cNvPr id="17" name="Rectangle 29">
               <a:extLst>
                 <a:ext uri="{FF2B5EF4-FFF2-40B4-BE49-F238E27FC236}">
-                  <a16:creationId xmlns:a16="http://schemas.microsoft.com/office/drawing/2014/main" xmlns="" id="{B9B0AE3F-2350-435F-A9B0-C310BF876385}"/>
+                  <a16:creationId xmlns="" xmlns:a16="http://schemas.microsoft.com/office/drawing/2014/main" id="{B9B0AE3F-2350-435F-A9B0-C310BF876385}"/>
                 </a:ext>
                 <a:ext uri="{C183D7F6-B498-43B3-948B-1728B52AA6E4}">
-                  <adec:decorative xmlns:adec="http://schemas.microsoft.com/office/drawing/2017/decorative" xmlns="" val="1"/>
+                  <adec:decorative xmlns="" xmlns:adec="http://schemas.microsoft.com/office/drawing/2017/decorative" val="1"/>
                 </a:ext>
               </a:extLst>
             </p:cNvPr>
@@ -13375,7 +13375,7 @@
             <p:nvPr>
               <p:extLst>
                 <p:ext uri="{386F3935-93C4-4BCD-93E2-E3B085C9AB24}">
-                  <p16:designElem xmlns:p16="http://schemas.microsoft.com/office/powerpoint/2015/main" xmlns="" val="1"/>
+                  <p16:designElem xmlns="" xmlns:p16="http://schemas.microsoft.com/office/powerpoint/2015/main" val="1"/>
                 </p:ext>
               </p:extLst>
             </p:nvPr>
@@ -13442,10 +13442,10 @@
             <p:cNvPr id="18" name="Isosceles Triangle 17">
               <a:extLst>
                 <a:ext uri="{FF2B5EF4-FFF2-40B4-BE49-F238E27FC236}">
-                  <a16:creationId xmlns:a16="http://schemas.microsoft.com/office/drawing/2014/main" xmlns="" id="{4EFA655C-9E50-4C14-A89E-AD7B648E4E2B}"/>
+                  <a16:creationId xmlns="" xmlns:a16="http://schemas.microsoft.com/office/drawing/2014/main" id="{4EFA655C-9E50-4C14-A89E-AD7B648E4E2B}"/>
                 </a:ext>
                 <a:ext uri="{C183D7F6-B498-43B3-948B-1728B52AA6E4}">
-                  <adec:decorative xmlns:adec="http://schemas.microsoft.com/office/drawing/2017/decorative" xmlns="" val="1"/>
+                  <adec:decorative xmlns="" xmlns:adec="http://schemas.microsoft.com/office/drawing/2017/decorative" val="1"/>
                 </a:ext>
               </a:extLst>
             </p:cNvPr>
@@ -13453,7 +13453,7 @@
             <p:nvPr>
               <p:extLst>
                 <p:ext uri="{386F3935-93C4-4BCD-93E2-E3B085C9AB24}">
-                  <p16:designElem xmlns:p16="http://schemas.microsoft.com/office/powerpoint/2015/main" xmlns="" val="1"/>
+                  <p16:designElem xmlns="" xmlns:p16="http://schemas.microsoft.com/office/powerpoint/2015/main" val="1"/>
                 </p:ext>
               </p:extLst>
             </p:nvPr>
@@ -13498,10 +13498,10 @@
             <p:cNvPr id="19" name="Isosceles Triangle 18">
               <a:extLst>
                 <a:ext uri="{FF2B5EF4-FFF2-40B4-BE49-F238E27FC236}">
-                  <a16:creationId xmlns:a16="http://schemas.microsoft.com/office/drawing/2014/main" xmlns="" id="{3E843863-7D25-4C01-9A17-E817CB6D998A}"/>
+                  <a16:creationId xmlns="" xmlns:a16="http://schemas.microsoft.com/office/drawing/2014/main" id="{3E843863-7D25-4C01-9A17-E817CB6D998A}"/>
                 </a:ext>
                 <a:ext uri="{C183D7F6-B498-43B3-948B-1728B52AA6E4}">
-                  <adec:decorative xmlns:adec="http://schemas.microsoft.com/office/drawing/2017/decorative" xmlns="" val="1"/>
+                  <adec:decorative xmlns="" xmlns:adec="http://schemas.microsoft.com/office/drawing/2017/decorative" val="1"/>
                 </a:ext>
               </a:extLst>
             </p:cNvPr>
@@ -13509,7 +13509,7 @@
             <p:nvPr>
               <p:extLst>
                 <p:ext uri="{386F3935-93C4-4BCD-93E2-E3B085C9AB24}">
-                  <p16:designElem xmlns:p16="http://schemas.microsoft.com/office/powerpoint/2015/main" xmlns="" val="1"/>
+                  <p16:designElem xmlns="" xmlns:p16="http://schemas.microsoft.com/office/powerpoint/2015/main" val="1"/>
                 </p:ext>
               </p:extLst>
             </p:nvPr>
@@ -13555,10 +13555,10 @@
           <p:cNvPr id="21" name="Rectangle 20">
             <a:extLst>
               <a:ext uri="{FF2B5EF4-FFF2-40B4-BE49-F238E27FC236}">
-                <a16:creationId xmlns:a16="http://schemas.microsoft.com/office/drawing/2014/main" xmlns="" id="{7941F9B1-B01B-4A84-89D9-B169AEB4E456}"/>
+                <a16:creationId xmlns="" xmlns:a16="http://schemas.microsoft.com/office/drawing/2014/main" id="{7941F9B1-B01B-4A84-89D9-B169AEB4E456}"/>
               </a:ext>
               <a:ext uri="{C183D7F6-B498-43B3-948B-1728B52AA6E4}">
-                <adec:decorative xmlns:adec="http://schemas.microsoft.com/office/drawing/2017/decorative" xmlns="" val="1"/>
+                <adec:decorative xmlns="" xmlns:adec="http://schemas.microsoft.com/office/drawing/2017/decorative" val="1"/>
               </a:ext>
             </a:extLst>
           </p:cNvPr>
@@ -13568,7 +13568,7 @@
           <p:nvPr>
             <p:extLst>
               <p:ext uri="{386F3935-93C4-4BCD-93E2-E3B085C9AB24}">
-                <p16:designElem xmlns:p16="http://schemas.microsoft.com/office/powerpoint/2015/main" xmlns="" val="1"/>
+                <p16:designElem xmlns="" xmlns:p16="http://schemas.microsoft.com/office/powerpoint/2015/main" val="1"/>
               </p:ext>
             </p:extLst>
           </p:nvPr>
@@ -13625,7 +13625,7 @@
           <p:cNvPr id="3" name="Obraz 2">
             <a:extLst>
               <a:ext uri="{FF2B5EF4-FFF2-40B4-BE49-F238E27FC236}">
-                <a16:creationId xmlns:a16="http://schemas.microsoft.com/office/drawing/2014/main" xmlns="" id="{920661B1-0D90-4098-84B9-DA7A3B28F4AA}"/>
+                <a16:creationId xmlns="" xmlns:a16="http://schemas.microsoft.com/office/drawing/2014/main" id="{920661B1-0D90-4098-84B9-DA7A3B28F4AA}"/>
               </a:ext>
             </a:extLst>
           </p:cNvPr>
@@ -13691,7 +13691,7 @@
           <p:cNvPr id="3" name="Tytuł 1">
             <a:extLst>
               <a:ext uri="{FF2B5EF4-FFF2-40B4-BE49-F238E27FC236}">
-                <a16:creationId xmlns:a16="http://schemas.microsoft.com/office/drawing/2014/main" xmlns="" id="{F7260CC7-8EA1-463E-810B-715D9BBE495E}"/>
+                <a16:creationId xmlns="" xmlns:a16="http://schemas.microsoft.com/office/drawing/2014/main" id="{F7260CC7-8EA1-463E-810B-715D9BBE495E}"/>
               </a:ext>
             </a:extLst>
           </p:cNvPr>
@@ -13807,7 +13807,7 @@
           <p:cNvPr id="4" name="Tytuł 1">
             <a:extLst>
               <a:ext uri="{FF2B5EF4-FFF2-40B4-BE49-F238E27FC236}">
-                <a16:creationId xmlns:a16="http://schemas.microsoft.com/office/drawing/2014/main" xmlns="" id="{F65AB8D5-6A8D-462A-80A7-0F01588F9FE7}"/>
+                <a16:creationId xmlns="" xmlns:a16="http://schemas.microsoft.com/office/drawing/2014/main" id="{F65AB8D5-6A8D-462A-80A7-0F01588F9FE7}"/>
               </a:ext>
             </a:extLst>
           </p:cNvPr>
@@ -14069,10 +14069,10 @@
           <p:cNvPr id="30" name="Rectangle 29">
             <a:extLst>
               <a:ext uri="{FF2B5EF4-FFF2-40B4-BE49-F238E27FC236}">
-                <a16:creationId xmlns:a16="http://schemas.microsoft.com/office/drawing/2014/main" xmlns="" id="{7459C506-5F4B-4B75-9218-C7C3F87FA8D3}"/>
+                <a16:creationId xmlns="" xmlns:a16="http://schemas.microsoft.com/office/drawing/2014/main" id="{7459C506-5F4B-4B75-9218-C7C3F87FA8D3}"/>
               </a:ext>
               <a:ext uri="{C183D7F6-B498-43B3-948B-1728B52AA6E4}">
-                <adec:decorative xmlns:adec="http://schemas.microsoft.com/office/drawing/2017/decorative" xmlns="" val="1"/>
+                <adec:decorative xmlns="" xmlns:adec="http://schemas.microsoft.com/office/drawing/2017/decorative" val="1"/>
               </a:ext>
             </a:extLst>
           </p:cNvPr>
@@ -14082,7 +14082,7 @@
           <p:nvPr>
             <p:extLst>
               <p:ext uri="{386F3935-93C4-4BCD-93E2-E3B085C9AB24}">
-                <p16:designElem xmlns:p16="http://schemas.microsoft.com/office/powerpoint/2015/main" xmlns="" val="1"/>
+                <p16:designElem xmlns="" xmlns:p16="http://schemas.microsoft.com/office/powerpoint/2015/main" val="1"/>
               </p:ext>
             </p:extLst>
           </p:nvPr>
@@ -14129,10 +14129,10 @@
           <p:cNvPr id="32" name="Group 31">
             <a:extLst>
               <a:ext uri="{FF2B5EF4-FFF2-40B4-BE49-F238E27FC236}">
-                <a16:creationId xmlns:a16="http://schemas.microsoft.com/office/drawing/2014/main" xmlns="" id="{BC659EEB-C3AE-4544-8263-417009DCDF41}"/>
+                <a16:creationId xmlns="" xmlns:a16="http://schemas.microsoft.com/office/drawing/2014/main" id="{BC659EEB-C3AE-4544-8263-417009DCDF41}"/>
               </a:ext>
               <a:ext uri="{C183D7F6-B498-43B3-948B-1728B52AA6E4}">
-                <adec:decorative xmlns:adec="http://schemas.microsoft.com/office/drawing/2017/decorative" xmlns="" val="1"/>
+                <adec:decorative xmlns="" xmlns:adec="http://schemas.microsoft.com/office/drawing/2017/decorative" val="1"/>
               </a:ext>
             </a:extLst>
           </p:cNvPr>
@@ -14142,7 +14142,7 @@
           <p:nvPr>
             <p:extLst>
               <p:ext uri="{386F3935-93C4-4BCD-93E2-E3B085C9AB24}">
-                <p16:designElem xmlns:p16="http://schemas.microsoft.com/office/powerpoint/2015/main" xmlns="" val="1"/>
+                <p16:designElem xmlns="" xmlns:p16="http://schemas.microsoft.com/office/powerpoint/2015/main" val="1"/>
               </p:ext>
             </p:extLst>
           </p:nvPr>
@@ -14160,10 +14160,10 @@
             <p:cNvPr id="33" name="Straight Connector 32">
               <a:extLst>
                 <a:ext uri="{FF2B5EF4-FFF2-40B4-BE49-F238E27FC236}">
-                  <a16:creationId xmlns:a16="http://schemas.microsoft.com/office/drawing/2014/main" xmlns="" id="{D99DB6C6-36F9-4576-A558-95153EADBE41}"/>
+                  <a16:creationId xmlns="" xmlns:a16="http://schemas.microsoft.com/office/drawing/2014/main" id="{D99DB6C6-36F9-4576-A558-95153EADBE41}"/>
                 </a:ext>
                 <a:ext uri="{C183D7F6-B498-43B3-948B-1728B52AA6E4}">
-                  <adec:decorative xmlns:adec="http://schemas.microsoft.com/office/drawing/2017/decorative" xmlns="" val="1"/>
+                  <adec:decorative xmlns="" xmlns:adec="http://schemas.microsoft.com/office/drawing/2017/decorative" val="1"/>
                 </a:ext>
               </a:extLst>
             </p:cNvPr>
@@ -14171,7 +14171,7 @@
             <p:nvPr>
               <p:extLst>
                 <p:ext uri="{386F3935-93C4-4BCD-93E2-E3B085C9AB24}">
-                  <p16:designElem xmlns:p16="http://schemas.microsoft.com/office/powerpoint/2015/main" xmlns="" val="1"/>
+                  <p16:designElem xmlns="" xmlns:p16="http://schemas.microsoft.com/office/powerpoint/2015/main" val="1"/>
                 </p:ext>
               </p:extLst>
             </p:nvPr>
@@ -14212,10 +14212,10 @@
             <p:cNvPr id="34" name="Rectangle 23">
               <a:extLst>
                 <a:ext uri="{FF2B5EF4-FFF2-40B4-BE49-F238E27FC236}">
-                  <a16:creationId xmlns:a16="http://schemas.microsoft.com/office/drawing/2014/main" xmlns="" id="{694E7916-EDE4-4B50-A4A1-6B28FDD4D9B9}"/>
+                  <a16:creationId xmlns="" xmlns:a16="http://schemas.microsoft.com/office/drawing/2014/main" id="{694E7916-EDE4-4B50-A4A1-6B28FDD4D9B9}"/>
                 </a:ext>
                 <a:ext uri="{C183D7F6-B498-43B3-948B-1728B52AA6E4}">
-                  <adec:decorative xmlns:adec="http://schemas.microsoft.com/office/drawing/2017/decorative" xmlns="" val="1"/>
+                  <adec:decorative xmlns="" xmlns:adec="http://schemas.microsoft.com/office/drawing/2017/decorative" val="1"/>
                 </a:ext>
               </a:extLst>
             </p:cNvPr>
@@ -14223,7 +14223,7 @@
             <p:nvPr>
               <p:extLst>
                 <p:ext uri="{386F3935-93C4-4BCD-93E2-E3B085C9AB24}">
-                  <p16:designElem xmlns:p16="http://schemas.microsoft.com/office/powerpoint/2015/main" xmlns="" val="1"/>
+                  <p16:designElem xmlns="" xmlns:p16="http://schemas.microsoft.com/office/powerpoint/2015/main" val="1"/>
                 </p:ext>
               </p:extLst>
             </p:nvPr>
@@ -14290,10 +14290,10 @@
             <p:cNvPr id="35" name="Rectangle 25">
               <a:extLst>
                 <a:ext uri="{FF2B5EF4-FFF2-40B4-BE49-F238E27FC236}">
-                  <a16:creationId xmlns:a16="http://schemas.microsoft.com/office/drawing/2014/main" xmlns="" id="{6F6CB7BB-4370-4173-97F8-F636C0F149F1}"/>
+                  <a16:creationId xmlns="" xmlns:a16="http://schemas.microsoft.com/office/drawing/2014/main" id="{6F6CB7BB-4370-4173-97F8-F636C0F149F1}"/>
                 </a:ext>
                 <a:ext uri="{C183D7F6-B498-43B3-948B-1728B52AA6E4}">
-                  <adec:decorative xmlns:adec="http://schemas.microsoft.com/office/drawing/2017/decorative" xmlns="" val="1"/>
+                  <adec:decorative xmlns="" xmlns:adec="http://schemas.microsoft.com/office/drawing/2017/decorative" val="1"/>
                 </a:ext>
               </a:extLst>
             </p:cNvPr>
@@ -14301,7 +14301,7 @@
             <p:nvPr>
               <p:extLst>
                 <p:ext uri="{386F3935-93C4-4BCD-93E2-E3B085C9AB24}">
-                  <p16:designElem xmlns:p16="http://schemas.microsoft.com/office/powerpoint/2015/main" xmlns="" val="1"/>
+                  <p16:designElem xmlns="" xmlns:p16="http://schemas.microsoft.com/office/powerpoint/2015/main" val="1"/>
                 </p:ext>
               </p:extLst>
             </p:nvPr>
@@ -14368,10 +14368,10 @@
             <p:cNvPr id="36" name="Isosceles Triangle 35">
               <a:extLst>
                 <a:ext uri="{FF2B5EF4-FFF2-40B4-BE49-F238E27FC236}">
-                  <a16:creationId xmlns:a16="http://schemas.microsoft.com/office/drawing/2014/main" xmlns="" id="{B0F590BB-1F51-4138-A2D4-2E483C84FB07}"/>
+                  <a16:creationId xmlns="" xmlns:a16="http://schemas.microsoft.com/office/drawing/2014/main" id="{B0F590BB-1F51-4138-A2D4-2E483C84FB07}"/>
                 </a:ext>
                 <a:ext uri="{C183D7F6-B498-43B3-948B-1728B52AA6E4}">
-                  <adec:decorative xmlns:adec="http://schemas.microsoft.com/office/drawing/2017/decorative" xmlns="" val="1"/>
+                  <adec:decorative xmlns="" xmlns:adec="http://schemas.microsoft.com/office/drawing/2017/decorative" val="1"/>
                 </a:ext>
               </a:extLst>
             </p:cNvPr>
@@ -14379,7 +14379,7 @@
             <p:nvPr>
               <p:extLst>
                 <p:ext uri="{386F3935-93C4-4BCD-93E2-E3B085C9AB24}">
-                  <p16:designElem xmlns:p16="http://schemas.microsoft.com/office/powerpoint/2015/main" xmlns="" val="1"/>
+                  <p16:designElem xmlns="" xmlns:p16="http://schemas.microsoft.com/office/powerpoint/2015/main" val="1"/>
                 </p:ext>
               </p:extLst>
             </p:nvPr>
@@ -14424,10 +14424,10 @@
             <p:cNvPr id="37" name="Rectangle 27">
               <a:extLst>
                 <a:ext uri="{FF2B5EF4-FFF2-40B4-BE49-F238E27FC236}">
-                  <a16:creationId xmlns:a16="http://schemas.microsoft.com/office/drawing/2014/main" xmlns="" id="{4A492863-9797-45A2-BAB3-514F10C5F254}"/>
+                  <a16:creationId xmlns="" xmlns:a16="http://schemas.microsoft.com/office/drawing/2014/main" id="{4A492863-9797-45A2-BAB3-514F10C5F254}"/>
                 </a:ext>
                 <a:ext uri="{C183D7F6-B498-43B3-948B-1728B52AA6E4}">
-                  <adec:decorative xmlns:adec="http://schemas.microsoft.com/office/drawing/2017/decorative" xmlns="" val="1"/>
+                  <adec:decorative xmlns="" xmlns:adec="http://schemas.microsoft.com/office/drawing/2017/decorative" val="1"/>
                 </a:ext>
               </a:extLst>
             </p:cNvPr>
@@ -14435,7 +14435,7 @@
             <p:nvPr>
               <p:extLst>
                 <p:ext uri="{386F3935-93C4-4BCD-93E2-E3B085C9AB24}">
-                  <p16:designElem xmlns:p16="http://schemas.microsoft.com/office/powerpoint/2015/main" xmlns="" val="1"/>
+                  <p16:designElem xmlns="" xmlns:p16="http://schemas.microsoft.com/office/powerpoint/2015/main" val="1"/>
                 </p:ext>
               </p:extLst>
             </p:nvPr>
@@ -14503,10 +14503,10 @@
             <p:cNvPr id="38" name="Rectangle 28">
               <a:extLst>
                 <a:ext uri="{FF2B5EF4-FFF2-40B4-BE49-F238E27FC236}">
-                  <a16:creationId xmlns:a16="http://schemas.microsoft.com/office/drawing/2014/main" xmlns="" id="{7C1E33F6-6D0F-4ECF-92F4-6F71D8BAF3D9}"/>
+                  <a16:creationId xmlns="" xmlns:a16="http://schemas.microsoft.com/office/drawing/2014/main" id="{7C1E33F6-6D0F-4ECF-92F4-6F71D8BAF3D9}"/>
                 </a:ext>
                 <a:ext uri="{C183D7F6-B498-43B3-948B-1728B52AA6E4}">
-                  <adec:decorative xmlns:adec="http://schemas.microsoft.com/office/drawing/2017/decorative" xmlns="" val="1"/>
+                  <adec:decorative xmlns="" xmlns:adec="http://schemas.microsoft.com/office/drawing/2017/decorative" val="1"/>
                 </a:ext>
               </a:extLst>
             </p:cNvPr>
@@ -14514,7 +14514,7 @@
             <p:nvPr>
               <p:extLst>
                 <p:ext uri="{386F3935-93C4-4BCD-93E2-E3B085C9AB24}">
-                  <p16:designElem xmlns:p16="http://schemas.microsoft.com/office/powerpoint/2015/main" xmlns="" val="1"/>
+                  <p16:designElem xmlns="" xmlns:p16="http://schemas.microsoft.com/office/powerpoint/2015/main" val="1"/>
                 </p:ext>
               </p:extLst>
             </p:nvPr>
@@ -14583,10 +14583,10 @@
             <p:cNvPr id="39" name="Rectangle 29">
               <a:extLst>
                 <a:ext uri="{FF2B5EF4-FFF2-40B4-BE49-F238E27FC236}">
-                  <a16:creationId xmlns:a16="http://schemas.microsoft.com/office/drawing/2014/main" xmlns="" id="{73EEEA64-7411-474B-BD0E-60C24B3F4E56}"/>
+                  <a16:creationId xmlns="" xmlns:a16="http://schemas.microsoft.com/office/drawing/2014/main" id="{73EEEA64-7411-474B-BD0E-60C24B3F4E56}"/>
                 </a:ext>
                 <a:ext uri="{C183D7F6-B498-43B3-948B-1728B52AA6E4}">
-                  <adec:decorative xmlns:adec="http://schemas.microsoft.com/office/drawing/2017/decorative" xmlns="" val="1"/>
+                  <adec:decorative xmlns="" xmlns:adec="http://schemas.microsoft.com/office/drawing/2017/decorative" val="1"/>
                 </a:ext>
               </a:extLst>
             </p:cNvPr>
@@ -14594,7 +14594,7 @@
             <p:nvPr>
               <p:extLst>
                 <p:ext uri="{386F3935-93C4-4BCD-93E2-E3B085C9AB24}">
-                  <p16:designElem xmlns:p16="http://schemas.microsoft.com/office/powerpoint/2015/main" xmlns="" val="1"/>
+                  <p16:designElem xmlns="" xmlns:p16="http://schemas.microsoft.com/office/powerpoint/2015/main" val="1"/>
                 </p:ext>
               </p:extLst>
             </p:nvPr>
@@ -14661,10 +14661,10 @@
             <p:cNvPr id="40" name="Isosceles Triangle 39">
               <a:extLst>
                 <a:ext uri="{FF2B5EF4-FFF2-40B4-BE49-F238E27FC236}">
-                  <a16:creationId xmlns:a16="http://schemas.microsoft.com/office/drawing/2014/main" xmlns="" id="{4F82A6DD-92BB-4443-B5A5-05240DD5580E}"/>
+                  <a16:creationId xmlns="" xmlns:a16="http://schemas.microsoft.com/office/drawing/2014/main" id="{4F82A6DD-92BB-4443-B5A5-05240DD5580E}"/>
                 </a:ext>
                 <a:ext uri="{C183D7F6-B498-43B3-948B-1728B52AA6E4}">
-                  <adec:decorative xmlns:adec="http://schemas.microsoft.com/office/drawing/2017/decorative" xmlns="" val="1"/>
+                  <adec:decorative xmlns="" xmlns:adec="http://schemas.microsoft.com/office/drawing/2017/decorative" val="1"/>
                 </a:ext>
               </a:extLst>
             </p:cNvPr>
@@ -14672,7 +14672,7 @@
             <p:nvPr>
               <p:extLst>
                 <p:ext uri="{386F3935-93C4-4BCD-93E2-E3B085C9AB24}">
-                  <p16:designElem xmlns:p16="http://schemas.microsoft.com/office/powerpoint/2015/main" xmlns="" val="1"/>
+                  <p16:designElem xmlns="" xmlns:p16="http://schemas.microsoft.com/office/powerpoint/2015/main" val="1"/>
                 </p:ext>
               </p:extLst>
             </p:nvPr>
@@ -14717,10 +14717,10 @@
             <p:cNvPr id="41" name="Isosceles Triangle 40">
               <a:extLst>
                 <a:ext uri="{FF2B5EF4-FFF2-40B4-BE49-F238E27FC236}">
-                  <a16:creationId xmlns:a16="http://schemas.microsoft.com/office/drawing/2014/main" xmlns="" id="{79832BCB-1DCF-46AC-9FFA-170791668D8C}"/>
+                  <a16:creationId xmlns="" xmlns:a16="http://schemas.microsoft.com/office/drawing/2014/main" id="{79832BCB-1DCF-46AC-9FFA-170791668D8C}"/>
                 </a:ext>
                 <a:ext uri="{C183D7F6-B498-43B3-948B-1728B52AA6E4}">
-                  <adec:decorative xmlns:adec="http://schemas.microsoft.com/office/drawing/2017/decorative" xmlns="" val="1"/>
+                  <adec:decorative xmlns="" xmlns:adec="http://schemas.microsoft.com/office/drawing/2017/decorative" val="1"/>
                 </a:ext>
               </a:extLst>
             </p:cNvPr>
@@ -14728,7 +14728,7 @@
             <p:nvPr>
               <p:extLst>
                 <p:ext uri="{386F3935-93C4-4BCD-93E2-E3B085C9AB24}">
-                  <p16:designElem xmlns:p16="http://schemas.microsoft.com/office/powerpoint/2015/main" xmlns="" val="1"/>
+                  <p16:designElem xmlns="" xmlns:p16="http://schemas.microsoft.com/office/powerpoint/2015/main" val="1"/>
                 </p:ext>
               </p:extLst>
             </p:nvPr>
@@ -14774,10 +14774,10 @@
           <p:cNvPr id="43" name="Rectangle 42">
             <a:extLst>
               <a:ext uri="{FF2B5EF4-FFF2-40B4-BE49-F238E27FC236}">
-                <a16:creationId xmlns:a16="http://schemas.microsoft.com/office/drawing/2014/main" xmlns="" id="{4E74DA95-CD7A-4D5E-9D27-67A759CE708D}"/>
+                <a16:creationId xmlns="" xmlns:a16="http://schemas.microsoft.com/office/drawing/2014/main" id="{4E74DA95-CD7A-4D5E-9D27-67A759CE708D}"/>
               </a:ext>
               <a:ext uri="{C183D7F6-B498-43B3-948B-1728B52AA6E4}">
-                <adec:decorative xmlns:adec="http://schemas.microsoft.com/office/drawing/2017/decorative" xmlns="" val="1"/>
+                <adec:decorative xmlns="" xmlns:adec="http://schemas.microsoft.com/office/drawing/2017/decorative" val="1"/>
               </a:ext>
             </a:extLst>
           </p:cNvPr>
@@ -14787,7 +14787,7 @@
           <p:nvPr>
             <p:extLst>
               <p:ext uri="{386F3935-93C4-4BCD-93E2-E3B085C9AB24}">
-                <p16:designElem xmlns:p16="http://schemas.microsoft.com/office/powerpoint/2015/main" xmlns="" val="1"/>
+                <p16:designElem xmlns="" xmlns:p16="http://schemas.microsoft.com/office/powerpoint/2015/main" val="1"/>
               </p:ext>
             </p:extLst>
           </p:nvPr>
@@ -14836,7 +14836,7 @@
           <p:cNvPr id="2" name="slide9">
             <a:extLst>
               <a:ext uri="{FF2B5EF4-FFF2-40B4-BE49-F238E27FC236}">
-                <a16:creationId xmlns:a16="http://schemas.microsoft.com/office/drawing/2014/main" xmlns="" id="{B1B15371-67D2-4221-AEE5-0CD2CEE4040E}"/>
+                <a16:creationId xmlns="" xmlns:a16="http://schemas.microsoft.com/office/drawing/2014/main" id="{B1B15371-67D2-4221-AEE5-0CD2CEE4040E}"/>
               </a:ext>
             </a:extLst>
           </p:cNvPr>
@@ -14872,10 +14872,10 @@
           <p:cNvPr id="45" name="Straight Connector 44">
             <a:extLst>
               <a:ext uri="{FF2B5EF4-FFF2-40B4-BE49-F238E27FC236}">
-                <a16:creationId xmlns:a16="http://schemas.microsoft.com/office/drawing/2014/main" xmlns="" id="{14AA3B5C-0C55-4FFF-9C45-8F9F7C074A4E}"/>
+                <a16:creationId xmlns="" xmlns:a16="http://schemas.microsoft.com/office/drawing/2014/main" id="{14AA3B5C-0C55-4FFF-9C45-8F9F7C074A4E}"/>
               </a:ext>
               <a:ext uri="{C183D7F6-B498-43B3-948B-1728B52AA6E4}">
-                <adec:decorative xmlns:adec="http://schemas.microsoft.com/office/drawing/2017/decorative" xmlns="" val="1"/>
+                <adec:decorative xmlns="" xmlns:adec="http://schemas.microsoft.com/office/drawing/2017/decorative" val="1"/>
               </a:ext>
             </a:extLst>
           </p:cNvPr>
@@ -14885,7 +14885,7 @@
           <p:nvPr>
             <p:extLst>
               <p:ext uri="{386F3935-93C4-4BCD-93E2-E3B085C9AB24}">
-                <p16:designElem xmlns:p16="http://schemas.microsoft.com/office/powerpoint/2015/main" xmlns="" val="1"/>
+                <p16:designElem xmlns="" xmlns:p16="http://schemas.microsoft.com/office/powerpoint/2015/main" val="1"/>
               </p:ext>
             </p:extLst>
           </p:nvPr>
@@ -14919,7 +14919,7 @@
           <p:cNvPr id="3" name="slide10">
             <a:extLst>
               <a:ext uri="{FF2B5EF4-FFF2-40B4-BE49-F238E27FC236}">
-                <a16:creationId xmlns:a16="http://schemas.microsoft.com/office/drawing/2014/main" xmlns="" id="{F045544C-9DD1-4338-B4A7-CA589E7A5973}"/>
+                <a16:creationId xmlns="" xmlns:a16="http://schemas.microsoft.com/office/drawing/2014/main" id="{F045544C-9DD1-4338-B4A7-CA589E7A5973}"/>
               </a:ext>
             </a:extLst>
           </p:cNvPr>
@@ -14993,10 +14993,10 @@
           <p:cNvPr id="8" name="Group 7">
             <a:extLst>
               <a:ext uri="{FF2B5EF4-FFF2-40B4-BE49-F238E27FC236}">
-                <a16:creationId xmlns:a16="http://schemas.microsoft.com/office/drawing/2014/main" xmlns="" id="{28460BD8-AE3F-4AC9-9D0B-717052AA5D3A}"/>
+                <a16:creationId xmlns="" xmlns:a16="http://schemas.microsoft.com/office/drawing/2014/main" id="{28460BD8-AE3F-4AC9-9D0B-717052AA5D3A}"/>
               </a:ext>
               <a:ext uri="{C183D7F6-B498-43B3-948B-1728B52AA6E4}">
-                <adec:decorative xmlns:adec="http://schemas.microsoft.com/office/drawing/2017/decorative" xmlns="" val="1"/>
+                <adec:decorative xmlns="" xmlns:adec="http://schemas.microsoft.com/office/drawing/2017/decorative" val="1"/>
               </a:ext>
             </a:extLst>
           </p:cNvPr>
@@ -15006,7 +15006,7 @@
           <p:nvPr>
             <p:extLst>
               <p:ext uri="{386F3935-93C4-4BCD-93E2-E3B085C9AB24}">
-                <p16:designElem xmlns:p16="http://schemas.microsoft.com/office/powerpoint/2015/main" xmlns="" val="1"/>
+                <p16:designElem xmlns="" xmlns:p16="http://schemas.microsoft.com/office/powerpoint/2015/main" val="1"/>
               </p:ext>
             </p:extLst>
           </p:nvPr>
@@ -15024,10 +15024,10 @@
             <p:cNvPr id="9" name="Straight Connector 8">
               <a:extLst>
                 <a:ext uri="{FF2B5EF4-FFF2-40B4-BE49-F238E27FC236}">
-                  <a16:creationId xmlns:a16="http://schemas.microsoft.com/office/drawing/2014/main" xmlns="" id="{54420CFE-F482-466E-9E1E-C78513C0B85D}"/>
+                  <a16:creationId xmlns="" xmlns:a16="http://schemas.microsoft.com/office/drawing/2014/main" id="{54420CFE-F482-466E-9E1E-C78513C0B85D}"/>
                 </a:ext>
                 <a:ext uri="{C183D7F6-B498-43B3-948B-1728B52AA6E4}">
-                  <adec:decorative xmlns:adec="http://schemas.microsoft.com/office/drawing/2017/decorative" xmlns="" val="1"/>
+                  <adec:decorative xmlns="" xmlns:adec="http://schemas.microsoft.com/office/drawing/2017/decorative" val="1"/>
                 </a:ext>
               </a:extLst>
             </p:cNvPr>
@@ -15035,7 +15035,7 @@
             <p:nvPr>
               <p:extLst>
                 <p:ext uri="{386F3935-93C4-4BCD-93E2-E3B085C9AB24}">
-                  <p16:designElem xmlns:p16="http://schemas.microsoft.com/office/powerpoint/2015/main" xmlns="" val="1"/>
+                  <p16:designElem xmlns="" xmlns:p16="http://schemas.microsoft.com/office/powerpoint/2015/main" val="1"/>
                 </p:ext>
               </p:extLst>
             </p:nvPr>
@@ -15076,10 +15076,10 @@
             <p:cNvPr id="10" name="Straight Connector 9">
               <a:extLst>
                 <a:ext uri="{FF2B5EF4-FFF2-40B4-BE49-F238E27FC236}">
-                  <a16:creationId xmlns:a16="http://schemas.microsoft.com/office/drawing/2014/main" xmlns="" id="{5331032B-BD21-4BDA-920C-12E358052567}"/>
+                  <a16:creationId xmlns="" xmlns:a16="http://schemas.microsoft.com/office/drawing/2014/main" id="{5331032B-BD21-4BDA-920C-12E358052567}"/>
                 </a:ext>
                 <a:ext uri="{C183D7F6-B498-43B3-948B-1728B52AA6E4}">
-                  <adec:decorative xmlns:adec="http://schemas.microsoft.com/office/drawing/2017/decorative" xmlns="" val="1"/>
+                  <adec:decorative xmlns="" xmlns:adec="http://schemas.microsoft.com/office/drawing/2017/decorative" val="1"/>
                 </a:ext>
               </a:extLst>
             </p:cNvPr>
@@ -15087,7 +15087,7 @@
             <p:nvPr>
               <p:extLst>
                 <p:ext uri="{386F3935-93C4-4BCD-93E2-E3B085C9AB24}">
-                  <p16:designElem xmlns:p16="http://schemas.microsoft.com/office/powerpoint/2015/main" xmlns="" val="1"/>
+                  <p16:designElem xmlns="" xmlns:p16="http://schemas.microsoft.com/office/powerpoint/2015/main" val="1"/>
                 </p:ext>
               </p:extLst>
             </p:nvPr>
@@ -15128,10 +15128,10 @@
             <p:cNvPr id="11" name="Rectangle 23">
               <a:extLst>
                 <a:ext uri="{FF2B5EF4-FFF2-40B4-BE49-F238E27FC236}">
-                  <a16:creationId xmlns:a16="http://schemas.microsoft.com/office/drawing/2014/main" xmlns="" id="{E7514DA3-59E7-409E-8A3B-AD097F6E5644}"/>
+                  <a16:creationId xmlns="" xmlns:a16="http://schemas.microsoft.com/office/drawing/2014/main" id="{E7514DA3-59E7-409E-8A3B-AD097F6E5644}"/>
                 </a:ext>
                 <a:ext uri="{C183D7F6-B498-43B3-948B-1728B52AA6E4}">
-                  <adec:decorative xmlns:adec="http://schemas.microsoft.com/office/drawing/2017/decorative" xmlns="" val="1"/>
+                  <adec:decorative xmlns="" xmlns:adec="http://schemas.microsoft.com/office/drawing/2017/decorative" val="1"/>
                 </a:ext>
               </a:extLst>
             </p:cNvPr>
@@ -15139,7 +15139,7 @@
             <p:nvPr>
               <p:extLst>
                 <p:ext uri="{386F3935-93C4-4BCD-93E2-E3B085C9AB24}">
-                  <p16:designElem xmlns:p16="http://schemas.microsoft.com/office/powerpoint/2015/main" xmlns="" val="1"/>
+                  <p16:designElem xmlns="" xmlns:p16="http://schemas.microsoft.com/office/powerpoint/2015/main" val="1"/>
                 </p:ext>
               </p:extLst>
             </p:nvPr>
@@ -15206,10 +15206,10 @@
             <p:cNvPr id="12" name="Rectangle 25">
               <a:extLst>
                 <a:ext uri="{FF2B5EF4-FFF2-40B4-BE49-F238E27FC236}">
-                  <a16:creationId xmlns:a16="http://schemas.microsoft.com/office/drawing/2014/main" xmlns="" id="{57B9A2A6-3BE4-4599-9364-F71C5BFD61F8}"/>
+                  <a16:creationId xmlns="" xmlns:a16="http://schemas.microsoft.com/office/drawing/2014/main" id="{57B9A2A6-3BE4-4599-9364-F71C5BFD61F8}"/>
                 </a:ext>
                 <a:ext uri="{C183D7F6-B498-43B3-948B-1728B52AA6E4}">
-                  <adec:decorative xmlns:adec="http://schemas.microsoft.com/office/drawing/2017/decorative" xmlns="" val="1"/>
+                  <adec:decorative xmlns="" xmlns:adec="http://schemas.microsoft.com/office/drawing/2017/decorative" val="1"/>
                 </a:ext>
               </a:extLst>
             </p:cNvPr>
@@ -15217,7 +15217,7 @@
             <p:nvPr>
               <p:extLst>
                 <p:ext uri="{386F3935-93C4-4BCD-93E2-E3B085C9AB24}">
-                  <p16:designElem xmlns:p16="http://schemas.microsoft.com/office/powerpoint/2015/main" xmlns="" val="1"/>
+                  <p16:designElem xmlns="" xmlns:p16="http://schemas.microsoft.com/office/powerpoint/2015/main" val="1"/>
                 </p:ext>
               </p:extLst>
             </p:nvPr>
@@ -15284,10 +15284,10 @@
             <p:cNvPr id="13" name="Isosceles Triangle 12">
               <a:extLst>
                 <a:ext uri="{FF2B5EF4-FFF2-40B4-BE49-F238E27FC236}">
-                  <a16:creationId xmlns:a16="http://schemas.microsoft.com/office/drawing/2014/main" xmlns="" id="{4FD744C6-4ED8-4BC9-BF68-6BDF701C5DB4}"/>
+                  <a16:creationId xmlns="" xmlns:a16="http://schemas.microsoft.com/office/drawing/2014/main" id="{4FD744C6-4ED8-4BC9-BF68-6BDF701C5DB4}"/>
                 </a:ext>
                 <a:ext uri="{C183D7F6-B498-43B3-948B-1728B52AA6E4}">
-                  <adec:decorative xmlns:adec="http://schemas.microsoft.com/office/drawing/2017/decorative" xmlns="" val="1"/>
+                  <adec:decorative xmlns="" xmlns:adec="http://schemas.microsoft.com/office/drawing/2017/decorative" val="1"/>
                 </a:ext>
               </a:extLst>
             </p:cNvPr>
@@ -15295,7 +15295,7 @@
             <p:nvPr>
               <p:extLst>
                 <p:ext uri="{386F3935-93C4-4BCD-93E2-E3B085C9AB24}">
-                  <p16:designElem xmlns:p16="http://schemas.microsoft.com/office/powerpoint/2015/main" xmlns="" val="1"/>
+                  <p16:designElem xmlns="" xmlns:p16="http://schemas.microsoft.com/office/powerpoint/2015/main" val="1"/>
                 </p:ext>
               </p:extLst>
             </p:nvPr>
@@ -15340,10 +15340,10 @@
             <p:cNvPr id="14" name="Rectangle 27">
               <a:extLst>
                 <a:ext uri="{FF2B5EF4-FFF2-40B4-BE49-F238E27FC236}">
-                  <a16:creationId xmlns:a16="http://schemas.microsoft.com/office/drawing/2014/main" xmlns="" id="{092C5BAD-C911-4F8F-A1C5-470268BE668B}"/>
+                  <a16:creationId xmlns="" xmlns:a16="http://schemas.microsoft.com/office/drawing/2014/main" id="{092C5BAD-C911-4F8F-A1C5-470268BE668B}"/>
                 </a:ext>
                 <a:ext uri="{C183D7F6-B498-43B3-948B-1728B52AA6E4}">
-                  <adec:decorative xmlns:adec="http://schemas.microsoft.com/office/drawing/2017/decorative" xmlns="" val="1"/>
+                  <adec:decorative xmlns="" xmlns:adec="http://schemas.microsoft.com/office/drawing/2017/decorative" val="1"/>
                 </a:ext>
               </a:extLst>
             </p:cNvPr>
@@ -15351,7 +15351,7 @@
             <p:nvPr>
               <p:extLst>
                 <p:ext uri="{386F3935-93C4-4BCD-93E2-E3B085C9AB24}">
-                  <p16:designElem xmlns:p16="http://schemas.microsoft.com/office/powerpoint/2015/main" xmlns="" val="1"/>
+                  <p16:designElem xmlns="" xmlns:p16="http://schemas.microsoft.com/office/powerpoint/2015/main" val="1"/>
                 </p:ext>
               </p:extLst>
             </p:nvPr>
@@ -15419,10 +15419,10 @@
             <p:cNvPr id="15" name="Rectangle 28">
               <a:extLst>
                 <a:ext uri="{FF2B5EF4-FFF2-40B4-BE49-F238E27FC236}">
-                  <a16:creationId xmlns:a16="http://schemas.microsoft.com/office/drawing/2014/main" xmlns="" id="{B133D0C8-4EC4-424F-8E70-0482D5B1B653}"/>
+                  <a16:creationId xmlns="" xmlns:a16="http://schemas.microsoft.com/office/drawing/2014/main" id="{B133D0C8-4EC4-424F-8E70-0482D5B1B653}"/>
                 </a:ext>
                 <a:ext uri="{C183D7F6-B498-43B3-948B-1728B52AA6E4}">
-                  <adec:decorative xmlns:adec="http://schemas.microsoft.com/office/drawing/2017/decorative" xmlns="" val="1"/>
+                  <adec:decorative xmlns="" xmlns:adec="http://schemas.microsoft.com/office/drawing/2017/decorative" val="1"/>
                 </a:ext>
               </a:extLst>
             </p:cNvPr>
@@ -15430,7 +15430,7 @@
             <p:nvPr>
               <p:extLst>
                 <p:ext uri="{386F3935-93C4-4BCD-93E2-E3B085C9AB24}">
-                  <p16:designElem xmlns:p16="http://schemas.microsoft.com/office/powerpoint/2015/main" xmlns="" val="1"/>
+                  <p16:designElem xmlns="" xmlns:p16="http://schemas.microsoft.com/office/powerpoint/2015/main" val="1"/>
                 </p:ext>
               </p:extLst>
             </p:nvPr>
@@ -15499,10 +15499,10 @@
             <p:cNvPr id="16" name="Rectangle 29">
               <a:extLst>
                 <a:ext uri="{FF2B5EF4-FFF2-40B4-BE49-F238E27FC236}">
-                  <a16:creationId xmlns:a16="http://schemas.microsoft.com/office/drawing/2014/main" xmlns="" id="{7B1532A0-F4B3-4DE8-B18F-740CAAD25AC4}"/>
+                  <a16:creationId xmlns="" xmlns:a16="http://schemas.microsoft.com/office/drawing/2014/main" id="{7B1532A0-F4B3-4DE8-B18F-740CAAD25AC4}"/>
                 </a:ext>
                 <a:ext uri="{C183D7F6-B498-43B3-948B-1728B52AA6E4}">
-                  <adec:decorative xmlns:adec="http://schemas.microsoft.com/office/drawing/2017/decorative" xmlns="" val="1"/>
+                  <adec:decorative xmlns="" xmlns:adec="http://schemas.microsoft.com/office/drawing/2017/decorative" val="1"/>
                 </a:ext>
               </a:extLst>
             </p:cNvPr>
@@ -15510,7 +15510,7 @@
             <p:nvPr>
               <p:extLst>
                 <p:ext uri="{386F3935-93C4-4BCD-93E2-E3B085C9AB24}">
-                  <p16:designElem xmlns:p16="http://schemas.microsoft.com/office/powerpoint/2015/main" xmlns="" val="1"/>
+                  <p16:designElem xmlns="" xmlns:p16="http://schemas.microsoft.com/office/powerpoint/2015/main" val="1"/>
                 </p:ext>
               </p:extLst>
             </p:nvPr>
@@ -15577,10 +15577,10 @@
             <p:cNvPr id="17" name="Isosceles Triangle 16">
               <a:extLst>
                 <a:ext uri="{FF2B5EF4-FFF2-40B4-BE49-F238E27FC236}">
-                  <a16:creationId xmlns:a16="http://schemas.microsoft.com/office/drawing/2014/main" xmlns="" id="{8EFDD162-BBBA-4062-8BBF-53DBA1091374}"/>
+                  <a16:creationId xmlns="" xmlns:a16="http://schemas.microsoft.com/office/drawing/2014/main" id="{8EFDD162-BBBA-4062-8BBF-53DBA1091374}"/>
                 </a:ext>
                 <a:ext uri="{C183D7F6-B498-43B3-948B-1728B52AA6E4}">
-                  <adec:decorative xmlns:adec="http://schemas.microsoft.com/office/drawing/2017/decorative" xmlns="" val="1"/>
+                  <adec:decorative xmlns="" xmlns:adec="http://schemas.microsoft.com/office/drawing/2017/decorative" val="1"/>
                 </a:ext>
               </a:extLst>
             </p:cNvPr>
@@ -15588,7 +15588,7 @@
             <p:nvPr>
               <p:extLst>
                 <p:ext uri="{386F3935-93C4-4BCD-93E2-E3B085C9AB24}">
-                  <p16:designElem xmlns:p16="http://schemas.microsoft.com/office/powerpoint/2015/main" xmlns="" val="1"/>
+                  <p16:designElem xmlns="" xmlns:p16="http://schemas.microsoft.com/office/powerpoint/2015/main" val="1"/>
                 </p:ext>
               </p:extLst>
             </p:nvPr>
@@ -15633,10 +15633,10 @@
             <p:cNvPr id="18" name="Isosceles Triangle 17">
               <a:extLst>
                 <a:ext uri="{FF2B5EF4-FFF2-40B4-BE49-F238E27FC236}">
-                  <a16:creationId xmlns:a16="http://schemas.microsoft.com/office/drawing/2014/main" xmlns="" id="{DCFC9E65-3E19-4483-B952-25D29683CA56}"/>
+                  <a16:creationId xmlns="" xmlns:a16="http://schemas.microsoft.com/office/drawing/2014/main" id="{DCFC9E65-3E19-4483-B952-25D29683CA56}"/>
                 </a:ext>
                 <a:ext uri="{C183D7F6-B498-43B3-948B-1728B52AA6E4}">
-                  <adec:decorative xmlns:adec="http://schemas.microsoft.com/office/drawing/2017/decorative" xmlns="" val="1"/>
+                  <adec:decorative xmlns="" xmlns:adec="http://schemas.microsoft.com/office/drawing/2017/decorative" val="1"/>
                 </a:ext>
               </a:extLst>
             </p:cNvPr>
@@ -15644,7 +15644,7 @@
             <p:nvPr>
               <p:extLst>
                 <p:ext uri="{386F3935-93C4-4BCD-93E2-E3B085C9AB24}">
-                  <p16:designElem xmlns:p16="http://schemas.microsoft.com/office/powerpoint/2015/main" xmlns="" val="1"/>
+                  <p16:designElem xmlns="" xmlns:p16="http://schemas.microsoft.com/office/powerpoint/2015/main" val="1"/>
                 </p:ext>
               </p:extLst>
             </p:nvPr>
@@ -15690,10 +15690,10 @@
           <p:cNvPr id="20" name="Rectangle 19">
             <a:extLst>
               <a:ext uri="{FF2B5EF4-FFF2-40B4-BE49-F238E27FC236}">
-                <a16:creationId xmlns:a16="http://schemas.microsoft.com/office/drawing/2014/main" xmlns="" id="{2783C067-F8BF-4755-B516-8A0CD74CF60C}"/>
+                <a16:creationId xmlns="" xmlns:a16="http://schemas.microsoft.com/office/drawing/2014/main" id="{2783C067-F8BF-4755-B516-8A0CD74CF60C}"/>
               </a:ext>
               <a:ext uri="{C183D7F6-B498-43B3-948B-1728B52AA6E4}">
-                <adec:decorative xmlns:adec="http://schemas.microsoft.com/office/drawing/2017/decorative" xmlns="" val="1"/>
+                <adec:decorative xmlns="" xmlns:adec="http://schemas.microsoft.com/office/drawing/2017/decorative" val="1"/>
               </a:ext>
             </a:extLst>
           </p:cNvPr>
@@ -15703,7 +15703,7 @@
           <p:nvPr>
             <p:extLst>
               <p:ext uri="{386F3935-93C4-4BCD-93E2-E3B085C9AB24}">
-                <p16:designElem xmlns:p16="http://schemas.microsoft.com/office/powerpoint/2015/main" xmlns="" val="1"/>
+                <p16:designElem xmlns="" xmlns:p16="http://schemas.microsoft.com/office/powerpoint/2015/main" val="1"/>
               </p:ext>
             </p:extLst>
           </p:nvPr>
@@ -15750,10 +15750,10 @@
           <p:cNvPr id="22" name="Isosceles Triangle 21">
             <a:extLst>
               <a:ext uri="{FF2B5EF4-FFF2-40B4-BE49-F238E27FC236}">
-                <a16:creationId xmlns:a16="http://schemas.microsoft.com/office/drawing/2014/main" xmlns="" id="{2ED796EC-E7FF-46DB-B912-FB08BF12AA6E}"/>
+                <a16:creationId xmlns="" xmlns:a16="http://schemas.microsoft.com/office/drawing/2014/main" id="{2ED796EC-E7FF-46DB-B912-FB08BF12AA6E}"/>
               </a:ext>
               <a:ext uri="{C183D7F6-B498-43B3-948B-1728B52AA6E4}">
-                <adec:decorative xmlns:adec="http://schemas.microsoft.com/office/drawing/2017/decorative" xmlns="" val="1"/>
+                <adec:decorative xmlns="" xmlns:adec="http://schemas.microsoft.com/office/drawing/2017/decorative" val="1"/>
               </a:ext>
             </a:extLst>
           </p:cNvPr>
@@ -15763,7 +15763,7 @@
           <p:nvPr>
             <p:extLst>
               <p:ext uri="{386F3935-93C4-4BCD-93E2-E3B085C9AB24}">
-                <p16:designElem xmlns:p16="http://schemas.microsoft.com/office/powerpoint/2015/main" xmlns="" val="1"/>
+                <p16:designElem xmlns="" xmlns:p16="http://schemas.microsoft.com/office/powerpoint/2015/main" val="1"/>
               </p:ext>
             </p:extLst>
           </p:nvPr>
@@ -15806,10 +15806,10 @@
           <p:cNvPr id="24" name="Isosceles Triangle 23">
             <a:extLst>
               <a:ext uri="{FF2B5EF4-FFF2-40B4-BE49-F238E27FC236}">
-                <a16:creationId xmlns:a16="http://schemas.microsoft.com/office/drawing/2014/main" xmlns="" id="{549A2DAB-B431-487D-95AD-BB0FECB49E57}"/>
+                <a16:creationId xmlns="" xmlns:a16="http://schemas.microsoft.com/office/drawing/2014/main" id="{549A2DAB-B431-487D-95AD-BB0FECB49E57}"/>
               </a:ext>
               <a:ext uri="{C183D7F6-B498-43B3-948B-1728B52AA6E4}">
-                <adec:decorative xmlns:adec="http://schemas.microsoft.com/office/drawing/2017/decorative" xmlns="" val="1"/>
+                <adec:decorative xmlns="" xmlns:adec="http://schemas.microsoft.com/office/drawing/2017/decorative" val="1"/>
               </a:ext>
             </a:extLst>
           </p:cNvPr>
@@ -15819,7 +15819,7 @@
           <p:nvPr>
             <p:extLst>
               <p:ext uri="{386F3935-93C4-4BCD-93E2-E3B085C9AB24}">
-                <p16:designElem xmlns:p16="http://schemas.microsoft.com/office/powerpoint/2015/main" xmlns="" val="1"/>
+                <p16:designElem xmlns="" xmlns:p16="http://schemas.microsoft.com/office/powerpoint/2015/main" val="1"/>
               </p:ext>
             </p:extLst>
           </p:nvPr>
@@ -15864,10 +15864,10 @@
           <p:cNvPr id="26" name="Rectangle 27">
             <a:extLst>
               <a:ext uri="{FF2B5EF4-FFF2-40B4-BE49-F238E27FC236}">
-                <a16:creationId xmlns:a16="http://schemas.microsoft.com/office/drawing/2014/main" xmlns="" id="{0819F787-32B4-46A8-BC57-C6571BCEE243}"/>
+                <a16:creationId xmlns="" xmlns:a16="http://schemas.microsoft.com/office/drawing/2014/main" id="{0819F787-32B4-46A8-BC57-C6571BCEE243}"/>
               </a:ext>
               <a:ext uri="{C183D7F6-B498-43B3-948B-1728B52AA6E4}">
-                <adec:decorative xmlns:adec="http://schemas.microsoft.com/office/drawing/2017/decorative" xmlns="" val="1"/>
+                <adec:decorative xmlns="" xmlns:adec="http://schemas.microsoft.com/office/drawing/2017/decorative" val="1"/>
               </a:ext>
             </a:extLst>
           </p:cNvPr>
@@ -15877,7 +15877,7 @@
           <p:nvPr>
             <p:extLst>
               <p:ext uri="{386F3935-93C4-4BCD-93E2-E3B085C9AB24}">
-                <p16:designElem xmlns:p16="http://schemas.microsoft.com/office/powerpoint/2015/main" xmlns="" val="1"/>
+                <p16:designElem xmlns="" xmlns:p16="http://schemas.microsoft.com/office/powerpoint/2015/main" val="1"/>
               </p:ext>
             </p:extLst>
           </p:nvPr>
@@ -15942,10 +15942,10 @@
           <p:cNvPr id="28" name="Straight Connector 27">
             <a:extLst>
               <a:ext uri="{FF2B5EF4-FFF2-40B4-BE49-F238E27FC236}">
-                <a16:creationId xmlns:a16="http://schemas.microsoft.com/office/drawing/2014/main" xmlns="" id="{C5ECDEE1-7093-418F-9CF5-24EEB115C1C1}"/>
+                <a16:creationId xmlns="" xmlns:a16="http://schemas.microsoft.com/office/drawing/2014/main" id="{C5ECDEE1-7093-418F-9CF5-24EEB115C1C1}"/>
               </a:ext>
               <a:ext uri="{C183D7F6-B498-43B3-948B-1728B52AA6E4}">
-                <adec:decorative xmlns:adec="http://schemas.microsoft.com/office/drawing/2017/decorative" xmlns="" val="1"/>
+                <adec:decorative xmlns="" xmlns:adec="http://schemas.microsoft.com/office/drawing/2017/decorative" val="1"/>
               </a:ext>
             </a:extLst>
           </p:cNvPr>
@@ -15955,7 +15955,7 @@
           <p:nvPr>
             <p:extLst>
               <p:ext uri="{386F3935-93C4-4BCD-93E2-E3B085C9AB24}">
-                <p16:designElem xmlns:p16="http://schemas.microsoft.com/office/powerpoint/2015/main" xmlns="" val="1"/>
+                <p16:designElem xmlns="" xmlns:p16="http://schemas.microsoft.com/office/powerpoint/2015/main" val="1"/>
               </p:ext>
             </p:extLst>
           </p:nvPr>
@@ -15995,10 +15995,10 @@
           <p:cNvPr id="30" name="Straight Connector 29">
             <a:extLst>
               <a:ext uri="{FF2B5EF4-FFF2-40B4-BE49-F238E27FC236}">
-                <a16:creationId xmlns:a16="http://schemas.microsoft.com/office/drawing/2014/main" xmlns="" id="{045062AF-EB11-4651-BC4A-4DA21768DE8E}"/>
+                <a16:creationId xmlns="" xmlns:a16="http://schemas.microsoft.com/office/drawing/2014/main" id="{045062AF-EB11-4651-BC4A-4DA21768DE8E}"/>
               </a:ext>
               <a:ext uri="{C183D7F6-B498-43B3-948B-1728B52AA6E4}">
-                <adec:decorative xmlns:adec="http://schemas.microsoft.com/office/drawing/2017/decorative" xmlns="" val="1"/>
+                <adec:decorative xmlns="" xmlns:adec="http://schemas.microsoft.com/office/drawing/2017/decorative" val="1"/>
               </a:ext>
             </a:extLst>
           </p:cNvPr>
@@ -16008,7 +16008,7 @@
           <p:nvPr>
             <p:extLst>
               <p:ext uri="{386F3935-93C4-4BCD-93E2-E3B085C9AB24}">
-                <p16:designElem xmlns:p16="http://schemas.microsoft.com/office/powerpoint/2015/main" xmlns="" val="1"/>
+                <p16:designElem xmlns="" xmlns:p16="http://schemas.microsoft.com/office/powerpoint/2015/main" val="1"/>
               </p:ext>
             </p:extLst>
           </p:nvPr>
@@ -16047,7 +16047,7 @@
           <p:cNvPr id="3" name="Tytuł 1">
             <a:extLst>
               <a:ext uri="{FF2B5EF4-FFF2-40B4-BE49-F238E27FC236}">
-                <a16:creationId xmlns:a16="http://schemas.microsoft.com/office/drawing/2014/main" xmlns="" id="{5E35C810-131E-41A2-8782-357CEDF6392D}"/>
+                <a16:creationId xmlns="" xmlns:a16="http://schemas.microsoft.com/office/drawing/2014/main" id="{5E35C810-131E-41A2-8782-357CEDF6392D}"/>
               </a:ext>
             </a:extLst>
           </p:cNvPr>
@@ -16205,10 +16205,10 @@
           <p:cNvPr id="40" name="Rectangle 24">
             <a:extLst>
               <a:ext uri="{FF2B5EF4-FFF2-40B4-BE49-F238E27FC236}">
-                <a16:creationId xmlns:a16="http://schemas.microsoft.com/office/drawing/2014/main" xmlns="" id="{03E8462A-FEBA-4848-81CC-3F8DA3E477BE}"/>
+                <a16:creationId xmlns="" xmlns:a16="http://schemas.microsoft.com/office/drawing/2014/main" id="{03E8462A-FEBA-4848-81CC-3F8DA3E477BE}"/>
               </a:ext>
               <a:ext uri="{C183D7F6-B498-43B3-948B-1728B52AA6E4}">
-                <adec:decorative xmlns:adec="http://schemas.microsoft.com/office/drawing/2017/decorative" xmlns="" val="1"/>
+                <adec:decorative xmlns="" xmlns:adec="http://schemas.microsoft.com/office/drawing/2017/decorative" val="1"/>
               </a:ext>
             </a:extLst>
           </p:cNvPr>
@@ -16218,7 +16218,7 @@
           <p:nvPr>
             <p:extLst>
               <p:ext uri="{386F3935-93C4-4BCD-93E2-E3B085C9AB24}">
-                <p16:designElem xmlns:p16="http://schemas.microsoft.com/office/powerpoint/2015/main" xmlns="" val="1"/>
+                <p16:designElem xmlns="" xmlns:p16="http://schemas.microsoft.com/office/powerpoint/2015/main" val="1"/>
               </p:ext>
             </p:extLst>
           </p:nvPr>
@@ -16268,10 +16268,10 @@
           <p:cNvPr id="41" name="Group 26">
             <a:extLst>
               <a:ext uri="{FF2B5EF4-FFF2-40B4-BE49-F238E27FC236}">
-                <a16:creationId xmlns:a16="http://schemas.microsoft.com/office/drawing/2014/main" xmlns="" id="{2109F83F-40FE-4DB3-84CC-09FB3340D06D}"/>
+                <a16:creationId xmlns="" xmlns:a16="http://schemas.microsoft.com/office/drawing/2014/main" id="{2109F83F-40FE-4DB3-84CC-09FB3340D06D}"/>
               </a:ext>
               <a:ext uri="{C183D7F6-B498-43B3-948B-1728B52AA6E4}">
-                <adec:decorative xmlns:adec="http://schemas.microsoft.com/office/drawing/2017/decorative" xmlns="" val="1"/>
+                <adec:decorative xmlns="" xmlns:adec="http://schemas.microsoft.com/office/drawing/2017/decorative" val="1"/>
               </a:ext>
             </a:extLst>
           </p:cNvPr>
@@ -16281,7 +16281,7 @@
           <p:nvPr>
             <p:extLst>
               <p:ext uri="{386F3935-93C4-4BCD-93E2-E3B085C9AB24}">
-                <p16:designElem xmlns:p16="http://schemas.microsoft.com/office/powerpoint/2015/main" xmlns="" val="1"/>
+                <p16:designElem xmlns="" xmlns:p16="http://schemas.microsoft.com/office/powerpoint/2015/main" val="1"/>
               </p:ext>
             </p:extLst>
           </p:nvPr>
@@ -16299,10 +16299,10 @@
             <p:cNvPr id="28" name="Straight Connector 27">
               <a:extLst>
                 <a:ext uri="{FF2B5EF4-FFF2-40B4-BE49-F238E27FC236}">
-                  <a16:creationId xmlns:a16="http://schemas.microsoft.com/office/drawing/2014/main" xmlns="" id="{1DE492D7-C3C3-48FF-80C8-37021EA0262F}"/>
+                  <a16:creationId xmlns="" xmlns:a16="http://schemas.microsoft.com/office/drawing/2014/main" id="{1DE492D7-C3C3-48FF-80C8-37021EA0262F}"/>
                 </a:ext>
                 <a:ext uri="{C183D7F6-B498-43B3-948B-1728B52AA6E4}">
-                  <adec:decorative xmlns:adec="http://schemas.microsoft.com/office/drawing/2017/decorative" xmlns="" val="1"/>
+                  <adec:decorative xmlns="" xmlns:adec="http://schemas.microsoft.com/office/drawing/2017/decorative" val="1"/>
                 </a:ext>
               </a:extLst>
             </p:cNvPr>
@@ -16310,7 +16310,7 @@
             <p:nvPr>
               <p:extLst>
                 <p:ext uri="{386F3935-93C4-4BCD-93E2-E3B085C9AB24}">
-                  <p16:designElem xmlns:p16="http://schemas.microsoft.com/office/powerpoint/2015/main" xmlns="" val="1"/>
+                  <p16:designElem xmlns="" xmlns:p16="http://schemas.microsoft.com/office/powerpoint/2015/main" val="1"/>
                 </p:ext>
               </p:extLst>
             </p:nvPr>
@@ -16351,10 +16351,10 @@
             <p:cNvPr id="29" name="Rectangle 23">
               <a:extLst>
                 <a:ext uri="{FF2B5EF4-FFF2-40B4-BE49-F238E27FC236}">
-                  <a16:creationId xmlns:a16="http://schemas.microsoft.com/office/drawing/2014/main" xmlns="" id="{0B30FF97-2E9A-490A-AED2-90BA2E0EC17F}"/>
+                  <a16:creationId xmlns="" xmlns:a16="http://schemas.microsoft.com/office/drawing/2014/main" id="{0B30FF97-2E9A-490A-AED2-90BA2E0EC17F}"/>
                 </a:ext>
                 <a:ext uri="{C183D7F6-B498-43B3-948B-1728B52AA6E4}">
-                  <adec:decorative xmlns:adec="http://schemas.microsoft.com/office/drawing/2017/decorative" xmlns="" val="1"/>
+                  <adec:decorative xmlns="" xmlns:adec="http://schemas.microsoft.com/office/drawing/2017/decorative" val="1"/>
                 </a:ext>
               </a:extLst>
             </p:cNvPr>
@@ -16362,7 +16362,7 @@
             <p:nvPr>
               <p:extLst>
                 <p:ext uri="{386F3935-93C4-4BCD-93E2-E3B085C9AB24}">
-                  <p16:designElem xmlns:p16="http://schemas.microsoft.com/office/powerpoint/2015/main" xmlns="" val="1"/>
+                  <p16:designElem xmlns="" xmlns:p16="http://schemas.microsoft.com/office/powerpoint/2015/main" val="1"/>
                 </p:ext>
               </p:extLst>
             </p:nvPr>
@@ -16429,10 +16429,10 @@
             <p:cNvPr id="30" name="Rectangle 25">
               <a:extLst>
                 <a:ext uri="{FF2B5EF4-FFF2-40B4-BE49-F238E27FC236}">
-                  <a16:creationId xmlns:a16="http://schemas.microsoft.com/office/drawing/2014/main" xmlns="" id="{B6D53C7D-A312-47B6-A66A-230A19CFACA6}"/>
+                  <a16:creationId xmlns="" xmlns:a16="http://schemas.microsoft.com/office/drawing/2014/main" id="{B6D53C7D-A312-47B6-A66A-230A19CFACA6}"/>
                 </a:ext>
                 <a:ext uri="{C183D7F6-B498-43B3-948B-1728B52AA6E4}">
-                  <adec:decorative xmlns:adec="http://schemas.microsoft.com/office/drawing/2017/decorative" xmlns="" val="1"/>
+                  <adec:decorative xmlns="" xmlns:adec="http://schemas.microsoft.com/office/drawing/2017/decorative" val="1"/>
                 </a:ext>
               </a:extLst>
             </p:cNvPr>
@@ -16440,7 +16440,7 @@
             <p:nvPr>
               <p:extLst>
                 <p:ext uri="{386F3935-93C4-4BCD-93E2-E3B085C9AB24}">
-                  <p16:designElem xmlns:p16="http://schemas.microsoft.com/office/powerpoint/2015/main" xmlns="" val="1"/>
+                  <p16:designElem xmlns="" xmlns:p16="http://schemas.microsoft.com/office/powerpoint/2015/main" val="1"/>
                 </p:ext>
               </p:extLst>
             </p:nvPr>
@@ -16507,10 +16507,10 @@
             <p:cNvPr id="31" name="Isosceles Triangle 30">
               <a:extLst>
                 <a:ext uri="{FF2B5EF4-FFF2-40B4-BE49-F238E27FC236}">
-                  <a16:creationId xmlns:a16="http://schemas.microsoft.com/office/drawing/2014/main" xmlns="" id="{9329D58C-0D2E-4A2B-AD6A-9CEE506784A8}"/>
+                  <a16:creationId xmlns="" xmlns:a16="http://schemas.microsoft.com/office/drawing/2014/main" id="{9329D58C-0D2E-4A2B-AD6A-9CEE506784A8}"/>
                 </a:ext>
                 <a:ext uri="{C183D7F6-B498-43B3-948B-1728B52AA6E4}">
-                  <adec:decorative xmlns:adec="http://schemas.microsoft.com/office/drawing/2017/decorative" xmlns="" val="1"/>
+                  <adec:decorative xmlns="" xmlns:adec="http://schemas.microsoft.com/office/drawing/2017/decorative" val="1"/>
                 </a:ext>
               </a:extLst>
             </p:cNvPr>
@@ -16518,7 +16518,7 @@
             <p:nvPr>
               <p:extLst>
                 <p:ext uri="{386F3935-93C4-4BCD-93E2-E3B085C9AB24}">
-                  <p16:designElem xmlns:p16="http://schemas.microsoft.com/office/powerpoint/2015/main" xmlns="" val="1"/>
+                  <p16:designElem xmlns="" xmlns:p16="http://schemas.microsoft.com/office/powerpoint/2015/main" val="1"/>
                 </p:ext>
               </p:extLst>
             </p:nvPr>
@@ -16563,10 +16563,10 @@
             <p:cNvPr id="32" name="Rectangle 27">
               <a:extLst>
                 <a:ext uri="{FF2B5EF4-FFF2-40B4-BE49-F238E27FC236}">
-                  <a16:creationId xmlns:a16="http://schemas.microsoft.com/office/drawing/2014/main" xmlns="" id="{9D446EDE-C690-4461-8BF2-7634808FC8B4}"/>
+                  <a16:creationId xmlns="" xmlns:a16="http://schemas.microsoft.com/office/drawing/2014/main" id="{9D446EDE-C690-4461-8BF2-7634808FC8B4}"/>
                 </a:ext>
                 <a:ext uri="{C183D7F6-B498-43B3-948B-1728B52AA6E4}">
-                  <adec:decorative xmlns:adec="http://schemas.microsoft.com/office/drawing/2017/decorative" xmlns="" val="1"/>
+                  <adec:decorative xmlns="" xmlns:adec="http://schemas.microsoft.com/office/drawing/2017/decorative" val="1"/>
                 </a:ext>
               </a:extLst>
             </p:cNvPr>
@@ -16574,7 +16574,7 @@
             <p:nvPr>
               <p:extLst>
                 <p:ext uri="{386F3935-93C4-4BCD-93E2-E3B085C9AB24}">
-                  <p16:designElem xmlns:p16="http://schemas.microsoft.com/office/powerpoint/2015/main" xmlns="" val="1"/>
+                  <p16:designElem xmlns="" xmlns:p16="http://schemas.microsoft.com/office/powerpoint/2015/main" val="1"/>
                 </p:ext>
               </p:extLst>
             </p:nvPr>
@@ -16642,10 +16642,10 @@
             <p:cNvPr id="33" name="Rectangle 28">
               <a:extLst>
                 <a:ext uri="{FF2B5EF4-FFF2-40B4-BE49-F238E27FC236}">
-                  <a16:creationId xmlns:a16="http://schemas.microsoft.com/office/drawing/2014/main" xmlns="" id="{323F3D34-6531-4AD7-A8C6-195A090281A1}"/>
+                  <a16:creationId xmlns="" xmlns:a16="http://schemas.microsoft.com/office/drawing/2014/main" id="{323F3D34-6531-4AD7-A8C6-195A090281A1}"/>
                 </a:ext>
                 <a:ext uri="{C183D7F6-B498-43B3-948B-1728B52AA6E4}">
-                  <adec:decorative xmlns:adec="http://schemas.microsoft.com/office/drawing/2017/decorative" xmlns="" val="1"/>
+                  <adec:decorative xmlns="" xmlns:adec="http://schemas.microsoft.com/office/drawing/2017/decorative" val="1"/>
                 </a:ext>
               </a:extLst>
             </p:cNvPr>
@@ -16653,7 +16653,7 @@
             <p:nvPr>
               <p:extLst>
                 <p:ext uri="{386F3935-93C4-4BCD-93E2-E3B085C9AB24}">
-                  <p16:designElem xmlns:p16="http://schemas.microsoft.com/office/powerpoint/2015/main" xmlns="" val="1"/>
+                  <p16:designElem xmlns="" xmlns:p16="http://schemas.microsoft.com/office/powerpoint/2015/main" val="1"/>
                 </p:ext>
               </p:extLst>
             </p:nvPr>
@@ -16722,10 +16722,10 @@
             <p:cNvPr id="34" name="Rectangle 29">
               <a:extLst>
                 <a:ext uri="{FF2B5EF4-FFF2-40B4-BE49-F238E27FC236}">
-                  <a16:creationId xmlns:a16="http://schemas.microsoft.com/office/drawing/2014/main" xmlns="" id="{B9B0AE3F-2350-435F-A9B0-C310BF876385}"/>
+                  <a16:creationId xmlns="" xmlns:a16="http://schemas.microsoft.com/office/drawing/2014/main" id="{B9B0AE3F-2350-435F-A9B0-C310BF876385}"/>
                 </a:ext>
                 <a:ext uri="{C183D7F6-B498-43B3-948B-1728B52AA6E4}">
-                  <adec:decorative xmlns:adec="http://schemas.microsoft.com/office/drawing/2017/decorative" xmlns="" val="1"/>
+                  <adec:decorative xmlns="" xmlns:adec="http://schemas.microsoft.com/office/drawing/2017/decorative" val="1"/>
                 </a:ext>
               </a:extLst>
             </p:cNvPr>
@@ -16733,7 +16733,7 @@
             <p:nvPr>
               <p:extLst>
                 <p:ext uri="{386F3935-93C4-4BCD-93E2-E3B085C9AB24}">
-                  <p16:designElem xmlns:p16="http://schemas.microsoft.com/office/powerpoint/2015/main" xmlns="" val="1"/>
+                  <p16:designElem xmlns="" xmlns:p16="http://schemas.microsoft.com/office/powerpoint/2015/main" val="1"/>
                 </p:ext>
               </p:extLst>
             </p:nvPr>
@@ -16800,10 +16800,10 @@
             <p:cNvPr id="35" name="Isosceles Triangle 34">
               <a:extLst>
                 <a:ext uri="{FF2B5EF4-FFF2-40B4-BE49-F238E27FC236}">
-                  <a16:creationId xmlns:a16="http://schemas.microsoft.com/office/drawing/2014/main" xmlns="" id="{4EFA655C-9E50-4C14-A89E-AD7B648E4E2B}"/>
+                  <a16:creationId xmlns="" xmlns:a16="http://schemas.microsoft.com/office/drawing/2014/main" id="{4EFA655C-9E50-4C14-A89E-AD7B648E4E2B}"/>
                 </a:ext>
                 <a:ext uri="{C183D7F6-B498-43B3-948B-1728B52AA6E4}">
-                  <adec:decorative xmlns:adec="http://schemas.microsoft.com/office/drawing/2017/decorative" xmlns="" val="1"/>
+                  <adec:decorative xmlns="" xmlns:adec="http://schemas.microsoft.com/office/drawing/2017/decorative" val="1"/>
                 </a:ext>
               </a:extLst>
             </p:cNvPr>
@@ -16811,7 +16811,7 @@
             <p:nvPr>
               <p:extLst>
                 <p:ext uri="{386F3935-93C4-4BCD-93E2-E3B085C9AB24}">
-                  <p16:designElem xmlns:p16="http://schemas.microsoft.com/office/powerpoint/2015/main" xmlns="" val="1"/>
+                  <p16:designElem xmlns="" xmlns:p16="http://schemas.microsoft.com/office/powerpoint/2015/main" val="1"/>
                 </p:ext>
               </p:extLst>
             </p:nvPr>
@@ -16856,10 +16856,10 @@
             <p:cNvPr id="36" name="Isosceles Triangle 35">
               <a:extLst>
                 <a:ext uri="{FF2B5EF4-FFF2-40B4-BE49-F238E27FC236}">
-                  <a16:creationId xmlns:a16="http://schemas.microsoft.com/office/drawing/2014/main" xmlns="" id="{3E843863-7D25-4C01-9A17-E817CB6D998A}"/>
+                  <a16:creationId xmlns="" xmlns:a16="http://schemas.microsoft.com/office/drawing/2014/main" id="{3E843863-7D25-4C01-9A17-E817CB6D998A}"/>
                 </a:ext>
                 <a:ext uri="{C183D7F6-B498-43B3-948B-1728B52AA6E4}">
-                  <adec:decorative xmlns:adec="http://schemas.microsoft.com/office/drawing/2017/decorative" xmlns="" val="1"/>
+                  <adec:decorative xmlns="" xmlns:adec="http://schemas.microsoft.com/office/drawing/2017/decorative" val="1"/>
                 </a:ext>
               </a:extLst>
             </p:cNvPr>
@@ -16867,7 +16867,7 @@
             <p:nvPr>
               <p:extLst>
                 <p:ext uri="{386F3935-93C4-4BCD-93E2-E3B085C9AB24}">
-                  <p16:designElem xmlns:p16="http://schemas.microsoft.com/office/powerpoint/2015/main" xmlns="" val="1"/>
+                  <p16:designElem xmlns="" xmlns:p16="http://schemas.microsoft.com/office/powerpoint/2015/main" val="1"/>
                 </p:ext>
               </p:extLst>
             </p:nvPr>
@@ -16913,10 +16913,10 @@
           <p:cNvPr id="42" name="Rectangle 37">
             <a:extLst>
               <a:ext uri="{FF2B5EF4-FFF2-40B4-BE49-F238E27FC236}">
-                <a16:creationId xmlns:a16="http://schemas.microsoft.com/office/drawing/2014/main" xmlns="" id="{7941F9B1-B01B-4A84-89D9-B169AEB4E456}"/>
+                <a16:creationId xmlns="" xmlns:a16="http://schemas.microsoft.com/office/drawing/2014/main" id="{7941F9B1-B01B-4A84-89D9-B169AEB4E456}"/>
               </a:ext>
               <a:ext uri="{C183D7F6-B498-43B3-948B-1728B52AA6E4}">
-                <adec:decorative xmlns:adec="http://schemas.microsoft.com/office/drawing/2017/decorative" xmlns="" val="1"/>
+                <adec:decorative xmlns="" xmlns:adec="http://schemas.microsoft.com/office/drawing/2017/decorative" val="1"/>
               </a:ext>
             </a:extLst>
           </p:cNvPr>
@@ -16926,7 +16926,7 @@
           <p:nvPr>
             <p:extLst>
               <p:ext uri="{386F3935-93C4-4BCD-93E2-E3B085C9AB24}">
-                <p16:designElem xmlns:p16="http://schemas.microsoft.com/office/powerpoint/2015/main" xmlns="" val="1"/>
+                <p16:designElem xmlns="" xmlns:p16="http://schemas.microsoft.com/office/powerpoint/2015/main" val="1"/>
               </p:ext>
             </p:extLst>
           </p:nvPr>
@@ -16983,7 +16983,7 @@
           <p:cNvPr id="2" name="slide8">
             <a:extLst>
               <a:ext uri="{FF2B5EF4-FFF2-40B4-BE49-F238E27FC236}">
-                <a16:creationId xmlns:a16="http://schemas.microsoft.com/office/drawing/2014/main" xmlns="" id="{154487EC-8DEE-45FE-AE8D-DD8BFFA94C4A}"/>
+                <a16:creationId xmlns="" xmlns:a16="http://schemas.microsoft.com/office/drawing/2014/main" id="{154487EC-8DEE-45FE-AE8D-DD8BFFA94C4A}"/>
               </a:ext>
             </a:extLst>
           </p:cNvPr>
@@ -17057,10 +17057,10 @@
           <p:cNvPr id="8" name="Rectangle 7">
             <a:extLst>
               <a:ext uri="{FF2B5EF4-FFF2-40B4-BE49-F238E27FC236}">
-                <a16:creationId xmlns:a16="http://schemas.microsoft.com/office/drawing/2014/main" xmlns="" id="{7459C506-5F4B-4B75-9218-C7C3F87FA8D3}"/>
+                <a16:creationId xmlns="" xmlns:a16="http://schemas.microsoft.com/office/drawing/2014/main" id="{7459C506-5F4B-4B75-9218-C7C3F87FA8D3}"/>
               </a:ext>
               <a:ext uri="{C183D7F6-B498-43B3-948B-1728B52AA6E4}">
-                <adec:decorative xmlns:adec="http://schemas.microsoft.com/office/drawing/2017/decorative" xmlns="" val="1"/>
+                <adec:decorative xmlns="" xmlns:adec="http://schemas.microsoft.com/office/drawing/2017/decorative" val="1"/>
               </a:ext>
             </a:extLst>
           </p:cNvPr>
@@ -17070,7 +17070,7 @@
           <p:nvPr>
             <p:extLst>
               <p:ext uri="{386F3935-93C4-4BCD-93E2-E3B085C9AB24}">
-                <p16:designElem xmlns:p16="http://schemas.microsoft.com/office/powerpoint/2015/main" xmlns="" val="1"/>
+                <p16:designElem xmlns="" xmlns:p16="http://schemas.microsoft.com/office/powerpoint/2015/main" val="1"/>
               </p:ext>
             </p:extLst>
           </p:nvPr>
@@ -17117,10 +17117,10 @@
           <p:cNvPr id="10" name="Group 9">
             <a:extLst>
               <a:ext uri="{FF2B5EF4-FFF2-40B4-BE49-F238E27FC236}">
-                <a16:creationId xmlns:a16="http://schemas.microsoft.com/office/drawing/2014/main" xmlns="" id="{BC659EEB-C3AE-4544-8263-417009DCDF41}"/>
+                <a16:creationId xmlns="" xmlns:a16="http://schemas.microsoft.com/office/drawing/2014/main" id="{BC659EEB-C3AE-4544-8263-417009DCDF41}"/>
               </a:ext>
               <a:ext uri="{C183D7F6-B498-43B3-948B-1728B52AA6E4}">
-                <adec:decorative xmlns:adec="http://schemas.microsoft.com/office/drawing/2017/decorative" xmlns="" val="1"/>
+                <adec:decorative xmlns="" xmlns:adec="http://schemas.microsoft.com/office/drawing/2017/decorative" val="1"/>
               </a:ext>
             </a:extLst>
           </p:cNvPr>
@@ -17130,7 +17130,7 @@
           <p:nvPr>
             <p:extLst>
               <p:ext uri="{386F3935-93C4-4BCD-93E2-E3B085C9AB24}">
-                <p16:designElem xmlns:p16="http://schemas.microsoft.com/office/powerpoint/2015/main" xmlns="" val="1"/>
+                <p16:designElem xmlns="" xmlns:p16="http://schemas.microsoft.com/office/powerpoint/2015/main" val="1"/>
               </p:ext>
             </p:extLst>
           </p:nvPr>
@@ -17148,10 +17148,10 @@
             <p:cNvPr id="11" name="Straight Connector 10">
               <a:extLst>
                 <a:ext uri="{FF2B5EF4-FFF2-40B4-BE49-F238E27FC236}">
-                  <a16:creationId xmlns:a16="http://schemas.microsoft.com/office/drawing/2014/main" xmlns="" id="{D99DB6C6-36F9-4576-A558-95153EADBE41}"/>
+                  <a16:creationId xmlns="" xmlns:a16="http://schemas.microsoft.com/office/drawing/2014/main" id="{D99DB6C6-36F9-4576-A558-95153EADBE41}"/>
                 </a:ext>
                 <a:ext uri="{C183D7F6-B498-43B3-948B-1728B52AA6E4}">
-                  <adec:decorative xmlns:adec="http://schemas.microsoft.com/office/drawing/2017/decorative" xmlns="" val="1"/>
+                  <adec:decorative xmlns="" xmlns:adec="http://schemas.microsoft.com/office/drawing/2017/decorative" val="1"/>
                 </a:ext>
               </a:extLst>
             </p:cNvPr>
@@ -17159,7 +17159,7 @@
             <p:nvPr>
               <p:extLst>
                 <p:ext uri="{386F3935-93C4-4BCD-93E2-E3B085C9AB24}">
-                  <p16:designElem xmlns:p16="http://schemas.microsoft.com/office/powerpoint/2015/main" xmlns="" val="1"/>
+                  <p16:designElem xmlns="" xmlns:p16="http://schemas.microsoft.com/office/powerpoint/2015/main" val="1"/>
                 </p:ext>
               </p:extLst>
             </p:nvPr>
@@ -17200,10 +17200,10 @@
             <p:cNvPr id="12" name="Rectangle 23">
               <a:extLst>
                 <a:ext uri="{FF2B5EF4-FFF2-40B4-BE49-F238E27FC236}">
-                  <a16:creationId xmlns:a16="http://schemas.microsoft.com/office/drawing/2014/main" xmlns="" id="{694E7916-EDE4-4B50-A4A1-6B28FDD4D9B9}"/>
+                  <a16:creationId xmlns="" xmlns:a16="http://schemas.microsoft.com/office/drawing/2014/main" id="{694E7916-EDE4-4B50-A4A1-6B28FDD4D9B9}"/>
                 </a:ext>
                 <a:ext uri="{C183D7F6-B498-43B3-948B-1728B52AA6E4}">
-                  <adec:decorative xmlns:adec="http://schemas.microsoft.com/office/drawing/2017/decorative" xmlns="" val="1"/>
+                  <adec:decorative xmlns="" xmlns:adec="http://schemas.microsoft.com/office/drawing/2017/decorative" val="1"/>
                 </a:ext>
               </a:extLst>
             </p:cNvPr>
@@ -17211,7 +17211,7 @@
             <p:nvPr>
               <p:extLst>
                 <p:ext uri="{386F3935-93C4-4BCD-93E2-E3B085C9AB24}">
-                  <p16:designElem xmlns:p16="http://schemas.microsoft.com/office/powerpoint/2015/main" xmlns="" val="1"/>
+                  <p16:designElem xmlns="" xmlns:p16="http://schemas.microsoft.com/office/powerpoint/2015/main" val="1"/>
                 </p:ext>
               </p:extLst>
             </p:nvPr>
@@ -17278,10 +17278,10 @@
             <p:cNvPr id="13" name="Rectangle 25">
               <a:extLst>
                 <a:ext uri="{FF2B5EF4-FFF2-40B4-BE49-F238E27FC236}">
-                  <a16:creationId xmlns:a16="http://schemas.microsoft.com/office/drawing/2014/main" xmlns="" id="{6F6CB7BB-4370-4173-97F8-F636C0F149F1}"/>
+                  <a16:creationId xmlns="" xmlns:a16="http://schemas.microsoft.com/office/drawing/2014/main" id="{6F6CB7BB-4370-4173-97F8-F636C0F149F1}"/>
                 </a:ext>
                 <a:ext uri="{C183D7F6-B498-43B3-948B-1728B52AA6E4}">
-                  <adec:decorative xmlns:adec="http://schemas.microsoft.com/office/drawing/2017/decorative" xmlns="" val="1"/>
+                  <adec:decorative xmlns="" xmlns:adec="http://schemas.microsoft.com/office/drawing/2017/decorative" val="1"/>
                 </a:ext>
               </a:extLst>
             </p:cNvPr>
@@ -17289,7 +17289,7 @@
             <p:nvPr>
               <p:extLst>
                 <p:ext uri="{386F3935-93C4-4BCD-93E2-E3B085C9AB24}">
-                  <p16:designElem xmlns:p16="http://schemas.microsoft.com/office/powerpoint/2015/main" xmlns="" val="1"/>
+                  <p16:designElem xmlns="" xmlns:p16="http://schemas.microsoft.com/office/powerpoint/2015/main" val="1"/>
                 </p:ext>
               </p:extLst>
             </p:nvPr>
@@ -17356,10 +17356,10 @@
             <p:cNvPr id="14" name="Isosceles Triangle 13">
               <a:extLst>
                 <a:ext uri="{FF2B5EF4-FFF2-40B4-BE49-F238E27FC236}">
-                  <a16:creationId xmlns:a16="http://schemas.microsoft.com/office/drawing/2014/main" xmlns="" id="{B0F590BB-1F51-4138-A2D4-2E483C84FB07}"/>
+                  <a16:creationId xmlns="" xmlns:a16="http://schemas.microsoft.com/office/drawing/2014/main" id="{B0F590BB-1F51-4138-A2D4-2E483C84FB07}"/>
                 </a:ext>
                 <a:ext uri="{C183D7F6-B498-43B3-948B-1728B52AA6E4}">
-                  <adec:decorative xmlns:adec="http://schemas.microsoft.com/office/drawing/2017/decorative" xmlns="" val="1"/>
+                  <adec:decorative xmlns="" xmlns:adec="http://schemas.microsoft.com/office/drawing/2017/decorative" val="1"/>
                 </a:ext>
               </a:extLst>
             </p:cNvPr>
@@ -17367,7 +17367,7 @@
             <p:nvPr>
               <p:extLst>
                 <p:ext uri="{386F3935-93C4-4BCD-93E2-E3B085C9AB24}">
-                  <p16:designElem xmlns:p16="http://schemas.microsoft.com/office/powerpoint/2015/main" xmlns="" val="1"/>
+                  <p16:designElem xmlns="" xmlns:p16="http://schemas.microsoft.com/office/powerpoint/2015/main" val="1"/>
                 </p:ext>
               </p:extLst>
             </p:nvPr>
@@ -17412,10 +17412,10 @@
             <p:cNvPr id="15" name="Rectangle 27">
               <a:extLst>
                 <a:ext uri="{FF2B5EF4-FFF2-40B4-BE49-F238E27FC236}">
-                  <a16:creationId xmlns:a16="http://schemas.microsoft.com/office/drawing/2014/main" xmlns="" id="{4A492863-9797-45A2-BAB3-514F10C5F254}"/>
+                  <a16:creationId xmlns="" xmlns:a16="http://schemas.microsoft.com/office/drawing/2014/main" id="{4A492863-9797-45A2-BAB3-514F10C5F254}"/>
                 </a:ext>
                 <a:ext uri="{C183D7F6-B498-43B3-948B-1728B52AA6E4}">
-                  <adec:decorative xmlns:adec="http://schemas.microsoft.com/office/drawing/2017/decorative" xmlns="" val="1"/>
+                  <adec:decorative xmlns="" xmlns:adec="http://schemas.microsoft.com/office/drawing/2017/decorative" val="1"/>
                 </a:ext>
               </a:extLst>
             </p:cNvPr>
@@ -17423,7 +17423,7 @@
             <p:nvPr>
               <p:extLst>
                 <p:ext uri="{386F3935-93C4-4BCD-93E2-E3B085C9AB24}">
-                  <p16:designElem xmlns:p16="http://schemas.microsoft.com/office/powerpoint/2015/main" xmlns="" val="1"/>
+                  <p16:designElem xmlns="" xmlns:p16="http://schemas.microsoft.com/office/powerpoint/2015/main" val="1"/>
                 </p:ext>
               </p:extLst>
             </p:nvPr>
@@ -17491,10 +17491,10 @@
             <p:cNvPr id="16" name="Rectangle 28">
               <a:extLst>
                 <a:ext uri="{FF2B5EF4-FFF2-40B4-BE49-F238E27FC236}">
-                  <a16:creationId xmlns:a16="http://schemas.microsoft.com/office/drawing/2014/main" xmlns="" id="{7C1E33F6-6D0F-4ECF-92F4-6F71D8BAF3D9}"/>
+                  <a16:creationId xmlns="" xmlns:a16="http://schemas.microsoft.com/office/drawing/2014/main" id="{7C1E33F6-6D0F-4ECF-92F4-6F71D8BAF3D9}"/>
                 </a:ext>
                 <a:ext uri="{C183D7F6-B498-43B3-948B-1728B52AA6E4}">
-                  <adec:decorative xmlns:adec="http://schemas.microsoft.com/office/drawing/2017/decorative" xmlns="" val="1"/>
+                  <adec:decorative xmlns="" xmlns:adec="http://schemas.microsoft.com/office/drawing/2017/decorative" val="1"/>
                 </a:ext>
               </a:extLst>
             </p:cNvPr>
@@ -17502,7 +17502,7 @@
             <p:nvPr>
               <p:extLst>
                 <p:ext uri="{386F3935-93C4-4BCD-93E2-E3B085C9AB24}">
-                  <p16:designElem xmlns:p16="http://schemas.microsoft.com/office/powerpoint/2015/main" xmlns="" val="1"/>
+                  <p16:designElem xmlns="" xmlns:p16="http://schemas.microsoft.com/office/powerpoint/2015/main" val="1"/>
                 </p:ext>
               </p:extLst>
             </p:nvPr>
@@ -17571,10 +17571,10 @@
             <p:cNvPr id="17" name="Rectangle 29">
               <a:extLst>
                 <a:ext uri="{FF2B5EF4-FFF2-40B4-BE49-F238E27FC236}">
-                  <a16:creationId xmlns:a16="http://schemas.microsoft.com/office/drawing/2014/main" xmlns="" id="{73EEEA64-7411-474B-BD0E-60C24B3F4E56}"/>
+                  <a16:creationId xmlns="" xmlns:a16="http://schemas.microsoft.com/office/drawing/2014/main" id="{73EEEA64-7411-474B-BD0E-60C24B3F4E56}"/>
                 </a:ext>
                 <a:ext uri="{C183D7F6-B498-43B3-948B-1728B52AA6E4}">
-                  <adec:decorative xmlns:adec="http://schemas.microsoft.com/office/drawing/2017/decorative" xmlns="" val="1"/>
+                  <adec:decorative xmlns="" xmlns:adec="http://schemas.microsoft.com/office/drawing/2017/decorative" val="1"/>
                 </a:ext>
               </a:extLst>
             </p:cNvPr>
@@ -17582,7 +17582,7 @@
             <p:nvPr>
               <p:extLst>
                 <p:ext uri="{386F3935-93C4-4BCD-93E2-E3B085C9AB24}">
-                  <p16:designElem xmlns:p16="http://schemas.microsoft.com/office/powerpoint/2015/main" xmlns="" val="1"/>
+                  <p16:designElem xmlns="" xmlns:p16="http://schemas.microsoft.com/office/powerpoint/2015/main" val="1"/>
                 </p:ext>
               </p:extLst>
             </p:nvPr>
@@ -17649,10 +17649,10 @@
             <p:cNvPr id="18" name="Isosceles Triangle 17">
               <a:extLst>
                 <a:ext uri="{FF2B5EF4-FFF2-40B4-BE49-F238E27FC236}">
-                  <a16:creationId xmlns:a16="http://schemas.microsoft.com/office/drawing/2014/main" xmlns="" id="{4F82A6DD-92BB-4443-B5A5-05240DD5580E}"/>
+                  <a16:creationId xmlns="" xmlns:a16="http://schemas.microsoft.com/office/drawing/2014/main" id="{4F82A6DD-92BB-4443-B5A5-05240DD5580E}"/>
                 </a:ext>
                 <a:ext uri="{C183D7F6-B498-43B3-948B-1728B52AA6E4}">
-                  <adec:decorative xmlns:adec="http://schemas.microsoft.com/office/drawing/2017/decorative" xmlns="" val="1"/>
+                  <adec:decorative xmlns="" xmlns:adec="http://schemas.microsoft.com/office/drawing/2017/decorative" val="1"/>
                 </a:ext>
               </a:extLst>
             </p:cNvPr>
@@ -17660,7 +17660,7 @@
             <p:nvPr>
               <p:extLst>
                 <p:ext uri="{386F3935-93C4-4BCD-93E2-E3B085C9AB24}">
-                  <p16:designElem xmlns:p16="http://schemas.microsoft.com/office/powerpoint/2015/main" xmlns="" val="1"/>
+                  <p16:designElem xmlns="" xmlns:p16="http://schemas.microsoft.com/office/powerpoint/2015/main" val="1"/>
                 </p:ext>
               </p:extLst>
             </p:nvPr>
@@ -17705,10 +17705,10 @@
             <p:cNvPr id="19" name="Isosceles Triangle 18">
               <a:extLst>
                 <a:ext uri="{FF2B5EF4-FFF2-40B4-BE49-F238E27FC236}">
-                  <a16:creationId xmlns:a16="http://schemas.microsoft.com/office/drawing/2014/main" xmlns="" id="{79832BCB-1DCF-46AC-9FFA-170791668D8C}"/>
+                  <a16:creationId xmlns="" xmlns:a16="http://schemas.microsoft.com/office/drawing/2014/main" id="{79832BCB-1DCF-46AC-9FFA-170791668D8C}"/>
                 </a:ext>
                 <a:ext uri="{C183D7F6-B498-43B3-948B-1728B52AA6E4}">
-                  <adec:decorative xmlns:adec="http://schemas.microsoft.com/office/drawing/2017/decorative" xmlns="" val="1"/>
+                  <adec:decorative xmlns="" xmlns:adec="http://schemas.microsoft.com/office/drawing/2017/decorative" val="1"/>
                 </a:ext>
               </a:extLst>
             </p:cNvPr>
@@ -17716,7 +17716,7 @@
             <p:nvPr>
               <p:extLst>
                 <p:ext uri="{386F3935-93C4-4BCD-93E2-E3B085C9AB24}">
-                  <p16:designElem xmlns:p16="http://schemas.microsoft.com/office/powerpoint/2015/main" xmlns="" val="1"/>
+                  <p16:designElem xmlns="" xmlns:p16="http://schemas.microsoft.com/office/powerpoint/2015/main" val="1"/>
                 </p:ext>
               </p:extLst>
             </p:nvPr>
@@ -17762,10 +17762,10 @@
           <p:cNvPr id="21" name="Rectangle 20">
             <a:extLst>
               <a:ext uri="{FF2B5EF4-FFF2-40B4-BE49-F238E27FC236}">
-                <a16:creationId xmlns:a16="http://schemas.microsoft.com/office/drawing/2014/main" xmlns="" id="{4E74DA95-CD7A-4D5E-9D27-67A759CE708D}"/>
+                <a16:creationId xmlns="" xmlns:a16="http://schemas.microsoft.com/office/drawing/2014/main" id="{4E74DA95-CD7A-4D5E-9D27-67A759CE708D}"/>
               </a:ext>
               <a:ext uri="{C183D7F6-B498-43B3-948B-1728B52AA6E4}">
-                <adec:decorative xmlns:adec="http://schemas.microsoft.com/office/drawing/2017/decorative" xmlns="" val="1"/>
+                <adec:decorative xmlns="" xmlns:adec="http://schemas.microsoft.com/office/drawing/2017/decorative" val="1"/>
               </a:ext>
             </a:extLst>
           </p:cNvPr>
@@ -17775,7 +17775,7 @@
           <p:nvPr>
             <p:extLst>
               <p:ext uri="{386F3935-93C4-4BCD-93E2-E3B085C9AB24}">
-                <p16:designElem xmlns:p16="http://schemas.microsoft.com/office/powerpoint/2015/main" xmlns="" val="1"/>
+                <p16:designElem xmlns="" xmlns:p16="http://schemas.microsoft.com/office/powerpoint/2015/main" val="1"/>
               </p:ext>
             </p:extLst>
           </p:nvPr>
@@ -17824,7 +17824,7 @@
           <p:cNvPr id="2" name="slide4">
             <a:extLst>
               <a:ext uri="{FF2B5EF4-FFF2-40B4-BE49-F238E27FC236}">
-                <a16:creationId xmlns:a16="http://schemas.microsoft.com/office/drawing/2014/main" xmlns="" id="{BEC777A4-83C1-4621-BBEA-41AEF15FDF51}"/>
+                <a16:creationId xmlns="" xmlns:a16="http://schemas.microsoft.com/office/drawing/2014/main" id="{BEC777A4-83C1-4621-BBEA-41AEF15FDF51}"/>
               </a:ext>
             </a:extLst>
           </p:cNvPr>
@@ -17860,10 +17860,10 @@
           <p:cNvPr id="23" name="Straight Connector 22">
             <a:extLst>
               <a:ext uri="{FF2B5EF4-FFF2-40B4-BE49-F238E27FC236}">
-                <a16:creationId xmlns:a16="http://schemas.microsoft.com/office/drawing/2014/main" xmlns="" id="{14AA3B5C-0C55-4FFF-9C45-8F9F7C074A4E}"/>
+                <a16:creationId xmlns="" xmlns:a16="http://schemas.microsoft.com/office/drawing/2014/main" id="{14AA3B5C-0C55-4FFF-9C45-8F9F7C074A4E}"/>
               </a:ext>
               <a:ext uri="{C183D7F6-B498-43B3-948B-1728B52AA6E4}">
-                <adec:decorative xmlns:adec="http://schemas.microsoft.com/office/drawing/2017/decorative" xmlns="" val="1"/>
+                <adec:decorative xmlns="" xmlns:adec="http://schemas.microsoft.com/office/drawing/2017/decorative" val="1"/>
               </a:ext>
             </a:extLst>
           </p:cNvPr>
@@ -17873,7 +17873,7 @@
           <p:nvPr>
             <p:extLst>
               <p:ext uri="{386F3935-93C4-4BCD-93E2-E3B085C9AB24}">
-                <p16:designElem xmlns:p16="http://schemas.microsoft.com/office/powerpoint/2015/main" xmlns="" val="1"/>
+                <p16:designElem xmlns="" xmlns:p16="http://schemas.microsoft.com/office/powerpoint/2015/main" val="1"/>
               </p:ext>
             </p:extLst>
           </p:nvPr>
@@ -17907,7 +17907,7 @@
           <p:cNvPr id="3" name="slide5">
             <a:extLst>
               <a:ext uri="{FF2B5EF4-FFF2-40B4-BE49-F238E27FC236}">
-                <a16:creationId xmlns:a16="http://schemas.microsoft.com/office/drawing/2014/main" xmlns="" id="{00541EC6-A082-4062-8762-8B324F436D40}"/>
+                <a16:creationId xmlns="" xmlns:a16="http://schemas.microsoft.com/office/drawing/2014/main" id="{00541EC6-A082-4062-8762-8B324F436D40}"/>
               </a:ext>
             </a:extLst>
           </p:cNvPr>
@@ -17981,10 +17981,10 @@
           <p:cNvPr id="39" name="Rectangle 38">
             <a:extLst>
               <a:ext uri="{FF2B5EF4-FFF2-40B4-BE49-F238E27FC236}">
-                <a16:creationId xmlns:a16="http://schemas.microsoft.com/office/drawing/2014/main" xmlns="" id="{7459C506-5F4B-4B75-9218-C7C3F87FA8D3}"/>
+                <a16:creationId xmlns="" xmlns:a16="http://schemas.microsoft.com/office/drawing/2014/main" id="{7459C506-5F4B-4B75-9218-C7C3F87FA8D3}"/>
               </a:ext>
               <a:ext uri="{C183D7F6-B498-43B3-948B-1728B52AA6E4}">
-                <adec:decorative xmlns:adec="http://schemas.microsoft.com/office/drawing/2017/decorative" xmlns="" val="1"/>
+                <adec:decorative xmlns="" xmlns:adec="http://schemas.microsoft.com/office/drawing/2017/decorative" val="1"/>
               </a:ext>
             </a:extLst>
           </p:cNvPr>
@@ -17994,7 +17994,7 @@
           <p:nvPr>
             <p:extLst>
               <p:ext uri="{386F3935-93C4-4BCD-93E2-E3B085C9AB24}">
-                <p16:designElem xmlns:p16="http://schemas.microsoft.com/office/powerpoint/2015/main" xmlns="" val="1"/>
+                <p16:designElem xmlns="" xmlns:p16="http://schemas.microsoft.com/office/powerpoint/2015/main" val="1"/>
               </p:ext>
             </p:extLst>
           </p:nvPr>
@@ -18041,10 +18041,10 @@
           <p:cNvPr id="41" name="Group 40">
             <a:extLst>
               <a:ext uri="{FF2B5EF4-FFF2-40B4-BE49-F238E27FC236}">
-                <a16:creationId xmlns:a16="http://schemas.microsoft.com/office/drawing/2014/main" xmlns="" id="{BC659EEB-C3AE-4544-8263-417009DCDF41}"/>
+                <a16:creationId xmlns="" xmlns:a16="http://schemas.microsoft.com/office/drawing/2014/main" id="{BC659EEB-C3AE-4544-8263-417009DCDF41}"/>
               </a:ext>
               <a:ext uri="{C183D7F6-B498-43B3-948B-1728B52AA6E4}">
-                <adec:decorative xmlns:adec="http://schemas.microsoft.com/office/drawing/2017/decorative" xmlns="" val="1"/>
+                <adec:decorative xmlns="" xmlns:adec="http://schemas.microsoft.com/office/drawing/2017/decorative" val="1"/>
               </a:ext>
             </a:extLst>
           </p:cNvPr>
@@ -18054,7 +18054,7 @@
           <p:nvPr>
             <p:extLst>
               <p:ext uri="{386F3935-93C4-4BCD-93E2-E3B085C9AB24}">
-                <p16:designElem xmlns:p16="http://schemas.microsoft.com/office/powerpoint/2015/main" xmlns="" val="1"/>
+                <p16:designElem xmlns="" xmlns:p16="http://schemas.microsoft.com/office/powerpoint/2015/main" val="1"/>
               </p:ext>
             </p:extLst>
           </p:nvPr>
@@ -18072,10 +18072,10 @@
             <p:cNvPr id="42" name="Straight Connector 41">
               <a:extLst>
                 <a:ext uri="{FF2B5EF4-FFF2-40B4-BE49-F238E27FC236}">
-                  <a16:creationId xmlns:a16="http://schemas.microsoft.com/office/drawing/2014/main" xmlns="" id="{D99DB6C6-36F9-4576-A558-95153EADBE41}"/>
+                  <a16:creationId xmlns="" xmlns:a16="http://schemas.microsoft.com/office/drawing/2014/main" id="{D99DB6C6-36F9-4576-A558-95153EADBE41}"/>
                 </a:ext>
                 <a:ext uri="{C183D7F6-B498-43B3-948B-1728B52AA6E4}">
-                  <adec:decorative xmlns:adec="http://schemas.microsoft.com/office/drawing/2017/decorative" xmlns="" val="1"/>
+                  <adec:decorative xmlns="" xmlns:adec="http://schemas.microsoft.com/office/drawing/2017/decorative" val="1"/>
                 </a:ext>
               </a:extLst>
             </p:cNvPr>
@@ -18083,7 +18083,7 @@
             <p:nvPr>
               <p:extLst>
                 <p:ext uri="{386F3935-93C4-4BCD-93E2-E3B085C9AB24}">
-                  <p16:designElem xmlns:p16="http://schemas.microsoft.com/office/powerpoint/2015/main" xmlns="" val="1"/>
+                  <p16:designElem xmlns="" xmlns:p16="http://schemas.microsoft.com/office/powerpoint/2015/main" val="1"/>
                 </p:ext>
               </p:extLst>
             </p:nvPr>
@@ -18124,10 +18124,10 @@
             <p:cNvPr id="43" name="Rectangle 23">
               <a:extLst>
                 <a:ext uri="{FF2B5EF4-FFF2-40B4-BE49-F238E27FC236}">
-                  <a16:creationId xmlns:a16="http://schemas.microsoft.com/office/drawing/2014/main" xmlns="" id="{694E7916-EDE4-4B50-A4A1-6B28FDD4D9B9}"/>
+                  <a16:creationId xmlns="" xmlns:a16="http://schemas.microsoft.com/office/drawing/2014/main" id="{694E7916-EDE4-4B50-A4A1-6B28FDD4D9B9}"/>
                 </a:ext>
                 <a:ext uri="{C183D7F6-B498-43B3-948B-1728B52AA6E4}">
-                  <adec:decorative xmlns:adec="http://schemas.microsoft.com/office/drawing/2017/decorative" xmlns="" val="1"/>
+                  <adec:decorative xmlns="" xmlns:adec="http://schemas.microsoft.com/office/drawing/2017/decorative" val="1"/>
                 </a:ext>
               </a:extLst>
             </p:cNvPr>
@@ -18135,7 +18135,7 @@
             <p:nvPr>
               <p:extLst>
                 <p:ext uri="{386F3935-93C4-4BCD-93E2-E3B085C9AB24}">
-                  <p16:designElem xmlns:p16="http://schemas.microsoft.com/office/powerpoint/2015/main" xmlns="" val="1"/>
+                  <p16:designElem xmlns="" xmlns:p16="http://schemas.microsoft.com/office/powerpoint/2015/main" val="1"/>
                 </p:ext>
               </p:extLst>
             </p:nvPr>
@@ -18202,10 +18202,10 @@
             <p:cNvPr id="44" name="Rectangle 25">
               <a:extLst>
                 <a:ext uri="{FF2B5EF4-FFF2-40B4-BE49-F238E27FC236}">
-                  <a16:creationId xmlns:a16="http://schemas.microsoft.com/office/drawing/2014/main" xmlns="" id="{6F6CB7BB-4370-4173-97F8-F636C0F149F1}"/>
+                  <a16:creationId xmlns="" xmlns:a16="http://schemas.microsoft.com/office/drawing/2014/main" id="{6F6CB7BB-4370-4173-97F8-F636C0F149F1}"/>
                 </a:ext>
                 <a:ext uri="{C183D7F6-B498-43B3-948B-1728B52AA6E4}">
-                  <adec:decorative xmlns:adec="http://schemas.microsoft.com/office/drawing/2017/decorative" xmlns="" val="1"/>
+                  <adec:decorative xmlns="" xmlns:adec="http://schemas.microsoft.com/office/drawing/2017/decorative" val="1"/>
                 </a:ext>
               </a:extLst>
             </p:cNvPr>
@@ -18213,7 +18213,7 @@
             <p:nvPr>
               <p:extLst>
                 <p:ext uri="{386F3935-93C4-4BCD-93E2-E3B085C9AB24}">
-                  <p16:designElem xmlns:p16="http://schemas.microsoft.com/office/powerpoint/2015/main" xmlns="" val="1"/>
+                  <p16:designElem xmlns="" xmlns:p16="http://schemas.microsoft.com/office/powerpoint/2015/main" val="1"/>
                 </p:ext>
               </p:extLst>
             </p:nvPr>
@@ -18280,10 +18280,10 @@
             <p:cNvPr id="45" name="Isosceles Triangle 44">
               <a:extLst>
                 <a:ext uri="{FF2B5EF4-FFF2-40B4-BE49-F238E27FC236}">
-                  <a16:creationId xmlns:a16="http://schemas.microsoft.com/office/drawing/2014/main" xmlns="" id="{B0F590BB-1F51-4138-A2D4-2E483C84FB07}"/>
+                  <a16:creationId xmlns="" xmlns:a16="http://schemas.microsoft.com/office/drawing/2014/main" id="{B0F590BB-1F51-4138-A2D4-2E483C84FB07}"/>
                 </a:ext>
                 <a:ext uri="{C183D7F6-B498-43B3-948B-1728B52AA6E4}">
-                  <adec:decorative xmlns:adec="http://schemas.microsoft.com/office/drawing/2017/decorative" xmlns="" val="1"/>
+                  <adec:decorative xmlns="" xmlns:adec="http://schemas.microsoft.com/office/drawing/2017/decorative" val="1"/>
                 </a:ext>
               </a:extLst>
             </p:cNvPr>
@@ -18291,7 +18291,7 @@
             <p:nvPr>
               <p:extLst>
                 <p:ext uri="{386F3935-93C4-4BCD-93E2-E3B085C9AB24}">
-                  <p16:designElem xmlns:p16="http://schemas.microsoft.com/office/powerpoint/2015/main" xmlns="" val="1"/>
+                  <p16:designElem xmlns="" xmlns:p16="http://schemas.microsoft.com/office/powerpoint/2015/main" val="1"/>
                 </p:ext>
               </p:extLst>
             </p:nvPr>
@@ -18336,10 +18336,10 @@
             <p:cNvPr id="46" name="Rectangle 27">
               <a:extLst>
                 <a:ext uri="{FF2B5EF4-FFF2-40B4-BE49-F238E27FC236}">
-                  <a16:creationId xmlns:a16="http://schemas.microsoft.com/office/drawing/2014/main" xmlns="" id="{4A492863-9797-45A2-BAB3-514F10C5F254}"/>
+                  <a16:creationId xmlns="" xmlns:a16="http://schemas.microsoft.com/office/drawing/2014/main" id="{4A492863-9797-45A2-BAB3-514F10C5F254}"/>
                 </a:ext>
                 <a:ext uri="{C183D7F6-B498-43B3-948B-1728B52AA6E4}">
-                  <adec:decorative xmlns:adec="http://schemas.microsoft.com/office/drawing/2017/decorative" xmlns="" val="1"/>
+                  <adec:decorative xmlns="" xmlns:adec="http://schemas.microsoft.com/office/drawing/2017/decorative" val="1"/>
                 </a:ext>
               </a:extLst>
             </p:cNvPr>
@@ -18347,7 +18347,7 @@
             <p:nvPr>
               <p:extLst>
                 <p:ext uri="{386F3935-93C4-4BCD-93E2-E3B085C9AB24}">
-                  <p16:designElem xmlns:p16="http://schemas.microsoft.com/office/powerpoint/2015/main" xmlns="" val="1"/>
+                  <p16:designElem xmlns="" xmlns:p16="http://schemas.microsoft.com/office/powerpoint/2015/main" val="1"/>
                 </p:ext>
               </p:extLst>
             </p:nvPr>
@@ -18415,10 +18415,10 @@
             <p:cNvPr id="47" name="Rectangle 28">
               <a:extLst>
                 <a:ext uri="{FF2B5EF4-FFF2-40B4-BE49-F238E27FC236}">
-                  <a16:creationId xmlns:a16="http://schemas.microsoft.com/office/drawing/2014/main" xmlns="" id="{7C1E33F6-6D0F-4ECF-92F4-6F71D8BAF3D9}"/>
+                  <a16:creationId xmlns="" xmlns:a16="http://schemas.microsoft.com/office/drawing/2014/main" id="{7C1E33F6-6D0F-4ECF-92F4-6F71D8BAF3D9}"/>
                 </a:ext>
                 <a:ext uri="{C183D7F6-B498-43B3-948B-1728B52AA6E4}">
-                  <adec:decorative xmlns:adec="http://schemas.microsoft.com/office/drawing/2017/decorative" xmlns="" val="1"/>
+                  <adec:decorative xmlns="" xmlns:adec="http://schemas.microsoft.com/office/drawing/2017/decorative" val="1"/>
                 </a:ext>
               </a:extLst>
             </p:cNvPr>
@@ -18426,7 +18426,7 @@
             <p:nvPr>
               <p:extLst>
                 <p:ext uri="{386F3935-93C4-4BCD-93E2-E3B085C9AB24}">
-                  <p16:designElem xmlns:p16="http://schemas.microsoft.com/office/powerpoint/2015/main" xmlns="" val="1"/>
+                  <p16:designElem xmlns="" xmlns:p16="http://schemas.microsoft.com/office/powerpoint/2015/main" val="1"/>
                 </p:ext>
               </p:extLst>
             </p:nvPr>
@@ -18495,10 +18495,10 @@
             <p:cNvPr id="48" name="Rectangle 29">
               <a:extLst>
                 <a:ext uri="{FF2B5EF4-FFF2-40B4-BE49-F238E27FC236}">
-                  <a16:creationId xmlns:a16="http://schemas.microsoft.com/office/drawing/2014/main" xmlns="" id="{73EEEA64-7411-474B-BD0E-60C24B3F4E56}"/>
+                  <a16:creationId xmlns="" xmlns:a16="http://schemas.microsoft.com/office/drawing/2014/main" id="{73EEEA64-7411-474B-BD0E-60C24B3F4E56}"/>
                 </a:ext>
                 <a:ext uri="{C183D7F6-B498-43B3-948B-1728B52AA6E4}">
-                  <adec:decorative xmlns:adec="http://schemas.microsoft.com/office/drawing/2017/decorative" xmlns="" val="1"/>
+                  <adec:decorative xmlns="" xmlns:adec="http://schemas.microsoft.com/office/drawing/2017/decorative" val="1"/>
                 </a:ext>
               </a:extLst>
             </p:cNvPr>
@@ -18506,7 +18506,7 @@
             <p:nvPr>
               <p:extLst>
                 <p:ext uri="{386F3935-93C4-4BCD-93E2-E3B085C9AB24}">
-                  <p16:designElem xmlns:p16="http://schemas.microsoft.com/office/powerpoint/2015/main" xmlns="" val="1"/>
+                  <p16:designElem xmlns="" xmlns:p16="http://schemas.microsoft.com/office/powerpoint/2015/main" val="1"/>
                 </p:ext>
               </p:extLst>
             </p:nvPr>
@@ -18573,10 +18573,10 @@
             <p:cNvPr id="49" name="Isosceles Triangle 48">
               <a:extLst>
                 <a:ext uri="{FF2B5EF4-FFF2-40B4-BE49-F238E27FC236}">
-                  <a16:creationId xmlns:a16="http://schemas.microsoft.com/office/drawing/2014/main" xmlns="" id="{4F82A6DD-92BB-4443-B5A5-05240DD5580E}"/>
+                  <a16:creationId xmlns="" xmlns:a16="http://schemas.microsoft.com/office/drawing/2014/main" id="{4F82A6DD-92BB-4443-B5A5-05240DD5580E}"/>
                 </a:ext>
                 <a:ext uri="{C183D7F6-B498-43B3-948B-1728B52AA6E4}">
-                  <adec:decorative xmlns:adec="http://schemas.microsoft.com/office/drawing/2017/decorative" xmlns="" val="1"/>
+                  <adec:decorative xmlns="" xmlns:adec="http://schemas.microsoft.com/office/drawing/2017/decorative" val="1"/>
                 </a:ext>
               </a:extLst>
             </p:cNvPr>
@@ -18584,7 +18584,7 @@
             <p:nvPr>
               <p:extLst>
                 <p:ext uri="{386F3935-93C4-4BCD-93E2-E3B085C9AB24}">
-                  <p16:designElem xmlns:p16="http://schemas.microsoft.com/office/powerpoint/2015/main" xmlns="" val="1"/>
+                  <p16:designElem xmlns="" xmlns:p16="http://schemas.microsoft.com/office/powerpoint/2015/main" val="1"/>
                 </p:ext>
               </p:extLst>
             </p:nvPr>
@@ -18629,10 +18629,10 @@
             <p:cNvPr id="50" name="Isosceles Triangle 49">
               <a:extLst>
                 <a:ext uri="{FF2B5EF4-FFF2-40B4-BE49-F238E27FC236}">
-                  <a16:creationId xmlns:a16="http://schemas.microsoft.com/office/drawing/2014/main" xmlns="" id="{79832BCB-1DCF-46AC-9FFA-170791668D8C}"/>
+                  <a16:creationId xmlns="" xmlns:a16="http://schemas.microsoft.com/office/drawing/2014/main" id="{79832BCB-1DCF-46AC-9FFA-170791668D8C}"/>
                 </a:ext>
                 <a:ext uri="{C183D7F6-B498-43B3-948B-1728B52AA6E4}">
-                  <adec:decorative xmlns:adec="http://schemas.microsoft.com/office/drawing/2017/decorative" xmlns="" val="1"/>
+                  <adec:decorative xmlns="" xmlns:adec="http://schemas.microsoft.com/office/drawing/2017/decorative" val="1"/>
                 </a:ext>
               </a:extLst>
             </p:cNvPr>
@@ -18640,7 +18640,7 @@
             <p:nvPr>
               <p:extLst>
                 <p:ext uri="{386F3935-93C4-4BCD-93E2-E3B085C9AB24}">
-                  <p16:designElem xmlns:p16="http://schemas.microsoft.com/office/powerpoint/2015/main" xmlns="" val="1"/>
+                  <p16:designElem xmlns="" xmlns:p16="http://schemas.microsoft.com/office/powerpoint/2015/main" val="1"/>
                 </p:ext>
               </p:extLst>
             </p:nvPr>
@@ -18686,10 +18686,10 @@
           <p:cNvPr id="52" name="Rectangle 51">
             <a:extLst>
               <a:ext uri="{FF2B5EF4-FFF2-40B4-BE49-F238E27FC236}">
-                <a16:creationId xmlns:a16="http://schemas.microsoft.com/office/drawing/2014/main" xmlns="" id="{4E74DA95-CD7A-4D5E-9D27-67A759CE708D}"/>
+                <a16:creationId xmlns="" xmlns:a16="http://schemas.microsoft.com/office/drawing/2014/main" id="{4E74DA95-CD7A-4D5E-9D27-67A759CE708D}"/>
               </a:ext>
               <a:ext uri="{C183D7F6-B498-43B3-948B-1728B52AA6E4}">
-                <adec:decorative xmlns:adec="http://schemas.microsoft.com/office/drawing/2017/decorative" xmlns="" val="1"/>
+                <adec:decorative xmlns="" xmlns:adec="http://schemas.microsoft.com/office/drawing/2017/decorative" val="1"/>
               </a:ext>
             </a:extLst>
           </p:cNvPr>
@@ -18699,7 +18699,7 @@
           <p:nvPr>
             <p:extLst>
               <p:ext uri="{386F3935-93C4-4BCD-93E2-E3B085C9AB24}">
-                <p16:designElem xmlns:p16="http://schemas.microsoft.com/office/powerpoint/2015/main" xmlns="" val="1"/>
+                <p16:designElem xmlns="" xmlns:p16="http://schemas.microsoft.com/office/powerpoint/2015/main" val="1"/>
               </p:ext>
             </p:extLst>
           </p:nvPr>
@@ -18748,7 +18748,7 @@
           <p:cNvPr id="5" name="slide6">
             <a:extLst>
               <a:ext uri="{FF2B5EF4-FFF2-40B4-BE49-F238E27FC236}">
-                <a16:creationId xmlns:a16="http://schemas.microsoft.com/office/drawing/2014/main" xmlns="" id="{68F416CC-D521-4273-BF3E-FA6181F163CC}"/>
+                <a16:creationId xmlns="" xmlns:a16="http://schemas.microsoft.com/office/drawing/2014/main" id="{68F416CC-D521-4273-BF3E-FA6181F163CC}"/>
               </a:ext>
             </a:extLst>
           </p:cNvPr>
@@ -18784,10 +18784,10 @@
           <p:cNvPr id="54" name="Straight Connector 53">
             <a:extLst>
               <a:ext uri="{FF2B5EF4-FFF2-40B4-BE49-F238E27FC236}">
-                <a16:creationId xmlns:a16="http://schemas.microsoft.com/office/drawing/2014/main" xmlns="" id="{14AA3B5C-0C55-4FFF-9C45-8F9F7C074A4E}"/>
+                <a16:creationId xmlns="" xmlns:a16="http://schemas.microsoft.com/office/drawing/2014/main" id="{14AA3B5C-0C55-4FFF-9C45-8F9F7C074A4E}"/>
               </a:ext>
               <a:ext uri="{C183D7F6-B498-43B3-948B-1728B52AA6E4}">
-                <adec:decorative xmlns:adec="http://schemas.microsoft.com/office/drawing/2017/decorative" xmlns="" val="1"/>
+                <adec:decorative xmlns="" xmlns:adec="http://schemas.microsoft.com/office/drawing/2017/decorative" val="1"/>
               </a:ext>
             </a:extLst>
           </p:cNvPr>
@@ -18797,7 +18797,7 @@
           <p:nvPr>
             <p:extLst>
               <p:ext uri="{386F3935-93C4-4BCD-93E2-E3B085C9AB24}">
-                <p16:designElem xmlns:p16="http://schemas.microsoft.com/office/powerpoint/2015/main" xmlns="" val="1"/>
+                <p16:designElem xmlns="" xmlns:p16="http://schemas.microsoft.com/office/powerpoint/2015/main" val="1"/>
               </p:ext>
             </p:extLst>
           </p:nvPr>
@@ -18831,7 +18831,7 @@
           <p:cNvPr id="2" name="slide3">
             <a:extLst>
               <a:ext uri="{FF2B5EF4-FFF2-40B4-BE49-F238E27FC236}">
-                <a16:creationId xmlns:a16="http://schemas.microsoft.com/office/drawing/2014/main" xmlns="" id="{66226FF5-3052-4B87-B290-DF5322CE9FA9}"/>
+                <a16:creationId xmlns="" xmlns:a16="http://schemas.microsoft.com/office/drawing/2014/main" id="{66226FF5-3052-4B87-B290-DF5322CE9FA9}"/>
               </a:ext>
             </a:extLst>
           </p:cNvPr>
@@ -18905,10 +18905,10 @@
           <p:cNvPr id="7" name="Rectangle 6">
             <a:extLst>
               <a:ext uri="{FF2B5EF4-FFF2-40B4-BE49-F238E27FC236}">
-                <a16:creationId xmlns:a16="http://schemas.microsoft.com/office/drawing/2014/main" xmlns="" id="{03E8462A-FEBA-4848-81CC-3F8DA3E477BE}"/>
+                <a16:creationId xmlns="" xmlns:a16="http://schemas.microsoft.com/office/drawing/2014/main" id="{03E8462A-FEBA-4848-81CC-3F8DA3E477BE}"/>
               </a:ext>
               <a:ext uri="{C183D7F6-B498-43B3-948B-1728B52AA6E4}">
-                <adec:decorative xmlns:adec="http://schemas.microsoft.com/office/drawing/2017/decorative" xmlns="" val="1"/>
+                <adec:decorative xmlns="" xmlns:adec="http://schemas.microsoft.com/office/drawing/2017/decorative" val="1"/>
               </a:ext>
             </a:extLst>
           </p:cNvPr>
@@ -18918,7 +18918,7 @@
           <p:nvPr>
             <p:extLst>
               <p:ext uri="{386F3935-93C4-4BCD-93E2-E3B085C9AB24}">
-                <p16:designElem xmlns:p16="http://schemas.microsoft.com/office/powerpoint/2015/main" xmlns="" val="1"/>
+                <p16:designElem xmlns="" xmlns:p16="http://schemas.microsoft.com/office/powerpoint/2015/main" val="1"/>
               </p:ext>
             </p:extLst>
           </p:nvPr>
@@ -18968,10 +18968,10 @@
           <p:cNvPr id="9" name="Group 8">
             <a:extLst>
               <a:ext uri="{FF2B5EF4-FFF2-40B4-BE49-F238E27FC236}">
-                <a16:creationId xmlns:a16="http://schemas.microsoft.com/office/drawing/2014/main" xmlns="" id="{2109F83F-40FE-4DB3-84CC-09FB3340D06D}"/>
+                <a16:creationId xmlns="" xmlns:a16="http://schemas.microsoft.com/office/drawing/2014/main" id="{2109F83F-40FE-4DB3-84CC-09FB3340D06D}"/>
               </a:ext>
               <a:ext uri="{C183D7F6-B498-43B3-948B-1728B52AA6E4}">
-                <adec:decorative xmlns:adec="http://schemas.microsoft.com/office/drawing/2017/decorative" xmlns="" val="1"/>
+                <adec:decorative xmlns="" xmlns:adec="http://schemas.microsoft.com/office/drawing/2017/decorative" val="1"/>
               </a:ext>
             </a:extLst>
           </p:cNvPr>
@@ -18981,7 +18981,7 @@
           <p:nvPr>
             <p:extLst>
               <p:ext uri="{386F3935-93C4-4BCD-93E2-E3B085C9AB24}">
-                <p16:designElem xmlns:p16="http://schemas.microsoft.com/office/powerpoint/2015/main" xmlns="" val="1"/>
+                <p16:designElem xmlns="" xmlns:p16="http://schemas.microsoft.com/office/powerpoint/2015/main" val="1"/>
               </p:ext>
             </p:extLst>
           </p:nvPr>
@@ -18999,10 +18999,10 @@
             <p:cNvPr id="10" name="Straight Connector 9">
               <a:extLst>
                 <a:ext uri="{FF2B5EF4-FFF2-40B4-BE49-F238E27FC236}">
-                  <a16:creationId xmlns:a16="http://schemas.microsoft.com/office/drawing/2014/main" xmlns="" id="{1DE492D7-C3C3-48FF-80C8-37021EA0262F}"/>
+                  <a16:creationId xmlns="" xmlns:a16="http://schemas.microsoft.com/office/drawing/2014/main" id="{1DE492D7-C3C3-48FF-80C8-37021EA0262F}"/>
                 </a:ext>
                 <a:ext uri="{C183D7F6-B498-43B3-948B-1728B52AA6E4}">
-                  <adec:decorative xmlns:adec="http://schemas.microsoft.com/office/drawing/2017/decorative" xmlns="" val="1"/>
+                  <adec:decorative xmlns="" xmlns:adec="http://schemas.microsoft.com/office/drawing/2017/decorative" val="1"/>
                 </a:ext>
               </a:extLst>
             </p:cNvPr>
@@ -19010,7 +19010,7 @@
             <p:nvPr>
               <p:extLst>
                 <p:ext uri="{386F3935-93C4-4BCD-93E2-E3B085C9AB24}">
-                  <p16:designElem xmlns:p16="http://schemas.microsoft.com/office/powerpoint/2015/main" xmlns="" val="1"/>
+                  <p16:designElem xmlns="" xmlns:p16="http://schemas.microsoft.com/office/powerpoint/2015/main" val="1"/>
                 </p:ext>
               </p:extLst>
             </p:nvPr>
@@ -19051,10 +19051,10 @@
             <p:cNvPr id="11" name="Rectangle 23">
               <a:extLst>
                 <a:ext uri="{FF2B5EF4-FFF2-40B4-BE49-F238E27FC236}">
-                  <a16:creationId xmlns:a16="http://schemas.microsoft.com/office/drawing/2014/main" xmlns="" id="{0B30FF97-2E9A-490A-AED2-90BA2E0EC17F}"/>
+                  <a16:creationId xmlns="" xmlns:a16="http://schemas.microsoft.com/office/drawing/2014/main" id="{0B30FF97-2E9A-490A-AED2-90BA2E0EC17F}"/>
                 </a:ext>
                 <a:ext uri="{C183D7F6-B498-43B3-948B-1728B52AA6E4}">
-                  <adec:decorative xmlns:adec="http://schemas.microsoft.com/office/drawing/2017/decorative" xmlns="" val="1"/>
+                  <adec:decorative xmlns="" xmlns:adec="http://schemas.microsoft.com/office/drawing/2017/decorative" val="1"/>
                 </a:ext>
               </a:extLst>
             </p:cNvPr>
@@ -19062,7 +19062,7 @@
             <p:nvPr>
               <p:extLst>
                 <p:ext uri="{386F3935-93C4-4BCD-93E2-E3B085C9AB24}">
-                  <p16:designElem xmlns:p16="http://schemas.microsoft.com/office/powerpoint/2015/main" xmlns="" val="1"/>
+                  <p16:designElem xmlns="" xmlns:p16="http://schemas.microsoft.com/office/powerpoint/2015/main" val="1"/>
                 </p:ext>
               </p:extLst>
             </p:nvPr>
@@ -19129,10 +19129,10 @@
             <p:cNvPr id="12" name="Rectangle 25">
               <a:extLst>
                 <a:ext uri="{FF2B5EF4-FFF2-40B4-BE49-F238E27FC236}">
-                  <a16:creationId xmlns:a16="http://schemas.microsoft.com/office/drawing/2014/main" xmlns="" id="{B6D53C7D-A312-47B6-A66A-230A19CFACA6}"/>
+                  <a16:creationId xmlns="" xmlns:a16="http://schemas.microsoft.com/office/drawing/2014/main" id="{B6D53C7D-A312-47B6-A66A-230A19CFACA6}"/>
                 </a:ext>
                 <a:ext uri="{C183D7F6-B498-43B3-948B-1728B52AA6E4}">
-                  <adec:decorative xmlns:adec="http://schemas.microsoft.com/office/drawing/2017/decorative" xmlns="" val="1"/>
+                  <adec:decorative xmlns="" xmlns:adec="http://schemas.microsoft.com/office/drawing/2017/decorative" val="1"/>
                 </a:ext>
               </a:extLst>
             </p:cNvPr>
@@ -19140,7 +19140,7 @@
             <p:nvPr>
               <p:extLst>
                 <p:ext uri="{386F3935-93C4-4BCD-93E2-E3B085C9AB24}">
-                  <p16:designElem xmlns:p16="http://schemas.microsoft.com/office/powerpoint/2015/main" xmlns="" val="1"/>
+                  <p16:designElem xmlns="" xmlns:p16="http://schemas.microsoft.com/office/powerpoint/2015/main" val="1"/>
                 </p:ext>
               </p:extLst>
             </p:nvPr>
@@ -19207,10 +19207,10 @@
             <p:cNvPr id="13" name="Isosceles Triangle 12">
               <a:extLst>
                 <a:ext uri="{FF2B5EF4-FFF2-40B4-BE49-F238E27FC236}">
-                  <a16:creationId xmlns:a16="http://schemas.microsoft.com/office/drawing/2014/main" xmlns="" id="{9329D58C-0D2E-4A2B-AD6A-9CEE506784A8}"/>
+                  <a16:creationId xmlns="" xmlns:a16="http://schemas.microsoft.com/office/drawing/2014/main" id="{9329D58C-0D2E-4A2B-AD6A-9CEE506784A8}"/>
                 </a:ext>
                 <a:ext uri="{C183D7F6-B498-43B3-948B-1728B52AA6E4}">
-                  <adec:decorative xmlns:adec="http://schemas.microsoft.com/office/drawing/2017/decorative" xmlns="" val="1"/>
+                  <adec:decorative xmlns="" xmlns:adec="http://schemas.microsoft.com/office/drawing/2017/decorative" val="1"/>
                 </a:ext>
               </a:extLst>
             </p:cNvPr>
@@ -19218,7 +19218,7 @@
             <p:nvPr>
               <p:extLst>
                 <p:ext uri="{386F3935-93C4-4BCD-93E2-E3B085C9AB24}">
-                  <p16:designElem xmlns:p16="http://schemas.microsoft.com/office/powerpoint/2015/main" xmlns="" val="1"/>
+                  <p16:designElem xmlns="" xmlns:p16="http://schemas.microsoft.com/office/powerpoint/2015/main" val="1"/>
                 </p:ext>
               </p:extLst>
             </p:nvPr>
@@ -19263,10 +19263,10 @@
             <p:cNvPr id="14" name="Rectangle 27">
               <a:extLst>
                 <a:ext uri="{FF2B5EF4-FFF2-40B4-BE49-F238E27FC236}">
-                  <a16:creationId xmlns:a16="http://schemas.microsoft.com/office/drawing/2014/main" xmlns="" id="{9D446EDE-C690-4461-8BF2-7634808FC8B4}"/>
+                  <a16:creationId xmlns="" xmlns:a16="http://schemas.microsoft.com/office/drawing/2014/main" id="{9D446EDE-C690-4461-8BF2-7634808FC8B4}"/>
                 </a:ext>
                 <a:ext uri="{C183D7F6-B498-43B3-948B-1728B52AA6E4}">
-                  <adec:decorative xmlns:adec="http://schemas.microsoft.com/office/drawing/2017/decorative" xmlns="" val="1"/>
+                  <adec:decorative xmlns="" xmlns:adec="http://schemas.microsoft.com/office/drawing/2017/decorative" val="1"/>
                 </a:ext>
               </a:extLst>
             </p:cNvPr>
@@ -19274,7 +19274,7 @@
             <p:nvPr>
               <p:extLst>
                 <p:ext uri="{386F3935-93C4-4BCD-93E2-E3B085C9AB24}">
-                  <p16:designElem xmlns:p16="http://schemas.microsoft.com/office/powerpoint/2015/main" xmlns="" val="1"/>
+                  <p16:designElem xmlns="" xmlns:p16="http://schemas.microsoft.com/office/powerpoint/2015/main" val="1"/>
                 </p:ext>
               </p:extLst>
             </p:nvPr>
@@ -19342,10 +19342,10 @@
             <p:cNvPr id="15" name="Rectangle 28">
               <a:extLst>
                 <a:ext uri="{FF2B5EF4-FFF2-40B4-BE49-F238E27FC236}">
-                  <a16:creationId xmlns:a16="http://schemas.microsoft.com/office/drawing/2014/main" xmlns="" id="{323F3D34-6531-4AD7-A8C6-195A090281A1}"/>
+                  <a16:creationId xmlns="" xmlns:a16="http://schemas.microsoft.com/office/drawing/2014/main" id="{323F3D34-6531-4AD7-A8C6-195A090281A1}"/>
                 </a:ext>
                 <a:ext uri="{C183D7F6-B498-43B3-948B-1728B52AA6E4}">
-                  <adec:decorative xmlns:adec="http://schemas.microsoft.com/office/drawing/2017/decorative" xmlns="" val="1"/>
+                  <adec:decorative xmlns="" xmlns:adec="http://schemas.microsoft.com/office/drawing/2017/decorative" val="1"/>
                 </a:ext>
               </a:extLst>
             </p:cNvPr>
@@ -19353,7 +19353,7 @@
             <p:nvPr>
               <p:extLst>
                 <p:ext uri="{386F3935-93C4-4BCD-93E2-E3B085C9AB24}">
-                  <p16:designElem xmlns:p16="http://schemas.microsoft.com/office/powerpoint/2015/main" xmlns="" val="1"/>
+                  <p16:designElem xmlns="" xmlns:p16="http://schemas.microsoft.com/office/powerpoint/2015/main" val="1"/>
                 </p:ext>
               </p:extLst>
             </p:nvPr>
@@ -19422,10 +19422,10 @@
             <p:cNvPr id="16" name="Rectangle 29">
               <a:extLst>
                 <a:ext uri="{FF2B5EF4-FFF2-40B4-BE49-F238E27FC236}">
-                  <a16:creationId xmlns:a16="http://schemas.microsoft.com/office/drawing/2014/main" xmlns="" id="{B9B0AE3F-2350-435F-A9B0-C310BF876385}"/>
+                  <a16:creationId xmlns="" xmlns:a16="http://schemas.microsoft.com/office/drawing/2014/main" id="{B9B0AE3F-2350-435F-A9B0-C310BF876385}"/>
                 </a:ext>
                 <a:ext uri="{C183D7F6-B498-43B3-948B-1728B52AA6E4}">
-                  <adec:decorative xmlns:adec="http://schemas.microsoft.com/office/drawing/2017/decorative" xmlns="" val="1"/>
+                  <adec:decorative xmlns="" xmlns:adec="http://schemas.microsoft.com/office/drawing/2017/decorative" val="1"/>
                 </a:ext>
               </a:extLst>
             </p:cNvPr>
@@ -19433,7 +19433,7 @@
             <p:nvPr>
               <p:extLst>
                 <p:ext uri="{386F3935-93C4-4BCD-93E2-E3B085C9AB24}">
-                  <p16:designElem xmlns:p16="http://schemas.microsoft.com/office/powerpoint/2015/main" xmlns="" val="1"/>
+                  <p16:designElem xmlns="" xmlns:p16="http://schemas.microsoft.com/office/powerpoint/2015/main" val="1"/>
                 </p:ext>
               </p:extLst>
             </p:nvPr>
@@ -19500,10 +19500,10 @@
             <p:cNvPr id="17" name="Isosceles Triangle 16">
               <a:extLst>
                 <a:ext uri="{FF2B5EF4-FFF2-40B4-BE49-F238E27FC236}">
-                  <a16:creationId xmlns:a16="http://schemas.microsoft.com/office/drawing/2014/main" xmlns="" id="{4EFA655C-9E50-4C14-A89E-AD7B648E4E2B}"/>
+                  <a16:creationId xmlns="" xmlns:a16="http://schemas.microsoft.com/office/drawing/2014/main" id="{4EFA655C-9E50-4C14-A89E-AD7B648E4E2B}"/>
                 </a:ext>
                 <a:ext uri="{C183D7F6-B498-43B3-948B-1728B52AA6E4}">
-                  <adec:decorative xmlns:adec="http://schemas.microsoft.com/office/drawing/2017/decorative" xmlns="" val="1"/>
+                  <adec:decorative xmlns="" xmlns:adec="http://schemas.microsoft.com/office/drawing/2017/decorative" val="1"/>
                 </a:ext>
               </a:extLst>
             </p:cNvPr>
@@ -19511,7 +19511,7 @@
             <p:nvPr>
               <p:extLst>
                 <p:ext uri="{386F3935-93C4-4BCD-93E2-E3B085C9AB24}">
-                  <p16:designElem xmlns:p16="http://schemas.microsoft.com/office/powerpoint/2015/main" xmlns="" val="1"/>
+                  <p16:designElem xmlns="" xmlns:p16="http://schemas.microsoft.com/office/powerpoint/2015/main" val="1"/>
                 </p:ext>
               </p:extLst>
             </p:nvPr>
@@ -19556,10 +19556,10 @@
             <p:cNvPr id="18" name="Isosceles Triangle 17">
               <a:extLst>
                 <a:ext uri="{FF2B5EF4-FFF2-40B4-BE49-F238E27FC236}">
-                  <a16:creationId xmlns:a16="http://schemas.microsoft.com/office/drawing/2014/main" xmlns="" id="{3E843863-7D25-4C01-9A17-E817CB6D998A}"/>
+                  <a16:creationId xmlns="" xmlns:a16="http://schemas.microsoft.com/office/drawing/2014/main" id="{3E843863-7D25-4C01-9A17-E817CB6D998A}"/>
                 </a:ext>
                 <a:ext uri="{C183D7F6-B498-43B3-948B-1728B52AA6E4}">
-                  <adec:decorative xmlns:adec="http://schemas.microsoft.com/office/drawing/2017/decorative" xmlns="" val="1"/>
+                  <adec:decorative xmlns="" xmlns:adec="http://schemas.microsoft.com/office/drawing/2017/decorative" val="1"/>
                 </a:ext>
               </a:extLst>
             </p:cNvPr>
@@ -19567,7 +19567,7 @@
             <p:nvPr>
               <p:extLst>
                 <p:ext uri="{386F3935-93C4-4BCD-93E2-E3B085C9AB24}">
-                  <p16:designElem xmlns:p16="http://schemas.microsoft.com/office/powerpoint/2015/main" xmlns="" val="1"/>
+                  <p16:designElem xmlns="" xmlns:p16="http://schemas.microsoft.com/office/powerpoint/2015/main" val="1"/>
                 </p:ext>
               </p:extLst>
             </p:nvPr>
@@ -19613,10 +19613,10 @@
           <p:cNvPr id="20" name="Rectangle 19">
             <a:extLst>
               <a:ext uri="{FF2B5EF4-FFF2-40B4-BE49-F238E27FC236}">
-                <a16:creationId xmlns:a16="http://schemas.microsoft.com/office/drawing/2014/main" xmlns="" id="{7941F9B1-B01B-4A84-89D9-B169AEB4E456}"/>
+                <a16:creationId xmlns="" xmlns:a16="http://schemas.microsoft.com/office/drawing/2014/main" id="{7941F9B1-B01B-4A84-89D9-B169AEB4E456}"/>
               </a:ext>
               <a:ext uri="{C183D7F6-B498-43B3-948B-1728B52AA6E4}">
-                <adec:decorative xmlns:adec="http://schemas.microsoft.com/office/drawing/2017/decorative" xmlns="" val="1"/>
+                <adec:decorative xmlns="" xmlns:adec="http://schemas.microsoft.com/office/drawing/2017/decorative" val="1"/>
               </a:ext>
             </a:extLst>
           </p:cNvPr>
@@ -19626,7 +19626,7 @@
           <p:nvPr>
             <p:extLst>
               <p:ext uri="{386F3935-93C4-4BCD-93E2-E3B085C9AB24}">
-                <p16:designElem xmlns:p16="http://schemas.microsoft.com/office/powerpoint/2015/main" xmlns="" val="1"/>
+                <p16:designElem xmlns="" xmlns:p16="http://schemas.microsoft.com/office/powerpoint/2015/main" val="1"/>
               </p:ext>
             </p:extLst>
           </p:nvPr>
@@ -19683,7 +19683,7 @@
           <p:cNvPr id="2" name="slide7">
             <a:extLst>
               <a:ext uri="{FF2B5EF4-FFF2-40B4-BE49-F238E27FC236}">
-                <a16:creationId xmlns:a16="http://schemas.microsoft.com/office/drawing/2014/main" xmlns="" id="{32FA218C-9DCC-4749-AE77-6B7422F4D2E4}"/>
+                <a16:creationId xmlns="" xmlns:a16="http://schemas.microsoft.com/office/drawing/2014/main" id="{32FA218C-9DCC-4749-AE77-6B7422F4D2E4}"/>
               </a:ext>
             </a:extLst>
           </p:cNvPr>
@@ -19749,7 +19749,7 @@
           <p:cNvPr id="2" name="slide12">
             <a:extLst>
               <a:ext uri="{FF2B5EF4-FFF2-40B4-BE49-F238E27FC236}">
-                <a16:creationId xmlns:a16="http://schemas.microsoft.com/office/drawing/2014/main" xmlns="" id="{182788E9-656A-4F10-9AA0-9542414F6BC9}"/>
+                <a16:creationId xmlns="" xmlns:a16="http://schemas.microsoft.com/office/drawing/2014/main" id="{182788E9-656A-4F10-9AA0-9542414F6BC9}"/>
               </a:ext>
             </a:extLst>
           </p:cNvPr>
@@ -19785,7 +19785,7 @@
           <p:cNvPr id="3" name="slide13">
             <a:extLst>
               <a:ext uri="{FF2B5EF4-FFF2-40B4-BE49-F238E27FC236}">
-                <a16:creationId xmlns:a16="http://schemas.microsoft.com/office/drawing/2014/main" xmlns="" id="{BD5FCEEC-5BC0-4443-BB76-C818E5150BCA}"/>
+                <a16:creationId xmlns="" xmlns:a16="http://schemas.microsoft.com/office/drawing/2014/main" id="{BD5FCEEC-5BC0-4443-BB76-C818E5150BCA}"/>
               </a:ext>
             </a:extLst>
           </p:cNvPr>
@@ -19860,7 +19860,7 @@
           <p:cNvPr id="4" name="slide17">
             <a:extLst>
               <a:ext uri="{FF2B5EF4-FFF2-40B4-BE49-F238E27FC236}">
-                <a16:creationId xmlns:a16="http://schemas.microsoft.com/office/drawing/2014/main" xmlns="" id="{A7CE866C-AA16-41F3-A929-534EA195EEC5}"/>
+                <a16:creationId xmlns="" xmlns:a16="http://schemas.microsoft.com/office/drawing/2014/main" id="{A7CE866C-AA16-41F3-A929-534EA195EEC5}"/>
               </a:ext>
             </a:extLst>
           </p:cNvPr>
@@ -19896,10 +19896,10 @@
           <p:cNvPr id="23" name="Rectangle 22">
             <a:extLst>
               <a:ext uri="{FF2B5EF4-FFF2-40B4-BE49-F238E27FC236}">
-                <a16:creationId xmlns:a16="http://schemas.microsoft.com/office/drawing/2014/main" xmlns="" id="{E3B4FF89-C45F-4E24-B963-61E855708F2A}"/>
+                <a16:creationId xmlns="" xmlns:a16="http://schemas.microsoft.com/office/drawing/2014/main" id="{E3B4FF89-C45F-4E24-B963-61E855708F2A}"/>
               </a:ext>
               <a:ext uri="{C183D7F6-B498-43B3-948B-1728B52AA6E4}">
-                <adec:decorative xmlns:adec="http://schemas.microsoft.com/office/drawing/2017/decorative" xmlns="" val="1"/>
+                <adec:decorative xmlns="" xmlns:adec="http://schemas.microsoft.com/office/drawing/2017/decorative" val="1"/>
               </a:ext>
             </a:extLst>
           </p:cNvPr>
@@ -19909,7 +19909,7 @@
           <p:nvPr>
             <p:extLst>
               <p:ext uri="{386F3935-93C4-4BCD-93E2-E3B085C9AB24}">
-                <p16:designElem xmlns:p16="http://schemas.microsoft.com/office/powerpoint/2015/main" xmlns="" val="1"/>
+                <p16:designElem xmlns="" xmlns:p16="http://schemas.microsoft.com/office/powerpoint/2015/main" val="1"/>
               </p:ext>
             </p:extLst>
           </p:nvPr>
@@ -19962,7 +19962,7 @@
           <p:cNvPr id="18" name="slide18">
             <a:extLst>
               <a:ext uri="{FF2B5EF4-FFF2-40B4-BE49-F238E27FC236}">
-                <a16:creationId xmlns:a16="http://schemas.microsoft.com/office/drawing/2014/main" xmlns="" id="{CDE01BE3-72CA-4DA3-8D2A-2D277FB5BC72}"/>
+                <a16:creationId xmlns="" xmlns:a16="http://schemas.microsoft.com/office/drawing/2014/main" id="{CDE01BE3-72CA-4DA3-8D2A-2D277FB5BC72}"/>
               </a:ext>
             </a:extLst>
           </p:cNvPr>
@@ -19998,10 +19998,10 @@
           <p:cNvPr id="25" name="Rectangle 24">
             <a:extLst>
               <a:ext uri="{FF2B5EF4-FFF2-40B4-BE49-F238E27FC236}">
-                <a16:creationId xmlns:a16="http://schemas.microsoft.com/office/drawing/2014/main" xmlns="" id="{14F25C03-EF67-4344-8AEA-7B3FA0DED024}"/>
+                <a16:creationId xmlns="" xmlns:a16="http://schemas.microsoft.com/office/drawing/2014/main" id="{14F25C03-EF67-4344-8AEA-7B3FA0DED024}"/>
               </a:ext>
               <a:ext uri="{C183D7F6-B498-43B3-948B-1728B52AA6E4}">
-                <adec:decorative xmlns:adec="http://schemas.microsoft.com/office/drawing/2017/decorative" xmlns="" val="1"/>
+                <adec:decorative xmlns="" xmlns:adec="http://schemas.microsoft.com/office/drawing/2017/decorative" val="1"/>
               </a:ext>
             </a:extLst>
           </p:cNvPr>
@@ -20011,7 +20011,7 @@
           <p:nvPr>
             <p:extLst>
               <p:ext uri="{386F3935-93C4-4BCD-93E2-E3B085C9AB24}">
-                <p16:designElem xmlns:p16="http://schemas.microsoft.com/office/powerpoint/2015/main" xmlns="" val="1"/>
+                <p16:designElem xmlns="" xmlns:p16="http://schemas.microsoft.com/office/powerpoint/2015/main" val="1"/>
               </p:ext>
             </p:extLst>
           </p:nvPr>
@@ -20064,7 +20064,7 @@
           <p:cNvPr id="5" name="slide14">
             <a:extLst>
               <a:ext uri="{FF2B5EF4-FFF2-40B4-BE49-F238E27FC236}">
-                <a16:creationId xmlns:a16="http://schemas.microsoft.com/office/drawing/2014/main" xmlns="" id="{65CBC0E9-7F65-4EA2-B5D9-780087582710}"/>
+                <a16:creationId xmlns="" xmlns:a16="http://schemas.microsoft.com/office/drawing/2014/main" id="{65CBC0E9-7F65-4EA2-B5D9-780087582710}"/>
               </a:ext>
             </a:extLst>
           </p:cNvPr>
@@ -20100,10 +20100,10 @@
           <p:cNvPr id="27" name="Rectangle 26">
             <a:extLst>
               <a:ext uri="{FF2B5EF4-FFF2-40B4-BE49-F238E27FC236}">
-                <a16:creationId xmlns:a16="http://schemas.microsoft.com/office/drawing/2014/main" xmlns="" id="{F74793DE-3651-410B-B243-8F0B1468E6A4}"/>
+                <a16:creationId xmlns="" xmlns:a16="http://schemas.microsoft.com/office/drawing/2014/main" id="{F74793DE-3651-410B-B243-8F0B1468E6A4}"/>
               </a:ext>
               <a:ext uri="{C183D7F6-B498-43B3-948B-1728B52AA6E4}">
-                <adec:decorative xmlns:adec="http://schemas.microsoft.com/office/drawing/2017/decorative" xmlns="" val="1"/>
+                <adec:decorative xmlns="" xmlns:adec="http://schemas.microsoft.com/office/drawing/2017/decorative" val="1"/>
               </a:ext>
             </a:extLst>
           </p:cNvPr>
@@ -20113,7 +20113,7 @@
           <p:nvPr>
             <p:extLst>
               <p:ext uri="{386F3935-93C4-4BCD-93E2-E3B085C9AB24}">
-                <p16:designElem xmlns:p16="http://schemas.microsoft.com/office/powerpoint/2015/main" xmlns="" val="1"/>
+                <p16:designElem xmlns="" xmlns:p16="http://schemas.microsoft.com/office/powerpoint/2015/main" val="1"/>
               </p:ext>
             </p:extLst>
           </p:nvPr>
@@ -20166,7 +20166,7 @@
           <p:cNvPr id="6" name="slide15">
             <a:extLst>
               <a:ext uri="{FF2B5EF4-FFF2-40B4-BE49-F238E27FC236}">
-                <a16:creationId xmlns:a16="http://schemas.microsoft.com/office/drawing/2014/main" xmlns="" id="{27FFCC14-00B1-4992-8208-5E3A6F94FCE1}"/>
+                <a16:creationId xmlns="" xmlns:a16="http://schemas.microsoft.com/office/drawing/2014/main" id="{27FFCC14-00B1-4992-8208-5E3A6F94FCE1}"/>
               </a:ext>
             </a:extLst>
           </p:cNvPr>
@@ -20202,7 +20202,7 @@
           <p:cNvPr id="3" name="slide16">
             <a:extLst>
               <a:ext uri="{FF2B5EF4-FFF2-40B4-BE49-F238E27FC236}">
-                <a16:creationId xmlns:a16="http://schemas.microsoft.com/office/drawing/2014/main" xmlns="" id="{B0269140-4735-46C2-9544-928A9A9AA4A7}"/>
+                <a16:creationId xmlns="" xmlns:a16="http://schemas.microsoft.com/office/drawing/2014/main" id="{B0269140-4735-46C2-9544-928A9A9AA4A7}"/>
               </a:ext>
             </a:extLst>
           </p:cNvPr>
@@ -20238,7 +20238,7 @@
           <p:cNvPr id="7" name="slide13">
             <a:extLst>
               <a:ext uri="{FF2B5EF4-FFF2-40B4-BE49-F238E27FC236}">
-                <a16:creationId xmlns:a16="http://schemas.microsoft.com/office/drawing/2014/main" xmlns="" id="{B35B683C-C529-4100-B043-1BF7416E3B9E}"/>
+                <a16:creationId xmlns="" xmlns:a16="http://schemas.microsoft.com/office/drawing/2014/main" id="{B35B683C-C529-4100-B043-1BF7416E3B9E}"/>
               </a:ext>
             </a:extLst>
           </p:cNvPr>
@@ -20312,10 +20312,10 @@
           <p:cNvPr id="7" name="Rectangle 6">
             <a:extLst>
               <a:ext uri="{FF2B5EF4-FFF2-40B4-BE49-F238E27FC236}">
-                <a16:creationId xmlns:a16="http://schemas.microsoft.com/office/drawing/2014/main" xmlns="" id="{03E8462A-FEBA-4848-81CC-3F8DA3E477BE}"/>
+                <a16:creationId xmlns="" xmlns:a16="http://schemas.microsoft.com/office/drawing/2014/main" id="{03E8462A-FEBA-4848-81CC-3F8DA3E477BE}"/>
               </a:ext>
               <a:ext uri="{C183D7F6-B498-43B3-948B-1728B52AA6E4}">
-                <adec:decorative xmlns:adec="http://schemas.microsoft.com/office/drawing/2017/decorative" xmlns="" val="1"/>
+                <adec:decorative xmlns="" xmlns:adec="http://schemas.microsoft.com/office/drawing/2017/decorative" val="1"/>
               </a:ext>
             </a:extLst>
           </p:cNvPr>
@@ -20325,7 +20325,7 @@
           <p:nvPr>
             <p:extLst>
               <p:ext uri="{386F3935-93C4-4BCD-93E2-E3B085C9AB24}">
-                <p16:designElem xmlns:p16="http://schemas.microsoft.com/office/powerpoint/2015/main" xmlns="" val="1"/>
+                <p16:designElem xmlns="" xmlns:p16="http://schemas.microsoft.com/office/powerpoint/2015/main" val="1"/>
               </p:ext>
             </p:extLst>
           </p:nvPr>
@@ -20375,10 +20375,10 @@
           <p:cNvPr id="9" name="Group 8">
             <a:extLst>
               <a:ext uri="{FF2B5EF4-FFF2-40B4-BE49-F238E27FC236}">
-                <a16:creationId xmlns:a16="http://schemas.microsoft.com/office/drawing/2014/main" xmlns="" id="{2109F83F-40FE-4DB3-84CC-09FB3340D06D}"/>
+                <a16:creationId xmlns="" xmlns:a16="http://schemas.microsoft.com/office/drawing/2014/main" id="{2109F83F-40FE-4DB3-84CC-09FB3340D06D}"/>
               </a:ext>
               <a:ext uri="{C183D7F6-B498-43B3-948B-1728B52AA6E4}">
-                <adec:decorative xmlns:adec="http://schemas.microsoft.com/office/drawing/2017/decorative" xmlns="" val="1"/>
+                <adec:decorative xmlns="" xmlns:adec="http://schemas.microsoft.com/office/drawing/2017/decorative" val="1"/>
               </a:ext>
             </a:extLst>
           </p:cNvPr>
@@ -20388,7 +20388,7 @@
           <p:nvPr>
             <p:extLst>
               <p:ext uri="{386F3935-93C4-4BCD-93E2-E3B085C9AB24}">
-                <p16:designElem xmlns:p16="http://schemas.microsoft.com/office/powerpoint/2015/main" xmlns="" val="1"/>
+                <p16:designElem xmlns="" xmlns:p16="http://schemas.microsoft.com/office/powerpoint/2015/main" val="1"/>
               </p:ext>
             </p:extLst>
           </p:nvPr>
@@ -20406,10 +20406,10 @@
             <p:cNvPr id="10" name="Straight Connector 9">
               <a:extLst>
                 <a:ext uri="{FF2B5EF4-FFF2-40B4-BE49-F238E27FC236}">
-                  <a16:creationId xmlns:a16="http://schemas.microsoft.com/office/drawing/2014/main" xmlns="" id="{1DE492D7-C3C3-48FF-80C8-37021EA0262F}"/>
+                  <a16:creationId xmlns="" xmlns:a16="http://schemas.microsoft.com/office/drawing/2014/main" id="{1DE492D7-C3C3-48FF-80C8-37021EA0262F}"/>
                 </a:ext>
                 <a:ext uri="{C183D7F6-B498-43B3-948B-1728B52AA6E4}">
-                  <adec:decorative xmlns:adec="http://schemas.microsoft.com/office/drawing/2017/decorative" xmlns="" val="1"/>
+                  <adec:decorative xmlns="" xmlns:adec="http://schemas.microsoft.com/office/drawing/2017/decorative" val="1"/>
                 </a:ext>
               </a:extLst>
             </p:cNvPr>
@@ -20417,7 +20417,7 @@
             <p:nvPr>
               <p:extLst>
                 <p:ext uri="{386F3935-93C4-4BCD-93E2-E3B085C9AB24}">
-                  <p16:designElem xmlns:p16="http://schemas.microsoft.com/office/powerpoint/2015/main" xmlns="" val="1"/>
+                  <p16:designElem xmlns="" xmlns:p16="http://schemas.microsoft.com/office/powerpoint/2015/main" val="1"/>
                 </p:ext>
               </p:extLst>
             </p:nvPr>
@@ -20458,10 +20458,10 @@
             <p:cNvPr id="11" name="Rectangle 23">
               <a:extLst>
                 <a:ext uri="{FF2B5EF4-FFF2-40B4-BE49-F238E27FC236}">
-                  <a16:creationId xmlns:a16="http://schemas.microsoft.com/office/drawing/2014/main" xmlns="" id="{0B30FF97-2E9A-490A-AED2-90BA2E0EC17F}"/>
+                  <a16:creationId xmlns="" xmlns:a16="http://schemas.microsoft.com/office/drawing/2014/main" id="{0B30FF97-2E9A-490A-AED2-90BA2E0EC17F}"/>
                 </a:ext>
                 <a:ext uri="{C183D7F6-B498-43B3-948B-1728B52AA6E4}">
-                  <adec:decorative xmlns:adec="http://schemas.microsoft.com/office/drawing/2017/decorative" xmlns="" val="1"/>
+                  <adec:decorative xmlns="" xmlns:adec="http://schemas.microsoft.com/office/drawing/2017/decorative" val="1"/>
                 </a:ext>
               </a:extLst>
             </p:cNvPr>
@@ -20469,7 +20469,7 @@
             <p:nvPr>
               <p:extLst>
                 <p:ext uri="{386F3935-93C4-4BCD-93E2-E3B085C9AB24}">
-                  <p16:designElem xmlns:p16="http://schemas.microsoft.com/office/powerpoint/2015/main" xmlns="" val="1"/>
+                  <p16:designElem xmlns="" xmlns:p16="http://schemas.microsoft.com/office/powerpoint/2015/main" val="1"/>
                 </p:ext>
               </p:extLst>
             </p:nvPr>
@@ -20536,10 +20536,10 @@
             <p:cNvPr id="12" name="Rectangle 25">
               <a:extLst>
                 <a:ext uri="{FF2B5EF4-FFF2-40B4-BE49-F238E27FC236}">
-                  <a16:creationId xmlns:a16="http://schemas.microsoft.com/office/drawing/2014/main" xmlns="" id="{B6D53C7D-A312-47B6-A66A-230A19CFACA6}"/>
+                  <a16:creationId xmlns="" xmlns:a16="http://schemas.microsoft.com/office/drawing/2014/main" id="{B6D53C7D-A312-47B6-A66A-230A19CFACA6}"/>
                 </a:ext>
                 <a:ext uri="{C183D7F6-B498-43B3-948B-1728B52AA6E4}">
-                  <adec:decorative xmlns:adec="http://schemas.microsoft.com/office/drawing/2017/decorative" xmlns="" val="1"/>
+                  <adec:decorative xmlns="" xmlns:adec="http://schemas.microsoft.com/office/drawing/2017/decorative" val="1"/>
                 </a:ext>
               </a:extLst>
             </p:cNvPr>
@@ -20547,7 +20547,7 @@
             <p:nvPr>
               <p:extLst>
                 <p:ext uri="{386F3935-93C4-4BCD-93E2-E3B085C9AB24}">
-                  <p16:designElem xmlns:p16="http://schemas.microsoft.com/office/powerpoint/2015/main" xmlns="" val="1"/>
+                  <p16:designElem xmlns="" xmlns:p16="http://schemas.microsoft.com/office/powerpoint/2015/main" val="1"/>
                 </p:ext>
               </p:extLst>
             </p:nvPr>
@@ -20614,10 +20614,10 @@
             <p:cNvPr id="13" name="Isosceles Triangle 12">
               <a:extLst>
                 <a:ext uri="{FF2B5EF4-FFF2-40B4-BE49-F238E27FC236}">
-                  <a16:creationId xmlns:a16="http://schemas.microsoft.com/office/drawing/2014/main" xmlns="" id="{9329D58C-0D2E-4A2B-AD6A-9CEE506784A8}"/>
+                  <a16:creationId xmlns="" xmlns:a16="http://schemas.microsoft.com/office/drawing/2014/main" id="{9329D58C-0D2E-4A2B-AD6A-9CEE506784A8}"/>
                 </a:ext>
                 <a:ext uri="{C183D7F6-B498-43B3-948B-1728B52AA6E4}">
-                  <adec:decorative xmlns:adec="http://schemas.microsoft.com/office/drawing/2017/decorative" xmlns="" val="1"/>
+                  <adec:decorative xmlns="" xmlns:adec="http://schemas.microsoft.com/office/drawing/2017/decorative" val="1"/>
                 </a:ext>
               </a:extLst>
             </p:cNvPr>
@@ -20625,7 +20625,7 @@
             <p:nvPr>
               <p:extLst>
                 <p:ext uri="{386F3935-93C4-4BCD-93E2-E3B085C9AB24}">
-                  <p16:designElem xmlns:p16="http://schemas.microsoft.com/office/powerpoint/2015/main" xmlns="" val="1"/>
+                  <p16:designElem xmlns="" xmlns:p16="http://schemas.microsoft.com/office/powerpoint/2015/main" val="1"/>
                 </p:ext>
               </p:extLst>
             </p:nvPr>
@@ -20670,10 +20670,10 @@
             <p:cNvPr id="14" name="Rectangle 27">
               <a:extLst>
                 <a:ext uri="{FF2B5EF4-FFF2-40B4-BE49-F238E27FC236}">
-                  <a16:creationId xmlns:a16="http://schemas.microsoft.com/office/drawing/2014/main" xmlns="" id="{9D446EDE-C690-4461-8BF2-7634808FC8B4}"/>
+                  <a16:creationId xmlns="" xmlns:a16="http://schemas.microsoft.com/office/drawing/2014/main" id="{9D446EDE-C690-4461-8BF2-7634808FC8B4}"/>
                 </a:ext>
                 <a:ext uri="{C183D7F6-B498-43B3-948B-1728B52AA6E4}">
-                  <adec:decorative xmlns:adec="http://schemas.microsoft.com/office/drawing/2017/decorative" xmlns="" val="1"/>
+                  <adec:decorative xmlns="" xmlns:adec="http://schemas.microsoft.com/office/drawing/2017/decorative" val="1"/>
                 </a:ext>
               </a:extLst>
             </p:cNvPr>
@@ -20681,7 +20681,7 @@
             <p:nvPr>
               <p:extLst>
                 <p:ext uri="{386F3935-93C4-4BCD-93E2-E3B085C9AB24}">
-                  <p16:designElem xmlns:p16="http://schemas.microsoft.com/office/powerpoint/2015/main" xmlns="" val="1"/>
+                  <p16:designElem xmlns="" xmlns:p16="http://schemas.microsoft.com/office/powerpoint/2015/main" val="1"/>
                 </p:ext>
               </p:extLst>
             </p:nvPr>
@@ -20749,10 +20749,10 @@
             <p:cNvPr id="15" name="Rectangle 28">
               <a:extLst>
                 <a:ext uri="{FF2B5EF4-FFF2-40B4-BE49-F238E27FC236}">
-                  <a16:creationId xmlns:a16="http://schemas.microsoft.com/office/drawing/2014/main" xmlns="" id="{323F3D34-6531-4AD7-A8C6-195A090281A1}"/>
+                  <a16:creationId xmlns="" xmlns:a16="http://schemas.microsoft.com/office/drawing/2014/main" id="{323F3D34-6531-4AD7-A8C6-195A090281A1}"/>
                 </a:ext>
                 <a:ext uri="{C183D7F6-B498-43B3-948B-1728B52AA6E4}">
-                  <adec:decorative xmlns:adec="http://schemas.microsoft.com/office/drawing/2017/decorative" xmlns="" val="1"/>
+                  <adec:decorative xmlns="" xmlns:adec="http://schemas.microsoft.com/office/drawing/2017/decorative" val="1"/>
                 </a:ext>
               </a:extLst>
             </p:cNvPr>
@@ -20760,7 +20760,7 @@
             <p:nvPr>
               <p:extLst>
                 <p:ext uri="{386F3935-93C4-4BCD-93E2-E3B085C9AB24}">
-                  <p16:designElem xmlns:p16="http://schemas.microsoft.com/office/powerpoint/2015/main" xmlns="" val="1"/>
+                  <p16:designElem xmlns="" xmlns:p16="http://schemas.microsoft.com/office/powerpoint/2015/main" val="1"/>
                 </p:ext>
               </p:extLst>
             </p:nvPr>
@@ -20829,10 +20829,10 @@
             <p:cNvPr id="16" name="Rectangle 29">
               <a:extLst>
                 <a:ext uri="{FF2B5EF4-FFF2-40B4-BE49-F238E27FC236}">
-                  <a16:creationId xmlns:a16="http://schemas.microsoft.com/office/drawing/2014/main" xmlns="" id="{B9B0AE3F-2350-435F-A9B0-C310BF876385}"/>
+                  <a16:creationId xmlns="" xmlns:a16="http://schemas.microsoft.com/office/drawing/2014/main" id="{B9B0AE3F-2350-435F-A9B0-C310BF876385}"/>
                 </a:ext>
                 <a:ext uri="{C183D7F6-B498-43B3-948B-1728B52AA6E4}">
-                  <adec:decorative xmlns:adec="http://schemas.microsoft.com/office/drawing/2017/decorative" xmlns="" val="1"/>
+                  <adec:decorative xmlns="" xmlns:adec="http://schemas.microsoft.com/office/drawing/2017/decorative" val="1"/>
                 </a:ext>
               </a:extLst>
             </p:cNvPr>
@@ -20840,7 +20840,7 @@
             <p:nvPr>
               <p:extLst>
                 <p:ext uri="{386F3935-93C4-4BCD-93E2-E3B085C9AB24}">
-                  <p16:designElem xmlns:p16="http://schemas.microsoft.com/office/powerpoint/2015/main" xmlns="" val="1"/>
+                  <p16:designElem xmlns="" xmlns:p16="http://schemas.microsoft.com/office/powerpoint/2015/main" val="1"/>
                 </p:ext>
               </p:extLst>
             </p:nvPr>
@@ -20907,10 +20907,10 @@
             <p:cNvPr id="17" name="Isosceles Triangle 16">
               <a:extLst>
                 <a:ext uri="{FF2B5EF4-FFF2-40B4-BE49-F238E27FC236}">
-                  <a16:creationId xmlns:a16="http://schemas.microsoft.com/office/drawing/2014/main" xmlns="" id="{4EFA655C-9E50-4C14-A89E-AD7B648E4E2B}"/>
+                  <a16:creationId xmlns="" xmlns:a16="http://schemas.microsoft.com/office/drawing/2014/main" id="{4EFA655C-9E50-4C14-A89E-AD7B648E4E2B}"/>
                 </a:ext>
                 <a:ext uri="{C183D7F6-B498-43B3-948B-1728B52AA6E4}">
-                  <adec:decorative xmlns:adec="http://schemas.microsoft.com/office/drawing/2017/decorative" xmlns="" val="1"/>
+                  <adec:decorative xmlns="" xmlns:adec="http://schemas.microsoft.com/office/drawing/2017/decorative" val="1"/>
                 </a:ext>
               </a:extLst>
             </p:cNvPr>
@@ -20918,7 +20918,7 @@
             <p:nvPr>
               <p:extLst>
                 <p:ext uri="{386F3935-93C4-4BCD-93E2-E3B085C9AB24}">
-                  <p16:designElem xmlns:p16="http://schemas.microsoft.com/office/powerpoint/2015/main" xmlns="" val="1"/>
+                  <p16:designElem xmlns="" xmlns:p16="http://schemas.microsoft.com/office/powerpoint/2015/main" val="1"/>
                 </p:ext>
               </p:extLst>
             </p:nvPr>
@@ -20963,10 +20963,10 @@
             <p:cNvPr id="18" name="Isosceles Triangle 17">
               <a:extLst>
                 <a:ext uri="{FF2B5EF4-FFF2-40B4-BE49-F238E27FC236}">
-                  <a16:creationId xmlns:a16="http://schemas.microsoft.com/office/drawing/2014/main" xmlns="" id="{3E843863-7D25-4C01-9A17-E817CB6D998A}"/>
+                  <a16:creationId xmlns="" xmlns:a16="http://schemas.microsoft.com/office/drawing/2014/main" id="{3E843863-7D25-4C01-9A17-E817CB6D998A}"/>
                 </a:ext>
                 <a:ext uri="{C183D7F6-B498-43B3-948B-1728B52AA6E4}">
-                  <adec:decorative xmlns:adec="http://schemas.microsoft.com/office/drawing/2017/decorative" xmlns="" val="1"/>
+                  <adec:decorative xmlns="" xmlns:adec="http://schemas.microsoft.com/office/drawing/2017/decorative" val="1"/>
                 </a:ext>
               </a:extLst>
             </p:cNvPr>
@@ -20974,7 +20974,7 @@
             <p:nvPr>
               <p:extLst>
                 <p:ext uri="{386F3935-93C4-4BCD-93E2-E3B085C9AB24}">
-                  <p16:designElem xmlns:p16="http://schemas.microsoft.com/office/powerpoint/2015/main" xmlns="" val="1"/>
+                  <p16:designElem xmlns="" xmlns:p16="http://schemas.microsoft.com/office/powerpoint/2015/main" val="1"/>
                 </p:ext>
               </p:extLst>
             </p:nvPr>
@@ -21020,10 +21020,10 @@
           <p:cNvPr id="20" name="Rectangle 19">
             <a:extLst>
               <a:ext uri="{FF2B5EF4-FFF2-40B4-BE49-F238E27FC236}">
-                <a16:creationId xmlns:a16="http://schemas.microsoft.com/office/drawing/2014/main" xmlns="" id="{7941F9B1-B01B-4A84-89D9-B169AEB4E456}"/>
+                <a16:creationId xmlns="" xmlns:a16="http://schemas.microsoft.com/office/drawing/2014/main" id="{7941F9B1-B01B-4A84-89D9-B169AEB4E456}"/>
               </a:ext>
               <a:ext uri="{C183D7F6-B498-43B3-948B-1728B52AA6E4}">
-                <adec:decorative xmlns:adec="http://schemas.microsoft.com/office/drawing/2017/decorative" xmlns="" val="1"/>
+                <adec:decorative xmlns="" xmlns:adec="http://schemas.microsoft.com/office/drawing/2017/decorative" val="1"/>
               </a:ext>
             </a:extLst>
           </p:cNvPr>
@@ -21033,7 +21033,7 @@
           <p:nvPr>
             <p:extLst>
               <p:ext uri="{386F3935-93C4-4BCD-93E2-E3B085C9AB24}">
-                <p16:designElem xmlns:p16="http://schemas.microsoft.com/office/powerpoint/2015/main" xmlns="" val="1"/>
+                <p16:designElem xmlns="" xmlns:p16="http://schemas.microsoft.com/office/powerpoint/2015/main" val="1"/>
               </p:ext>
             </p:extLst>
           </p:nvPr>
@@ -21090,7 +21090,7 @@
           <p:cNvPr id="2" name="slide11">
             <a:extLst>
               <a:ext uri="{FF2B5EF4-FFF2-40B4-BE49-F238E27FC236}">
-                <a16:creationId xmlns:a16="http://schemas.microsoft.com/office/drawing/2014/main" xmlns="" id="{86ADDBB0-D22B-4EEB-8C1C-06BD23ADD973}"/>
+                <a16:creationId xmlns="" xmlns:a16="http://schemas.microsoft.com/office/drawing/2014/main" id="{86ADDBB0-D22B-4EEB-8C1C-06BD23ADD973}"/>
               </a:ext>
             </a:extLst>
           </p:cNvPr>
@@ -21385,7 +21385,7 @@
   <a:extraClrSchemeLst/>
   <a:extLst>
     <a:ext uri="{05A4C25C-085E-4340-85A3-A5531E510DB2}">
-      <thm15:themeFamily xmlns:thm15="http://schemas.microsoft.com/office/thememl/2012/main" xmlns="" name="Facet" id="{C0C680CD-088A-49FC-A102-D699147F32B2}" vid="{CFBC31BA-B70F-4F30-BCAA-4F3011E16C4D}"/>
+      <thm15:themeFamily xmlns="" xmlns:thm15="http://schemas.microsoft.com/office/thememl/2012/main" name="Facet" id="{C0C680CD-088A-49FC-A102-D699147F32B2}" vid="{CFBC31BA-B70F-4F30-BCAA-4F3011E16C4D}"/>
     </a:ext>
   </a:extLst>
 </a:theme>
